--- a/기획문서/중간발표/Aww_중간발표.pptx
+++ b/기획문서/중간발표/Aww_중간발표.pptx
@@ -124,7 +124,7 @@
   </p:defaultTextStyle>
   <p:extLst>
     <p:ext uri="{EFAFB233-063F-42B5-8137-9DF3F51BA10A}">
-      <p15:sldGuideLst xmlns:p15="http://schemas.microsoft.com/office/powerpoint/2012/main" xmlns="">
+      <p15:sldGuideLst xmlns="" xmlns:p15="http://schemas.microsoft.com/office/powerpoint/2012/main">
         <p15:guide id="1" orient="horz" pos="2160">
           <p15:clr>
             <a:srgbClr val="A4A3A4"/>
@@ -4537,80 +4537,6 @@
       </p:grpSp>
       <p:grpSp>
         <p:nvGrpSpPr>
-          <p:cNvPr id="17" name="Group 16"/>
-          <p:cNvGrpSpPr/>
-          <p:nvPr/>
-        </p:nvGrpSpPr>
-        <p:grpSpPr>
-          <a:xfrm>
-            <a:off x="5195475" y="5241879"/>
-            <a:ext cx="2278048" cy="1375235"/>
-            <a:chOff x="3412868" y="4572900"/>
-            <a:chExt cx="2278048" cy="1375235"/>
-          </a:xfrm>
-        </p:grpSpPr>
-        <p:pic>
-          <p:nvPicPr>
-            <p:cNvPr id="18" name="Picture 17"/>
-            <p:cNvPicPr>
-              <a:picLocks noChangeAspect="1"/>
-            </p:cNvPicPr>
-            <p:nvPr/>
-          </p:nvPicPr>
-          <p:blipFill>
-            <a:blip r:embed="rId6" cstate="print">
-              <a:extLst>
-                <a:ext uri="{28A0092B-C50C-407E-A947-70E740481C1C}">
-                  <a14:useLocalDpi xmlns:a14="http://schemas.microsoft.com/office/drawing/2010/main" val="0"/>
-                </a:ext>
-              </a:extLst>
-            </a:blip>
-            <a:stretch>
-              <a:fillRect/>
-            </a:stretch>
-          </p:blipFill>
-          <p:spPr>
-            <a:xfrm>
-              <a:off x="3412868" y="4572900"/>
-              <a:ext cx="2278048" cy="842878"/>
-            </a:xfrm>
-            <a:prstGeom prst="rect">
-              <a:avLst/>
-            </a:prstGeom>
-          </p:spPr>
-        </p:pic>
-        <p:sp>
-          <p:nvSpPr>
-            <p:cNvPr id="19" name="Rectangle 18"/>
-            <p:cNvSpPr/>
-            <p:nvPr/>
-          </p:nvSpPr>
-          <p:spPr>
-            <a:xfrm>
-              <a:off x="3665271" y="5640358"/>
-              <a:ext cx="1773242" cy="307777"/>
-            </a:xfrm>
-            <a:prstGeom prst="rect">
-              <a:avLst/>
-            </a:prstGeom>
-          </p:spPr>
-          <p:txBody>
-            <a:bodyPr wrap="none">
-              <a:spAutoFit/>
-            </a:bodyPr>
-            <a:lstStyle/>
-            <a:p>
-              <a:r>
-                <a:rPr lang="en-US" altLang="ko-KR" sz="1400" dirty="0"/>
-                <a:t>https://github.com/</a:t>
-              </a:r>
-              <a:endParaRPr lang="ko-KR" altLang="en-US" sz="1400" dirty="0"/>
-            </a:p>
-          </p:txBody>
-        </p:sp>
-      </p:grpSp>
-      <p:grpSp>
-        <p:nvGrpSpPr>
           <p:cNvPr id="20" name="Group 19"/>
           <p:cNvGrpSpPr/>
           <p:nvPr/>
@@ -4632,7 +4558,7 @@
             <p:nvPr/>
           </p:nvPicPr>
           <p:blipFill>
-            <a:blip r:embed="rId7">
+            <a:blip r:embed="rId6">
               <a:extLst>
                 <a:ext uri="{28A0092B-C50C-407E-A947-70E740481C1C}">
                   <a14:useLocalDpi xmlns:a14="http://schemas.microsoft.com/office/drawing/2010/main" val="0"/>
@@ -4706,7 +4632,7 @@
             <p:nvPr/>
           </p:nvPicPr>
           <p:blipFill>
-            <a:blip r:embed="rId8" cstate="print">
+            <a:blip r:embed="rId7" cstate="print">
               <a:extLst>
                 <a:ext uri="{28A0092B-C50C-407E-A947-70E740481C1C}">
                   <a14:useLocalDpi xmlns:a14="http://schemas.microsoft.com/office/drawing/2010/main" val="0"/>
@@ -4757,6 +4683,65 @@
           </p:txBody>
         </p:sp>
       </p:grpSp>
+      <p:pic>
+        <p:nvPicPr>
+          <p:cNvPr id="4" name="Picture 3"/>
+          <p:cNvPicPr>
+            <a:picLocks noChangeAspect="1"/>
+          </p:cNvPicPr>
+          <p:nvPr/>
+        </p:nvPicPr>
+        <p:blipFill>
+          <a:blip r:embed="rId8" cstate="print">
+            <a:extLst>
+              <a:ext uri="{28A0092B-C50C-407E-A947-70E740481C1C}">
+                <a14:useLocalDpi xmlns:a14="http://schemas.microsoft.com/office/drawing/2010/main" val="0"/>
+              </a:ext>
+            </a:extLst>
+          </a:blip>
+          <a:stretch>
+            <a:fillRect/>
+          </a:stretch>
+        </p:blipFill>
+        <p:spPr>
+          <a:xfrm>
+            <a:off x="4856513" y="5226290"/>
+            <a:ext cx="2963949" cy="1098637"/>
+          </a:xfrm>
+          <a:prstGeom prst="rect">
+            <a:avLst/>
+          </a:prstGeom>
+        </p:spPr>
+      </p:pic>
+      <p:sp>
+        <p:nvSpPr>
+          <p:cNvPr id="26" name="Rectangle 25"/>
+          <p:cNvSpPr/>
+          <p:nvPr/>
+        </p:nvSpPr>
+        <p:spPr>
+          <a:xfrm>
+            <a:off x="5196825" y="6236093"/>
+            <a:ext cx="2173095" cy="338554"/>
+          </a:xfrm>
+          <a:prstGeom prst="rect">
+            <a:avLst/>
+          </a:prstGeom>
+        </p:spPr>
+        <p:txBody>
+          <a:bodyPr wrap="none">
+            <a:spAutoFit/>
+          </a:bodyPr>
+          <a:lstStyle/>
+          <a:p>
+            <a:r>
+              <a:rPr lang="en-US" altLang="ko-KR" sz="1600" dirty="0"/>
+              <a:t>https://bitbucket.org/</a:t>
+            </a:r>
+            <a:endParaRPr lang="ko-KR" altLang="en-US" sz="1600" dirty="0"/>
+          </a:p>
+        </p:txBody>
+      </p:sp>
     </p:spTree>
     <p:extLst>
       <p:ext uri="{BB962C8B-B14F-4D97-AF65-F5344CB8AC3E}">
@@ -4973,21 +4958,6 @@
           </a:p>
           <a:p>
             <a:endParaRPr lang="en-US" altLang="ko-KR" dirty="0"/>
-          </a:p>
-          <a:p>
-            <a:r>
-              <a:rPr lang="en-US" altLang="ko-KR" dirty="0"/>
-              <a:t>-  </a:t>
-            </a:r>
-            <a:r>
-              <a:rPr lang="ko-KR" altLang="en-US" dirty="0"/>
-              <a:t>동영상 찍거나 혹은 즉시 시연 </a:t>
-            </a:r>
-            <a:r>
-              <a:rPr lang="en-US" altLang="ko-KR" dirty="0"/>
-              <a:t>- </a:t>
-            </a:r>
-            <a:endParaRPr lang="ko-KR" altLang="en-US" dirty="0"/>
           </a:p>
         </p:txBody>
       </p:sp>
@@ -5042,6 +5012,36 @@
           <a:chExt cx="0" cy="0"/>
         </a:xfrm>
       </p:grpSpPr>
+      <p:pic>
+        <p:nvPicPr>
+          <p:cNvPr id="6" name="Picture 5"/>
+          <p:cNvPicPr>
+            <a:picLocks noChangeAspect="1"/>
+          </p:cNvPicPr>
+          <p:nvPr/>
+        </p:nvPicPr>
+        <p:blipFill>
+          <a:blip r:embed="rId3">
+            <a:extLst>
+              <a:ext uri="{28A0092B-C50C-407E-A947-70E740481C1C}">
+                <a14:useLocalDpi xmlns:a14="http://schemas.microsoft.com/office/drawing/2010/main" val="0"/>
+              </a:ext>
+            </a:extLst>
+          </a:blip>
+          <a:stretch>
+            <a:fillRect/>
+          </a:stretch>
+        </p:blipFill>
+        <p:spPr>
+          <a:xfrm>
+            <a:off x="1066800" y="4417154"/>
+            <a:ext cx="10058400" cy="1075728"/>
+          </a:xfrm>
+          <a:prstGeom prst="rect">
+            <a:avLst/>
+          </a:prstGeom>
+        </p:spPr>
+      </p:pic>
     </p:spTree>
     <p:extLst>
       <p:ext uri="{BB962C8B-B14F-4D97-AF65-F5344CB8AC3E}">
@@ -8084,7 +8084,7 @@
   <a:extraClrSchemeLst/>
   <a:extLst>
     <a:ext uri="{05A4C25C-085E-4340-85A3-A5531E510DB2}">
-      <thm15:themeFamily xmlns:thm15="http://schemas.microsoft.com/office/thememl/2012/main" xmlns="" name="Office Theme" id="{62F939B6-93AF-4DB8-9C6B-D6C7DFDC589F}" vid="{4A3C46E8-61CC-4603-A589-7422A47A8E4A}"/>
+      <thm15:themeFamily xmlns="" xmlns:thm15="http://schemas.microsoft.com/office/thememl/2012/main" name="Office Theme" id="{62F939B6-93AF-4DB8-9C6B-D6C7DFDC589F}" vid="{4A3C46E8-61CC-4603-A589-7422A47A8E4A}"/>
     </a:ext>
   </a:extLst>
 </a:theme>

--- a/기획문서/중간발표/Aww_중간발표.pptx
+++ b/기획문서/중간발표/Aww_중간발표.pptx
@@ -124,7 +124,7 @@
   </p:defaultTextStyle>
   <p:extLst>
     <p:ext uri="{EFAFB233-063F-42B5-8137-9DF3F51BA10A}">
-      <p15:sldGuideLst xmlns="" xmlns:p15="http://schemas.microsoft.com/office/powerpoint/2012/main">
+      <p15:sldGuideLst xmlns:p15="http://schemas.microsoft.com/office/powerpoint/2012/main">
         <p15:guide id="1" orient="horz" pos="2160">
           <p15:clr>
             <a:srgbClr val="A4A3A4"/>
@@ -3025,14 +3025,14 @@
           <a:p>
             <a:pPr algn="l"/>
             <a:r>
-              <a:rPr lang="ko-KR" altLang="en-US" dirty="0" smtClean="0">
+              <a:rPr lang="ko-KR" altLang="en-US" dirty="0">
                 <a:solidFill>
                   <a:schemeClr val="tx1"/>
                 </a:solidFill>
               </a:rPr>
               <a:t>                       졸업연구 중간발표</a:t>
             </a:r>
-            <a:endParaRPr lang="en-US" altLang="ko-KR" dirty="0" smtClean="0">
+            <a:endParaRPr lang="en-US" altLang="ko-KR" dirty="0">
               <a:solidFill>
                 <a:schemeClr val="tx1"/>
               </a:solidFill>
@@ -3040,7 +3040,7 @@
           </a:p>
           <a:p>
             <a:r>
-              <a:rPr lang="en-US" altLang="ko-KR" b="1" i="1" u="sng" dirty="0" smtClean="0">
+              <a:rPr lang="en-US" altLang="ko-KR" b="1" i="1" u="sng" dirty="0">
                 <a:solidFill>
                   <a:schemeClr val="tx1"/>
                 </a:solidFill>
@@ -3048,14 +3048,14 @@
               <a:t>Prof. </a:t>
             </a:r>
             <a:r>
-              <a:rPr lang="ko-KR" altLang="en-US" b="1" i="1" u="sng" dirty="0" smtClean="0">
+              <a:rPr lang="ko-KR" altLang="en-US" b="1" i="1" u="sng" dirty="0">
                 <a:solidFill>
                   <a:schemeClr val="tx1"/>
                 </a:solidFill>
               </a:rPr>
               <a:t>김경철</a:t>
             </a:r>
-            <a:endParaRPr lang="en-US" altLang="ko-KR" b="1" i="1" u="sng" dirty="0" smtClean="0">
+            <a:endParaRPr lang="en-US" altLang="ko-KR" b="1" i="1" u="sng" dirty="0">
               <a:solidFill>
                 <a:schemeClr val="tx1"/>
               </a:solidFill>
@@ -3064,14 +3064,14 @@
           <a:p>
             <a:pPr algn="r"/>
             <a:r>
-              <a:rPr lang="ko-KR" altLang="en-US" b="1" dirty="0" smtClean="0">
+              <a:rPr lang="ko-KR" altLang="en-US" b="1" dirty="0">
                 <a:solidFill>
                   <a:schemeClr val="tx1"/>
                 </a:solidFill>
               </a:rPr>
               <a:t>최영민</a:t>
             </a:r>
-            <a:endParaRPr lang="en-US" altLang="ko-KR" b="1" dirty="0" smtClean="0">
+            <a:endParaRPr lang="en-US" altLang="ko-KR" b="1" dirty="0">
               <a:solidFill>
                 <a:schemeClr val="tx1"/>
               </a:solidFill>
@@ -3080,14 +3080,14 @@
           <a:p>
             <a:pPr algn="r"/>
             <a:r>
-              <a:rPr lang="ko-KR" altLang="en-US" b="1" dirty="0" smtClean="0">
+              <a:rPr lang="ko-KR" altLang="en-US" b="1" dirty="0">
                 <a:solidFill>
                   <a:schemeClr val="tx1"/>
                 </a:solidFill>
               </a:rPr>
               <a:t>이진수</a:t>
             </a:r>
-            <a:endParaRPr lang="en-US" altLang="ko-KR" b="1" dirty="0" smtClean="0">
+            <a:endParaRPr lang="en-US" altLang="ko-KR" b="1" dirty="0">
               <a:solidFill>
                 <a:schemeClr val="tx1"/>
               </a:solidFill>
@@ -3096,18 +3096,13 @@
           <a:p>
             <a:pPr algn="r"/>
             <a:r>
-              <a:rPr lang="ko-KR" altLang="en-US" b="1" dirty="0" smtClean="0">
+              <a:rPr lang="ko-KR" altLang="en-US" b="1" dirty="0">
                 <a:solidFill>
                   <a:schemeClr val="tx1"/>
                 </a:solidFill>
               </a:rPr>
               <a:t>조지훈</a:t>
             </a:r>
-            <a:endParaRPr lang="ko-KR" altLang="en-US" b="1" dirty="0">
-              <a:solidFill>
-                <a:schemeClr val="tx1"/>
-              </a:solidFill>
-            </a:endParaRPr>
           </a:p>
         </p:txBody>
       </p:sp>
@@ -3121,13 +3116,6 @@
   <p:clrMapOvr>
     <a:masterClrMapping/>
   </p:clrMapOvr>
-  <p:timing>
-    <p:tnLst>
-      <p:par>
-        <p:cTn id="1" dur="indefinite" restart="never" nodeType="tmRoot"/>
-      </p:par>
-    </p:tnLst>
-  </p:timing>
 </p:sld>
 </file>
 
@@ -3165,44 +3153,32 @@
           </a:bodyPr>
           <a:lstStyle/>
           <a:p>
-            <a:r>
-              <a:rPr lang="en-US" altLang="ko-KR" b="1" dirty="0"/>
-              <a:t/>
-            </a:r>
             <a:br>
               <a:rPr lang="en-US" altLang="ko-KR" b="1" dirty="0"/>
             </a:br>
             <a:r>
-              <a:rPr lang="en-US" altLang="ko-KR" b="1" dirty="0" smtClean="0"/>
+              <a:rPr lang="en-US" altLang="ko-KR" b="1" dirty="0"/>
               <a:t>4-2. </a:t>
             </a:r>
             <a:r>
-              <a:rPr lang="ko-KR" altLang="en-US" b="1" dirty="0" smtClean="0"/>
+              <a:rPr lang="ko-KR" altLang="en-US" b="1" dirty="0"/>
               <a:t>기획</a:t>
             </a:r>
             <a:r>
-              <a:rPr lang="en-US" altLang="ko-KR" b="1" dirty="0" smtClean="0"/>
+              <a:rPr lang="en-US" altLang="ko-KR" b="1" dirty="0"/>
               <a:t>,</a:t>
             </a:r>
             <a:r>
-              <a:rPr lang="ko-KR" altLang="en-US" b="1" dirty="0" smtClean="0"/>
+              <a:rPr lang="ko-KR" altLang="en-US" b="1" dirty="0"/>
               <a:t>그래픽 개발 상황 </a:t>
             </a:r>
             <a:r>
-              <a:rPr lang="en-US" altLang="ko-KR" b="1" dirty="0" smtClean="0"/>
+              <a:rPr lang="en-US" altLang="ko-KR" b="1" dirty="0"/>
               <a:t>– </a:t>
             </a:r>
             <a:r>
-              <a:rPr lang="ko-KR" altLang="en-US" sz="3100" b="1" dirty="0" smtClean="0"/>
-              <a:t>최영</a:t>
-            </a:r>
-            <a:r>
               <a:rPr lang="ko-KR" altLang="en-US" sz="3100" b="1" dirty="0"/>
-              <a:t>민</a:t>
-            </a:r>
-            <a:r>
-              <a:rPr lang="en-US" altLang="ko-KR" b="1" dirty="0"/>
-              <a:t/>
+              <a:t>최영민</a:t>
             </a:r>
             <a:br>
               <a:rPr lang="en-US" altLang="ko-KR" b="1" dirty="0"/>
@@ -3235,24 +3211,20 @@
           <a:p>
             <a:r>
               <a:rPr lang="ko-KR" altLang="en-US" b="1" dirty="0"/>
-              <a:t>메인 시스템 </a:t>
-            </a:r>
-            <a:r>
-              <a:rPr lang="ko-KR" altLang="en-US" b="1" dirty="0" smtClean="0"/>
-              <a:t>기획</a:t>
-            </a:r>
-            <a:endParaRPr lang="en-US" altLang="ko-KR" b="1" dirty="0" smtClean="0"/>
-          </a:p>
-          <a:p>
-            <a:r>
-              <a:rPr lang="ko-KR" altLang="en-US" b="1" dirty="0" smtClean="0"/>
+              <a:t>메인 시스템 기획</a:t>
+            </a:r>
+            <a:endParaRPr lang="en-US" altLang="ko-KR" b="1" dirty="0"/>
+          </a:p>
+          <a:p>
+            <a:r>
+              <a:rPr lang="ko-KR" altLang="en-US" b="1" dirty="0"/>
               <a:t>스토리라인 기획</a:t>
             </a:r>
-            <a:endParaRPr lang="en-US" altLang="ko-KR" b="1" dirty="0" smtClean="0"/>
-          </a:p>
-          <a:p>
-            <a:r>
-              <a:rPr lang="ko-KR" altLang="en-US" b="1" dirty="0" smtClean="0"/>
+            <a:endParaRPr lang="en-US" altLang="ko-KR" b="1" dirty="0"/>
+          </a:p>
+          <a:p>
+            <a:r>
+              <a:rPr lang="ko-KR" altLang="en-US" b="1" dirty="0"/>
               <a:t>챕터</a:t>
             </a:r>
             <a:r>
@@ -3260,71 +3232,70 @@
               <a:t>/</a:t>
             </a:r>
             <a:r>
-              <a:rPr lang="ko-KR" altLang="en-US" b="1" dirty="0" smtClean="0"/>
+              <a:rPr lang="ko-KR" altLang="en-US" b="1" dirty="0"/>
               <a:t>스테이지 비트차트 기획</a:t>
             </a:r>
-            <a:endParaRPr lang="en-US" altLang="ko-KR" b="1" dirty="0" smtClean="0"/>
-          </a:p>
-          <a:p>
-            <a:r>
-              <a:rPr lang="en-US" altLang="ko-KR" b="1" dirty="0" smtClean="0"/>
+            <a:endParaRPr lang="en-US" altLang="ko-KR" b="1" dirty="0"/>
+          </a:p>
+          <a:p>
+            <a:r>
+              <a:rPr lang="en-US" altLang="ko-KR" b="1" dirty="0"/>
               <a:t>UX/UI </a:t>
             </a:r>
             <a:r>
-              <a:rPr lang="ko-KR" altLang="en-US" b="1" dirty="0" smtClean="0"/>
+              <a:rPr lang="ko-KR" altLang="en-US" b="1" dirty="0"/>
               <a:t>기획후 피드백을 받아 개선중</a:t>
             </a:r>
-            <a:endParaRPr lang="en-US" altLang="ko-KR" b="1" dirty="0" smtClean="0"/>
+            <a:endParaRPr lang="en-US" altLang="ko-KR" b="1" dirty="0"/>
           </a:p>
           <a:p>
             <a:pPr marL="0" indent="0">
               <a:buNone/>
             </a:pPr>
             <a:r>
-              <a:rPr lang="en-US" altLang="ko-KR" b="1" dirty="0" smtClean="0"/>
+              <a:rPr lang="en-US" altLang="ko-KR" b="1" dirty="0"/>
               <a:t>------------------------------------------------------</a:t>
             </a:r>
+          </a:p>
+          <a:p>
+            <a:r>
+              <a:rPr lang="ko-KR" altLang="en-US" b="1" dirty="0"/>
+              <a:t>캐릭터 모델링완료</a:t>
+            </a:r>
             <a:endParaRPr lang="en-US" altLang="ko-KR" b="1" dirty="0"/>
           </a:p>
           <a:p>
             <a:r>
-              <a:rPr lang="ko-KR" altLang="en-US" b="1" dirty="0" smtClean="0"/>
-              <a:t>캐릭터 모델링완료</a:t>
-            </a:r>
-            <a:endParaRPr lang="en-US" altLang="ko-KR" b="1" dirty="0" smtClean="0"/>
-          </a:p>
-          <a:p>
-            <a:r>
-              <a:rPr lang="ko-KR" altLang="en-US" b="1" dirty="0" smtClean="0"/>
+              <a:rPr lang="ko-KR" altLang="en-US" b="1" dirty="0"/>
               <a:t>타일 모델링완료</a:t>
             </a:r>
-            <a:endParaRPr lang="en-US" altLang="ko-KR" b="1" dirty="0" smtClean="0"/>
-          </a:p>
-          <a:p>
-            <a:r>
-              <a:rPr lang="ko-KR" altLang="en-US" b="1" dirty="0" smtClean="0"/>
+            <a:endParaRPr lang="en-US" altLang="ko-KR" b="1" dirty="0"/>
+          </a:p>
+          <a:p>
+            <a:r>
+              <a:rPr lang="ko-KR" altLang="en-US" b="1" dirty="0"/>
               <a:t>조경오브젝트 </a:t>
             </a:r>
             <a:r>
-              <a:rPr lang="en-US" altLang="ko-KR" b="1" dirty="0" smtClean="0"/>
+              <a:rPr lang="en-US" altLang="ko-KR" b="1" dirty="0"/>
               <a:t>80%</a:t>
             </a:r>
             <a:r>
-              <a:rPr lang="ko-KR" altLang="en-US" b="1" dirty="0" smtClean="0"/>
+              <a:rPr lang="ko-KR" altLang="en-US" b="1" dirty="0"/>
               <a:t>이상 제작</a:t>
             </a:r>
-            <a:endParaRPr lang="en-US" altLang="ko-KR" b="1" dirty="0" smtClean="0"/>
-          </a:p>
-          <a:p>
-            <a:r>
-              <a:rPr lang="en-US" altLang="ko-KR" b="1" dirty="0" smtClean="0"/>
+            <a:endParaRPr lang="en-US" altLang="ko-KR" b="1" dirty="0"/>
+          </a:p>
+          <a:p>
+            <a:r>
+              <a:rPr lang="en-US" altLang="ko-KR" b="1" dirty="0"/>
               <a:t>UI </a:t>
             </a:r>
             <a:r>
-              <a:rPr lang="ko-KR" altLang="en-US" b="1" dirty="0" smtClean="0"/>
+              <a:rPr lang="ko-KR" altLang="en-US" b="1" dirty="0"/>
               <a:t>제작중</a:t>
             </a:r>
-            <a:endParaRPr lang="en-US" altLang="ko-KR" b="1" dirty="0" smtClean="0"/>
+            <a:endParaRPr lang="en-US" altLang="ko-KR" b="1" dirty="0"/>
           </a:p>
           <a:p>
             <a:endParaRPr lang="en-US" altLang="ko-KR" dirty="0"/>
@@ -3347,13 +3318,6 @@
   <p:clrMapOvr>
     <a:masterClrMapping/>
   </p:clrMapOvr>
-  <p:timing>
-    <p:tnLst>
-      <p:par>
-        <p:cTn id="1" dur="indefinite" restart="never" nodeType="tmRoot"/>
-      </p:par>
-    </p:tnLst>
-  </p:timing>
 </p:sld>
 </file>
 
@@ -3391,10 +3355,6 @@
           </a:bodyPr>
           <a:lstStyle/>
           <a:p>
-            <a:r>
-              <a:rPr lang="en-US" altLang="ko-KR" b="1" dirty="0"/>
-              <a:t/>
-            </a:r>
             <a:br>
               <a:rPr lang="en-US" altLang="ko-KR" b="1" dirty="0"/>
             </a:br>
@@ -3403,12 +3363,8 @@
               <a:t>4-2.</a:t>
             </a:r>
             <a:r>
-              <a:rPr lang="ko-KR" altLang="en-US" b="1" dirty="0" smtClean="0"/>
-              <a:t> </a:t>
-            </a:r>
-            <a:r>
               <a:rPr lang="ko-KR" altLang="en-US" b="1" dirty="0"/>
-              <a:t>기획</a:t>
+              <a:t> 기획</a:t>
             </a:r>
             <a:r>
               <a:rPr lang="en-US" altLang="ko-KR" b="1" dirty="0"/>
@@ -3416,27 +3372,15 @@
             </a:r>
             <a:r>
               <a:rPr lang="ko-KR" altLang="en-US" b="1" dirty="0"/>
-              <a:t>그래픽 개발 </a:t>
-            </a:r>
-            <a:r>
-              <a:rPr lang="ko-KR" altLang="en-US" b="1" dirty="0" smtClean="0"/>
-              <a:t>미흡점 </a:t>
-            </a:r>
-            <a:r>
-              <a:rPr lang="en-US" altLang="ko-KR" b="1" dirty="0" smtClean="0"/>
+              <a:t>그래픽 개발 미흡점 </a:t>
+            </a:r>
+            <a:r>
+              <a:rPr lang="en-US" altLang="ko-KR" b="1" dirty="0"/>
               <a:t>– </a:t>
             </a:r>
             <a:r>
-              <a:rPr lang="ko-KR" altLang="en-US" sz="3100" b="1" dirty="0" smtClean="0"/>
-              <a:t>최영</a:t>
-            </a:r>
-            <a:r>
               <a:rPr lang="ko-KR" altLang="en-US" sz="3100" b="1" dirty="0"/>
-              <a:t>민</a:t>
-            </a:r>
-            <a:r>
-              <a:rPr lang="en-US" altLang="ko-KR" b="1" dirty="0"/>
-              <a:t/>
+              <a:t>최영민</a:t>
             </a:r>
             <a:br>
               <a:rPr lang="en-US" altLang="ko-KR" b="1" dirty="0"/>
@@ -3468,76 +3412,76 @@
           <a:lstStyle/>
           <a:p>
             <a:r>
-              <a:rPr lang="ko-KR" altLang="en-US" b="1" dirty="0" smtClean="0"/>
+              <a:rPr lang="ko-KR" altLang="en-US" b="1" dirty="0"/>
               <a:t>개별 시스템 문서 작성 미흡</a:t>
             </a:r>
-            <a:endParaRPr lang="en-US" altLang="ko-KR" b="1" dirty="0" smtClean="0"/>
-          </a:p>
-          <a:p>
-            <a:r>
-              <a:rPr lang="en-US" altLang="ko-KR" b="1" dirty="0" smtClean="0"/>
+            <a:endParaRPr lang="en-US" altLang="ko-KR" b="1" dirty="0"/>
+          </a:p>
+          <a:p>
+            <a:r>
+              <a:rPr lang="en-US" altLang="ko-KR" b="1" dirty="0"/>
               <a:t>UX/UI </a:t>
             </a:r>
             <a:r>
-              <a:rPr lang="ko-KR" altLang="en-US" b="1" dirty="0" smtClean="0"/>
+              <a:rPr lang="ko-KR" altLang="en-US" b="1" dirty="0"/>
               <a:t>기획 미흡</a:t>
             </a:r>
-            <a:endParaRPr lang="en-US" altLang="ko-KR" b="1" dirty="0" smtClean="0"/>
-          </a:p>
-          <a:p>
-            <a:r>
-              <a:rPr lang="ko-KR" altLang="en-US" b="1" dirty="0" smtClean="0"/>
+            <a:endParaRPr lang="en-US" altLang="ko-KR" b="1" dirty="0"/>
+          </a:p>
+          <a:p>
+            <a:r>
+              <a:rPr lang="ko-KR" altLang="en-US" b="1" dirty="0"/>
               <a:t>기획 문서 폼 정립 미흡</a:t>
             </a:r>
-            <a:endParaRPr lang="en-US" altLang="ko-KR" b="1" dirty="0" smtClean="0"/>
-          </a:p>
-          <a:p>
-            <a:r>
-              <a:rPr lang="ko-KR" altLang="en-US" b="1" dirty="0" smtClean="0"/>
+            <a:endParaRPr lang="en-US" altLang="ko-KR" b="1" dirty="0"/>
+          </a:p>
+          <a:p>
+            <a:r>
+              <a:rPr lang="ko-KR" altLang="en-US" b="1" dirty="0"/>
               <a:t>디테일에 대한 기획 미흡</a:t>
             </a:r>
-            <a:endParaRPr lang="en-US" altLang="ko-KR" b="1" dirty="0" smtClean="0"/>
+            <a:endParaRPr lang="en-US" altLang="ko-KR" b="1" dirty="0"/>
           </a:p>
           <a:p>
             <a:pPr marL="0" indent="0">
               <a:buNone/>
             </a:pPr>
             <a:r>
-              <a:rPr lang="en-US" altLang="ko-KR" b="1" dirty="0" smtClean="0"/>
+              <a:rPr lang="en-US" altLang="ko-KR" b="1" dirty="0"/>
               <a:t>-----------------------------------------------------</a:t>
             </a:r>
           </a:p>
           <a:p>
             <a:r>
-              <a:rPr lang="ko-KR" altLang="en-US" b="1" dirty="0" smtClean="0"/>
+              <a:rPr lang="ko-KR" altLang="en-US" b="1" dirty="0"/>
               <a:t>애니메이션의 부재</a:t>
             </a:r>
-            <a:endParaRPr lang="en-US" altLang="ko-KR" b="1" dirty="0" smtClean="0"/>
-          </a:p>
-          <a:p>
-            <a:r>
-              <a:rPr lang="ko-KR" altLang="en-US" b="1" dirty="0" smtClean="0"/>
+            <a:endParaRPr lang="en-US" altLang="ko-KR" b="1" dirty="0"/>
+          </a:p>
+          <a:p>
+            <a:r>
+              <a:rPr lang="ko-KR" altLang="en-US" b="1" dirty="0"/>
               <a:t>그래픽 툴 사용 미흡으로 인한 낮은 퀄리티의 </a:t>
             </a:r>
             <a:r>
-              <a:rPr lang="en-US" altLang="ko-KR" b="1" dirty="0" smtClean="0"/>
+              <a:rPr lang="en-US" altLang="ko-KR" b="1" dirty="0"/>
               <a:t>UI </a:t>
             </a:r>
             <a:r>
-              <a:rPr lang="ko-KR" altLang="en-US" b="1" dirty="0" smtClean="0"/>
+              <a:rPr lang="ko-KR" altLang="en-US" b="1" dirty="0"/>
               <a:t>제작</a:t>
             </a:r>
-            <a:endParaRPr lang="en-US" altLang="ko-KR" b="1" dirty="0" smtClean="0"/>
-          </a:p>
-          <a:p>
-            <a:r>
-              <a:rPr lang="ko-KR" altLang="en-US" b="1" dirty="0" smtClean="0"/>
+            <a:endParaRPr lang="en-US" altLang="ko-KR" b="1" dirty="0"/>
+          </a:p>
+          <a:p>
+            <a:r>
+              <a:rPr lang="ko-KR" altLang="en-US" b="1" dirty="0"/>
               <a:t>이펙트 제작 미흡</a:t>
             </a:r>
-            <a:endParaRPr lang="en-US" altLang="ko-KR" b="1" dirty="0" smtClean="0"/>
-          </a:p>
-          <a:p>
-            <a:endParaRPr lang="en-US" altLang="ko-KR" dirty="0" smtClean="0"/>
+            <a:endParaRPr lang="en-US" altLang="ko-KR" b="1" dirty="0"/>
+          </a:p>
+          <a:p>
+            <a:endParaRPr lang="en-US" altLang="ko-KR" dirty="0"/>
           </a:p>
           <a:p>
             <a:endParaRPr lang="ko-KR" altLang="en-US" dirty="0"/>
@@ -3554,13 +3498,6 @@
   <p:clrMapOvr>
     <a:masterClrMapping/>
   </p:clrMapOvr>
-  <p:timing>
-    <p:tnLst>
-      <p:par>
-        <p:cTn id="1" dur="indefinite" restart="never" nodeType="tmRoot"/>
-      </p:par>
-    </p:tnLst>
-  </p:timing>
 </p:sld>
 </file>
 
@@ -3598,10 +3535,6 @@
           </a:bodyPr>
           <a:lstStyle/>
           <a:p>
-            <a:r>
-              <a:rPr lang="en-US" altLang="ko-KR" b="1" dirty="0"/>
-              <a:t/>
-            </a:r>
             <a:br>
               <a:rPr lang="en-US" altLang="ko-KR" b="1" dirty="0"/>
             </a:br>
@@ -3610,12 +3543,8 @@
               <a:t>4-2. </a:t>
             </a:r>
             <a:r>
-              <a:rPr lang="ko-KR" altLang="en-US" b="1" dirty="0" smtClean="0"/>
-              <a:t>차후 </a:t>
-            </a:r>
-            <a:r>
               <a:rPr lang="ko-KR" altLang="en-US" b="1" dirty="0"/>
-              <a:t>기획</a:t>
+              <a:t>차후 기획</a:t>
             </a:r>
             <a:r>
               <a:rPr lang="en-US" altLang="ko-KR" b="1" dirty="0"/>
@@ -3623,27 +3552,15 @@
             </a:r>
             <a:r>
               <a:rPr lang="ko-KR" altLang="en-US" b="1" dirty="0"/>
-              <a:t>그래픽 </a:t>
-            </a:r>
-            <a:r>
-              <a:rPr lang="ko-KR" altLang="en-US" b="1" dirty="0" smtClean="0"/>
-              <a:t>개발 예정</a:t>
-            </a:r>
-            <a:r>
-              <a:rPr lang="en-US" altLang="ko-KR" b="1" dirty="0" smtClean="0"/>
+              <a:t>그래픽 개발 예정</a:t>
+            </a:r>
+            <a:r>
+              <a:rPr lang="en-US" altLang="ko-KR" b="1" dirty="0"/>
               <a:t>– </a:t>
             </a:r>
             <a:r>
-              <a:rPr lang="ko-KR" altLang="en-US" sz="3100" b="1" dirty="0" smtClean="0"/>
-              <a:t>최영</a:t>
-            </a:r>
-            <a:r>
               <a:rPr lang="ko-KR" altLang="en-US" sz="3100" b="1" dirty="0"/>
-              <a:t>민</a:t>
-            </a:r>
-            <a:r>
-              <a:rPr lang="en-US" altLang="ko-KR" b="1" dirty="0"/>
-              <a:t/>
+              <a:t>최영민</a:t>
             </a:r>
             <a:br>
               <a:rPr lang="en-US" altLang="ko-KR" b="1" dirty="0"/>
@@ -3675,92 +3592,91 @@
           <a:lstStyle/>
           <a:p>
             <a:r>
-              <a:rPr lang="ko-KR" altLang="en-US" b="1" dirty="0" smtClean="0"/>
+              <a:rPr lang="ko-KR" altLang="en-US" b="1" dirty="0"/>
               <a:t>시스템별 개별 기획서 작성</a:t>
             </a:r>
-            <a:endParaRPr lang="en-US" altLang="ko-KR" b="1" dirty="0" smtClean="0"/>
-          </a:p>
-          <a:p>
-            <a:r>
-              <a:rPr lang="en-US" altLang="ko-KR" b="1" dirty="0" smtClean="0"/>
+            <a:endParaRPr lang="en-US" altLang="ko-KR" b="1" dirty="0"/>
+          </a:p>
+          <a:p>
+            <a:r>
+              <a:rPr lang="en-US" altLang="ko-KR" b="1" dirty="0"/>
               <a:t>UX </a:t>
             </a:r>
             <a:r>
-              <a:rPr lang="ko-KR" altLang="en-US" b="1" dirty="0" smtClean="0"/>
+              <a:rPr lang="ko-KR" altLang="en-US" b="1" dirty="0"/>
               <a:t>개선을 위한 </a:t>
             </a:r>
             <a:r>
-              <a:rPr lang="en-US" altLang="ko-KR" b="1" dirty="0" smtClean="0"/>
+              <a:rPr lang="en-US" altLang="ko-KR" b="1" dirty="0"/>
               <a:t>UI </a:t>
             </a:r>
             <a:r>
-              <a:rPr lang="ko-KR" altLang="en-US" b="1" dirty="0" smtClean="0"/>
+              <a:rPr lang="ko-KR" altLang="en-US" b="1" dirty="0"/>
               <a:t>기획서 작성</a:t>
             </a:r>
-            <a:endParaRPr lang="en-US" altLang="ko-KR" b="1" dirty="0" smtClean="0"/>
-          </a:p>
-          <a:p>
-            <a:r>
-              <a:rPr lang="ko-KR" altLang="en-US" b="1" dirty="0" smtClean="0"/>
+            <a:endParaRPr lang="en-US" altLang="ko-KR" b="1" dirty="0"/>
+          </a:p>
+          <a:p>
+            <a:r>
+              <a:rPr lang="ko-KR" altLang="en-US" b="1" dirty="0"/>
               <a:t>마무리 디테일 작업을 위한 기획서 작성</a:t>
             </a:r>
-            <a:endParaRPr lang="en-US" altLang="ko-KR" b="1" dirty="0" smtClean="0"/>
-          </a:p>
-          <a:p>
-            <a:r>
-              <a:rPr lang="ko-KR" altLang="en-US" b="1" dirty="0" smtClean="0"/>
+            <a:endParaRPr lang="en-US" altLang="ko-KR" b="1" dirty="0"/>
+          </a:p>
+          <a:p>
+            <a:r>
+              <a:rPr lang="ko-KR" altLang="en-US" b="1" dirty="0"/>
               <a:t>상용화를 위한 철저한 일정관리</a:t>
             </a:r>
-            <a:endParaRPr lang="en-US" altLang="ko-KR" b="1" dirty="0" smtClean="0"/>
-          </a:p>
-          <a:p>
-            <a:r>
-              <a:rPr lang="ko-KR" altLang="en-US" b="1" dirty="0" smtClean="0"/>
+            <a:endParaRPr lang="en-US" altLang="ko-KR" b="1" dirty="0"/>
+          </a:p>
+          <a:p>
+            <a:r>
+              <a:rPr lang="ko-KR" altLang="en-US" b="1" dirty="0"/>
               <a:t>레벨디자인 </a:t>
             </a:r>
             <a:r>
-              <a:rPr lang="en-US" altLang="ko-KR" b="1" dirty="0" smtClean="0"/>
+              <a:rPr lang="en-US" altLang="ko-KR" b="1" dirty="0"/>
               <a:t>, </a:t>
             </a:r>
             <a:r>
-              <a:rPr lang="ko-KR" altLang="en-US" b="1" dirty="0" smtClean="0"/>
+              <a:rPr lang="ko-KR" altLang="en-US" b="1" dirty="0"/>
               <a:t>밸런싱 작업</a:t>
             </a:r>
-            <a:endParaRPr lang="en-US" altLang="ko-KR" b="1" dirty="0" smtClean="0"/>
+            <a:endParaRPr lang="en-US" altLang="ko-KR" b="1" dirty="0"/>
           </a:p>
           <a:p>
             <a:pPr marL="0" indent="0">
               <a:buNone/>
             </a:pPr>
             <a:r>
-              <a:rPr lang="en-US" altLang="ko-KR" b="1" dirty="0" smtClean="0"/>
+              <a:rPr lang="en-US" altLang="ko-KR" b="1" dirty="0"/>
               <a:t>-----------------------------------------------------</a:t>
             </a:r>
           </a:p>
           <a:p>
             <a:r>
-              <a:rPr lang="ko-KR" altLang="en-US" b="1" dirty="0" smtClean="0"/>
+              <a:rPr lang="ko-KR" altLang="en-US" b="1" dirty="0"/>
               <a:t>단순한 캐릭터의 특징을 살린 애니메이션 추가</a:t>
             </a:r>
-            <a:endParaRPr lang="en-US" altLang="ko-KR" b="1" dirty="0" smtClean="0"/>
-          </a:p>
-          <a:p>
-            <a:r>
-              <a:rPr lang="en-US" altLang="ko-KR" b="1" dirty="0" smtClean="0"/>
+            <a:endParaRPr lang="en-US" altLang="ko-KR" b="1" dirty="0"/>
+          </a:p>
+          <a:p>
+            <a:r>
+              <a:rPr lang="en-US" altLang="ko-KR" b="1" dirty="0"/>
               <a:t>UI </a:t>
             </a:r>
             <a:r>
-              <a:rPr lang="ko-KR" altLang="en-US" b="1" dirty="0" smtClean="0"/>
+              <a:rPr lang="ko-KR" altLang="en-US" b="1" dirty="0"/>
               <a:t>디자인 변경</a:t>
             </a:r>
-            <a:endParaRPr lang="en-US" altLang="ko-KR" b="1" dirty="0" smtClean="0"/>
-          </a:p>
-          <a:p>
-            <a:r>
-              <a:rPr lang="ko-KR" altLang="en-US" b="1" dirty="0" smtClean="0"/>
+            <a:endParaRPr lang="en-US" altLang="ko-KR" b="1" dirty="0"/>
+          </a:p>
+          <a:p>
+            <a:r>
+              <a:rPr lang="ko-KR" altLang="en-US" b="1" dirty="0"/>
               <a:t>맵 제작을 위한 다양한 오브젝트 제작</a:t>
             </a:r>
-            <a:endParaRPr lang="ko-KR" altLang="en-US" b="1" dirty="0"/>
           </a:p>
         </p:txBody>
       </p:sp>
@@ -3774,13 +3690,6 @@
   <p:clrMapOvr>
     <a:masterClrMapping/>
   </p:clrMapOvr>
-  <p:timing>
-    <p:tnLst>
-      <p:par>
-        <p:cTn id="1" dur="indefinite" restart="never" nodeType="tmRoot"/>
-      </p:par>
-    </p:tnLst>
-  </p:timing>
 </p:sld>
 </file>
 
@@ -3818,40 +3727,28 @@
           </a:bodyPr>
           <a:lstStyle/>
           <a:p>
-            <a:r>
-              <a:rPr lang="en-US" altLang="ko-KR" b="1" dirty="0"/>
-              <a:t/>
-            </a:r>
             <a:br>
               <a:rPr lang="en-US" altLang="ko-KR" b="1" dirty="0"/>
             </a:br>
             <a:r>
-              <a:rPr lang="en-US" altLang="ko-KR" b="1" dirty="0" smtClean="0"/>
+              <a:rPr lang="en-US" altLang="ko-KR" b="1" dirty="0"/>
               <a:t>4-3. </a:t>
             </a:r>
             <a:r>
-              <a:rPr lang="ko-KR" altLang="en-US" b="1" dirty="0" smtClean="0"/>
+              <a:rPr lang="ko-KR" altLang="en-US" b="1" dirty="0"/>
               <a:t>서버 개발 상황 </a:t>
             </a:r>
             <a:r>
-              <a:rPr lang="en-US" altLang="ko-KR" b="1" dirty="0" smtClean="0"/>
+              <a:rPr lang="en-US" altLang="ko-KR" b="1" dirty="0"/>
               <a:t>– </a:t>
             </a:r>
             <a:r>
-              <a:rPr lang="ko-KR" altLang="en-US" sz="3100" b="1" dirty="0" smtClean="0"/>
-              <a:t>이진</a:t>
-            </a:r>
-            <a:r>
               <a:rPr lang="ko-KR" altLang="en-US" sz="3100" b="1" dirty="0"/>
-              <a:t>수</a:t>
-            </a:r>
-            <a:r>
-              <a:rPr lang="en-US" altLang="ko-KR" sz="3100" b="1" dirty="0" smtClean="0"/>
+              <a:t>이진수</a:t>
+            </a:r>
+            <a:r>
+              <a:rPr lang="en-US" altLang="ko-KR" sz="3100" b="1" dirty="0"/>
               <a:t> </a:t>
-            </a:r>
-            <a:r>
-              <a:rPr lang="en-US" altLang="ko-KR" b="1" dirty="0"/>
-              <a:t/>
             </a:r>
             <a:br>
               <a:rPr lang="en-US" altLang="ko-KR" b="1" dirty="0"/>
@@ -3882,10 +3779,22 @@
           </a:bodyPr>
           <a:lstStyle/>
           <a:p>
-            <a:pPr marL="0" indent="0">
-              <a:buNone/>
-            </a:pPr>
-            <a:endParaRPr lang="ko-KR" altLang="en-US" dirty="0"/>
+            <a:r>
+              <a:rPr lang="en-US" altLang="ko-KR" b="1" dirty="0"/>
+              <a:t>DB </a:t>
+            </a:r>
+            <a:r>
+              <a:rPr lang="ko-KR" altLang="en-US" b="1" dirty="0"/>
+              <a:t>설계 및 구현 </a:t>
+            </a:r>
+            <a:endParaRPr lang="en-US" altLang="ko-KR" b="1" dirty="0"/>
+          </a:p>
+          <a:p>
+            <a:r>
+              <a:rPr lang="ko-KR" altLang="en-US" b="1" dirty="0"/>
+              <a:t>웹서버를 통한 클라이언트와 통신</a:t>
+            </a:r>
+            <a:endParaRPr lang="en-US" altLang="ko-KR" dirty="0"/>
           </a:p>
         </p:txBody>
       </p:sp>
@@ -3899,13 +3808,6 @@
   <p:clrMapOvr>
     <a:masterClrMapping/>
   </p:clrMapOvr>
-  <p:timing>
-    <p:tnLst>
-      <p:par>
-        <p:cTn id="1" dur="indefinite" restart="never" nodeType="tmRoot"/>
-      </p:par>
-    </p:tnLst>
-  </p:timing>
 </p:sld>
 </file>
 
@@ -3943,10 +3845,6 @@
           </a:bodyPr>
           <a:lstStyle/>
           <a:p>
-            <a:r>
-              <a:rPr lang="en-US" altLang="ko-KR" b="1" dirty="0"/>
-              <a:t/>
-            </a:r>
             <a:br>
               <a:rPr lang="en-US" altLang="ko-KR" b="1" dirty="0"/>
             </a:br>
@@ -3955,24 +3853,16 @@
               <a:t>4-3. </a:t>
             </a:r>
             <a:r>
-              <a:rPr lang="ko-KR" altLang="en-US" b="1" dirty="0" smtClean="0"/>
+              <a:rPr lang="ko-KR" altLang="en-US" b="1" dirty="0"/>
               <a:t>서버 개발 미흡점 </a:t>
             </a:r>
             <a:r>
-              <a:rPr lang="en-US" altLang="ko-KR" b="1" dirty="0" smtClean="0"/>
+              <a:rPr lang="en-US" altLang="ko-KR" b="1" dirty="0"/>
               <a:t>– </a:t>
             </a:r>
             <a:r>
-              <a:rPr lang="ko-KR" altLang="en-US" sz="3100" b="1" dirty="0" smtClean="0"/>
-              <a:t>이진</a:t>
-            </a:r>
-            <a:r>
               <a:rPr lang="ko-KR" altLang="en-US" sz="3100" b="1" dirty="0"/>
-              <a:t>수</a:t>
-            </a:r>
-            <a:r>
-              <a:rPr lang="en-US" altLang="ko-KR" b="1" dirty="0"/>
-              <a:t/>
+              <a:t>이진수</a:t>
             </a:r>
             <a:br>
               <a:rPr lang="en-US" altLang="ko-KR" b="1" dirty="0"/>
@@ -4003,10 +3893,57 @@
           </a:bodyPr>
           <a:lstStyle/>
           <a:p>
-            <a:pPr marL="0" indent="0">
-              <a:buNone/>
-            </a:pPr>
-            <a:endParaRPr lang="ko-KR" altLang="en-US" dirty="0"/>
+            <a:r>
+              <a:rPr lang="ko-KR" altLang="en-US" b="1" dirty="0"/>
+              <a:t>보안 관련 지식 미숙</a:t>
+            </a:r>
+            <a:endParaRPr lang="en-US" altLang="ko-KR" b="1" dirty="0"/>
+          </a:p>
+          <a:p>
+            <a:r>
+              <a:rPr lang="ko-KR" altLang="en-US" b="1" dirty="0"/>
+              <a:t>유저 분석 관련 </a:t>
+            </a:r>
+            <a:r>
+              <a:rPr lang="en-US" altLang="ko-KR" b="1" dirty="0"/>
+              <a:t>DB </a:t>
+            </a:r>
+            <a:r>
+              <a:rPr lang="ko-KR" altLang="en-US" b="1" dirty="0"/>
+              <a:t>설계 미흡</a:t>
+            </a:r>
+            <a:endParaRPr lang="en-US" altLang="ko-KR" b="1" dirty="0"/>
+          </a:p>
+          <a:p>
+            <a:r>
+              <a:rPr lang="ko-KR" altLang="en-US" b="1" dirty="0"/>
+              <a:t>구글 로그인 연동을 아직 하지 못했음</a:t>
+            </a:r>
+            <a:endParaRPr lang="en-US" altLang="ko-KR" b="1" dirty="0"/>
+          </a:p>
+          <a:p>
+            <a:r>
+              <a:rPr lang="ko-KR" altLang="en-US" b="1" dirty="0"/>
+              <a:t>리눅스를 통한 콘솔 </a:t>
+            </a:r>
+            <a:r>
+              <a:rPr lang="en-US" altLang="ko-KR" b="1" dirty="0"/>
+              <a:t>GIT </a:t>
+            </a:r>
+            <a:r>
+              <a:rPr lang="ko-KR" altLang="en-US" b="1" dirty="0"/>
+              <a:t>사용이 미숙하여 윈도우를 사용</a:t>
+            </a:r>
+            <a:endParaRPr lang="en-US" altLang="ko-KR" b="1" dirty="0"/>
+          </a:p>
+          <a:p>
+            <a:endParaRPr lang="en-US" altLang="ko-KR" b="1" dirty="0"/>
+          </a:p>
+          <a:p>
+            <a:endParaRPr lang="en-US" altLang="ko-KR" b="1" dirty="0"/>
+          </a:p>
+          <a:p>
+            <a:endParaRPr lang="en-US" altLang="ko-KR" b="1" dirty="0"/>
           </a:p>
         </p:txBody>
       </p:sp>
@@ -4020,13 +3957,6 @@
   <p:clrMapOvr>
     <a:masterClrMapping/>
   </p:clrMapOvr>
-  <p:timing>
-    <p:tnLst>
-      <p:par>
-        <p:cTn id="1" dur="indefinite" restart="never" nodeType="tmRoot"/>
-      </p:par>
-    </p:tnLst>
-  </p:timing>
 </p:sld>
 </file>
 
@@ -4064,10 +3994,6 @@
           </a:bodyPr>
           <a:lstStyle/>
           <a:p>
-            <a:r>
-              <a:rPr lang="en-US" altLang="ko-KR" b="1" dirty="0"/>
-              <a:t/>
-            </a:r>
             <a:br>
               <a:rPr lang="en-US" altLang="ko-KR" b="1" dirty="0"/>
             </a:br>
@@ -4076,24 +4002,16 @@
               <a:t>4-3. </a:t>
             </a:r>
             <a:r>
-              <a:rPr lang="ko-KR" altLang="en-US" b="1" dirty="0" smtClean="0"/>
+              <a:rPr lang="ko-KR" altLang="en-US" b="1" dirty="0"/>
               <a:t>차후 서버 개발 예정 </a:t>
             </a:r>
             <a:r>
-              <a:rPr lang="en-US" altLang="ko-KR" b="1" dirty="0" smtClean="0"/>
+              <a:rPr lang="en-US" altLang="ko-KR" b="1" dirty="0"/>
               <a:t>– </a:t>
             </a:r>
             <a:r>
-              <a:rPr lang="ko-KR" altLang="en-US" sz="3100" b="1" dirty="0" smtClean="0"/>
-              <a:t>이진</a:t>
-            </a:r>
-            <a:r>
               <a:rPr lang="ko-KR" altLang="en-US" sz="3100" b="1" dirty="0"/>
-              <a:t>수</a:t>
-            </a:r>
-            <a:r>
-              <a:rPr lang="en-US" altLang="ko-KR" b="1" dirty="0"/>
-              <a:t/>
+              <a:t>이진수</a:t>
             </a:r>
             <a:br>
               <a:rPr lang="en-US" altLang="ko-KR" b="1" dirty="0"/>
@@ -4124,10 +4042,56 @@
           </a:bodyPr>
           <a:lstStyle/>
           <a:p>
-            <a:pPr marL="0" indent="0">
-              <a:buNone/>
-            </a:pPr>
-            <a:endParaRPr lang="ko-KR" altLang="en-US" dirty="0"/>
+            <a:r>
+              <a:rPr lang="ko-KR" altLang="en-US" b="1" dirty="0"/>
+              <a:t>대전 시스템에 따른 </a:t>
+            </a:r>
+            <a:r>
+              <a:rPr lang="en-US" altLang="ko-KR" b="1" dirty="0"/>
+              <a:t>DB </a:t>
+            </a:r>
+            <a:r>
+              <a:rPr lang="ko-KR" altLang="en-US" b="1" dirty="0"/>
+              <a:t>수정</a:t>
+            </a:r>
+            <a:endParaRPr lang="en-US" altLang="ko-KR" b="1" dirty="0"/>
+          </a:p>
+          <a:p>
+            <a:r>
+              <a:rPr lang="ko-KR" altLang="en-US" b="1" dirty="0"/>
+              <a:t>유저 분석 </a:t>
+            </a:r>
+            <a:r>
+              <a:rPr lang="en-US" altLang="ko-KR" b="1" dirty="0"/>
+              <a:t>DB </a:t>
+            </a:r>
+            <a:r>
+              <a:rPr lang="ko-KR" altLang="en-US" b="1" dirty="0"/>
+              <a:t>제작</a:t>
+            </a:r>
+            <a:endParaRPr lang="en-US" altLang="ko-KR" dirty="0"/>
+          </a:p>
+          <a:p>
+            <a:r>
+              <a:rPr lang="ko-KR" altLang="en-US" b="1" dirty="0"/>
+              <a:t>서버 보안 예정</a:t>
+            </a:r>
+            <a:endParaRPr lang="en-US" altLang="ko-KR" b="1" dirty="0"/>
+          </a:p>
+          <a:p>
+            <a:r>
+              <a:rPr lang="ko-KR" altLang="en-US" b="1" dirty="0"/>
+              <a:t> 서버 데이터 </a:t>
+            </a:r>
+            <a:r>
+              <a:rPr lang="en-US" altLang="ko-KR" b="1" dirty="0"/>
+              <a:t>IBM </a:t>
+            </a:r>
+            <a:r>
+              <a:rPr lang="ko-KR" altLang="en-US" b="1" dirty="0"/>
+              <a:t>클라우드에 적용 </a:t>
+            </a:r>
+            <a:endParaRPr lang="en-US" altLang="ko-KR" b="1" dirty="0"/>
           </a:p>
         </p:txBody>
       </p:sp>
@@ -4141,13 +4105,6 @@
   <p:clrMapOvr>
     <a:masterClrMapping/>
   </p:clrMapOvr>
-  <p:timing>
-    <p:tnLst>
-      <p:par>
-        <p:cTn id="1" dur="indefinite" restart="never" nodeType="tmRoot"/>
-      </p:par>
-    </p:tnLst>
-  </p:timing>
 </p:sld>
 </file>
 
@@ -4185,24 +4142,16 @@
           </a:bodyPr>
           <a:lstStyle/>
           <a:p>
-            <a:r>
-              <a:rPr lang="en-US" altLang="ko-KR" b="1" dirty="0"/>
-              <a:t/>
-            </a:r>
             <a:br>
               <a:rPr lang="en-US" altLang="ko-KR" b="1" dirty="0"/>
             </a:br>
             <a:r>
-              <a:rPr lang="en-US" altLang="ko-KR" b="1" dirty="0" smtClean="0"/>
+              <a:rPr lang="en-US" altLang="ko-KR" b="1" dirty="0"/>
               <a:t>5. </a:t>
             </a:r>
             <a:r>
-              <a:rPr lang="ko-KR" altLang="en-US" b="1" dirty="0" smtClean="0"/>
+              <a:rPr lang="ko-KR" altLang="en-US" b="1" dirty="0"/>
               <a:t>개발 환경</a:t>
-            </a:r>
-            <a:r>
-              <a:rPr lang="en-US" altLang="ko-KR" b="1" dirty="0"/>
-              <a:t/>
             </a:r>
             <a:br>
               <a:rPr lang="en-US" altLang="ko-KR" b="1" dirty="0"/>
@@ -4305,7 +4254,7 @@
             <a:lstStyle/>
             <a:p>
               <a:r>
-                <a:rPr lang="en-US" altLang="ko-KR" sz="1400" dirty="0" smtClean="0"/>
+                <a:rPr lang="en-US" altLang="ko-KR" sz="1400" dirty="0"/>
                 <a:t>https://ko.wikipedia.org/wiki/PHP</a:t>
               </a:r>
               <a:endParaRPr lang="ko-KR" altLang="en-US" sz="1400" dirty="0"/>
@@ -4752,13 +4701,6 @@
   <p:clrMapOvr>
     <a:masterClrMapping/>
   </p:clrMapOvr>
-  <p:timing>
-    <p:tnLst>
-      <p:par>
-        <p:cTn id="1" dur="indefinite" restart="never" nodeType="tmRoot"/>
-      </p:par>
-    </p:tnLst>
-  </p:timing>
 </p:sld>
 </file>
 
@@ -4796,24 +4738,16 @@
           </a:bodyPr>
           <a:lstStyle/>
           <a:p>
-            <a:r>
-              <a:rPr lang="en-US" altLang="ko-KR" b="1" dirty="0"/>
-              <a:t/>
-            </a:r>
             <a:br>
               <a:rPr lang="en-US" altLang="ko-KR" b="1" dirty="0"/>
             </a:br>
             <a:r>
-              <a:rPr lang="en-US" altLang="ko-KR" b="1" dirty="0" smtClean="0"/>
+              <a:rPr lang="en-US" altLang="ko-KR" b="1" dirty="0"/>
               <a:t>5. </a:t>
             </a:r>
             <a:r>
-              <a:rPr lang="ko-KR" altLang="en-US" b="1" dirty="0" smtClean="0"/>
+              <a:rPr lang="ko-KR" altLang="en-US" b="1" dirty="0"/>
               <a:t>개발 일정</a:t>
-            </a:r>
-            <a:r>
-              <a:rPr lang="en-US" altLang="ko-KR" b="1" dirty="0"/>
-              <a:t/>
             </a:r>
             <a:br>
               <a:rPr lang="en-US" altLang="ko-KR" b="1" dirty="0"/>
@@ -4860,13 +4794,6 @@
   <p:clrMapOvr>
     <a:masterClrMapping/>
   </p:clrMapOvr>
-  <p:timing>
-    <p:tnLst>
-      <p:par>
-        <p:cTn id="1" dur="indefinite" restart="never" nodeType="tmRoot"/>
-      </p:par>
-    </p:tnLst>
-  </p:timing>
 </p:sld>
 </file>
 
@@ -4904,10 +4831,6 @@
           </a:bodyPr>
           <a:lstStyle/>
           <a:p>
-            <a:r>
-              <a:rPr lang="en-US" altLang="ko-KR" dirty="0"/>
-              <a:t/>
-            </a:r>
             <a:br>
               <a:rPr lang="en-US" altLang="ko-KR" dirty="0"/>
             </a:br>
@@ -4971,13 +4894,6 @@
   <p:clrMapOvr>
     <a:masterClrMapping/>
   </p:clrMapOvr>
-  <p:timing>
-    <p:tnLst>
-      <p:par>
-        <p:cTn id="1" dur="indefinite" restart="never" nodeType="tmRoot"/>
-      </p:par>
-    </p:tnLst>
-  </p:timing>
 </p:sld>
 </file>
 
@@ -5052,13 +4968,6 @@
   <p:clrMapOvr>
     <a:masterClrMapping/>
   </p:clrMapOvr>
-  <p:timing>
-    <p:tnLst>
-      <p:par>
-        <p:cTn id="1" dur="indefinite" restart="never" nodeType="tmRoot"/>
-      </p:par>
-    </p:tnLst>
-  </p:timing>
 </p:sld>
 </file>
 
@@ -5123,10 +5032,10 @@
               <a:buAutoNum type="arabicPeriod"/>
             </a:pPr>
             <a:r>
-              <a:rPr lang="ko-KR" altLang="en-US" b="1" dirty="0" smtClean="0"/>
+              <a:rPr lang="ko-KR" altLang="en-US" b="1" dirty="0"/>
               <a:t>개요</a:t>
             </a:r>
-            <a:endParaRPr lang="en-US" altLang="ko-KR" b="1" dirty="0" smtClean="0"/>
+            <a:endParaRPr lang="en-US" altLang="ko-KR" b="1" dirty="0"/>
           </a:p>
           <a:p>
             <a:pPr marL="514350" indent="-514350">
@@ -5134,10 +5043,10 @@
               <a:buAutoNum type="arabicPeriod"/>
             </a:pPr>
             <a:r>
-              <a:rPr lang="ko-KR" altLang="en-US" b="1" dirty="0" smtClean="0"/>
+              <a:rPr lang="ko-KR" altLang="en-US" b="1" dirty="0"/>
               <a:t>게임목표</a:t>
             </a:r>
-            <a:endParaRPr lang="en-US" altLang="ko-KR" b="1" dirty="0" smtClean="0"/>
+            <a:endParaRPr lang="en-US" altLang="ko-KR" b="1" dirty="0"/>
           </a:p>
           <a:p>
             <a:pPr marL="514350" indent="-514350">
@@ -5145,10 +5054,10 @@
               <a:buAutoNum type="arabicPeriod"/>
             </a:pPr>
             <a:r>
-              <a:rPr lang="ko-KR" altLang="en-US" b="1" dirty="0" smtClean="0"/>
+              <a:rPr lang="ko-KR" altLang="en-US" b="1" dirty="0"/>
               <a:t>게임조작</a:t>
             </a:r>
-            <a:endParaRPr lang="en-US" altLang="ko-KR" b="1" dirty="0" smtClean="0"/>
+            <a:endParaRPr lang="en-US" altLang="ko-KR" b="1" dirty="0"/>
           </a:p>
           <a:p>
             <a:pPr marL="514350" indent="-514350">
@@ -5156,10 +5065,10 @@
               <a:buAutoNum type="arabicPeriod"/>
             </a:pPr>
             <a:r>
-              <a:rPr lang="ko-KR" altLang="en-US" b="1" dirty="0" smtClean="0"/>
+              <a:rPr lang="ko-KR" altLang="en-US" b="1" dirty="0"/>
               <a:t>개발현황</a:t>
             </a:r>
-            <a:endParaRPr lang="en-US" altLang="ko-KR" b="1" dirty="0" smtClean="0"/>
+            <a:endParaRPr lang="en-US" altLang="ko-KR" b="1" dirty="0"/>
           </a:p>
           <a:p>
             <a:pPr marL="971550" lvl="1" indent="-514350">
@@ -5197,10 +5106,10 @@
               <a:buAutoNum type="arabicPeriod"/>
             </a:pPr>
             <a:r>
-              <a:rPr lang="ko-KR" altLang="en-US" b="1" dirty="0" smtClean="0"/>
+              <a:rPr lang="ko-KR" altLang="en-US" b="1" dirty="0"/>
               <a:t>서버</a:t>
             </a:r>
-            <a:endParaRPr lang="en-US" altLang="ko-KR" b="1" dirty="0" smtClean="0"/>
+            <a:endParaRPr lang="en-US" altLang="ko-KR" b="1" dirty="0"/>
           </a:p>
           <a:p>
             <a:pPr marL="514350" indent="-514350">
@@ -5208,10 +5117,10 @@
               <a:buAutoNum type="arabicPeriod"/>
             </a:pPr>
             <a:r>
-              <a:rPr lang="ko-KR" altLang="en-US" b="1" dirty="0" smtClean="0"/>
+              <a:rPr lang="ko-KR" altLang="en-US" b="1" dirty="0"/>
               <a:t>개발환경</a:t>
             </a:r>
-            <a:endParaRPr lang="en-US" altLang="ko-KR" b="1" dirty="0" smtClean="0"/>
+            <a:endParaRPr lang="en-US" altLang="ko-KR" b="1" dirty="0"/>
           </a:p>
           <a:p>
             <a:pPr marL="514350" indent="-514350">
@@ -5219,17 +5128,17 @@
               <a:buAutoNum type="arabicPeriod"/>
             </a:pPr>
             <a:r>
-              <a:rPr lang="ko-KR" altLang="en-US" b="1" dirty="0" smtClean="0"/>
+              <a:rPr lang="ko-KR" altLang="en-US" b="1" dirty="0"/>
               <a:t>시연</a:t>
             </a:r>
-            <a:endParaRPr lang="en-US" altLang="ko-KR" b="1" dirty="0" smtClean="0"/>
+            <a:endParaRPr lang="en-US" altLang="ko-KR" b="1" dirty="0"/>
           </a:p>
           <a:p>
             <a:pPr marL="514350" indent="-514350">
               <a:buFont typeface="+mj-lt"/>
               <a:buAutoNum type="arabicPeriod"/>
             </a:pPr>
-            <a:endParaRPr lang="en-US" altLang="ko-KR" b="1" dirty="0" smtClean="0"/>
+            <a:endParaRPr lang="en-US" altLang="ko-KR" b="1" dirty="0"/>
           </a:p>
         </p:txBody>
       </p:sp>
@@ -5243,13 +5152,6 @@
   <p:clrMapOvr>
     <a:masterClrMapping/>
   </p:clrMapOvr>
-  <p:timing>
-    <p:tnLst>
-      <p:par>
-        <p:cTn id="1" dur="indefinite" restart="never" nodeType="tmRoot"/>
-      </p:par>
-    </p:tnLst>
-  </p:timing>
 </p:sld>
 </file>
 
@@ -5486,7 +5388,7 @@
           <a:lstStyle/>
           <a:p>
             <a:r>
-              <a:rPr lang="en-US" altLang="ko-KR" sz="2000" dirty="0" smtClean="0"/>
+              <a:rPr lang="en-US" altLang="ko-KR" sz="2000" dirty="0"/>
               <a:t>SRPG</a:t>
             </a:r>
           </a:p>
@@ -5496,10 +5398,10 @@
               <a:buChar char="•"/>
             </a:pPr>
             <a:r>
-              <a:rPr lang="ko-KR" altLang="en-US" sz="2000" dirty="0" smtClean="0"/>
+              <a:rPr lang="ko-KR" altLang="en-US" sz="2000" dirty="0"/>
               <a:t>타일 방식의 맵 구성</a:t>
             </a:r>
-            <a:endParaRPr lang="en-US" altLang="ko-KR" sz="2000" dirty="0" smtClean="0"/>
+            <a:endParaRPr lang="en-US" altLang="ko-KR" sz="2000" dirty="0"/>
           </a:p>
           <a:p>
             <a:pPr marL="285750" indent="-285750">
@@ -5507,10 +5409,10 @@
               <a:buChar char="•"/>
             </a:pPr>
             <a:r>
-              <a:rPr lang="ko-KR" altLang="en-US" sz="2000" dirty="0" smtClean="0"/>
+              <a:rPr lang="ko-KR" altLang="en-US" sz="2000" dirty="0"/>
               <a:t>동료 구성에 따른 전략</a:t>
             </a:r>
-            <a:endParaRPr lang="en-US" altLang="ko-KR" sz="2000" dirty="0" smtClean="0"/>
+            <a:endParaRPr lang="en-US" altLang="ko-KR" sz="2000" dirty="0"/>
           </a:p>
           <a:p>
             <a:pPr marL="285750" indent="-285750">
@@ -5518,10 +5420,9 @@
               <a:buChar char="•"/>
             </a:pPr>
             <a:r>
-              <a:rPr lang="ko-KR" altLang="en-US" sz="2000" dirty="0" smtClean="0"/>
+              <a:rPr lang="ko-KR" altLang="en-US" sz="2000" dirty="0"/>
               <a:t>캐릭터 육성에 따른 역할놀이</a:t>
             </a:r>
-            <a:endParaRPr lang="ko-KR" altLang="en-US" sz="2000" dirty="0"/>
           </a:p>
         </p:txBody>
       </p:sp>
@@ -5548,7 +5449,7 @@
           <a:lstStyle/>
           <a:p>
             <a:r>
-              <a:rPr lang="en-US" altLang="ko-KR" sz="2000" dirty="0" smtClean="0"/>
+              <a:rPr lang="en-US" altLang="ko-KR" sz="2000" dirty="0"/>
               <a:t>TCG</a:t>
             </a:r>
           </a:p>
@@ -5558,10 +5459,10 @@
               <a:buChar char="•"/>
             </a:pPr>
             <a:r>
-              <a:rPr lang="ko-KR" altLang="en-US" sz="2000" dirty="0" smtClean="0"/>
+              <a:rPr lang="ko-KR" altLang="en-US" sz="2000" dirty="0"/>
               <a:t>코스트 기반의 제약적 전투</a:t>
             </a:r>
-            <a:endParaRPr lang="en-US" altLang="ko-KR" sz="2000" dirty="0" smtClean="0"/>
+            <a:endParaRPr lang="en-US" altLang="ko-KR" sz="2000" dirty="0"/>
           </a:p>
           <a:p>
             <a:pPr marL="285750" indent="-285750">
@@ -5569,21 +5470,17 @@
               <a:buChar char="•"/>
             </a:pPr>
             <a:r>
-              <a:rPr lang="ko-KR" altLang="en-US" sz="2000" dirty="0" smtClean="0"/>
+              <a:rPr lang="ko-KR" altLang="en-US" sz="2000" dirty="0"/>
               <a:t>전투 피드백에 따른 전략 </a:t>
             </a:r>
-            <a:r>
-              <a:rPr lang="en-US" altLang="ko-KR" sz="2000" dirty="0" smtClean="0"/>
-              <a:t/>
-            </a:r>
             <a:br>
-              <a:rPr lang="en-US" altLang="ko-KR" sz="2000" dirty="0" smtClean="0"/>
+              <a:rPr lang="en-US" altLang="ko-KR" sz="2000" dirty="0"/>
             </a:br>
             <a:r>
-              <a:rPr lang="ko-KR" altLang="en-US" sz="2000" dirty="0" smtClean="0"/>
+              <a:rPr lang="ko-KR" altLang="en-US" sz="2000" dirty="0"/>
               <a:t>변경</a:t>
             </a:r>
-            <a:endParaRPr lang="en-US" altLang="ko-KR" sz="2000" dirty="0" smtClean="0"/>
+            <a:endParaRPr lang="en-US" altLang="ko-KR" sz="2000" dirty="0"/>
           </a:p>
           <a:p>
             <a:pPr marL="285750" indent="-285750">
@@ -5591,10 +5488,9 @@
               <a:buChar char="•"/>
             </a:pPr>
             <a:r>
-              <a:rPr lang="ko-KR" altLang="en-US" sz="2000" dirty="0" smtClean="0"/>
+              <a:rPr lang="ko-KR" altLang="en-US" sz="2000" dirty="0"/>
               <a:t>다양한 카드 수집</a:t>
             </a:r>
-            <a:endParaRPr lang="ko-KR" altLang="en-US" sz="2000" dirty="0"/>
           </a:p>
         </p:txBody>
       </p:sp>
@@ -5622,23 +5518,23 @@
           <a:p>
             <a:pPr algn="ctr"/>
             <a:r>
-              <a:rPr lang="en-US" altLang="ko-KR" sz="1100" dirty="0" smtClean="0"/>
+              <a:rPr lang="en-US" altLang="ko-KR" sz="1100" dirty="0"/>
               <a:t>&lt;</a:t>
             </a:r>
             <a:r>
-              <a:rPr lang="ko-KR" altLang="en-US" sz="1100" dirty="0" smtClean="0"/>
+              <a:rPr lang="ko-KR" altLang="en-US" sz="1100" dirty="0"/>
               <a:t>슈퍼판타지워</a:t>
             </a:r>
             <a:r>
-              <a:rPr lang="en-US" altLang="ko-KR" sz="1100" dirty="0" smtClean="0"/>
+              <a:rPr lang="en-US" altLang="ko-KR" sz="1100" dirty="0"/>
               <a:t>,</a:t>
             </a:r>
             <a:r>
-              <a:rPr lang="ko-KR" altLang="en-US" sz="1100" dirty="0" smtClean="0"/>
+              <a:rPr lang="ko-KR" altLang="en-US" sz="1100" dirty="0"/>
               <a:t>넥슨</a:t>
             </a:r>
             <a:r>
-              <a:rPr lang="en-US" altLang="ko-KR" sz="1100" dirty="0" smtClean="0"/>
+              <a:rPr lang="en-US" altLang="ko-KR" sz="1100" dirty="0"/>
               <a:t>&gt;</a:t>
             </a:r>
             <a:endParaRPr lang="ko-KR" altLang="en-US" sz="1100" dirty="0"/>
@@ -5669,27 +5565,23 @@
           <a:p>
             <a:pPr algn="ctr"/>
             <a:r>
-              <a:rPr lang="en-US" altLang="ko-KR" sz="1100" dirty="0" smtClean="0"/>
+              <a:rPr lang="en-US" altLang="ko-KR" sz="1100" dirty="0"/>
               <a:t>&lt;</a:t>
             </a:r>
             <a:r>
-              <a:rPr lang="ko-KR" altLang="en-US" sz="1100" dirty="0" smtClean="0"/>
+              <a:rPr lang="ko-KR" altLang="en-US" sz="1100" dirty="0"/>
               <a:t>하스스톤</a:t>
             </a:r>
             <a:r>
-              <a:rPr lang="en-US" altLang="ko-KR" sz="1100" dirty="0" smtClean="0"/>
+              <a:rPr lang="en-US" altLang="ko-KR" sz="1100" dirty="0"/>
               <a:t>,</a:t>
             </a:r>
             <a:r>
-              <a:rPr lang="ko-KR" altLang="en-US" sz="1100" dirty="0" smtClean="0"/>
-              <a:t>블리자</a:t>
-            </a:r>
-            <a:r>
               <a:rPr lang="ko-KR" altLang="en-US" sz="1100" dirty="0"/>
-              <a:t>드</a:t>
-            </a:r>
-            <a:r>
-              <a:rPr lang="en-US" altLang="ko-KR" sz="1100" dirty="0" smtClean="0"/>
+              <a:t>블리자드</a:t>
+            </a:r>
+            <a:r>
+              <a:rPr lang="en-US" altLang="ko-KR" sz="1100" dirty="0"/>
               <a:t>&gt;</a:t>
             </a:r>
             <a:endParaRPr lang="ko-KR" altLang="en-US" sz="1100" dirty="0"/>
@@ -5706,13 +5598,6 @@
   <p:clrMapOvr>
     <a:masterClrMapping/>
   </p:clrMapOvr>
-  <p:timing>
-    <p:tnLst>
-      <p:par>
-        <p:cTn id="1" dur="indefinite" restart="never" nodeType="tmRoot"/>
-      </p:par>
-    </p:tnLst>
-  </p:timing>
 </p:sld>
 </file>
 
@@ -5753,10 +5638,9 @@
               <a:t>1. </a:t>
             </a:r>
             <a:r>
-              <a:rPr lang="ko-KR" altLang="en-US" b="1" dirty="0" smtClean="0"/>
+              <a:rPr lang="ko-KR" altLang="en-US" b="1" dirty="0"/>
               <a:t>개요</a:t>
             </a:r>
-            <a:endParaRPr lang="ko-KR" altLang="en-US" b="1" dirty="0"/>
           </a:p>
         </p:txBody>
       </p:sp>
@@ -5795,18 +5679,17 @@
           <a:p>
             <a:pPr algn="ctr"/>
             <a:r>
-              <a:rPr lang="ko-KR" altLang="en-US" sz="1600" dirty="0" smtClean="0"/>
+              <a:rPr lang="ko-KR" altLang="en-US" sz="1600" dirty="0"/>
               <a:t>구성된 캐릭터 별로 각 턴마다 </a:t>
             </a:r>
-            <a:endParaRPr lang="en-US" altLang="ko-KR" sz="1600" dirty="0" smtClean="0"/>
+            <a:endParaRPr lang="en-US" altLang="ko-KR" sz="1600" dirty="0"/>
           </a:p>
           <a:p>
             <a:pPr algn="ctr"/>
             <a:r>
-              <a:rPr lang="ko-KR" altLang="en-US" sz="1600" dirty="0" smtClean="0"/>
+              <a:rPr lang="ko-KR" altLang="en-US" sz="1600" dirty="0"/>
               <a:t>제약된 행동을 할 수 있음</a:t>
             </a:r>
-            <a:endParaRPr lang="ko-KR" altLang="en-US" sz="1600" dirty="0"/>
           </a:p>
         </p:txBody>
       </p:sp>
@@ -5845,10 +5728,9 @@
           <a:p>
             <a:pPr algn="ctr"/>
             <a:r>
-              <a:rPr lang="ko-KR" altLang="en-US" sz="1600" dirty="0" smtClean="0"/>
+              <a:rPr lang="ko-KR" altLang="en-US" sz="1600" dirty="0"/>
               <a:t>모든 캐릭터의 행동을 하나의 코스트로 관리함으로써 턴마다 코스트 분배에 대한 전략적 요소를 만듬</a:t>
             </a:r>
-            <a:endParaRPr lang="ko-KR" altLang="en-US" sz="1600" dirty="0"/>
           </a:p>
         </p:txBody>
       </p:sp>
@@ -5887,18 +5769,17 @@
           <a:p>
             <a:pPr algn="ctr"/>
             <a:r>
-              <a:rPr lang="ko-KR" altLang="en-US" sz="1600" dirty="0" smtClean="0"/>
+              <a:rPr lang="ko-KR" altLang="en-US" sz="1600" dirty="0"/>
               <a:t>각 턴 마다 새로운 카드를 </a:t>
             </a:r>
-            <a:endParaRPr lang="en-US" altLang="ko-KR" sz="1600" dirty="0" smtClean="0"/>
+            <a:endParaRPr lang="en-US" altLang="ko-KR" sz="1600" dirty="0"/>
           </a:p>
           <a:p>
             <a:pPr algn="ctr"/>
             <a:r>
-              <a:rPr lang="ko-KR" altLang="en-US" sz="1600" dirty="0" smtClean="0"/>
+              <a:rPr lang="ko-KR" altLang="en-US" sz="1600" dirty="0"/>
               <a:t>한장 드로우함</a:t>
             </a:r>
-            <a:endParaRPr lang="ko-KR" altLang="en-US" sz="1600" dirty="0"/>
           </a:p>
         </p:txBody>
       </p:sp>
@@ -5937,34 +5818,33 @@
           <a:p>
             <a:pPr algn="ctr"/>
             <a:r>
-              <a:rPr lang="ko-KR" altLang="en-US" sz="1600" dirty="0" smtClean="0"/>
+              <a:rPr lang="ko-KR" altLang="en-US" sz="1600" dirty="0"/>
               <a:t>각 턴 마다 랜덤한 </a:t>
             </a:r>
             <a:r>
-              <a:rPr lang="en-US" altLang="ko-KR" sz="1600" dirty="0" smtClean="0"/>
+              <a:rPr lang="en-US" altLang="ko-KR" sz="1600" dirty="0"/>
               <a:t>4</a:t>
             </a:r>
             <a:r>
-              <a:rPr lang="ko-KR" altLang="en-US" sz="1600" dirty="0" smtClean="0"/>
+              <a:rPr lang="ko-KR" altLang="en-US" sz="1600" dirty="0"/>
               <a:t>장의 카드가 새롭게 드로우되며</a:t>
             </a:r>
             <a:r>
-              <a:rPr lang="en-US" altLang="ko-KR" sz="1600" dirty="0" smtClean="0"/>
+              <a:rPr lang="en-US" altLang="ko-KR" sz="1600" dirty="0"/>
               <a:t>,</a:t>
             </a:r>
             <a:r>
-              <a:rPr lang="ko-KR" altLang="en-US" sz="1600" dirty="0" smtClean="0"/>
+              <a:rPr lang="ko-KR" altLang="en-US" sz="1600" dirty="0"/>
               <a:t>해당 턴에서</a:t>
             </a:r>
             <a:r>
-              <a:rPr lang="en-US" altLang="ko-KR" sz="1600" dirty="0" smtClean="0"/>
+              <a:rPr lang="en-US" altLang="ko-KR" sz="1600" dirty="0"/>
               <a:t> </a:t>
             </a:r>
             <a:r>
-              <a:rPr lang="ko-KR" altLang="en-US" sz="1600" dirty="0" smtClean="0"/>
+              <a:rPr lang="ko-KR" altLang="en-US" sz="1600" dirty="0"/>
               <a:t>주어진카드로 가장 효율적인 행동을 요구함</a:t>
             </a:r>
-            <a:endParaRPr lang="ko-KR" altLang="en-US" sz="1600" dirty="0"/>
           </a:p>
         </p:txBody>
       </p:sp>
@@ -6005,10 +5885,9 @@
           <a:p>
             <a:pPr algn="ctr"/>
             <a:r>
-              <a:rPr lang="ko-KR" altLang="en-US" sz="1400" dirty="0" smtClean="0"/>
+              <a:rPr lang="ko-KR" altLang="en-US" sz="1400" dirty="0"/>
               <a:t>드로우 시스템</a:t>
             </a:r>
-            <a:endParaRPr lang="ko-KR" altLang="en-US" sz="1400" dirty="0"/>
           </a:p>
         </p:txBody>
       </p:sp>
@@ -6051,13 +5930,13 @@
           <a:p>
             <a:pPr algn="ctr"/>
             <a:r>
-              <a:rPr lang="ko-KR" altLang="en-US" sz="2000" dirty="0" smtClean="0">
+              <a:rPr lang="ko-KR" altLang="en-US" sz="2000" dirty="0">
                 <a:latin typeface="+mn-ea"/>
               </a:rPr>
               <a:t>기존 </a:t>
             </a:r>
             <a:r>
-              <a:rPr lang="en-US" altLang="ko-KR" sz="2000" dirty="0" smtClean="0">
+              <a:rPr lang="en-US" altLang="ko-KR" sz="2000" dirty="0">
                 <a:latin typeface="+mn-ea"/>
               </a:rPr>
               <a:t>SRPG,TCG</a:t>
@@ -6107,7 +5986,7 @@
           <a:p>
             <a:pPr algn="ctr"/>
             <a:r>
-              <a:rPr lang="en-US" altLang="ko-KR" sz="2000" dirty="0" smtClean="0">
+              <a:rPr lang="en-US" altLang="ko-KR" sz="2000" dirty="0">
                 <a:latin typeface="+mn-ea"/>
               </a:rPr>
               <a:t>A.W.W.</a:t>
@@ -6185,10 +6064,9 @@
           <a:p>
             <a:pPr algn="ctr"/>
             <a:r>
-              <a:rPr lang="ko-KR" altLang="en-US" sz="1400" dirty="0" smtClean="0"/>
+              <a:rPr lang="ko-KR" altLang="en-US" sz="1400" dirty="0"/>
               <a:t>코스트 개념</a:t>
             </a:r>
-            <a:endParaRPr lang="ko-KR" altLang="en-US" sz="1400" dirty="0"/>
           </a:p>
         </p:txBody>
       </p:sp>
@@ -6232,13 +6110,6 @@
   <p:clrMapOvr>
     <a:masterClrMapping/>
   </p:clrMapOvr>
-  <p:timing>
-    <p:tnLst>
-      <p:par>
-        <p:cTn id="1" dur="indefinite" restart="never" nodeType="tmRoot"/>
-      </p:par>
-    </p:tnLst>
-  </p:timing>
 </p:sld>
 </file>
 
@@ -6317,10 +6188,9 @@
               <a:t>2. </a:t>
             </a:r>
             <a:r>
-              <a:rPr lang="ko-KR" altLang="en-US" b="1" dirty="0" smtClean="0"/>
+              <a:rPr lang="ko-KR" altLang="en-US" b="1" dirty="0"/>
               <a:t>게임목표</a:t>
             </a:r>
-            <a:endParaRPr lang="ko-KR" altLang="en-US" b="1" dirty="0"/>
           </a:p>
         </p:txBody>
       </p:sp>
@@ -6361,26 +6231,25 @@
           <a:p>
             <a:pPr algn="ctr"/>
             <a:r>
-              <a:rPr lang="ko-KR" altLang="en-US" sz="1400" dirty="0" smtClean="0"/>
+              <a:rPr lang="ko-KR" altLang="en-US" sz="1400" dirty="0"/>
               <a:t>효율적</a:t>
             </a:r>
-            <a:endParaRPr lang="en-US" altLang="ko-KR" sz="1400" dirty="0" smtClean="0"/>
+            <a:endParaRPr lang="en-US" altLang="ko-KR" sz="1400" dirty="0"/>
           </a:p>
           <a:p>
             <a:pPr algn="ctr"/>
             <a:r>
-              <a:rPr lang="ko-KR" altLang="en-US" sz="1400" dirty="0" smtClean="0"/>
+              <a:rPr lang="ko-KR" altLang="en-US" sz="1400" dirty="0"/>
               <a:t>코스트</a:t>
             </a:r>
-            <a:endParaRPr lang="en-US" altLang="ko-KR" sz="1400" dirty="0" smtClean="0"/>
+            <a:endParaRPr lang="en-US" altLang="ko-KR" sz="1400" dirty="0"/>
           </a:p>
           <a:p>
             <a:pPr algn="ctr"/>
             <a:r>
-              <a:rPr lang="ko-KR" altLang="en-US" sz="1400" dirty="0" smtClean="0"/>
+              <a:rPr lang="ko-KR" altLang="en-US" sz="1400" dirty="0"/>
               <a:t>사용</a:t>
             </a:r>
-            <a:endParaRPr lang="ko-KR" altLang="en-US" sz="1400" dirty="0"/>
           </a:p>
         </p:txBody>
       </p:sp>
@@ -6421,18 +6290,17 @@
           <a:p>
             <a:pPr algn="ctr"/>
             <a:r>
-              <a:rPr lang="ko-KR" altLang="en-US" sz="1400" dirty="0" smtClean="0"/>
+              <a:rPr lang="ko-KR" altLang="en-US" sz="1400" dirty="0"/>
               <a:t>스테이지</a:t>
             </a:r>
-            <a:endParaRPr lang="en-US" altLang="ko-KR" sz="1400" dirty="0" smtClean="0"/>
+            <a:endParaRPr lang="en-US" altLang="ko-KR" sz="1400" dirty="0"/>
           </a:p>
           <a:p>
             <a:pPr algn="ctr"/>
             <a:r>
-              <a:rPr lang="ko-KR" altLang="en-US" sz="1400" dirty="0" smtClean="0"/>
+              <a:rPr lang="ko-KR" altLang="en-US" sz="1400" dirty="0"/>
               <a:t>클리어</a:t>
             </a:r>
-            <a:endParaRPr lang="ko-KR" altLang="en-US" sz="1400" dirty="0"/>
           </a:p>
         </p:txBody>
       </p:sp>
@@ -6473,18 +6341,17 @@
           <a:p>
             <a:pPr algn="ctr"/>
             <a:r>
-              <a:rPr lang="ko-KR" altLang="en-US" sz="1400" dirty="0" smtClean="0"/>
+              <a:rPr lang="ko-KR" altLang="en-US" sz="1400" dirty="0"/>
               <a:t>스토리</a:t>
             </a:r>
-            <a:endParaRPr lang="en-US" altLang="ko-KR" sz="1400" dirty="0" smtClean="0"/>
+            <a:endParaRPr lang="en-US" altLang="ko-KR" sz="1400" dirty="0"/>
           </a:p>
           <a:p>
             <a:pPr algn="ctr"/>
             <a:r>
-              <a:rPr lang="ko-KR" altLang="en-US" sz="1400" dirty="0" smtClean="0"/>
+              <a:rPr lang="ko-KR" altLang="en-US" sz="1400" dirty="0"/>
               <a:t>진행</a:t>
             </a:r>
-            <a:endParaRPr lang="ko-KR" altLang="en-US" sz="1400" dirty="0"/>
           </a:p>
         </p:txBody>
       </p:sp>
@@ -6525,18 +6392,17 @@
           <a:p>
             <a:pPr algn="ctr"/>
             <a:r>
-              <a:rPr lang="ko-KR" altLang="en-US" sz="1400" dirty="0" smtClean="0"/>
+              <a:rPr lang="ko-KR" altLang="en-US" sz="1400" dirty="0"/>
               <a:t>카드</a:t>
             </a:r>
-            <a:endParaRPr lang="en-US" altLang="ko-KR" sz="1400" dirty="0" smtClean="0"/>
+            <a:endParaRPr lang="en-US" altLang="ko-KR" sz="1400" dirty="0"/>
           </a:p>
           <a:p>
             <a:pPr algn="ctr"/>
             <a:r>
-              <a:rPr lang="ko-KR" altLang="en-US" sz="1400" dirty="0" smtClean="0"/>
+              <a:rPr lang="ko-KR" altLang="en-US" sz="1400" dirty="0"/>
               <a:t>수집</a:t>
             </a:r>
-            <a:endParaRPr lang="ko-KR" altLang="en-US" sz="1400" dirty="0"/>
           </a:p>
         </p:txBody>
       </p:sp>
@@ -6575,10 +6441,10 @@
           <a:p>
             <a:pPr algn="ctr"/>
             <a:r>
-              <a:rPr lang="en-US" altLang="ko-KR" sz="1400" dirty="0" err="1" smtClean="0"/>
+              <a:rPr lang="en-US" altLang="ko-KR" sz="1400" dirty="0" err="1"/>
               <a:t>PvP</a:t>
             </a:r>
-            <a:endParaRPr lang="en-US" altLang="ko-KR" sz="1400" dirty="0" smtClean="0"/>
+            <a:endParaRPr lang="en-US" altLang="ko-KR" sz="1400" dirty="0"/>
           </a:p>
         </p:txBody>
       </p:sp>
@@ -6781,18 +6647,17 @@
           <a:lstStyle/>
           <a:p>
             <a:r>
-              <a:rPr lang="ko-KR" altLang="en-US" dirty="0" smtClean="0"/>
+              <a:rPr lang="ko-KR" altLang="en-US" dirty="0"/>
               <a:t>제 </a:t>
             </a:r>
             <a:r>
-              <a:rPr lang="en-US" altLang="ko-KR" dirty="0" smtClean="0"/>
+              <a:rPr lang="en-US" altLang="ko-KR" dirty="0"/>
               <a:t>1 </a:t>
             </a:r>
             <a:r>
-              <a:rPr lang="ko-KR" altLang="en-US" dirty="0" smtClean="0"/>
+              <a:rPr lang="ko-KR" altLang="en-US" dirty="0"/>
               <a:t>목표</a:t>
             </a:r>
-            <a:endParaRPr lang="ko-KR" altLang="en-US" dirty="0"/>
           </a:p>
         </p:txBody>
       </p:sp>
@@ -6819,18 +6684,17 @@
           <a:lstStyle/>
           <a:p>
             <a:r>
-              <a:rPr lang="ko-KR" altLang="en-US" dirty="0" smtClean="0"/>
+              <a:rPr lang="ko-KR" altLang="en-US" dirty="0"/>
               <a:t>제 </a:t>
             </a:r>
             <a:r>
-              <a:rPr lang="en-US" altLang="ko-KR" dirty="0" smtClean="0"/>
+              <a:rPr lang="en-US" altLang="ko-KR" dirty="0"/>
               <a:t>2 </a:t>
             </a:r>
             <a:r>
-              <a:rPr lang="ko-KR" altLang="en-US" dirty="0" smtClean="0"/>
+              <a:rPr lang="ko-KR" altLang="en-US" dirty="0"/>
               <a:t>목표</a:t>
             </a:r>
-            <a:endParaRPr lang="ko-KR" altLang="en-US" dirty="0"/>
           </a:p>
         </p:txBody>
       </p:sp>
@@ -6857,18 +6721,17 @@
           <a:lstStyle/>
           <a:p>
             <a:r>
-              <a:rPr lang="ko-KR" altLang="en-US" dirty="0" smtClean="0"/>
+              <a:rPr lang="ko-KR" altLang="en-US" dirty="0"/>
               <a:t>제 </a:t>
             </a:r>
             <a:r>
-              <a:rPr lang="en-US" altLang="ko-KR" dirty="0" smtClean="0"/>
+              <a:rPr lang="en-US" altLang="ko-KR" dirty="0"/>
               <a:t>3 </a:t>
             </a:r>
             <a:r>
-              <a:rPr lang="ko-KR" altLang="en-US" dirty="0" smtClean="0"/>
+              <a:rPr lang="ko-KR" altLang="en-US" dirty="0"/>
               <a:t>목표</a:t>
             </a:r>
-            <a:endParaRPr lang="ko-KR" altLang="en-US" dirty="0"/>
           </a:p>
         </p:txBody>
       </p:sp>
@@ -6895,18 +6758,17 @@
           <a:lstStyle/>
           <a:p>
             <a:r>
-              <a:rPr lang="ko-KR" altLang="en-US" dirty="0" smtClean="0"/>
+              <a:rPr lang="ko-KR" altLang="en-US" dirty="0"/>
               <a:t>제 </a:t>
             </a:r>
             <a:r>
-              <a:rPr lang="en-US" altLang="ko-KR" dirty="0" smtClean="0"/>
+              <a:rPr lang="en-US" altLang="ko-KR" dirty="0"/>
               <a:t>4 </a:t>
             </a:r>
             <a:r>
-              <a:rPr lang="ko-KR" altLang="en-US" dirty="0" smtClean="0"/>
+              <a:rPr lang="ko-KR" altLang="en-US" dirty="0"/>
               <a:t>목표</a:t>
             </a:r>
-            <a:endParaRPr lang="ko-KR" altLang="en-US" dirty="0"/>
           </a:p>
         </p:txBody>
       </p:sp>
@@ -6933,18 +6795,17 @@
           <a:lstStyle/>
           <a:p>
             <a:r>
-              <a:rPr lang="ko-KR" altLang="en-US" dirty="0" smtClean="0"/>
+              <a:rPr lang="ko-KR" altLang="en-US" dirty="0"/>
               <a:t>최종</a:t>
             </a:r>
             <a:r>
-              <a:rPr lang="en-US" altLang="ko-KR" dirty="0" smtClean="0"/>
+              <a:rPr lang="en-US" altLang="ko-KR" dirty="0"/>
               <a:t> </a:t>
             </a:r>
             <a:r>
-              <a:rPr lang="ko-KR" altLang="en-US" dirty="0" smtClean="0"/>
+              <a:rPr lang="ko-KR" altLang="en-US" dirty="0"/>
               <a:t>목표</a:t>
             </a:r>
-            <a:endParaRPr lang="ko-KR" altLang="en-US" dirty="0"/>
           </a:p>
         </p:txBody>
       </p:sp>
@@ -6972,10 +6833,9 @@
           <a:p>
             <a:pPr algn="ctr"/>
             <a:r>
-              <a:rPr lang="ko-KR" altLang="en-US" dirty="0" smtClean="0"/>
+              <a:rPr lang="ko-KR" altLang="en-US" dirty="0"/>
               <a:t>차후 추가 예정</a:t>
             </a:r>
-            <a:endParaRPr lang="ko-KR" altLang="en-US" dirty="0"/>
           </a:p>
         </p:txBody>
       </p:sp>
@@ -6989,13 +6849,6 @@
   <p:clrMapOvr>
     <a:masterClrMapping/>
   </p:clrMapOvr>
-  <p:timing>
-    <p:tnLst>
-      <p:par>
-        <p:cTn id="1" dur="indefinite" restart="never" nodeType="tmRoot"/>
-      </p:par>
-    </p:tnLst>
-  </p:timing>
 </p:sld>
 </file>
 
@@ -7032,7 +6885,7 @@
           <a:lstStyle/>
           <a:p>
             <a:r>
-              <a:rPr lang="en-US" altLang="ko-KR" b="1" dirty="0" smtClean="0"/>
+              <a:rPr lang="en-US" altLang="ko-KR" b="1" dirty="0"/>
               <a:t>3. </a:t>
             </a:r>
             <a:r>
@@ -7172,10 +7025,10 @@
           <a:p>
             <a:pPr algn="ctr"/>
             <a:r>
-              <a:rPr lang="ko-KR" altLang="en-US" dirty="0" smtClean="0"/>
+              <a:rPr lang="ko-KR" altLang="en-US" dirty="0"/>
               <a:t>화면 탭하기 </a:t>
             </a:r>
-            <a:endParaRPr lang="en-US" altLang="ko-KR" dirty="0" smtClean="0"/>
+            <a:endParaRPr lang="en-US" altLang="ko-KR" dirty="0"/>
           </a:p>
           <a:p>
             <a:pPr marL="285750" indent="-285750" algn="ctr">
@@ -7183,18 +7036,17 @@
               <a:buChar char="-"/>
             </a:pPr>
             <a:r>
-              <a:rPr lang="ko-KR" altLang="en-US" dirty="0" smtClean="0"/>
+              <a:rPr lang="ko-KR" altLang="en-US" dirty="0"/>
               <a:t>선택</a:t>
             </a:r>
             <a:r>
-              <a:rPr lang="en-US" altLang="ko-KR" dirty="0" smtClean="0"/>
+              <a:rPr lang="en-US" altLang="ko-KR" dirty="0"/>
               <a:t>, </a:t>
             </a:r>
             <a:r>
-              <a:rPr lang="ko-KR" altLang="en-US" dirty="0" smtClean="0"/>
+              <a:rPr lang="ko-KR" altLang="en-US" dirty="0"/>
               <a:t>지정</a:t>
             </a:r>
-            <a:endParaRPr lang="ko-KR" altLang="en-US" dirty="0"/>
           </a:p>
         </p:txBody>
       </p:sp>
@@ -7398,25 +7250,20 @@
           <a:p>
             <a:pPr algn="ctr"/>
             <a:r>
-              <a:rPr lang="ko-KR" altLang="en-US" dirty="0" smtClean="0"/>
+              <a:rPr lang="ko-KR" altLang="en-US" dirty="0"/>
               <a:t>화면 드래그</a:t>
             </a:r>
-            <a:r>
-              <a:rPr lang="en-US" altLang="ko-KR" dirty="0" smtClean="0"/>
-              <a:t/>
-            </a:r>
             <a:br>
-              <a:rPr lang="en-US" altLang="ko-KR" dirty="0" smtClean="0"/>
+              <a:rPr lang="en-US" altLang="ko-KR" dirty="0"/>
             </a:br>
             <a:r>
-              <a:rPr lang="en-US" altLang="ko-KR" dirty="0" smtClean="0"/>
+              <a:rPr lang="en-US" altLang="ko-KR" dirty="0"/>
               <a:t>- </a:t>
             </a:r>
             <a:r>
-              <a:rPr lang="ko-KR" altLang="en-US" dirty="0" smtClean="0"/>
+              <a:rPr lang="ko-KR" altLang="en-US" dirty="0"/>
               <a:t>카메라 이동</a:t>
             </a:r>
-            <a:endParaRPr lang="ko-KR" altLang="en-US" dirty="0"/>
           </a:p>
         </p:txBody>
       </p:sp>
@@ -7430,13 +7277,6 @@
   <p:clrMapOvr>
     <a:masterClrMapping/>
   </p:clrMapOvr>
-  <p:timing>
-    <p:tnLst>
-      <p:par>
-        <p:cTn id="1" dur="indefinite" restart="never" nodeType="tmRoot"/>
-      </p:par>
-    </p:tnLst>
-  </p:timing>
 </p:sld>
 </file>
 
@@ -7474,36 +7314,28 @@
           </a:bodyPr>
           <a:lstStyle/>
           <a:p>
-            <a:r>
-              <a:rPr lang="en-US" altLang="ko-KR" b="1" dirty="0"/>
-              <a:t/>
-            </a:r>
             <a:br>
               <a:rPr lang="en-US" altLang="ko-KR" b="1" dirty="0"/>
             </a:br>
             <a:r>
-              <a:rPr lang="en-US" altLang="ko-KR" b="1" dirty="0" smtClean="0"/>
+              <a:rPr lang="en-US" altLang="ko-KR" b="1" dirty="0"/>
               <a:t>4-1. </a:t>
             </a:r>
             <a:r>
-              <a:rPr lang="ko-KR" altLang="en-US" b="1" dirty="0" smtClean="0"/>
+              <a:rPr lang="ko-KR" altLang="en-US" b="1" dirty="0"/>
               <a:t>클라이언트 개발 상황 </a:t>
             </a:r>
             <a:r>
-              <a:rPr lang="en-US" altLang="ko-KR" b="1" dirty="0" smtClean="0"/>
+              <a:rPr lang="en-US" altLang="ko-KR" b="1" dirty="0"/>
               <a:t>– </a:t>
             </a:r>
             <a:r>
-              <a:rPr lang="ko-KR" altLang="en-US" sz="3100" b="1" dirty="0" smtClean="0"/>
+              <a:rPr lang="ko-KR" altLang="en-US" sz="3100" b="1" dirty="0"/>
               <a:t>조지훈</a:t>
             </a:r>
             <a:r>
-              <a:rPr lang="en-US" altLang="ko-KR" sz="3100" b="1" dirty="0" smtClean="0"/>
+              <a:rPr lang="en-US" altLang="ko-KR" sz="3100" b="1" dirty="0"/>
               <a:t> </a:t>
-            </a:r>
-            <a:r>
-              <a:rPr lang="en-US" altLang="ko-KR" b="1" dirty="0"/>
-              <a:t/>
             </a:r>
             <a:br>
               <a:rPr lang="en-US" altLang="ko-KR" b="1" dirty="0"/>
@@ -7551,13 +7383,6 @@
   <p:clrMapOvr>
     <a:masterClrMapping/>
   </p:clrMapOvr>
-  <p:timing>
-    <p:tnLst>
-      <p:par>
-        <p:cTn id="1" dur="indefinite" restart="never" nodeType="tmRoot"/>
-      </p:par>
-    </p:tnLst>
-  </p:timing>
 </p:sld>
 </file>
 
@@ -7595,10 +7420,6 @@
           </a:bodyPr>
           <a:lstStyle/>
           <a:p>
-            <a:r>
-              <a:rPr lang="en-US" altLang="ko-KR" b="1" dirty="0"/>
-              <a:t/>
-            </a:r>
             <a:br>
               <a:rPr lang="en-US" altLang="ko-KR" b="1" dirty="0"/>
             </a:br>
@@ -7607,20 +7428,16 @@
               <a:t>4-1. </a:t>
             </a:r>
             <a:r>
-              <a:rPr lang="ko-KR" altLang="en-US" b="1" dirty="0" smtClean="0"/>
+              <a:rPr lang="ko-KR" altLang="en-US" b="1" dirty="0"/>
               <a:t>클라이언트 개발 미흡점 </a:t>
             </a:r>
             <a:r>
-              <a:rPr lang="en-US" altLang="ko-KR" b="1" dirty="0" smtClean="0"/>
+              <a:rPr lang="en-US" altLang="ko-KR" b="1" dirty="0"/>
               <a:t>– </a:t>
             </a:r>
             <a:r>
-              <a:rPr lang="ko-KR" altLang="en-US" sz="3100" b="1" dirty="0" smtClean="0"/>
+              <a:rPr lang="ko-KR" altLang="en-US" sz="3100" b="1" dirty="0"/>
               <a:t>조지훈</a:t>
-            </a:r>
-            <a:r>
-              <a:rPr lang="en-US" altLang="ko-KR" b="1" dirty="0"/>
-              <a:t/>
             </a:r>
             <a:br>
               <a:rPr lang="en-US" altLang="ko-KR" b="1" dirty="0"/>
@@ -7668,13 +7485,6 @@
   <p:clrMapOvr>
     <a:masterClrMapping/>
   </p:clrMapOvr>
-  <p:timing>
-    <p:tnLst>
-      <p:par>
-        <p:cTn id="1" dur="indefinite" restart="never" nodeType="tmRoot"/>
-      </p:par>
-    </p:tnLst>
-  </p:timing>
 </p:sld>
 </file>
 
@@ -7712,10 +7522,6 @@
           </a:bodyPr>
           <a:lstStyle/>
           <a:p>
-            <a:r>
-              <a:rPr lang="en-US" altLang="ko-KR" b="1" dirty="0"/>
-              <a:t/>
-            </a:r>
             <a:br>
               <a:rPr lang="en-US" altLang="ko-KR" b="1" dirty="0"/>
             </a:br>
@@ -7724,20 +7530,16 @@
               <a:t>4-1. </a:t>
             </a:r>
             <a:r>
-              <a:rPr lang="ko-KR" altLang="en-US" b="1" dirty="0" smtClean="0"/>
+              <a:rPr lang="ko-KR" altLang="en-US" b="1" dirty="0"/>
               <a:t>차후 클라이언트 개발 예정</a:t>
             </a:r>
             <a:r>
-              <a:rPr lang="en-US" altLang="ko-KR" b="1" dirty="0" smtClean="0"/>
+              <a:rPr lang="en-US" altLang="ko-KR" b="1" dirty="0"/>
               <a:t>– </a:t>
             </a:r>
             <a:r>
-              <a:rPr lang="ko-KR" altLang="en-US" sz="3100" b="1" dirty="0" smtClean="0"/>
+              <a:rPr lang="ko-KR" altLang="en-US" sz="3100" b="1" dirty="0"/>
               <a:t>조지훈</a:t>
-            </a:r>
-            <a:r>
-              <a:rPr lang="en-US" altLang="ko-KR" b="1" dirty="0"/>
-              <a:t/>
             </a:r>
             <a:br>
               <a:rPr lang="en-US" altLang="ko-KR" b="1" dirty="0"/>
@@ -7785,13 +7587,6 @@
   <p:clrMapOvr>
     <a:masterClrMapping/>
   </p:clrMapOvr>
-  <p:timing>
-    <p:tnLst>
-      <p:par>
-        <p:cTn id="1" dur="indefinite" restart="never" nodeType="tmRoot"/>
-      </p:par>
-    </p:tnLst>
-  </p:timing>
 </p:sld>
 </file>
 
@@ -8084,7 +7879,7 @@
   <a:extraClrSchemeLst/>
   <a:extLst>
     <a:ext uri="{05A4C25C-085E-4340-85A3-A5531E510DB2}">
-      <thm15:themeFamily xmlns="" xmlns:thm15="http://schemas.microsoft.com/office/thememl/2012/main" name="Office Theme" id="{62F939B6-93AF-4DB8-9C6B-D6C7DFDC589F}" vid="{4A3C46E8-61CC-4603-A589-7422A47A8E4A}"/>
+      <thm15:themeFamily xmlns:thm15="http://schemas.microsoft.com/office/thememl/2012/main" name="Office Theme" id="{62F939B6-93AF-4DB8-9C6B-D6C7DFDC589F}" vid="{4A3C46E8-61CC-4603-A589-7422A47A8E4A}"/>
     </a:ext>
   </a:extLst>
 </a:theme>

--- a/기획문서/중간발표/Aww_중간발표.pptx
+++ b/기획문서/중간발표/Aww_중간발표.pptx
@@ -124,7 +124,7 @@
   </p:defaultTextStyle>
   <p:extLst>
     <p:ext uri="{EFAFB233-063F-42B5-8137-9DF3F51BA10A}">
-      <p15:sldGuideLst xmlns="" xmlns:p15="http://schemas.microsoft.com/office/powerpoint/2012/main">
+      <p15:sldGuideLst xmlns:p15="http://schemas.microsoft.com/office/powerpoint/2012/main" xmlns="">
         <p15:guide id="1" orient="horz" pos="2160">
           <p15:clr>
             <a:srgbClr val="A4A3A4"/>
@@ -7537,7 +7537,110 @@
             <a:pPr marL="0" indent="0">
               <a:buNone/>
             </a:pPr>
-            <a:endParaRPr lang="ko-KR" altLang="en-US" dirty="0"/>
+            <a:r>
+              <a:rPr lang="en-US" altLang="ko-KR" dirty="0" smtClean="0"/>
+              <a:t>A* </a:t>
+            </a:r>
+            <a:r>
+              <a:rPr lang="ko-KR" altLang="en-US" dirty="0" err="1" smtClean="0"/>
+              <a:t>길찾기</a:t>
+            </a:r>
+            <a:r>
+              <a:rPr lang="ko-KR" altLang="en-US" dirty="0" smtClean="0"/>
+              <a:t> 구현</a:t>
+            </a:r>
+            <a:r>
+              <a:rPr lang="en-US" altLang="ko-KR" dirty="0" smtClean="0"/>
+              <a:t>.</a:t>
+            </a:r>
+          </a:p>
+          <a:p>
+            <a:pPr marL="0" indent="0">
+              <a:buNone/>
+            </a:pPr>
+            <a:r>
+              <a:rPr lang="en-US" altLang="ko-KR" dirty="0" smtClean="0"/>
+              <a:t>AI </a:t>
+            </a:r>
+            <a:r>
+              <a:rPr lang="ko-KR" altLang="en-US" dirty="0" smtClean="0"/>
+              <a:t>구현</a:t>
+            </a:r>
+            <a:r>
+              <a:rPr lang="en-US" altLang="ko-KR" dirty="0" smtClean="0"/>
+              <a:t>,</a:t>
+            </a:r>
+            <a:r>
+              <a:rPr lang="ko-KR" altLang="en-US" dirty="0" smtClean="0"/>
+              <a:t>폰트시스템구현</a:t>
+            </a:r>
+            <a:endParaRPr lang="en-US" altLang="ko-KR" dirty="0" smtClean="0"/>
+          </a:p>
+          <a:p>
+            <a:pPr marL="0" indent="0">
+              <a:buNone/>
+            </a:pPr>
+            <a:r>
+              <a:rPr lang="ko-KR" altLang="en-US" dirty="0" err="1" smtClean="0"/>
+              <a:t>이펙트및</a:t>
+            </a:r>
+            <a:r>
+              <a:rPr lang="ko-KR" altLang="en-US" dirty="0" smtClean="0"/>
+              <a:t> 사운드 구현</a:t>
+            </a:r>
+            <a:endParaRPr lang="en-US" altLang="ko-KR" dirty="0" smtClean="0"/>
+          </a:p>
+          <a:p>
+            <a:pPr marL="0" indent="0">
+              <a:buNone/>
+            </a:pPr>
+            <a:r>
+              <a:rPr lang="en-US" altLang="ko-KR" dirty="0" smtClean="0"/>
+              <a:t>XML</a:t>
+            </a:r>
+            <a:r>
+              <a:rPr lang="ko-KR" altLang="en-US" dirty="0" smtClean="0"/>
+              <a:t>로 파일입출력 구현</a:t>
+            </a:r>
+            <a:endParaRPr lang="en-US" altLang="ko-KR" dirty="0" smtClean="0"/>
+          </a:p>
+          <a:p>
+            <a:pPr marL="0" indent="0">
+              <a:buNone/>
+            </a:pPr>
+            <a:r>
+              <a:rPr lang="ko-KR" altLang="en-US" dirty="0" smtClean="0"/>
+              <a:t>기본 게임 </a:t>
+            </a:r>
+            <a:r>
+              <a:rPr lang="ko-KR" altLang="en-US" dirty="0" err="1" smtClean="0"/>
+              <a:t>로직에</a:t>
+            </a:r>
+            <a:r>
+              <a:rPr lang="ko-KR" altLang="en-US" dirty="0" smtClean="0"/>
+              <a:t> 대한구현</a:t>
+            </a:r>
+            <a:endParaRPr lang="en-US" altLang="ko-KR" dirty="0" smtClean="0"/>
+          </a:p>
+          <a:p>
+            <a:pPr marL="0" indent="0">
+              <a:buNone/>
+            </a:pPr>
+            <a:r>
+              <a:rPr lang="ko-KR" altLang="en-US" dirty="0" err="1" smtClean="0"/>
+              <a:t>맵툴</a:t>
+            </a:r>
+            <a:r>
+              <a:rPr lang="ko-KR" altLang="en-US" dirty="0" smtClean="0"/>
+              <a:t> 구현 </a:t>
+            </a:r>
+            <a:endParaRPr lang="en-US" altLang="ko-KR" dirty="0" smtClean="0"/>
+          </a:p>
+          <a:p>
+            <a:pPr marL="0" indent="0">
+              <a:buNone/>
+            </a:pPr>
+            <a:endParaRPr lang="en-US" altLang="ko-KR" dirty="0"/>
           </a:p>
         </p:txBody>
       </p:sp>
@@ -7604,11 +7707,15 @@
             </a:br>
             <a:r>
               <a:rPr lang="en-US" altLang="ko-KR" b="1" dirty="0"/>
-              <a:t>4-1. </a:t>
+              <a:t>4-1</a:t>
+            </a:r>
+            <a:r>
+              <a:rPr lang="en-US" altLang="ko-KR" b="1" dirty="0" smtClean="0"/>
+              <a:t>.</a:t>
             </a:r>
             <a:r>
               <a:rPr lang="ko-KR" altLang="en-US" b="1" dirty="0" smtClean="0"/>
-              <a:t>클라이언트 개발 미흡점 </a:t>
+              <a:t>클라이언트 중점 연구</a:t>
             </a:r>
             <a:r>
               <a:rPr lang="en-US" altLang="ko-KR" b="1" dirty="0" smtClean="0"/>
@@ -7650,6 +7757,129 @@
             <a:normAutofit/>
           </a:bodyPr>
           <a:lstStyle/>
+          <a:p>
+            <a:pPr>
+              <a:buFontTx/>
+              <a:buChar char="-"/>
+            </a:pPr>
+            <a:r>
+              <a:rPr lang="ko-KR" altLang="en-US" dirty="0" err="1" smtClean="0"/>
+              <a:t>모바일에서의</a:t>
+            </a:r>
+            <a:r>
+              <a:rPr lang="ko-KR" altLang="en-US" dirty="0" smtClean="0"/>
+              <a:t> 최적화 이슈</a:t>
+            </a:r>
+            <a:endParaRPr lang="en-US" altLang="ko-KR" dirty="0" smtClean="0"/>
+          </a:p>
+          <a:p>
+            <a:pPr marL="0" indent="0">
+              <a:buNone/>
+            </a:pPr>
+            <a:endParaRPr lang="en-US" altLang="ko-KR" dirty="0"/>
+          </a:p>
+          <a:p>
+            <a:pPr marL="0" indent="0">
+              <a:buNone/>
+            </a:pPr>
+            <a:r>
+              <a:rPr lang="en-US" altLang="ko-KR" dirty="0" smtClean="0"/>
+              <a:t>-&gt; </a:t>
+            </a:r>
+            <a:r>
+              <a:rPr lang="ko-KR" altLang="en-US" dirty="0" smtClean="0"/>
+              <a:t>색깔 </a:t>
+            </a:r>
+            <a:r>
+              <a:rPr lang="ko-KR" altLang="en-US" dirty="0" err="1" smtClean="0"/>
+              <a:t>메터리얼의</a:t>
+            </a:r>
+            <a:r>
+              <a:rPr lang="ko-KR" altLang="en-US" dirty="0" smtClean="0"/>
+              <a:t> </a:t>
+            </a:r>
+            <a:r>
+              <a:rPr lang="ko-KR" altLang="en-US" dirty="0" err="1" smtClean="0"/>
+              <a:t>메터리얼</a:t>
+            </a:r>
+            <a:r>
+              <a:rPr lang="ko-KR" altLang="en-US" dirty="0" smtClean="0"/>
+              <a:t> 복사현상 해결</a:t>
+            </a:r>
+            <a:endParaRPr lang="en-US" altLang="ko-KR" dirty="0" smtClean="0"/>
+          </a:p>
+          <a:p>
+            <a:pPr marL="0" indent="0">
+              <a:buNone/>
+            </a:pPr>
+            <a:r>
+              <a:rPr lang="en-US" altLang="ko-KR" dirty="0" smtClean="0"/>
+              <a:t>-&gt; UI</a:t>
+            </a:r>
+            <a:r>
+              <a:rPr lang="ko-KR" altLang="en-US" dirty="0" smtClean="0"/>
+              <a:t>의 </a:t>
+            </a:r>
+            <a:r>
+              <a:rPr lang="en-US" altLang="ko-KR" dirty="0" smtClean="0"/>
+              <a:t>depth </a:t>
+            </a:r>
+            <a:r>
+              <a:rPr lang="ko-KR" altLang="en-US" dirty="0" err="1" smtClean="0"/>
+              <a:t>에따른</a:t>
+            </a:r>
+            <a:r>
+              <a:rPr lang="ko-KR" altLang="en-US" dirty="0" smtClean="0"/>
+              <a:t> </a:t>
+            </a:r>
+            <a:r>
+              <a:rPr lang="ko-KR" altLang="en-US" dirty="0" err="1" smtClean="0"/>
+              <a:t>도로우</a:t>
+            </a:r>
+            <a:r>
+              <a:rPr lang="ko-KR" altLang="en-US" dirty="0" smtClean="0"/>
+              <a:t> 콜 증가</a:t>
+            </a:r>
+            <a:endParaRPr lang="en-US" altLang="ko-KR" dirty="0" smtClean="0"/>
+          </a:p>
+          <a:p>
+            <a:pPr marL="0" indent="0">
+              <a:buNone/>
+            </a:pPr>
+            <a:r>
+              <a:rPr lang="en-US" altLang="ko-KR" dirty="0" smtClean="0"/>
+              <a:t>-&gt; </a:t>
+            </a:r>
+            <a:r>
+              <a:rPr lang="ko-KR" altLang="en-US" dirty="0" err="1" smtClean="0"/>
+              <a:t>쉐이더</a:t>
+            </a:r>
+            <a:r>
+              <a:rPr lang="en-US" altLang="ko-KR" dirty="0" smtClean="0"/>
+              <a:t>, </a:t>
+            </a:r>
+            <a:r>
+              <a:rPr lang="ko-KR" altLang="en-US" dirty="0" smtClean="0"/>
+              <a:t>및 </a:t>
+            </a:r>
+            <a:r>
+              <a:rPr lang="ko-KR" altLang="en-US" dirty="0" err="1" smtClean="0"/>
+              <a:t>파티클을</a:t>
+            </a:r>
+            <a:r>
+              <a:rPr lang="ko-KR" altLang="en-US" dirty="0" smtClean="0"/>
+              <a:t> </a:t>
+            </a:r>
+            <a:r>
+              <a:rPr lang="ko-KR" altLang="en-US" dirty="0" err="1" smtClean="0"/>
+              <a:t>적당선으로</a:t>
+            </a:r>
+            <a:r>
+              <a:rPr lang="ko-KR" altLang="en-US" dirty="0" smtClean="0"/>
+              <a:t> </a:t>
+            </a:r>
+            <a:endParaRPr lang="en-US" altLang="ko-KR" dirty="0" smtClean="0"/>
+          </a:p>
           <a:p>
             <a:pPr marL="0" indent="0">
               <a:buNone/>
@@ -7771,7 +8001,69 @@
             <a:pPr marL="0" indent="0">
               <a:buNone/>
             </a:pPr>
-            <a:endParaRPr lang="ko-KR" altLang="en-US" dirty="0"/>
+            <a:r>
+              <a:rPr lang="ko-KR" altLang="en-US" dirty="0" smtClean="0"/>
+              <a:t>스킬 및 보스 </a:t>
+            </a:r>
+            <a:r>
+              <a:rPr lang="en-US" altLang="ko-KR" dirty="0" err="1" smtClean="0"/>
+              <a:t>ai</a:t>
+            </a:r>
+            <a:r>
+              <a:rPr lang="ko-KR" altLang="en-US" dirty="0" smtClean="0"/>
+              <a:t>에 대한구현 </a:t>
+            </a:r>
+            <a:endParaRPr lang="en-US" altLang="ko-KR" dirty="0" smtClean="0"/>
+          </a:p>
+          <a:p>
+            <a:pPr marL="0" indent="0">
+              <a:buNone/>
+            </a:pPr>
+            <a:endParaRPr lang="en-US" altLang="ko-KR" dirty="0"/>
+          </a:p>
+          <a:p>
+            <a:pPr marL="0" indent="0">
+              <a:buNone/>
+            </a:pPr>
+            <a:r>
+              <a:rPr lang="ko-KR" altLang="en-US" dirty="0" err="1" smtClean="0"/>
+              <a:t>드로우콜</a:t>
+            </a:r>
+            <a:r>
+              <a:rPr lang="ko-KR" altLang="en-US" dirty="0" smtClean="0"/>
+              <a:t> </a:t>
+            </a:r>
+            <a:r>
+              <a:rPr lang="en-US" altLang="ko-KR" dirty="0" smtClean="0"/>
+              <a:t>100</a:t>
+            </a:r>
+            <a:r>
+              <a:rPr lang="ko-KR" altLang="en-US" dirty="0" smtClean="0"/>
+              <a:t>이하로 줄이는 작업</a:t>
+            </a:r>
+            <a:r>
+              <a:rPr lang="en-US" altLang="ko-KR" dirty="0" smtClean="0"/>
+              <a:t>.</a:t>
+            </a:r>
+          </a:p>
+          <a:p>
+            <a:pPr marL="0" indent="0">
+              <a:buNone/>
+            </a:pPr>
+            <a:endParaRPr lang="en-US" altLang="ko-KR" dirty="0"/>
+          </a:p>
+          <a:p>
+            <a:pPr marL="0" indent="0">
+              <a:buNone/>
+            </a:pPr>
+            <a:r>
+              <a:rPr lang="ko-KR" altLang="en-US" dirty="0" smtClean="0"/>
+              <a:t>디버깅</a:t>
+            </a:r>
+            <a:r>
+              <a:rPr lang="en-US" altLang="ko-KR" dirty="0" smtClean="0"/>
+              <a:t>.</a:t>
+            </a:r>
           </a:p>
         </p:txBody>
       </p:sp>
@@ -8084,7 +8376,7 @@
   <a:extraClrSchemeLst/>
   <a:extLst>
     <a:ext uri="{05A4C25C-085E-4340-85A3-A5531E510DB2}">
-      <thm15:themeFamily xmlns="" xmlns:thm15="http://schemas.microsoft.com/office/thememl/2012/main" name="Office Theme" id="{62F939B6-93AF-4DB8-9C6B-D6C7DFDC589F}" vid="{4A3C46E8-61CC-4603-A589-7422A47A8E4A}"/>
+      <thm15:themeFamily xmlns:thm15="http://schemas.microsoft.com/office/thememl/2012/main" xmlns="" name="Office Theme" id="{62F939B6-93AF-4DB8-9C6B-D6C7DFDC589F}" vid="{4A3C46E8-61CC-4603-A589-7422A47A8E4A}"/>
     </a:ext>
   </a:extLst>
 </a:theme>

--- a/기획문서/중간발표/Aww_중간발표.pptx
+++ b/기획문서/중간발표/Aww_중간발표.pptx
@@ -124,7 +124,7 @@
   </p:defaultTextStyle>
   <p:extLst>
     <p:ext uri="{EFAFB233-063F-42B5-8137-9DF3F51BA10A}">
-      <p15:sldGuideLst xmlns:p15="http://schemas.microsoft.com/office/powerpoint/2012/main">
+      <p15:sldGuideLst xmlns:p15="http://schemas.microsoft.com/office/powerpoint/2012/main" xmlns="">
         <p15:guide id="1" orient="horz" pos="2160">
           <p15:clr>
             <a:srgbClr val="A4A3A4"/>
@@ -3116,6 +3116,13 @@
   <p:clrMapOvr>
     <a:masterClrMapping/>
   </p:clrMapOvr>
+  <p:timing>
+    <p:tnLst>
+      <p:par>
+        <p:cTn id="1" dur="indefinite" restart="never" nodeType="tmRoot"/>
+      </p:par>
+    </p:tnLst>
+  </p:timing>
 </p:sld>
 </file>
 
@@ -3153,6 +3160,10 @@
           </a:bodyPr>
           <a:lstStyle/>
           <a:p>
+            <a:r>
+              <a:rPr lang="en-US" altLang="ko-KR" b="1" dirty="0"/>
+              <a:t/>
+            </a:r>
             <a:br>
               <a:rPr lang="en-US" altLang="ko-KR" b="1" dirty="0"/>
             </a:br>
@@ -3179,6 +3190,10 @@
             <a:r>
               <a:rPr lang="ko-KR" altLang="en-US" sz="3100" b="1" dirty="0"/>
               <a:t>최영민</a:t>
+            </a:r>
+            <a:r>
+              <a:rPr lang="en-US" altLang="ko-KR" b="1" dirty="0"/>
+              <a:t/>
             </a:r>
             <a:br>
               <a:rPr lang="en-US" altLang="ko-KR" b="1" dirty="0"/>
@@ -3318,6 +3333,13 @@
   <p:clrMapOvr>
     <a:masterClrMapping/>
   </p:clrMapOvr>
+  <p:timing>
+    <p:tnLst>
+      <p:par>
+        <p:cTn id="1" dur="indefinite" restart="never" nodeType="tmRoot"/>
+      </p:par>
+    </p:tnLst>
+  </p:timing>
 </p:sld>
 </file>
 
@@ -3355,6 +3377,10 @@
           </a:bodyPr>
           <a:lstStyle/>
           <a:p>
+            <a:r>
+              <a:rPr lang="en-US" altLang="ko-KR" b="1" dirty="0"/>
+              <a:t/>
+            </a:r>
             <a:br>
               <a:rPr lang="en-US" altLang="ko-KR" b="1" dirty="0"/>
             </a:br>
@@ -3381,6 +3407,10 @@
             <a:r>
               <a:rPr lang="ko-KR" altLang="en-US" sz="3100" b="1" dirty="0"/>
               <a:t>최영민</a:t>
+            </a:r>
+            <a:r>
+              <a:rPr lang="en-US" altLang="ko-KR" b="1" dirty="0"/>
+              <a:t/>
             </a:r>
             <a:br>
               <a:rPr lang="en-US" altLang="ko-KR" b="1" dirty="0"/>
@@ -3498,6 +3528,13 @@
   <p:clrMapOvr>
     <a:masterClrMapping/>
   </p:clrMapOvr>
+  <p:timing>
+    <p:tnLst>
+      <p:par>
+        <p:cTn id="1" dur="indefinite" restart="never" nodeType="tmRoot"/>
+      </p:par>
+    </p:tnLst>
+  </p:timing>
 </p:sld>
 </file>
 
@@ -3535,6 +3572,10 @@
           </a:bodyPr>
           <a:lstStyle/>
           <a:p>
+            <a:r>
+              <a:rPr lang="en-US" altLang="ko-KR" b="1" dirty="0"/>
+              <a:t/>
+            </a:r>
             <a:br>
               <a:rPr lang="en-US" altLang="ko-KR" b="1" dirty="0"/>
             </a:br>
@@ -3561,6 +3602,10 @@
             <a:r>
               <a:rPr lang="ko-KR" altLang="en-US" sz="3100" b="1" dirty="0"/>
               <a:t>최영민</a:t>
+            </a:r>
+            <a:r>
+              <a:rPr lang="en-US" altLang="ko-KR" b="1" dirty="0"/>
+              <a:t/>
             </a:r>
             <a:br>
               <a:rPr lang="en-US" altLang="ko-KR" b="1" dirty="0"/>
@@ -3618,8 +3663,12 @@
           </a:p>
           <a:p>
             <a:r>
+              <a:rPr lang="ko-KR" altLang="en-US" b="1" dirty="0" smtClean="0"/>
+              <a:t>디테일 작업을 </a:t>
+            </a:r>
+            <a:r>
               <a:rPr lang="ko-KR" altLang="en-US" b="1" dirty="0"/>
-              <a:t>마무리 디테일 작업을 위한 기획서 작성</a:t>
+              <a:t>위한 기획서 작성</a:t>
             </a:r>
             <a:endParaRPr lang="en-US" altLang="ko-KR" b="1" dirty="0"/>
           </a:p>
@@ -3674,8 +3723,12 @@
           </a:p>
           <a:p>
             <a:r>
+              <a:rPr lang="ko-KR" altLang="en-US" b="1" dirty="0" smtClean="0"/>
+              <a:t>조경물 </a:t>
+            </a:r>
+            <a:r>
               <a:rPr lang="ko-KR" altLang="en-US" b="1" dirty="0"/>
-              <a:t>맵 제작을 위한 다양한 오브젝트 제작</a:t>
+              <a:t>제작</a:t>
             </a:r>
           </a:p>
         </p:txBody>
@@ -3690,6 +3743,13 @@
   <p:clrMapOvr>
     <a:masterClrMapping/>
   </p:clrMapOvr>
+  <p:timing>
+    <p:tnLst>
+      <p:par>
+        <p:cTn id="1" dur="indefinite" restart="never" nodeType="tmRoot"/>
+      </p:par>
+    </p:tnLst>
+  </p:timing>
 </p:sld>
 </file>
 
@@ -3727,6 +3787,10 @@
           </a:bodyPr>
           <a:lstStyle/>
           <a:p>
+            <a:r>
+              <a:rPr lang="en-US" altLang="ko-KR" b="1" dirty="0"/>
+              <a:t/>
+            </a:r>
             <a:br>
               <a:rPr lang="en-US" altLang="ko-KR" b="1" dirty="0"/>
             </a:br>
@@ -3749,6 +3813,10 @@
             <a:r>
               <a:rPr lang="en-US" altLang="ko-KR" sz="3100" b="1" dirty="0"/>
               <a:t> </a:t>
+            </a:r>
+            <a:r>
+              <a:rPr lang="en-US" altLang="ko-KR" b="1" dirty="0"/>
+              <a:t/>
             </a:r>
             <a:br>
               <a:rPr lang="en-US" altLang="ko-KR" b="1" dirty="0"/>
@@ -3808,6 +3876,13 @@
   <p:clrMapOvr>
     <a:masterClrMapping/>
   </p:clrMapOvr>
+  <p:timing>
+    <p:tnLst>
+      <p:par>
+        <p:cTn id="1" dur="indefinite" restart="never" nodeType="tmRoot"/>
+      </p:par>
+    </p:tnLst>
+  </p:timing>
 </p:sld>
 </file>
 
@@ -3845,6 +3920,10 @@
           </a:bodyPr>
           <a:lstStyle/>
           <a:p>
+            <a:r>
+              <a:rPr lang="en-US" altLang="ko-KR" b="1" dirty="0"/>
+              <a:t/>
+            </a:r>
             <a:br>
               <a:rPr lang="en-US" altLang="ko-KR" b="1" dirty="0"/>
             </a:br>
@@ -3863,6 +3942,10 @@
             <a:r>
               <a:rPr lang="ko-KR" altLang="en-US" sz="3100" b="1" dirty="0"/>
               <a:t>이진수</a:t>
+            </a:r>
+            <a:r>
+              <a:rPr lang="en-US" altLang="ko-KR" b="1" dirty="0"/>
+              <a:t/>
             </a:r>
             <a:br>
               <a:rPr lang="en-US" altLang="ko-KR" b="1" dirty="0"/>
@@ -3917,7 +4000,15 @@
           <a:p>
             <a:r>
               <a:rPr lang="ko-KR" altLang="en-US" b="1" dirty="0"/>
-              <a:t>구글 로그인 연동을 아직 하지 못했음</a:t>
+              <a:t>구글 로그인 연동을 </a:t>
+            </a:r>
+            <a:r>
+              <a:rPr lang="ko-KR" altLang="en-US" b="1" dirty="0" smtClean="0"/>
+              <a:t>미구</a:t>
+            </a:r>
+            <a:r>
+              <a:rPr lang="ko-KR" altLang="en-US" b="1" dirty="0"/>
+              <a:t>현</a:t>
             </a:r>
             <a:endParaRPr lang="en-US" altLang="ko-KR" b="1" dirty="0"/>
           </a:p>
@@ -3957,6 +4048,13 @@
   <p:clrMapOvr>
     <a:masterClrMapping/>
   </p:clrMapOvr>
+  <p:timing>
+    <p:tnLst>
+      <p:par>
+        <p:cTn id="1" dur="indefinite" restart="never" nodeType="tmRoot"/>
+      </p:par>
+    </p:tnLst>
+  </p:timing>
 </p:sld>
 </file>
 
@@ -3994,6 +4092,10 @@
           </a:bodyPr>
           <a:lstStyle/>
           <a:p>
+            <a:r>
+              <a:rPr lang="en-US" altLang="ko-KR" b="1" dirty="0"/>
+              <a:t/>
+            </a:r>
             <a:br>
               <a:rPr lang="en-US" altLang="ko-KR" b="1" dirty="0"/>
             </a:br>
@@ -4012,6 +4114,10 @@
             <a:r>
               <a:rPr lang="ko-KR" altLang="en-US" sz="3100" b="1" dirty="0"/>
               <a:t>이진수</a:t>
+            </a:r>
+            <a:r>
+              <a:rPr lang="en-US" altLang="ko-KR" b="1" dirty="0"/>
+              <a:t/>
             </a:r>
             <a:br>
               <a:rPr lang="en-US" altLang="ko-KR" b="1" dirty="0"/>
@@ -4105,6 +4211,13 @@
   <p:clrMapOvr>
     <a:masterClrMapping/>
   </p:clrMapOvr>
+  <p:timing>
+    <p:tnLst>
+      <p:par>
+        <p:cTn id="1" dur="indefinite" restart="never" nodeType="tmRoot"/>
+      </p:par>
+    </p:tnLst>
+  </p:timing>
 </p:sld>
 </file>
 
@@ -4142,6 +4255,10 @@
           </a:bodyPr>
           <a:lstStyle/>
           <a:p>
+            <a:r>
+              <a:rPr lang="en-US" altLang="ko-KR" b="1" dirty="0"/>
+              <a:t/>
+            </a:r>
             <a:br>
               <a:rPr lang="en-US" altLang="ko-KR" b="1" dirty="0"/>
             </a:br>
@@ -4152,6 +4269,10 @@
             <a:r>
               <a:rPr lang="ko-KR" altLang="en-US" b="1" dirty="0"/>
               <a:t>개발 환경</a:t>
+            </a:r>
+            <a:r>
+              <a:rPr lang="en-US" altLang="ko-KR" b="1" dirty="0"/>
+              <a:t/>
             </a:r>
             <a:br>
               <a:rPr lang="en-US" altLang="ko-KR" b="1" dirty="0"/>
@@ -4701,6 +4822,13 @@
   <p:clrMapOvr>
     <a:masterClrMapping/>
   </p:clrMapOvr>
+  <p:timing>
+    <p:tnLst>
+      <p:par>
+        <p:cTn id="1" dur="indefinite" restart="never" nodeType="tmRoot"/>
+      </p:par>
+    </p:tnLst>
+  </p:timing>
 </p:sld>
 </file>
 
@@ -4738,6 +4866,10 @@
           </a:bodyPr>
           <a:lstStyle/>
           <a:p>
+            <a:r>
+              <a:rPr lang="en-US" altLang="ko-KR" b="1" dirty="0"/>
+              <a:t/>
+            </a:r>
             <a:br>
               <a:rPr lang="en-US" altLang="ko-KR" b="1" dirty="0"/>
             </a:br>
@@ -4748,6 +4880,10 @@
             <a:r>
               <a:rPr lang="ko-KR" altLang="en-US" b="1" dirty="0"/>
               <a:t>개발 일정</a:t>
+            </a:r>
+            <a:r>
+              <a:rPr lang="en-US" altLang="ko-KR" b="1" dirty="0"/>
+              <a:t/>
             </a:r>
             <a:br>
               <a:rPr lang="en-US" altLang="ko-KR" b="1" dirty="0"/>
@@ -4794,6 +4930,13 @@
   <p:clrMapOvr>
     <a:masterClrMapping/>
   </p:clrMapOvr>
+  <p:timing>
+    <p:tnLst>
+      <p:par>
+        <p:cTn id="1" dur="indefinite" restart="never" nodeType="tmRoot"/>
+      </p:par>
+    </p:tnLst>
+  </p:timing>
 </p:sld>
 </file>
 
@@ -4831,6 +4974,10 @@
           </a:bodyPr>
           <a:lstStyle/>
           <a:p>
+            <a:r>
+              <a:rPr lang="en-US" altLang="ko-KR" dirty="0"/>
+              <a:t/>
+            </a:r>
             <a:br>
               <a:rPr lang="en-US" altLang="ko-KR" dirty="0"/>
             </a:br>
@@ -4894,6 +5041,13 @@
   <p:clrMapOvr>
     <a:masterClrMapping/>
   </p:clrMapOvr>
+  <p:timing>
+    <p:tnLst>
+      <p:par>
+        <p:cTn id="1" dur="indefinite" restart="never" nodeType="tmRoot"/>
+      </p:par>
+    </p:tnLst>
+  </p:timing>
 </p:sld>
 </file>
 
@@ -4968,6 +5122,13 @@
   <p:clrMapOvr>
     <a:masterClrMapping/>
   </p:clrMapOvr>
+  <p:timing>
+    <p:tnLst>
+      <p:par>
+        <p:cTn id="1" dur="indefinite" restart="never" nodeType="tmRoot"/>
+      </p:par>
+    </p:tnLst>
+  </p:timing>
 </p:sld>
 </file>
 
@@ -5152,6 +5313,13 @@
   <p:clrMapOvr>
     <a:masterClrMapping/>
   </p:clrMapOvr>
+  <p:timing>
+    <p:tnLst>
+      <p:par>
+        <p:cTn id="1" dur="indefinite" restart="never" nodeType="tmRoot"/>
+      </p:par>
+    </p:tnLst>
+  </p:timing>
 </p:sld>
 </file>
 
@@ -5473,6 +5641,10 @@
               <a:rPr lang="ko-KR" altLang="en-US" sz="2000" dirty="0"/>
               <a:t>전투 피드백에 따른 전략 </a:t>
             </a:r>
+            <a:r>
+              <a:rPr lang="en-US" altLang="ko-KR" sz="2000" dirty="0"/>
+              <a:t/>
+            </a:r>
             <a:br>
               <a:rPr lang="en-US" altLang="ko-KR" sz="2000" dirty="0"/>
             </a:br>
@@ -5598,6 +5770,13 @@
   <p:clrMapOvr>
     <a:masterClrMapping/>
   </p:clrMapOvr>
+  <p:timing>
+    <p:tnLst>
+      <p:par>
+        <p:cTn id="1" dur="indefinite" restart="never" nodeType="tmRoot"/>
+      </p:par>
+    </p:tnLst>
+  </p:timing>
 </p:sld>
 </file>
 
@@ -6110,6 +6289,13 @@
   <p:clrMapOvr>
     <a:masterClrMapping/>
   </p:clrMapOvr>
+  <p:timing>
+    <p:tnLst>
+      <p:par>
+        <p:cTn id="1" dur="indefinite" restart="never" nodeType="tmRoot"/>
+      </p:par>
+    </p:tnLst>
+  </p:timing>
 </p:sld>
 </file>
 
@@ -6849,6 +7035,13 @@
   <p:clrMapOvr>
     <a:masterClrMapping/>
   </p:clrMapOvr>
+  <p:timing>
+    <p:tnLst>
+      <p:par>
+        <p:cTn id="1" dur="indefinite" restart="never" nodeType="tmRoot"/>
+      </p:par>
+    </p:tnLst>
+  </p:timing>
 </p:sld>
 </file>
 
@@ -7253,6 +7446,10 @@
               <a:rPr lang="ko-KR" altLang="en-US" dirty="0"/>
               <a:t>화면 드래그</a:t>
             </a:r>
+            <a:r>
+              <a:rPr lang="en-US" altLang="ko-KR" dirty="0"/>
+              <a:t/>
+            </a:r>
             <a:br>
               <a:rPr lang="en-US" altLang="ko-KR" dirty="0"/>
             </a:br>
@@ -7277,6 +7474,13 @@
   <p:clrMapOvr>
     <a:masterClrMapping/>
   </p:clrMapOvr>
+  <p:timing>
+    <p:tnLst>
+      <p:par>
+        <p:cTn id="1" dur="indefinite" restart="never" nodeType="tmRoot"/>
+      </p:par>
+    </p:tnLst>
+  </p:timing>
 </p:sld>
 </file>
 
@@ -7314,6 +7518,10 @@
           </a:bodyPr>
           <a:lstStyle/>
           <a:p>
+            <a:r>
+              <a:rPr lang="en-US" altLang="ko-KR" b="1" dirty="0"/>
+              <a:t/>
+            </a:r>
             <a:br>
               <a:rPr lang="en-US" altLang="ko-KR" b="1" dirty="0"/>
             </a:br>
@@ -7336,6 +7544,10 @@
             <a:r>
               <a:rPr lang="en-US" altLang="ko-KR" sz="3100" b="1" dirty="0"/>
               <a:t> </a:t>
+            </a:r>
+            <a:r>
+              <a:rPr lang="en-US" altLang="ko-KR" b="1" dirty="0"/>
+              <a:t/>
             </a:r>
             <a:br>
               <a:rPr lang="en-US" altLang="ko-KR" b="1" dirty="0"/>
@@ -7383,6 +7595,13 @@
   <p:clrMapOvr>
     <a:masterClrMapping/>
   </p:clrMapOvr>
+  <p:timing>
+    <p:tnLst>
+      <p:par>
+        <p:cTn id="1" dur="indefinite" restart="never" nodeType="tmRoot"/>
+      </p:par>
+    </p:tnLst>
+  </p:timing>
 </p:sld>
 </file>
 
@@ -7420,6 +7639,10 @@
           </a:bodyPr>
           <a:lstStyle/>
           <a:p>
+            <a:r>
+              <a:rPr lang="en-US" altLang="ko-KR" b="1" dirty="0"/>
+              <a:t/>
+            </a:r>
             <a:br>
               <a:rPr lang="en-US" altLang="ko-KR" b="1" dirty="0"/>
             </a:br>
@@ -7438,6 +7661,10 @@
             <a:r>
               <a:rPr lang="ko-KR" altLang="en-US" sz="3100" b="1" dirty="0"/>
               <a:t>조지훈</a:t>
+            </a:r>
+            <a:r>
+              <a:rPr lang="en-US" altLang="ko-KR" b="1" dirty="0"/>
+              <a:t/>
             </a:r>
             <a:br>
               <a:rPr lang="en-US" altLang="ko-KR" b="1" dirty="0"/>
@@ -7485,6 +7712,13 @@
   <p:clrMapOvr>
     <a:masterClrMapping/>
   </p:clrMapOvr>
+  <p:timing>
+    <p:tnLst>
+      <p:par>
+        <p:cTn id="1" dur="indefinite" restart="never" nodeType="tmRoot"/>
+      </p:par>
+    </p:tnLst>
+  </p:timing>
 </p:sld>
 </file>
 
@@ -7522,6 +7756,10 @@
           </a:bodyPr>
           <a:lstStyle/>
           <a:p>
+            <a:r>
+              <a:rPr lang="en-US" altLang="ko-KR" b="1" dirty="0"/>
+              <a:t/>
+            </a:r>
             <a:br>
               <a:rPr lang="en-US" altLang="ko-KR" b="1" dirty="0"/>
             </a:br>
@@ -7540,6 +7778,10 @@
             <a:r>
               <a:rPr lang="ko-KR" altLang="en-US" sz="3100" b="1" dirty="0"/>
               <a:t>조지훈</a:t>
+            </a:r>
+            <a:r>
+              <a:rPr lang="en-US" altLang="ko-KR" b="1" dirty="0"/>
+              <a:t/>
             </a:r>
             <a:br>
               <a:rPr lang="en-US" altLang="ko-KR" b="1" dirty="0"/>
@@ -7587,6 +7829,13 @@
   <p:clrMapOvr>
     <a:masterClrMapping/>
   </p:clrMapOvr>
+  <p:timing>
+    <p:tnLst>
+      <p:par>
+        <p:cTn id="1" dur="indefinite" restart="never" nodeType="tmRoot"/>
+      </p:par>
+    </p:tnLst>
+  </p:timing>
 </p:sld>
 </file>
 
@@ -7879,7 +8128,7 @@
   <a:extraClrSchemeLst/>
   <a:extLst>
     <a:ext uri="{05A4C25C-085E-4340-85A3-A5531E510DB2}">
-      <thm15:themeFamily xmlns:thm15="http://schemas.microsoft.com/office/thememl/2012/main" name="Office Theme" id="{62F939B6-93AF-4DB8-9C6B-D6C7DFDC589F}" vid="{4A3C46E8-61CC-4603-A589-7422A47A8E4A}"/>
+      <thm15:themeFamily xmlns:thm15="http://schemas.microsoft.com/office/thememl/2012/main" xmlns="" name="Office Theme" id="{62F939B6-93AF-4DB8-9C6B-D6C7DFDC589F}" vid="{4A3C46E8-61CC-4603-A589-7422A47A8E4A}"/>
     </a:ext>
   </a:extLst>
 </a:theme>

--- a/기획문서/중간발표/Aww_중간발표.pptx
+++ b/기획문서/중간발표/Aww_중간발표.pptx
@@ -4,6 +4,12 @@
   <p:sldMasterIdLst>
     <p:sldMasterId id="2147483648" r:id="rId1"/>
   </p:sldMasterIdLst>
+  <p:notesMasterIdLst>
+    <p:notesMasterId r:id="rId21"/>
+  </p:notesMasterIdLst>
+  <p:handoutMasterIdLst>
+    <p:handoutMasterId r:id="rId22"/>
+  </p:handoutMasterIdLst>
   <p:sldIdLst>
     <p:sldId id="256" r:id="rId2"/>
     <p:sldId id="257" r:id="rId3"/>
@@ -14,16 +20,16 @@
     <p:sldId id="260" r:id="rId8"/>
     <p:sldId id="272" r:id="rId9"/>
     <p:sldId id="271" r:id="rId10"/>
-    <p:sldId id="273" r:id="rId11"/>
-    <p:sldId id="274" r:id="rId12"/>
-    <p:sldId id="275" r:id="rId13"/>
-    <p:sldId id="276" r:id="rId14"/>
-    <p:sldId id="277" r:id="rId15"/>
-    <p:sldId id="278" r:id="rId16"/>
-    <p:sldId id="264" r:id="rId17"/>
-    <p:sldId id="279" r:id="rId18"/>
-    <p:sldId id="265" r:id="rId19"/>
-    <p:sldId id="280" r:id="rId20"/>
+    <p:sldId id="264" r:id="rId11"/>
+    <p:sldId id="279" r:id="rId12"/>
+    <p:sldId id="265" r:id="rId13"/>
+    <p:sldId id="280" r:id="rId14"/>
+    <p:sldId id="273" r:id="rId15"/>
+    <p:sldId id="274" r:id="rId16"/>
+    <p:sldId id="275" r:id="rId17"/>
+    <p:sldId id="276" r:id="rId18"/>
+    <p:sldId id="277" r:id="rId19"/>
+    <p:sldId id="278" r:id="rId20"/>
   </p:sldIdLst>
   <p:sldSz cx="12192000" cy="6858000"/>
   <p:notesSz cx="6858000" cy="9144000"/>
@@ -141,6 +147,607 @@
 </p:presentation>
 </file>
 
+<file path=ppt/handoutMasters/handoutMaster1.xml><?xml version="1.0" encoding="utf-8"?>
+<p:handoutMaster xmlns:a="http://schemas.openxmlformats.org/drawingml/2006/main" xmlns:r="http://schemas.openxmlformats.org/officeDocument/2006/relationships" xmlns:p="http://schemas.openxmlformats.org/presentationml/2006/main">
+  <p:cSld>
+    <p:bg>
+      <p:bgRef idx="1001">
+        <a:schemeClr val="bg1"/>
+      </p:bgRef>
+    </p:bg>
+    <p:spTree>
+      <p:nvGrpSpPr>
+        <p:cNvPr id="1" name=""/>
+        <p:cNvGrpSpPr/>
+        <p:nvPr/>
+      </p:nvGrpSpPr>
+      <p:grpSpPr>
+        <a:xfrm>
+          <a:off x="0" y="0"/>
+          <a:ext cx="0" cy="0"/>
+          <a:chOff x="0" y="0"/>
+          <a:chExt cx="0" cy="0"/>
+        </a:xfrm>
+      </p:grpSpPr>
+      <p:sp>
+        <p:nvSpPr>
+          <p:cNvPr id="2" name="Header Placeholder 1"/>
+          <p:cNvSpPr>
+            <a:spLocks noGrp="1"/>
+          </p:cNvSpPr>
+          <p:nvPr>
+            <p:ph type="hdr" sz="quarter"/>
+          </p:nvPr>
+        </p:nvSpPr>
+        <p:spPr>
+          <a:xfrm>
+            <a:off x="0" y="0"/>
+            <a:ext cx="2971800" cy="457200"/>
+          </a:xfrm>
+          <a:prstGeom prst="rect">
+            <a:avLst/>
+          </a:prstGeom>
+        </p:spPr>
+        <p:txBody>
+          <a:bodyPr vert="horz" lIns="91440" tIns="45720" rIns="91440" bIns="45720" rtlCol="0"/>
+          <a:lstStyle>
+            <a:lvl1pPr algn="l">
+              <a:defRPr sz="1200"/>
+            </a:lvl1pPr>
+          </a:lstStyle>
+          <a:p>
+            <a:endParaRPr lang="ko-KR" altLang="en-US"/>
+          </a:p>
+        </p:txBody>
+      </p:sp>
+      <p:sp>
+        <p:nvSpPr>
+          <p:cNvPr id="3" name="Date Placeholder 2"/>
+          <p:cNvSpPr>
+            <a:spLocks noGrp="1"/>
+          </p:cNvSpPr>
+          <p:nvPr>
+            <p:ph type="dt" sz="quarter" idx="1"/>
+          </p:nvPr>
+        </p:nvSpPr>
+        <p:spPr>
+          <a:xfrm>
+            <a:off x="3884613" y="0"/>
+            <a:ext cx="2971800" cy="457200"/>
+          </a:xfrm>
+          <a:prstGeom prst="rect">
+            <a:avLst/>
+          </a:prstGeom>
+        </p:spPr>
+        <p:txBody>
+          <a:bodyPr vert="horz" lIns="91440" tIns="45720" rIns="91440" bIns="45720" rtlCol="0"/>
+          <a:lstStyle>
+            <a:lvl1pPr algn="r">
+              <a:defRPr sz="1200"/>
+            </a:lvl1pPr>
+          </a:lstStyle>
+          <a:p>
+            <a:fld id="{C01DA57C-525A-483D-BB95-B3AA2178D15B}" type="datetimeFigureOut">
+              <a:rPr lang="ko-KR" altLang="en-US" smtClean="0"/>
+              <a:t>2016-05-10</a:t>
+            </a:fld>
+            <a:endParaRPr lang="ko-KR" altLang="en-US"/>
+          </a:p>
+        </p:txBody>
+      </p:sp>
+      <p:sp>
+        <p:nvSpPr>
+          <p:cNvPr id="4" name="Footer Placeholder 3"/>
+          <p:cNvSpPr>
+            <a:spLocks noGrp="1"/>
+          </p:cNvSpPr>
+          <p:nvPr>
+            <p:ph type="ftr" sz="quarter" idx="2"/>
+          </p:nvPr>
+        </p:nvSpPr>
+        <p:spPr>
+          <a:xfrm>
+            <a:off x="0" y="8685213"/>
+            <a:ext cx="2971800" cy="457200"/>
+          </a:xfrm>
+          <a:prstGeom prst="rect">
+            <a:avLst/>
+          </a:prstGeom>
+        </p:spPr>
+        <p:txBody>
+          <a:bodyPr vert="horz" lIns="91440" tIns="45720" rIns="91440" bIns="45720" rtlCol="0" anchor="b"/>
+          <a:lstStyle>
+            <a:lvl1pPr algn="l">
+              <a:defRPr sz="1200"/>
+            </a:lvl1pPr>
+          </a:lstStyle>
+          <a:p>
+            <a:endParaRPr lang="ko-KR" altLang="en-US"/>
+          </a:p>
+        </p:txBody>
+      </p:sp>
+      <p:sp>
+        <p:nvSpPr>
+          <p:cNvPr id="5" name="Slide Number Placeholder 4"/>
+          <p:cNvSpPr>
+            <a:spLocks noGrp="1"/>
+          </p:cNvSpPr>
+          <p:nvPr>
+            <p:ph type="sldNum" sz="quarter" idx="3"/>
+          </p:nvPr>
+        </p:nvSpPr>
+        <p:spPr>
+          <a:xfrm>
+            <a:off x="3884613" y="8685213"/>
+            <a:ext cx="2971800" cy="457200"/>
+          </a:xfrm>
+          <a:prstGeom prst="rect">
+            <a:avLst/>
+          </a:prstGeom>
+        </p:spPr>
+        <p:txBody>
+          <a:bodyPr vert="horz" lIns="91440" tIns="45720" rIns="91440" bIns="45720" rtlCol="0" anchor="b"/>
+          <a:lstStyle>
+            <a:lvl1pPr algn="r">
+              <a:defRPr sz="1200"/>
+            </a:lvl1pPr>
+          </a:lstStyle>
+          <a:p>
+            <a:fld id="{D350927D-3B0B-4ED5-ADF4-E501819D2C2B}" type="slidenum">
+              <a:rPr lang="ko-KR" altLang="en-US" smtClean="0"/>
+              <a:t>‹#›</a:t>
+            </a:fld>
+            <a:endParaRPr lang="ko-KR" altLang="en-US"/>
+          </a:p>
+        </p:txBody>
+      </p:sp>
+    </p:spTree>
+    <p:extLst>
+      <p:ext uri="{BB962C8B-B14F-4D97-AF65-F5344CB8AC3E}">
+        <p14:creationId xmlns:p14="http://schemas.microsoft.com/office/powerpoint/2010/main" val="1162080238"/>
+      </p:ext>
+    </p:extLst>
+  </p:cSld>
+  <p:clrMap bg1="lt1" tx1="dk1" bg2="lt2" tx2="dk2" accent1="accent1" accent2="accent2" accent3="accent3" accent4="accent4" accent5="accent5" accent6="accent6" hlink="hlink" folHlink="folHlink"/>
+  <p:hf hdr="0" ftr="0" dt="0"/>
+</p:handoutMaster>
+</file>
+
+<file path=ppt/notesMasters/notesMaster1.xml><?xml version="1.0" encoding="utf-8"?>
+<p:notesMaster xmlns:a="http://schemas.openxmlformats.org/drawingml/2006/main" xmlns:r="http://schemas.openxmlformats.org/officeDocument/2006/relationships" xmlns:p="http://schemas.openxmlformats.org/presentationml/2006/main">
+  <p:cSld>
+    <p:bg>
+      <p:bgRef idx="1001">
+        <a:schemeClr val="bg1"/>
+      </p:bgRef>
+    </p:bg>
+    <p:spTree>
+      <p:nvGrpSpPr>
+        <p:cNvPr id="1" name=""/>
+        <p:cNvGrpSpPr/>
+        <p:nvPr/>
+      </p:nvGrpSpPr>
+      <p:grpSpPr>
+        <a:xfrm>
+          <a:off x="0" y="0"/>
+          <a:ext cx="0" cy="0"/>
+          <a:chOff x="0" y="0"/>
+          <a:chExt cx="0" cy="0"/>
+        </a:xfrm>
+      </p:grpSpPr>
+      <p:sp>
+        <p:nvSpPr>
+          <p:cNvPr id="2" name="Header Placeholder 1"/>
+          <p:cNvSpPr>
+            <a:spLocks noGrp="1"/>
+          </p:cNvSpPr>
+          <p:nvPr>
+            <p:ph type="hdr" sz="quarter"/>
+          </p:nvPr>
+        </p:nvSpPr>
+        <p:spPr>
+          <a:xfrm>
+            <a:off x="0" y="0"/>
+            <a:ext cx="2971800" cy="457200"/>
+          </a:xfrm>
+          <a:prstGeom prst="rect">
+            <a:avLst/>
+          </a:prstGeom>
+        </p:spPr>
+        <p:txBody>
+          <a:bodyPr vert="horz" lIns="91440" tIns="45720" rIns="91440" bIns="45720" rtlCol="0"/>
+          <a:lstStyle>
+            <a:lvl1pPr algn="l">
+              <a:defRPr sz="1200"/>
+            </a:lvl1pPr>
+          </a:lstStyle>
+          <a:p>
+            <a:endParaRPr lang="ko-KR" altLang="en-US"/>
+          </a:p>
+        </p:txBody>
+      </p:sp>
+      <p:sp>
+        <p:nvSpPr>
+          <p:cNvPr id="3" name="Date Placeholder 2"/>
+          <p:cNvSpPr>
+            <a:spLocks noGrp="1"/>
+          </p:cNvSpPr>
+          <p:nvPr>
+            <p:ph type="dt" idx="1"/>
+          </p:nvPr>
+        </p:nvSpPr>
+        <p:spPr>
+          <a:xfrm>
+            <a:off x="3884613" y="0"/>
+            <a:ext cx="2971800" cy="457200"/>
+          </a:xfrm>
+          <a:prstGeom prst="rect">
+            <a:avLst/>
+          </a:prstGeom>
+        </p:spPr>
+        <p:txBody>
+          <a:bodyPr vert="horz" lIns="91440" tIns="45720" rIns="91440" bIns="45720" rtlCol="0"/>
+          <a:lstStyle>
+            <a:lvl1pPr algn="r">
+              <a:defRPr sz="1200"/>
+            </a:lvl1pPr>
+          </a:lstStyle>
+          <a:p>
+            <a:fld id="{6C359908-2688-4626-9703-D941A7507AB5}" type="datetimeFigureOut">
+              <a:rPr lang="ko-KR" altLang="en-US" smtClean="0"/>
+              <a:t>2016-05-10</a:t>
+            </a:fld>
+            <a:endParaRPr lang="ko-KR" altLang="en-US"/>
+          </a:p>
+        </p:txBody>
+      </p:sp>
+      <p:sp>
+        <p:nvSpPr>
+          <p:cNvPr id="4" name="Slide Image Placeholder 3"/>
+          <p:cNvSpPr>
+            <a:spLocks noGrp="1" noRot="1" noChangeAspect="1"/>
+          </p:cNvSpPr>
+          <p:nvPr>
+            <p:ph type="sldImg" idx="2"/>
+          </p:nvPr>
+        </p:nvSpPr>
+        <p:spPr>
+          <a:xfrm>
+            <a:off x="381000" y="685800"/>
+            <a:ext cx="6096000" cy="3429000"/>
+          </a:xfrm>
+          <a:prstGeom prst="rect">
+            <a:avLst/>
+          </a:prstGeom>
+          <a:noFill/>
+          <a:ln w="12700">
+            <a:solidFill>
+              <a:prstClr val="black"/>
+            </a:solidFill>
+          </a:ln>
+        </p:spPr>
+        <p:txBody>
+          <a:bodyPr vert="horz" lIns="91440" tIns="45720" rIns="91440" bIns="45720" rtlCol="0" anchor="ctr"/>
+          <a:lstStyle/>
+          <a:p>
+            <a:endParaRPr lang="ko-KR" altLang="en-US"/>
+          </a:p>
+        </p:txBody>
+      </p:sp>
+      <p:sp>
+        <p:nvSpPr>
+          <p:cNvPr id="5" name="Notes Placeholder 4"/>
+          <p:cNvSpPr>
+            <a:spLocks noGrp="1"/>
+          </p:cNvSpPr>
+          <p:nvPr>
+            <p:ph type="body" sz="quarter" idx="3"/>
+          </p:nvPr>
+        </p:nvSpPr>
+        <p:spPr>
+          <a:xfrm>
+            <a:off x="685800" y="4343400"/>
+            <a:ext cx="5486400" cy="4114800"/>
+          </a:xfrm>
+          <a:prstGeom prst="rect">
+            <a:avLst/>
+          </a:prstGeom>
+        </p:spPr>
+        <p:txBody>
+          <a:bodyPr vert="horz" lIns="91440" tIns="45720" rIns="91440" bIns="45720" rtlCol="0"/>
+          <a:lstStyle/>
+          <a:p>
+            <a:pPr lvl="0"/>
+            <a:r>
+              <a:rPr lang="en-US" altLang="ko-KR" smtClean="0"/>
+              <a:t>Click to edit Master text styles</a:t>
+            </a:r>
+          </a:p>
+          <a:p>
+            <a:pPr lvl="1"/>
+            <a:r>
+              <a:rPr lang="en-US" altLang="ko-KR" smtClean="0"/>
+              <a:t>Second level</a:t>
+            </a:r>
+          </a:p>
+          <a:p>
+            <a:pPr lvl="2"/>
+            <a:r>
+              <a:rPr lang="en-US" altLang="ko-KR" smtClean="0"/>
+              <a:t>Third level</a:t>
+            </a:r>
+          </a:p>
+          <a:p>
+            <a:pPr lvl="3"/>
+            <a:r>
+              <a:rPr lang="en-US" altLang="ko-KR" smtClean="0"/>
+              <a:t>Fourth level</a:t>
+            </a:r>
+          </a:p>
+          <a:p>
+            <a:pPr lvl="4"/>
+            <a:r>
+              <a:rPr lang="en-US" altLang="ko-KR" smtClean="0"/>
+              <a:t>Fifth level</a:t>
+            </a:r>
+            <a:endParaRPr lang="ko-KR" altLang="en-US"/>
+          </a:p>
+        </p:txBody>
+      </p:sp>
+      <p:sp>
+        <p:nvSpPr>
+          <p:cNvPr id="6" name="Footer Placeholder 5"/>
+          <p:cNvSpPr>
+            <a:spLocks noGrp="1"/>
+          </p:cNvSpPr>
+          <p:nvPr>
+            <p:ph type="ftr" sz="quarter" idx="4"/>
+          </p:nvPr>
+        </p:nvSpPr>
+        <p:spPr>
+          <a:xfrm>
+            <a:off x="0" y="8685213"/>
+            <a:ext cx="2971800" cy="457200"/>
+          </a:xfrm>
+          <a:prstGeom prst="rect">
+            <a:avLst/>
+          </a:prstGeom>
+        </p:spPr>
+        <p:txBody>
+          <a:bodyPr vert="horz" lIns="91440" tIns="45720" rIns="91440" bIns="45720" rtlCol="0" anchor="b"/>
+          <a:lstStyle>
+            <a:lvl1pPr algn="l">
+              <a:defRPr sz="1200"/>
+            </a:lvl1pPr>
+          </a:lstStyle>
+          <a:p>
+            <a:endParaRPr lang="ko-KR" altLang="en-US"/>
+          </a:p>
+        </p:txBody>
+      </p:sp>
+      <p:sp>
+        <p:nvSpPr>
+          <p:cNvPr id="7" name="Slide Number Placeholder 6"/>
+          <p:cNvSpPr>
+            <a:spLocks noGrp="1"/>
+          </p:cNvSpPr>
+          <p:nvPr>
+            <p:ph type="sldNum" sz="quarter" idx="5"/>
+          </p:nvPr>
+        </p:nvSpPr>
+        <p:spPr>
+          <a:xfrm>
+            <a:off x="3884613" y="8685213"/>
+            <a:ext cx="2971800" cy="457200"/>
+          </a:xfrm>
+          <a:prstGeom prst="rect">
+            <a:avLst/>
+          </a:prstGeom>
+        </p:spPr>
+        <p:txBody>
+          <a:bodyPr vert="horz" lIns="91440" tIns="45720" rIns="91440" bIns="45720" rtlCol="0" anchor="b"/>
+          <a:lstStyle>
+            <a:lvl1pPr algn="r">
+              <a:defRPr sz="1200"/>
+            </a:lvl1pPr>
+          </a:lstStyle>
+          <a:p>
+            <a:fld id="{3EF0DD29-E6C7-417B-967A-A3FA62908696}" type="slidenum">
+              <a:rPr lang="ko-KR" altLang="en-US" smtClean="0"/>
+              <a:t>‹#›</a:t>
+            </a:fld>
+            <a:endParaRPr lang="ko-KR" altLang="en-US"/>
+          </a:p>
+        </p:txBody>
+      </p:sp>
+    </p:spTree>
+    <p:extLst>
+      <p:ext uri="{BB962C8B-B14F-4D97-AF65-F5344CB8AC3E}">
+        <p14:creationId xmlns:p14="http://schemas.microsoft.com/office/powerpoint/2010/main" val="2360542710"/>
+      </p:ext>
+    </p:extLst>
+  </p:cSld>
+  <p:clrMap bg1="lt1" tx1="dk1" bg2="lt2" tx2="dk2" accent1="accent1" accent2="accent2" accent3="accent3" accent4="accent4" accent5="accent5" accent6="accent6" hlink="hlink" folHlink="folHlink"/>
+  <p:hf hdr="0" ftr="0" dt="0"/>
+  <p:notesStyle>
+    <a:lvl1pPr marL="0" algn="l" defTabSz="914400" rtl="0" eaLnBrk="1" latinLnBrk="1" hangingPunct="1">
+      <a:defRPr sz="1200" kern="1200">
+        <a:solidFill>
+          <a:schemeClr val="tx1"/>
+        </a:solidFill>
+        <a:latin typeface="+mn-lt"/>
+        <a:ea typeface="+mn-ea"/>
+        <a:cs typeface="+mn-cs"/>
+      </a:defRPr>
+    </a:lvl1pPr>
+    <a:lvl2pPr marL="457200" algn="l" defTabSz="914400" rtl="0" eaLnBrk="1" latinLnBrk="1" hangingPunct="1">
+      <a:defRPr sz="1200" kern="1200">
+        <a:solidFill>
+          <a:schemeClr val="tx1"/>
+        </a:solidFill>
+        <a:latin typeface="+mn-lt"/>
+        <a:ea typeface="+mn-ea"/>
+        <a:cs typeface="+mn-cs"/>
+      </a:defRPr>
+    </a:lvl2pPr>
+    <a:lvl3pPr marL="914400" algn="l" defTabSz="914400" rtl="0" eaLnBrk="1" latinLnBrk="1" hangingPunct="1">
+      <a:defRPr sz="1200" kern="1200">
+        <a:solidFill>
+          <a:schemeClr val="tx1"/>
+        </a:solidFill>
+        <a:latin typeface="+mn-lt"/>
+        <a:ea typeface="+mn-ea"/>
+        <a:cs typeface="+mn-cs"/>
+      </a:defRPr>
+    </a:lvl3pPr>
+    <a:lvl4pPr marL="1371600" algn="l" defTabSz="914400" rtl="0" eaLnBrk="1" latinLnBrk="1" hangingPunct="1">
+      <a:defRPr sz="1200" kern="1200">
+        <a:solidFill>
+          <a:schemeClr val="tx1"/>
+        </a:solidFill>
+        <a:latin typeface="+mn-lt"/>
+        <a:ea typeface="+mn-ea"/>
+        <a:cs typeface="+mn-cs"/>
+      </a:defRPr>
+    </a:lvl4pPr>
+    <a:lvl5pPr marL="1828800" algn="l" defTabSz="914400" rtl="0" eaLnBrk="1" latinLnBrk="1" hangingPunct="1">
+      <a:defRPr sz="1200" kern="1200">
+        <a:solidFill>
+          <a:schemeClr val="tx1"/>
+        </a:solidFill>
+        <a:latin typeface="+mn-lt"/>
+        <a:ea typeface="+mn-ea"/>
+        <a:cs typeface="+mn-cs"/>
+      </a:defRPr>
+    </a:lvl5pPr>
+    <a:lvl6pPr marL="2286000" algn="l" defTabSz="914400" rtl="0" eaLnBrk="1" latinLnBrk="1" hangingPunct="1">
+      <a:defRPr sz="1200" kern="1200">
+        <a:solidFill>
+          <a:schemeClr val="tx1"/>
+        </a:solidFill>
+        <a:latin typeface="+mn-lt"/>
+        <a:ea typeface="+mn-ea"/>
+        <a:cs typeface="+mn-cs"/>
+      </a:defRPr>
+    </a:lvl6pPr>
+    <a:lvl7pPr marL="2743200" algn="l" defTabSz="914400" rtl="0" eaLnBrk="1" latinLnBrk="1" hangingPunct="1">
+      <a:defRPr sz="1200" kern="1200">
+        <a:solidFill>
+          <a:schemeClr val="tx1"/>
+        </a:solidFill>
+        <a:latin typeface="+mn-lt"/>
+        <a:ea typeface="+mn-ea"/>
+        <a:cs typeface="+mn-cs"/>
+      </a:defRPr>
+    </a:lvl7pPr>
+    <a:lvl8pPr marL="3200400" algn="l" defTabSz="914400" rtl="0" eaLnBrk="1" latinLnBrk="1" hangingPunct="1">
+      <a:defRPr sz="1200" kern="1200">
+        <a:solidFill>
+          <a:schemeClr val="tx1"/>
+        </a:solidFill>
+        <a:latin typeface="+mn-lt"/>
+        <a:ea typeface="+mn-ea"/>
+        <a:cs typeface="+mn-cs"/>
+      </a:defRPr>
+    </a:lvl8pPr>
+    <a:lvl9pPr marL="3657600" algn="l" defTabSz="914400" rtl="0" eaLnBrk="1" latinLnBrk="1" hangingPunct="1">
+      <a:defRPr sz="1200" kern="1200">
+        <a:solidFill>
+          <a:schemeClr val="tx1"/>
+        </a:solidFill>
+        <a:latin typeface="+mn-lt"/>
+        <a:ea typeface="+mn-ea"/>
+        <a:cs typeface="+mn-cs"/>
+      </a:defRPr>
+    </a:lvl9pPr>
+  </p:notesStyle>
+</p:notesMaster>
+</file>
+
+<file path=ppt/notesSlides/notesSlide1.xml><?xml version="1.0" encoding="utf-8"?>
+<p:notes xmlns:a="http://schemas.openxmlformats.org/drawingml/2006/main" xmlns:r="http://schemas.openxmlformats.org/officeDocument/2006/relationships" xmlns:p="http://schemas.openxmlformats.org/presentationml/2006/main">
+  <p:cSld>
+    <p:spTree>
+      <p:nvGrpSpPr>
+        <p:cNvPr id="1" name=""/>
+        <p:cNvGrpSpPr/>
+        <p:nvPr/>
+      </p:nvGrpSpPr>
+      <p:grpSpPr>
+        <a:xfrm>
+          <a:off x="0" y="0"/>
+          <a:ext cx="0" cy="0"/>
+          <a:chOff x="0" y="0"/>
+          <a:chExt cx="0" cy="0"/>
+        </a:xfrm>
+      </p:grpSpPr>
+      <p:sp>
+        <p:nvSpPr>
+          <p:cNvPr id="2" name="Slide Image Placeholder 1"/>
+          <p:cNvSpPr>
+            <a:spLocks noGrp="1" noRot="1" noChangeAspect="1"/>
+          </p:cNvSpPr>
+          <p:nvPr>
+            <p:ph type="sldImg"/>
+          </p:nvPr>
+        </p:nvSpPr>
+        <p:spPr/>
+      </p:sp>
+      <p:sp>
+        <p:nvSpPr>
+          <p:cNvPr id="3" name="Notes Placeholder 2"/>
+          <p:cNvSpPr>
+            <a:spLocks noGrp="1"/>
+          </p:cNvSpPr>
+          <p:nvPr>
+            <p:ph type="body" idx="1"/>
+          </p:nvPr>
+        </p:nvSpPr>
+        <p:spPr/>
+        <p:txBody>
+          <a:bodyPr/>
+          <a:lstStyle/>
+          <a:p>
+            <a:endParaRPr lang="ko-KR" altLang="en-US"/>
+          </a:p>
+        </p:txBody>
+      </p:sp>
+      <p:sp>
+        <p:nvSpPr>
+          <p:cNvPr id="4" name="Slide Number Placeholder 3"/>
+          <p:cNvSpPr>
+            <a:spLocks noGrp="1"/>
+          </p:cNvSpPr>
+          <p:nvPr>
+            <p:ph type="sldNum" sz="quarter" idx="10"/>
+          </p:nvPr>
+        </p:nvSpPr>
+        <p:spPr/>
+        <p:txBody>
+          <a:bodyPr/>
+          <a:lstStyle/>
+          <a:p>
+            <a:fld id="{3EF0DD29-E6C7-417B-967A-A3FA62908696}" type="slidenum">
+              <a:rPr lang="ko-KR" altLang="en-US" smtClean="0"/>
+              <a:t>1</a:t>
+            </a:fld>
+            <a:endParaRPr lang="ko-KR" altLang="en-US"/>
+          </a:p>
+        </p:txBody>
+      </p:sp>
+    </p:spTree>
+    <p:extLst>
+      <p:ext uri="{BB962C8B-B14F-4D97-AF65-F5344CB8AC3E}">
+        <p14:creationId xmlns:p14="http://schemas.microsoft.com/office/powerpoint/2010/main" val="1956631525"/>
+      </p:ext>
+    </p:extLst>
+  </p:cSld>
+  <p:clrMapOvr>
+    <a:masterClrMapping/>
+  </p:clrMapOvr>
+</p:notes>
+</file>
+
 <file path=ppt/slideLayouts/slideLayout1.xml><?xml version="1.0" encoding="utf-8"?>
 <p:sldLayout xmlns:a="http://schemas.openxmlformats.org/drawingml/2006/main" xmlns:r="http://schemas.openxmlformats.org/officeDocument/2006/relationships" xmlns:p="http://schemas.openxmlformats.org/presentationml/2006/main" type="title" preserve="1">
   <p:cSld name="제목 슬라이드">
@@ -268,9 +875,9 @@
           <a:bodyPr/>
           <a:lstStyle/>
           <a:p>
-            <a:fld id="{3CB26C7E-36B6-4FA0-940B-3F9D4F675FBE}" type="datetimeFigureOut">
+            <a:fld id="{CA8DE845-1C5F-416F-8617-C1B7363F8B26}" type="datetime1">
               <a:rPr lang="ko-KR" altLang="en-US" smtClean="0"/>
-              <a:t>2016-05-09</a:t>
+              <a:t>2016-05-10</a:t>
             </a:fld>
             <a:endParaRPr lang="ko-KR" altLang="en-US"/>
           </a:p>
@@ -436,9 +1043,9 @@
           <a:bodyPr/>
           <a:lstStyle/>
           <a:p>
-            <a:fld id="{3CB26C7E-36B6-4FA0-940B-3F9D4F675FBE}" type="datetimeFigureOut">
+            <a:fld id="{14E1F7A5-A2D4-4285-8C4D-AE53052C11C4}" type="datetime1">
               <a:rPr lang="ko-KR" altLang="en-US" smtClean="0"/>
-              <a:t>2016-05-09</a:t>
+              <a:t>2016-05-10</a:t>
             </a:fld>
             <a:endParaRPr lang="ko-KR" altLang="en-US"/>
           </a:p>
@@ -614,9 +1221,9 @@
           <a:bodyPr/>
           <a:lstStyle/>
           <a:p>
-            <a:fld id="{3CB26C7E-36B6-4FA0-940B-3F9D4F675FBE}" type="datetimeFigureOut">
+            <a:fld id="{9A883F9D-8B82-4233-9BC2-42F15A67E5D6}" type="datetime1">
               <a:rPr lang="ko-KR" altLang="en-US" smtClean="0"/>
-              <a:t>2016-05-09</a:t>
+              <a:t>2016-05-10</a:t>
             </a:fld>
             <a:endParaRPr lang="ko-KR" altLang="en-US"/>
           </a:p>
@@ -782,9 +1389,9 @@
           <a:bodyPr/>
           <a:lstStyle/>
           <a:p>
-            <a:fld id="{3CB26C7E-36B6-4FA0-940B-3F9D4F675FBE}" type="datetimeFigureOut">
+            <a:fld id="{C35F1DFC-B93C-4C57-9324-B134FB45B096}" type="datetime1">
               <a:rPr lang="ko-KR" altLang="en-US" smtClean="0"/>
-              <a:t>2016-05-09</a:t>
+              <a:t>2016-05-10</a:t>
             </a:fld>
             <a:endParaRPr lang="ko-KR" altLang="en-US"/>
           </a:p>
@@ -1027,9 +1634,9 @@
           <a:bodyPr/>
           <a:lstStyle/>
           <a:p>
-            <a:fld id="{3CB26C7E-36B6-4FA0-940B-3F9D4F675FBE}" type="datetimeFigureOut">
+            <a:fld id="{71097BF1-679B-4D2F-BFD1-99FEF4C1D1C4}" type="datetime1">
               <a:rPr lang="ko-KR" altLang="en-US" smtClean="0"/>
-              <a:t>2016-05-09</a:t>
+              <a:t>2016-05-10</a:t>
             </a:fld>
             <a:endParaRPr lang="ko-KR" altLang="en-US"/>
           </a:p>
@@ -1256,9 +1863,9 @@
           <a:bodyPr/>
           <a:lstStyle/>
           <a:p>
-            <a:fld id="{3CB26C7E-36B6-4FA0-940B-3F9D4F675FBE}" type="datetimeFigureOut">
+            <a:fld id="{72E2C973-E4AD-4205-9865-908439E67FC9}" type="datetime1">
               <a:rPr lang="ko-KR" altLang="en-US" smtClean="0"/>
-              <a:t>2016-05-09</a:t>
+              <a:t>2016-05-10</a:t>
             </a:fld>
             <a:endParaRPr lang="ko-KR" altLang="en-US"/>
           </a:p>
@@ -1620,9 +2227,9 @@
           <a:bodyPr/>
           <a:lstStyle/>
           <a:p>
-            <a:fld id="{3CB26C7E-36B6-4FA0-940B-3F9D4F675FBE}" type="datetimeFigureOut">
+            <a:fld id="{F1630B2A-53DD-4733-A408-785D91974C35}" type="datetime1">
               <a:rPr lang="ko-KR" altLang="en-US" smtClean="0"/>
-              <a:t>2016-05-09</a:t>
+              <a:t>2016-05-10</a:t>
             </a:fld>
             <a:endParaRPr lang="ko-KR" altLang="en-US"/>
           </a:p>
@@ -1737,9 +2344,9 @@
           <a:bodyPr/>
           <a:lstStyle/>
           <a:p>
-            <a:fld id="{3CB26C7E-36B6-4FA0-940B-3F9D4F675FBE}" type="datetimeFigureOut">
+            <a:fld id="{8846F695-B098-42F1-BACD-30E47BB2D026}" type="datetime1">
               <a:rPr lang="ko-KR" altLang="en-US" smtClean="0"/>
-              <a:t>2016-05-09</a:t>
+              <a:t>2016-05-10</a:t>
             </a:fld>
             <a:endParaRPr lang="ko-KR" altLang="en-US"/>
           </a:p>
@@ -1832,9 +2439,9 @@
           <a:bodyPr/>
           <a:lstStyle/>
           <a:p>
-            <a:fld id="{3CB26C7E-36B6-4FA0-940B-3F9D4F675FBE}" type="datetimeFigureOut">
+            <a:fld id="{F9CFE27F-5504-4361-9D82-76FE96C876B0}" type="datetime1">
               <a:rPr lang="ko-KR" altLang="en-US" smtClean="0"/>
-              <a:t>2016-05-09</a:t>
+              <a:t>2016-05-10</a:t>
             </a:fld>
             <a:endParaRPr lang="ko-KR" altLang="en-US"/>
           </a:p>
@@ -2107,9 +2714,9 @@
           <a:bodyPr/>
           <a:lstStyle/>
           <a:p>
-            <a:fld id="{3CB26C7E-36B6-4FA0-940B-3F9D4F675FBE}" type="datetimeFigureOut">
+            <a:fld id="{3CB31587-26D7-45EA-BAD0-DC6A80ED7590}" type="datetime1">
               <a:rPr lang="ko-KR" altLang="en-US" smtClean="0"/>
-              <a:t>2016-05-09</a:t>
+              <a:t>2016-05-10</a:t>
             </a:fld>
             <a:endParaRPr lang="ko-KR" altLang="en-US"/>
           </a:p>
@@ -2359,9 +2966,9 @@
           <a:bodyPr/>
           <a:lstStyle/>
           <a:p>
-            <a:fld id="{3CB26C7E-36B6-4FA0-940B-3F9D4F675FBE}" type="datetimeFigureOut">
+            <a:fld id="{EA06E6AC-7C5B-4CDC-926B-2F658D6B625C}" type="datetime1">
               <a:rPr lang="ko-KR" altLang="en-US" smtClean="0"/>
-              <a:t>2016-05-09</a:t>
+              <a:t>2016-05-10</a:t>
             </a:fld>
             <a:endParaRPr lang="ko-KR" altLang="en-US"/>
           </a:p>
@@ -2580,9 +3187,9 @@
             </a:lvl1pPr>
           </a:lstStyle>
           <a:p>
-            <a:fld id="{3CB26C7E-36B6-4FA0-940B-3F9D4F675FBE}" type="datetimeFigureOut">
+            <a:fld id="{84CA5D6B-1B3B-401D-8CC9-327BB51EC254}" type="datetime1">
               <a:rPr lang="ko-KR" altLang="en-US" smtClean="0"/>
-              <a:t>2016-05-09</a:t>
+              <a:t>2016-05-10</a:t>
             </a:fld>
             <a:endParaRPr lang="ko-KR" altLang="en-US"/>
           </a:p>
@@ -2687,6 +3294,7 @@
     <p:sldLayoutId id="2147483658" r:id="rId10"/>
     <p:sldLayoutId id="2147483659" r:id="rId11"/>
   </p:sldLayoutIdLst>
+  <p:hf hdr="0" ftr="0" dt="0"/>
   <p:txStyles>
     <p:titleStyle>
       <a:lvl1pPr algn="l" defTabSz="914400" rtl="0" eaLnBrk="1" latinLnBrk="1" hangingPunct="1">
@@ -2976,7 +3584,7 @@
     <p:bg>
       <p:bgPr>
         <a:blipFill dpi="0" rotWithShape="1">
-          <a:blip r:embed="rId2">
+          <a:blip r:embed="rId3">
             <a:lum/>
           </a:blip>
           <a:srcRect/>
@@ -3013,7 +3621,7 @@
         </p:nvSpPr>
         <p:spPr>
           <a:xfrm>
-            <a:off x="5486400" y="4989505"/>
+            <a:off x="5502584" y="4746744"/>
             <a:ext cx="6400800" cy="1752600"/>
           </a:xfrm>
         </p:spPr>
@@ -3103,6 +3711,29 @@
               </a:rPr>
               <a:t>조지훈</a:t>
             </a:r>
+          </a:p>
+        </p:txBody>
+      </p:sp>
+      <p:sp>
+        <p:nvSpPr>
+          <p:cNvPr id="3" name="Slide Number Placeholder 2"/>
+          <p:cNvSpPr>
+            <a:spLocks noGrp="1"/>
+          </p:cNvSpPr>
+          <p:nvPr>
+            <p:ph type="sldNum" sz="quarter" idx="12"/>
+          </p:nvPr>
+        </p:nvSpPr>
+        <p:spPr/>
+        <p:txBody>
+          <a:bodyPr/>
+          <a:lstStyle/>
+          <a:p>
+            <a:fld id="{FBFC020C-1606-4BED-91BA-A6230104B3B1}" type="slidenum">
+              <a:rPr lang="ko-KR" altLang="en-US" smtClean="0"/>
+              <a:t>1</a:t>
+            </a:fld>
+            <a:endParaRPr lang="ko-KR" altLang="en-US"/>
           </a:p>
         </p:txBody>
       </p:sp>
@@ -3127,1101 +3758,6 @@
 </file>
 
 <file path=ppt/slides/slide10.xml><?xml version="1.0" encoding="utf-8"?>
-<p:sld xmlns:a="http://schemas.openxmlformats.org/drawingml/2006/main" xmlns:r="http://schemas.openxmlformats.org/officeDocument/2006/relationships" xmlns:p="http://schemas.openxmlformats.org/presentationml/2006/main">
-  <p:cSld>
-    <p:spTree>
-      <p:nvGrpSpPr>
-        <p:cNvPr id="1" name=""/>
-        <p:cNvGrpSpPr/>
-        <p:nvPr/>
-      </p:nvGrpSpPr>
-      <p:grpSpPr>
-        <a:xfrm>
-          <a:off x="0" y="0"/>
-          <a:ext cx="0" cy="0"/>
-          <a:chOff x="0" y="0"/>
-          <a:chExt cx="0" cy="0"/>
-        </a:xfrm>
-      </p:grpSpPr>
-      <p:sp>
-        <p:nvSpPr>
-          <p:cNvPr id="2" name="제목 1"/>
-          <p:cNvSpPr>
-            <a:spLocks noGrp="1"/>
-          </p:cNvSpPr>
-          <p:nvPr>
-            <p:ph type="title"/>
-          </p:nvPr>
-        </p:nvSpPr>
-        <p:spPr/>
-        <p:txBody>
-          <a:bodyPr>
-            <a:normAutofit fontScale="90000"/>
-          </a:bodyPr>
-          <a:lstStyle/>
-          <a:p>
-            <a:r>
-              <a:rPr lang="en-US" altLang="ko-KR" b="1" dirty="0"/>
-              <a:t/>
-            </a:r>
-            <a:br>
-              <a:rPr lang="en-US" altLang="ko-KR" b="1" dirty="0"/>
-            </a:br>
-            <a:r>
-              <a:rPr lang="en-US" altLang="ko-KR" b="1" dirty="0"/>
-              <a:t>4-2. </a:t>
-            </a:r>
-            <a:r>
-              <a:rPr lang="ko-KR" altLang="en-US" b="1" dirty="0"/>
-              <a:t>기획</a:t>
-            </a:r>
-            <a:r>
-              <a:rPr lang="en-US" altLang="ko-KR" b="1" dirty="0"/>
-              <a:t>,</a:t>
-            </a:r>
-            <a:r>
-              <a:rPr lang="ko-KR" altLang="en-US" b="1" dirty="0"/>
-              <a:t>그래픽 개발 상황 </a:t>
-            </a:r>
-            <a:r>
-              <a:rPr lang="en-US" altLang="ko-KR" b="1" dirty="0"/>
-              <a:t>– </a:t>
-            </a:r>
-            <a:r>
-              <a:rPr lang="ko-KR" altLang="en-US" sz="3100" b="1" dirty="0"/>
-              <a:t>최영민</a:t>
-            </a:r>
-            <a:r>
-              <a:rPr lang="en-US" altLang="ko-KR" b="1" dirty="0"/>
-              <a:t/>
-            </a:r>
-            <a:br>
-              <a:rPr lang="en-US" altLang="ko-KR" b="1" dirty="0"/>
-            </a:br>
-            <a:endParaRPr lang="ko-KR" altLang="en-US" dirty="0"/>
-          </a:p>
-        </p:txBody>
-      </p:sp>
-      <p:sp>
-        <p:nvSpPr>
-          <p:cNvPr id="3" name="내용 개체 틀 2"/>
-          <p:cNvSpPr>
-            <a:spLocks noGrp="1"/>
-          </p:cNvSpPr>
-          <p:nvPr>
-            <p:ph idx="1"/>
-          </p:nvPr>
-        </p:nvSpPr>
-        <p:spPr>
-          <a:xfrm>
-            <a:off x="838200" y="1825624"/>
-            <a:ext cx="10366829" cy="4865462"/>
-          </a:xfrm>
-        </p:spPr>
-        <p:txBody>
-          <a:bodyPr>
-            <a:normAutofit/>
-          </a:bodyPr>
-          <a:lstStyle/>
-          <a:p>
-            <a:r>
-              <a:rPr lang="ko-KR" altLang="en-US" b="1" dirty="0"/>
-              <a:t>메인 시스템 기획</a:t>
-            </a:r>
-            <a:endParaRPr lang="en-US" altLang="ko-KR" b="1" dirty="0"/>
-          </a:p>
-          <a:p>
-            <a:r>
-              <a:rPr lang="ko-KR" altLang="en-US" b="1" dirty="0"/>
-              <a:t>스토리라인 기획</a:t>
-            </a:r>
-            <a:endParaRPr lang="en-US" altLang="ko-KR" b="1" dirty="0"/>
-          </a:p>
-          <a:p>
-            <a:r>
-              <a:rPr lang="ko-KR" altLang="en-US" b="1" dirty="0"/>
-              <a:t>챕터</a:t>
-            </a:r>
-            <a:r>
-              <a:rPr lang="en-US" altLang="ko-KR" b="1" dirty="0"/>
-              <a:t>/</a:t>
-            </a:r>
-            <a:r>
-              <a:rPr lang="ko-KR" altLang="en-US" b="1" dirty="0"/>
-              <a:t>스테이지 비트차트 기획</a:t>
-            </a:r>
-            <a:endParaRPr lang="en-US" altLang="ko-KR" b="1" dirty="0"/>
-          </a:p>
-          <a:p>
-            <a:r>
-              <a:rPr lang="en-US" altLang="ko-KR" b="1" dirty="0"/>
-              <a:t>UX/UI </a:t>
-            </a:r>
-            <a:r>
-              <a:rPr lang="ko-KR" altLang="en-US" b="1" dirty="0"/>
-              <a:t>기획후 피드백을 받아 개선중</a:t>
-            </a:r>
-            <a:endParaRPr lang="en-US" altLang="ko-KR" b="1" dirty="0"/>
-          </a:p>
-          <a:p>
-            <a:pPr marL="0" indent="0">
-              <a:buNone/>
-            </a:pPr>
-            <a:r>
-              <a:rPr lang="en-US" altLang="ko-KR" b="1" dirty="0"/>
-              <a:t>------------------------------------------------------</a:t>
-            </a:r>
-          </a:p>
-          <a:p>
-            <a:r>
-              <a:rPr lang="ko-KR" altLang="en-US" b="1" dirty="0"/>
-              <a:t>캐릭터 모델링완료</a:t>
-            </a:r>
-            <a:endParaRPr lang="en-US" altLang="ko-KR" b="1" dirty="0"/>
-          </a:p>
-          <a:p>
-            <a:r>
-              <a:rPr lang="ko-KR" altLang="en-US" b="1" dirty="0"/>
-              <a:t>타일 모델링완료</a:t>
-            </a:r>
-            <a:endParaRPr lang="en-US" altLang="ko-KR" b="1" dirty="0"/>
-          </a:p>
-          <a:p>
-            <a:r>
-              <a:rPr lang="ko-KR" altLang="en-US" b="1" dirty="0"/>
-              <a:t>조경오브젝트 </a:t>
-            </a:r>
-            <a:r>
-              <a:rPr lang="en-US" altLang="ko-KR" b="1" dirty="0"/>
-              <a:t>80%</a:t>
-            </a:r>
-            <a:r>
-              <a:rPr lang="ko-KR" altLang="en-US" b="1" dirty="0"/>
-              <a:t>이상 제작</a:t>
-            </a:r>
-            <a:endParaRPr lang="en-US" altLang="ko-KR" b="1" dirty="0"/>
-          </a:p>
-          <a:p>
-            <a:r>
-              <a:rPr lang="en-US" altLang="ko-KR" b="1" dirty="0"/>
-              <a:t>UI </a:t>
-            </a:r>
-            <a:r>
-              <a:rPr lang="ko-KR" altLang="en-US" b="1" dirty="0"/>
-              <a:t>제작중</a:t>
-            </a:r>
-            <a:endParaRPr lang="en-US" altLang="ko-KR" b="1" dirty="0"/>
-          </a:p>
-          <a:p>
-            <a:endParaRPr lang="en-US" altLang="ko-KR" dirty="0"/>
-          </a:p>
-          <a:p>
-            <a:pPr marL="0" indent="0">
-              <a:buNone/>
-            </a:pPr>
-            <a:endParaRPr lang="ko-KR" altLang="en-US" dirty="0"/>
-          </a:p>
-        </p:txBody>
-      </p:sp>
-    </p:spTree>
-    <p:extLst>
-      <p:ext uri="{BB962C8B-B14F-4D97-AF65-F5344CB8AC3E}">
-        <p14:creationId xmlns:p14="http://schemas.microsoft.com/office/powerpoint/2010/main" val="3773845397"/>
-      </p:ext>
-    </p:extLst>
-  </p:cSld>
-  <p:clrMapOvr>
-    <a:masterClrMapping/>
-  </p:clrMapOvr>
-  <p:timing>
-    <p:tnLst>
-      <p:par>
-        <p:cTn id="1" dur="indefinite" restart="never" nodeType="tmRoot"/>
-      </p:par>
-    </p:tnLst>
-  </p:timing>
-</p:sld>
-</file>
-
-<file path=ppt/slides/slide11.xml><?xml version="1.0" encoding="utf-8"?>
-<p:sld xmlns:a="http://schemas.openxmlformats.org/drawingml/2006/main" xmlns:r="http://schemas.openxmlformats.org/officeDocument/2006/relationships" xmlns:p="http://schemas.openxmlformats.org/presentationml/2006/main">
-  <p:cSld>
-    <p:spTree>
-      <p:nvGrpSpPr>
-        <p:cNvPr id="1" name=""/>
-        <p:cNvGrpSpPr/>
-        <p:nvPr/>
-      </p:nvGrpSpPr>
-      <p:grpSpPr>
-        <a:xfrm>
-          <a:off x="0" y="0"/>
-          <a:ext cx="0" cy="0"/>
-          <a:chOff x="0" y="0"/>
-          <a:chExt cx="0" cy="0"/>
-        </a:xfrm>
-      </p:grpSpPr>
-      <p:sp>
-        <p:nvSpPr>
-          <p:cNvPr id="2" name="제목 1"/>
-          <p:cNvSpPr>
-            <a:spLocks noGrp="1"/>
-          </p:cNvSpPr>
-          <p:nvPr>
-            <p:ph type="title"/>
-          </p:nvPr>
-        </p:nvSpPr>
-        <p:spPr/>
-        <p:txBody>
-          <a:bodyPr>
-            <a:normAutofit fontScale="90000"/>
-          </a:bodyPr>
-          <a:lstStyle/>
-          <a:p>
-            <a:r>
-              <a:rPr lang="en-US" altLang="ko-KR" b="1" dirty="0"/>
-              <a:t/>
-            </a:r>
-            <a:br>
-              <a:rPr lang="en-US" altLang="ko-KR" b="1" dirty="0"/>
-            </a:br>
-            <a:r>
-              <a:rPr lang="en-US" altLang="ko-KR" b="1" dirty="0"/>
-              <a:t>4-2.</a:t>
-            </a:r>
-            <a:r>
-              <a:rPr lang="ko-KR" altLang="en-US" b="1" dirty="0"/>
-              <a:t> 기획</a:t>
-            </a:r>
-            <a:r>
-              <a:rPr lang="en-US" altLang="ko-KR" b="1" dirty="0"/>
-              <a:t>,</a:t>
-            </a:r>
-            <a:r>
-              <a:rPr lang="ko-KR" altLang="en-US" b="1" dirty="0"/>
-              <a:t>그래픽 개발 미흡점 </a:t>
-            </a:r>
-            <a:r>
-              <a:rPr lang="en-US" altLang="ko-KR" b="1" dirty="0"/>
-              <a:t>– </a:t>
-            </a:r>
-            <a:r>
-              <a:rPr lang="ko-KR" altLang="en-US" sz="3100" b="1" dirty="0"/>
-              <a:t>최영민</a:t>
-            </a:r>
-            <a:r>
-              <a:rPr lang="en-US" altLang="ko-KR" b="1" dirty="0"/>
-              <a:t/>
-            </a:r>
-            <a:br>
-              <a:rPr lang="en-US" altLang="ko-KR" b="1" dirty="0"/>
-            </a:br>
-            <a:endParaRPr lang="ko-KR" altLang="en-US" dirty="0"/>
-          </a:p>
-        </p:txBody>
-      </p:sp>
-      <p:sp>
-        <p:nvSpPr>
-          <p:cNvPr id="3" name="내용 개체 틀 2"/>
-          <p:cNvSpPr>
-            <a:spLocks noGrp="1"/>
-          </p:cNvSpPr>
-          <p:nvPr>
-            <p:ph idx="1"/>
-          </p:nvPr>
-        </p:nvSpPr>
-        <p:spPr>
-          <a:xfrm>
-            <a:off x="838200" y="1825624"/>
-            <a:ext cx="10366829" cy="4865462"/>
-          </a:xfrm>
-        </p:spPr>
-        <p:txBody>
-          <a:bodyPr>
-            <a:normAutofit/>
-          </a:bodyPr>
-          <a:lstStyle/>
-          <a:p>
-            <a:r>
-              <a:rPr lang="ko-KR" altLang="en-US" b="1" dirty="0"/>
-              <a:t>개별 시스템 문서 작성 미흡</a:t>
-            </a:r>
-            <a:endParaRPr lang="en-US" altLang="ko-KR" b="1" dirty="0"/>
-          </a:p>
-          <a:p>
-            <a:r>
-              <a:rPr lang="en-US" altLang="ko-KR" b="1" dirty="0"/>
-              <a:t>UX/UI </a:t>
-            </a:r>
-            <a:r>
-              <a:rPr lang="ko-KR" altLang="en-US" b="1" dirty="0"/>
-              <a:t>기획 미흡</a:t>
-            </a:r>
-            <a:endParaRPr lang="en-US" altLang="ko-KR" b="1" dirty="0"/>
-          </a:p>
-          <a:p>
-            <a:r>
-              <a:rPr lang="ko-KR" altLang="en-US" b="1" dirty="0"/>
-              <a:t>기획 문서 폼 정립 미흡</a:t>
-            </a:r>
-            <a:endParaRPr lang="en-US" altLang="ko-KR" b="1" dirty="0"/>
-          </a:p>
-          <a:p>
-            <a:r>
-              <a:rPr lang="ko-KR" altLang="en-US" b="1" dirty="0"/>
-              <a:t>디테일에 대한 기획 미흡</a:t>
-            </a:r>
-            <a:endParaRPr lang="en-US" altLang="ko-KR" b="1" dirty="0"/>
-          </a:p>
-          <a:p>
-            <a:pPr marL="0" indent="0">
-              <a:buNone/>
-            </a:pPr>
-            <a:r>
-              <a:rPr lang="en-US" altLang="ko-KR" b="1" dirty="0"/>
-              <a:t>-----------------------------------------------------</a:t>
-            </a:r>
-          </a:p>
-          <a:p>
-            <a:r>
-              <a:rPr lang="ko-KR" altLang="en-US" b="1" dirty="0"/>
-              <a:t>애니메이션의 부재</a:t>
-            </a:r>
-            <a:endParaRPr lang="en-US" altLang="ko-KR" b="1" dirty="0"/>
-          </a:p>
-          <a:p>
-            <a:r>
-              <a:rPr lang="ko-KR" altLang="en-US" b="1" dirty="0"/>
-              <a:t>그래픽 툴 사용 미흡으로 인한 낮은 퀄리티의 </a:t>
-            </a:r>
-            <a:r>
-              <a:rPr lang="en-US" altLang="ko-KR" b="1" dirty="0"/>
-              <a:t>UI </a:t>
-            </a:r>
-            <a:r>
-              <a:rPr lang="ko-KR" altLang="en-US" b="1" dirty="0"/>
-              <a:t>제작</a:t>
-            </a:r>
-            <a:endParaRPr lang="en-US" altLang="ko-KR" b="1" dirty="0"/>
-          </a:p>
-          <a:p>
-            <a:r>
-              <a:rPr lang="ko-KR" altLang="en-US" b="1" dirty="0"/>
-              <a:t>이펙트 제작 미흡</a:t>
-            </a:r>
-            <a:endParaRPr lang="en-US" altLang="ko-KR" b="1" dirty="0"/>
-          </a:p>
-          <a:p>
-            <a:endParaRPr lang="en-US" altLang="ko-KR" dirty="0"/>
-          </a:p>
-          <a:p>
-            <a:endParaRPr lang="ko-KR" altLang="en-US" dirty="0"/>
-          </a:p>
-        </p:txBody>
-      </p:sp>
-    </p:spTree>
-    <p:extLst>
-      <p:ext uri="{BB962C8B-B14F-4D97-AF65-F5344CB8AC3E}">
-        <p14:creationId xmlns:p14="http://schemas.microsoft.com/office/powerpoint/2010/main" val="980689935"/>
-      </p:ext>
-    </p:extLst>
-  </p:cSld>
-  <p:clrMapOvr>
-    <a:masterClrMapping/>
-  </p:clrMapOvr>
-  <p:timing>
-    <p:tnLst>
-      <p:par>
-        <p:cTn id="1" dur="indefinite" restart="never" nodeType="tmRoot"/>
-      </p:par>
-    </p:tnLst>
-  </p:timing>
-</p:sld>
-</file>
-
-<file path=ppt/slides/slide12.xml><?xml version="1.0" encoding="utf-8"?>
-<p:sld xmlns:a="http://schemas.openxmlformats.org/drawingml/2006/main" xmlns:r="http://schemas.openxmlformats.org/officeDocument/2006/relationships" xmlns:p="http://schemas.openxmlformats.org/presentationml/2006/main">
-  <p:cSld>
-    <p:spTree>
-      <p:nvGrpSpPr>
-        <p:cNvPr id="1" name=""/>
-        <p:cNvGrpSpPr/>
-        <p:nvPr/>
-      </p:nvGrpSpPr>
-      <p:grpSpPr>
-        <a:xfrm>
-          <a:off x="0" y="0"/>
-          <a:ext cx="0" cy="0"/>
-          <a:chOff x="0" y="0"/>
-          <a:chExt cx="0" cy="0"/>
-        </a:xfrm>
-      </p:grpSpPr>
-      <p:sp>
-        <p:nvSpPr>
-          <p:cNvPr id="2" name="제목 1"/>
-          <p:cNvSpPr>
-            <a:spLocks noGrp="1"/>
-          </p:cNvSpPr>
-          <p:nvPr>
-            <p:ph type="title"/>
-          </p:nvPr>
-        </p:nvSpPr>
-        <p:spPr/>
-        <p:txBody>
-          <a:bodyPr>
-            <a:normAutofit fontScale="90000"/>
-          </a:bodyPr>
-          <a:lstStyle/>
-          <a:p>
-            <a:r>
-              <a:rPr lang="en-US" altLang="ko-KR" b="1" dirty="0"/>
-              <a:t/>
-            </a:r>
-            <a:br>
-              <a:rPr lang="en-US" altLang="ko-KR" b="1" dirty="0"/>
-            </a:br>
-            <a:r>
-              <a:rPr lang="en-US" altLang="ko-KR" b="1" dirty="0"/>
-              <a:t>4-2. </a:t>
-            </a:r>
-            <a:r>
-              <a:rPr lang="ko-KR" altLang="en-US" b="1" dirty="0"/>
-              <a:t>차후 기획</a:t>
-            </a:r>
-            <a:r>
-              <a:rPr lang="en-US" altLang="ko-KR" b="1" dirty="0"/>
-              <a:t>,</a:t>
-            </a:r>
-            <a:r>
-              <a:rPr lang="ko-KR" altLang="en-US" b="1" dirty="0"/>
-              <a:t>그래픽 개발 예정</a:t>
-            </a:r>
-            <a:r>
-              <a:rPr lang="en-US" altLang="ko-KR" b="1" dirty="0"/>
-              <a:t>– </a:t>
-            </a:r>
-            <a:r>
-              <a:rPr lang="ko-KR" altLang="en-US" sz="3100" b="1" dirty="0"/>
-              <a:t>최영민</a:t>
-            </a:r>
-            <a:r>
-              <a:rPr lang="en-US" altLang="ko-KR" b="1" dirty="0"/>
-              <a:t/>
-            </a:r>
-            <a:br>
-              <a:rPr lang="en-US" altLang="ko-KR" b="1" dirty="0"/>
-            </a:br>
-            <a:endParaRPr lang="ko-KR" altLang="en-US" dirty="0"/>
-          </a:p>
-        </p:txBody>
-      </p:sp>
-      <p:sp>
-        <p:nvSpPr>
-          <p:cNvPr id="3" name="내용 개체 틀 2"/>
-          <p:cNvSpPr>
-            <a:spLocks noGrp="1"/>
-          </p:cNvSpPr>
-          <p:nvPr>
-            <p:ph idx="1"/>
-          </p:nvPr>
-        </p:nvSpPr>
-        <p:spPr>
-          <a:xfrm>
-            <a:off x="838200" y="1825624"/>
-            <a:ext cx="10366829" cy="4865462"/>
-          </a:xfrm>
-        </p:spPr>
-        <p:txBody>
-          <a:bodyPr>
-            <a:normAutofit/>
-          </a:bodyPr>
-          <a:lstStyle/>
-          <a:p>
-            <a:r>
-              <a:rPr lang="ko-KR" altLang="en-US" b="1" dirty="0"/>
-              <a:t>시스템별 개별 기획서 작성</a:t>
-            </a:r>
-            <a:endParaRPr lang="en-US" altLang="ko-KR" b="1" dirty="0"/>
-          </a:p>
-          <a:p>
-            <a:r>
-              <a:rPr lang="en-US" altLang="ko-KR" b="1" dirty="0"/>
-              <a:t>UX </a:t>
-            </a:r>
-            <a:r>
-              <a:rPr lang="ko-KR" altLang="en-US" b="1" dirty="0"/>
-              <a:t>개선을 위한 </a:t>
-            </a:r>
-            <a:r>
-              <a:rPr lang="en-US" altLang="ko-KR" b="1" dirty="0"/>
-              <a:t>UI </a:t>
-            </a:r>
-            <a:r>
-              <a:rPr lang="ko-KR" altLang="en-US" b="1" dirty="0"/>
-              <a:t>기획서 작성</a:t>
-            </a:r>
-            <a:endParaRPr lang="en-US" altLang="ko-KR" b="1" dirty="0"/>
-          </a:p>
-          <a:p>
-            <a:r>
-              <a:rPr lang="ko-KR" altLang="en-US" b="1" dirty="0" smtClean="0"/>
-              <a:t>디테일 작업을 </a:t>
-            </a:r>
-            <a:r>
-              <a:rPr lang="ko-KR" altLang="en-US" b="1" dirty="0"/>
-              <a:t>위한 기획서 작성</a:t>
-            </a:r>
-            <a:endParaRPr lang="en-US" altLang="ko-KR" b="1" dirty="0"/>
-          </a:p>
-          <a:p>
-            <a:r>
-              <a:rPr lang="ko-KR" altLang="en-US" b="1" dirty="0"/>
-              <a:t>상용화를 위한 철저한 일정관리</a:t>
-            </a:r>
-            <a:endParaRPr lang="en-US" altLang="ko-KR" b="1" dirty="0"/>
-          </a:p>
-          <a:p>
-            <a:r>
-              <a:rPr lang="ko-KR" altLang="en-US" b="1" dirty="0"/>
-              <a:t>레벨디자인 </a:t>
-            </a:r>
-            <a:r>
-              <a:rPr lang="en-US" altLang="ko-KR" b="1" dirty="0"/>
-              <a:t>, </a:t>
-            </a:r>
-            <a:r>
-              <a:rPr lang="ko-KR" altLang="en-US" b="1" dirty="0"/>
-              <a:t>밸런싱 작업</a:t>
-            </a:r>
-            <a:endParaRPr lang="en-US" altLang="ko-KR" b="1" dirty="0"/>
-          </a:p>
-          <a:p>
-            <a:pPr marL="0" indent="0">
-              <a:buNone/>
-            </a:pPr>
-            <a:r>
-              <a:rPr lang="en-US" altLang="ko-KR" b="1" dirty="0"/>
-              <a:t>-----------------------------------------------------</a:t>
-            </a:r>
-          </a:p>
-          <a:p>
-            <a:r>
-              <a:rPr lang="ko-KR" altLang="en-US" b="1" dirty="0"/>
-              <a:t>단순한 캐릭터의 특징을 살린 애니메이션 추가</a:t>
-            </a:r>
-            <a:endParaRPr lang="en-US" altLang="ko-KR" b="1" dirty="0"/>
-          </a:p>
-          <a:p>
-            <a:r>
-              <a:rPr lang="en-US" altLang="ko-KR" b="1" dirty="0"/>
-              <a:t>UI </a:t>
-            </a:r>
-            <a:r>
-              <a:rPr lang="ko-KR" altLang="en-US" b="1" dirty="0"/>
-              <a:t>디자인 변경</a:t>
-            </a:r>
-            <a:endParaRPr lang="en-US" altLang="ko-KR" b="1" dirty="0"/>
-          </a:p>
-          <a:p>
-            <a:r>
-              <a:rPr lang="ko-KR" altLang="en-US" b="1" dirty="0" smtClean="0"/>
-              <a:t>조경물 </a:t>
-            </a:r>
-            <a:r>
-              <a:rPr lang="ko-KR" altLang="en-US" b="1" dirty="0"/>
-              <a:t>제작</a:t>
-            </a:r>
-          </a:p>
-        </p:txBody>
-      </p:sp>
-    </p:spTree>
-    <p:extLst>
-      <p:ext uri="{BB962C8B-B14F-4D97-AF65-F5344CB8AC3E}">
-        <p14:creationId xmlns:p14="http://schemas.microsoft.com/office/powerpoint/2010/main" val="1406679189"/>
-      </p:ext>
-    </p:extLst>
-  </p:cSld>
-  <p:clrMapOvr>
-    <a:masterClrMapping/>
-  </p:clrMapOvr>
-  <p:timing>
-    <p:tnLst>
-      <p:par>
-        <p:cTn id="1" dur="indefinite" restart="never" nodeType="tmRoot"/>
-      </p:par>
-    </p:tnLst>
-  </p:timing>
-</p:sld>
-</file>
-
-<file path=ppt/slides/slide13.xml><?xml version="1.0" encoding="utf-8"?>
-<p:sld xmlns:a="http://schemas.openxmlformats.org/drawingml/2006/main" xmlns:r="http://schemas.openxmlformats.org/officeDocument/2006/relationships" xmlns:p="http://schemas.openxmlformats.org/presentationml/2006/main">
-  <p:cSld>
-    <p:spTree>
-      <p:nvGrpSpPr>
-        <p:cNvPr id="1" name=""/>
-        <p:cNvGrpSpPr/>
-        <p:nvPr/>
-      </p:nvGrpSpPr>
-      <p:grpSpPr>
-        <a:xfrm>
-          <a:off x="0" y="0"/>
-          <a:ext cx="0" cy="0"/>
-          <a:chOff x="0" y="0"/>
-          <a:chExt cx="0" cy="0"/>
-        </a:xfrm>
-      </p:grpSpPr>
-      <p:sp>
-        <p:nvSpPr>
-          <p:cNvPr id="2" name="제목 1"/>
-          <p:cNvSpPr>
-            <a:spLocks noGrp="1"/>
-          </p:cNvSpPr>
-          <p:nvPr>
-            <p:ph type="title"/>
-          </p:nvPr>
-        </p:nvSpPr>
-        <p:spPr/>
-        <p:txBody>
-          <a:bodyPr>
-            <a:normAutofit fontScale="90000"/>
-          </a:bodyPr>
-          <a:lstStyle/>
-          <a:p>
-            <a:r>
-              <a:rPr lang="en-US" altLang="ko-KR" b="1" dirty="0"/>
-              <a:t/>
-            </a:r>
-            <a:br>
-              <a:rPr lang="en-US" altLang="ko-KR" b="1" dirty="0"/>
-            </a:br>
-            <a:r>
-              <a:rPr lang="en-US" altLang="ko-KR" b="1" dirty="0"/>
-              <a:t>4-3. </a:t>
-            </a:r>
-            <a:r>
-              <a:rPr lang="ko-KR" altLang="en-US" b="1" dirty="0"/>
-              <a:t>서버 개발 상황 </a:t>
-            </a:r>
-            <a:r>
-              <a:rPr lang="en-US" altLang="ko-KR" b="1" dirty="0"/>
-              <a:t>– </a:t>
-            </a:r>
-            <a:r>
-              <a:rPr lang="ko-KR" altLang="en-US" sz="3100" b="1" dirty="0"/>
-              <a:t>이진수</a:t>
-            </a:r>
-            <a:r>
-              <a:rPr lang="en-US" altLang="ko-KR" sz="3100" b="1" dirty="0"/>
-              <a:t> </a:t>
-            </a:r>
-            <a:r>
-              <a:rPr lang="en-US" altLang="ko-KR" b="1" dirty="0"/>
-              <a:t/>
-            </a:r>
-            <a:br>
-              <a:rPr lang="en-US" altLang="ko-KR" b="1" dirty="0"/>
-            </a:br>
-            <a:endParaRPr lang="ko-KR" altLang="en-US" dirty="0"/>
-          </a:p>
-        </p:txBody>
-      </p:sp>
-      <p:sp>
-        <p:nvSpPr>
-          <p:cNvPr id="3" name="내용 개체 틀 2"/>
-          <p:cNvSpPr>
-            <a:spLocks noGrp="1"/>
-          </p:cNvSpPr>
-          <p:nvPr>
-            <p:ph idx="1"/>
-          </p:nvPr>
-        </p:nvSpPr>
-        <p:spPr>
-          <a:xfrm>
-            <a:off x="838200" y="1825624"/>
-            <a:ext cx="10366829" cy="4865462"/>
-          </a:xfrm>
-        </p:spPr>
-        <p:txBody>
-          <a:bodyPr>
-            <a:normAutofit/>
-          </a:bodyPr>
-          <a:lstStyle/>
-          <a:p>
-            <a:r>
-              <a:rPr lang="en-US" altLang="ko-KR" b="1" dirty="0"/>
-              <a:t>DB </a:t>
-            </a:r>
-            <a:r>
-              <a:rPr lang="ko-KR" altLang="en-US" b="1" dirty="0"/>
-              <a:t>설계 및 구현 </a:t>
-            </a:r>
-            <a:endParaRPr lang="en-US" altLang="ko-KR" b="1" dirty="0"/>
-          </a:p>
-          <a:p>
-            <a:r>
-              <a:rPr lang="ko-KR" altLang="en-US" b="1" dirty="0"/>
-              <a:t>웹서버를 통한 클라이언트와 통신</a:t>
-            </a:r>
-            <a:endParaRPr lang="en-US" altLang="ko-KR" dirty="0"/>
-          </a:p>
-        </p:txBody>
-      </p:sp>
-    </p:spTree>
-    <p:extLst>
-      <p:ext uri="{BB962C8B-B14F-4D97-AF65-F5344CB8AC3E}">
-        <p14:creationId xmlns:p14="http://schemas.microsoft.com/office/powerpoint/2010/main" val="3773845397"/>
-      </p:ext>
-    </p:extLst>
-  </p:cSld>
-  <p:clrMapOvr>
-    <a:masterClrMapping/>
-  </p:clrMapOvr>
-  <p:timing>
-    <p:tnLst>
-      <p:par>
-        <p:cTn id="1" dur="indefinite" restart="never" nodeType="tmRoot"/>
-      </p:par>
-    </p:tnLst>
-  </p:timing>
-</p:sld>
-</file>
-
-<file path=ppt/slides/slide14.xml><?xml version="1.0" encoding="utf-8"?>
-<p:sld xmlns:a="http://schemas.openxmlformats.org/drawingml/2006/main" xmlns:r="http://schemas.openxmlformats.org/officeDocument/2006/relationships" xmlns:p="http://schemas.openxmlformats.org/presentationml/2006/main">
-  <p:cSld>
-    <p:spTree>
-      <p:nvGrpSpPr>
-        <p:cNvPr id="1" name=""/>
-        <p:cNvGrpSpPr/>
-        <p:nvPr/>
-      </p:nvGrpSpPr>
-      <p:grpSpPr>
-        <a:xfrm>
-          <a:off x="0" y="0"/>
-          <a:ext cx="0" cy="0"/>
-          <a:chOff x="0" y="0"/>
-          <a:chExt cx="0" cy="0"/>
-        </a:xfrm>
-      </p:grpSpPr>
-      <p:sp>
-        <p:nvSpPr>
-          <p:cNvPr id="2" name="제목 1"/>
-          <p:cNvSpPr>
-            <a:spLocks noGrp="1"/>
-          </p:cNvSpPr>
-          <p:nvPr>
-            <p:ph type="title"/>
-          </p:nvPr>
-        </p:nvSpPr>
-        <p:spPr/>
-        <p:txBody>
-          <a:bodyPr>
-            <a:normAutofit fontScale="90000"/>
-          </a:bodyPr>
-          <a:lstStyle/>
-          <a:p>
-            <a:r>
-              <a:rPr lang="en-US" altLang="ko-KR" b="1" dirty="0"/>
-              <a:t/>
-            </a:r>
-            <a:br>
-              <a:rPr lang="en-US" altLang="ko-KR" b="1" dirty="0"/>
-            </a:br>
-            <a:r>
-              <a:rPr lang="en-US" altLang="ko-KR" b="1" dirty="0"/>
-              <a:t>4-3. </a:t>
-            </a:r>
-            <a:r>
-              <a:rPr lang="ko-KR" altLang="en-US" b="1" dirty="0"/>
-              <a:t>서버 개발 미흡점 </a:t>
-            </a:r>
-            <a:r>
-              <a:rPr lang="en-US" altLang="ko-KR" b="1" dirty="0"/>
-              <a:t>– </a:t>
-            </a:r>
-            <a:r>
-              <a:rPr lang="ko-KR" altLang="en-US" sz="3100" b="1" dirty="0"/>
-              <a:t>이진수</a:t>
-            </a:r>
-            <a:r>
-              <a:rPr lang="en-US" altLang="ko-KR" b="1" dirty="0"/>
-              <a:t/>
-            </a:r>
-            <a:br>
-              <a:rPr lang="en-US" altLang="ko-KR" b="1" dirty="0"/>
-            </a:br>
-            <a:endParaRPr lang="ko-KR" altLang="en-US" dirty="0"/>
-          </a:p>
-        </p:txBody>
-      </p:sp>
-      <p:sp>
-        <p:nvSpPr>
-          <p:cNvPr id="3" name="내용 개체 틀 2"/>
-          <p:cNvSpPr>
-            <a:spLocks noGrp="1"/>
-          </p:cNvSpPr>
-          <p:nvPr>
-            <p:ph idx="1"/>
-          </p:nvPr>
-        </p:nvSpPr>
-        <p:spPr>
-          <a:xfrm>
-            <a:off x="838200" y="1825624"/>
-            <a:ext cx="10366829" cy="4865462"/>
-          </a:xfrm>
-        </p:spPr>
-        <p:txBody>
-          <a:bodyPr>
-            <a:normAutofit/>
-          </a:bodyPr>
-          <a:lstStyle/>
-          <a:p>
-            <a:r>
-              <a:rPr lang="ko-KR" altLang="en-US" b="1" dirty="0"/>
-              <a:t>보안 관련 지식 미숙</a:t>
-            </a:r>
-            <a:endParaRPr lang="en-US" altLang="ko-KR" b="1" dirty="0"/>
-          </a:p>
-          <a:p>
-            <a:r>
-              <a:rPr lang="ko-KR" altLang="en-US" b="1" dirty="0"/>
-              <a:t>유저 분석 관련 </a:t>
-            </a:r>
-            <a:r>
-              <a:rPr lang="en-US" altLang="ko-KR" b="1" dirty="0"/>
-              <a:t>DB </a:t>
-            </a:r>
-            <a:r>
-              <a:rPr lang="ko-KR" altLang="en-US" b="1" dirty="0"/>
-              <a:t>설계 미흡</a:t>
-            </a:r>
-            <a:endParaRPr lang="en-US" altLang="ko-KR" b="1" dirty="0"/>
-          </a:p>
-          <a:p>
-            <a:r>
-              <a:rPr lang="ko-KR" altLang="en-US" b="1" dirty="0"/>
-              <a:t>구글 로그인 연동을 </a:t>
-            </a:r>
-            <a:r>
-              <a:rPr lang="ko-KR" altLang="en-US" b="1" dirty="0" smtClean="0"/>
-              <a:t>미구</a:t>
-            </a:r>
-            <a:r>
-              <a:rPr lang="ko-KR" altLang="en-US" b="1" dirty="0"/>
-              <a:t>현</a:t>
-            </a:r>
-            <a:endParaRPr lang="en-US" altLang="ko-KR" b="1" dirty="0"/>
-          </a:p>
-          <a:p>
-            <a:r>
-              <a:rPr lang="ko-KR" altLang="en-US" b="1" dirty="0"/>
-              <a:t>리눅스를 통한 콘솔 </a:t>
-            </a:r>
-            <a:r>
-              <a:rPr lang="en-US" altLang="ko-KR" b="1" dirty="0"/>
-              <a:t>GIT </a:t>
-            </a:r>
-            <a:r>
-              <a:rPr lang="ko-KR" altLang="en-US" b="1" dirty="0"/>
-              <a:t>사용이 미숙하여 윈도우를 사용</a:t>
-            </a:r>
-            <a:endParaRPr lang="en-US" altLang="ko-KR" b="1" dirty="0"/>
-          </a:p>
-          <a:p>
-            <a:endParaRPr lang="en-US" altLang="ko-KR" b="1" dirty="0"/>
-          </a:p>
-          <a:p>
-            <a:endParaRPr lang="en-US" altLang="ko-KR" b="1" dirty="0"/>
-          </a:p>
-          <a:p>
-            <a:endParaRPr lang="en-US" altLang="ko-KR" b="1" dirty="0"/>
-          </a:p>
-        </p:txBody>
-      </p:sp>
-    </p:spTree>
-    <p:extLst>
-      <p:ext uri="{BB962C8B-B14F-4D97-AF65-F5344CB8AC3E}">
-        <p14:creationId xmlns:p14="http://schemas.microsoft.com/office/powerpoint/2010/main" val="980689935"/>
-      </p:ext>
-    </p:extLst>
-  </p:cSld>
-  <p:clrMapOvr>
-    <a:masterClrMapping/>
-  </p:clrMapOvr>
-  <p:timing>
-    <p:tnLst>
-      <p:par>
-        <p:cTn id="1" dur="indefinite" restart="never" nodeType="tmRoot"/>
-      </p:par>
-    </p:tnLst>
-  </p:timing>
-</p:sld>
-</file>
-
-<file path=ppt/slides/slide15.xml><?xml version="1.0" encoding="utf-8"?>
-<p:sld xmlns:a="http://schemas.openxmlformats.org/drawingml/2006/main" xmlns:r="http://schemas.openxmlformats.org/officeDocument/2006/relationships" xmlns:p="http://schemas.openxmlformats.org/presentationml/2006/main">
-  <p:cSld>
-    <p:spTree>
-      <p:nvGrpSpPr>
-        <p:cNvPr id="1" name=""/>
-        <p:cNvGrpSpPr/>
-        <p:nvPr/>
-      </p:nvGrpSpPr>
-      <p:grpSpPr>
-        <a:xfrm>
-          <a:off x="0" y="0"/>
-          <a:ext cx="0" cy="0"/>
-          <a:chOff x="0" y="0"/>
-          <a:chExt cx="0" cy="0"/>
-        </a:xfrm>
-      </p:grpSpPr>
-      <p:sp>
-        <p:nvSpPr>
-          <p:cNvPr id="2" name="제목 1"/>
-          <p:cNvSpPr>
-            <a:spLocks noGrp="1"/>
-          </p:cNvSpPr>
-          <p:nvPr>
-            <p:ph type="title"/>
-          </p:nvPr>
-        </p:nvSpPr>
-        <p:spPr/>
-        <p:txBody>
-          <a:bodyPr>
-            <a:normAutofit fontScale="90000"/>
-          </a:bodyPr>
-          <a:lstStyle/>
-          <a:p>
-            <a:r>
-              <a:rPr lang="en-US" altLang="ko-KR" b="1" dirty="0"/>
-              <a:t/>
-            </a:r>
-            <a:br>
-              <a:rPr lang="en-US" altLang="ko-KR" b="1" dirty="0"/>
-            </a:br>
-            <a:r>
-              <a:rPr lang="en-US" altLang="ko-KR" b="1" dirty="0"/>
-              <a:t>4-3. </a:t>
-            </a:r>
-            <a:r>
-              <a:rPr lang="ko-KR" altLang="en-US" b="1" dirty="0"/>
-              <a:t>차후 서버 개발 예정 </a:t>
-            </a:r>
-            <a:r>
-              <a:rPr lang="en-US" altLang="ko-KR" b="1" dirty="0"/>
-              <a:t>– </a:t>
-            </a:r>
-            <a:r>
-              <a:rPr lang="ko-KR" altLang="en-US" sz="3100" b="1" dirty="0"/>
-              <a:t>이진수</a:t>
-            </a:r>
-            <a:r>
-              <a:rPr lang="en-US" altLang="ko-KR" b="1" dirty="0"/>
-              <a:t/>
-            </a:r>
-            <a:br>
-              <a:rPr lang="en-US" altLang="ko-KR" b="1" dirty="0"/>
-            </a:br>
-            <a:endParaRPr lang="ko-KR" altLang="en-US" dirty="0"/>
-          </a:p>
-        </p:txBody>
-      </p:sp>
-      <p:sp>
-        <p:nvSpPr>
-          <p:cNvPr id="3" name="내용 개체 틀 2"/>
-          <p:cNvSpPr>
-            <a:spLocks noGrp="1"/>
-          </p:cNvSpPr>
-          <p:nvPr>
-            <p:ph idx="1"/>
-          </p:nvPr>
-        </p:nvSpPr>
-        <p:spPr>
-          <a:xfrm>
-            <a:off x="838200" y="1825624"/>
-            <a:ext cx="10366829" cy="4865462"/>
-          </a:xfrm>
-        </p:spPr>
-        <p:txBody>
-          <a:bodyPr>
-            <a:normAutofit/>
-          </a:bodyPr>
-          <a:lstStyle/>
-          <a:p>
-            <a:r>
-              <a:rPr lang="ko-KR" altLang="en-US" b="1" dirty="0"/>
-              <a:t>대전 시스템에 따른 </a:t>
-            </a:r>
-            <a:r>
-              <a:rPr lang="en-US" altLang="ko-KR" b="1" dirty="0"/>
-              <a:t>DB </a:t>
-            </a:r>
-            <a:r>
-              <a:rPr lang="ko-KR" altLang="en-US" b="1" dirty="0"/>
-              <a:t>수정</a:t>
-            </a:r>
-            <a:endParaRPr lang="en-US" altLang="ko-KR" b="1" dirty="0"/>
-          </a:p>
-          <a:p>
-            <a:r>
-              <a:rPr lang="ko-KR" altLang="en-US" b="1" dirty="0"/>
-              <a:t>유저 분석 </a:t>
-            </a:r>
-            <a:r>
-              <a:rPr lang="en-US" altLang="ko-KR" b="1" dirty="0"/>
-              <a:t>DB </a:t>
-            </a:r>
-            <a:r>
-              <a:rPr lang="ko-KR" altLang="en-US" b="1" dirty="0"/>
-              <a:t>제작</a:t>
-            </a:r>
-            <a:endParaRPr lang="en-US" altLang="ko-KR" dirty="0"/>
-          </a:p>
-          <a:p>
-            <a:r>
-              <a:rPr lang="ko-KR" altLang="en-US" b="1" dirty="0"/>
-              <a:t>서버 보안 예정</a:t>
-            </a:r>
-            <a:endParaRPr lang="en-US" altLang="ko-KR" b="1" dirty="0"/>
-          </a:p>
-          <a:p>
-            <a:r>
-              <a:rPr lang="ko-KR" altLang="en-US" b="1" dirty="0"/>
-              <a:t> 서버 데이터 </a:t>
-            </a:r>
-            <a:r>
-              <a:rPr lang="en-US" altLang="ko-KR" b="1" dirty="0"/>
-              <a:t>IBM </a:t>
-            </a:r>
-            <a:r>
-              <a:rPr lang="ko-KR" altLang="en-US" b="1" dirty="0"/>
-              <a:t>클라우드에 적용 </a:t>
-            </a:r>
-            <a:endParaRPr lang="en-US" altLang="ko-KR" b="1" dirty="0"/>
-          </a:p>
-        </p:txBody>
-      </p:sp>
-    </p:spTree>
-    <p:extLst>
-      <p:ext uri="{BB962C8B-B14F-4D97-AF65-F5344CB8AC3E}">
-        <p14:creationId xmlns:p14="http://schemas.microsoft.com/office/powerpoint/2010/main" val="1406679189"/>
-      </p:ext>
-    </p:extLst>
-  </p:cSld>
-  <p:clrMapOvr>
-    <a:masterClrMapping/>
-  </p:clrMapOvr>
-  <p:timing>
-    <p:tnLst>
-      <p:par>
-        <p:cTn id="1" dur="indefinite" restart="never" nodeType="tmRoot"/>
-      </p:par>
-    </p:tnLst>
-  </p:timing>
-</p:sld>
-</file>
-
-<file path=ppt/slides/slide16.xml><?xml version="1.0" encoding="utf-8"?>
 <p:sld xmlns:a="http://schemas.openxmlformats.org/drawingml/2006/main" xmlns:r="http://schemas.openxmlformats.org/officeDocument/2006/relationships" xmlns:p="http://schemas.openxmlformats.org/presentationml/2006/main">
   <p:cSld>
     <p:spTree>
@@ -4812,6 +4348,29 @@
           </a:p>
         </p:txBody>
       </p:sp>
+      <p:sp>
+        <p:nvSpPr>
+          <p:cNvPr id="18" name="Slide Number Placeholder 17"/>
+          <p:cNvSpPr>
+            <a:spLocks noGrp="1"/>
+          </p:cNvSpPr>
+          <p:nvPr>
+            <p:ph type="sldNum" sz="quarter" idx="12"/>
+          </p:nvPr>
+        </p:nvSpPr>
+        <p:spPr/>
+        <p:txBody>
+          <a:bodyPr/>
+          <a:lstStyle/>
+          <a:p>
+            <a:fld id="{FBFC020C-1606-4BED-91BA-A6230104B3B1}" type="slidenum">
+              <a:rPr lang="ko-KR" altLang="en-US" smtClean="0"/>
+              <a:t>10</a:t>
+            </a:fld>
+            <a:endParaRPr lang="ko-KR" altLang="en-US"/>
+          </a:p>
+        </p:txBody>
+      </p:sp>
     </p:spTree>
     <p:extLst>
       <p:ext uri="{BB962C8B-B14F-4D97-AF65-F5344CB8AC3E}">
@@ -4832,7 +4391,7 @@
 </p:sld>
 </file>
 
-<file path=ppt/slides/slide17.xml><?xml version="1.0" encoding="utf-8"?>
+<file path=ppt/slides/slide11.xml><?xml version="1.0" encoding="utf-8"?>
 <p:sld xmlns:a="http://schemas.openxmlformats.org/drawingml/2006/main" xmlns:r="http://schemas.openxmlformats.org/officeDocument/2006/relationships" xmlns:p="http://schemas.openxmlformats.org/presentationml/2006/main">
   <p:cSld>
     <p:spTree>
@@ -4917,6 +4476,29 @@
               <a:buNone/>
             </a:pPr>
             <a:endParaRPr lang="en-US" altLang="ko-KR" dirty="0"/>
+          </a:p>
+        </p:txBody>
+      </p:sp>
+      <p:sp>
+        <p:nvSpPr>
+          <p:cNvPr id="5" name="Slide Number Placeholder 4"/>
+          <p:cNvSpPr>
+            <a:spLocks noGrp="1"/>
+          </p:cNvSpPr>
+          <p:nvPr>
+            <p:ph type="sldNum" sz="quarter" idx="12"/>
+          </p:nvPr>
+        </p:nvSpPr>
+        <p:spPr/>
+        <p:txBody>
+          <a:bodyPr/>
+          <a:lstStyle/>
+          <a:p>
+            <a:fld id="{FBFC020C-1606-4BED-91BA-A6230104B3B1}" type="slidenum">
+              <a:rPr lang="ko-KR" altLang="en-US" smtClean="0"/>
+              <a:t>11</a:t>
+            </a:fld>
+            <a:endParaRPr lang="ko-KR" altLang="en-US"/>
           </a:p>
         </p:txBody>
       </p:sp>
@@ -4940,7 +4522,7 @@
 </p:sld>
 </file>
 
-<file path=ppt/slides/slide18.xml><?xml version="1.0" encoding="utf-8"?>
+<file path=ppt/slides/slide12.xml><?xml version="1.0" encoding="utf-8"?>
 <p:sld xmlns:a="http://schemas.openxmlformats.org/drawingml/2006/main" xmlns:r="http://schemas.openxmlformats.org/officeDocument/2006/relationships" xmlns:p="http://schemas.openxmlformats.org/presentationml/2006/main">
   <p:cSld>
     <p:spTree>
@@ -5028,6 +4610,29 @@
           </a:p>
           <a:p>
             <a:endParaRPr lang="en-US" altLang="ko-KR" dirty="0"/>
+          </a:p>
+        </p:txBody>
+      </p:sp>
+      <p:sp>
+        <p:nvSpPr>
+          <p:cNvPr id="5" name="Slide Number Placeholder 4"/>
+          <p:cNvSpPr>
+            <a:spLocks noGrp="1"/>
+          </p:cNvSpPr>
+          <p:nvPr>
+            <p:ph type="sldNum" sz="quarter" idx="12"/>
+          </p:nvPr>
+        </p:nvSpPr>
+        <p:spPr/>
+        <p:txBody>
+          <a:bodyPr/>
+          <a:lstStyle/>
+          <a:p>
+            <a:fld id="{FBFC020C-1606-4BED-91BA-A6230104B3B1}" type="slidenum">
+              <a:rPr lang="ko-KR" altLang="en-US" smtClean="0"/>
+              <a:t>12</a:t>
+            </a:fld>
+            <a:endParaRPr lang="ko-KR" altLang="en-US"/>
           </a:p>
         </p:txBody>
       </p:sp>
@@ -5051,7 +4656,7 @@
 </p:sld>
 </file>
 
-<file path=ppt/slides/slide19.xml><?xml version="1.0" encoding="utf-8"?>
+<file path=ppt/slides/slide13.xml><?xml version="1.0" encoding="utf-8"?>
 <p:sld xmlns:a="http://schemas.openxmlformats.org/drawingml/2006/main" xmlns:r="http://schemas.openxmlformats.org/officeDocument/2006/relationships" xmlns:p="http://schemas.openxmlformats.org/presentationml/2006/main">
   <p:cSld>
     <p:bg>
@@ -5112,10 +4717,1315 @@
           </a:prstGeom>
         </p:spPr>
       </p:pic>
+      <p:sp>
+        <p:nvSpPr>
+          <p:cNvPr id="3" name="Slide Number Placeholder 2"/>
+          <p:cNvSpPr>
+            <a:spLocks noGrp="1"/>
+          </p:cNvSpPr>
+          <p:nvPr>
+            <p:ph type="sldNum" sz="quarter" idx="12"/>
+          </p:nvPr>
+        </p:nvSpPr>
+        <p:spPr/>
+        <p:txBody>
+          <a:bodyPr/>
+          <a:lstStyle/>
+          <a:p>
+            <a:fld id="{FBFC020C-1606-4BED-91BA-A6230104B3B1}" type="slidenum">
+              <a:rPr lang="ko-KR" altLang="en-US" smtClean="0"/>
+              <a:t>13</a:t>
+            </a:fld>
+            <a:endParaRPr lang="ko-KR" altLang="en-US"/>
+          </a:p>
+        </p:txBody>
+      </p:sp>
     </p:spTree>
     <p:extLst>
       <p:ext uri="{BB962C8B-B14F-4D97-AF65-F5344CB8AC3E}">
         <p14:creationId xmlns:p14="http://schemas.microsoft.com/office/powerpoint/2010/main" val="2881428937"/>
+      </p:ext>
+    </p:extLst>
+  </p:cSld>
+  <p:clrMapOvr>
+    <a:masterClrMapping/>
+  </p:clrMapOvr>
+  <p:timing>
+    <p:tnLst>
+      <p:par>
+        <p:cTn id="1" dur="indefinite" restart="never" nodeType="tmRoot"/>
+      </p:par>
+    </p:tnLst>
+  </p:timing>
+</p:sld>
+</file>
+
+<file path=ppt/slides/slide14.xml><?xml version="1.0" encoding="utf-8"?>
+<p:sld xmlns:a="http://schemas.openxmlformats.org/drawingml/2006/main" xmlns:r="http://schemas.openxmlformats.org/officeDocument/2006/relationships" xmlns:p="http://schemas.openxmlformats.org/presentationml/2006/main">
+  <p:cSld>
+    <p:spTree>
+      <p:nvGrpSpPr>
+        <p:cNvPr id="1" name=""/>
+        <p:cNvGrpSpPr/>
+        <p:nvPr/>
+      </p:nvGrpSpPr>
+      <p:grpSpPr>
+        <a:xfrm>
+          <a:off x="0" y="0"/>
+          <a:ext cx="0" cy="0"/>
+          <a:chOff x="0" y="0"/>
+          <a:chExt cx="0" cy="0"/>
+        </a:xfrm>
+      </p:grpSpPr>
+      <p:sp>
+        <p:nvSpPr>
+          <p:cNvPr id="2" name="제목 1"/>
+          <p:cNvSpPr>
+            <a:spLocks noGrp="1"/>
+          </p:cNvSpPr>
+          <p:nvPr>
+            <p:ph type="title"/>
+          </p:nvPr>
+        </p:nvSpPr>
+        <p:spPr/>
+        <p:txBody>
+          <a:bodyPr>
+            <a:normAutofit fontScale="90000"/>
+          </a:bodyPr>
+          <a:lstStyle/>
+          <a:p>
+            <a:r>
+              <a:rPr lang="en-US" altLang="ko-KR" b="1" dirty="0"/>
+              <a:t/>
+            </a:r>
+            <a:br>
+              <a:rPr lang="en-US" altLang="ko-KR" b="1" dirty="0"/>
+            </a:br>
+            <a:r>
+              <a:rPr lang="en-US" altLang="ko-KR" b="1" dirty="0"/>
+              <a:t>4-2. </a:t>
+            </a:r>
+            <a:r>
+              <a:rPr lang="ko-KR" altLang="en-US" b="1" dirty="0"/>
+              <a:t>기획</a:t>
+            </a:r>
+            <a:r>
+              <a:rPr lang="en-US" altLang="ko-KR" b="1" dirty="0"/>
+              <a:t>,</a:t>
+            </a:r>
+            <a:r>
+              <a:rPr lang="ko-KR" altLang="en-US" b="1" dirty="0"/>
+              <a:t>그래픽 개발 상황 </a:t>
+            </a:r>
+            <a:r>
+              <a:rPr lang="en-US" altLang="ko-KR" b="1" dirty="0"/>
+              <a:t>– </a:t>
+            </a:r>
+            <a:r>
+              <a:rPr lang="ko-KR" altLang="en-US" sz="3100" b="1" dirty="0"/>
+              <a:t>최영민</a:t>
+            </a:r>
+            <a:r>
+              <a:rPr lang="en-US" altLang="ko-KR" b="1" dirty="0"/>
+              <a:t/>
+            </a:r>
+            <a:br>
+              <a:rPr lang="en-US" altLang="ko-KR" b="1" dirty="0"/>
+            </a:br>
+            <a:endParaRPr lang="ko-KR" altLang="en-US" dirty="0"/>
+          </a:p>
+        </p:txBody>
+      </p:sp>
+      <p:sp>
+        <p:nvSpPr>
+          <p:cNvPr id="3" name="내용 개체 틀 2"/>
+          <p:cNvSpPr>
+            <a:spLocks noGrp="1"/>
+          </p:cNvSpPr>
+          <p:nvPr>
+            <p:ph idx="1"/>
+          </p:nvPr>
+        </p:nvSpPr>
+        <p:spPr>
+          <a:xfrm>
+            <a:off x="838200" y="1825624"/>
+            <a:ext cx="10366829" cy="4865462"/>
+          </a:xfrm>
+        </p:spPr>
+        <p:txBody>
+          <a:bodyPr>
+            <a:normAutofit lnSpcReduction="10000"/>
+          </a:bodyPr>
+          <a:lstStyle/>
+          <a:p>
+            <a:r>
+              <a:rPr lang="ko-KR" altLang="en-US" b="1" dirty="0"/>
+              <a:t>메인 시스템 기획</a:t>
+            </a:r>
+            <a:endParaRPr lang="en-US" altLang="ko-KR" b="1" dirty="0"/>
+          </a:p>
+          <a:p>
+            <a:r>
+              <a:rPr lang="ko-KR" altLang="en-US" b="1" dirty="0"/>
+              <a:t>스토리라인 </a:t>
+            </a:r>
+            <a:r>
+              <a:rPr lang="ko-KR" altLang="en-US" b="1" dirty="0" smtClean="0"/>
+              <a:t>기획</a:t>
+            </a:r>
+            <a:endParaRPr lang="en-US" altLang="ko-KR" b="1" dirty="0" smtClean="0"/>
+          </a:p>
+          <a:p>
+            <a:r>
+              <a:rPr lang="ko-KR" altLang="en-US" b="1" dirty="0" smtClean="0"/>
+              <a:t>캐릭터</a:t>
+            </a:r>
+            <a:r>
+              <a:rPr lang="en-US" altLang="ko-KR" b="1" dirty="0" smtClean="0"/>
+              <a:t>/</a:t>
+            </a:r>
+            <a:r>
+              <a:rPr lang="ko-KR" altLang="en-US" b="1" dirty="0" smtClean="0"/>
+              <a:t>스킬 기획</a:t>
+            </a:r>
+            <a:endParaRPr lang="en-US" altLang="ko-KR" b="1" dirty="0"/>
+          </a:p>
+          <a:p>
+            <a:r>
+              <a:rPr lang="ko-KR" altLang="en-US" b="1" dirty="0"/>
+              <a:t>챕터</a:t>
+            </a:r>
+            <a:r>
+              <a:rPr lang="en-US" altLang="ko-KR" b="1" dirty="0"/>
+              <a:t>/</a:t>
+            </a:r>
+            <a:r>
+              <a:rPr lang="ko-KR" altLang="en-US" b="1" dirty="0"/>
+              <a:t>스테이지 </a:t>
+            </a:r>
+            <a:r>
+              <a:rPr lang="ko-KR" altLang="en-US" b="1" dirty="0" smtClean="0"/>
+              <a:t>기획</a:t>
+            </a:r>
+            <a:endParaRPr lang="en-US" altLang="ko-KR" b="1" dirty="0"/>
+          </a:p>
+          <a:p>
+            <a:r>
+              <a:rPr lang="en-US" altLang="ko-KR" b="1" dirty="0"/>
+              <a:t>UX/UI </a:t>
+            </a:r>
+            <a:r>
+              <a:rPr lang="ko-KR" altLang="en-US" b="1" dirty="0" smtClean="0"/>
+              <a:t>기획후 피드백을 받아 개선중</a:t>
+            </a:r>
+            <a:endParaRPr lang="en-US" altLang="ko-KR" b="1" dirty="0" smtClean="0"/>
+          </a:p>
+          <a:p>
+            <a:pPr marL="0" indent="0">
+              <a:buNone/>
+            </a:pPr>
+            <a:r>
+              <a:rPr lang="en-US" altLang="ko-KR" b="1" dirty="0" smtClean="0"/>
+              <a:t>------------------------------------------------------</a:t>
+            </a:r>
+          </a:p>
+          <a:p>
+            <a:r>
+              <a:rPr lang="ko-KR" altLang="en-US" b="1" dirty="0" smtClean="0"/>
+              <a:t>캐릭터 </a:t>
+            </a:r>
+            <a:r>
+              <a:rPr lang="ko-KR" altLang="en-US" b="1" dirty="0"/>
+              <a:t>모델링완료</a:t>
+            </a:r>
+            <a:endParaRPr lang="en-US" altLang="ko-KR" b="1" dirty="0"/>
+          </a:p>
+          <a:p>
+            <a:r>
+              <a:rPr lang="ko-KR" altLang="en-US" b="1" dirty="0"/>
+              <a:t>타일 모델링완료</a:t>
+            </a:r>
+            <a:endParaRPr lang="en-US" altLang="ko-KR" b="1" dirty="0"/>
+          </a:p>
+          <a:p>
+            <a:r>
+              <a:rPr lang="ko-KR" altLang="en-US" b="1" dirty="0"/>
+              <a:t>조경오브젝트 </a:t>
+            </a:r>
+            <a:r>
+              <a:rPr lang="en-US" altLang="ko-KR" b="1" dirty="0"/>
+              <a:t>80%</a:t>
+            </a:r>
+            <a:r>
+              <a:rPr lang="ko-KR" altLang="en-US" b="1" dirty="0"/>
+              <a:t>이상 제작</a:t>
+            </a:r>
+            <a:endParaRPr lang="en-US" altLang="ko-KR" b="1" dirty="0"/>
+          </a:p>
+          <a:p>
+            <a:r>
+              <a:rPr lang="en-US" altLang="ko-KR" b="1" dirty="0"/>
+              <a:t>UI </a:t>
+            </a:r>
+            <a:r>
+              <a:rPr lang="ko-KR" altLang="en-US" b="1" dirty="0"/>
+              <a:t>제작중</a:t>
+            </a:r>
+            <a:endParaRPr lang="en-US" altLang="ko-KR" b="1" dirty="0"/>
+          </a:p>
+          <a:p>
+            <a:endParaRPr lang="en-US" altLang="ko-KR" dirty="0"/>
+          </a:p>
+          <a:p>
+            <a:pPr marL="0" indent="0">
+              <a:buNone/>
+            </a:pPr>
+            <a:endParaRPr lang="ko-KR" altLang="en-US" dirty="0"/>
+          </a:p>
+        </p:txBody>
+      </p:sp>
+      <p:sp>
+        <p:nvSpPr>
+          <p:cNvPr id="5" name="Slide Number Placeholder 4"/>
+          <p:cNvSpPr>
+            <a:spLocks noGrp="1"/>
+          </p:cNvSpPr>
+          <p:nvPr>
+            <p:ph type="sldNum" sz="quarter" idx="12"/>
+          </p:nvPr>
+        </p:nvSpPr>
+        <p:spPr/>
+        <p:txBody>
+          <a:bodyPr/>
+          <a:lstStyle/>
+          <a:p>
+            <a:fld id="{FBFC020C-1606-4BED-91BA-A6230104B3B1}" type="slidenum">
+              <a:rPr lang="ko-KR" altLang="en-US" smtClean="0"/>
+              <a:t>14</a:t>
+            </a:fld>
+            <a:endParaRPr lang="ko-KR" altLang="en-US"/>
+          </a:p>
+        </p:txBody>
+      </p:sp>
+    </p:spTree>
+    <p:extLst>
+      <p:ext uri="{BB962C8B-B14F-4D97-AF65-F5344CB8AC3E}">
+        <p14:creationId xmlns:p14="http://schemas.microsoft.com/office/powerpoint/2010/main" val="3773845397"/>
+      </p:ext>
+    </p:extLst>
+  </p:cSld>
+  <p:clrMapOvr>
+    <a:masterClrMapping/>
+  </p:clrMapOvr>
+  <p:timing>
+    <p:tnLst>
+      <p:par>
+        <p:cTn id="1" dur="indefinite" restart="never" nodeType="tmRoot"/>
+      </p:par>
+    </p:tnLst>
+  </p:timing>
+</p:sld>
+</file>
+
+<file path=ppt/slides/slide15.xml><?xml version="1.0" encoding="utf-8"?>
+<p:sld xmlns:a="http://schemas.openxmlformats.org/drawingml/2006/main" xmlns:r="http://schemas.openxmlformats.org/officeDocument/2006/relationships" xmlns:p="http://schemas.openxmlformats.org/presentationml/2006/main">
+  <p:cSld>
+    <p:spTree>
+      <p:nvGrpSpPr>
+        <p:cNvPr id="1" name=""/>
+        <p:cNvGrpSpPr/>
+        <p:nvPr/>
+      </p:nvGrpSpPr>
+      <p:grpSpPr>
+        <a:xfrm>
+          <a:off x="0" y="0"/>
+          <a:ext cx="0" cy="0"/>
+          <a:chOff x="0" y="0"/>
+          <a:chExt cx="0" cy="0"/>
+        </a:xfrm>
+      </p:grpSpPr>
+      <p:sp>
+        <p:nvSpPr>
+          <p:cNvPr id="2" name="제목 1"/>
+          <p:cNvSpPr>
+            <a:spLocks noGrp="1"/>
+          </p:cNvSpPr>
+          <p:nvPr>
+            <p:ph type="title"/>
+          </p:nvPr>
+        </p:nvSpPr>
+        <p:spPr/>
+        <p:txBody>
+          <a:bodyPr>
+            <a:normAutofit fontScale="90000"/>
+          </a:bodyPr>
+          <a:lstStyle/>
+          <a:p>
+            <a:r>
+              <a:rPr lang="en-US" altLang="ko-KR" b="1" dirty="0"/>
+              <a:t/>
+            </a:r>
+            <a:br>
+              <a:rPr lang="en-US" altLang="ko-KR" b="1" dirty="0"/>
+            </a:br>
+            <a:r>
+              <a:rPr lang="en-US" altLang="ko-KR" b="1" dirty="0"/>
+              <a:t>4-2.</a:t>
+            </a:r>
+            <a:r>
+              <a:rPr lang="ko-KR" altLang="en-US" b="1" dirty="0"/>
+              <a:t> 기획</a:t>
+            </a:r>
+            <a:r>
+              <a:rPr lang="en-US" altLang="ko-KR" b="1" dirty="0"/>
+              <a:t>,</a:t>
+            </a:r>
+            <a:r>
+              <a:rPr lang="ko-KR" altLang="en-US" b="1" dirty="0"/>
+              <a:t>그래픽 개발 미흡점 </a:t>
+            </a:r>
+            <a:r>
+              <a:rPr lang="en-US" altLang="ko-KR" b="1" dirty="0"/>
+              <a:t>– </a:t>
+            </a:r>
+            <a:r>
+              <a:rPr lang="ko-KR" altLang="en-US" sz="3100" b="1" dirty="0"/>
+              <a:t>최영민</a:t>
+            </a:r>
+            <a:r>
+              <a:rPr lang="en-US" altLang="ko-KR" b="1" dirty="0"/>
+              <a:t/>
+            </a:r>
+            <a:br>
+              <a:rPr lang="en-US" altLang="ko-KR" b="1" dirty="0"/>
+            </a:br>
+            <a:endParaRPr lang="ko-KR" altLang="en-US" dirty="0"/>
+          </a:p>
+        </p:txBody>
+      </p:sp>
+      <p:sp>
+        <p:nvSpPr>
+          <p:cNvPr id="3" name="내용 개체 틀 2"/>
+          <p:cNvSpPr>
+            <a:spLocks noGrp="1"/>
+          </p:cNvSpPr>
+          <p:nvPr>
+            <p:ph idx="1"/>
+          </p:nvPr>
+        </p:nvSpPr>
+        <p:spPr>
+          <a:xfrm>
+            <a:off x="838200" y="1825624"/>
+            <a:ext cx="10366829" cy="4865462"/>
+          </a:xfrm>
+        </p:spPr>
+        <p:txBody>
+          <a:bodyPr>
+            <a:normAutofit/>
+          </a:bodyPr>
+          <a:lstStyle/>
+          <a:p>
+            <a:r>
+              <a:rPr lang="ko-KR" altLang="en-US" b="1" dirty="0"/>
+              <a:t>개별 시스템 문서 작성 미흡</a:t>
+            </a:r>
+            <a:endParaRPr lang="en-US" altLang="ko-KR" b="1" dirty="0"/>
+          </a:p>
+          <a:p>
+            <a:r>
+              <a:rPr lang="en-US" altLang="ko-KR" b="1" dirty="0"/>
+              <a:t>UX/UI </a:t>
+            </a:r>
+            <a:r>
+              <a:rPr lang="ko-KR" altLang="en-US" b="1" dirty="0"/>
+              <a:t>기획 미흡</a:t>
+            </a:r>
+            <a:endParaRPr lang="en-US" altLang="ko-KR" b="1" dirty="0"/>
+          </a:p>
+          <a:p>
+            <a:r>
+              <a:rPr lang="ko-KR" altLang="en-US" b="1" dirty="0" smtClean="0"/>
+              <a:t>사운드</a:t>
+            </a:r>
+            <a:r>
+              <a:rPr lang="en-US" altLang="ko-KR" b="1" dirty="0" smtClean="0"/>
+              <a:t>,</a:t>
+            </a:r>
+            <a:r>
+              <a:rPr lang="ko-KR" altLang="en-US" b="1" dirty="0" smtClean="0"/>
+              <a:t>이펙트</a:t>
+            </a:r>
+            <a:r>
+              <a:rPr lang="en-US" altLang="ko-KR" b="1" dirty="0" smtClean="0"/>
+              <a:t>,</a:t>
+            </a:r>
+            <a:r>
+              <a:rPr lang="ko-KR" altLang="en-US" b="1" dirty="0" smtClean="0"/>
+              <a:t>애니메이션에 </a:t>
+            </a:r>
+            <a:r>
+              <a:rPr lang="ko-KR" altLang="en-US" b="1" dirty="0"/>
+              <a:t>대한 기획 미흡</a:t>
+            </a:r>
+            <a:endParaRPr lang="en-US" altLang="ko-KR" b="1" dirty="0"/>
+          </a:p>
+          <a:p>
+            <a:pPr marL="0" indent="0">
+              <a:buNone/>
+            </a:pPr>
+            <a:r>
+              <a:rPr lang="en-US" altLang="ko-KR" b="1" dirty="0"/>
+              <a:t>-----------------------------------------------------</a:t>
+            </a:r>
+          </a:p>
+          <a:p>
+            <a:r>
+              <a:rPr lang="ko-KR" altLang="en-US" b="1" dirty="0"/>
+              <a:t>애니메이션의 부재</a:t>
+            </a:r>
+            <a:endParaRPr lang="en-US" altLang="ko-KR" b="1" dirty="0"/>
+          </a:p>
+          <a:p>
+            <a:r>
+              <a:rPr lang="ko-KR" altLang="en-US" b="1" dirty="0"/>
+              <a:t>그래픽 툴 사용 미흡으로 인한 낮은 퀄리티의 </a:t>
+            </a:r>
+            <a:r>
+              <a:rPr lang="en-US" altLang="ko-KR" b="1" dirty="0"/>
+              <a:t>UI </a:t>
+            </a:r>
+            <a:r>
+              <a:rPr lang="ko-KR" altLang="en-US" b="1" dirty="0"/>
+              <a:t>제작</a:t>
+            </a:r>
+            <a:endParaRPr lang="en-US" altLang="ko-KR" b="1" dirty="0"/>
+          </a:p>
+          <a:p>
+            <a:r>
+              <a:rPr lang="ko-KR" altLang="en-US" b="1" dirty="0"/>
+              <a:t>이펙트 제작 미흡</a:t>
+            </a:r>
+            <a:endParaRPr lang="en-US" altLang="ko-KR" b="1" dirty="0"/>
+          </a:p>
+          <a:p>
+            <a:endParaRPr lang="en-US" altLang="ko-KR" dirty="0"/>
+          </a:p>
+          <a:p>
+            <a:endParaRPr lang="ko-KR" altLang="en-US" dirty="0"/>
+          </a:p>
+        </p:txBody>
+      </p:sp>
+      <p:sp>
+        <p:nvSpPr>
+          <p:cNvPr id="5" name="Slide Number Placeholder 4"/>
+          <p:cNvSpPr>
+            <a:spLocks noGrp="1"/>
+          </p:cNvSpPr>
+          <p:nvPr>
+            <p:ph type="sldNum" sz="quarter" idx="12"/>
+          </p:nvPr>
+        </p:nvSpPr>
+        <p:spPr/>
+        <p:txBody>
+          <a:bodyPr/>
+          <a:lstStyle/>
+          <a:p>
+            <a:fld id="{FBFC020C-1606-4BED-91BA-A6230104B3B1}" type="slidenum">
+              <a:rPr lang="ko-KR" altLang="en-US" smtClean="0"/>
+              <a:t>15</a:t>
+            </a:fld>
+            <a:endParaRPr lang="ko-KR" altLang="en-US"/>
+          </a:p>
+        </p:txBody>
+      </p:sp>
+    </p:spTree>
+    <p:extLst>
+      <p:ext uri="{BB962C8B-B14F-4D97-AF65-F5344CB8AC3E}">
+        <p14:creationId xmlns:p14="http://schemas.microsoft.com/office/powerpoint/2010/main" val="980689935"/>
+      </p:ext>
+    </p:extLst>
+  </p:cSld>
+  <p:clrMapOvr>
+    <a:masterClrMapping/>
+  </p:clrMapOvr>
+  <p:timing>
+    <p:tnLst>
+      <p:par>
+        <p:cTn id="1" dur="indefinite" restart="never" nodeType="tmRoot"/>
+      </p:par>
+    </p:tnLst>
+  </p:timing>
+</p:sld>
+</file>
+
+<file path=ppt/slides/slide16.xml><?xml version="1.0" encoding="utf-8"?>
+<p:sld xmlns:a="http://schemas.openxmlformats.org/drawingml/2006/main" xmlns:r="http://schemas.openxmlformats.org/officeDocument/2006/relationships" xmlns:p="http://schemas.openxmlformats.org/presentationml/2006/main">
+  <p:cSld>
+    <p:spTree>
+      <p:nvGrpSpPr>
+        <p:cNvPr id="1" name=""/>
+        <p:cNvGrpSpPr/>
+        <p:nvPr/>
+      </p:nvGrpSpPr>
+      <p:grpSpPr>
+        <a:xfrm>
+          <a:off x="0" y="0"/>
+          <a:ext cx="0" cy="0"/>
+          <a:chOff x="0" y="0"/>
+          <a:chExt cx="0" cy="0"/>
+        </a:xfrm>
+      </p:grpSpPr>
+      <p:sp>
+        <p:nvSpPr>
+          <p:cNvPr id="2" name="제목 1"/>
+          <p:cNvSpPr>
+            <a:spLocks noGrp="1"/>
+          </p:cNvSpPr>
+          <p:nvPr>
+            <p:ph type="title"/>
+          </p:nvPr>
+        </p:nvSpPr>
+        <p:spPr/>
+        <p:txBody>
+          <a:bodyPr>
+            <a:normAutofit fontScale="90000"/>
+          </a:bodyPr>
+          <a:lstStyle/>
+          <a:p>
+            <a:r>
+              <a:rPr lang="en-US" altLang="ko-KR" b="1" dirty="0"/>
+              <a:t/>
+            </a:r>
+            <a:br>
+              <a:rPr lang="en-US" altLang="ko-KR" b="1" dirty="0"/>
+            </a:br>
+            <a:r>
+              <a:rPr lang="en-US" altLang="ko-KR" b="1" dirty="0"/>
+              <a:t>4-2. </a:t>
+            </a:r>
+            <a:r>
+              <a:rPr lang="ko-KR" altLang="en-US" b="1" dirty="0"/>
+              <a:t>차후 기획</a:t>
+            </a:r>
+            <a:r>
+              <a:rPr lang="en-US" altLang="ko-KR" b="1" dirty="0"/>
+              <a:t>,</a:t>
+            </a:r>
+            <a:r>
+              <a:rPr lang="ko-KR" altLang="en-US" b="1" dirty="0"/>
+              <a:t>그래픽 개발 예정</a:t>
+            </a:r>
+            <a:r>
+              <a:rPr lang="en-US" altLang="ko-KR" b="1" dirty="0"/>
+              <a:t>– </a:t>
+            </a:r>
+            <a:r>
+              <a:rPr lang="ko-KR" altLang="en-US" sz="3100" b="1" dirty="0"/>
+              <a:t>최영민</a:t>
+            </a:r>
+            <a:r>
+              <a:rPr lang="en-US" altLang="ko-KR" b="1" dirty="0"/>
+              <a:t/>
+            </a:r>
+            <a:br>
+              <a:rPr lang="en-US" altLang="ko-KR" b="1" dirty="0"/>
+            </a:br>
+            <a:endParaRPr lang="ko-KR" altLang="en-US" dirty="0"/>
+          </a:p>
+        </p:txBody>
+      </p:sp>
+      <p:sp>
+        <p:nvSpPr>
+          <p:cNvPr id="3" name="내용 개체 틀 2"/>
+          <p:cNvSpPr>
+            <a:spLocks noGrp="1"/>
+          </p:cNvSpPr>
+          <p:nvPr>
+            <p:ph idx="1"/>
+          </p:nvPr>
+        </p:nvSpPr>
+        <p:spPr>
+          <a:xfrm>
+            <a:off x="838200" y="1825624"/>
+            <a:ext cx="10366829" cy="4865462"/>
+          </a:xfrm>
+        </p:spPr>
+        <p:txBody>
+          <a:bodyPr>
+            <a:normAutofit/>
+          </a:bodyPr>
+          <a:lstStyle/>
+          <a:p>
+            <a:r>
+              <a:rPr lang="ko-KR" altLang="en-US" b="1" dirty="0"/>
+              <a:t>시스템별 개별 기획서 작성</a:t>
+            </a:r>
+            <a:endParaRPr lang="en-US" altLang="ko-KR" b="1" dirty="0"/>
+          </a:p>
+          <a:p>
+            <a:r>
+              <a:rPr lang="en-US" altLang="ko-KR" b="1" dirty="0"/>
+              <a:t>UX </a:t>
+            </a:r>
+            <a:r>
+              <a:rPr lang="ko-KR" altLang="en-US" b="1" dirty="0"/>
+              <a:t>개선을 위한 </a:t>
+            </a:r>
+            <a:r>
+              <a:rPr lang="en-US" altLang="ko-KR" b="1" dirty="0"/>
+              <a:t>UI </a:t>
+            </a:r>
+            <a:r>
+              <a:rPr lang="ko-KR" altLang="en-US" b="1" dirty="0"/>
+              <a:t>기획서 작성</a:t>
+            </a:r>
+            <a:endParaRPr lang="en-US" altLang="ko-KR" b="1" dirty="0"/>
+          </a:p>
+          <a:p>
+            <a:r>
+              <a:rPr lang="ko-KR" altLang="en-US" b="1" dirty="0" smtClean="0"/>
+              <a:t>사운드</a:t>
+            </a:r>
+            <a:r>
+              <a:rPr lang="en-US" altLang="ko-KR" b="1" dirty="0" smtClean="0"/>
+              <a:t>,</a:t>
+            </a:r>
+            <a:r>
+              <a:rPr lang="ko-KR" altLang="en-US" b="1" dirty="0" smtClean="0"/>
+              <a:t>이펙트</a:t>
+            </a:r>
+            <a:r>
+              <a:rPr lang="en-US" altLang="ko-KR" b="1" dirty="0" smtClean="0"/>
+              <a:t>,</a:t>
+            </a:r>
+            <a:r>
+              <a:rPr lang="ko-KR" altLang="en-US" b="1" dirty="0" smtClean="0"/>
+              <a:t>애니메이션 작업을 </a:t>
+            </a:r>
+            <a:r>
+              <a:rPr lang="ko-KR" altLang="en-US" b="1" dirty="0"/>
+              <a:t>위한 기획서 작성</a:t>
+            </a:r>
+            <a:endParaRPr lang="en-US" altLang="ko-KR" b="1" dirty="0"/>
+          </a:p>
+          <a:p>
+            <a:r>
+              <a:rPr lang="ko-KR" altLang="en-US" b="1" dirty="0" smtClean="0"/>
+              <a:t>레벨디자인 </a:t>
+            </a:r>
+            <a:r>
+              <a:rPr lang="en-US" altLang="ko-KR" b="1" dirty="0"/>
+              <a:t>, </a:t>
+            </a:r>
+            <a:r>
+              <a:rPr lang="ko-KR" altLang="en-US" b="1" dirty="0"/>
+              <a:t>밸런싱 작업</a:t>
+            </a:r>
+            <a:endParaRPr lang="en-US" altLang="ko-KR" b="1" dirty="0"/>
+          </a:p>
+          <a:p>
+            <a:pPr marL="0" indent="0">
+              <a:buNone/>
+            </a:pPr>
+            <a:r>
+              <a:rPr lang="en-US" altLang="ko-KR" b="1" dirty="0"/>
+              <a:t>-----------------------------------------------------</a:t>
+            </a:r>
+          </a:p>
+          <a:p>
+            <a:r>
+              <a:rPr lang="ko-KR" altLang="en-US" b="1" dirty="0"/>
+              <a:t>단순한 캐릭터의 특징을 살린 애니메이션 추가</a:t>
+            </a:r>
+            <a:endParaRPr lang="en-US" altLang="ko-KR" b="1" dirty="0"/>
+          </a:p>
+          <a:p>
+            <a:r>
+              <a:rPr lang="en-US" altLang="ko-KR" b="1" dirty="0"/>
+              <a:t>UI </a:t>
+            </a:r>
+            <a:r>
+              <a:rPr lang="ko-KR" altLang="en-US" b="1" dirty="0"/>
+              <a:t>디자인 변경</a:t>
+            </a:r>
+            <a:endParaRPr lang="en-US" altLang="ko-KR" b="1" dirty="0"/>
+          </a:p>
+          <a:p>
+            <a:r>
+              <a:rPr lang="ko-KR" altLang="en-US" b="1" dirty="0" smtClean="0"/>
+              <a:t>조경물 </a:t>
+            </a:r>
+            <a:r>
+              <a:rPr lang="ko-KR" altLang="en-US" b="1" dirty="0"/>
+              <a:t>제작</a:t>
+            </a:r>
+          </a:p>
+        </p:txBody>
+      </p:sp>
+      <p:sp>
+        <p:nvSpPr>
+          <p:cNvPr id="5" name="Slide Number Placeholder 4"/>
+          <p:cNvSpPr>
+            <a:spLocks noGrp="1"/>
+          </p:cNvSpPr>
+          <p:nvPr>
+            <p:ph type="sldNum" sz="quarter" idx="12"/>
+          </p:nvPr>
+        </p:nvSpPr>
+        <p:spPr/>
+        <p:txBody>
+          <a:bodyPr/>
+          <a:lstStyle/>
+          <a:p>
+            <a:fld id="{FBFC020C-1606-4BED-91BA-A6230104B3B1}" type="slidenum">
+              <a:rPr lang="ko-KR" altLang="en-US" smtClean="0"/>
+              <a:t>16</a:t>
+            </a:fld>
+            <a:endParaRPr lang="ko-KR" altLang="en-US"/>
+          </a:p>
+        </p:txBody>
+      </p:sp>
+    </p:spTree>
+    <p:extLst>
+      <p:ext uri="{BB962C8B-B14F-4D97-AF65-F5344CB8AC3E}">
+        <p14:creationId xmlns:p14="http://schemas.microsoft.com/office/powerpoint/2010/main" val="1406679189"/>
+      </p:ext>
+    </p:extLst>
+  </p:cSld>
+  <p:clrMapOvr>
+    <a:masterClrMapping/>
+  </p:clrMapOvr>
+  <p:timing>
+    <p:tnLst>
+      <p:par>
+        <p:cTn id="1" dur="indefinite" restart="never" nodeType="tmRoot"/>
+      </p:par>
+    </p:tnLst>
+  </p:timing>
+</p:sld>
+</file>
+
+<file path=ppt/slides/slide17.xml><?xml version="1.0" encoding="utf-8"?>
+<p:sld xmlns:a="http://schemas.openxmlformats.org/drawingml/2006/main" xmlns:r="http://schemas.openxmlformats.org/officeDocument/2006/relationships" xmlns:p="http://schemas.openxmlformats.org/presentationml/2006/main">
+  <p:cSld>
+    <p:spTree>
+      <p:nvGrpSpPr>
+        <p:cNvPr id="1" name=""/>
+        <p:cNvGrpSpPr/>
+        <p:nvPr/>
+      </p:nvGrpSpPr>
+      <p:grpSpPr>
+        <a:xfrm>
+          <a:off x="0" y="0"/>
+          <a:ext cx="0" cy="0"/>
+          <a:chOff x="0" y="0"/>
+          <a:chExt cx="0" cy="0"/>
+        </a:xfrm>
+      </p:grpSpPr>
+      <p:sp>
+        <p:nvSpPr>
+          <p:cNvPr id="2" name="제목 1"/>
+          <p:cNvSpPr>
+            <a:spLocks noGrp="1"/>
+          </p:cNvSpPr>
+          <p:nvPr>
+            <p:ph type="title"/>
+          </p:nvPr>
+        </p:nvSpPr>
+        <p:spPr/>
+        <p:txBody>
+          <a:bodyPr>
+            <a:normAutofit fontScale="90000"/>
+          </a:bodyPr>
+          <a:lstStyle/>
+          <a:p>
+            <a:r>
+              <a:rPr lang="en-US" altLang="ko-KR" b="1" dirty="0"/>
+              <a:t/>
+            </a:r>
+            <a:br>
+              <a:rPr lang="en-US" altLang="ko-KR" b="1" dirty="0"/>
+            </a:br>
+            <a:r>
+              <a:rPr lang="en-US" altLang="ko-KR" b="1" dirty="0"/>
+              <a:t>4-3. </a:t>
+            </a:r>
+            <a:r>
+              <a:rPr lang="ko-KR" altLang="en-US" b="1" dirty="0"/>
+              <a:t>서버 개발 상황 </a:t>
+            </a:r>
+            <a:r>
+              <a:rPr lang="en-US" altLang="ko-KR" b="1" dirty="0"/>
+              <a:t>– </a:t>
+            </a:r>
+            <a:r>
+              <a:rPr lang="ko-KR" altLang="en-US" sz="3100" b="1" dirty="0"/>
+              <a:t>이진수</a:t>
+            </a:r>
+            <a:r>
+              <a:rPr lang="en-US" altLang="ko-KR" sz="3100" b="1" dirty="0"/>
+              <a:t> </a:t>
+            </a:r>
+            <a:r>
+              <a:rPr lang="en-US" altLang="ko-KR" b="1" dirty="0"/>
+              <a:t/>
+            </a:r>
+            <a:br>
+              <a:rPr lang="en-US" altLang="ko-KR" b="1" dirty="0"/>
+            </a:br>
+            <a:endParaRPr lang="ko-KR" altLang="en-US" dirty="0"/>
+          </a:p>
+        </p:txBody>
+      </p:sp>
+      <p:sp>
+        <p:nvSpPr>
+          <p:cNvPr id="3" name="내용 개체 틀 2"/>
+          <p:cNvSpPr>
+            <a:spLocks noGrp="1"/>
+          </p:cNvSpPr>
+          <p:nvPr>
+            <p:ph idx="1"/>
+          </p:nvPr>
+        </p:nvSpPr>
+        <p:spPr>
+          <a:xfrm>
+            <a:off x="838200" y="1825624"/>
+            <a:ext cx="10366829" cy="4865462"/>
+          </a:xfrm>
+        </p:spPr>
+        <p:txBody>
+          <a:bodyPr>
+            <a:normAutofit/>
+          </a:bodyPr>
+          <a:lstStyle/>
+          <a:p>
+            <a:r>
+              <a:rPr lang="en-US" altLang="ko-KR" b="1" dirty="0"/>
+              <a:t>DB </a:t>
+            </a:r>
+            <a:r>
+              <a:rPr lang="ko-KR" altLang="en-US" b="1" dirty="0"/>
+              <a:t>설계 및 구현 </a:t>
+            </a:r>
+            <a:endParaRPr lang="en-US" altLang="ko-KR" b="1" dirty="0"/>
+          </a:p>
+          <a:p>
+            <a:r>
+              <a:rPr lang="ko-KR" altLang="en-US" b="1" dirty="0"/>
+              <a:t>웹서버를 통한 클라이언트와 통신</a:t>
+            </a:r>
+            <a:endParaRPr lang="en-US" altLang="ko-KR" dirty="0"/>
+          </a:p>
+        </p:txBody>
+      </p:sp>
+      <p:sp>
+        <p:nvSpPr>
+          <p:cNvPr id="5" name="Slide Number Placeholder 4"/>
+          <p:cNvSpPr>
+            <a:spLocks noGrp="1"/>
+          </p:cNvSpPr>
+          <p:nvPr>
+            <p:ph type="sldNum" sz="quarter" idx="12"/>
+          </p:nvPr>
+        </p:nvSpPr>
+        <p:spPr/>
+        <p:txBody>
+          <a:bodyPr/>
+          <a:lstStyle/>
+          <a:p>
+            <a:fld id="{FBFC020C-1606-4BED-91BA-A6230104B3B1}" type="slidenum">
+              <a:rPr lang="ko-KR" altLang="en-US" smtClean="0"/>
+              <a:t>17</a:t>
+            </a:fld>
+            <a:endParaRPr lang="ko-KR" altLang="en-US"/>
+          </a:p>
+        </p:txBody>
+      </p:sp>
+    </p:spTree>
+    <p:extLst>
+      <p:ext uri="{BB962C8B-B14F-4D97-AF65-F5344CB8AC3E}">
+        <p14:creationId xmlns:p14="http://schemas.microsoft.com/office/powerpoint/2010/main" val="3773845397"/>
+      </p:ext>
+    </p:extLst>
+  </p:cSld>
+  <p:clrMapOvr>
+    <a:masterClrMapping/>
+  </p:clrMapOvr>
+  <p:timing>
+    <p:tnLst>
+      <p:par>
+        <p:cTn id="1" dur="indefinite" restart="never" nodeType="tmRoot"/>
+      </p:par>
+    </p:tnLst>
+  </p:timing>
+</p:sld>
+</file>
+
+<file path=ppt/slides/slide18.xml><?xml version="1.0" encoding="utf-8"?>
+<p:sld xmlns:a="http://schemas.openxmlformats.org/drawingml/2006/main" xmlns:r="http://schemas.openxmlformats.org/officeDocument/2006/relationships" xmlns:p="http://schemas.openxmlformats.org/presentationml/2006/main">
+  <p:cSld>
+    <p:spTree>
+      <p:nvGrpSpPr>
+        <p:cNvPr id="1" name=""/>
+        <p:cNvGrpSpPr/>
+        <p:nvPr/>
+      </p:nvGrpSpPr>
+      <p:grpSpPr>
+        <a:xfrm>
+          <a:off x="0" y="0"/>
+          <a:ext cx="0" cy="0"/>
+          <a:chOff x="0" y="0"/>
+          <a:chExt cx="0" cy="0"/>
+        </a:xfrm>
+      </p:grpSpPr>
+      <p:sp>
+        <p:nvSpPr>
+          <p:cNvPr id="2" name="제목 1"/>
+          <p:cNvSpPr>
+            <a:spLocks noGrp="1"/>
+          </p:cNvSpPr>
+          <p:nvPr>
+            <p:ph type="title"/>
+          </p:nvPr>
+        </p:nvSpPr>
+        <p:spPr/>
+        <p:txBody>
+          <a:bodyPr>
+            <a:normAutofit fontScale="90000"/>
+          </a:bodyPr>
+          <a:lstStyle/>
+          <a:p>
+            <a:r>
+              <a:rPr lang="en-US" altLang="ko-KR" b="1" dirty="0"/>
+              <a:t/>
+            </a:r>
+            <a:br>
+              <a:rPr lang="en-US" altLang="ko-KR" b="1" dirty="0"/>
+            </a:br>
+            <a:r>
+              <a:rPr lang="en-US" altLang="ko-KR" b="1" dirty="0"/>
+              <a:t>4-3. </a:t>
+            </a:r>
+            <a:r>
+              <a:rPr lang="ko-KR" altLang="en-US" b="1" dirty="0"/>
+              <a:t>서버 개발 미흡점 </a:t>
+            </a:r>
+            <a:r>
+              <a:rPr lang="en-US" altLang="ko-KR" b="1" dirty="0"/>
+              <a:t>– </a:t>
+            </a:r>
+            <a:r>
+              <a:rPr lang="ko-KR" altLang="en-US" sz="3100" b="1" dirty="0"/>
+              <a:t>이진수</a:t>
+            </a:r>
+            <a:r>
+              <a:rPr lang="en-US" altLang="ko-KR" b="1" dirty="0"/>
+              <a:t/>
+            </a:r>
+            <a:br>
+              <a:rPr lang="en-US" altLang="ko-KR" b="1" dirty="0"/>
+            </a:br>
+            <a:endParaRPr lang="ko-KR" altLang="en-US" dirty="0"/>
+          </a:p>
+        </p:txBody>
+      </p:sp>
+      <p:sp>
+        <p:nvSpPr>
+          <p:cNvPr id="3" name="내용 개체 틀 2"/>
+          <p:cNvSpPr>
+            <a:spLocks noGrp="1"/>
+          </p:cNvSpPr>
+          <p:nvPr>
+            <p:ph idx="1"/>
+          </p:nvPr>
+        </p:nvSpPr>
+        <p:spPr>
+          <a:xfrm>
+            <a:off x="838200" y="1825624"/>
+            <a:ext cx="10366829" cy="4865462"/>
+          </a:xfrm>
+        </p:spPr>
+        <p:txBody>
+          <a:bodyPr>
+            <a:normAutofit/>
+          </a:bodyPr>
+          <a:lstStyle/>
+          <a:p>
+            <a:r>
+              <a:rPr lang="ko-KR" altLang="en-US" b="1" dirty="0"/>
+              <a:t>보안 관련 지식 미숙</a:t>
+            </a:r>
+            <a:endParaRPr lang="en-US" altLang="ko-KR" b="1" dirty="0"/>
+          </a:p>
+          <a:p>
+            <a:r>
+              <a:rPr lang="ko-KR" altLang="en-US" b="1" dirty="0"/>
+              <a:t>유저 분석 관련 </a:t>
+            </a:r>
+            <a:r>
+              <a:rPr lang="en-US" altLang="ko-KR" b="1" dirty="0"/>
+              <a:t>DB </a:t>
+            </a:r>
+            <a:r>
+              <a:rPr lang="ko-KR" altLang="en-US" b="1" dirty="0"/>
+              <a:t>설계 미흡</a:t>
+            </a:r>
+            <a:endParaRPr lang="en-US" altLang="ko-KR" b="1" dirty="0"/>
+          </a:p>
+          <a:p>
+            <a:r>
+              <a:rPr lang="ko-KR" altLang="en-US" b="1" dirty="0"/>
+              <a:t>구글 로그인 연동을 </a:t>
+            </a:r>
+            <a:r>
+              <a:rPr lang="ko-KR" altLang="en-US" b="1" dirty="0" smtClean="0"/>
+              <a:t>미구</a:t>
+            </a:r>
+            <a:r>
+              <a:rPr lang="ko-KR" altLang="en-US" b="1" dirty="0"/>
+              <a:t>현</a:t>
+            </a:r>
+            <a:endParaRPr lang="en-US" altLang="ko-KR" b="1" dirty="0"/>
+          </a:p>
+          <a:p>
+            <a:r>
+              <a:rPr lang="ko-KR" altLang="en-US" b="1" dirty="0"/>
+              <a:t>리눅스를 통한 콘솔 </a:t>
+            </a:r>
+            <a:r>
+              <a:rPr lang="en-US" altLang="ko-KR" b="1" dirty="0"/>
+              <a:t>GIT </a:t>
+            </a:r>
+            <a:r>
+              <a:rPr lang="ko-KR" altLang="en-US" b="1" dirty="0"/>
+              <a:t>사용이 미숙하여 윈도우를 사용</a:t>
+            </a:r>
+            <a:endParaRPr lang="en-US" altLang="ko-KR" b="1" dirty="0"/>
+          </a:p>
+          <a:p>
+            <a:endParaRPr lang="en-US" altLang="ko-KR" b="1" dirty="0"/>
+          </a:p>
+          <a:p>
+            <a:endParaRPr lang="en-US" altLang="ko-KR" b="1" dirty="0"/>
+          </a:p>
+          <a:p>
+            <a:endParaRPr lang="en-US" altLang="ko-KR" b="1" dirty="0"/>
+          </a:p>
+        </p:txBody>
+      </p:sp>
+      <p:sp>
+        <p:nvSpPr>
+          <p:cNvPr id="5" name="Slide Number Placeholder 4"/>
+          <p:cNvSpPr>
+            <a:spLocks noGrp="1"/>
+          </p:cNvSpPr>
+          <p:nvPr>
+            <p:ph type="sldNum" sz="quarter" idx="12"/>
+          </p:nvPr>
+        </p:nvSpPr>
+        <p:spPr/>
+        <p:txBody>
+          <a:bodyPr/>
+          <a:lstStyle/>
+          <a:p>
+            <a:fld id="{FBFC020C-1606-4BED-91BA-A6230104B3B1}" type="slidenum">
+              <a:rPr lang="ko-KR" altLang="en-US" smtClean="0"/>
+              <a:t>18</a:t>
+            </a:fld>
+            <a:endParaRPr lang="ko-KR" altLang="en-US"/>
+          </a:p>
+        </p:txBody>
+      </p:sp>
+    </p:spTree>
+    <p:extLst>
+      <p:ext uri="{BB962C8B-B14F-4D97-AF65-F5344CB8AC3E}">
+        <p14:creationId xmlns:p14="http://schemas.microsoft.com/office/powerpoint/2010/main" val="980689935"/>
+      </p:ext>
+    </p:extLst>
+  </p:cSld>
+  <p:clrMapOvr>
+    <a:masterClrMapping/>
+  </p:clrMapOvr>
+  <p:timing>
+    <p:tnLst>
+      <p:par>
+        <p:cTn id="1" dur="indefinite" restart="never" nodeType="tmRoot"/>
+      </p:par>
+    </p:tnLst>
+  </p:timing>
+</p:sld>
+</file>
+
+<file path=ppt/slides/slide19.xml><?xml version="1.0" encoding="utf-8"?>
+<p:sld xmlns:a="http://schemas.openxmlformats.org/drawingml/2006/main" xmlns:r="http://schemas.openxmlformats.org/officeDocument/2006/relationships" xmlns:p="http://schemas.openxmlformats.org/presentationml/2006/main">
+  <p:cSld>
+    <p:spTree>
+      <p:nvGrpSpPr>
+        <p:cNvPr id="1" name=""/>
+        <p:cNvGrpSpPr/>
+        <p:nvPr/>
+      </p:nvGrpSpPr>
+      <p:grpSpPr>
+        <a:xfrm>
+          <a:off x="0" y="0"/>
+          <a:ext cx="0" cy="0"/>
+          <a:chOff x="0" y="0"/>
+          <a:chExt cx="0" cy="0"/>
+        </a:xfrm>
+      </p:grpSpPr>
+      <p:sp>
+        <p:nvSpPr>
+          <p:cNvPr id="2" name="제목 1"/>
+          <p:cNvSpPr>
+            <a:spLocks noGrp="1"/>
+          </p:cNvSpPr>
+          <p:nvPr>
+            <p:ph type="title"/>
+          </p:nvPr>
+        </p:nvSpPr>
+        <p:spPr/>
+        <p:txBody>
+          <a:bodyPr>
+            <a:normAutofit fontScale="90000"/>
+          </a:bodyPr>
+          <a:lstStyle/>
+          <a:p>
+            <a:r>
+              <a:rPr lang="en-US" altLang="ko-KR" b="1" dirty="0"/>
+              <a:t/>
+            </a:r>
+            <a:br>
+              <a:rPr lang="en-US" altLang="ko-KR" b="1" dirty="0"/>
+            </a:br>
+            <a:r>
+              <a:rPr lang="en-US" altLang="ko-KR" b="1" dirty="0"/>
+              <a:t>4-3. </a:t>
+            </a:r>
+            <a:r>
+              <a:rPr lang="ko-KR" altLang="en-US" b="1" dirty="0"/>
+              <a:t>차후 서버 개발 예정 </a:t>
+            </a:r>
+            <a:r>
+              <a:rPr lang="en-US" altLang="ko-KR" b="1" dirty="0"/>
+              <a:t>– </a:t>
+            </a:r>
+            <a:r>
+              <a:rPr lang="ko-KR" altLang="en-US" sz="3100" b="1" dirty="0"/>
+              <a:t>이진수</a:t>
+            </a:r>
+            <a:r>
+              <a:rPr lang="en-US" altLang="ko-KR" b="1" dirty="0"/>
+              <a:t/>
+            </a:r>
+            <a:br>
+              <a:rPr lang="en-US" altLang="ko-KR" b="1" dirty="0"/>
+            </a:br>
+            <a:endParaRPr lang="ko-KR" altLang="en-US" dirty="0"/>
+          </a:p>
+        </p:txBody>
+      </p:sp>
+      <p:sp>
+        <p:nvSpPr>
+          <p:cNvPr id="3" name="내용 개체 틀 2"/>
+          <p:cNvSpPr>
+            <a:spLocks noGrp="1"/>
+          </p:cNvSpPr>
+          <p:nvPr>
+            <p:ph idx="1"/>
+          </p:nvPr>
+        </p:nvSpPr>
+        <p:spPr>
+          <a:xfrm>
+            <a:off x="838200" y="1825624"/>
+            <a:ext cx="10366829" cy="4865462"/>
+          </a:xfrm>
+        </p:spPr>
+        <p:txBody>
+          <a:bodyPr>
+            <a:normAutofit/>
+          </a:bodyPr>
+          <a:lstStyle/>
+          <a:p>
+            <a:r>
+              <a:rPr lang="ko-KR" altLang="en-US" b="1" dirty="0"/>
+              <a:t>대전 시스템에 따른 </a:t>
+            </a:r>
+            <a:r>
+              <a:rPr lang="en-US" altLang="ko-KR" b="1" dirty="0"/>
+              <a:t>DB </a:t>
+            </a:r>
+            <a:r>
+              <a:rPr lang="ko-KR" altLang="en-US" b="1" dirty="0"/>
+              <a:t>수정</a:t>
+            </a:r>
+            <a:endParaRPr lang="en-US" altLang="ko-KR" b="1" dirty="0"/>
+          </a:p>
+          <a:p>
+            <a:r>
+              <a:rPr lang="ko-KR" altLang="en-US" b="1" dirty="0"/>
+              <a:t>유저 분석 </a:t>
+            </a:r>
+            <a:r>
+              <a:rPr lang="en-US" altLang="ko-KR" b="1" dirty="0"/>
+              <a:t>DB </a:t>
+            </a:r>
+            <a:r>
+              <a:rPr lang="ko-KR" altLang="en-US" b="1" dirty="0"/>
+              <a:t>제작</a:t>
+            </a:r>
+            <a:endParaRPr lang="en-US" altLang="ko-KR" dirty="0"/>
+          </a:p>
+          <a:p>
+            <a:r>
+              <a:rPr lang="ko-KR" altLang="en-US" b="1" dirty="0"/>
+              <a:t>서버 보안 예정</a:t>
+            </a:r>
+            <a:endParaRPr lang="en-US" altLang="ko-KR" b="1" dirty="0"/>
+          </a:p>
+          <a:p>
+            <a:r>
+              <a:rPr lang="ko-KR" altLang="en-US" b="1" dirty="0"/>
+              <a:t> 서버 데이터 </a:t>
+            </a:r>
+            <a:r>
+              <a:rPr lang="en-US" altLang="ko-KR" b="1" dirty="0"/>
+              <a:t>IBM </a:t>
+            </a:r>
+            <a:r>
+              <a:rPr lang="ko-KR" altLang="en-US" b="1" dirty="0"/>
+              <a:t>클라우드에 적용 </a:t>
+            </a:r>
+            <a:endParaRPr lang="en-US" altLang="ko-KR" b="1" dirty="0"/>
+          </a:p>
+        </p:txBody>
+      </p:sp>
+      <p:sp>
+        <p:nvSpPr>
+          <p:cNvPr id="5" name="Slide Number Placeholder 4"/>
+          <p:cNvSpPr>
+            <a:spLocks noGrp="1"/>
+          </p:cNvSpPr>
+          <p:nvPr>
+            <p:ph type="sldNum" sz="quarter" idx="12"/>
+          </p:nvPr>
+        </p:nvSpPr>
+        <p:spPr/>
+        <p:txBody>
+          <a:bodyPr/>
+          <a:lstStyle/>
+          <a:p>
+            <a:fld id="{FBFC020C-1606-4BED-91BA-A6230104B3B1}" type="slidenum">
+              <a:rPr lang="ko-KR" altLang="en-US" smtClean="0"/>
+              <a:t>19</a:t>
+            </a:fld>
+            <a:endParaRPr lang="ko-KR" altLang="en-US"/>
+          </a:p>
+        </p:txBody>
+      </p:sp>
+    </p:spTree>
+    <p:extLst>
+      <p:ext uri="{BB962C8B-B14F-4D97-AF65-F5344CB8AC3E}">
+        <p14:creationId xmlns:p14="http://schemas.microsoft.com/office/powerpoint/2010/main" val="1406679189"/>
       </p:ext>
     </p:extLst>
   </p:cSld>
@@ -5226,8 +6136,8 @@
               <a:buAutoNum type="arabicPeriod"/>
             </a:pPr>
             <a:r>
-              <a:rPr lang="ko-KR" altLang="en-US" b="1" dirty="0"/>
-              <a:t>개발현황</a:t>
+              <a:rPr lang="ko-KR" altLang="en-US" b="1" dirty="0" smtClean="0"/>
+              <a:t>개발</a:t>
             </a:r>
             <a:endParaRPr lang="en-US" altLang="ko-KR" b="1" dirty="0"/>
           </a:p>
@@ -5300,6 +6210,29 @@
               <a:buAutoNum type="arabicPeriod"/>
             </a:pPr>
             <a:endParaRPr lang="en-US" altLang="ko-KR" b="1" dirty="0"/>
+          </a:p>
+        </p:txBody>
+      </p:sp>
+      <p:sp>
+        <p:nvSpPr>
+          <p:cNvPr id="5" name="Slide Number Placeholder 4"/>
+          <p:cNvSpPr>
+            <a:spLocks noGrp="1"/>
+          </p:cNvSpPr>
+          <p:nvPr>
+            <p:ph type="sldNum" sz="quarter" idx="12"/>
+          </p:nvPr>
+        </p:nvSpPr>
+        <p:spPr/>
+        <p:txBody>
+          <a:bodyPr/>
+          <a:lstStyle/>
+          <a:p>
+            <a:fld id="{FBFC020C-1606-4BED-91BA-A6230104B3B1}" type="slidenum">
+              <a:rPr lang="ko-KR" altLang="en-US" smtClean="0"/>
+              <a:t>2</a:t>
+            </a:fld>
+            <a:endParaRPr lang="ko-KR" altLang="en-US"/>
           </a:p>
         </p:txBody>
       </p:sp>
@@ -5391,7 +6324,7 @@
         <p:spPr>
           <a:xfrm>
             <a:off x="902440" y="1489743"/>
-            <a:ext cx="4143042" cy="2330461"/>
+            <a:ext cx="4143041" cy="2330461"/>
           </a:xfrm>
           <a:prstGeom prst="rect">
             <a:avLst/>
@@ -5450,8 +6383,8 @@
         </p:blipFill>
         <p:spPr>
           <a:xfrm>
-            <a:off x="7304313" y="1490373"/>
-            <a:ext cx="3726719" cy="2329200"/>
+            <a:off x="7304313" y="1606833"/>
+            <a:ext cx="3726719" cy="2096279"/>
           </a:xfrm>
           <a:prstGeom prst="rect">
             <a:avLst/>
@@ -5668,95 +6601,24 @@
       </p:sp>
       <p:sp>
         <p:nvSpPr>
-          <p:cNvPr id="10" name="TextBox 9"/>
-          <p:cNvSpPr txBox="1"/>
-          <p:nvPr/>
-        </p:nvSpPr>
-        <p:spPr>
-          <a:xfrm>
-            <a:off x="3486150" y="3968196"/>
-            <a:ext cx="1738992" cy="261610"/>
-          </a:xfrm>
-          <a:prstGeom prst="rect">
-            <a:avLst/>
-          </a:prstGeom>
-          <a:noFill/>
-        </p:spPr>
-        <p:txBody>
-          <a:bodyPr wrap="square" rtlCol="0">
-            <a:spAutoFit/>
-          </a:bodyPr>
-          <a:lstStyle/>
-          <a:p>
-            <a:pPr algn="ctr"/>
-            <a:r>
-              <a:rPr lang="en-US" altLang="ko-KR" sz="1100" dirty="0"/>
-              <a:t>&lt;</a:t>
-            </a:r>
-            <a:r>
-              <a:rPr lang="ko-KR" altLang="en-US" sz="1100" dirty="0"/>
-              <a:t>슈퍼판타지워</a:t>
-            </a:r>
-            <a:r>
-              <a:rPr lang="en-US" altLang="ko-KR" sz="1100" dirty="0"/>
-              <a:t>,</a:t>
-            </a:r>
-            <a:r>
-              <a:rPr lang="ko-KR" altLang="en-US" sz="1100" dirty="0"/>
-              <a:t>넥슨</a:t>
-            </a:r>
-            <a:r>
-              <a:rPr lang="en-US" altLang="ko-KR" sz="1100" dirty="0"/>
-              <a:t>&gt;</a:t>
-            </a:r>
-            <a:endParaRPr lang="ko-KR" altLang="en-US" sz="1100" dirty="0"/>
-          </a:p>
-        </p:txBody>
-      </p:sp>
-      <p:sp>
-        <p:nvSpPr>
-          <p:cNvPr id="11" name="TextBox 10"/>
-          <p:cNvSpPr txBox="1"/>
-          <p:nvPr/>
-        </p:nvSpPr>
-        <p:spPr>
-          <a:xfrm>
-            <a:off x="9292040" y="4023327"/>
-            <a:ext cx="1738992" cy="261610"/>
-          </a:xfrm>
-          <a:prstGeom prst="rect">
-            <a:avLst/>
-          </a:prstGeom>
-          <a:noFill/>
-        </p:spPr>
-        <p:txBody>
-          <a:bodyPr wrap="square" rtlCol="0">
-            <a:spAutoFit/>
-          </a:bodyPr>
-          <a:lstStyle/>
-          <a:p>
-            <a:pPr algn="ctr"/>
-            <a:r>
-              <a:rPr lang="en-US" altLang="ko-KR" sz="1100" dirty="0"/>
-              <a:t>&lt;</a:t>
-            </a:r>
-            <a:r>
-              <a:rPr lang="ko-KR" altLang="en-US" sz="1100" dirty="0"/>
-              <a:t>하스스톤</a:t>
-            </a:r>
-            <a:r>
-              <a:rPr lang="en-US" altLang="ko-KR" sz="1100" dirty="0"/>
-              <a:t>,</a:t>
-            </a:r>
-            <a:r>
-              <a:rPr lang="ko-KR" altLang="en-US" sz="1100" dirty="0"/>
-              <a:t>블리자드</a:t>
-            </a:r>
-            <a:r>
-              <a:rPr lang="en-US" altLang="ko-KR" sz="1100" dirty="0"/>
-              <a:t>&gt;</a:t>
-            </a:r>
-            <a:endParaRPr lang="ko-KR" altLang="en-US" sz="1100" dirty="0"/>
+          <p:cNvPr id="9" name="Slide Number Placeholder 8"/>
+          <p:cNvSpPr>
+            <a:spLocks noGrp="1"/>
+          </p:cNvSpPr>
+          <p:nvPr>
+            <p:ph type="sldNum" sz="quarter" idx="12"/>
+          </p:nvPr>
+        </p:nvSpPr>
+        <p:spPr/>
+        <p:txBody>
+          <a:bodyPr/>
+          <a:lstStyle/>
+          <a:p>
+            <a:fld id="{FBFC020C-1606-4BED-91BA-A6230104B3B1}" type="slidenum">
+              <a:rPr lang="ko-KR" altLang="en-US" smtClean="0"/>
+              <a:t>3</a:t>
+            </a:fld>
+            <a:endParaRPr lang="ko-KR" altLang="en-US"/>
           </a:p>
         </p:txBody>
       </p:sp>
@@ -6243,9 +7105,10 @@
           <a:p>
             <a:pPr algn="ctr"/>
             <a:r>
-              <a:rPr lang="ko-KR" altLang="en-US" sz="1400" dirty="0"/>
-              <a:t>코스트 개념</a:t>
-            </a:r>
+              <a:rPr lang="ko-KR" altLang="en-US" sz="1400" dirty="0" smtClean="0"/>
+              <a:t>코스트</a:t>
+            </a:r>
+            <a:endParaRPr lang="ko-KR" altLang="en-US" sz="1400" dirty="0"/>
           </a:p>
         </p:txBody>
       </p:sp>
@@ -6279,6 +7142,29 @@
           </a:prstGeom>
         </p:spPr>
       </p:pic>
+      <p:sp>
+        <p:nvSpPr>
+          <p:cNvPr id="4" name="Slide Number Placeholder 3"/>
+          <p:cNvSpPr>
+            <a:spLocks noGrp="1"/>
+          </p:cNvSpPr>
+          <p:nvPr>
+            <p:ph type="sldNum" sz="quarter" idx="12"/>
+          </p:nvPr>
+        </p:nvSpPr>
+        <p:spPr/>
+        <p:txBody>
+          <a:bodyPr/>
+          <a:lstStyle/>
+          <a:p>
+            <a:fld id="{FBFC020C-1606-4BED-91BA-A6230104B3B1}" type="slidenum">
+              <a:rPr lang="ko-KR" altLang="en-US" smtClean="0"/>
+              <a:t>4</a:t>
+            </a:fld>
+            <a:endParaRPr lang="ko-KR" altLang="en-US"/>
+          </a:p>
+        </p:txBody>
+      </p:sp>
     </p:spTree>
     <p:extLst>
       <p:ext uri="{BB962C8B-B14F-4D97-AF65-F5344CB8AC3E}">
@@ -7022,6 +7908,29 @@
               <a:rPr lang="ko-KR" altLang="en-US" dirty="0"/>
               <a:t>차후 추가 예정</a:t>
             </a:r>
+          </a:p>
+        </p:txBody>
+      </p:sp>
+      <p:sp>
+        <p:nvSpPr>
+          <p:cNvPr id="9" name="Slide Number Placeholder 8"/>
+          <p:cNvSpPr>
+            <a:spLocks noGrp="1"/>
+          </p:cNvSpPr>
+          <p:nvPr>
+            <p:ph type="sldNum" sz="quarter" idx="12"/>
+          </p:nvPr>
+        </p:nvSpPr>
+        <p:spPr/>
+        <p:txBody>
+          <a:bodyPr/>
+          <a:lstStyle/>
+          <a:p>
+            <a:fld id="{FBFC020C-1606-4BED-91BA-A6230104B3B1}" type="slidenum">
+              <a:rPr lang="ko-KR" altLang="en-US" smtClean="0"/>
+              <a:t>5</a:t>
+            </a:fld>
+            <a:endParaRPr lang="ko-KR" altLang="en-US"/>
           </a:p>
         </p:txBody>
       </p:sp>
@@ -7464,6 +8373,29 @@
           </a:p>
         </p:txBody>
       </p:sp>
+      <p:sp>
+        <p:nvSpPr>
+          <p:cNvPr id="4" name="Slide Number Placeholder 3"/>
+          <p:cNvSpPr>
+            <a:spLocks noGrp="1"/>
+          </p:cNvSpPr>
+          <p:nvPr>
+            <p:ph type="sldNum" sz="quarter" idx="12"/>
+          </p:nvPr>
+        </p:nvSpPr>
+        <p:spPr/>
+        <p:txBody>
+          <a:bodyPr/>
+          <a:lstStyle/>
+          <a:p>
+            <a:fld id="{FBFC020C-1606-4BED-91BA-A6230104B3B1}" type="slidenum">
+              <a:rPr lang="ko-KR" altLang="en-US" smtClean="0"/>
+              <a:t>6</a:t>
+            </a:fld>
+            <a:endParaRPr lang="ko-KR" altLang="en-US"/>
+          </a:p>
+        </p:txBody>
+      </p:sp>
     </p:spTree>
     <p:extLst>
       <p:ext uri="{BB962C8B-B14F-4D97-AF65-F5344CB8AC3E}">
@@ -7526,23 +8458,15 @@
               <a:rPr lang="en-US" altLang="ko-KR" b="1" dirty="0"/>
             </a:br>
             <a:r>
-              <a:rPr lang="en-US" altLang="ko-KR" b="1" dirty="0"/>
-              <a:t>4-1. </a:t>
-            </a:r>
-            <a:r>
-              <a:rPr lang="ko-KR" altLang="en-US" b="1" dirty="0"/>
-              <a:t>클라이언트 개발 상황 </a:t>
-            </a:r>
-            <a:r>
-              <a:rPr lang="en-US" altLang="ko-KR" b="1" dirty="0"/>
-              <a:t>– </a:t>
-            </a:r>
-            <a:r>
-              <a:rPr lang="ko-KR" altLang="en-US" sz="3100" b="1" dirty="0"/>
-              <a:t>조지훈</a:t>
-            </a:r>
-            <a:r>
-              <a:rPr lang="en-US" altLang="ko-KR" sz="3100" b="1" dirty="0"/>
+              <a:rPr lang="en-US" altLang="ko-KR" b="1" dirty="0" smtClean="0"/>
+              <a:t>4. </a:t>
+            </a:r>
+            <a:r>
+              <a:rPr lang="ko-KR" altLang="en-US" b="1" dirty="0" smtClean="0"/>
+              <a:t>개발 상황</a:t>
+            </a:r>
+            <a:r>
+              <a:rPr lang="en-US" altLang="ko-KR" sz="3100" b="1" dirty="0" smtClean="0"/>
               <a:t> </a:t>
             </a:r>
             <a:r>
@@ -7558,33 +8482,877 @@
       </p:sp>
       <p:sp>
         <p:nvSpPr>
-          <p:cNvPr id="3" name="내용 개체 틀 2"/>
+          <p:cNvPr id="5" name="Slide Number Placeholder 4"/>
           <p:cNvSpPr>
             <a:spLocks noGrp="1"/>
           </p:cNvSpPr>
           <p:nvPr>
-            <p:ph idx="1"/>
-          </p:nvPr>
-        </p:nvSpPr>
-        <p:spPr>
+            <p:ph type="sldNum" sz="quarter" idx="12"/>
+          </p:nvPr>
+        </p:nvSpPr>
+        <p:spPr/>
+        <p:txBody>
+          <a:bodyPr/>
+          <a:lstStyle/>
+          <a:p>
+            <a:fld id="{FBFC020C-1606-4BED-91BA-A6230104B3B1}" type="slidenum">
+              <a:rPr lang="ko-KR" altLang="en-US" smtClean="0"/>
+              <a:t>7</a:t>
+            </a:fld>
+            <a:endParaRPr lang="ko-KR" altLang="en-US"/>
+          </a:p>
+        </p:txBody>
+      </p:sp>
+      <p:grpSp>
+        <p:nvGrpSpPr>
+          <p:cNvPr id="12" name="Group 11"/>
+          <p:cNvGrpSpPr/>
+          <p:nvPr/>
+        </p:nvGrpSpPr>
+        <p:grpSpPr>
           <a:xfrm>
-            <a:off x="838200" y="1825624"/>
-            <a:ext cx="10366829" cy="4865462"/>
+            <a:off x="380996" y="1834385"/>
+            <a:ext cx="2743201" cy="3994914"/>
+            <a:chOff x="865413" y="1951264"/>
+            <a:chExt cx="2743201" cy="3994914"/>
           </a:xfrm>
-        </p:spPr>
-        <p:txBody>
-          <a:bodyPr>
-            <a:normAutofit/>
-          </a:bodyPr>
-          <a:lstStyle/>
-          <a:p>
-            <a:pPr marL="0" indent="0">
-              <a:buNone/>
-            </a:pPr>
-            <a:endParaRPr lang="ko-KR" altLang="en-US" dirty="0"/>
-          </a:p>
-        </p:txBody>
-      </p:sp>
+        </p:grpSpPr>
+        <p:sp>
+          <p:nvSpPr>
+            <p:cNvPr id="6" name="Rectangle 5"/>
+            <p:cNvSpPr/>
+            <p:nvPr/>
+          </p:nvSpPr>
+          <p:spPr>
+            <a:xfrm>
+              <a:off x="865413" y="2354891"/>
+              <a:ext cx="2743201" cy="3591287"/>
+            </a:xfrm>
+            <a:prstGeom prst="rect">
+              <a:avLst/>
+            </a:prstGeom>
+            <a:ln/>
+          </p:spPr>
+          <p:style>
+            <a:lnRef idx="2">
+              <a:schemeClr val="dk1"/>
+            </a:lnRef>
+            <a:fillRef idx="1">
+              <a:schemeClr val="lt1"/>
+            </a:fillRef>
+            <a:effectRef idx="0">
+              <a:schemeClr val="dk1"/>
+            </a:effectRef>
+            <a:fontRef idx="minor">
+              <a:schemeClr val="dk1"/>
+            </a:fontRef>
+          </p:style>
+          <p:txBody>
+            <a:bodyPr rtlCol="0" anchor="ctr"/>
+            <a:lstStyle/>
+            <a:p>
+              <a:pPr marL="285750" indent="-285750">
+                <a:buFont typeface="Arial" pitchFamily="34" charset="0"/>
+                <a:buChar char="•"/>
+              </a:pPr>
+              <a:r>
+                <a:rPr lang="ko-KR" altLang="en-US" b="1" dirty="0" smtClean="0">
+                  <a:solidFill>
+                    <a:schemeClr val="tx1"/>
+                  </a:solidFill>
+                </a:rPr>
+                <a:t>메인 시스템 기획</a:t>
+              </a:r>
+              <a:endParaRPr lang="en-US" altLang="ko-KR" b="1" dirty="0" smtClean="0">
+                <a:solidFill>
+                  <a:schemeClr val="tx1"/>
+                </a:solidFill>
+              </a:endParaRPr>
+            </a:p>
+            <a:p>
+              <a:pPr marL="285750" indent="-285750">
+                <a:buFont typeface="Arial" pitchFamily="34" charset="0"/>
+                <a:buChar char="•"/>
+              </a:pPr>
+              <a:r>
+                <a:rPr lang="ko-KR" altLang="en-US" b="1" dirty="0" smtClean="0">
+                  <a:solidFill>
+                    <a:schemeClr val="tx1"/>
+                  </a:solidFill>
+                </a:rPr>
+                <a:t>캐릭터</a:t>
+              </a:r>
+              <a:r>
+                <a:rPr lang="en-US" altLang="ko-KR" b="1" dirty="0" smtClean="0">
+                  <a:solidFill>
+                    <a:schemeClr val="tx1"/>
+                  </a:solidFill>
+                </a:rPr>
+                <a:t>/</a:t>
+              </a:r>
+              <a:r>
+                <a:rPr lang="ko-KR" altLang="en-US" b="1" dirty="0" smtClean="0">
+                  <a:solidFill>
+                    <a:schemeClr val="tx1"/>
+                  </a:solidFill>
+                </a:rPr>
+                <a:t>스킬 기획</a:t>
+              </a:r>
+              <a:endParaRPr lang="en-US" altLang="ko-KR" b="1" dirty="0" smtClean="0">
+                <a:solidFill>
+                  <a:schemeClr val="tx1"/>
+                </a:solidFill>
+              </a:endParaRPr>
+            </a:p>
+            <a:p>
+              <a:pPr marL="285750" indent="-285750">
+                <a:buFont typeface="Arial" pitchFamily="34" charset="0"/>
+                <a:buChar char="•"/>
+              </a:pPr>
+              <a:r>
+                <a:rPr lang="ko-KR" altLang="en-US" b="1" dirty="0" smtClean="0">
+                  <a:solidFill>
+                    <a:schemeClr val="tx1"/>
+                  </a:solidFill>
+                </a:rPr>
+                <a:t>스토리 기획</a:t>
+              </a:r>
+              <a:endParaRPr lang="en-US" altLang="ko-KR" b="1" dirty="0" smtClean="0">
+                <a:solidFill>
+                  <a:schemeClr val="tx1"/>
+                </a:solidFill>
+              </a:endParaRPr>
+            </a:p>
+            <a:p>
+              <a:pPr marL="285750" indent="-285750">
+                <a:buFont typeface="Arial" pitchFamily="34" charset="0"/>
+                <a:buChar char="•"/>
+              </a:pPr>
+              <a:r>
+                <a:rPr lang="ko-KR" altLang="en-US" b="1" dirty="0" smtClean="0">
+                  <a:solidFill>
+                    <a:schemeClr val="tx1"/>
+                  </a:solidFill>
+                </a:rPr>
+                <a:t>챕터</a:t>
+              </a:r>
+              <a:r>
+                <a:rPr lang="en-US" altLang="ko-KR" b="1" dirty="0" smtClean="0">
+                  <a:solidFill>
+                    <a:schemeClr val="tx1"/>
+                  </a:solidFill>
+                </a:rPr>
+                <a:t>/</a:t>
+              </a:r>
+              <a:r>
+                <a:rPr lang="ko-KR" altLang="en-US" b="1" dirty="0" smtClean="0">
+                  <a:solidFill>
+                    <a:schemeClr val="tx1"/>
+                  </a:solidFill>
+                </a:rPr>
+                <a:t>스테이지 기획</a:t>
+              </a:r>
+              <a:endParaRPr lang="en-US" altLang="ko-KR" b="1" dirty="0" smtClean="0">
+                <a:solidFill>
+                  <a:schemeClr val="tx1"/>
+                </a:solidFill>
+              </a:endParaRPr>
+            </a:p>
+            <a:p>
+              <a:pPr marL="285750" indent="-285750">
+                <a:buFont typeface="Arial" pitchFamily="34" charset="0"/>
+                <a:buChar char="•"/>
+              </a:pPr>
+              <a:r>
+                <a:rPr lang="en-US" altLang="ko-KR" b="1" dirty="0" smtClean="0">
+                  <a:solidFill>
+                    <a:schemeClr val="tx1"/>
+                  </a:solidFill>
+                </a:rPr>
+                <a:t>UX / UI </a:t>
+              </a:r>
+              <a:r>
+                <a:rPr lang="ko-KR" altLang="en-US" b="1" dirty="0" smtClean="0">
+                  <a:solidFill>
+                    <a:schemeClr val="tx1"/>
+                  </a:solidFill>
+                </a:rPr>
+                <a:t>기획</a:t>
+              </a:r>
+              <a:endParaRPr lang="en-US" altLang="ko-KR" b="1" dirty="0" smtClean="0">
+                <a:solidFill>
+                  <a:schemeClr val="tx1"/>
+                </a:solidFill>
+              </a:endParaRPr>
+            </a:p>
+            <a:p>
+              <a:pPr marL="285750" indent="-285750">
+                <a:buFont typeface="Arial" pitchFamily="34" charset="0"/>
+                <a:buChar char="•"/>
+              </a:pPr>
+              <a:endParaRPr lang="en-US" altLang="ko-KR" dirty="0" smtClean="0"/>
+            </a:p>
+            <a:p>
+              <a:pPr marL="285750" indent="-285750">
+                <a:buFont typeface="Arial" pitchFamily="34" charset="0"/>
+                <a:buChar char="•"/>
+              </a:pPr>
+              <a:endParaRPr lang="ko-KR" altLang="en-US" dirty="0"/>
+            </a:p>
+          </p:txBody>
+        </p:sp>
+        <p:sp>
+          <p:nvSpPr>
+            <p:cNvPr id="11" name="Rounded Rectangle 10"/>
+            <p:cNvSpPr/>
+            <p:nvPr/>
+          </p:nvSpPr>
+          <p:spPr>
+            <a:xfrm>
+              <a:off x="865413" y="1951264"/>
+              <a:ext cx="2743201" cy="403628"/>
+            </a:xfrm>
+            <a:prstGeom prst="roundRect">
+              <a:avLst/>
+            </a:prstGeom>
+            <a:solidFill>
+              <a:schemeClr val="accent1"/>
+            </a:solidFill>
+            <a:ln>
+              <a:solidFill>
+                <a:schemeClr val="tx1"/>
+              </a:solidFill>
+            </a:ln>
+          </p:spPr>
+          <p:style>
+            <a:lnRef idx="2">
+              <a:schemeClr val="accent1">
+                <a:shade val="50000"/>
+              </a:schemeClr>
+            </a:lnRef>
+            <a:fillRef idx="1">
+              <a:schemeClr val="accent1"/>
+            </a:fillRef>
+            <a:effectRef idx="0">
+              <a:schemeClr val="accent1"/>
+            </a:effectRef>
+            <a:fontRef idx="minor">
+              <a:schemeClr val="lt1"/>
+            </a:fontRef>
+          </p:style>
+          <p:txBody>
+            <a:bodyPr rtlCol="0" anchor="ctr"/>
+            <a:lstStyle/>
+            <a:p>
+              <a:pPr algn="ctr"/>
+              <a:r>
+                <a:rPr lang="ko-KR" altLang="en-US" dirty="0" smtClean="0">
+                  <a:solidFill>
+                    <a:schemeClr val="tx1"/>
+                  </a:solidFill>
+                </a:rPr>
+                <a:t>기획</a:t>
+              </a:r>
+              <a:r>
+                <a:rPr lang="en-US" altLang="ko-KR" dirty="0">
+                  <a:solidFill>
+                    <a:schemeClr val="tx1"/>
+                  </a:solidFill>
+                </a:rPr>
+                <a:t> </a:t>
+              </a:r>
+              <a:r>
+                <a:rPr lang="en-US" altLang="ko-KR" dirty="0" smtClean="0">
+                  <a:solidFill>
+                    <a:schemeClr val="tx1"/>
+                  </a:solidFill>
+                </a:rPr>
+                <a:t>- </a:t>
+              </a:r>
+              <a:r>
+                <a:rPr lang="ko-KR" altLang="en-US" dirty="0" smtClean="0">
+                  <a:solidFill>
+                    <a:schemeClr val="tx1"/>
+                  </a:solidFill>
+                </a:rPr>
+                <a:t>최영민</a:t>
+              </a:r>
+              <a:endParaRPr lang="ko-KR" altLang="en-US" dirty="0">
+                <a:solidFill>
+                  <a:schemeClr val="tx1"/>
+                </a:solidFill>
+              </a:endParaRPr>
+            </a:p>
+          </p:txBody>
+        </p:sp>
+      </p:grpSp>
+      <p:grpSp>
+        <p:nvGrpSpPr>
+          <p:cNvPr id="25" name="Group 24"/>
+          <p:cNvGrpSpPr/>
+          <p:nvPr/>
+        </p:nvGrpSpPr>
+        <p:grpSpPr>
+          <a:xfrm>
+            <a:off x="3294740" y="1834385"/>
+            <a:ext cx="2743201" cy="3994914"/>
+            <a:chOff x="865413" y="1951264"/>
+            <a:chExt cx="2743201" cy="3994914"/>
+          </a:xfrm>
+        </p:grpSpPr>
+        <p:sp>
+          <p:nvSpPr>
+            <p:cNvPr id="26" name="Rectangle 25"/>
+            <p:cNvSpPr/>
+            <p:nvPr/>
+          </p:nvSpPr>
+          <p:spPr>
+            <a:xfrm>
+              <a:off x="865413" y="2354891"/>
+              <a:ext cx="2743201" cy="3591287"/>
+            </a:xfrm>
+            <a:prstGeom prst="rect">
+              <a:avLst/>
+            </a:prstGeom>
+            <a:solidFill>
+              <a:schemeClr val="bg1"/>
+            </a:solidFill>
+            <a:ln>
+              <a:solidFill>
+                <a:schemeClr val="tx1"/>
+              </a:solidFill>
+            </a:ln>
+          </p:spPr>
+          <p:style>
+            <a:lnRef idx="2">
+              <a:schemeClr val="accent1">
+                <a:shade val="50000"/>
+              </a:schemeClr>
+            </a:lnRef>
+            <a:fillRef idx="1">
+              <a:schemeClr val="accent1"/>
+            </a:fillRef>
+            <a:effectRef idx="0">
+              <a:schemeClr val="accent1"/>
+            </a:effectRef>
+            <a:fontRef idx="minor">
+              <a:schemeClr val="lt1"/>
+            </a:fontRef>
+          </p:style>
+          <p:txBody>
+            <a:bodyPr rtlCol="0" anchor="ctr"/>
+            <a:lstStyle/>
+            <a:p>
+              <a:pPr marL="285750" indent="-285750">
+                <a:buFont typeface="Arial" pitchFamily="34" charset="0"/>
+                <a:buChar char="•"/>
+              </a:pPr>
+              <a:r>
+                <a:rPr lang="ko-KR" altLang="en-US" b="1" dirty="0">
+                  <a:solidFill>
+                    <a:schemeClr val="tx1"/>
+                  </a:solidFill>
+                </a:rPr>
+                <a:t>캐릭터 </a:t>
+              </a:r>
+              <a:r>
+                <a:rPr lang="ko-KR" altLang="en-US" b="1" dirty="0" smtClean="0">
+                  <a:solidFill>
+                    <a:schemeClr val="tx1"/>
+                  </a:solidFill>
+                </a:rPr>
+                <a:t>모델링</a:t>
+              </a:r>
+              <a:endParaRPr lang="en-US" altLang="ko-KR" b="1" dirty="0">
+                <a:solidFill>
+                  <a:schemeClr val="tx1"/>
+                </a:solidFill>
+              </a:endParaRPr>
+            </a:p>
+            <a:p>
+              <a:pPr marL="285750" indent="-285750">
+                <a:buFont typeface="Arial" pitchFamily="34" charset="0"/>
+                <a:buChar char="•"/>
+              </a:pPr>
+              <a:r>
+                <a:rPr lang="ko-KR" altLang="en-US" b="1" dirty="0">
+                  <a:solidFill>
+                    <a:schemeClr val="tx1"/>
+                  </a:solidFill>
+                </a:rPr>
+                <a:t>타일 </a:t>
+              </a:r>
+              <a:r>
+                <a:rPr lang="ko-KR" altLang="en-US" b="1" dirty="0" smtClean="0">
+                  <a:solidFill>
+                    <a:schemeClr val="tx1"/>
+                  </a:solidFill>
+                </a:rPr>
+                <a:t>모델링</a:t>
+              </a:r>
+              <a:endParaRPr lang="en-US" altLang="ko-KR" b="1" dirty="0">
+                <a:solidFill>
+                  <a:schemeClr val="tx1"/>
+                </a:solidFill>
+              </a:endParaRPr>
+            </a:p>
+            <a:p>
+              <a:pPr marL="285750" indent="-285750">
+                <a:buFont typeface="Arial" pitchFamily="34" charset="0"/>
+                <a:buChar char="•"/>
+              </a:pPr>
+              <a:r>
+                <a:rPr lang="ko-KR" altLang="en-US" b="1" dirty="0" smtClean="0">
+                  <a:solidFill>
+                    <a:schemeClr val="tx1"/>
+                  </a:solidFill>
+                </a:rPr>
+                <a:t>조경물 모델링</a:t>
+              </a:r>
+              <a:endParaRPr lang="en-US" altLang="ko-KR" b="1" dirty="0" smtClean="0">
+                <a:solidFill>
+                  <a:schemeClr val="tx1"/>
+                </a:solidFill>
+              </a:endParaRPr>
+            </a:p>
+            <a:p>
+              <a:pPr marL="285750" indent="-285750">
+                <a:buFont typeface="Arial" pitchFamily="34" charset="0"/>
+                <a:buChar char="•"/>
+              </a:pPr>
+              <a:r>
+                <a:rPr lang="en-US" altLang="ko-KR" b="1" dirty="0" smtClean="0">
+                  <a:solidFill>
+                    <a:schemeClr val="tx1"/>
+                  </a:solidFill>
+                </a:rPr>
+                <a:t>UI </a:t>
+              </a:r>
+              <a:r>
+                <a:rPr lang="ko-KR" altLang="en-US" b="1" dirty="0" smtClean="0">
+                  <a:solidFill>
+                    <a:schemeClr val="tx1"/>
+                  </a:solidFill>
+                </a:rPr>
+                <a:t>제작</a:t>
+              </a:r>
+              <a:endParaRPr lang="en-US" altLang="ko-KR" b="1" dirty="0">
+                <a:solidFill>
+                  <a:schemeClr val="tx1"/>
+                </a:solidFill>
+              </a:endParaRPr>
+            </a:p>
+            <a:p>
+              <a:pPr marL="285750" indent="-285750">
+                <a:buFont typeface="Arial" pitchFamily="34" charset="0"/>
+                <a:buChar char="•"/>
+              </a:pPr>
+              <a:endParaRPr lang="ko-KR" altLang="en-US" dirty="0"/>
+            </a:p>
+          </p:txBody>
+        </p:sp>
+        <p:sp>
+          <p:nvSpPr>
+            <p:cNvPr id="27" name="Rounded Rectangle 26"/>
+            <p:cNvSpPr/>
+            <p:nvPr/>
+          </p:nvSpPr>
+          <p:spPr>
+            <a:xfrm>
+              <a:off x="865413" y="1951264"/>
+              <a:ext cx="2743201" cy="403628"/>
+            </a:xfrm>
+            <a:prstGeom prst="roundRect">
+              <a:avLst/>
+            </a:prstGeom>
+            <a:solidFill>
+              <a:schemeClr val="accent2"/>
+            </a:solidFill>
+            <a:ln>
+              <a:solidFill>
+                <a:schemeClr val="tx1"/>
+              </a:solidFill>
+            </a:ln>
+          </p:spPr>
+          <p:style>
+            <a:lnRef idx="2">
+              <a:schemeClr val="accent1">
+                <a:shade val="50000"/>
+              </a:schemeClr>
+            </a:lnRef>
+            <a:fillRef idx="1">
+              <a:schemeClr val="accent1"/>
+            </a:fillRef>
+            <a:effectRef idx="0">
+              <a:schemeClr val="accent1"/>
+            </a:effectRef>
+            <a:fontRef idx="minor">
+              <a:schemeClr val="lt1"/>
+            </a:fontRef>
+          </p:style>
+          <p:txBody>
+            <a:bodyPr rtlCol="0" anchor="ctr"/>
+            <a:lstStyle/>
+            <a:p>
+              <a:pPr algn="ctr"/>
+              <a:r>
+                <a:rPr lang="ko-KR" altLang="en-US" dirty="0" smtClean="0">
+                  <a:solidFill>
+                    <a:schemeClr val="tx1"/>
+                  </a:solidFill>
+                </a:rPr>
+                <a:t>그래픽 </a:t>
+              </a:r>
+              <a:r>
+                <a:rPr lang="en-US" altLang="ko-KR" dirty="0" smtClean="0">
+                  <a:solidFill>
+                    <a:schemeClr val="tx1"/>
+                  </a:solidFill>
+                </a:rPr>
+                <a:t>- </a:t>
+              </a:r>
+              <a:r>
+                <a:rPr lang="ko-KR" altLang="en-US" dirty="0" smtClean="0">
+                  <a:solidFill>
+                    <a:schemeClr val="tx1"/>
+                  </a:solidFill>
+                </a:rPr>
+                <a:t>최영민</a:t>
+              </a:r>
+              <a:endParaRPr lang="ko-KR" altLang="en-US" dirty="0">
+                <a:solidFill>
+                  <a:schemeClr val="tx1"/>
+                </a:solidFill>
+              </a:endParaRPr>
+            </a:p>
+          </p:txBody>
+        </p:sp>
+      </p:grpSp>
+      <p:grpSp>
+        <p:nvGrpSpPr>
+          <p:cNvPr id="28" name="Group 27"/>
+          <p:cNvGrpSpPr/>
+          <p:nvPr/>
+        </p:nvGrpSpPr>
+        <p:grpSpPr>
+          <a:xfrm>
+            <a:off x="6208484" y="1834385"/>
+            <a:ext cx="2743201" cy="3994914"/>
+            <a:chOff x="865413" y="1951264"/>
+            <a:chExt cx="2743201" cy="3994914"/>
+          </a:xfrm>
+        </p:grpSpPr>
+        <p:sp>
+          <p:nvSpPr>
+            <p:cNvPr id="29" name="Rectangle 28"/>
+            <p:cNvSpPr/>
+            <p:nvPr/>
+          </p:nvSpPr>
+          <p:spPr>
+            <a:xfrm>
+              <a:off x="865413" y="2354891"/>
+              <a:ext cx="2743201" cy="3591287"/>
+            </a:xfrm>
+            <a:prstGeom prst="rect">
+              <a:avLst/>
+            </a:prstGeom>
+            <a:solidFill>
+              <a:schemeClr val="bg2">
+                <a:lumMod val="90000"/>
+              </a:schemeClr>
+            </a:solidFill>
+            <a:ln>
+              <a:solidFill>
+                <a:schemeClr val="tx1"/>
+              </a:solidFill>
+            </a:ln>
+          </p:spPr>
+          <p:style>
+            <a:lnRef idx="2">
+              <a:schemeClr val="accent1">
+                <a:shade val="50000"/>
+              </a:schemeClr>
+            </a:lnRef>
+            <a:fillRef idx="1">
+              <a:schemeClr val="accent1"/>
+            </a:fillRef>
+            <a:effectRef idx="0">
+              <a:schemeClr val="accent1"/>
+            </a:effectRef>
+            <a:fontRef idx="minor">
+              <a:schemeClr val="lt1"/>
+            </a:fontRef>
+          </p:style>
+          <p:txBody>
+            <a:bodyPr rtlCol="0" anchor="ctr"/>
+            <a:lstStyle/>
+            <a:p>
+              <a:pPr marL="285750" indent="-285750">
+                <a:buFont typeface="Arial" pitchFamily="34" charset="0"/>
+                <a:buChar char="•"/>
+              </a:pPr>
+              <a:endParaRPr lang="ko-KR" altLang="en-US" dirty="0"/>
+            </a:p>
+          </p:txBody>
+        </p:sp>
+        <p:sp>
+          <p:nvSpPr>
+            <p:cNvPr id="30" name="Rounded Rectangle 29"/>
+            <p:cNvSpPr/>
+            <p:nvPr/>
+          </p:nvSpPr>
+          <p:spPr>
+            <a:xfrm>
+              <a:off x="865413" y="1951264"/>
+              <a:ext cx="2743201" cy="403628"/>
+            </a:xfrm>
+            <a:prstGeom prst="roundRect">
+              <a:avLst/>
+            </a:prstGeom>
+            <a:solidFill>
+              <a:schemeClr val="accent4"/>
+            </a:solidFill>
+            <a:ln>
+              <a:solidFill>
+                <a:schemeClr val="tx1"/>
+              </a:solidFill>
+            </a:ln>
+          </p:spPr>
+          <p:style>
+            <a:lnRef idx="2">
+              <a:schemeClr val="accent1">
+                <a:shade val="50000"/>
+              </a:schemeClr>
+            </a:lnRef>
+            <a:fillRef idx="1">
+              <a:schemeClr val="accent1"/>
+            </a:fillRef>
+            <a:effectRef idx="0">
+              <a:schemeClr val="accent1"/>
+            </a:effectRef>
+            <a:fontRef idx="minor">
+              <a:schemeClr val="lt1"/>
+            </a:fontRef>
+          </p:style>
+          <p:txBody>
+            <a:bodyPr rtlCol="0" anchor="ctr"/>
+            <a:lstStyle/>
+            <a:p>
+              <a:pPr algn="ctr"/>
+              <a:r>
+                <a:rPr lang="ko-KR" altLang="en-US" dirty="0" smtClean="0">
+                  <a:solidFill>
+                    <a:schemeClr val="tx1"/>
+                  </a:solidFill>
+                </a:rPr>
+                <a:t>클라이언트 </a:t>
+              </a:r>
+              <a:r>
+                <a:rPr lang="en-US" altLang="ko-KR" dirty="0" smtClean="0">
+                  <a:solidFill>
+                    <a:schemeClr val="tx1"/>
+                  </a:solidFill>
+                </a:rPr>
+                <a:t>- </a:t>
+              </a:r>
+              <a:r>
+                <a:rPr lang="ko-KR" altLang="en-US" dirty="0" smtClean="0">
+                  <a:solidFill>
+                    <a:schemeClr val="tx1"/>
+                  </a:solidFill>
+                </a:rPr>
+                <a:t>조지훈</a:t>
+              </a:r>
+              <a:endParaRPr lang="ko-KR" altLang="en-US" dirty="0">
+                <a:solidFill>
+                  <a:schemeClr val="tx1"/>
+                </a:solidFill>
+              </a:endParaRPr>
+            </a:p>
+          </p:txBody>
+        </p:sp>
+      </p:grpSp>
+      <p:grpSp>
+        <p:nvGrpSpPr>
+          <p:cNvPr id="31" name="Group 30"/>
+          <p:cNvGrpSpPr/>
+          <p:nvPr/>
+        </p:nvGrpSpPr>
+        <p:grpSpPr>
+          <a:xfrm>
+            <a:off x="9122227" y="1834385"/>
+            <a:ext cx="2743201" cy="3994914"/>
+            <a:chOff x="865413" y="1951264"/>
+            <a:chExt cx="2743201" cy="3994914"/>
+          </a:xfrm>
+        </p:grpSpPr>
+        <p:sp>
+          <p:nvSpPr>
+            <p:cNvPr id="32" name="Rectangle 31"/>
+            <p:cNvSpPr/>
+            <p:nvPr/>
+          </p:nvSpPr>
+          <p:spPr>
+            <a:xfrm>
+              <a:off x="865413" y="2354891"/>
+              <a:ext cx="2743201" cy="3591287"/>
+            </a:xfrm>
+            <a:prstGeom prst="rect">
+              <a:avLst/>
+            </a:prstGeom>
+            <a:solidFill>
+              <a:schemeClr val="bg1"/>
+            </a:solidFill>
+            <a:ln>
+              <a:solidFill>
+                <a:schemeClr val="tx1"/>
+              </a:solidFill>
+            </a:ln>
+          </p:spPr>
+          <p:style>
+            <a:lnRef idx="2">
+              <a:schemeClr val="accent1">
+                <a:shade val="50000"/>
+              </a:schemeClr>
+            </a:lnRef>
+            <a:fillRef idx="1">
+              <a:schemeClr val="accent1"/>
+            </a:fillRef>
+            <a:effectRef idx="0">
+              <a:schemeClr val="accent1"/>
+            </a:effectRef>
+            <a:fontRef idx="minor">
+              <a:schemeClr val="lt1"/>
+            </a:fontRef>
+          </p:style>
+          <p:txBody>
+            <a:bodyPr rtlCol="0" anchor="ctr"/>
+            <a:lstStyle/>
+            <a:p>
+              <a:pPr marL="285750" indent="-285750">
+                <a:buFont typeface="Arial" pitchFamily="34" charset="0"/>
+                <a:buChar char="•"/>
+              </a:pPr>
+              <a:r>
+                <a:rPr lang="en-US" altLang="ko-KR" b="1" dirty="0">
+                  <a:solidFill>
+                    <a:schemeClr val="tx1"/>
+                  </a:solidFill>
+                </a:rPr>
+                <a:t>DB </a:t>
+              </a:r>
+              <a:r>
+                <a:rPr lang="ko-KR" altLang="en-US" b="1" dirty="0">
+                  <a:solidFill>
+                    <a:schemeClr val="tx1"/>
+                  </a:solidFill>
+                </a:rPr>
+                <a:t>설계 및 구현 </a:t>
+              </a:r>
+              <a:endParaRPr lang="en-US" altLang="ko-KR" b="1" dirty="0">
+                <a:solidFill>
+                  <a:schemeClr val="tx1"/>
+                </a:solidFill>
+              </a:endParaRPr>
+            </a:p>
+            <a:p>
+              <a:pPr marL="285750" indent="-285750">
+                <a:buFont typeface="Arial" pitchFamily="34" charset="0"/>
+                <a:buChar char="•"/>
+              </a:pPr>
+              <a:r>
+                <a:rPr lang="ko-KR" altLang="en-US" b="1" dirty="0" smtClean="0">
+                  <a:solidFill>
+                    <a:schemeClr val="tx1"/>
+                  </a:solidFill>
+                </a:rPr>
+                <a:t>웹서버 구현</a:t>
+              </a:r>
+              <a:endParaRPr lang="ko-KR" altLang="en-US" b="1" dirty="0">
+                <a:solidFill>
+                  <a:schemeClr val="tx1"/>
+                </a:solidFill>
+              </a:endParaRPr>
+            </a:p>
+          </p:txBody>
+        </p:sp>
+        <p:sp>
+          <p:nvSpPr>
+            <p:cNvPr id="33" name="Rounded Rectangle 32"/>
+            <p:cNvSpPr/>
+            <p:nvPr/>
+          </p:nvSpPr>
+          <p:spPr>
+            <a:xfrm>
+              <a:off x="865413" y="1951264"/>
+              <a:ext cx="2743201" cy="403628"/>
+            </a:xfrm>
+            <a:prstGeom prst="roundRect">
+              <a:avLst/>
+            </a:prstGeom>
+            <a:solidFill>
+              <a:schemeClr val="accent6"/>
+            </a:solidFill>
+            <a:ln>
+              <a:solidFill>
+                <a:schemeClr val="tx1"/>
+              </a:solidFill>
+            </a:ln>
+          </p:spPr>
+          <p:style>
+            <a:lnRef idx="2">
+              <a:schemeClr val="accent1">
+                <a:shade val="50000"/>
+              </a:schemeClr>
+            </a:lnRef>
+            <a:fillRef idx="1">
+              <a:schemeClr val="accent1"/>
+            </a:fillRef>
+            <a:effectRef idx="0">
+              <a:schemeClr val="accent1"/>
+            </a:effectRef>
+            <a:fontRef idx="minor">
+              <a:schemeClr val="lt1"/>
+            </a:fontRef>
+          </p:style>
+          <p:txBody>
+            <a:bodyPr rtlCol="0" anchor="ctr"/>
+            <a:lstStyle/>
+            <a:p>
+              <a:pPr algn="ctr"/>
+              <a:r>
+                <a:rPr lang="ko-KR" altLang="en-US" dirty="0" smtClean="0">
+                  <a:solidFill>
+                    <a:schemeClr val="tx1"/>
+                  </a:solidFill>
+                </a:rPr>
+                <a:t>서버 </a:t>
+              </a:r>
+              <a:r>
+                <a:rPr lang="en-US" altLang="ko-KR" dirty="0" smtClean="0">
+                  <a:solidFill>
+                    <a:schemeClr val="tx1"/>
+                  </a:solidFill>
+                </a:rPr>
+                <a:t>- </a:t>
+              </a:r>
+              <a:r>
+                <a:rPr lang="ko-KR" altLang="en-US" dirty="0" smtClean="0">
+                  <a:solidFill>
+                    <a:schemeClr val="tx1"/>
+                  </a:solidFill>
+                </a:rPr>
+                <a:t>이진수</a:t>
+              </a:r>
+              <a:endParaRPr lang="ko-KR" altLang="en-US" dirty="0">
+                <a:solidFill>
+                  <a:schemeClr val="tx1"/>
+                </a:solidFill>
+              </a:endParaRPr>
+            </a:p>
+          </p:txBody>
+        </p:sp>
+      </p:grpSp>
     </p:spTree>
     <p:extLst>
       <p:ext uri="{BB962C8B-B14F-4D97-AF65-F5344CB8AC3E}">
@@ -7647,20 +9415,12 @@
               <a:rPr lang="en-US" altLang="ko-KR" b="1" dirty="0"/>
             </a:br>
             <a:r>
-              <a:rPr lang="en-US" altLang="ko-KR" b="1" dirty="0"/>
-              <a:t>4-1. </a:t>
-            </a:r>
-            <a:r>
-              <a:rPr lang="ko-KR" altLang="en-US" b="1" dirty="0"/>
-              <a:t>클라이언트 개발 미흡점 </a:t>
-            </a:r>
-            <a:r>
-              <a:rPr lang="en-US" altLang="ko-KR" b="1" dirty="0"/>
-              <a:t>– </a:t>
-            </a:r>
-            <a:r>
-              <a:rPr lang="ko-KR" altLang="en-US" sz="3100" b="1" dirty="0"/>
-              <a:t>조지훈</a:t>
+              <a:rPr lang="en-US" altLang="ko-KR" b="1" dirty="0" smtClean="0"/>
+              <a:t>4. </a:t>
+            </a:r>
+            <a:r>
+              <a:rPr lang="ko-KR" altLang="en-US" b="1" dirty="0" smtClean="0"/>
+              <a:t>개발 미흡점</a:t>
             </a:r>
             <a:r>
               <a:rPr lang="en-US" altLang="ko-KR" b="1" dirty="0"/>
@@ -7675,33 +9435,832 @@
       </p:sp>
       <p:sp>
         <p:nvSpPr>
-          <p:cNvPr id="3" name="내용 개체 틀 2"/>
+          <p:cNvPr id="5" name="Slide Number Placeholder 4"/>
           <p:cNvSpPr>
             <a:spLocks noGrp="1"/>
           </p:cNvSpPr>
           <p:nvPr>
-            <p:ph idx="1"/>
-          </p:nvPr>
-        </p:nvSpPr>
-        <p:spPr>
+            <p:ph type="sldNum" sz="quarter" idx="12"/>
+          </p:nvPr>
+        </p:nvSpPr>
+        <p:spPr/>
+        <p:txBody>
+          <a:bodyPr/>
+          <a:lstStyle/>
+          <a:p>
+            <a:fld id="{FBFC020C-1606-4BED-91BA-A6230104B3B1}" type="slidenum">
+              <a:rPr lang="ko-KR" altLang="en-US" smtClean="0"/>
+              <a:t>8</a:t>
+            </a:fld>
+            <a:endParaRPr lang="ko-KR" altLang="en-US"/>
+          </a:p>
+        </p:txBody>
+      </p:sp>
+      <p:grpSp>
+        <p:nvGrpSpPr>
+          <p:cNvPr id="18" name="Group 17"/>
+          <p:cNvGrpSpPr/>
+          <p:nvPr/>
+        </p:nvGrpSpPr>
+        <p:grpSpPr>
           <a:xfrm>
-            <a:off x="838200" y="1825624"/>
-            <a:ext cx="10366829" cy="4865462"/>
+            <a:off x="380996" y="1834385"/>
+            <a:ext cx="2743201" cy="3994914"/>
+            <a:chOff x="865413" y="1951264"/>
+            <a:chExt cx="2743201" cy="3994914"/>
           </a:xfrm>
-        </p:spPr>
-        <p:txBody>
-          <a:bodyPr>
-            <a:normAutofit/>
-          </a:bodyPr>
-          <a:lstStyle/>
-          <a:p>
-            <a:pPr marL="0" indent="0">
-              <a:buNone/>
-            </a:pPr>
-            <a:endParaRPr lang="ko-KR" altLang="en-US" dirty="0"/>
-          </a:p>
-        </p:txBody>
-      </p:sp>
+        </p:grpSpPr>
+        <p:sp>
+          <p:nvSpPr>
+            <p:cNvPr id="19" name="Rectangle 18"/>
+            <p:cNvSpPr/>
+            <p:nvPr/>
+          </p:nvSpPr>
+          <p:spPr>
+            <a:xfrm>
+              <a:off x="865413" y="2354891"/>
+              <a:ext cx="2743201" cy="3591287"/>
+            </a:xfrm>
+            <a:prstGeom prst="rect">
+              <a:avLst/>
+            </a:prstGeom>
+            <a:ln/>
+          </p:spPr>
+          <p:style>
+            <a:lnRef idx="2">
+              <a:schemeClr val="dk1"/>
+            </a:lnRef>
+            <a:fillRef idx="1">
+              <a:schemeClr val="lt1"/>
+            </a:fillRef>
+            <a:effectRef idx="0">
+              <a:schemeClr val="dk1"/>
+            </a:effectRef>
+            <a:fontRef idx="minor">
+              <a:schemeClr val="dk1"/>
+            </a:fontRef>
+          </p:style>
+          <p:txBody>
+            <a:bodyPr rtlCol="0" anchor="ctr"/>
+            <a:lstStyle/>
+            <a:p>
+              <a:pPr marL="285750" indent="-285750">
+                <a:buFont typeface="Arial" pitchFamily="34" charset="0"/>
+                <a:buChar char="•"/>
+              </a:pPr>
+              <a:r>
+                <a:rPr lang="ko-KR" altLang="en-US" b="1" dirty="0" smtClean="0"/>
+                <a:t>개별 시스템 기획</a:t>
+              </a:r>
+              <a:endParaRPr lang="en-US" altLang="ko-KR" b="1" dirty="0" smtClean="0"/>
+            </a:p>
+            <a:p>
+              <a:pPr marL="285750" indent="-285750">
+                <a:buFont typeface="Arial" pitchFamily="34" charset="0"/>
+                <a:buChar char="•"/>
+              </a:pPr>
+              <a:r>
+                <a:rPr lang="ko-KR" altLang="en-US" b="1" dirty="0" smtClean="0"/>
+                <a:t>문서의 가독성</a:t>
+              </a:r>
+              <a:endParaRPr lang="en-US" altLang="ko-KR" b="1" dirty="0" smtClean="0"/>
+            </a:p>
+            <a:p>
+              <a:pPr marL="285750" indent="-285750">
+                <a:buFont typeface="Arial" pitchFamily="34" charset="0"/>
+                <a:buChar char="•"/>
+              </a:pPr>
+              <a:r>
+                <a:rPr lang="en-US" altLang="ko-KR" b="1" dirty="0" smtClean="0"/>
+                <a:t>UX/UI </a:t>
+              </a:r>
+              <a:r>
+                <a:rPr lang="ko-KR" altLang="en-US" b="1" dirty="0" smtClean="0"/>
+                <a:t>기획</a:t>
+              </a:r>
+              <a:endParaRPr lang="en-US" altLang="ko-KR" b="1" dirty="0" smtClean="0"/>
+            </a:p>
+            <a:p>
+              <a:pPr marL="285750" indent="-285750">
+                <a:buFont typeface="Arial" pitchFamily="34" charset="0"/>
+                <a:buChar char="•"/>
+              </a:pPr>
+              <a:r>
+                <a:rPr lang="ko-KR" altLang="en-US" b="1" dirty="0" smtClean="0"/>
+                <a:t>사운드</a:t>
+              </a:r>
+              <a:r>
+                <a:rPr lang="en-US" altLang="ko-KR" b="1" dirty="0" smtClean="0"/>
+                <a:t>,</a:t>
+              </a:r>
+              <a:r>
+                <a:rPr lang="ko-KR" altLang="en-US" b="1" dirty="0" smtClean="0"/>
+                <a:t>이펙트</a:t>
+              </a:r>
+              <a:r>
+                <a:rPr lang="en-US" altLang="ko-KR" b="1" dirty="0" smtClean="0"/>
+                <a:t>,</a:t>
+              </a:r>
+              <a:r>
+                <a:rPr lang="ko-KR" altLang="en-US" b="1" dirty="0" smtClean="0"/>
+                <a:t>애니메이션등 디테일 기획</a:t>
+              </a:r>
+              <a:endParaRPr lang="en-US" altLang="ko-KR" b="1" dirty="0"/>
+            </a:p>
+            <a:p>
+              <a:pPr marL="285750" indent="-285750">
+                <a:buFont typeface="Arial" pitchFamily="34" charset="0"/>
+                <a:buChar char="•"/>
+              </a:pPr>
+              <a:endParaRPr lang="ko-KR" altLang="en-US" dirty="0"/>
+            </a:p>
+          </p:txBody>
+        </p:sp>
+        <p:sp>
+          <p:nvSpPr>
+            <p:cNvPr id="20" name="Rounded Rectangle 19"/>
+            <p:cNvSpPr/>
+            <p:nvPr/>
+          </p:nvSpPr>
+          <p:spPr>
+            <a:xfrm>
+              <a:off x="865413" y="1951264"/>
+              <a:ext cx="2743201" cy="403628"/>
+            </a:xfrm>
+            <a:prstGeom prst="roundRect">
+              <a:avLst/>
+            </a:prstGeom>
+            <a:solidFill>
+              <a:schemeClr val="accent1"/>
+            </a:solidFill>
+            <a:ln>
+              <a:solidFill>
+                <a:schemeClr val="tx1"/>
+              </a:solidFill>
+            </a:ln>
+          </p:spPr>
+          <p:style>
+            <a:lnRef idx="2">
+              <a:schemeClr val="accent1">
+                <a:shade val="50000"/>
+              </a:schemeClr>
+            </a:lnRef>
+            <a:fillRef idx="1">
+              <a:schemeClr val="accent1"/>
+            </a:fillRef>
+            <a:effectRef idx="0">
+              <a:schemeClr val="accent1"/>
+            </a:effectRef>
+            <a:fontRef idx="minor">
+              <a:schemeClr val="lt1"/>
+            </a:fontRef>
+          </p:style>
+          <p:txBody>
+            <a:bodyPr rtlCol="0" anchor="ctr"/>
+            <a:lstStyle/>
+            <a:p>
+              <a:pPr algn="ctr"/>
+              <a:r>
+                <a:rPr lang="ko-KR" altLang="en-US" dirty="0" smtClean="0">
+                  <a:solidFill>
+                    <a:schemeClr val="tx1"/>
+                  </a:solidFill>
+                </a:rPr>
+                <a:t>기획</a:t>
+              </a:r>
+              <a:r>
+                <a:rPr lang="en-US" altLang="ko-KR" dirty="0">
+                  <a:solidFill>
+                    <a:schemeClr val="tx1"/>
+                  </a:solidFill>
+                </a:rPr>
+                <a:t> </a:t>
+              </a:r>
+              <a:r>
+                <a:rPr lang="en-US" altLang="ko-KR" dirty="0" smtClean="0">
+                  <a:solidFill>
+                    <a:schemeClr val="tx1"/>
+                  </a:solidFill>
+                </a:rPr>
+                <a:t>- </a:t>
+              </a:r>
+              <a:r>
+                <a:rPr lang="ko-KR" altLang="en-US" dirty="0" smtClean="0">
+                  <a:solidFill>
+                    <a:schemeClr val="tx1"/>
+                  </a:solidFill>
+                </a:rPr>
+                <a:t>최영민</a:t>
+              </a:r>
+              <a:endParaRPr lang="ko-KR" altLang="en-US" dirty="0">
+                <a:solidFill>
+                  <a:schemeClr val="tx1"/>
+                </a:solidFill>
+              </a:endParaRPr>
+            </a:p>
+          </p:txBody>
+        </p:sp>
+      </p:grpSp>
+      <p:grpSp>
+        <p:nvGrpSpPr>
+          <p:cNvPr id="21" name="Group 20"/>
+          <p:cNvGrpSpPr/>
+          <p:nvPr/>
+        </p:nvGrpSpPr>
+        <p:grpSpPr>
+          <a:xfrm>
+            <a:off x="3294740" y="1834385"/>
+            <a:ext cx="2743201" cy="3994914"/>
+            <a:chOff x="865413" y="1951264"/>
+            <a:chExt cx="2743201" cy="3994914"/>
+          </a:xfrm>
+        </p:grpSpPr>
+        <p:sp>
+          <p:nvSpPr>
+            <p:cNvPr id="22" name="Rectangle 21"/>
+            <p:cNvSpPr/>
+            <p:nvPr/>
+          </p:nvSpPr>
+          <p:spPr>
+            <a:xfrm>
+              <a:off x="865413" y="2354891"/>
+              <a:ext cx="2743201" cy="3591287"/>
+            </a:xfrm>
+            <a:prstGeom prst="rect">
+              <a:avLst/>
+            </a:prstGeom>
+            <a:solidFill>
+              <a:schemeClr val="bg1"/>
+            </a:solidFill>
+            <a:ln>
+              <a:solidFill>
+                <a:schemeClr val="tx1"/>
+              </a:solidFill>
+            </a:ln>
+          </p:spPr>
+          <p:style>
+            <a:lnRef idx="2">
+              <a:schemeClr val="accent1">
+                <a:shade val="50000"/>
+              </a:schemeClr>
+            </a:lnRef>
+            <a:fillRef idx="1">
+              <a:schemeClr val="accent1"/>
+            </a:fillRef>
+            <a:effectRef idx="0">
+              <a:schemeClr val="accent1"/>
+            </a:effectRef>
+            <a:fontRef idx="minor">
+              <a:schemeClr val="lt1"/>
+            </a:fontRef>
+          </p:style>
+          <p:txBody>
+            <a:bodyPr rtlCol="0" anchor="ctr"/>
+            <a:lstStyle/>
+            <a:p>
+              <a:pPr marL="285750" indent="-285750">
+                <a:buFont typeface="Arial" pitchFamily="34" charset="0"/>
+                <a:buChar char="•"/>
+              </a:pPr>
+              <a:r>
+                <a:rPr lang="ko-KR" altLang="en-US" b="1" dirty="0" smtClean="0">
+                  <a:solidFill>
+                    <a:schemeClr val="tx1"/>
+                  </a:solidFill>
+                </a:rPr>
+                <a:t>그래픽 저작툴 사용</a:t>
+              </a:r>
+              <a:endParaRPr lang="en-US" altLang="ko-KR" b="1" dirty="0" smtClean="0">
+                <a:solidFill>
+                  <a:schemeClr val="tx1"/>
+                </a:solidFill>
+              </a:endParaRPr>
+            </a:p>
+            <a:p>
+              <a:pPr marL="285750" indent="-285750">
+                <a:buFont typeface="Arial" pitchFamily="34" charset="0"/>
+                <a:buChar char="•"/>
+              </a:pPr>
+              <a:r>
+                <a:rPr lang="ko-KR" altLang="en-US" b="1" dirty="0" smtClean="0">
+                  <a:solidFill>
+                    <a:schemeClr val="tx1"/>
+                  </a:solidFill>
+                </a:rPr>
+                <a:t>저퀄리티 </a:t>
+              </a:r>
+              <a:r>
+                <a:rPr lang="en-US" altLang="ko-KR" b="1" dirty="0" smtClean="0">
+                  <a:solidFill>
+                    <a:schemeClr val="tx1"/>
+                  </a:solidFill>
+                </a:rPr>
+                <a:t>UI</a:t>
+              </a:r>
+            </a:p>
+            <a:p>
+              <a:pPr marL="285750" indent="-285750">
+                <a:buFont typeface="Arial" pitchFamily="34" charset="0"/>
+                <a:buChar char="•"/>
+              </a:pPr>
+              <a:r>
+                <a:rPr lang="ko-KR" altLang="en-US" b="1" dirty="0" smtClean="0">
+                  <a:solidFill>
+                    <a:schemeClr val="tx1"/>
+                  </a:solidFill>
+                </a:rPr>
+                <a:t>이펙트 제작</a:t>
+              </a:r>
+              <a:endParaRPr lang="en-US" altLang="ko-KR" b="1" dirty="0">
+                <a:solidFill>
+                  <a:schemeClr val="tx1"/>
+                </a:solidFill>
+              </a:endParaRPr>
+            </a:p>
+            <a:p>
+              <a:pPr marL="285750" indent="-285750">
+                <a:buFont typeface="Arial" pitchFamily="34" charset="0"/>
+                <a:buChar char="•"/>
+              </a:pPr>
+              <a:endParaRPr lang="ko-KR" altLang="en-US" dirty="0"/>
+            </a:p>
+          </p:txBody>
+        </p:sp>
+        <p:sp>
+          <p:nvSpPr>
+            <p:cNvPr id="23" name="Rounded Rectangle 22"/>
+            <p:cNvSpPr/>
+            <p:nvPr/>
+          </p:nvSpPr>
+          <p:spPr>
+            <a:xfrm>
+              <a:off x="865413" y="1951264"/>
+              <a:ext cx="2743201" cy="403628"/>
+            </a:xfrm>
+            <a:prstGeom prst="roundRect">
+              <a:avLst/>
+            </a:prstGeom>
+            <a:solidFill>
+              <a:schemeClr val="accent2"/>
+            </a:solidFill>
+            <a:ln>
+              <a:solidFill>
+                <a:schemeClr val="tx1"/>
+              </a:solidFill>
+            </a:ln>
+          </p:spPr>
+          <p:style>
+            <a:lnRef idx="2">
+              <a:schemeClr val="accent1">
+                <a:shade val="50000"/>
+              </a:schemeClr>
+            </a:lnRef>
+            <a:fillRef idx="1">
+              <a:schemeClr val="accent1"/>
+            </a:fillRef>
+            <a:effectRef idx="0">
+              <a:schemeClr val="accent1"/>
+            </a:effectRef>
+            <a:fontRef idx="minor">
+              <a:schemeClr val="lt1"/>
+            </a:fontRef>
+          </p:style>
+          <p:txBody>
+            <a:bodyPr rtlCol="0" anchor="ctr"/>
+            <a:lstStyle/>
+            <a:p>
+              <a:pPr algn="ctr"/>
+              <a:r>
+                <a:rPr lang="ko-KR" altLang="en-US" dirty="0" smtClean="0">
+                  <a:solidFill>
+                    <a:schemeClr val="tx1"/>
+                  </a:solidFill>
+                </a:rPr>
+                <a:t>그래픽 </a:t>
+              </a:r>
+              <a:r>
+                <a:rPr lang="en-US" altLang="ko-KR" dirty="0" smtClean="0">
+                  <a:solidFill>
+                    <a:schemeClr val="tx1"/>
+                  </a:solidFill>
+                </a:rPr>
+                <a:t>- </a:t>
+              </a:r>
+              <a:r>
+                <a:rPr lang="ko-KR" altLang="en-US" dirty="0" smtClean="0">
+                  <a:solidFill>
+                    <a:schemeClr val="tx1"/>
+                  </a:solidFill>
+                </a:rPr>
+                <a:t>최영민</a:t>
+              </a:r>
+              <a:endParaRPr lang="ko-KR" altLang="en-US" dirty="0">
+                <a:solidFill>
+                  <a:schemeClr val="tx1"/>
+                </a:solidFill>
+              </a:endParaRPr>
+            </a:p>
+          </p:txBody>
+        </p:sp>
+      </p:grpSp>
+      <p:grpSp>
+        <p:nvGrpSpPr>
+          <p:cNvPr id="24" name="Group 23"/>
+          <p:cNvGrpSpPr/>
+          <p:nvPr/>
+        </p:nvGrpSpPr>
+        <p:grpSpPr>
+          <a:xfrm>
+            <a:off x="6208484" y="1834385"/>
+            <a:ext cx="2743201" cy="3994914"/>
+            <a:chOff x="865413" y="1951264"/>
+            <a:chExt cx="2743201" cy="3994914"/>
+          </a:xfrm>
+        </p:grpSpPr>
+        <p:sp>
+          <p:nvSpPr>
+            <p:cNvPr id="25" name="Rectangle 24"/>
+            <p:cNvSpPr/>
+            <p:nvPr/>
+          </p:nvSpPr>
+          <p:spPr>
+            <a:xfrm>
+              <a:off x="865413" y="2354891"/>
+              <a:ext cx="2743201" cy="3591287"/>
+            </a:xfrm>
+            <a:prstGeom prst="rect">
+              <a:avLst/>
+            </a:prstGeom>
+            <a:solidFill>
+              <a:schemeClr val="bg2">
+                <a:lumMod val="90000"/>
+              </a:schemeClr>
+            </a:solidFill>
+            <a:ln>
+              <a:solidFill>
+                <a:schemeClr val="tx1"/>
+              </a:solidFill>
+            </a:ln>
+          </p:spPr>
+          <p:style>
+            <a:lnRef idx="2">
+              <a:schemeClr val="accent1">
+                <a:shade val="50000"/>
+              </a:schemeClr>
+            </a:lnRef>
+            <a:fillRef idx="1">
+              <a:schemeClr val="accent1"/>
+            </a:fillRef>
+            <a:effectRef idx="0">
+              <a:schemeClr val="accent1"/>
+            </a:effectRef>
+            <a:fontRef idx="minor">
+              <a:schemeClr val="lt1"/>
+            </a:fontRef>
+          </p:style>
+          <p:txBody>
+            <a:bodyPr rtlCol="0" anchor="ctr"/>
+            <a:lstStyle/>
+            <a:p>
+              <a:pPr marL="285750" indent="-285750">
+                <a:buFont typeface="Arial" pitchFamily="34" charset="0"/>
+                <a:buChar char="•"/>
+              </a:pPr>
+              <a:endParaRPr lang="ko-KR" altLang="en-US" dirty="0"/>
+            </a:p>
+          </p:txBody>
+        </p:sp>
+        <p:sp>
+          <p:nvSpPr>
+            <p:cNvPr id="26" name="Rounded Rectangle 25"/>
+            <p:cNvSpPr/>
+            <p:nvPr/>
+          </p:nvSpPr>
+          <p:spPr>
+            <a:xfrm>
+              <a:off x="865413" y="1951264"/>
+              <a:ext cx="2743201" cy="403628"/>
+            </a:xfrm>
+            <a:prstGeom prst="roundRect">
+              <a:avLst/>
+            </a:prstGeom>
+            <a:solidFill>
+              <a:schemeClr val="accent4"/>
+            </a:solidFill>
+            <a:ln>
+              <a:solidFill>
+                <a:schemeClr val="tx1"/>
+              </a:solidFill>
+            </a:ln>
+          </p:spPr>
+          <p:style>
+            <a:lnRef idx="2">
+              <a:schemeClr val="accent1">
+                <a:shade val="50000"/>
+              </a:schemeClr>
+            </a:lnRef>
+            <a:fillRef idx="1">
+              <a:schemeClr val="accent1"/>
+            </a:fillRef>
+            <a:effectRef idx="0">
+              <a:schemeClr val="accent1"/>
+            </a:effectRef>
+            <a:fontRef idx="minor">
+              <a:schemeClr val="lt1"/>
+            </a:fontRef>
+          </p:style>
+          <p:txBody>
+            <a:bodyPr rtlCol="0" anchor="ctr"/>
+            <a:lstStyle/>
+            <a:p>
+              <a:pPr algn="ctr"/>
+              <a:r>
+                <a:rPr lang="ko-KR" altLang="en-US" dirty="0" smtClean="0">
+                  <a:solidFill>
+                    <a:schemeClr val="tx1"/>
+                  </a:solidFill>
+                </a:rPr>
+                <a:t>클라이언트 </a:t>
+              </a:r>
+              <a:r>
+                <a:rPr lang="en-US" altLang="ko-KR" dirty="0" smtClean="0">
+                  <a:solidFill>
+                    <a:schemeClr val="tx1"/>
+                  </a:solidFill>
+                </a:rPr>
+                <a:t>- </a:t>
+              </a:r>
+              <a:r>
+                <a:rPr lang="ko-KR" altLang="en-US" dirty="0" smtClean="0">
+                  <a:solidFill>
+                    <a:schemeClr val="tx1"/>
+                  </a:solidFill>
+                </a:rPr>
+                <a:t>조지훈</a:t>
+              </a:r>
+              <a:endParaRPr lang="ko-KR" altLang="en-US" dirty="0">
+                <a:solidFill>
+                  <a:schemeClr val="tx1"/>
+                </a:solidFill>
+              </a:endParaRPr>
+            </a:p>
+          </p:txBody>
+        </p:sp>
+      </p:grpSp>
+      <p:grpSp>
+        <p:nvGrpSpPr>
+          <p:cNvPr id="27" name="Group 26"/>
+          <p:cNvGrpSpPr/>
+          <p:nvPr/>
+        </p:nvGrpSpPr>
+        <p:grpSpPr>
+          <a:xfrm>
+            <a:off x="9122227" y="1834385"/>
+            <a:ext cx="2743201" cy="3994914"/>
+            <a:chOff x="865413" y="1951264"/>
+            <a:chExt cx="2743201" cy="3994914"/>
+          </a:xfrm>
+        </p:grpSpPr>
+        <p:sp>
+          <p:nvSpPr>
+            <p:cNvPr id="28" name="Rectangle 27"/>
+            <p:cNvSpPr/>
+            <p:nvPr/>
+          </p:nvSpPr>
+          <p:spPr>
+            <a:xfrm>
+              <a:off x="865413" y="2354891"/>
+              <a:ext cx="2743201" cy="3591287"/>
+            </a:xfrm>
+            <a:prstGeom prst="rect">
+              <a:avLst/>
+            </a:prstGeom>
+            <a:solidFill>
+              <a:schemeClr val="bg1"/>
+            </a:solidFill>
+            <a:ln>
+              <a:solidFill>
+                <a:schemeClr val="tx1"/>
+              </a:solidFill>
+            </a:ln>
+          </p:spPr>
+          <p:style>
+            <a:lnRef idx="2">
+              <a:schemeClr val="accent1">
+                <a:shade val="50000"/>
+              </a:schemeClr>
+            </a:lnRef>
+            <a:fillRef idx="1">
+              <a:schemeClr val="accent1"/>
+            </a:fillRef>
+            <a:effectRef idx="0">
+              <a:schemeClr val="accent1"/>
+            </a:effectRef>
+            <a:fontRef idx="minor">
+              <a:schemeClr val="lt1"/>
+            </a:fontRef>
+          </p:style>
+          <p:txBody>
+            <a:bodyPr rtlCol="0" anchor="ctr"/>
+            <a:lstStyle/>
+            <a:p>
+              <a:pPr marL="285750" indent="-285750">
+                <a:buFont typeface="Arial" pitchFamily="34" charset="0"/>
+                <a:buChar char="•"/>
+              </a:pPr>
+              <a:r>
+                <a:rPr lang="ko-KR" altLang="en-US" b="1" dirty="0" smtClean="0">
+                  <a:solidFill>
+                    <a:schemeClr val="tx1"/>
+                  </a:solidFill>
+                </a:rPr>
+                <a:t>보안 이</a:t>
+              </a:r>
+              <a:r>
+                <a:rPr lang="ko-KR" altLang="en-US" b="1" dirty="0">
+                  <a:solidFill>
+                    <a:schemeClr val="tx1"/>
+                  </a:solidFill>
+                </a:rPr>
+                <a:t>슈</a:t>
+              </a:r>
+              <a:endParaRPr lang="en-US" altLang="ko-KR" b="1" dirty="0">
+                <a:solidFill>
+                  <a:schemeClr val="tx1"/>
+                </a:solidFill>
+              </a:endParaRPr>
+            </a:p>
+            <a:p>
+              <a:pPr marL="285750" indent="-285750">
+                <a:buFont typeface="Arial" pitchFamily="34" charset="0"/>
+                <a:buChar char="•"/>
+              </a:pPr>
+              <a:r>
+                <a:rPr lang="ko-KR" altLang="en-US" b="1" dirty="0" smtClean="0">
+                  <a:solidFill>
+                    <a:schemeClr val="tx1"/>
+                  </a:solidFill>
+                </a:rPr>
+                <a:t>유저분석 연계된 </a:t>
+              </a:r>
+              <a:r>
+                <a:rPr lang="en-US" altLang="ko-KR" b="1" dirty="0" smtClean="0">
+                  <a:solidFill>
+                    <a:schemeClr val="tx1"/>
+                  </a:solidFill>
+                </a:rPr>
+                <a:t>DB</a:t>
+              </a:r>
+            </a:p>
+            <a:p>
+              <a:pPr marL="285750" indent="-285750">
+                <a:buFont typeface="Arial" pitchFamily="34" charset="0"/>
+                <a:buChar char="•"/>
+              </a:pPr>
+              <a:r>
+                <a:rPr lang="ko-KR" altLang="en-US" b="1" dirty="0" smtClean="0">
+                  <a:solidFill>
+                    <a:schemeClr val="tx1"/>
+                  </a:solidFill>
+                </a:rPr>
+                <a:t>구글 </a:t>
+              </a:r>
+              <a:r>
+                <a:rPr lang="ko-KR" altLang="en-US" b="1" dirty="0">
+                  <a:solidFill>
+                    <a:schemeClr val="tx1"/>
+                  </a:solidFill>
+                </a:rPr>
+                <a:t>로그인 </a:t>
+              </a:r>
+              <a:r>
+                <a:rPr lang="ko-KR" altLang="en-US" b="1" dirty="0" smtClean="0">
+                  <a:solidFill>
+                    <a:schemeClr val="tx1"/>
+                  </a:solidFill>
+                </a:rPr>
+                <a:t>연동</a:t>
+              </a:r>
+              <a:endParaRPr lang="en-US" altLang="ko-KR" b="1" dirty="0" smtClean="0">
+                <a:solidFill>
+                  <a:schemeClr val="tx1"/>
+                </a:solidFill>
+              </a:endParaRPr>
+            </a:p>
+            <a:p>
+              <a:pPr marL="285750" indent="-285750">
+                <a:buFont typeface="Arial" pitchFamily="34" charset="0"/>
+                <a:buChar char="•"/>
+              </a:pPr>
+              <a:r>
+                <a:rPr lang="ko-KR" altLang="en-US" b="1" dirty="0" smtClean="0">
+                  <a:solidFill>
+                    <a:schemeClr val="tx1"/>
+                  </a:solidFill>
+                </a:rPr>
+                <a:t>콘솔 </a:t>
+              </a:r>
+              <a:r>
+                <a:rPr lang="en-US" altLang="ko-KR" b="1" dirty="0" smtClean="0">
+                  <a:solidFill>
+                    <a:schemeClr val="tx1"/>
+                  </a:solidFill>
+                </a:rPr>
+                <a:t>GIT </a:t>
+              </a:r>
+              <a:r>
+                <a:rPr lang="ko-KR" altLang="en-US" b="1" dirty="0" smtClean="0">
+                  <a:solidFill>
+                    <a:schemeClr val="tx1"/>
+                  </a:solidFill>
+                </a:rPr>
+                <a:t>사용</a:t>
+              </a:r>
+              <a:endParaRPr lang="en-US" altLang="ko-KR" b="1" dirty="0">
+                <a:solidFill>
+                  <a:schemeClr val="tx1"/>
+                </a:solidFill>
+              </a:endParaRPr>
+            </a:p>
+          </p:txBody>
+        </p:sp>
+        <p:sp>
+          <p:nvSpPr>
+            <p:cNvPr id="29" name="Rounded Rectangle 28"/>
+            <p:cNvSpPr/>
+            <p:nvPr/>
+          </p:nvSpPr>
+          <p:spPr>
+            <a:xfrm>
+              <a:off x="865413" y="1951264"/>
+              <a:ext cx="2743201" cy="403628"/>
+            </a:xfrm>
+            <a:prstGeom prst="roundRect">
+              <a:avLst/>
+            </a:prstGeom>
+            <a:solidFill>
+              <a:schemeClr val="accent6"/>
+            </a:solidFill>
+            <a:ln>
+              <a:solidFill>
+                <a:schemeClr val="tx1"/>
+              </a:solidFill>
+            </a:ln>
+          </p:spPr>
+          <p:style>
+            <a:lnRef idx="2">
+              <a:schemeClr val="accent1">
+                <a:shade val="50000"/>
+              </a:schemeClr>
+            </a:lnRef>
+            <a:fillRef idx="1">
+              <a:schemeClr val="accent1"/>
+            </a:fillRef>
+            <a:effectRef idx="0">
+              <a:schemeClr val="accent1"/>
+            </a:effectRef>
+            <a:fontRef idx="minor">
+              <a:schemeClr val="lt1"/>
+            </a:fontRef>
+          </p:style>
+          <p:txBody>
+            <a:bodyPr rtlCol="0" anchor="ctr"/>
+            <a:lstStyle/>
+            <a:p>
+              <a:pPr algn="ctr"/>
+              <a:r>
+                <a:rPr lang="ko-KR" altLang="en-US" dirty="0" smtClean="0">
+                  <a:solidFill>
+                    <a:schemeClr val="tx1"/>
+                  </a:solidFill>
+                </a:rPr>
+                <a:t>서버 </a:t>
+              </a:r>
+              <a:r>
+                <a:rPr lang="en-US" altLang="ko-KR" dirty="0" smtClean="0">
+                  <a:solidFill>
+                    <a:schemeClr val="tx1"/>
+                  </a:solidFill>
+                </a:rPr>
+                <a:t>- </a:t>
+              </a:r>
+              <a:r>
+                <a:rPr lang="ko-KR" altLang="en-US" dirty="0" smtClean="0">
+                  <a:solidFill>
+                    <a:schemeClr val="tx1"/>
+                  </a:solidFill>
+                </a:rPr>
+                <a:t>이진수</a:t>
+              </a:r>
+              <a:endParaRPr lang="ko-KR" altLang="en-US" dirty="0">
+                <a:solidFill>
+                  <a:schemeClr val="tx1"/>
+                </a:solidFill>
+              </a:endParaRPr>
+            </a:p>
+          </p:txBody>
+        </p:sp>
+      </p:grpSp>
     </p:spTree>
     <p:extLst>
       <p:ext uri="{BB962C8B-B14F-4D97-AF65-F5344CB8AC3E}">
@@ -7764,20 +10323,20 @@
               <a:rPr lang="en-US" altLang="ko-KR" b="1" dirty="0"/>
             </a:br>
             <a:r>
-              <a:rPr lang="en-US" altLang="ko-KR" b="1" dirty="0"/>
-              <a:t>4-1. </a:t>
-            </a:r>
-            <a:r>
-              <a:rPr lang="ko-KR" altLang="en-US" b="1" dirty="0"/>
-              <a:t>차후 클라이언트 개발 예정</a:t>
-            </a:r>
-            <a:r>
-              <a:rPr lang="en-US" altLang="ko-KR" b="1" dirty="0"/>
-              <a:t>– </a:t>
-            </a:r>
-            <a:r>
-              <a:rPr lang="ko-KR" altLang="en-US" sz="3100" b="1" dirty="0"/>
-              <a:t>조지훈</a:t>
+              <a:rPr lang="en-US" altLang="ko-KR" b="1" dirty="0" smtClean="0"/>
+              <a:t>4. </a:t>
+            </a:r>
+            <a:r>
+              <a:rPr lang="ko-KR" altLang="en-US" b="1" dirty="0" smtClean="0"/>
+              <a:t>추후 보완</a:t>
+            </a:r>
+            <a:r>
+              <a:rPr lang="en-US" altLang="ko-KR" b="1" dirty="0" smtClean="0"/>
+              <a:t>,</a:t>
+            </a:r>
+            <a:r>
+              <a:rPr lang="ko-KR" altLang="en-US" b="1" dirty="0" smtClean="0"/>
+              <a:t>추가 개발점</a:t>
             </a:r>
             <a:r>
               <a:rPr lang="en-US" altLang="ko-KR" b="1" dirty="0"/>
@@ -7792,33 +10351,877 @@
       </p:sp>
       <p:sp>
         <p:nvSpPr>
-          <p:cNvPr id="3" name="내용 개체 틀 2"/>
+          <p:cNvPr id="5" name="Slide Number Placeholder 4"/>
           <p:cNvSpPr>
             <a:spLocks noGrp="1"/>
           </p:cNvSpPr>
           <p:nvPr>
-            <p:ph idx="1"/>
-          </p:nvPr>
-        </p:nvSpPr>
-        <p:spPr>
+            <p:ph type="sldNum" sz="quarter" idx="12"/>
+          </p:nvPr>
+        </p:nvSpPr>
+        <p:spPr/>
+        <p:txBody>
+          <a:bodyPr/>
+          <a:lstStyle/>
+          <a:p>
+            <a:fld id="{FBFC020C-1606-4BED-91BA-A6230104B3B1}" type="slidenum">
+              <a:rPr lang="ko-KR" altLang="en-US" smtClean="0"/>
+              <a:t>9</a:t>
+            </a:fld>
+            <a:endParaRPr lang="ko-KR" altLang="en-US"/>
+          </a:p>
+        </p:txBody>
+      </p:sp>
+      <p:grpSp>
+        <p:nvGrpSpPr>
+          <p:cNvPr id="18" name="Group 17"/>
+          <p:cNvGrpSpPr/>
+          <p:nvPr/>
+        </p:nvGrpSpPr>
+        <p:grpSpPr>
           <a:xfrm>
-            <a:off x="838200" y="1825624"/>
-            <a:ext cx="10366829" cy="4865462"/>
+            <a:off x="380996" y="1834385"/>
+            <a:ext cx="2743201" cy="3994914"/>
+            <a:chOff x="865413" y="1951264"/>
+            <a:chExt cx="2743201" cy="3994914"/>
           </a:xfrm>
-        </p:spPr>
-        <p:txBody>
-          <a:bodyPr>
-            <a:normAutofit/>
-          </a:bodyPr>
-          <a:lstStyle/>
-          <a:p>
-            <a:pPr marL="0" indent="0">
-              <a:buNone/>
-            </a:pPr>
-            <a:endParaRPr lang="ko-KR" altLang="en-US" dirty="0"/>
-          </a:p>
-        </p:txBody>
-      </p:sp>
+        </p:grpSpPr>
+        <p:sp>
+          <p:nvSpPr>
+            <p:cNvPr id="19" name="Rectangle 18"/>
+            <p:cNvSpPr/>
+            <p:nvPr/>
+          </p:nvSpPr>
+          <p:spPr>
+            <a:xfrm>
+              <a:off x="865413" y="2354891"/>
+              <a:ext cx="2743201" cy="3591287"/>
+            </a:xfrm>
+            <a:prstGeom prst="rect">
+              <a:avLst/>
+            </a:prstGeom>
+            <a:ln/>
+          </p:spPr>
+          <p:style>
+            <a:lnRef idx="2">
+              <a:schemeClr val="dk1"/>
+            </a:lnRef>
+            <a:fillRef idx="1">
+              <a:schemeClr val="lt1"/>
+            </a:fillRef>
+            <a:effectRef idx="0">
+              <a:schemeClr val="dk1"/>
+            </a:effectRef>
+            <a:fontRef idx="minor">
+              <a:schemeClr val="dk1"/>
+            </a:fontRef>
+          </p:style>
+          <p:txBody>
+            <a:bodyPr rtlCol="0" anchor="ctr"/>
+            <a:lstStyle/>
+            <a:p>
+              <a:pPr marL="285750" indent="-285750">
+                <a:buFont typeface="Arial" pitchFamily="34" charset="0"/>
+                <a:buChar char="•"/>
+              </a:pPr>
+              <a:r>
+                <a:rPr lang="ko-KR" altLang="en-US" b="1" dirty="0" smtClean="0"/>
+                <a:t>시스템 개별 기획서</a:t>
+              </a:r>
+              <a:endParaRPr lang="en-US" altLang="ko-KR" b="1" dirty="0" smtClean="0"/>
+            </a:p>
+            <a:p>
+              <a:pPr marL="285750" indent="-285750">
+                <a:buFont typeface="Arial" pitchFamily="34" charset="0"/>
+                <a:buChar char="•"/>
+              </a:pPr>
+              <a:r>
+                <a:rPr lang="en-US" altLang="ko-KR" b="1" dirty="0" smtClean="0"/>
+                <a:t>UX/UI </a:t>
+              </a:r>
+              <a:r>
+                <a:rPr lang="ko-KR" altLang="en-US" b="1" dirty="0"/>
+                <a:t>기획서 작성</a:t>
+              </a:r>
+              <a:endParaRPr lang="en-US" altLang="ko-KR" b="1" dirty="0"/>
+            </a:p>
+            <a:p>
+              <a:pPr marL="285750" indent="-285750">
+                <a:buFont typeface="Arial" pitchFamily="34" charset="0"/>
+                <a:buChar char="•"/>
+              </a:pPr>
+              <a:r>
+                <a:rPr lang="ko-KR" altLang="en-US" b="1" dirty="0"/>
+                <a:t>사운드</a:t>
+              </a:r>
+              <a:r>
+                <a:rPr lang="en-US" altLang="ko-KR" b="1" dirty="0"/>
+                <a:t>,</a:t>
+              </a:r>
+              <a:r>
+                <a:rPr lang="ko-KR" altLang="en-US" b="1" dirty="0"/>
+                <a:t>이펙트</a:t>
+              </a:r>
+              <a:r>
+                <a:rPr lang="en-US" altLang="ko-KR" b="1" dirty="0"/>
+                <a:t>,</a:t>
+              </a:r>
+              <a:r>
+                <a:rPr lang="ko-KR" altLang="en-US" b="1" dirty="0"/>
+                <a:t>애니메이션 </a:t>
+              </a:r>
+              <a:r>
+                <a:rPr lang="ko-KR" altLang="en-US" b="1" dirty="0" smtClean="0"/>
+                <a:t>기획</a:t>
+              </a:r>
+              <a:endParaRPr lang="en-US" altLang="ko-KR" b="1" dirty="0" smtClean="0"/>
+            </a:p>
+            <a:p>
+              <a:pPr marL="285750" indent="-285750">
+                <a:buFont typeface="Arial" pitchFamily="34" charset="0"/>
+                <a:buChar char="•"/>
+              </a:pPr>
+              <a:r>
+                <a:rPr lang="ko-KR" altLang="en-US" b="1" dirty="0" smtClean="0"/>
+                <a:t>레벨 디자인</a:t>
+              </a:r>
+              <a:r>
+                <a:rPr lang="en-US" altLang="ko-KR" b="1" dirty="0" smtClean="0"/>
+                <a:t> </a:t>
+              </a:r>
+            </a:p>
+            <a:p>
+              <a:pPr marL="285750" indent="-285750">
+                <a:buFont typeface="Arial" pitchFamily="34" charset="0"/>
+                <a:buChar char="•"/>
+              </a:pPr>
+              <a:r>
+                <a:rPr lang="ko-KR" altLang="en-US" b="1" dirty="0" smtClean="0"/>
+                <a:t>수치 디자인</a:t>
+              </a:r>
+              <a:endParaRPr lang="en-US" altLang="ko-KR" b="1" dirty="0" smtClean="0"/>
+            </a:p>
+            <a:p>
+              <a:pPr marL="285750" indent="-285750">
+                <a:buFont typeface="Arial" pitchFamily="34" charset="0"/>
+                <a:buChar char="•"/>
+              </a:pPr>
+              <a:r>
+                <a:rPr lang="en-US" altLang="ko-KR" b="1" dirty="0" smtClean="0"/>
+                <a:t>BM</a:t>
+              </a:r>
+              <a:r>
+                <a:rPr lang="ko-KR" altLang="en-US" b="1" dirty="0" smtClean="0"/>
+                <a:t> 재설계</a:t>
+              </a:r>
+              <a:endParaRPr lang="en-US" altLang="ko-KR" b="1" dirty="0"/>
+            </a:p>
+          </p:txBody>
+        </p:sp>
+        <p:sp>
+          <p:nvSpPr>
+            <p:cNvPr id="20" name="Rounded Rectangle 19"/>
+            <p:cNvSpPr/>
+            <p:nvPr/>
+          </p:nvSpPr>
+          <p:spPr>
+            <a:xfrm>
+              <a:off x="865413" y="1951264"/>
+              <a:ext cx="2743201" cy="403628"/>
+            </a:xfrm>
+            <a:prstGeom prst="roundRect">
+              <a:avLst/>
+            </a:prstGeom>
+            <a:solidFill>
+              <a:schemeClr val="accent1"/>
+            </a:solidFill>
+            <a:ln>
+              <a:solidFill>
+                <a:schemeClr val="tx1"/>
+              </a:solidFill>
+            </a:ln>
+          </p:spPr>
+          <p:style>
+            <a:lnRef idx="2">
+              <a:schemeClr val="accent1">
+                <a:shade val="50000"/>
+              </a:schemeClr>
+            </a:lnRef>
+            <a:fillRef idx="1">
+              <a:schemeClr val="accent1"/>
+            </a:fillRef>
+            <a:effectRef idx="0">
+              <a:schemeClr val="accent1"/>
+            </a:effectRef>
+            <a:fontRef idx="minor">
+              <a:schemeClr val="lt1"/>
+            </a:fontRef>
+          </p:style>
+          <p:txBody>
+            <a:bodyPr rtlCol="0" anchor="ctr"/>
+            <a:lstStyle/>
+            <a:p>
+              <a:pPr algn="ctr"/>
+              <a:r>
+                <a:rPr lang="ko-KR" altLang="en-US" dirty="0" smtClean="0">
+                  <a:solidFill>
+                    <a:schemeClr val="tx1"/>
+                  </a:solidFill>
+                </a:rPr>
+                <a:t>기획</a:t>
+              </a:r>
+              <a:r>
+                <a:rPr lang="en-US" altLang="ko-KR" dirty="0">
+                  <a:solidFill>
+                    <a:schemeClr val="tx1"/>
+                  </a:solidFill>
+                </a:rPr>
+                <a:t> </a:t>
+              </a:r>
+              <a:r>
+                <a:rPr lang="en-US" altLang="ko-KR" dirty="0" smtClean="0">
+                  <a:solidFill>
+                    <a:schemeClr val="tx1"/>
+                  </a:solidFill>
+                </a:rPr>
+                <a:t>- </a:t>
+              </a:r>
+              <a:r>
+                <a:rPr lang="ko-KR" altLang="en-US" dirty="0" smtClean="0">
+                  <a:solidFill>
+                    <a:schemeClr val="tx1"/>
+                  </a:solidFill>
+                </a:rPr>
+                <a:t>최영민</a:t>
+              </a:r>
+              <a:endParaRPr lang="ko-KR" altLang="en-US" dirty="0">
+                <a:solidFill>
+                  <a:schemeClr val="tx1"/>
+                </a:solidFill>
+              </a:endParaRPr>
+            </a:p>
+          </p:txBody>
+        </p:sp>
+      </p:grpSp>
+      <p:grpSp>
+        <p:nvGrpSpPr>
+          <p:cNvPr id="21" name="Group 20"/>
+          <p:cNvGrpSpPr/>
+          <p:nvPr/>
+        </p:nvGrpSpPr>
+        <p:grpSpPr>
+          <a:xfrm>
+            <a:off x="3294740" y="1834385"/>
+            <a:ext cx="2743201" cy="3994914"/>
+            <a:chOff x="865413" y="1951264"/>
+            <a:chExt cx="2743201" cy="3994914"/>
+          </a:xfrm>
+        </p:grpSpPr>
+        <p:sp>
+          <p:nvSpPr>
+            <p:cNvPr id="22" name="Rectangle 21"/>
+            <p:cNvSpPr/>
+            <p:nvPr/>
+          </p:nvSpPr>
+          <p:spPr>
+            <a:xfrm>
+              <a:off x="865413" y="2354891"/>
+              <a:ext cx="2743201" cy="3591287"/>
+            </a:xfrm>
+            <a:prstGeom prst="rect">
+              <a:avLst/>
+            </a:prstGeom>
+            <a:solidFill>
+              <a:schemeClr val="bg1"/>
+            </a:solidFill>
+            <a:ln>
+              <a:solidFill>
+                <a:schemeClr val="tx1"/>
+              </a:solidFill>
+            </a:ln>
+          </p:spPr>
+          <p:style>
+            <a:lnRef idx="2">
+              <a:schemeClr val="accent1">
+                <a:shade val="50000"/>
+              </a:schemeClr>
+            </a:lnRef>
+            <a:fillRef idx="1">
+              <a:schemeClr val="accent1"/>
+            </a:fillRef>
+            <a:effectRef idx="0">
+              <a:schemeClr val="accent1"/>
+            </a:effectRef>
+            <a:fontRef idx="minor">
+              <a:schemeClr val="lt1"/>
+            </a:fontRef>
+          </p:style>
+          <p:txBody>
+            <a:bodyPr rtlCol="0" anchor="ctr"/>
+            <a:lstStyle/>
+            <a:p>
+              <a:pPr marL="285750" indent="-285750">
+                <a:buFont typeface="Arial" pitchFamily="34" charset="0"/>
+                <a:buChar char="•"/>
+              </a:pPr>
+              <a:r>
+                <a:rPr lang="ko-KR" altLang="en-US" b="1" dirty="0" smtClean="0">
+                  <a:solidFill>
+                    <a:schemeClr val="tx1"/>
+                  </a:solidFill>
+                </a:rPr>
+                <a:t>애니메이션</a:t>
+              </a:r>
+              <a:endParaRPr lang="en-US" altLang="ko-KR" b="1" dirty="0" smtClean="0">
+                <a:solidFill>
+                  <a:schemeClr val="tx1"/>
+                </a:solidFill>
+              </a:endParaRPr>
+            </a:p>
+            <a:p>
+              <a:pPr marL="285750" indent="-285750">
+                <a:buFont typeface="Arial" pitchFamily="34" charset="0"/>
+                <a:buChar char="•"/>
+              </a:pPr>
+              <a:r>
+                <a:rPr lang="en-US" altLang="ko-KR" b="1" dirty="0" smtClean="0">
+                  <a:solidFill>
+                    <a:schemeClr val="tx1"/>
+                  </a:solidFill>
+                </a:rPr>
+                <a:t>UI </a:t>
+              </a:r>
+              <a:r>
+                <a:rPr lang="ko-KR" altLang="en-US" b="1" dirty="0" smtClean="0">
+                  <a:solidFill>
+                    <a:schemeClr val="tx1"/>
+                  </a:solidFill>
+                </a:rPr>
+                <a:t>디자인</a:t>
+              </a:r>
+              <a:endParaRPr lang="en-US" altLang="ko-KR" b="1" dirty="0">
+                <a:solidFill>
+                  <a:schemeClr val="tx1"/>
+                </a:solidFill>
+              </a:endParaRPr>
+            </a:p>
+            <a:p>
+              <a:pPr marL="285750" indent="-285750">
+                <a:buFont typeface="Arial" pitchFamily="34" charset="0"/>
+                <a:buChar char="•"/>
+              </a:pPr>
+              <a:r>
+                <a:rPr lang="ko-KR" altLang="en-US" b="1" dirty="0" smtClean="0">
+                  <a:solidFill>
+                    <a:schemeClr val="tx1"/>
+                  </a:solidFill>
+                </a:rPr>
+                <a:t>추가 조경물</a:t>
+              </a:r>
+              <a:endParaRPr lang="en-US" altLang="ko-KR" b="1" dirty="0" smtClean="0">
+                <a:solidFill>
+                  <a:schemeClr val="tx1"/>
+                </a:solidFill>
+              </a:endParaRPr>
+            </a:p>
+          </p:txBody>
+        </p:sp>
+        <p:sp>
+          <p:nvSpPr>
+            <p:cNvPr id="23" name="Rounded Rectangle 22"/>
+            <p:cNvSpPr/>
+            <p:nvPr/>
+          </p:nvSpPr>
+          <p:spPr>
+            <a:xfrm>
+              <a:off x="865413" y="1951264"/>
+              <a:ext cx="2743201" cy="403628"/>
+            </a:xfrm>
+            <a:prstGeom prst="roundRect">
+              <a:avLst/>
+            </a:prstGeom>
+            <a:solidFill>
+              <a:schemeClr val="accent2"/>
+            </a:solidFill>
+            <a:ln>
+              <a:solidFill>
+                <a:schemeClr val="tx1"/>
+              </a:solidFill>
+            </a:ln>
+          </p:spPr>
+          <p:style>
+            <a:lnRef idx="2">
+              <a:schemeClr val="accent1">
+                <a:shade val="50000"/>
+              </a:schemeClr>
+            </a:lnRef>
+            <a:fillRef idx="1">
+              <a:schemeClr val="accent1"/>
+            </a:fillRef>
+            <a:effectRef idx="0">
+              <a:schemeClr val="accent1"/>
+            </a:effectRef>
+            <a:fontRef idx="minor">
+              <a:schemeClr val="lt1"/>
+            </a:fontRef>
+          </p:style>
+          <p:txBody>
+            <a:bodyPr rtlCol="0" anchor="ctr"/>
+            <a:lstStyle/>
+            <a:p>
+              <a:pPr algn="ctr"/>
+              <a:r>
+                <a:rPr lang="ko-KR" altLang="en-US" dirty="0" smtClean="0">
+                  <a:solidFill>
+                    <a:schemeClr val="tx1"/>
+                  </a:solidFill>
+                </a:rPr>
+                <a:t>그래픽 </a:t>
+              </a:r>
+              <a:r>
+                <a:rPr lang="en-US" altLang="ko-KR" dirty="0" smtClean="0">
+                  <a:solidFill>
+                    <a:schemeClr val="tx1"/>
+                  </a:solidFill>
+                </a:rPr>
+                <a:t>- </a:t>
+              </a:r>
+              <a:r>
+                <a:rPr lang="ko-KR" altLang="en-US" dirty="0" smtClean="0">
+                  <a:solidFill>
+                    <a:schemeClr val="tx1"/>
+                  </a:solidFill>
+                </a:rPr>
+                <a:t>최영민</a:t>
+              </a:r>
+              <a:endParaRPr lang="ko-KR" altLang="en-US" dirty="0">
+                <a:solidFill>
+                  <a:schemeClr val="tx1"/>
+                </a:solidFill>
+              </a:endParaRPr>
+            </a:p>
+          </p:txBody>
+        </p:sp>
+      </p:grpSp>
+      <p:grpSp>
+        <p:nvGrpSpPr>
+          <p:cNvPr id="24" name="Group 23"/>
+          <p:cNvGrpSpPr/>
+          <p:nvPr/>
+        </p:nvGrpSpPr>
+        <p:grpSpPr>
+          <a:xfrm>
+            <a:off x="6208484" y="1834385"/>
+            <a:ext cx="2743201" cy="3994914"/>
+            <a:chOff x="865413" y="1951264"/>
+            <a:chExt cx="2743201" cy="3994914"/>
+          </a:xfrm>
+        </p:grpSpPr>
+        <p:sp>
+          <p:nvSpPr>
+            <p:cNvPr id="25" name="Rectangle 24"/>
+            <p:cNvSpPr/>
+            <p:nvPr/>
+          </p:nvSpPr>
+          <p:spPr>
+            <a:xfrm>
+              <a:off x="865413" y="2354891"/>
+              <a:ext cx="2743201" cy="3591287"/>
+            </a:xfrm>
+            <a:prstGeom prst="rect">
+              <a:avLst/>
+            </a:prstGeom>
+            <a:solidFill>
+              <a:schemeClr val="bg2">
+                <a:lumMod val="90000"/>
+              </a:schemeClr>
+            </a:solidFill>
+            <a:ln>
+              <a:solidFill>
+                <a:schemeClr val="tx1"/>
+              </a:solidFill>
+            </a:ln>
+          </p:spPr>
+          <p:style>
+            <a:lnRef idx="2">
+              <a:schemeClr val="accent1">
+                <a:shade val="50000"/>
+              </a:schemeClr>
+            </a:lnRef>
+            <a:fillRef idx="1">
+              <a:schemeClr val="accent1"/>
+            </a:fillRef>
+            <a:effectRef idx="0">
+              <a:schemeClr val="accent1"/>
+            </a:effectRef>
+            <a:fontRef idx="minor">
+              <a:schemeClr val="lt1"/>
+            </a:fontRef>
+          </p:style>
+          <p:txBody>
+            <a:bodyPr rtlCol="0" anchor="ctr"/>
+            <a:lstStyle/>
+            <a:p>
+              <a:pPr marL="285750" indent="-285750">
+                <a:buFont typeface="Arial" pitchFamily="34" charset="0"/>
+                <a:buChar char="•"/>
+              </a:pPr>
+              <a:endParaRPr lang="ko-KR" altLang="en-US" dirty="0"/>
+            </a:p>
+          </p:txBody>
+        </p:sp>
+        <p:sp>
+          <p:nvSpPr>
+            <p:cNvPr id="26" name="Rounded Rectangle 25"/>
+            <p:cNvSpPr/>
+            <p:nvPr/>
+          </p:nvSpPr>
+          <p:spPr>
+            <a:xfrm>
+              <a:off x="865413" y="1951264"/>
+              <a:ext cx="2743201" cy="403628"/>
+            </a:xfrm>
+            <a:prstGeom prst="roundRect">
+              <a:avLst/>
+            </a:prstGeom>
+            <a:solidFill>
+              <a:schemeClr val="accent4"/>
+            </a:solidFill>
+            <a:ln>
+              <a:solidFill>
+                <a:schemeClr val="tx1"/>
+              </a:solidFill>
+            </a:ln>
+          </p:spPr>
+          <p:style>
+            <a:lnRef idx="2">
+              <a:schemeClr val="accent1">
+                <a:shade val="50000"/>
+              </a:schemeClr>
+            </a:lnRef>
+            <a:fillRef idx="1">
+              <a:schemeClr val="accent1"/>
+            </a:fillRef>
+            <a:effectRef idx="0">
+              <a:schemeClr val="accent1"/>
+            </a:effectRef>
+            <a:fontRef idx="minor">
+              <a:schemeClr val="lt1"/>
+            </a:fontRef>
+          </p:style>
+          <p:txBody>
+            <a:bodyPr rtlCol="0" anchor="ctr"/>
+            <a:lstStyle/>
+            <a:p>
+              <a:pPr algn="ctr"/>
+              <a:r>
+                <a:rPr lang="ko-KR" altLang="en-US" dirty="0" smtClean="0">
+                  <a:solidFill>
+                    <a:schemeClr val="tx1"/>
+                  </a:solidFill>
+                </a:rPr>
+                <a:t>클라이언트 </a:t>
+              </a:r>
+              <a:r>
+                <a:rPr lang="en-US" altLang="ko-KR" dirty="0" smtClean="0">
+                  <a:solidFill>
+                    <a:schemeClr val="tx1"/>
+                  </a:solidFill>
+                </a:rPr>
+                <a:t>- </a:t>
+              </a:r>
+              <a:r>
+                <a:rPr lang="ko-KR" altLang="en-US" dirty="0" smtClean="0">
+                  <a:solidFill>
+                    <a:schemeClr val="tx1"/>
+                  </a:solidFill>
+                </a:rPr>
+                <a:t>조지훈</a:t>
+              </a:r>
+              <a:endParaRPr lang="ko-KR" altLang="en-US" dirty="0">
+                <a:solidFill>
+                  <a:schemeClr val="tx1"/>
+                </a:solidFill>
+              </a:endParaRPr>
+            </a:p>
+          </p:txBody>
+        </p:sp>
+      </p:grpSp>
+      <p:grpSp>
+        <p:nvGrpSpPr>
+          <p:cNvPr id="27" name="Group 26"/>
+          <p:cNvGrpSpPr/>
+          <p:nvPr/>
+        </p:nvGrpSpPr>
+        <p:grpSpPr>
+          <a:xfrm>
+            <a:off x="9122227" y="1834385"/>
+            <a:ext cx="2743201" cy="3994914"/>
+            <a:chOff x="865413" y="1951264"/>
+            <a:chExt cx="2743201" cy="3994914"/>
+          </a:xfrm>
+        </p:grpSpPr>
+        <p:sp>
+          <p:nvSpPr>
+            <p:cNvPr id="28" name="Rectangle 27"/>
+            <p:cNvSpPr/>
+            <p:nvPr/>
+          </p:nvSpPr>
+          <p:spPr>
+            <a:xfrm>
+              <a:off x="865413" y="2354891"/>
+              <a:ext cx="2743201" cy="3591287"/>
+            </a:xfrm>
+            <a:prstGeom prst="rect">
+              <a:avLst/>
+            </a:prstGeom>
+            <a:solidFill>
+              <a:schemeClr val="bg1"/>
+            </a:solidFill>
+            <a:ln>
+              <a:solidFill>
+                <a:schemeClr val="tx1"/>
+              </a:solidFill>
+            </a:ln>
+          </p:spPr>
+          <p:style>
+            <a:lnRef idx="2">
+              <a:schemeClr val="accent1">
+                <a:shade val="50000"/>
+              </a:schemeClr>
+            </a:lnRef>
+            <a:fillRef idx="1">
+              <a:schemeClr val="accent1"/>
+            </a:fillRef>
+            <a:effectRef idx="0">
+              <a:schemeClr val="accent1"/>
+            </a:effectRef>
+            <a:fontRef idx="minor">
+              <a:schemeClr val="lt1"/>
+            </a:fontRef>
+          </p:style>
+          <p:txBody>
+            <a:bodyPr rtlCol="0" anchor="ctr"/>
+            <a:lstStyle/>
+            <a:p>
+              <a:pPr marL="285750" indent="-285750">
+                <a:buFont typeface="Arial" pitchFamily="34" charset="0"/>
+                <a:buChar char="•"/>
+              </a:pPr>
+              <a:r>
+                <a:rPr lang="ko-KR" altLang="en-US" b="1" dirty="0" smtClean="0">
+                  <a:solidFill>
+                    <a:schemeClr val="tx1"/>
+                  </a:solidFill>
+                </a:rPr>
+                <a:t>대전시스템 </a:t>
+              </a:r>
+              <a:r>
+                <a:rPr lang="en-US" altLang="ko-KR" b="1" dirty="0" smtClean="0">
+                  <a:solidFill>
+                    <a:schemeClr val="tx1"/>
+                  </a:solidFill>
+                </a:rPr>
+                <a:t>DB </a:t>
+              </a:r>
+              <a:r>
+                <a:rPr lang="ko-KR" altLang="en-US" b="1" dirty="0" smtClean="0">
+                  <a:solidFill>
+                    <a:schemeClr val="tx1"/>
+                  </a:solidFill>
+                </a:rPr>
+                <a:t>설</a:t>
+              </a:r>
+              <a:r>
+                <a:rPr lang="ko-KR" altLang="en-US" b="1" dirty="0">
+                  <a:solidFill>
+                    <a:schemeClr val="tx1"/>
+                  </a:solidFill>
+                </a:rPr>
+                <a:t>계</a:t>
+              </a:r>
+              <a:endParaRPr lang="en-US" altLang="ko-KR" b="1" dirty="0" smtClean="0">
+                <a:solidFill>
+                  <a:schemeClr val="tx1"/>
+                </a:solidFill>
+              </a:endParaRPr>
+            </a:p>
+            <a:p>
+              <a:pPr marL="285750" indent="-285750">
+                <a:buFont typeface="Arial" pitchFamily="34" charset="0"/>
+                <a:buChar char="•"/>
+              </a:pPr>
+              <a:r>
+                <a:rPr lang="ko-KR" altLang="en-US" b="1" dirty="0" smtClean="0">
+                  <a:solidFill>
+                    <a:schemeClr val="tx1"/>
+                  </a:solidFill>
+                </a:rPr>
+                <a:t>유저 </a:t>
+              </a:r>
+              <a:r>
+                <a:rPr lang="ko-KR" altLang="en-US" b="1" dirty="0">
+                  <a:solidFill>
+                    <a:schemeClr val="tx1"/>
+                  </a:solidFill>
+                </a:rPr>
+                <a:t>분석 </a:t>
+              </a:r>
+              <a:r>
+                <a:rPr lang="en-US" altLang="ko-KR" b="1" dirty="0">
+                  <a:solidFill>
+                    <a:schemeClr val="tx1"/>
+                  </a:solidFill>
+                </a:rPr>
+                <a:t>DB </a:t>
+              </a:r>
+              <a:r>
+                <a:rPr lang="ko-KR" altLang="en-US" b="1" dirty="0" smtClean="0">
+                  <a:solidFill>
+                    <a:schemeClr val="tx1"/>
+                  </a:solidFill>
+                </a:rPr>
+                <a:t>설</a:t>
+              </a:r>
+              <a:r>
+                <a:rPr lang="ko-KR" altLang="en-US" b="1" dirty="0">
+                  <a:solidFill>
+                    <a:schemeClr val="tx1"/>
+                  </a:solidFill>
+                </a:rPr>
+                <a:t>계</a:t>
+              </a:r>
+              <a:endParaRPr lang="en-US" altLang="ko-KR" b="1" dirty="0">
+                <a:solidFill>
+                  <a:schemeClr val="tx1"/>
+                </a:solidFill>
+              </a:endParaRPr>
+            </a:p>
+            <a:p>
+              <a:pPr marL="285750" indent="-285750">
+                <a:buFont typeface="Arial" pitchFamily="34" charset="0"/>
+                <a:buChar char="•"/>
+              </a:pPr>
+              <a:r>
+                <a:rPr lang="ko-KR" altLang="en-US" b="1" dirty="0" smtClean="0">
+                  <a:solidFill>
+                    <a:schemeClr val="tx1"/>
+                  </a:solidFill>
+                </a:rPr>
+                <a:t>서버 보안</a:t>
+              </a:r>
+              <a:endParaRPr lang="en-US" altLang="ko-KR" b="1" dirty="0">
+                <a:solidFill>
+                  <a:schemeClr val="tx1"/>
+                </a:solidFill>
+              </a:endParaRPr>
+            </a:p>
+            <a:p>
+              <a:pPr marL="285750" indent="-285750">
+                <a:buFont typeface="Arial" pitchFamily="34" charset="0"/>
+                <a:buChar char="•"/>
+              </a:pPr>
+              <a:r>
+                <a:rPr lang="en-US" altLang="ko-KR" b="1" dirty="0" smtClean="0">
+                  <a:solidFill>
+                    <a:schemeClr val="tx1"/>
+                  </a:solidFill>
+                </a:rPr>
+                <a:t>IBM </a:t>
+              </a:r>
+              <a:r>
+                <a:rPr lang="ko-KR" altLang="en-US" b="1" dirty="0" smtClean="0">
+                  <a:solidFill>
+                    <a:schemeClr val="tx1"/>
+                  </a:solidFill>
+                </a:rPr>
+                <a:t>클라우드 서버  연계</a:t>
+              </a:r>
+              <a:endParaRPr lang="en-US" altLang="ko-KR" b="1" dirty="0">
+                <a:solidFill>
+                  <a:schemeClr val="tx1"/>
+                </a:solidFill>
+              </a:endParaRPr>
+            </a:p>
+          </p:txBody>
+        </p:sp>
+        <p:sp>
+          <p:nvSpPr>
+            <p:cNvPr id="29" name="Rounded Rectangle 28"/>
+            <p:cNvSpPr/>
+            <p:nvPr/>
+          </p:nvSpPr>
+          <p:spPr>
+            <a:xfrm>
+              <a:off x="865413" y="1951264"/>
+              <a:ext cx="2743201" cy="403628"/>
+            </a:xfrm>
+            <a:prstGeom prst="roundRect">
+              <a:avLst/>
+            </a:prstGeom>
+            <a:solidFill>
+              <a:schemeClr val="accent6"/>
+            </a:solidFill>
+            <a:ln>
+              <a:solidFill>
+                <a:schemeClr val="tx1"/>
+              </a:solidFill>
+            </a:ln>
+          </p:spPr>
+          <p:style>
+            <a:lnRef idx="2">
+              <a:schemeClr val="accent1">
+                <a:shade val="50000"/>
+              </a:schemeClr>
+            </a:lnRef>
+            <a:fillRef idx="1">
+              <a:schemeClr val="accent1"/>
+            </a:fillRef>
+            <a:effectRef idx="0">
+              <a:schemeClr val="accent1"/>
+            </a:effectRef>
+            <a:fontRef idx="minor">
+              <a:schemeClr val="lt1"/>
+            </a:fontRef>
+          </p:style>
+          <p:txBody>
+            <a:bodyPr rtlCol="0" anchor="ctr"/>
+            <a:lstStyle/>
+            <a:p>
+              <a:pPr algn="ctr"/>
+              <a:r>
+                <a:rPr lang="ko-KR" altLang="en-US" dirty="0" smtClean="0">
+                  <a:solidFill>
+                    <a:schemeClr val="tx1"/>
+                  </a:solidFill>
+                </a:rPr>
+                <a:t>서버 </a:t>
+              </a:r>
+              <a:r>
+                <a:rPr lang="en-US" altLang="ko-KR" dirty="0" smtClean="0">
+                  <a:solidFill>
+                    <a:schemeClr val="tx1"/>
+                  </a:solidFill>
+                </a:rPr>
+                <a:t>- </a:t>
+              </a:r>
+              <a:r>
+                <a:rPr lang="ko-KR" altLang="en-US" dirty="0" smtClean="0">
+                  <a:solidFill>
+                    <a:schemeClr val="tx1"/>
+                  </a:solidFill>
+                </a:rPr>
+                <a:t>이진수</a:t>
+              </a:r>
+              <a:endParaRPr lang="ko-KR" altLang="en-US" dirty="0">
+                <a:solidFill>
+                  <a:schemeClr val="tx1"/>
+                </a:solidFill>
+              </a:endParaRPr>
+            </a:p>
+          </p:txBody>
+        </p:sp>
+      </p:grpSp>
     </p:spTree>
     <p:extLst>
       <p:ext uri="{BB962C8B-B14F-4D97-AF65-F5344CB8AC3E}">
@@ -8132,4 +11535,574 @@
     </a:ext>
   </a:extLst>
 </a:theme>
+</file>
+
+<file path=ppt/theme/theme2.xml><?xml version="1.0" encoding="utf-8"?>
+<a:theme xmlns:a="http://schemas.openxmlformats.org/drawingml/2006/main" name="Office Theme">
+  <a:themeElements>
+    <a:clrScheme name="Office">
+      <a:dk1>
+        <a:sysClr val="windowText" lastClr="000000"/>
+      </a:dk1>
+      <a:lt1>
+        <a:sysClr val="window" lastClr="FFFFFF"/>
+      </a:lt1>
+      <a:dk2>
+        <a:srgbClr val="1F497D"/>
+      </a:dk2>
+      <a:lt2>
+        <a:srgbClr val="EEECE1"/>
+      </a:lt2>
+      <a:accent1>
+        <a:srgbClr val="4F81BD"/>
+      </a:accent1>
+      <a:accent2>
+        <a:srgbClr val="C0504D"/>
+      </a:accent2>
+      <a:accent3>
+        <a:srgbClr val="9BBB59"/>
+      </a:accent3>
+      <a:accent4>
+        <a:srgbClr val="8064A2"/>
+      </a:accent4>
+      <a:accent5>
+        <a:srgbClr val="4BACC6"/>
+      </a:accent5>
+      <a:accent6>
+        <a:srgbClr val="F79646"/>
+      </a:accent6>
+      <a:hlink>
+        <a:srgbClr val="0000FF"/>
+      </a:hlink>
+      <a:folHlink>
+        <a:srgbClr val="800080"/>
+      </a:folHlink>
+    </a:clrScheme>
+    <a:fontScheme name="Office">
+      <a:majorFont>
+        <a:latin typeface="맑은 고딕"/>
+        <a:ea typeface=""/>
+        <a:cs typeface=""/>
+        <a:font script="Jpan" typeface="ＭＳ Ｐゴシック"/>
+        <a:font script="Hang" typeface="맑은 고딕"/>
+        <a:font script="Hans" typeface="宋体"/>
+        <a:font script="Hant" typeface="新細明體"/>
+        <a:font script="Arab" typeface="Times New Roman"/>
+        <a:font script="Hebr" typeface="Times New Roman"/>
+        <a:font script="Thai" typeface="Angsana New"/>
+        <a:font script="Ethi" typeface="Nyala"/>
+        <a:font script="Beng" typeface="Vrinda"/>
+        <a:font script="Gujr" typeface="Shruti"/>
+        <a:font script="Khmr" typeface="MoolBoran"/>
+        <a:font script="Knda" typeface="Tunga"/>
+        <a:font script="Guru" typeface="Raavi"/>
+        <a:font script="Cans" typeface="Euphemia"/>
+        <a:font script="Cher" typeface="Plantagenet Cherokee"/>
+        <a:font script="Yiii" typeface="Microsoft Yi Baiti"/>
+        <a:font script="Tibt" typeface="Microsoft Himalaya"/>
+        <a:font script="Thaa" typeface="MV Boli"/>
+        <a:font script="Deva" typeface="Mangal"/>
+        <a:font script="Telu" typeface="Gautami"/>
+        <a:font script="Taml" typeface="Latha"/>
+        <a:font script="Syrc" typeface="Estrangelo Edessa"/>
+        <a:font script="Orya" typeface="Kalinga"/>
+        <a:font script="Mlym" typeface="Kartika"/>
+        <a:font script="Laoo" typeface="DokChampa"/>
+        <a:font script="Sinh" typeface="Iskoola Pota"/>
+        <a:font script="Mong" typeface="Mongolian Baiti"/>
+        <a:font script="Viet" typeface="Times New Roman"/>
+        <a:font script="Uigh" typeface="Microsoft Uighur"/>
+        <a:font script="Geor" typeface="Sylfaen"/>
+      </a:majorFont>
+      <a:minorFont>
+        <a:latin typeface="맑은 고딕"/>
+        <a:ea typeface=""/>
+        <a:cs typeface=""/>
+        <a:font script="Jpan" typeface="ＭＳ Ｐゴシック"/>
+        <a:font script="Hang" typeface="맑은 고딕"/>
+        <a:font script="Hans" typeface="宋体"/>
+        <a:font script="Hant" typeface="新細明體"/>
+        <a:font script="Arab" typeface="Arial"/>
+        <a:font script="Hebr" typeface="Arial"/>
+        <a:font script="Thai" typeface="Cordia New"/>
+        <a:font script="Ethi" typeface="Nyala"/>
+        <a:font script="Beng" typeface="Vrinda"/>
+        <a:font script="Gujr" typeface="Shruti"/>
+        <a:font script="Khmr" typeface="DaunPenh"/>
+        <a:font script="Knda" typeface="Tunga"/>
+        <a:font script="Guru" typeface="Raavi"/>
+        <a:font script="Cans" typeface="Euphemia"/>
+        <a:font script="Cher" typeface="Plantagenet Cherokee"/>
+        <a:font script="Yiii" typeface="Microsoft Yi Baiti"/>
+        <a:font script="Tibt" typeface="Microsoft Himalaya"/>
+        <a:font script="Thaa" typeface="MV Boli"/>
+        <a:font script="Deva" typeface="Mangal"/>
+        <a:font script="Telu" typeface="Gautami"/>
+        <a:font script="Taml" typeface="Latha"/>
+        <a:font script="Syrc" typeface="Estrangelo Edessa"/>
+        <a:font script="Orya" typeface="Kalinga"/>
+        <a:font script="Mlym" typeface="Kartika"/>
+        <a:font script="Laoo" typeface="DokChampa"/>
+        <a:font script="Sinh" typeface="Iskoola Pota"/>
+        <a:font script="Mong" typeface="Mongolian Baiti"/>
+        <a:font script="Viet" typeface="Arial"/>
+        <a:font script="Uigh" typeface="Microsoft Uighur"/>
+        <a:font script="Geor" typeface="Sylfaen"/>
+      </a:minorFont>
+    </a:fontScheme>
+    <a:fmtScheme name="Office">
+      <a:fillStyleLst>
+        <a:solidFill>
+          <a:schemeClr val="phClr"/>
+        </a:solidFill>
+        <a:gradFill rotWithShape="1">
+          <a:gsLst>
+            <a:gs pos="0">
+              <a:schemeClr val="phClr">
+                <a:tint val="50000"/>
+                <a:satMod val="300000"/>
+              </a:schemeClr>
+            </a:gs>
+            <a:gs pos="35000">
+              <a:schemeClr val="phClr">
+                <a:tint val="37000"/>
+                <a:satMod val="300000"/>
+              </a:schemeClr>
+            </a:gs>
+            <a:gs pos="100000">
+              <a:schemeClr val="phClr">
+                <a:tint val="15000"/>
+                <a:satMod val="350000"/>
+              </a:schemeClr>
+            </a:gs>
+          </a:gsLst>
+          <a:lin ang="16200000" scaled="1"/>
+        </a:gradFill>
+        <a:gradFill rotWithShape="1">
+          <a:gsLst>
+            <a:gs pos="0">
+              <a:schemeClr val="phClr">
+                <a:shade val="51000"/>
+                <a:satMod val="130000"/>
+              </a:schemeClr>
+            </a:gs>
+            <a:gs pos="80000">
+              <a:schemeClr val="phClr">
+                <a:shade val="93000"/>
+                <a:satMod val="130000"/>
+              </a:schemeClr>
+            </a:gs>
+            <a:gs pos="100000">
+              <a:schemeClr val="phClr">
+                <a:shade val="94000"/>
+                <a:satMod val="135000"/>
+              </a:schemeClr>
+            </a:gs>
+          </a:gsLst>
+          <a:lin ang="16200000" scaled="0"/>
+        </a:gradFill>
+      </a:fillStyleLst>
+      <a:lnStyleLst>
+        <a:ln w="9525" cap="flat" cmpd="sng" algn="ctr">
+          <a:solidFill>
+            <a:schemeClr val="phClr">
+              <a:shade val="95000"/>
+              <a:satMod val="105000"/>
+            </a:schemeClr>
+          </a:solidFill>
+          <a:prstDash val="solid"/>
+        </a:ln>
+        <a:ln w="25400" cap="flat" cmpd="sng" algn="ctr">
+          <a:solidFill>
+            <a:schemeClr val="phClr"/>
+          </a:solidFill>
+          <a:prstDash val="solid"/>
+        </a:ln>
+        <a:ln w="38100" cap="flat" cmpd="sng" algn="ctr">
+          <a:solidFill>
+            <a:schemeClr val="phClr"/>
+          </a:solidFill>
+          <a:prstDash val="solid"/>
+        </a:ln>
+      </a:lnStyleLst>
+      <a:effectStyleLst>
+        <a:effectStyle>
+          <a:effectLst>
+            <a:outerShdw blurRad="40000" dist="20000" dir="5400000" rotWithShape="0">
+              <a:srgbClr val="000000">
+                <a:alpha val="38000"/>
+              </a:srgbClr>
+            </a:outerShdw>
+          </a:effectLst>
+        </a:effectStyle>
+        <a:effectStyle>
+          <a:effectLst>
+            <a:outerShdw blurRad="40000" dist="23000" dir="5400000" rotWithShape="0">
+              <a:srgbClr val="000000">
+                <a:alpha val="35000"/>
+              </a:srgbClr>
+            </a:outerShdw>
+          </a:effectLst>
+        </a:effectStyle>
+        <a:effectStyle>
+          <a:effectLst>
+            <a:outerShdw blurRad="40000" dist="23000" dir="5400000" rotWithShape="0">
+              <a:srgbClr val="000000">
+                <a:alpha val="35000"/>
+              </a:srgbClr>
+            </a:outerShdw>
+          </a:effectLst>
+          <a:scene3d>
+            <a:camera prst="orthographicFront">
+              <a:rot lat="0" lon="0" rev="0"/>
+            </a:camera>
+            <a:lightRig rig="threePt" dir="t">
+              <a:rot lat="0" lon="0" rev="1200000"/>
+            </a:lightRig>
+          </a:scene3d>
+          <a:sp3d>
+            <a:bevelT w="63500" h="25400"/>
+          </a:sp3d>
+        </a:effectStyle>
+      </a:effectStyleLst>
+      <a:bgFillStyleLst>
+        <a:solidFill>
+          <a:schemeClr val="phClr"/>
+        </a:solidFill>
+        <a:gradFill rotWithShape="1">
+          <a:gsLst>
+            <a:gs pos="0">
+              <a:schemeClr val="phClr">
+                <a:tint val="40000"/>
+                <a:satMod val="350000"/>
+              </a:schemeClr>
+            </a:gs>
+            <a:gs pos="40000">
+              <a:schemeClr val="phClr">
+                <a:tint val="45000"/>
+                <a:shade val="99000"/>
+                <a:satMod val="350000"/>
+              </a:schemeClr>
+            </a:gs>
+            <a:gs pos="100000">
+              <a:schemeClr val="phClr">
+                <a:shade val="20000"/>
+                <a:satMod val="255000"/>
+              </a:schemeClr>
+            </a:gs>
+          </a:gsLst>
+          <a:path path="circle">
+            <a:fillToRect l="50000" t="-80000" r="50000" b="180000"/>
+          </a:path>
+        </a:gradFill>
+        <a:gradFill rotWithShape="1">
+          <a:gsLst>
+            <a:gs pos="0">
+              <a:schemeClr val="phClr">
+                <a:tint val="80000"/>
+                <a:satMod val="300000"/>
+              </a:schemeClr>
+            </a:gs>
+            <a:gs pos="100000">
+              <a:schemeClr val="phClr">
+                <a:shade val="30000"/>
+                <a:satMod val="200000"/>
+              </a:schemeClr>
+            </a:gs>
+          </a:gsLst>
+          <a:path path="circle">
+            <a:fillToRect l="50000" t="50000" r="50000" b="50000"/>
+          </a:path>
+        </a:gradFill>
+      </a:bgFillStyleLst>
+    </a:fmtScheme>
+  </a:themeElements>
+  <a:objectDefaults/>
+  <a:extraClrSchemeLst/>
+</a:theme>
+</file>
+
+<file path=ppt/theme/theme3.xml><?xml version="1.0" encoding="utf-8"?>
+<a:theme xmlns:a="http://schemas.openxmlformats.org/drawingml/2006/main" name="Office Theme">
+  <a:themeElements>
+    <a:clrScheme name="Office">
+      <a:dk1>
+        <a:sysClr val="windowText" lastClr="000000"/>
+      </a:dk1>
+      <a:lt1>
+        <a:sysClr val="window" lastClr="FFFFFF"/>
+      </a:lt1>
+      <a:dk2>
+        <a:srgbClr val="1F497D"/>
+      </a:dk2>
+      <a:lt2>
+        <a:srgbClr val="EEECE1"/>
+      </a:lt2>
+      <a:accent1>
+        <a:srgbClr val="4F81BD"/>
+      </a:accent1>
+      <a:accent2>
+        <a:srgbClr val="C0504D"/>
+      </a:accent2>
+      <a:accent3>
+        <a:srgbClr val="9BBB59"/>
+      </a:accent3>
+      <a:accent4>
+        <a:srgbClr val="8064A2"/>
+      </a:accent4>
+      <a:accent5>
+        <a:srgbClr val="4BACC6"/>
+      </a:accent5>
+      <a:accent6>
+        <a:srgbClr val="F79646"/>
+      </a:accent6>
+      <a:hlink>
+        <a:srgbClr val="0000FF"/>
+      </a:hlink>
+      <a:folHlink>
+        <a:srgbClr val="800080"/>
+      </a:folHlink>
+    </a:clrScheme>
+    <a:fontScheme name="Office">
+      <a:majorFont>
+        <a:latin typeface="맑은 고딕"/>
+        <a:ea typeface=""/>
+        <a:cs typeface=""/>
+        <a:font script="Jpan" typeface="ＭＳ Ｐゴシック"/>
+        <a:font script="Hang" typeface="맑은 고딕"/>
+        <a:font script="Hans" typeface="宋体"/>
+        <a:font script="Hant" typeface="新細明體"/>
+        <a:font script="Arab" typeface="Times New Roman"/>
+        <a:font script="Hebr" typeface="Times New Roman"/>
+        <a:font script="Thai" typeface="Angsana New"/>
+        <a:font script="Ethi" typeface="Nyala"/>
+        <a:font script="Beng" typeface="Vrinda"/>
+        <a:font script="Gujr" typeface="Shruti"/>
+        <a:font script="Khmr" typeface="MoolBoran"/>
+        <a:font script="Knda" typeface="Tunga"/>
+        <a:font script="Guru" typeface="Raavi"/>
+        <a:font script="Cans" typeface="Euphemia"/>
+        <a:font script="Cher" typeface="Plantagenet Cherokee"/>
+        <a:font script="Yiii" typeface="Microsoft Yi Baiti"/>
+        <a:font script="Tibt" typeface="Microsoft Himalaya"/>
+        <a:font script="Thaa" typeface="MV Boli"/>
+        <a:font script="Deva" typeface="Mangal"/>
+        <a:font script="Telu" typeface="Gautami"/>
+        <a:font script="Taml" typeface="Latha"/>
+        <a:font script="Syrc" typeface="Estrangelo Edessa"/>
+        <a:font script="Orya" typeface="Kalinga"/>
+        <a:font script="Mlym" typeface="Kartika"/>
+        <a:font script="Laoo" typeface="DokChampa"/>
+        <a:font script="Sinh" typeface="Iskoola Pota"/>
+        <a:font script="Mong" typeface="Mongolian Baiti"/>
+        <a:font script="Viet" typeface="Times New Roman"/>
+        <a:font script="Uigh" typeface="Microsoft Uighur"/>
+        <a:font script="Geor" typeface="Sylfaen"/>
+      </a:majorFont>
+      <a:minorFont>
+        <a:latin typeface="맑은 고딕"/>
+        <a:ea typeface=""/>
+        <a:cs typeface=""/>
+        <a:font script="Jpan" typeface="ＭＳ Ｐゴシック"/>
+        <a:font script="Hang" typeface="맑은 고딕"/>
+        <a:font script="Hans" typeface="宋体"/>
+        <a:font script="Hant" typeface="新細明體"/>
+        <a:font script="Arab" typeface="Arial"/>
+        <a:font script="Hebr" typeface="Arial"/>
+        <a:font script="Thai" typeface="Cordia New"/>
+        <a:font script="Ethi" typeface="Nyala"/>
+        <a:font script="Beng" typeface="Vrinda"/>
+        <a:font script="Gujr" typeface="Shruti"/>
+        <a:font script="Khmr" typeface="DaunPenh"/>
+        <a:font script="Knda" typeface="Tunga"/>
+        <a:font script="Guru" typeface="Raavi"/>
+        <a:font script="Cans" typeface="Euphemia"/>
+        <a:font script="Cher" typeface="Plantagenet Cherokee"/>
+        <a:font script="Yiii" typeface="Microsoft Yi Baiti"/>
+        <a:font script="Tibt" typeface="Microsoft Himalaya"/>
+        <a:font script="Thaa" typeface="MV Boli"/>
+        <a:font script="Deva" typeface="Mangal"/>
+        <a:font script="Telu" typeface="Gautami"/>
+        <a:font script="Taml" typeface="Latha"/>
+        <a:font script="Syrc" typeface="Estrangelo Edessa"/>
+        <a:font script="Orya" typeface="Kalinga"/>
+        <a:font script="Mlym" typeface="Kartika"/>
+        <a:font script="Laoo" typeface="DokChampa"/>
+        <a:font script="Sinh" typeface="Iskoola Pota"/>
+        <a:font script="Mong" typeface="Mongolian Baiti"/>
+        <a:font script="Viet" typeface="Arial"/>
+        <a:font script="Uigh" typeface="Microsoft Uighur"/>
+        <a:font script="Geor" typeface="Sylfaen"/>
+      </a:minorFont>
+    </a:fontScheme>
+    <a:fmtScheme name="Office">
+      <a:fillStyleLst>
+        <a:solidFill>
+          <a:schemeClr val="phClr"/>
+        </a:solidFill>
+        <a:gradFill rotWithShape="1">
+          <a:gsLst>
+            <a:gs pos="0">
+              <a:schemeClr val="phClr">
+                <a:tint val="50000"/>
+                <a:satMod val="300000"/>
+              </a:schemeClr>
+            </a:gs>
+            <a:gs pos="35000">
+              <a:schemeClr val="phClr">
+                <a:tint val="37000"/>
+                <a:satMod val="300000"/>
+              </a:schemeClr>
+            </a:gs>
+            <a:gs pos="100000">
+              <a:schemeClr val="phClr">
+                <a:tint val="15000"/>
+                <a:satMod val="350000"/>
+              </a:schemeClr>
+            </a:gs>
+          </a:gsLst>
+          <a:lin ang="16200000" scaled="1"/>
+        </a:gradFill>
+        <a:gradFill rotWithShape="1">
+          <a:gsLst>
+            <a:gs pos="0">
+              <a:schemeClr val="phClr">
+                <a:shade val="51000"/>
+                <a:satMod val="130000"/>
+              </a:schemeClr>
+            </a:gs>
+            <a:gs pos="80000">
+              <a:schemeClr val="phClr">
+                <a:shade val="93000"/>
+                <a:satMod val="130000"/>
+              </a:schemeClr>
+            </a:gs>
+            <a:gs pos="100000">
+              <a:schemeClr val="phClr">
+                <a:shade val="94000"/>
+                <a:satMod val="135000"/>
+              </a:schemeClr>
+            </a:gs>
+          </a:gsLst>
+          <a:lin ang="16200000" scaled="0"/>
+        </a:gradFill>
+      </a:fillStyleLst>
+      <a:lnStyleLst>
+        <a:ln w="9525" cap="flat" cmpd="sng" algn="ctr">
+          <a:solidFill>
+            <a:schemeClr val="phClr">
+              <a:shade val="95000"/>
+              <a:satMod val="105000"/>
+            </a:schemeClr>
+          </a:solidFill>
+          <a:prstDash val="solid"/>
+        </a:ln>
+        <a:ln w="25400" cap="flat" cmpd="sng" algn="ctr">
+          <a:solidFill>
+            <a:schemeClr val="phClr"/>
+          </a:solidFill>
+          <a:prstDash val="solid"/>
+        </a:ln>
+        <a:ln w="38100" cap="flat" cmpd="sng" algn="ctr">
+          <a:solidFill>
+            <a:schemeClr val="phClr"/>
+          </a:solidFill>
+          <a:prstDash val="solid"/>
+        </a:ln>
+      </a:lnStyleLst>
+      <a:effectStyleLst>
+        <a:effectStyle>
+          <a:effectLst>
+            <a:outerShdw blurRad="40000" dist="20000" dir="5400000" rotWithShape="0">
+              <a:srgbClr val="000000">
+                <a:alpha val="38000"/>
+              </a:srgbClr>
+            </a:outerShdw>
+          </a:effectLst>
+        </a:effectStyle>
+        <a:effectStyle>
+          <a:effectLst>
+            <a:outerShdw blurRad="40000" dist="23000" dir="5400000" rotWithShape="0">
+              <a:srgbClr val="000000">
+                <a:alpha val="35000"/>
+              </a:srgbClr>
+            </a:outerShdw>
+          </a:effectLst>
+        </a:effectStyle>
+        <a:effectStyle>
+          <a:effectLst>
+            <a:outerShdw blurRad="40000" dist="23000" dir="5400000" rotWithShape="0">
+              <a:srgbClr val="000000">
+                <a:alpha val="35000"/>
+              </a:srgbClr>
+            </a:outerShdw>
+          </a:effectLst>
+          <a:scene3d>
+            <a:camera prst="orthographicFront">
+              <a:rot lat="0" lon="0" rev="0"/>
+            </a:camera>
+            <a:lightRig rig="threePt" dir="t">
+              <a:rot lat="0" lon="0" rev="1200000"/>
+            </a:lightRig>
+          </a:scene3d>
+          <a:sp3d>
+            <a:bevelT w="63500" h="25400"/>
+          </a:sp3d>
+        </a:effectStyle>
+      </a:effectStyleLst>
+      <a:bgFillStyleLst>
+        <a:solidFill>
+          <a:schemeClr val="phClr"/>
+        </a:solidFill>
+        <a:gradFill rotWithShape="1">
+          <a:gsLst>
+            <a:gs pos="0">
+              <a:schemeClr val="phClr">
+                <a:tint val="40000"/>
+                <a:satMod val="350000"/>
+              </a:schemeClr>
+            </a:gs>
+            <a:gs pos="40000">
+              <a:schemeClr val="phClr">
+                <a:tint val="45000"/>
+                <a:shade val="99000"/>
+                <a:satMod val="350000"/>
+              </a:schemeClr>
+            </a:gs>
+            <a:gs pos="100000">
+              <a:schemeClr val="phClr">
+                <a:shade val="20000"/>
+                <a:satMod val="255000"/>
+              </a:schemeClr>
+            </a:gs>
+          </a:gsLst>
+          <a:path path="circle">
+            <a:fillToRect l="50000" t="-80000" r="50000" b="180000"/>
+          </a:path>
+        </a:gradFill>
+        <a:gradFill rotWithShape="1">
+          <a:gsLst>
+            <a:gs pos="0">
+              <a:schemeClr val="phClr">
+                <a:tint val="80000"/>
+                <a:satMod val="300000"/>
+              </a:schemeClr>
+            </a:gs>
+            <a:gs pos="100000">
+              <a:schemeClr val="phClr">
+                <a:shade val="30000"/>
+                <a:satMod val="200000"/>
+              </a:schemeClr>
+            </a:gs>
+          </a:gsLst>
+          <a:path path="circle">
+            <a:fillToRect l="50000" t="50000" r="50000" b="50000"/>
+          </a:path>
+        </a:gradFill>
+      </a:bgFillStyleLst>
+    </a:fmtScheme>
+  </a:themeElements>
+  <a:objectDefaults/>
+  <a:extraClrSchemeLst/>
+</a:theme>
 </file>
--- a/기획문서/중간발표/Aww_중간발표.pptx
+++ b/기획문서/중간발표/Aww_중간발표.pptx
@@ -5,10 +5,10 @@
     <p:sldMasterId id="2147483648" r:id="rId1"/>
   </p:sldMasterIdLst>
   <p:notesMasterIdLst>
-    <p:notesMasterId r:id="rId21"/>
+    <p:notesMasterId r:id="rId23"/>
   </p:notesMasterIdLst>
   <p:handoutMasterIdLst>
-    <p:handoutMasterId r:id="rId22"/>
+    <p:handoutMasterId r:id="rId24"/>
   </p:handoutMasterIdLst>
   <p:sldIdLst>
     <p:sldId id="256" r:id="rId2"/>
@@ -16,20 +16,22 @@
     <p:sldId id="258" r:id="rId4"/>
     <p:sldId id="269" r:id="rId5"/>
     <p:sldId id="270" r:id="rId6"/>
-    <p:sldId id="259" r:id="rId7"/>
-    <p:sldId id="260" r:id="rId8"/>
-    <p:sldId id="272" r:id="rId9"/>
-    <p:sldId id="271" r:id="rId10"/>
-    <p:sldId id="264" r:id="rId11"/>
-    <p:sldId id="279" r:id="rId12"/>
-    <p:sldId id="265" r:id="rId13"/>
-    <p:sldId id="280" r:id="rId14"/>
-    <p:sldId id="273" r:id="rId15"/>
-    <p:sldId id="274" r:id="rId16"/>
-    <p:sldId id="275" r:id="rId17"/>
-    <p:sldId id="276" r:id="rId18"/>
-    <p:sldId id="277" r:id="rId19"/>
-    <p:sldId id="278" r:id="rId20"/>
+    <p:sldId id="260" r:id="rId7"/>
+    <p:sldId id="282" r:id="rId8"/>
+    <p:sldId id="283" r:id="rId9"/>
+    <p:sldId id="272" r:id="rId10"/>
+    <p:sldId id="271" r:id="rId11"/>
+    <p:sldId id="264" r:id="rId12"/>
+    <p:sldId id="279" r:id="rId13"/>
+    <p:sldId id="265" r:id="rId14"/>
+    <p:sldId id="280" r:id="rId15"/>
+    <p:sldId id="273" r:id="rId16"/>
+    <p:sldId id="274" r:id="rId17"/>
+    <p:sldId id="275" r:id="rId18"/>
+    <p:sldId id="276" r:id="rId19"/>
+    <p:sldId id="277" r:id="rId20"/>
+    <p:sldId id="278" r:id="rId21"/>
+    <p:sldId id="281" r:id="rId22"/>
   </p:sldIdLst>
   <p:sldSz cx="12192000" cy="6858000"/>
   <p:notesSz cx="6858000" cy="9144000"/>
@@ -3621,8 +3623,8 @@
         </p:nvSpPr>
         <p:spPr>
           <a:xfrm>
-            <a:off x="5502584" y="4746744"/>
-            <a:ext cx="6400800" cy="1752600"/>
+            <a:off x="1134690" y="4607952"/>
+            <a:ext cx="10197338" cy="1752600"/>
           </a:xfrm>
         </p:spPr>
         <p:txBody>
@@ -3632,13 +3634,21 @@
           <a:lstStyle/>
           <a:p>
             <a:pPr algn="l"/>
+            <a:r>
+              <a:rPr lang="ko-KR" altLang="en-US" dirty="0" smtClean="0">
+                <a:solidFill>
+                  <a:schemeClr val="tx1"/>
+                </a:solidFill>
+              </a:rPr>
+              <a:t>졸업연구 </a:t>
+            </a:r>
             <a:r>
               <a:rPr lang="ko-KR" altLang="en-US" dirty="0">
                 <a:solidFill>
                   <a:schemeClr val="tx1"/>
                 </a:solidFill>
               </a:rPr>
-              <a:t>                       졸업연구 중간발표</a:t>
+              <a:t>중간발표</a:t>
             </a:r>
             <a:endParaRPr lang="en-US" altLang="ko-KR" dirty="0">
               <a:solidFill>
@@ -3647,22 +3657,27 @@
             </a:endParaRPr>
           </a:p>
           <a:p>
-            <a:r>
-              <a:rPr lang="en-US" altLang="ko-KR" b="1" i="1" u="sng" dirty="0">
+            <a:pPr algn="l"/>
+            <a:r>
+              <a:rPr lang="ko-KR" altLang="en-US" b="1" i="1" dirty="0" smtClean="0">
                 <a:solidFill>
                   <a:schemeClr val="tx1"/>
                 </a:solidFill>
               </a:rPr>
-              <a:t>Prof. </a:t>
-            </a:r>
-            <a:r>
-              <a:rPr lang="ko-KR" altLang="en-US" b="1" i="1" u="sng" dirty="0">
+              <a:t>      </a:t>
+            </a:r>
+            <a:r>
+              <a:rPr lang="ko-KR" altLang="en-US" b="1" i="1" u="sng" dirty="0" smtClean="0">
                 <a:solidFill>
                   <a:schemeClr val="tx1"/>
                 </a:solidFill>
               </a:rPr>
               <a:t>김경철</a:t>
             </a:r>
+            <a:r>
+              <a:rPr lang="ko-KR" altLang="en-US" b="1" i="1" u="sng" dirty="0" smtClean="0"/>
+              <a:t>교수님</a:t>
+            </a:r>
             <a:endParaRPr lang="en-US" altLang="ko-KR" b="1" i="1" u="sng" dirty="0">
               <a:solidFill>
                 <a:schemeClr val="tx1"/>
@@ -3672,7 +3687,15 @@
           <a:p>
             <a:pPr algn="r"/>
             <a:r>
-              <a:rPr lang="ko-KR" altLang="en-US" b="1" dirty="0">
+              <a:rPr lang="en-US" altLang="ko-KR" b="1" dirty="0" smtClean="0">
+                <a:solidFill>
+                  <a:schemeClr val="tx1"/>
+                </a:solidFill>
+              </a:rPr>
+              <a:t>2011182045 </a:t>
+            </a:r>
+            <a:r>
+              <a:rPr lang="ko-KR" altLang="en-US" b="1" dirty="0" smtClean="0">
                 <a:solidFill>
                   <a:schemeClr val="tx1"/>
                 </a:solidFill>
@@ -3688,7 +3711,11 @@
           <a:p>
             <a:pPr algn="r"/>
             <a:r>
-              <a:rPr lang="ko-KR" altLang="en-US" b="1" dirty="0">
+              <a:rPr lang="en-US" altLang="ko-KR" b="1" dirty="0" smtClean="0"/>
+              <a:t>2011182035 </a:t>
+            </a:r>
+            <a:r>
+              <a:rPr lang="ko-KR" altLang="en-US" b="1" dirty="0" smtClean="0">
                 <a:solidFill>
                   <a:schemeClr val="tx1"/>
                 </a:solidFill>
@@ -3704,13 +3731,26 @@
           <a:p>
             <a:pPr algn="r"/>
             <a:r>
-              <a:rPr lang="ko-KR" altLang="en-US" b="1" dirty="0">
+              <a:rPr lang="en-US" altLang="ko-KR" b="1" dirty="0" smtClean="0">
+                <a:solidFill>
+                  <a:schemeClr val="tx1"/>
+                </a:solidFill>
+              </a:rPr>
+              <a:t>2011182048 </a:t>
+            </a:r>
+            <a:r>
+              <a:rPr lang="ko-KR" altLang="en-US" b="1" dirty="0" smtClean="0">
                 <a:solidFill>
                   <a:schemeClr val="tx1"/>
                 </a:solidFill>
               </a:rPr>
               <a:t>조지훈</a:t>
             </a:r>
+            <a:endParaRPr lang="ko-KR" altLang="en-US" b="1" dirty="0">
+              <a:solidFill>
+                <a:schemeClr val="tx1"/>
+              </a:solidFill>
+            </a:endParaRPr>
           </a:p>
         </p:txBody>
       </p:sp>
@@ -3733,6 +3773,49 @@
               <a:rPr lang="ko-KR" altLang="en-US" smtClean="0"/>
               <a:t>1</a:t>
             </a:fld>
+            <a:endParaRPr lang="ko-KR" altLang="en-US"/>
+          </a:p>
+        </p:txBody>
+      </p:sp>
+      <p:sp>
+        <p:nvSpPr>
+          <p:cNvPr id="2" name="Rectangle 1"/>
+          <p:cNvSpPr/>
+          <p:nvPr/>
+        </p:nvSpPr>
+        <p:spPr>
+          <a:xfrm>
+            <a:off x="1216479" y="5314949"/>
+            <a:ext cx="2090057" cy="767444"/>
+          </a:xfrm>
+          <a:prstGeom prst="rect">
+            <a:avLst/>
+          </a:prstGeom>
+          <a:ln>
+            <a:solidFill>
+              <a:schemeClr val="dk1"/>
+            </a:solidFill>
+          </a:ln>
+        </p:spPr>
+        <p:style>
+          <a:lnRef idx="2">
+            <a:schemeClr val="dk1"/>
+          </a:lnRef>
+          <a:fillRef idx="1">
+            <a:schemeClr val="lt1"/>
+          </a:fillRef>
+          <a:effectRef idx="0">
+            <a:schemeClr val="dk1"/>
+          </a:effectRef>
+          <a:fontRef idx="minor">
+            <a:schemeClr val="dk1"/>
+          </a:fontRef>
+        </p:style>
+        <p:txBody>
+          <a:bodyPr rtlCol="0" anchor="ctr"/>
+          <a:lstStyle/>
+          <a:p>
+            <a:pPr algn="ctr"/>
             <a:endParaRPr lang="ko-KR" altLang="en-US"/>
           </a:p>
         </p:txBody>
@@ -3799,8 +3882,1059 @@
               <a:rPr lang="en-US" altLang="ko-KR" b="1" dirty="0"/>
             </a:br>
             <a:r>
+              <a:rPr lang="en-US" altLang="ko-KR" b="1" dirty="0" smtClean="0"/>
+              <a:t>6. </a:t>
+            </a:r>
+            <a:r>
+              <a:rPr lang="ko-KR" altLang="en-US" b="1" dirty="0" smtClean="0"/>
+              <a:t>추후 보완</a:t>
+            </a:r>
+            <a:r>
+              <a:rPr lang="en-US" altLang="ko-KR" b="1" dirty="0" smtClean="0"/>
+              <a:t>,</a:t>
+            </a:r>
+            <a:r>
+              <a:rPr lang="ko-KR" altLang="en-US" b="1" dirty="0" smtClean="0"/>
+              <a:t>추가 개발점</a:t>
+            </a:r>
+            <a:r>
               <a:rPr lang="en-US" altLang="ko-KR" b="1" dirty="0"/>
-              <a:t>5. </a:t>
+              <a:t/>
+            </a:r>
+            <a:br>
+              <a:rPr lang="en-US" altLang="ko-KR" b="1" dirty="0"/>
+            </a:br>
+            <a:endParaRPr lang="ko-KR" altLang="en-US" dirty="0"/>
+          </a:p>
+        </p:txBody>
+      </p:sp>
+      <p:sp>
+        <p:nvSpPr>
+          <p:cNvPr id="5" name="Slide Number Placeholder 4"/>
+          <p:cNvSpPr>
+            <a:spLocks noGrp="1"/>
+          </p:cNvSpPr>
+          <p:nvPr>
+            <p:ph type="sldNum" sz="quarter" idx="12"/>
+          </p:nvPr>
+        </p:nvSpPr>
+        <p:spPr/>
+        <p:txBody>
+          <a:bodyPr/>
+          <a:lstStyle/>
+          <a:p>
+            <a:fld id="{FBFC020C-1606-4BED-91BA-A6230104B3B1}" type="slidenum">
+              <a:rPr lang="ko-KR" altLang="en-US" smtClean="0"/>
+              <a:t>10</a:t>
+            </a:fld>
+            <a:endParaRPr lang="ko-KR" altLang="en-US"/>
+          </a:p>
+        </p:txBody>
+      </p:sp>
+      <p:grpSp>
+        <p:nvGrpSpPr>
+          <p:cNvPr id="18" name="Group 17"/>
+          <p:cNvGrpSpPr/>
+          <p:nvPr/>
+        </p:nvGrpSpPr>
+        <p:grpSpPr>
+          <a:xfrm>
+            <a:off x="380996" y="1834385"/>
+            <a:ext cx="2743201" cy="3994914"/>
+            <a:chOff x="865413" y="1951264"/>
+            <a:chExt cx="2743201" cy="3994914"/>
+          </a:xfrm>
+        </p:grpSpPr>
+        <p:sp>
+          <p:nvSpPr>
+            <p:cNvPr id="19" name="Rectangle 18"/>
+            <p:cNvSpPr/>
+            <p:nvPr/>
+          </p:nvSpPr>
+          <p:spPr>
+            <a:xfrm>
+              <a:off x="865413" y="2354891"/>
+              <a:ext cx="2743201" cy="3591287"/>
+            </a:xfrm>
+            <a:prstGeom prst="rect">
+              <a:avLst/>
+            </a:prstGeom>
+            <a:ln/>
+          </p:spPr>
+          <p:style>
+            <a:lnRef idx="2">
+              <a:schemeClr val="dk1"/>
+            </a:lnRef>
+            <a:fillRef idx="1">
+              <a:schemeClr val="lt1"/>
+            </a:fillRef>
+            <a:effectRef idx="0">
+              <a:schemeClr val="dk1"/>
+            </a:effectRef>
+            <a:fontRef idx="minor">
+              <a:schemeClr val="dk1"/>
+            </a:fontRef>
+          </p:style>
+          <p:txBody>
+            <a:bodyPr rtlCol="0" anchor="ctr"/>
+            <a:lstStyle/>
+            <a:p>
+              <a:pPr marL="285750" indent="-285750">
+                <a:buFont typeface="Arial" pitchFamily="34" charset="0"/>
+                <a:buChar char="•"/>
+              </a:pPr>
+              <a:r>
+                <a:rPr lang="ko-KR" altLang="en-US" b="1" dirty="0" smtClean="0"/>
+                <a:t>시스템 개별 기획서</a:t>
+              </a:r>
+              <a:endParaRPr lang="en-US" altLang="ko-KR" b="1" dirty="0" smtClean="0"/>
+            </a:p>
+            <a:p>
+              <a:pPr marL="285750" indent="-285750">
+                <a:buFont typeface="Arial" pitchFamily="34" charset="0"/>
+                <a:buChar char="•"/>
+              </a:pPr>
+              <a:r>
+                <a:rPr lang="en-US" altLang="ko-KR" b="1" dirty="0" smtClean="0"/>
+                <a:t>UX/UI </a:t>
+              </a:r>
+              <a:r>
+                <a:rPr lang="ko-KR" altLang="en-US" b="1" dirty="0"/>
+                <a:t>기획서 작성</a:t>
+              </a:r>
+              <a:endParaRPr lang="en-US" altLang="ko-KR" b="1" dirty="0"/>
+            </a:p>
+            <a:p>
+              <a:pPr marL="285750" indent="-285750">
+                <a:buFont typeface="Arial" pitchFamily="34" charset="0"/>
+                <a:buChar char="•"/>
+              </a:pPr>
+              <a:r>
+                <a:rPr lang="ko-KR" altLang="en-US" b="1" dirty="0"/>
+                <a:t>사운드</a:t>
+              </a:r>
+              <a:r>
+                <a:rPr lang="en-US" altLang="ko-KR" b="1" dirty="0"/>
+                <a:t>,</a:t>
+              </a:r>
+              <a:r>
+                <a:rPr lang="ko-KR" altLang="en-US" b="1" dirty="0"/>
+                <a:t>이펙트</a:t>
+              </a:r>
+              <a:r>
+                <a:rPr lang="en-US" altLang="ko-KR" b="1" dirty="0"/>
+                <a:t>,</a:t>
+              </a:r>
+              <a:r>
+                <a:rPr lang="ko-KR" altLang="en-US" b="1" dirty="0"/>
+                <a:t>애니메이션 </a:t>
+              </a:r>
+              <a:r>
+                <a:rPr lang="ko-KR" altLang="en-US" b="1" dirty="0" smtClean="0"/>
+                <a:t>기획</a:t>
+              </a:r>
+              <a:endParaRPr lang="en-US" altLang="ko-KR" b="1" dirty="0" smtClean="0"/>
+            </a:p>
+            <a:p>
+              <a:pPr marL="285750" indent="-285750">
+                <a:buFont typeface="Arial" pitchFamily="34" charset="0"/>
+                <a:buChar char="•"/>
+              </a:pPr>
+              <a:r>
+                <a:rPr lang="ko-KR" altLang="en-US" b="1" dirty="0" smtClean="0"/>
+                <a:t>레벨 디자인</a:t>
+              </a:r>
+              <a:r>
+                <a:rPr lang="en-US" altLang="ko-KR" b="1" dirty="0" smtClean="0"/>
+                <a:t> </a:t>
+              </a:r>
+            </a:p>
+            <a:p>
+              <a:pPr marL="285750" indent="-285750">
+                <a:buFont typeface="Arial" pitchFamily="34" charset="0"/>
+                <a:buChar char="•"/>
+              </a:pPr>
+              <a:r>
+                <a:rPr lang="ko-KR" altLang="en-US" b="1" dirty="0" smtClean="0"/>
+                <a:t>수치 디자인</a:t>
+              </a:r>
+              <a:endParaRPr lang="en-US" altLang="ko-KR" b="1" dirty="0" smtClean="0"/>
+            </a:p>
+            <a:p>
+              <a:pPr marL="285750" indent="-285750">
+                <a:buFont typeface="Arial" pitchFamily="34" charset="0"/>
+                <a:buChar char="•"/>
+              </a:pPr>
+              <a:r>
+                <a:rPr lang="en-US" altLang="ko-KR" b="1" dirty="0" smtClean="0"/>
+                <a:t>BM</a:t>
+              </a:r>
+              <a:r>
+                <a:rPr lang="ko-KR" altLang="en-US" b="1" dirty="0" smtClean="0"/>
+                <a:t> 재설계</a:t>
+              </a:r>
+              <a:endParaRPr lang="en-US" altLang="ko-KR" b="1" dirty="0"/>
+            </a:p>
+          </p:txBody>
+        </p:sp>
+        <p:sp>
+          <p:nvSpPr>
+            <p:cNvPr id="20" name="Rounded Rectangle 19"/>
+            <p:cNvSpPr/>
+            <p:nvPr/>
+          </p:nvSpPr>
+          <p:spPr>
+            <a:xfrm>
+              <a:off x="865413" y="1951264"/>
+              <a:ext cx="2743201" cy="403628"/>
+            </a:xfrm>
+            <a:prstGeom prst="roundRect">
+              <a:avLst/>
+            </a:prstGeom>
+            <a:solidFill>
+              <a:schemeClr val="accent1"/>
+            </a:solidFill>
+            <a:ln>
+              <a:solidFill>
+                <a:schemeClr val="tx1"/>
+              </a:solidFill>
+            </a:ln>
+          </p:spPr>
+          <p:style>
+            <a:lnRef idx="2">
+              <a:schemeClr val="accent1">
+                <a:shade val="50000"/>
+              </a:schemeClr>
+            </a:lnRef>
+            <a:fillRef idx="1">
+              <a:schemeClr val="accent1"/>
+            </a:fillRef>
+            <a:effectRef idx="0">
+              <a:schemeClr val="accent1"/>
+            </a:effectRef>
+            <a:fontRef idx="minor">
+              <a:schemeClr val="lt1"/>
+            </a:fontRef>
+          </p:style>
+          <p:txBody>
+            <a:bodyPr rtlCol="0" anchor="ctr"/>
+            <a:lstStyle/>
+            <a:p>
+              <a:pPr algn="ctr"/>
+              <a:r>
+                <a:rPr lang="ko-KR" altLang="en-US" dirty="0" smtClean="0">
+                  <a:solidFill>
+                    <a:schemeClr val="tx1"/>
+                  </a:solidFill>
+                </a:rPr>
+                <a:t>기획</a:t>
+              </a:r>
+              <a:r>
+                <a:rPr lang="en-US" altLang="ko-KR" dirty="0">
+                  <a:solidFill>
+                    <a:schemeClr val="tx1"/>
+                  </a:solidFill>
+                </a:rPr>
+                <a:t> </a:t>
+              </a:r>
+              <a:r>
+                <a:rPr lang="en-US" altLang="ko-KR" dirty="0" smtClean="0">
+                  <a:solidFill>
+                    <a:schemeClr val="tx1"/>
+                  </a:solidFill>
+                </a:rPr>
+                <a:t>- </a:t>
+              </a:r>
+              <a:r>
+                <a:rPr lang="ko-KR" altLang="en-US" dirty="0" smtClean="0">
+                  <a:solidFill>
+                    <a:schemeClr val="tx1"/>
+                  </a:solidFill>
+                </a:rPr>
+                <a:t>최영민</a:t>
+              </a:r>
+              <a:endParaRPr lang="ko-KR" altLang="en-US" dirty="0">
+                <a:solidFill>
+                  <a:schemeClr val="tx1"/>
+                </a:solidFill>
+              </a:endParaRPr>
+            </a:p>
+          </p:txBody>
+        </p:sp>
+      </p:grpSp>
+      <p:grpSp>
+        <p:nvGrpSpPr>
+          <p:cNvPr id="21" name="Group 20"/>
+          <p:cNvGrpSpPr/>
+          <p:nvPr/>
+        </p:nvGrpSpPr>
+        <p:grpSpPr>
+          <a:xfrm>
+            <a:off x="3294740" y="1834385"/>
+            <a:ext cx="2743201" cy="3994914"/>
+            <a:chOff x="865413" y="1951264"/>
+            <a:chExt cx="2743201" cy="3994914"/>
+          </a:xfrm>
+        </p:grpSpPr>
+        <p:sp>
+          <p:nvSpPr>
+            <p:cNvPr id="22" name="Rectangle 21"/>
+            <p:cNvSpPr/>
+            <p:nvPr/>
+          </p:nvSpPr>
+          <p:spPr>
+            <a:xfrm>
+              <a:off x="865413" y="2354891"/>
+              <a:ext cx="2743201" cy="3591287"/>
+            </a:xfrm>
+            <a:prstGeom prst="rect">
+              <a:avLst/>
+            </a:prstGeom>
+            <a:solidFill>
+              <a:schemeClr val="bg1"/>
+            </a:solidFill>
+            <a:ln>
+              <a:solidFill>
+                <a:schemeClr val="tx1"/>
+              </a:solidFill>
+            </a:ln>
+          </p:spPr>
+          <p:style>
+            <a:lnRef idx="2">
+              <a:schemeClr val="accent1">
+                <a:shade val="50000"/>
+              </a:schemeClr>
+            </a:lnRef>
+            <a:fillRef idx="1">
+              <a:schemeClr val="accent1"/>
+            </a:fillRef>
+            <a:effectRef idx="0">
+              <a:schemeClr val="accent1"/>
+            </a:effectRef>
+            <a:fontRef idx="minor">
+              <a:schemeClr val="lt1"/>
+            </a:fontRef>
+          </p:style>
+          <p:txBody>
+            <a:bodyPr rtlCol="0" anchor="ctr"/>
+            <a:lstStyle/>
+            <a:p>
+              <a:pPr marL="285750" indent="-285750">
+                <a:buFont typeface="Arial" pitchFamily="34" charset="0"/>
+                <a:buChar char="•"/>
+              </a:pPr>
+              <a:r>
+                <a:rPr lang="ko-KR" altLang="en-US" b="1" dirty="0" smtClean="0">
+                  <a:solidFill>
+                    <a:schemeClr val="tx1"/>
+                  </a:solidFill>
+                </a:rPr>
+                <a:t>애니메이션</a:t>
+              </a:r>
+              <a:endParaRPr lang="en-US" altLang="ko-KR" b="1" dirty="0" smtClean="0">
+                <a:solidFill>
+                  <a:schemeClr val="tx1"/>
+                </a:solidFill>
+              </a:endParaRPr>
+            </a:p>
+            <a:p>
+              <a:pPr marL="285750" indent="-285750">
+                <a:buFont typeface="Arial" pitchFamily="34" charset="0"/>
+                <a:buChar char="•"/>
+              </a:pPr>
+              <a:r>
+                <a:rPr lang="en-US" altLang="ko-KR" b="1" dirty="0" smtClean="0">
+                  <a:solidFill>
+                    <a:schemeClr val="tx1"/>
+                  </a:solidFill>
+                </a:rPr>
+                <a:t>UI </a:t>
+              </a:r>
+              <a:r>
+                <a:rPr lang="ko-KR" altLang="en-US" b="1" dirty="0" smtClean="0">
+                  <a:solidFill>
+                    <a:schemeClr val="tx1"/>
+                  </a:solidFill>
+                </a:rPr>
+                <a:t>디자인</a:t>
+              </a:r>
+              <a:endParaRPr lang="en-US" altLang="ko-KR" b="1" dirty="0">
+                <a:solidFill>
+                  <a:schemeClr val="tx1"/>
+                </a:solidFill>
+              </a:endParaRPr>
+            </a:p>
+            <a:p>
+              <a:pPr marL="285750" indent="-285750">
+                <a:buFont typeface="Arial" pitchFamily="34" charset="0"/>
+                <a:buChar char="•"/>
+              </a:pPr>
+              <a:r>
+                <a:rPr lang="ko-KR" altLang="en-US" b="1" dirty="0" smtClean="0">
+                  <a:solidFill>
+                    <a:schemeClr val="tx1"/>
+                  </a:solidFill>
+                </a:rPr>
+                <a:t>추가 조경물</a:t>
+              </a:r>
+              <a:endParaRPr lang="en-US" altLang="ko-KR" b="1" dirty="0" smtClean="0">
+                <a:solidFill>
+                  <a:schemeClr val="tx1"/>
+                </a:solidFill>
+              </a:endParaRPr>
+            </a:p>
+          </p:txBody>
+        </p:sp>
+        <p:sp>
+          <p:nvSpPr>
+            <p:cNvPr id="23" name="Rounded Rectangle 22"/>
+            <p:cNvSpPr/>
+            <p:nvPr/>
+          </p:nvSpPr>
+          <p:spPr>
+            <a:xfrm>
+              <a:off x="865413" y="1951264"/>
+              <a:ext cx="2743201" cy="403628"/>
+            </a:xfrm>
+            <a:prstGeom prst="roundRect">
+              <a:avLst/>
+            </a:prstGeom>
+            <a:solidFill>
+              <a:schemeClr val="accent2"/>
+            </a:solidFill>
+            <a:ln>
+              <a:solidFill>
+                <a:schemeClr val="tx1"/>
+              </a:solidFill>
+            </a:ln>
+          </p:spPr>
+          <p:style>
+            <a:lnRef idx="2">
+              <a:schemeClr val="accent1">
+                <a:shade val="50000"/>
+              </a:schemeClr>
+            </a:lnRef>
+            <a:fillRef idx="1">
+              <a:schemeClr val="accent1"/>
+            </a:fillRef>
+            <a:effectRef idx="0">
+              <a:schemeClr val="accent1"/>
+            </a:effectRef>
+            <a:fontRef idx="minor">
+              <a:schemeClr val="lt1"/>
+            </a:fontRef>
+          </p:style>
+          <p:txBody>
+            <a:bodyPr rtlCol="0" anchor="ctr"/>
+            <a:lstStyle/>
+            <a:p>
+              <a:pPr algn="ctr"/>
+              <a:r>
+                <a:rPr lang="ko-KR" altLang="en-US" dirty="0" smtClean="0">
+                  <a:solidFill>
+                    <a:schemeClr val="tx1"/>
+                  </a:solidFill>
+                </a:rPr>
+                <a:t>그래픽 </a:t>
+              </a:r>
+              <a:r>
+                <a:rPr lang="en-US" altLang="ko-KR" dirty="0" smtClean="0">
+                  <a:solidFill>
+                    <a:schemeClr val="tx1"/>
+                  </a:solidFill>
+                </a:rPr>
+                <a:t>- </a:t>
+              </a:r>
+              <a:r>
+                <a:rPr lang="ko-KR" altLang="en-US" dirty="0" smtClean="0">
+                  <a:solidFill>
+                    <a:schemeClr val="tx1"/>
+                  </a:solidFill>
+                </a:rPr>
+                <a:t>최영민</a:t>
+              </a:r>
+              <a:endParaRPr lang="ko-KR" altLang="en-US" dirty="0">
+                <a:solidFill>
+                  <a:schemeClr val="tx1"/>
+                </a:solidFill>
+              </a:endParaRPr>
+            </a:p>
+          </p:txBody>
+        </p:sp>
+      </p:grpSp>
+      <p:grpSp>
+        <p:nvGrpSpPr>
+          <p:cNvPr id="24" name="Group 23"/>
+          <p:cNvGrpSpPr/>
+          <p:nvPr/>
+        </p:nvGrpSpPr>
+        <p:grpSpPr>
+          <a:xfrm>
+            <a:off x="6208484" y="1834385"/>
+            <a:ext cx="2743201" cy="3994914"/>
+            <a:chOff x="865413" y="1951264"/>
+            <a:chExt cx="2743201" cy="3994914"/>
+          </a:xfrm>
+        </p:grpSpPr>
+        <p:sp>
+          <p:nvSpPr>
+            <p:cNvPr id="25" name="Rectangle 24"/>
+            <p:cNvSpPr/>
+            <p:nvPr/>
+          </p:nvSpPr>
+          <p:spPr>
+            <a:xfrm>
+              <a:off x="865413" y="2354891"/>
+              <a:ext cx="2743201" cy="3591287"/>
+            </a:xfrm>
+            <a:prstGeom prst="rect">
+              <a:avLst/>
+            </a:prstGeom>
+            <a:solidFill>
+              <a:schemeClr val="bg1"/>
+            </a:solidFill>
+            <a:ln>
+              <a:solidFill>
+                <a:schemeClr val="tx1"/>
+              </a:solidFill>
+            </a:ln>
+          </p:spPr>
+          <p:style>
+            <a:lnRef idx="2">
+              <a:schemeClr val="accent1">
+                <a:shade val="50000"/>
+              </a:schemeClr>
+            </a:lnRef>
+            <a:fillRef idx="1">
+              <a:schemeClr val="accent1"/>
+            </a:fillRef>
+            <a:effectRef idx="0">
+              <a:schemeClr val="accent1"/>
+            </a:effectRef>
+            <a:fontRef idx="minor">
+              <a:schemeClr val="lt1"/>
+            </a:fontRef>
+          </p:style>
+          <p:txBody>
+            <a:bodyPr rtlCol="0" anchor="ctr"/>
+            <a:lstStyle/>
+            <a:p>
+              <a:pPr marL="285750" indent="-285750">
+                <a:buFont typeface="Arial" pitchFamily="34" charset="0"/>
+                <a:buChar char="•"/>
+              </a:pPr>
+              <a:r>
+                <a:rPr lang="ko-KR" altLang="en-US" b="1" dirty="0" smtClean="0">
+                  <a:solidFill>
+                    <a:schemeClr val="tx1"/>
+                  </a:solidFill>
+                </a:rPr>
+                <a:t>스킬 로직 구현</a:t>
+              </a:r>
+              <a:endParaRPr lang="en-US" altLang="ko-KR" b="1" dirty="0" smtClean="0">
+                <a:solidFill>
+                  <a:schemeClr val="tx1"/>
+                </a:solidFill>
+              </a:endParaRPr>
+            </a:p>
+            <a:p>
+              <a:pPr marL="285750" indent="-285750">
+                <a:buFont typeface="Arial" pitchFamily="34" charset="0"/>
+                <a:buChar char="•"/>
+              </a:pPr>
+              <a:r>
+                <a:rPr lang="ko-KR" altLang="en-US" b="1" dirty="0" smtClean="0">
+                  <a:solidFill>
+                    <a:schemeClr val="tx1"/>
+                  </a:solidFill>
+                </a:rPr>
+                <a:t>보스 </a:t>
+              </a:r>
+              <a:r>
+                <a:rPr lang="en-US" altLang="ko-KR" b="1" dirty="0" smtClean="0">
+                  <a:solidFill>
+                    <a:schemeClr val="tx1"/>
+                  </a:solidFill>
+                </a:rPr>
+                <a:t>AI </a:t>
+              </a:r>
+              <a:r>
+                <a:rPr lang="ko-KR" altLang="en-US" b="1" dirty="0" smtClean="0">
+                  <a:solidFill>
+                    <a:schemeClr val="tx1"/>
+                  </a:solidFill>
+                </a:rPr>
+                <a:t>구현</a:t>
+              </a:r>
+              <a:endParaRPr lang="en-US" altLang="ko-KR" b="1" dirty="0">
+                <a:solidFill>
+                  <a:schemeClr val="tx1"/>
+                </a:solidFill>
+              </a:endParaRPr>
+            </a:p>
+            <a:p>
+              <a:pPr marL="285750" indent="-285750">
+                <a:buFont typeface="Arial" pitchFamily="34" charset="0"/>
+                <a:buChar char="•"/>
+              </a:pPr>
+              <a:r>
+                <a:rPr lang="ko-KR" altLang="en-US" b="1" dirty="0" smtClean="0">
+                  <a:solidFill>
+                    <a:schemeClr val="tx1"/>
+                  </a:solidFill>
+                </a:rPr>
+                <a:t>드로우콜 저하</a:t>
+              </a:r>
+              <a:endParaRPr lang="en-US" altLang="ko-KR" b="1" dirty="0" smtClean="0">
+                <a:solidFill>
+                  <a:schemeClr val="tx1"/>
+                </a:solidFill>
+              </a:endParaRPr>
+            </a:p>
+            <a:p>
+              <a:pPr marL="285750" indent="-285750">
+                <a:buFont typeface="Arial" pitchFamily="34" charset="0"/>
+                <a:buChar char="•"/>
+              </a:pPr>
+              <a:r>
+                <a:rPr lang="ko-KR" altLang="en-US" b="1" dirty="0" smtClean="0">
+                  <a:solidFill>
+                    <a:schemeClr val="tx1"/>
+                  </a:solidFill>
+                </a:rPr>
+                <a:t>디버깅</a:t>
+              </a:r>
+              <a:endParaRPr lang="en-US" altLang="ko-KR" b="1" dirty="0">
+                <a:solidFill>
+                  <a:schemeClr val="tx1"/>
+                </a:solidFill>
+              </a:endParaRPr>
+            </a:p>
+            <a:p>
+              <a:pPr marL="285750" indent="-285750">
+                <a:buFont typeface="Arial" pitchFamily="34" charset="0"/>
+                <a:buChar char="•"/>
+              </a:pPr>
+              <a:endParaRPr lang="ko-KR" altLang="en-US" dirty="0"/>
+            </a:p>
+          </p:txBody>
+        </p:sp>
+        <p:sp>
+          <p:nvSpPr>
+            <p:cNvPr id="26" name="Rounded Rectangle 25"/>
+            <p:cNvSpPr/>
+            <p:nvPr/>
+          </p:nvSpPr>
+          <p:spPr>
+            <a:xfrm>
+              <a:off x="865413" y="1951264"/>
+              <a:ext cx="2743201" cy="403628"/>
+            </a:xfrm>
+            <a:prstGeom prst="roundRect">
+              <a:avLst/>
+            </a:prstGeom>
+            <a:solidFill>
+              <a:schemeClr val="accent4"/>
+            </a:solidFill>
+            <a:ln>
+              <a:solidFill>
+                <a:schemeClr val="tx1"/>
+              </a:solidFill>
+            </a:ln>
+          </p:spPr>
+          <p:style>
+            <a:lnRef idx="2">
+              <a:schemeClr val="accent1">
+                <a:shade val="50000"/>
+              </a:schemeClr>
+            </a:lnRef>
+            <a:fillRef idx="1">
+              <a:schemeClr val="accent1"/>
+            </a:fillRef>
+            <a:effectRef idx="0">
+              <a:schemeClr val="accent1"/>
+            </a:effectRef>
+            <a:fontRef idx="minor">
+              <a:schemeClr val="lt1"/>
+            </a:fontRef>
+          </p:style>
+          <p:txBody>
+            <a:bodyPr rtlCol="0" anchor="ctr"/>
+            <a:lstStyle/>
+            <a:p>
+              <a:pPr algn="ctr"/>
+              <a:r>
+                <a:rPr lang="ko-KR" altLang="en-US" dirty="0" smtClean="0">
+                  <a:solidFill>
+                    <a:schemeClr val="tx1"/>
+                  </a:solidFill>
+                </a:rPr>
+                <a:t>클라이언트 </a:t>
+              </a:r>
+              <a:r>
+                <a:rPr lang="en-US" altLang="ko-KR" dirty="0" smtClean="0">
+                  <a:solidFill>
+                    <a:schemeClr val="tx1"/>
+                  </a:solidFill>
+                </a:rPr>
+                <a:t>- </a:t>
+              </a:r>
+              <a:r>
+                <a:rPr lang="ko-KR" altLang="en-US" dirty="0" smtClean="0">
+                  <a:solidFill>
+                    <a:schemeClr val="tx1"/>
+                  </a:solidFill>
+                </a:rPr>
+                <a:t>조지훈</a:t>
+              </a:r>
+              <a:endParaRPr lang="ko-KR" altLang="en-US" dirty="0">
+                <a:solidFill>
+                  <a:schemeClr val="tx1"/>
+                </a:solidFill>
+              </a:endParaRPr>
+            </a:p>
+          </p:txBody>
+        </p:sp>
+      </p:grpSp>
+      <p:grpSp>
+        <p:nvGrpSpPr>
+          <p:cNvPr id="27" name="Group 26"/>
+          <p:cNvGrpSpPr/>
+          <p:nvPr/>
+        </p:nvGrpSpPr>
+        <p:grpSpPr>
+          <a:xfrm>
+            <a:off x="9122227" y="1834385"/>
+            <a:ext cx="2743201" cy="3994914"/>
+            <a:chOff x="865413" y="1951264"/>
+            <a:chExt cx="2743201" cy="3994914"/>
+          </a:xfrm>
+        </p:grpSpPr>
+        <p:sp>
+          <p:nvSpPr>
+            <p:cNvPr id="28" name="Rectangle 27"/>
+            <p:cNvSpPr/>
+            <p:nvPr/>
+          </p:nvSpPr>
+          <p:spPr>
+            <a:xfrm>
+              <a:off x="865413" y="2354891"/>
+              <a:ext cx="2743201" cy="3591287"/>
+            </a:xfrm>
+            <a:prstGeom prst="rect">
+              <a:avLst/>
+            </a:prstGeom>
+            <a:solidFill>
+              <a:schemeClr val="bg1"/>
+            </a:solidFill>
+            <a:ln>
+              <a:solidFill>
+                <a:schemeClr val="tx1"/>
+              </a:solidFill>
+            </a:ln>
+          </p:spPr>
+          <p:style>
+            <a:lnRef idx="2">
+              <a:schemeClr val="accent1">
+                <a:shade val="50000"/>
+              </a:schemeClr>
+            </a:lnRef>
+            <a:fillRef idx="1">
+              <a:schemeClr val="accent1"/>
+            </a:fillRef>
+            <a:effectRef idx="0">
+              <a:schemeClr val="accent1"/>
+            </a:effectRef>
+            <a:fontRef idx="minor">
+              <a:schemeClr val="lt1"/>
+            </a:fontRef>
+          </p:style>
+          <p:txBody>
+            <a:bodyPr rtlCol="0" anchor="ctr"/>
+            <a:lstStyle/>
+            <a:p>
+              <a:pPr marL="285750" indent="-285750">
+                <a:buFont typeface="Arial" pitchFamily="34" charset="0"/>
+                <a:buChar char="•"/>
+              </a:pPr>
+              <a:r>
+                <a:rPr lang="ko-KR" altLang="en-US" b="1" dirty="0" smtClean="0">
+                  <a:solidFill>
+                    <a:schemeClr val="tx1"/>
+                  </a:solidFill>
+                </a:rPr>
+                <a:t>대전시스템 </a:t>
+              </a:r>
+              <a:r>
+                <a:rPr lang="en-US" altLang="ko-KR" b="1" dirty="0" smtClean="0">
+                  <a:solidFill>
+                    <a:schemeClr val="tx1"/>
+                  </a:solidFill>
+                </a:rPr>
+                <a:t>DB </a:t>
+              </a:r>
+              <a:r>
+                <a:rPr lang="ko-KR" altLang="en-US" b="1" dirty="0" smtClean="0">
+                  <a:solidFill>
+                    <a:schemeClr val="tx1"/>
+                  </a:solidFill>
+                </a:rPr>
+                <a:t>설</a:t>
+              </a:r>
+              <a:r>
+                <a:rPr lang="ko-KR" altLang="en-US" b="1" dirty="0">
+                  <a:solidFill>
+                    <a:schemeClr val="tx1"/>
+                  </a:solidFill>
+                </a:rPr>
+                <a:t>계</a:t>
+              </a:r>
+              <a:endParaRPr lang="en-US" altLang="ko-KR" b="1" dirty="0" smtClean="0">
+                <a:solidFill>
+                  <a:schemeClr val="tx1"/>
+                </a:solidFill>
+              </a:endParaRPr>
+            </a:p>
+            <a:p>
+              <a:pPr marL="285750" indent="-285750">
+                <a:buFont typeface="Arial" pitchFamily="34" charset="0"/>
+                <a:buChar char="•"/>
+              </a:pPr>
+              <a:r>
+                <a:rPr lang="ko-KR" altLang="en-US" b="1" dirty="0" smtClean="0">
+                  <a:solidFill>
+                    <a:schemeClr val="tx1"/>
+                  </a:solidFill>
+                </a:rPr>
+                <a:t>유저 </a:t>
+              </a:r>
+              <a:r>
+                <a:rPr lang="ko-KR" altLang="en-US" b="1" dirty="0">
+                  <a:solidFill>
+                    <a:schemeClr val="tx1"/>
+                  </a:solidFill>
+                </a:rPr>
+                <a:t>분석 </a:t>
+              </a:r>
+              <a:r>
+                <a:rPr lang="en-US" altLang="ko-KR" b="1" dirty="0">
+                  <a:solidFill>
+                    <a:schemeClr val="tx1"/>
+                  </a:solidFill>
+                </a:rPr>
+                <a:t>DB </a:t>
+              </a:r>
+              <a:r>
+                <a:rPr lang="ko-KR" altLang="en-US" b="1" dirty="0" smtClean="0">
+                  <a:solidFill>
+                    <a:schemeClr val="tx1"/>
+                  </a:solidFill>
+                </a:rPr>
+                <a:t>설</a:t>
+              </a:r>
+              <a:r>
+                <a:rPr lang="ko-KR" altLang="en-US" b="1" dirty="0">
+                  <a:solidFill>
+                    <a:schemeClr val="tx1"/>
+                  </a:solidFill>
+                </a:rPr>
+                <a:t>계</a:t>
+              </a:r>
+              <a:endParaRPr lang="en-US" altLang="ko-KR" b="1" dirty="0">
+                <a:solidFill>
+                  <a:schemeClr val="tx1"/>
+                </a:solidFill>
+              </a:endParaRPr>
+            </a:p>
+            <a:p>
+              <a:pPr marL="285750" indent="-285750">
+                <a:buFont typeface="Arial" pitchFamily="34" charset="0"/>
+                <a:buChar char="•"/>
+              </a:pPr>
+              <a:r>
+                <a:rPr lang="ko-KR" altLang="en-US" b="1" dirty="0" smtClean="0">
+                  <a:solidFill>
+                    <a:schemeClr val="tx1"/>
+                  </a:solidFill>
+                </a:rPr>
+                <a:t>서버 보안</a:t>
+              </a:r>
+              <a:endParaRPr lang="en-US" altLang="ko-KR" b="1" dirty="0">
+                <a:solidFill>
+                  <a:schemeClr val="tx1"/>
+                </a:solidFill>
+              </a:endParaRPr>
+            </a:p>
+            <a:p>
+              <a:pPr marL="285750" indent="-285750">
+                <a:buFont typeface="Arial" pitchFamily="34" charset="0"/>
+                <a:buChar char="•"/>
+              </a:pPr>
+              <a:r>
+                <a:rPr lang="en-US" altLang="ko-KR" b="1" dirty="0" smtClean="0">
+                  <a:solidFill>
+                    <a:schemeClr val="tx1"/>
+                  </a:solidFill>
+                </a:rPr>
+                <a:t>IBM </a:t>
+              </a:r>
+              <a:r>
+                <a:rPr lang="ko-KR" altLang="en-US" b="1" dirty="0" smtClean="0">
+                  <a:solidFill>
+                    <a:schemeClr val="tx1"/>
+                  </a:solidFill>
+                </a:rPr>
+                <a:t>클라우드 서버  연계</a:t>
+              </a:r>
+              <a:endParaRPr lang="en-US" altLang="ko-KR" b="1" dirty="0">
+                <a:solidFill>
+                  <a:schemeClr val="tx1"/>
+                </a:solidFill>
+              </a:endParaRPr>
+            </a:p>
+          </p:txBody>
+        </p:sp>
+        <p:sp>
+          <p:nvSpPr>
+            <p:cNvPr id="29" name="Rounded Rectangle 28"/>
+            <p:cNvSpPr/>
+            <p:nvPr/>
+          </p:nvSpPr>
+          <p:spPr>
+            <a:xfrm>
+              <a:off x="865413" y="1951264"/>
+              <a:ext cx="2743201" cy="403628"/>
+            </a:xfrm>
+            <a:prstGeom prst="roundRect">
+              <a:avLst/>
+            </a:prstGeom>
+            <a:solidFill>
+              <a:schemeClr val="accent6"/>
+            </a:solidFill>
+            <a:ln>
+              <a:solidFill>
+                <a:schemeClr val="tx1"/>
+              </a:solidFill>
+            </a:ln>
+          </p:spPr>
+          <p:style>
+            <a:lnRef idx="2">
+              <a:schemeClr val="accent1">
+                <a:shade val="50000"/>
+              </a:schemeClr>
+            </a:lnRef>
+            <a:fillRef idx="1">
+              <a:schemeClr val="accent1"/>
+            </a:fillRef>
+            <a:effectRef idx="0">
+              <a:schemeClr val="accent1"/>
+            </a:effectRef>
+            <a:fontRef idx="minor">
+              <a:schemeClr val="lt1"/>
+            </a:fontRef>
+          </p:style>
+          <p:txBody>
+            <a:bodyPr rtlCol="0" anchor="ctr"/>
+            <a:lstStyle/>
+            <a:p>
+              <a:pPr algn="ctr"/>
+              <a:r>
+                <a:rPr lang="ko-KR" altLang="en-US" dirty="0" smtClean="0">
+                  <a:solidFill>
+                    <a:schemeClr val="tx1"/>
+                  </a:solidFill>
+                </a:rPr>
+                <a:t>서버 </a:t>
+              </a:r>
+              <a:r>
+                <a:rPr lang="en-US" altLang="ko-KR" dirty="0" smtClean="0">
+                  <a:solidFill>
+                    <a:schemeClr val="tx1"/>
+                  </a:solidFill>
+                </a:rPr>
+                <a:t>- </a:t>
+              </a:r>
+              <a:r>
+                <a:rPr lang="ko-KR" altLang="en-US" dirty="0" smtClean="0">
+                  <a:solidFill>
+                    <a:schemeClr val="tx1"/>
+                  </a:solidFill>
+                </a:rPr>
+                <a:t>이진수</a:t>
+              </a:r>
+              <a:endParaRPr lang="ko-KR" altLang="en-US" dirty="0">
+                <a:solidFill>
+                  <a:schemeClr val="tx1"/>
+                </a:solidFill>
+              </a:endParaRPr>
+            </a:p>
+          </p:txBody>
+        </p:sp>
+      </p:grpSp>
+    </p:spTree>
+    <p:extLst>
+      <p:ext uri="{BB962C8B-B14F-4D97-AF65-F5344CB8AC3E}">
+        <p14:creationId xmlns:p14="http://schemas.microsoft.com/office/powerpoint/2010/main" val="3870136359"/>
+      </p:ext>
+    </p:extLst>
+  </p:cSld>
+  <p:clrMapOvr>
+    <a:masterClrMapping/>
+  </p:clrMapOvr>
+  <p:timing>
+    <p:tnLst>
+      <p:par>
+        <p:cTn id="1" dur="indefinite" restart="never" nodeType="tmRoot"/>
+      </p:par>
+    </p:tnLst>
+  </p:timing>
+</p:sld>
+</file>
+
+<file path=ppt/slides/slide11.xml><?xml version="1.0" encoding="utf-8"?>
+<p:sld xmlns:a="http://schemas.openxmlformats.org/drawingml/2006/main" xmlns:r="http://schemas.openxmlformats.org/officeDocument/2006/relationships" xmlns:p="http://schemas.openxmlformats.org/presentationml/2006/main">
+  <p:cSld>
+    <p:spTree>
+      <p:nvGrpSpPr>
+        <p:cNvPr id="1" name=""/>
+        <p:cNvGrpSpPr/>
+        <p:nvPr/>
+      </p:nvGrpSpPr>
+      <p:grpSpPr>
+        <a:xfrm>
+          <a:off x="0" y="0"/>
+          <a:ext cx="0" cy="0"/>
+          <a:chOff x="0" y="0"/>
+          <a:chExt cx="0" cy="0"/>
+        </a:xfrm>
+      </p:grpSpPr>
+      <p:sp>
+        <p:nvSpPr>
+          <p:cNvPr id="2" name="제목 1"/>
+          <p:cNvSpPr>
+            <a:spLocks noGrp="1"/>
+          </p:cNvSpPr>
+          <p:nvPr>
+            <p:ph type="title"/>
+          </p:nvPr>
+        </p:nvSpPr>
+        <p:spPr/>
+        <p:txBody>
+          <a:bodyPr>
+            <a:normAutofit fontScale="90000"/>
+          </a:bodyPr>
+          <a:lstStyle/>
+          <a:p>
+            <a:r>
+              <a:rPr lang="en-US" altLang="ko-KR" b="1" dirty="0"/>
+              <a:t/>
+            </a:r>
+            <a:br>
+              <a:rPr lang="en-US" altLang="ko-KR" b="1" dirty="0"/>
+            </a:br>
+            <a:r>
+              <a:rPr lang="en-US" altLang="ko-KR" b="1" dirty="0" smtClean="0"/>
+              <a:t>7. </a:t>
             </a:r>
             <a:r>
               <a:rPr lang="ko-KR" altLang="en-US" b="1" dirty="0"/>
@@ -4365,7 +5499,7 @@
           <a:p>
             <a:fld id="{FBFC020C-1606-4BED-91BA-A6230104B3B1}" type="slidenum">
               <a:rPr lang="ko-KR" altLang="en-US" smtClean="0"/>
-              <a:t>10</a:t>
+              <a:t>11</a:t>
             </a:fld>
             <a:endParaRPr lang="ko-KR" altLang="en-US"/>
           </a:p>
@@ -4375,137 +5509,6 @@
     <p:extLst>
       <p:ext uri="{BB962C8B-B14F-4D97-AF65-F5344CB8AC3E}">
         <p14:creationId xmlns:p14="http://schemas.microsoft.com/office/powerpoint/2010/main" val="1270315708"/>
-      </p:ext>
-    </p:extLst>
-  </p:cSld>
-  <p:clrMapOvr>
-    <a:masterClrMapping/>
-  </p:clrMapOvr>
-  <p:timing>
-    <p:tnLst>
-      <p:par>
-        <p:cTn id="1" dur="indefinite" restart="never" nodeType="tmRoot"/>
-      </p:par>
-    </p:tnLst>
-  </p:timing>
-</p:sld>
-</file>
-
-<file path=ppt/slides/slide11.xml><?xml version="1.0" encoding="utf-8"?>
-<p:sld xmlns:a="http://schemas.openxmlformats.org/drawingml/2006/main" xmlns:r="http://schemas.openxmlformats.org/officeDocument/2006/relationships" xmlns:p="http://schemas.openxmlformats.org/presentationml/2006/main">
-  <p:cSld>
-    <p:spTree>
-      <p:nvGrpSpPr>
-        <p:cNvPr id="1" name=""/>
-        <p:cNvGrpSpPr/>
-        <p:nvPr/>
-      </p:nvGrpSpPr>
-      <p:grpSpPr>
-        <a:xfrm>
-          <a:off x="0" y="0"/>
-          <a:ext cx="0" cy="0"/>
-          <a:chOff x="0" y="0"/>
-          <a:chExt cx="0" cy="0"/>
-        </a:xfrm>
-      </p:grpSpPr>
-      <p:sp>
-        <p:nvSpPr>
-          <p:cNvPr id="2" name="제목 1"/>
-          <p:cNvSpPr>
-            <a:spLocks noGrp="1"/>
-          </p:cNvSpPr>
-          <p:nvPr>
-            <p:ph type="title"/>
-          </p:nvPr>
-        </p:nvSpPr>
-        <p:spPr/>
-        <p:txBody>
-          <a:bodyPr>
-            <a:normAutofit fontScale="90000"/>
-          </a:bodyPr>
-          <a:lstStyle/>
-          <a:p>
-            <a:r>
-              <a:rPr lang="en-US" altLang="ko-KR" b="1" dirty="0"/>
-              <a:t/>
-            </a:r>
-            <a:br>
-              <a:rPr lang="en-US" altLang="ko-KR" b="1" dirty="0"/>
-            </a:br>
-            <a:r>
-              <a:rPr lang="en-US" altLang="ko-KR" b="1" dirty="0"/>
-              <a:t>5. </a:t>
-            </a:r>
-            <a:r>
-              <a:rPr lang="ko-KR" altLang="en-US" b="1" dirty="0"/>
-              <a:t>개발 일정</a:t>
-            </a:r>
-            <a:r>
-              <a:rPr lang="en-US" altLang="ko-KR" b="1" dirty="0"/>
-              <a:t/>
-            </a:r>
-            <a:br>
-              <a:rPr lang="en-US" altLang="ko-KR" b="1" dirty="0"/>
-            </a:br>
-            <a:endParaRPr lang="ko-KR" altLang="en-US" dirty="0"/>
-          </a:p>
-        </p:txBody>
-      </p:sp>
-      <p:sp>
-        <p:nvSpPr>
-          <p:cNvPr id="3" name="내용 개체 틀 2"/>
-          <p:cNvSpPr>
-            <a:spLocks noGrp="1"/>
-          </p:cNvSpPr>
-          <p:nvPr>
-            <p:ph idx="1"/>
-          </p:nvPr>
-        </p:nvSpPr>
-        <p:spPr/>
-        <p:txBody>
-          <a:bodyPr/>
-          <a:lstStyle/>
-          <a:p>
-            <a:endParaRPr lang="en-US" altLang="ko-KR" dirty="0"/>
-          </a:p>
-          <a:p>
-            <a:endParaRPr lang="en-US" altLang="ko-KR" dirty="0"/>
-          </a:p>
-          <a:p>
-            <a:pPr marL="0" indent="0">
-              <a:buNone/>
-            </a:pPr>
-            <a:endParaRPr lang="en-US" altLang="ko-KR" dirty="0"/>
-          </a:p>
-        </p:txBody>
-      </p:sp>
-      <p:sp>
-        <p:nvSpPr>
-          <p:cNvPr id="5" name="Slide Number Placeholder 4"/>
-          <p:cNvSpPr>
-            <a:spLocks noGrp="1"/>
-          </p:cNvSpPr>
-          <p:nvPr>
-            <p:ph type="sldNum" sz="quarter" idx="12"/>
-          </p:nvPr>
-        </p:nvSpPr>
-        <p:spPr/>
-        <p:txBody>
-          <a:bodyPr/>
-          <a:lstStyle/>
-          <a:p>
-            <a:fld id="{FBFC020C-1606-4BED-91BA-A6230104B3B1}" type="slidenum">
-              <a:rPr lang="ko-KR" altLang="en-US" smtClean="0"/>
-              <a:t>11</a:t>
-            </a:fld>
-            <a:endParaRPr lang="ko-KR" altLang="en-US"/>
-          </a:p>
-        </p:txBody>
-      </p:sp>
-    </p:spTree>
-    <p:extLst>
-      <p:ext uri="{BB962C8B-B14F-4D97-AF65-F5344CB8AC3E}">
-        <p14:creationId xmlns:p14="http://schemas.microsoft.com/office/powerpoint/2010/main" val="1218757221"/>
       </p:ext>
     </p:extLst>
   </p:cSld>
@@ -4557,26 +5560,26 @@
           <a:lstStyle/>
           <a:p>
             <a:r>
-              <a:rPr lang="en-US" altLang="ko-KR" dirty="0"/>
+              <a:rPr lang="en-US" altLang="ko-KR" b="1" dirty="0"/>
               <a:t/>
             </a:r>
             <a:br>
-              <a:rPr lang="en-US" altLang="ko-KR" dirty="0"/>
+              <a:rPr lang="en-US" altLang="ko-KR" b="1" dirty="0"/>
             </a:br>
             <a:r>
+              <a:rPr lang="en-US" altLang="ko-KR" b="1" dirty="0" smtClean="0"/>
+              <a:t>8. </a:t>
+            </a:r>
+            <a:r>
+              <a:rPr lang="ko-KR" altLang="en-US" b="1" dirty="0"/>
+              <a:t>개발 일정</a:t>
+            </a:r>
+            <a:r>
               <a:rPr lang="en-US" altLang="ko-KR" b="1" dirty="0"/>
-              <a:t>8. </a:t>
-            </a:r>
-            <a:r>
-              <a:rPr lang="ko-KR" altLang="en-US" b="1" dirty="0" err="1"/>
-              <a:t>데모시연</a:t>
-            </a:r>
-            <a:r>
-              <a:rPr lang="ko-KR" altLang="en-US" b="1" dirty="0"/>
-              <a:t> </a:t>
+              <a:t/>
             </a:r>
             <a:br>
-              <a:rPr lang="ko-KR" altLang="en-US" b="1" dirty="0"/>
+              <a:rPr lang="en-US" altLang="ko-KR" b="1" dirty="0"/>
             </a:br>
             <a:endParaRPr lang="ko-KR" altLang="en-US" dirty="0"/>
           </a:p>
@@ -4597,18 +5600,15 @@
           <a:bodyPr/>
           <a:lstStyle/>
           <a:p>
-            <a:r>
-              <a:rPr lang="en-US" altLang="ko-KR" dirty="0"/>
-              <a:t> </a:t>
-            </a:r>
-          </a:p>
-          <a:p>
             <a:endParaRPr lang="en-US" altLang="ko-KR" dirty="0"/>
           </a:p>
           <a:p>
             <a:endParaRPr lang="en-US" altLang="ko-KR" dirty="0"/>
           </a:p>
           <a:p>
+            <a:pPr marL="0" indent="0">
+              <a:buNone/>
+            </a:pPr>
             <a:endParaRPr lang="en-US" altLang="ko-KR" dirty="0"/>
           </a:p>
         </p:txBody>
@@ -4631,6 +5631,109 @@
             <a:fld id="{FBFC020C-1606-4BED-91BA-A6230104B3B1}" type="slidenum">
               <a:rPr lang="ko-KR" altLang="en-US" smtClean="0"/>
               <a:t>12</a:t>
+            </a:fld>
+            <a:endParaRPr lang="ko-KR" altLang="en-US"/>
+          </a:p>
+        </p:txBody>
+      </p:sp>
+    </p:spTree>
+    <p:extLst>
+      <p:ext uri="{BB962C8B-B14F-4D97-AF65-F5344CB8AC3E}">
+        <p14:creationId xmlns:p14="http://schemas.microsoft.com/office/powerpoint/2010/main" val="1218757221"/>
+      </p:ext>
+    </p:extLst>
+  </p:cSld>
+  <p:clrMapOvr>
+    <a:masterClrMapping/>
+  </p:clrMapOvr>
+  <p:timing>
+    <p:tnLst>
+      <p:par>
+        <p:cTn id="1" dur="indefinite" restart="never" nodeType="tmRoot"/>
+      </p:par>
+    </p:tnLst>
+  </p:timing>
+</p:sld>
+</file>
+
+<file path=ppt/slides/slide13.xml><?xml version="1.0" encoding="utf-8"?>
+<p:sld xmlns:a="http://schemas.openxmlformats.org/drawingml/2006/main" xmlns:r="http://schemas.openxmlformats.org/officeDocument/2006/relationships" xmlns:p="http://schemas.openxmlformats.org/presentationml/2006/main">
+  <p:cSld>
+    <p:spTree>
+      <p:nvGrpSpPr>
+        <p:cNvPr id="1" name=""/>
+        <p:cNvGrpSpPr/>
+        <p:nvPr/>
+      </p:nvGrpSpPr>
+      <p:grpSpPr>
+        <a:xfrm>
+          <a:off x="0" y="0"/>
+          <a:ext cx="0" cy="0"/>
+          <a:chOff x="0" y="0"/>
+          <a:chExt cx="0" cy="0"/>
+        </a:xfrm>
+      </p:grpSpPr>
+      <p:sp>
+        <p:nvSpPr>
+          <p:cNvPr id="2" name="제목 1"/>
+          <p:cNvSpPr>
+            <a:spLocks noGrp="1"/>
+          </p:cNvSpPr>
+          <p:nvPr>
+            <p:ph type="title"/>
+          </p:nvPr>
+        </p:nvSpPr>
+        <p:spPr/>
+        <p:txBody>
+          <a:bodyPr>
+            <a:normAutofit fontScale="90000"/>
+          </a:bodyPr>
+          <a:lstStyle/>
+          <a:p>
+            <a:r>
+              <a:rPr lang="en-US" altLang="ko-KR" dirty="0"/>
+              <a:t/>
+            </a:r>
+            <a:br>
+              <a:rPr lang="en-US" altLang="ko-KR" dirty="0"/>
+            </a:br>
+            <a:r>
+              <a:rPr lang="en-US" altLang="ko-KR" b="1" dirty="0" smtClean="0"/>
+              <a:t>9. </a:t>
+            </a:r>
+            <a:r>
+              <a:rPr lang="ko-KR" altLang="en-US" b="1" dirty="0" err="1"/>
+              <a:t>데모시연</a:t>
+            </a:r>
+            <a:r>
+              <a:rPr lang="ko-KR" altLang="en-US" b="1" dirty="0"/>
+              <a:t> </a:t>
+            </a:r>
+            <a:br>
+              <a:rPr lang="ko-KR" altLang="en-US" b="1" dirty="0"/>
+            </a:br>
+            <a:endParaRPr lang="ko-KR" altLang="en-US" dirty="0"/>
+          </a:p>
+        </p:txBody>
+      </p:sp>
+      <p:sp>
+        <p:nvSpPr>
+          <p:cNvPr id="5" name="Slide Number Placeholder 4"/>
+          <p:cNvSpPr>
+            <a:spLocks noGrp="1"/>
+          </p:cNvSpPr>
+          <p:nvPr>
+            <p:ph type="sldNum" sz="quarter" idx="12"/>
+          </p:nvPr>
+        </p:nvSpPr>
+        <p:spPr/>
+        <p:txBody>
+          <a:bodyPr/>
+          <a:lstStyle/>
+          <a:p>
+            <a:fld id="{FBFC020C-1606-4BED-91BA-A6230104B3B1}" type="slidenum">
+              <a:rPr lang="ko-KR" altLang="en-US" smtClean="0"/>
+              <a:t>13</a:t>
             </a:fld>
             <a:endParaRPr lang="ko-KR" altLang="en-US"/>
           </a:p>
@@ -4656,7 +5759,7 @@
 </p:sld>
 </file>
 
-<file path=ppt/slides/slide13.xml><?xml version="1.0" encoding="utf-8"?>
+<file path=ppt/slides/slide14.xml><?xml version="1.0" encoding="utf-8"?>
 <p:sld xmlns:a="http://schemas.openxmlformats.org/drawingml/2006/main" xmlns:r="http://schemas.openxmlformats.org/officeDocument/2006/relationships" xmlns:p="http://schemas.openxmlformats.org/presentationml/2006/main">
   <p:cSld>
     <p:bg>
@@ -4734,7 +5837,7 @@
           <a:p>
             <a:fld id="{FBFC020C-1606-4BED-91BA-A6230104B3B1}" type="slidenum">
               <a:rPr lang="ko-KR" altLang="en-US" smtClean="0"/>
-              <a:t>13</a:t>
+              <a:t>14</a:t>
             </a:fld>
             <a:endParaRPr lang="ko-KR" altLang="en-US"/>
           </a:p>
@@ -4744,273 +5847,6 @@
     <p:extLst>
       <p:ext uri="{BB962C8B-B14F-4D97-AF65-F5344CB8AC3E}">
         <p14:creationId xmlns:p14="http://schemas.microsoft.com/office/powerpoint/2010/main" val="2881428937"/>
-      </p:ext>
-    </p:extLst>
-  </p:cSld>
-  <p:clrMapOvr>
-    <a:masterClrMapping/>
-  </p:clrMapOvr>
-  <p:timing>
-    <p:tnLst>
-      <p:par>
-        <p:cTn id="1" dur="indefinite" restart="never" nodeType="tmRoot"/>
-      </p:par>
-    </p:tnLst>
-  </p:timing>
-</p:sld>
-</file>
-
-<file path=ppt/slides/slide14.xml><?xml version="1.0" encoding="utf-8"?>
-<p:sld xmlns:a="http://schemas.openxmlformats.org/drawingml/2006/main" xmlns:r="http://schemas.openxmlformats.org/officeDocument/2006/relationships" xmlns:p="http://schemas.openxmlformats.org/presentationml/2006/main">
-  <p:cSld>
-    <p:spTree>
-      <p:nvGrpSpPr>
-        <p:cNvPr id="1" name=""/>
-        <p:cNvGrpSpPr/>
-        <p:nvPr/>
-      </p:nvGrpSpPr>
-      <p:grpSpPr>
-        <a:xfrm>
-          <a:off x="0" y="0"/>
-          <a:ext cx="0" cy="0"/>
-          <a:chOff x="0" y="0"/>
-          <a:chExt cx="0" cy="0"/>
-        </a:xfrm>
-      </p:grpSpPr>
-      <p:sp>
-        <p:nvSpPr>
-          <p:cNvPr id="2" name="제목 1"/>
-          <p:cNvSpPr>
-            <a:spLocks noGrp="1"/>
-          </p:cNvSpPr>
-          <p:nvPr>
-            <p:ph type="title"/>
-          </p:nvPr>
-        </p:nvSpPr>
-        <p:spPr/>
-        <p:txBody>
-          <a:bodyPr>
-            <a:normAutofit fontScale="90000"/>
-          </a:bodyPr>
-          <a:lstStyle/>
-          <a:p>
-            <a:r>
-              <a:rPr lang="en-US" altLang="ko-KR" b="1" dirty="0"/>
-              <a:t/>
-            </a:r>
-            <a:br>
-              <a:rPr lang="en-US" altLang="ko-KR" b="1" dirty="0"/>
-            </a:br>
-            <a:r>
-              <a:rPr lang="en-US" altLang="ko-KR" b="1" dirty="0"/>
-              <a:t>4-2. </a:t>
-            </a:r>
-            <a:r>
-              <a:rPr lang="ko-KR" altLang="en-US" b="1" dirty="0"/>
-              <a:t>기획</a:t>
-            </a:r>
-            <a:r>
-              <a:rPr lang="en-US" altLang="ko-KR" b="1" dirty="0"/>
-              <a:t>,</a:t>
-            </a:r>
-            <a:r>
-              <a:rPr lang="ko-KR" altLang="en-US" b="1" dirty="0"/>
-              <a:t>그래픽 개발 상황 </a:t>
-            </a:r>
-            <a:r>
-              <a:rPr lang="en-US" altLang="ko-KR" b="1" dirty="0"/>
-              <a:t>– </a:t>
-            </a:r>
-            <a:r>
-              <a:rPr lang="ko-KR" altLang="en-US" sz="3100" b="1" dirty="0"/>
-              <a:t>최영민</a:t>
-            </a:r>
-            <a:r>
-              <a:rPr lang="en-US" altLang="ko-KR" b="1" dirty="0"/>
-              <a:t/>
-            </a:r>
-            <a:br>
-              <a:rPr lang="en-US" altLang="ko-KR" b="1" dirty="0"/>
-            </a:br>
-            <a:endParaRPr lang="ko-KR" altLang="en-US" dirty="0"/>
-          </a:p>
-        </p:txBody>
-      </p:sp>
-      <p:sp>
-        <p:nvSpPr>
-          <p:cNvPr id="3" name="내용 개체 틀 2"/>
-          <p:cNvSpPr>
-            <a:spLocks noGrp="1"/>
-          </p:cNvSpPr>
-          <p:nvPr>
-            <p:ph idx="1"/>
-          </p:nvPr>
-        </p:nvSpPr>
-        <p:spPr>
-          <a:xfrm>
-            <a:off x="838200" y="1825624"/>
-            <a:ext cx="10366829" cy="4865462"/>
-          </a:xfrm>
-        </p:spPr>
-        <p:txBody>
-          <a:bodyPr>
-            <a:normAutofit lnSpcReduction="10000"/>
-          </a:bodyPr>
-          <a:lstStyle/>
-          <a:p>
-            <a:r>
-              <a:rPr lang="ko-KR" altLang="en-US" b="1" dirty="0"/>
-              <a:t>메인 시스템 기획</a:t>
-            </a:r>
-            <a:endParaRPr lang="en-US" altLang="ko-KR" b="1" dirty="0"/>
-          </a:p>
-          <a:p>
-            <a:r>
-              <a:rPr lang="ko-KR" altLang="en-US" b="1" dirty="0"/>
-              <a:t>스토리라인 </a:t>
-            </a:r>
-            <a:r>
-              <a:rPr lang="ko-KR" altLang="en-US" b="1" dirty="0" smtClean="0"/>
-              <a:t>기획</a:t>
-            </a:r>
-            <a:endParaRPr lang="en-US" altLang="ko-KR" b="1" dirty="0" smtClean="0"/>
-          </a:p>
-          <a:p>
-            <a:r>
-              <a:rPr lang="ko-KR" altLang="en-US" b="1" dirty="0" smtClean="0"/>
-              <a:t>캐릭터</a:t>
-            </a:r>
-            <a:r>
-              <a:rPr lang="en-US" altLang="ko-KR" b="1" dirty="0" smtClean="0"/>
-              <a:t>/</a:t>
-            </a:r>
-            <a:r>
-              <a:rPr lang="ko-KR" altLang="en-US" b="1" dirty="0" smtClean="0"/>
-              <a:t>스킬 기획</a:t>
-            </a:r>
-            <a:endParaRPr lang="en-US" altLang="ko-KR" b="1" dirty="0"/>
-          </a:p>
-          <a:p>
-            <a:r>
-              <a:rPr lang="ko-KR" altLang="en-US" b="1" dirty="0"/>
-              <a:t>챕터</a:t>
-            </a:r>
-            <a:r>
-              <a:rPr lang="en-US" altLang="ko-KR" b="1" dirty="0"/>
-              <a:t>/</a:t>
-            </a:r>
-            <a:r>
-              <a:rPr lang="ko-KR" altLang="en-US" b="1" dirty="0"/>
-              <a:t>스테이지 </a:t>
-            </a:r>
-            <a:r>
-              <a:rPr lang="ko-KR" altLang="en-US" b="1" dirty="0" smtClean="0"/>
-              <a:t>기획</a:t>
-            </a:r>
-            <a:endParaRPr lang="en-US" altLang="ko-KR" b="1" dirty="0"/>
-          </a:p>
-          <a:p>
-            <a:r>
-              <a:rPr lang="en-US" altLang="ko-KR" b="1" dirty="0"/>
-              <a:t>UX/UI </a:t>
-            </a:r>
-            <a:r>
-              <a:rPr lang="ko-KR" altLang="en-US" b="1" dirty="0" smtClean="0"/>
-              <a:t>기획후 피드백을 받아 개선중</a:t>
-            </a:r>
-            <a:endParaRPr lang="en-US" altLang="ko-KR" b="1" dirty="0" smtClean="0"/>
-          </a:p>
-          <a:p>
-            <a:pPr marL="0" indent="0">
-              <a:buNone/>
-            </a:pPr>
-            <a:r>
-              <a:rPr lang="en-US" altLang="ko-KR" b="1" dirty="0" smtClean="0"/>
-              <a:t>------------------------------------------------------</a:t>
-            </a:r>
-          </a:p>
-          <a:p>
-            <a:r>
-              <a:rPr lang="ko-KR" altLang="en-US" b="1" dirty="0" smtClean="0"/>
-              <a:t>캐릭터 </a:t>
-            </a:r>
-            <a:r>
-              <a:rPr lang="ko-KR" altLang="en-US" b="1" dirty="0"/>
-              <a:t>모델링완료</a:t>
-            </a:r>
-            <a:endParaRPr lang="en-US" altLang="ko-KR" b="1" dirty="0"/>
-          </a:p>
-          <a:p>
-            <a:r>
-              <a:rPr lang="ko-KR" altLang="en-US" b="1" dirty="0"/>
-              <a:t>타일 모델링완료</a:t>
-            </a:r>
-            <a:endParaRPr lang="en-US" altLang="ko-KR" b="1" dirty="0"/>
-          </a:p>
-          <a:p>
-            <a:r>
-              <a:rPr lang="ko-KR" altLang="en-US" b="1" dirty="0"/>
-              <a:t>조경오브젝트 </a:t>
-            </a:r>
-            <a:r>
-              <a:rPr lang="en-US" altLang="ko-KR" b="1" dirty="0"/>
-              <a:t>80%</a:t>
-            </a:r>
-            <a:r>
-              <a:rPr lang="ko-KR" altLang="en-US" b="1" dirty="0"/>
-              <a:t>이상 제작</a:t>
-            </a:r>
-            <a:endParaRPr lang="en-US" altLang="ko-KR" b="1" dirty="0"/>
-          </a:p>
-          <a:p>
-            <a:r>
-              <a:rPr lang="en-US" altLang="ko-KR" b="1" dirty="0"/>
-              <a:t>UI </a:t>
-            </a:r>
-            <a:r>
-              <a:rPr lang="ko-KR" altLang="en-US" b="1" dirty="0"/>
-              <a:t>제작중</a:t>
-            </a:r>
-            <a:endParaRPr lang="en-US" altLang="ko-KR" b="1" dirty="0"/>
-          </a:p>
-          <a:p>
-            <a:endParaRPr lang="en-US" altLang="ko-KR" dirty="0"/>
-          </a:p>
-          <a:p>
-            <a:pPr marL="0" indent="0">
-              <a:buNone/>
-            </a:pPr>
-            <a:endParaRPr lang="ko-KR" altLang="en-US" dirty="0"/>
-          </a:p>
-        </p:txBody>
-      </p:sp>
-      <p:sp>
-        <p:nvSpPr>
-          <p:cNvPr id="5" name="Slide Number Placeholder 4"/>
-          <p:cNvSpPr>
-            <a:spLocks noGrp="1"/>
-          </p:cNvSpPr>
-          <p:nvPr>
-            <p:ph type="sldNum" sz="quarter" idx="12"/>
-          </p:nvPr>
-        </p:nvSpPr>
-        <p:spPr/>
-        <p:txBody>
-          <a:bodyPr/>
-          <a:lstStyle/>
-          <a:p>
-            <a:fld id="{FBFC020C-1606-4BED-91BA-A6230104B3B1}" type="slidenum">
-              <a:rPr lang="ko-KR" altLang="en-US" smtClean="0"/>
-              <a:t>14</a:t>
-            </a:fld>
-            <a:endParaRPr lang="ko-KR" altLang="en-US"/>
-          </a:p>
-        </p:txBody>
-      </p:sp>
-    </p:spTree>
-    <p:extLst>
-      <p:ext uri="{BB962C8B-B14F-4D97-AF65-F5344CB8AC3E}">
-        <p14:creationId xmlns:p14="http://schemas.microsoft.com/office/powerpoint/2010/main" val="3773845397"/>
       </p:ext>
     </p:extLst>
   </p:cSld>
@@ -5070,11 +5906,11 @@
             </a:br>
             <a:r>
               <a:rPr lang="en-US" altLang="ko-KR" b="1" dirty="0"/>
-              <a:t>4-2.</a:t>
+              <a:t>4-2. </a:t>
             </a:r>
             <a:r>
               <a:rPr lang="ko-KR" altLang="en-US" b="1" dirty="0"/>
-              <a:t> 기획</a:t>
+              <a:t>기획</a:t>
             </a:r>
             <a:r>
               <a:rPr lang="en-US" altLang="ko-KR" b="1" dirty="0"/>
@@ -5082,7 +5918,7 @@
             </a:r>
             <a:r>
               <a:rPr lang="ko-KR" altLang="en-US" b="1" dirty="0"/>
-              <a:t>그래픽 개발 미흡점 </a:t>
+              <a:t>그래픽 개발 상황 </a:t>
             </a:r>
             <a:r>
               <a:rPr lang="en-US" altLang="ko-KR" b="1" dirty="0"/>
@@ -5121,13 +5957,58 @@
         </p:spPr>
         <p:txBody>
           <a:bodyPr>
-            <a:normAutofit/>
+            <a:normAutofit lnSpcReduction="10000"/>
           </a:bodyPr>
           <a:lstStyle/>
           <a:p>
             <a:r>
               <a:rPr lang="ko-KR" altLang="en-US" b="1" dirty="0"/>
-              <a:t>개별 시스템 문서 작성 미흡</a:t>
+              <a:t>메인 시스템 기획</a:t>
+            </a:r>
+            <a:endParaRPr lang="en-US" altLang="ko-KR" b="1" dirty="0"/>
+          </a:p>
+          <a:p>
+            <a:r>
+              <a:rPr lang="ko-KR" altLang="en-US" b="1" dirty="0"/>
+              <a:t>스토리라인 </a:t>
+            </a:r>
+            <a:r>
+              <a:rPr lang="ko-KR" altLang="en-US" b="1" dirty="0" smtClean="0"/>
+              <a:t>기획</a:t>
+            </a:r>
+            <a:endParaRPr lang="en-US" altLang="ko-KR" b="1" dirty="0" smtClean="0"/>
+          </a:p>
+          <a:p>
+            <a:r>
+              <a:rPr lang="ko-KR" altLang="en-US" b="1" dirty="0" smtClean="0"/>
+              <a:t>캐릭터</a:t>
+            </a:r>
+            <a:r>
+              <a:rPr lang="en-US" altLang="ko-KR" b="1" dirty="0" smtClean="0"/>
+              <a:t>/</a:t>
+            </a:r>
+            <a:r>
+              <a:rPr lang="ko-KR" altLang="en-US" b="1" dirty="0" smtClean="0"/>
+              <a:t>스킬 기획</a:t>
+            </a:r>
+            <a:endParaRPr lang="en-US" altLang="ko-KR" b="1" dirty="0"/>
+          </a:p>
+          <a:p>
+            <a:r>
+              <a:rPr lang="ko-KR" altLang="en-US" b="1" dirty="0"/>
+              <a:t>챕터</a:t>
+            </a:r>
+            <a:r>
+              <a:rPr lang="en-US" altLang="ko-KR" b="1" dirty="0"/>
+              <a:t>/</a:t>
+            </a:r>
+            <a:r>
+              <a:rPr lang="ko-KR" altLang="en-US" b="1" dirty="0"/>
+              <a:t>스테이지 </a:t>
+            </a:r>
+            <a:r>
+              <a:rPr lang="ko-KR" altLang="en-US" b="1" dirty="0" smtClean="0"/>
+              <a:t>기획</a:t>
             </a:r>
             <a:endParaRPr lang="en-US" altLang="ko-KR" b="1" dirty="0"/>
           </a:p>
@@ -5137,80 +6018,71 @@
               <a:t>UX/UI </a:t>
             </a:r>
             <a:r>
-              <a:rPr lang="ko-KR" altLang="en-US" b="1" dirty="0"/>
-              <a:t>기획 미흡</a:t>
-            </a:r>
-            <a:endParaRPr lang="en-US" altLang="ko-KR" b="1" dirty="0"/>
-          </a:p>
-          <a:p>
-            <a:r>
               <a:rPr lang="ko-KR" altLang="en-US" b="1" dirty="0" smtClean="0"/>
-              <a:t>사운드</a:t>
-            </a:r>
-            <a:r>
-              <a:rPr lang="en-US" altLang="ko-KR" b="1" dirty="0" smtClean="0"/>
-              <a:t>,</a:t>
-            </a:r>
-            <a:r>
-              <a:rPr lang="ko-KR" altLang="en-US" b="1" dirty="0" smtClean="0"/>
-              <a:t>이펙트</a:t>
-            </a:r>
-            <a:r>
-              <a:rPr lang="en-US" altLang="ko-KR" b="1" dirty="0" smtClean="0"/>
-              <a:t>,</a:t>
-            </a:r>
-            <a:r>
-              <a:rPr lang="ko-KR" altLang="en-US" b="1" dirty="0" smtClean="0"/>
-              <a:t>애니메이션에 </a:t>
-            </a:r>
-            <a:r>
-              <a:rPr lang="ko-KR" altLang="en-US" b="1" dirty="0"/>
-              <a:t>대한 기획 미흡</a:t>
-            </a:r>
-            <a:endParaRPr lang="en-US" altLang="ko-KR" b="1" dirty="0"/>
+              <a:t>기획후 피드백을 받아 개선중</a:t>
+            </a:r>
+            <a:endParaRPr lang="en-US" altLang="ko-KR" b="1" dirty="0" smtClean="0"/>
           </a:p>
           <a:p>
             <a:pPr marL="0" indent="0">
               <a:buNone/>
             </a:pPr>
             <a:r>
+              <a:rPr lang="en-US" altLang="ko-KR" b="1" dirty="0" smtClean="0"/>
+              <a:t>------------------------------------------------------</a:t>
+            </a:r>
+          </a:p>
+          <a:p>
+            <a:r>
+              <a:rPr lang="ko-KR" altLang="en-US" b="1" dirty="0" smtClean="0"/>
+              <a:t>캐릭터 </a:t>
+            </a:r>
+            <a:r>
+              <a:rPr lang="ko-KR" altLang="en-US" b="1" dirty="0"/>
+              <a:t>모델링완료</a:t>
+            </a:r>
+            <a:endParaRPr lang="en-US" altLang="ko-KR" b="1" dirty="0"/>
+          </a:p>
+          <a:p>
+            <a:r>
+              <a:rPr lang="ko-KR" altLang="en-US" b="1" dirty="0"/>
+              <a:t>타일 모델링완료</a:t>
+            </a:r>
+            <a:endParaRPr lang="en-US" altLang="ko-KR" b="1" dirty="0"/>
+          </a:p>
+          <a:p>
+            <a:r>
+              <a:rPr lang="ko-KR" altLang="en-US" b="1" dirty="0"/>
+              <a:t>조경오브젝트 </a:t>
+            </a:r>
+            <a:r>
               <a:rPr lang="en-US" altLang="ko-KR" b="1" dirty="0"/>
-              <a:t>-----------------------------------------------------</a:t>
-            </a:r>
-          </a:p>
-          <a:p>
+              <a:t>80%</a:t>
+            </a:r>
             <a:r>
               <a:rPr lang="ko-KR" altLang="en-US" b="1" dirty="0"/>
-              <a:t>애니메이션의 부재</a:t>
+              <a:t>이상 제작</a:t>
             </a:r>
             <a:endParaRPr lang="en-US" altLang="ko-KR" b="1" dirty="0"/>
           </a:p>
           <a:p>
-            <a:r>
-              <a:rPr lang="ko-KR" altLang="en-US" b="1" dirty="0"/>
-              <a:t>그래픽 툴 사용 미흡으로 인한 낮은 퀄리티의 </a:t>
-            </a:r>
             <a:r>
               <a:rPr lang="en-US" altLang="ko-KR" b="1" dirty="0"/>
               <a:t>UI </a:t>
             </a:r>
             <a:r>
               <a:rPr lang="ko-KR" altLang="en-US" b="1" dirty="0"/>
-              <a:t>제작</a:t>
+              <a:t>제작중</a:t>
             </a:r>
             <a:endParaRPr lang="en-US" altLang="ko-KR" b="1" dirty="0"/>
           </a:p>
           <a:p>
-            <a:r>
-              <a:rPr lang="ko-KR" altLang="en-US" b="1" dirty="0"/>
-              <a:t>이펙트 제작 미흡</a:t>
-            </a:r>
-            <a:endParaRPr lang="en-US" altLang="ko-KR" b="1" dirty="0"/>
-          </a:p>
-          <a:p>
             <a:endParaRPr lang="en-US" altLang="ko-KR" dirty="0"/>
           </a:p>
           <a:p>
+            <a:pPr marL="0" indent="0">
+              <a:buNone/>
+            </a:pPr>
             <a:endParaRPr lang="ko-KR" altLang="en-US" dirty="0"/>
           </a:p>
         </p:txBody>
@@ -5241,7 +6113,7 @@
     </p:spTree>
     <p:extLst>
       <p:ext uri="{BB962C8B-B14F-4D97-AF65-F5344CB8AC3E}">
-        <p14:creationId xmlns:p14="http://schemas.microsoft.com/office/powerpoint/2010/main" val="980689935"/>
+        <p14:creationId xmlns:p14="http://schemas.microsoft.com/office/powerpoint/2010/main" val="3773845397"/>
       </p:ext>
     </p:extLst>
   </p:cSld>
@@ -5301,11 +6173,11 @@
             </a:br>
             <a:r>
               <a:rPr lang="en-US" altLang="ko-KR" b="1" dirty="0"/>
-              <a:t>4-2. </a:t>
+              <a:t>4-2.</a:t>
             </a:r>
             <a:r>
               <a:rPr lang="ko-KR" altLang="en-US" b="1" dirty="0"/>
-              <a:t>차후 기획</a:t>
+              <a:t> 기획</a:t>
             </a:r>
             <a:r>
               <a:rPr lang="en-US" altLang="ko-KR" b="1" dirty="0"/>
@@ -5313,7 +6185,7 @@
             </a:r>
             <a:r>
               <a:rPr lang="ko-KR" altLang="en-US" b="1" dirty="0"/>
-              <a:t>그래픽 개발 예정</a:t>
+              <a:t>그래픽 개발 미흡점 </a:t>
             </a:r>
             <a:r>
               <a:rPr lang="en-US" altLang="ko-KR" b="1" dirty="0"/>
@@ -5358,26 +6230,18 @@
           <a:p>
             <a:r>
               <a:rPr lang="ko-KR" altLang="en-US" b="1" dirty="0"/>
-              <a:t>시스템별 개별 기획서 작성</a:t>
+              <a:t>개별 시스템 문서 작성 미흡</a:t>
             </a:r>
             <a:endParaRPr lang="en-US" altLang="ko-KR" b="1" dirty="0"/>
           </a:p>
           <a:p>
             <a:r>
               <a:rPr lang="en-US" altLang="ko-KR" b="1" dirty="0"/>
-              <a:t>UX </a:t>
+              <a:t>UX/UI </a:t>
             </a:r>
             <a:r>
               <a:rPr lang="ko-KR" altLang="en-US" b="1" dirty="0"/>
-              <a:t>개선을 위한 </a:t>
-            </a:r>
-            <a:r>
-              <a:rPr lang="en-US" altLang="ko-KR" b="1" dirty="0"/>
-              <a:t>UI </a:t>
-            </a:r>
-            <a:r>
-              <a:rPr lang="ko-KR" altLang="en-US" b="1" dirty="0"/>
-              <a:t>기획서 작성</a:t>
+              <a:t>기획 미흡</a:t>
             </a:r>
             <a:endParaRPr lang="en-US" altLang="ko-KR" b="1" dirty="0"/>
           </a:p>
@@ -5400,26 +6264,11 @@
             </a:r>
             <a:r>
               <a:rPr lang="ko-KR" altLang="en-US" b="1" dirty="0" smtClean="0"/>
-              <a:t>애니메이션 작업을 </a:t>
+              <a:t>애니메이션에 </a:t>
             </a:r>
             <a:r>
               <a:rPr lang="ko-KR" altLang="en-US" b="1" dirty="0"/>
-              <a:t>위한 기획서 작성</a:t>
-            </a:r>
-            <a:endParaRPr lang="en-US" altLang="ko-KR" b="1" dirty="0"/>
-          </a:p>
-          <a:p>
-            <a:r>
-              <a:rPr lang="ko-KR" altLang="en-US" b="1" dirty="0" smtClean="0"/>
-              <a:t>레벨디자인 </a:t>
-            </a:r>
-            <a:r>
-              <a:rPr lang="en-US" altLang="ko-KR" b="1" dirty="0"/>
-              <a:t>, </a:t>
-            </a:r>
-            <a:r>
-              <a:rPr lang="ko-KR" altLang="en-US" b="1" dirty="0"/>
-              <a:t>밸런싱 작업</a:t>
+              <a:t>대한 기획 미흡</a:t>
             </a:r>
             <a:endParaRPr lang="en-US" altLang="ko-KR" b="1" dirty="0"/>
           </a:p>
@@ -5435,30 +6284,37 @@
           <a:p>
             <a:r>
               <a:rPr lang="ko-KR" altLang="en-US" b="1" dirty="0"/>
-              <a:t>단순한 캐릭터의 특징을 살린 애니메이션 추가</a:t>
+              <a:t>애니메이션의 부재</a:t>
             </a:r>
             <a:endParaRPr lang="en-US" altLang="ko-KR" b="1" dirty="0"/>
           </a:p>
           <a:p>
+            <a:r>
+              <a:rPr lang="ko-KR" altLang="en-US" b="1" dirty="0"/>
+              <a:t>그래픽 툴 사용 미흡으로 인한 낮은 퀄리티의 </a:t>
+            </a:r>
             <a:r>
               <a:rPr lang="en-US" altLang="ko-KR" b="1" dirty="0"/>
               <a:t>UI </a:t>
             </a:r>
             <a:r>
               <a:rPr lang="ko-KR" altLang="en-US" b="1" dirty="0"/>
-              <a:t>디자인 변경</a:t>
+              <a:t>제작</a:t>
             </a:r>
             <a:endParaRPr lang="en-US" altLang="ko-KR" b="1" dirty="0"/>
           </a:p>
           <a:p>
             <a:r>
-              <a:rPr lang="ko-KR" altLang="en-US" b="1" dirty="0" smtClean="0"/>
-              <a:t>조경물 </a:t>
-            </a:r>
-            <a:r>
               <a:rPr lang="ko-KR" altLang="en-US" b="1" dirty="0"/>
-              <a:t>제작</a:t>
-            </a:r>
+              <a:t>이펙트 제작 미흡</a:t>
+            </a:r>
+            <a:endParaRPr lang="en-US" altLang="ko-KR" b="1" dirty="0"/>
+          </a:p>
+          <a:p>
+            <a:endParaRPr lang="en-US" altLang="ko-KR" dirty="0"/>
+          </a:p>
+          <a:p>
+            <a:endParaRPr lang="ko-KR" altLang="en-US" dirty="0"/>
           </a:p>
         </p:txBody>
       </p:sp>
@@ -5488,7 +6344,7 @@
     </p:spTree>
     <p:extLst>
       <p:ext uri="{BB962C8B-B14F-4D97-AF65-F5344CB8AC3E}">
-        <p14:creationId xmlns:p14="http://schemas.microsoft.com/office/powerpoint/2010/main" val="1406679189"/>
+        <p14:creationId xmlns:p14="http://schemas.microsoft.com/office/powerpoint/2010/main" val="980689935"/>
       </p:ext>
     </p:extLst>
   </p:cSld>
@@ -5548,11 +6404,19 @@
             </a:br>
             <a:r>
               <a:rPr lang="en-US" altLang="ko-KR" b="1" dirty="0"/>
-              <a:t>4-3. </a:t>
+              <a:t>4-2. </a:t>
             </a:r>
             <a:r>
               <a:rPr lang="ko-KR" altLang="en-US" b="1" dirty="0"/>
-              <a:t>서버 개발 상황 </a:t>
+              <a:t>차후 기획</a:t>
+            </a:r>
+            <a:r>
+              <a:rPr lang="en-US" altLang="ko-KR" b="1" dirty="0"/>
+              <a:t>,</a:t>
+            </a:r>
+            <a:r>
+              <a:rPr lang="ko-KR" altLang="en-US" b="1" dirty="0"/>
+              <a:t>그래픽 개발 예정</a:t>
             </a:r>
             <a:r>
               <a:rPr lang="en-US" altLang="ko-KR" b="1" dirty="0"/>
@@ -5560,11 +6424,7 @@
             </a:r>
             <a:r>
               <a:rPr lang="ko-KR" altLang="en-US" sz="3100" b="1" dirty="0"/>
-              <a:t>이진수</a:t>
-            </a:r>
-            <a:r>
-              <a:rPr lang="en-US" altLang="ko-KR" sz="3100" b="1" dirty="0"/>
-              <a:t> </a:t>
+              <a:t>최영민</a:t>
             </a:r>
             <a:r>
               <a:rPr lang="en-US" altLang="ko-KR" b="1" dirty="0"/>
@@ -5600,21 +6460,108 @@
           <a:lstStyle/>
           <a:p>
             <a:r>
+              <a:rPr lang="ko-KR" altLang="en-US" b="1" dirty="0"/>
+              <a:t>시스템별 개별 기획서 작성</a:t>
+            </a:r>
+            <a:endParaRPr lang="en-US" altLang="ko-KR" b="1" dirty="0"/>
+          </a:p>
+          <a:p>
+            <a:r>
               <a:rPr lang="en-US" altLang="ko-KR" b="1" dirty="0"/>
-              <a:t>DB </a:t>
+              <a:t>UX </a:t>
             </a:r>
             <a:r>
               <a:rPr lang="ko-KR" altLang="en-US" b="1" dirty="0"/>
-              <a:t>설계 및 구현 </a:t>
+              <a:t>개선을 위한 </a:t>
+            </a:r>
+            <a:r>
+              <a:rPr lang="en-US" altLang="ko-KR" b="1" dirty="0"/>
+              <a:t>UI </a:t>
+            </a:r>
+            <a:r>
+              <a:rPr lang="ko-KR" altLang="en-US" b="1" dirty="0"/>
+              <a:t>기획서 작성</a:t>
             </a:r>
             <a:endParaRPr lang="en-US" altLang="ko-KR" b="1" dirty="0"/>
           </a:p>
           <a:p>
             <a:r>
+              <a:rPr lang="ko-KR" altLang="en-US" b="1" dirty="0" smtClean="0"/>
+              <a:t>사운드</a:t>
+            </a:r>
+            <a:r>
+              <a:rPr lang="en-US" altLang="ko-KR" b="1" dirty="0" smtClean="0"/>
+              <a:t>,</a:t>
+            </a:r>
+            <a:r>
+              <a:rPr lang="ko-KR" altLang="en-US" b="1" dirty="0" smtClean="0"/>
+              <a:t>이펙트</a:t>
+            </a:r>
+            <a:r>
+              <a:rPr lang="en-US" altLang="ko-KR" b="1" dirty="0" smtClean="0"/>
+              <a:t>,</a:t>
+            </a:r>
+            <a:r>
+              <a:rPr lang="ko-KR" altLang="en-US" b="1" dirty="0" smtClean="0"/>
+              <a:t>애니메이션 작업을 </a:t>
+            </a:r>
+            <a:r>
               <a:rPr lang="ko-KR" altLang="en-US" b="1" dirty="0"/>
-              <a:t>웹서버를 통한 클라이언트와 통신</a:t>
-            </a:r>
-            <a:endParaRPr lang="en-US" altLang="ko-KR" dirty="0"/>
+              <a:t>위한 기획서 작성</a:t>
+            </a:r>
+            <a:endParaRPr lang="en-US" altLang="ko-KR" b="1" dirty="0"/>
+          </a:p>
+          <a:p>
+            <a:r>
+              <a:rPr lang="ko-KR" altLang="en-US" b="1" dirty="0" smtClean="0"/>
+              <a:t>레벨디자인 </a:t>
+            </a:r>
+            <a:r>
+              <a:rPr lang="en-US" altLang="ko-KR" b="1" dirty="0"/>
+              <a:t>, </a:t>
+            </a:r>
+            <a:r>
+              <a:rPr lang="ko-KR" altLang="en-US" b="1" dirty="0"/>
+              <a:t>밸런싱 작업</a:t>
+            </a:r>
+            <a:endParaRPr lang="en-US" altLang="ko-KR" b="1" dirty="0"/>
+          </a:p>
+          <a:p>
+            <a:pPr marL="0" indent="0">
+              <a:buNone/>
+            </a:pPr>
+            <a:r>
+              <a:rPr lang="en-US" altLang="ko-KR" b="1" dirty="0"/>
+              <a:t>-----------------------------------------------------</a:t>
+            </a:r>
+          </a:p>
+          <a:p>
+            <a:r>
+              <a:rPr lang="ko-KR" altLang="en-US" b="1" dirty="0"/>
+              <a:t>단순한 캐릭터의 특징을 살린 애니메이션 추가</a:t>
+            </a:r>
+            <a:endParaRPr lang="en-US" altLang="ko-KR" b="1" dirty="0"/>
+          </a:p>
+          <a:p>
+            <a:r>
+              <a:rPr lang="en-US" altLang="ko-KR" b="1" dirty="0"/>
+              <a:t>UI </a:t>
+            </a:r>
+            <a:r>
+              <a:rPr lang="ko-KR" altLang="en-US" b="1" dirty="0"/>
+              <a:t>디자인 변경</a:t>
+            </a:r>
+            <a:endParaRPr lang="en-US" altLang="ko-KR" b="1" dirty="0"/>
+          </a:p>
+          <a:p>
+            <a:r>
+              <a:rPr lang="ko-KR" altLang="en-US" b="1" dirty="0" smtClean="0"/>
+              <a:t>조경물 </a:t>
+            </a:r>
+            <a:r>
+              <a:rPr lang="ko-KR" altLang="en-US" b="1" dirty="0"/>
+              <a:t>제작</a:t>
+            </a:r>
           </a:p>
         </p:txBody>
       </p:sp>
@@ -5644,7 +6591,7 @@
     </p:spTree>
     <p:extLst>
       <p:ext uri="{BB962C8B-B14F-4D97-AF65-F5344CB8AC3E}">
-        <p14:creationId xmlns:p14="http://schemas.microsoft.com/office/powerpoint/2010/main" val="3773845397"/>
+        <p14:creationId xmlns:p14="http://schemas.microsoft.com/office/powerpoint/2010/main" val="1406679189"/>
       </p:ext>
     </p:extLst>
   </p:cSld>
@@ -5708,7 +6655,7 @@
             </a:r>
             <a:r>
               <a:rPr lang="ko-KR" altLang="en-US" b="1" dirty="0"/>
-              <a:t>서버 개발 미흡점 </a:t>
+              <a:t>서버 개발 상황 </a:t>
             </a:r>
             <a:r>
               <a:rPr lang="en-US" altLang="ko-KR" b="1" dirty="0"/>
@@ -5717,6 +6664,10 @@
             <a:r>
               <a:rPr lang="ko-KR" altLang="en-US" sz="3100" b="1" dirty="0"/>
               <a:t>이진수</a:t>
+            </a:r>
+            <a:r>
+              <a:rPr lang="en-US" altLang="ko-KR" sz="3100" b="1" dirty="0"/>
+              <a:t> </a:t>
             </a:r>
             <a:r>
               <a:rPr lang="en-US" altLang="ko-KR" b="1" dirty="0"/>
@@ -5752,64 +6703,21 @@
           <a:lstStyle/>
           <a:p>
             <a:r>
-              <a:rPr lang="ko-KR" altLang="en-US" b="1" dirty="0"/>
-              <a:t>보안 관련 지식 미숙</a:t>
-            </a:r>
-            <a:endParaRPr lang="en-US" altLang="ko-KR" b="1" dirty="0"/>
-          </a:p>
-          <a:p>
-            <a:r>
-              <a:rPr lang="ko-KR" altLang="en-US" b="1" dirty="0"/>
-              <a:t>유저 분석 관련 </a:t>
-            </a:r>
-            <a:r>
               <a:rPr lang="en-US" altLang="ko-KR" b="1" dirty="0"/>
               <a:t>DB </a:t>
             </a:r>
             <a:r>
               <a:rPr lang="ko-KR" altLang="en-US" b="1" dirty="0"/>
-              <a:t>설계 미흡</a:t>
+              <a:t>설계 및 구현 </a:t>
             </a:r>
             <a:endParaRPr lang="en-US" altLang="ko-KR" b="1" dirty="0"/>
           </a:p>
           <a:p>
             <a:r>
               <a:rPr lang="ko-KR" altLang="en-US" b="1" dirty="0"/>
-              <a:t>구글 로그인 연동을 </a:t>
-            </a:r>
-            <a:r>
-              <a:rPr lang="ko-KR" altLang="en-US" b="1" dirty="0" smtClean="0"/>
-              <a:t>미구</a:t>
-            </a:r>
-            <a:r>
-              <a:rPr lang="ko-KR" altLang="en-US" b="1" dirty="0"/>
-              <a:t>현</a:t>
-            </a:r>
-            <a:endParaRPr lang="en-US" altLang="ko-KR" b="1" dirty="0"/>
-          </a:p>
-          <a:p>
-            <a:r>
-              <a:rPr lang="ko-KR" altLang="en-US" b="1" dirty="0"/>
-              <a:t>리눅스를 통한 콘솔 </a:t>
-            </a:r>
-            <a:r>
-              <a:rPr lang="en-US" altLang="ko-KR" b="1" dirty="0"/>
-              <a:t>GIT </a:t>
-            </a:r>
-            <a:r>
-              <a:rPr lang="ko-KR" altLang="en-US" b="1" dirty="0"/>
-              <a:t>사용이 미숙하여 윈도우를 사용</a:t>
-            </a:r>
-            <a:endParaRPr lang="en-US" altLang="ko-KR" b="1" dirty="0"/>
-          </a:p>
-          <a:p>
-            <a:endParaRPr lang="en-US" altLang="ko-KR" b="1" dirty="0"/>
-          </a:p>
-          <a:p>
-            <a:endParaRPr lang="en-US" altLang="ko-KR" b="1" dirty="0"/>
-          </a:p>
-          <a:p>
-            <a:endParaRPr lang="en-US" altLang="ko-KR" b="1" dirty="0"/>
+              <a:t>웹서버를 통한 클라이언트와 통신</a:t>
+            </a:r>
+            <a:endParaRPr lang="en-US" altLang="ko-KR" dirty="0"/>
           </a:p>
         </p:txBody>
       </p:sp>
@@ -5839,7 +6747,7 @@
     </p:spTree>
     <p:extLst>
       <p:ext uri="{BB962C8B-B14F-4D97-AF65-F5344CB8AC3E}">
-        <p14:creationId xmlns:p14="http://schemas.microsoft.com/office/powerpoint/2010/main" val="980689935"/>
+        <p14:creationId xmlns:p14="http://schemas.microsoft.com/office/powerpoint/2010/main" val="3773845397"/>
       </p:ext>
     </p:extLst>
   </p:cSld>
@@ -5903,7 +6811,7 @@
             </a:r>
             <a:r>
               <a:rPr lang="ko-KR" altLang="en-US" b="1" dirty="0"/>
-              <a:t>차후 서버 개발 예정 </a:t>
+              <a:t>서버 개발 미흡점 </a:t>
             </a:r>
             <a:r>
               <a:rPr lang="en-US" altLang="ko-KR" b="1" dirty="0"/>
@@ -5948,7 +6856,14 @@
           <a:p>
             <a:r>
               <a:rPr lang="ko-KR" altLang="en-US" b="1" dirty="0"/>
-              <a:t>대전 시스템에 따른 </a:t>
+              <a:t>보안 관련 지식 미숙</a:t>
+            </a:r>
+            <a:endParaRPr lang="en-US" altLang="ko-KR" b="1" dirty="0"/>
+          </a:p>
+          <a:p>
+            <a:r>
+              <a:rPr lang="ko-KR" altLang="en-US" b="1" dirty="0"/>
+              <a:t>유저 분석 관련 </a:t>
             </a:r>
             <a:r>
               <a:rPr lang="en-US" altLang="ko-KR" b="1" dirty="0"/>
@@ -5956,45 +6871,47 @@
             </a:r>
             <a:r>
               <a:rPr lang="ko-KR" altLang="en-US" b="1" dirty="0"/>
-              <a:t>수정</a:t>
+              <a:t>설계 미흡</a:t>
             </a:r>
             <a:endParaRPr lang="en-US" altLang="ko-KR" b="1" dirty="0"/>
           </a:p>
           <a:p>
             <a:r>
               <a:rPr lang="ko-KR" altLang="en-US" b="1" dirty="0"/>
-              <a:t>유저 분석 </a:t>
+              <a:t>구글 로그인 연동을 </a:t>
+            </a:r>
+            <a:r>
+              <a:rPr lang="ko-KR" altLang="en-US" b="1" dirty="0" smtClean="0"/>
+              <a:t>미구</a:t>
+            </a:r>
+            <a:r>
+              <a:rPr lang="ko-KR" altLang="en-US" b="1" dirty="0"/>
+              <a:t>현</a:t>
+            </a:r>
+            <a:endParaRPr lang="en-US" altLang="ko-KR" b="1" dirty="0"/>
+          </a:p>
+          <a:p>
+            <a:r>
+              <a:rPr lang="ko-KR" altLang="en-US" b="1" dirty="0"/>
+              <a:t>리눅스를 통한 콘솔 </a:t>
             </a:r>
             <a:r>
               <a:rPr lang="en-US" altLang="ko-KR" b="1" dirty="0"/>
-              <a:t>DB </a:t>
+              <a:t>GIT </a:t>
             </a:r>
             <a:r>
               <a:rPr lang="ko-KR" altLang="en-US" b="1" dirty="0"/>
-              <a:t>제작</a:t>
-            </a:r>
-            <a:endParaRPr lang="en-US" altLang="ko-KR" dirty="0"/>
-          </a:p>
-          <a:p>
-            <a:r>
-              <a:rPr lang="ko-KR" altLang="en-US" b="1" dirty="0"/>
-              <a:t>서버 보안 예정</a:t>
+              <a:t>사용이 미숙하여 윈도우를 사용</a:t>
             </a:r>
             <a:endParaRPr lang="en-US" altLang="ko-KR" b="1" dirty="0"/>
           </a:p>
           <a:p>
-            <a:r>
-              <a:rPr lang="ko-KR" altLang="en-US" b="1" dirty="0"/>
-              <a:t> 서버 데이터 </a:t>
-            </a:r>
-            <a:r>
-              <a:rPr lang="en-US" altLang="ko-KR" b="1" dirty="0"/>
-              <a:t>IBM </a:t>
-            </a:r>
-            <a:r>
-              <a:rPr lang="ko-KR" altLang="en-US" b="1" dirty="0"/>
-              <a:t>클라우드에 적용 </a:t>
-            </a:r>
+            <a:endParaRPr lang="en-US" altLang="ko-KR" b="1" dirty="0"/>
+          </a:p>
+          <a:p>
+            <a:endParaRPr lang="en-US" altLang="ko-KR" b="1" dirty="0"/>
+          </a:p>
+          <a:p>
             <a:endParaRPr lang="en-US" altLang="ko-KR" b="1" dirty="0"/>
           </a:p>
         </p:txBody>
@@ -6025,7 +6942,7 @@
     </p:spTree>
     <p:extLst>
       <p:ext uri="{BB962C8B-B14F-4D97-AF65-F5344CB8AC3E}">
-        <p14:creationId xmlns:p14="http://schemas.microsoft.com/office/powerpoint/2010/main" val="1406679189"/>
+        <p14:creationId xmlns:p14="http://schemas.microsoft.com/office/powerpoint/2010/main" val="980689935"/>
       </p:ext>
     </p:extLst>
   </p:cSld>
@@ -6094,7 +7011,7 @@
         <p:spPr/>
         <p:txBody>
           <a:bodyPr>
-            <a:normAutofit/>
+            <a:normAutofit fontScale="92500"/>
           </a:bodyPr>
           <a:lstStyle/>
           <a:p>
@@ -6103,10 +7020,30 @@
               <a:buAutoNum type="arabicPeriod"/>
             </a:pPr>
             <a:r>
-              <a:rPr lang="ko-KR" altLang="en-US" b="1" dirty="0"/>
+              <a:rPr lang="ko-KR" altLang="en-US" b="1" dirty="0" smtClean="0"/>
               <a:t>개요</a:t>
             </a:r>
-            <a:endParaRPr lang="en-US" altLang="ko-KR" b="1" dirty="0"/>
+            <a:r>
+              <a:rPr lang="en-US" altLang="ko-KR" b="1" dirty="0" smtClean="0"/>
+              <a:t>									        </a:t>
+            </a:r>
+            <a:r>
+              <a:rPr lang="en-US" altLang="ko-KR" sz="1300" b="1" i="1" dirty="0" smtClean="0">
+                <a:solidFill>
+                  <a:schemeClr val="bg2">
+                    <a:lumMod val="50000"/>
+                  </a:schemeClr>
+                </a:solidFill>
+              </a:rPr>
+              <a:t>3p</a:t>
+            </a:r>
+            <a:endParaRPr lang="en-US" altLang="ko-KR" sz="1300" b="1" i="1" dirty="0">
+              <a:solidFill>
+                <a:schemeClr val="bg2">
+                  <a:lumMod val="50000"/>
+                </a:schemeClr>
+              </a:solidFill>
+            </a:endParaRPr>
           </a:p>
           <a:p>
             <a:pPr marL="514350" indent="-514350">
@@ -6114,10 +7051,30 @@
               <a:buAutoNum type="arabicPeriod"/>
             </a:pPr>
             <a:r>
-              <a:rPr lang="ko-KR" altLang="en-US" b="1" dirty="0"/>
-              <a:t>게임목표</a:t>
-            </a:r>
-            <a:endParaRPr lang="en-US" altLang="ko-KR" b="1" dirty="0"/>
+              <a:rPr lang="ko-KR" altLang="en-US" b="1" dirty="0" smtClean="0"/>
+              <a:t>게임 목표</a:t>
+            </a:r>
+            <a:r>
+              <a:rPr lang="en-US" altLang="ko-KR" b="1" dirty="0" smtClean="0"/>
+              <a:t>									</a:t>
+            </a:r>
+            <a:r>
+              <a:rPr lang="en-US" altLang="ko-KR" sz="1300" b="1" i="1" dirty="0" smtClean="0">
+                <a:solidFill>
+                  <a:schemeClr val="bg2">
+                    <a:lumMod val="50000"/>
+                  </a:schemeClr>
+                </a:solidFill>
+              </a:rPr>
+              <a:t>5p</a:t>
+            </a:r>
+            <a:endParaRPr lang="en-US" altLang="ko-KR" sz="1300" b="1" i="1" dirty="0">
+              <a:solidFill>
+                <a:schemeClr val="bg2">
+                  <a:lumMod val="50000"/>
+                </a:schemeClr>
+              </a:solidFill>
+            </a:endParaRPr>
           </a:p>
           <a:p>
             <a:pPr marL="514350" indent="-514350">
@@ -6125,10 +7082,23 @@
               <a:buAutoNum type="arabicPeriod"/>
             </a:pPr>
             <a:r>
-              <a:rPr lang="ko-KR" altLang="en-US" b="1" dirty="0"/>
-              <a:t>게임조작</a:t>
-            </a:r>
-            <a:endParaRPr lang="en-US" altLang="ko-KR" b="1" dirty="0"/>
+              <a:rPr lang="ko-KR" altLang="en-US" b="1" dirty="0" smtClean="0"/>
+              <a:t>중점 연구사항</a:t>
+            </a:r>
+            <a:r>
+              <a:rPr lang="en-US" altLang="ko-KR" b="1" dirty="0" smtClean="0"/>
+              <a:t>									</a:t>
+            </a:r>
+            <a:r>
+              <a:rPr lang="en-US" altLang="ko-KR" sz="1300" b="1" i="1" dirty="0" smtClean="0">
+                <a:solidFill>
+                  <a:schemeClr val="bg2">
+                    <a:lumMod val="50000"/>
+                  </a:schemeClr>
+                </a:solidFill>
+              </a:rPr>
+              <a:t>6p</a:t>
+            </a:r>
           </a:p>
           <a:p>
             <a:pPr marL="514350" indent="-514350">
@@ -6137,50 +7107,22 @@
             </a:pPr>
             <a:r>
               <a:rPr lang="ko-KR" altLang="en-US" b="1" dirty="0" smtClean="0"/>
-              <a:t>개발</a:t>
-            </a:r>
-            <a:endParaRPr lang="en-US" altLang="ko-KR" b="1" dirty="0"/>
-          </a:p>
-          <a:p>
-            <a:pPr marL="971550" lvl="1" indent="-514350">
-              <a:buFont typeface="+mj-lt"/>
-              <a:buAutoNum type="arabicPeriod"/>
-            </a:pPr>
-            <a:r>
-              <a:rPr lang="ko-KR" altLang="en-US" b="1" dirty="0"/>
-              <a:t>클라이언트</a:t>
-            </a:r>
-            <a:endParaRPr lang="en-US" altLang="ko-KR" b="1" dirty="0"/>
-          </a:p>
-          <a:p>
-            <a:pPr marL="971550" lvl="1" indent="-514350">
-              <a:buFont typeface="+mj-lt"/>
-              <a:buAutoNum type="arabicPeriod"/>
-            </a:pPr>
-            <a:r>
-              <a:rPr lang="ko-KR" altLang="en-US" b="1" dirty="0"/>
-              <a:t>기획</a:t>
-            </a:r>
-            <a:r>
-              <a:rPr lang="en-US" altLang="ko-KR" b="1" dirty="0"/>
-              <a:t>,</a:t>
-            </a:r>
-            <a:r>
-              <a:rPr lang="ko-KR" altLang="en-US" b="1" dirty="0"/>
-              <a:t>그래픽</a:t>
-            </a:r>
-            <a:endParaRPr lang="en-US" altLang="ko-KR" b="1" dirty="0"/>
-          </a:p>
-          <a:p>
-            <a:pPr marL="971550" lvl="1" indent="-514350">
-              <a:buFont typeface="+mj-lt"/>
-              <a:buAutoNum type="arabicPeriod"/>
-            </a:pPr>
-            <a:r>
-              <a:rPr lang="ko-KR" altLang="en-US" b="1" dirty="0"/>
-              <a:t>서버</a:t>
-            </a:r>
-            <a:endParaRPr lang="en-US" altLang="ko-KR" b="1" dirty="0"/>
+              <a:t>개발 상황</a:t>
+            </a:r>
+            <a:r>
+              <a:rPr lang="en-US" altLang="ko-KR" b="1" dirty="0" smtClean="0"/>
+              <a:t>									</a:t>
+            </a:r>
+            <a:r>
+              <a:rPr lang="en-US" altLang="ko-KR" sz="1300" b="1" i="1" dirty="0" smtClean="0">
+                <a:solidFill>
+                  <a:schemeClr val="bg2">
+                    <a:lumMod val="50000"/>
+                  </a:schemeClr>
+                </a:solidFill>
+              </a:rPr>
+              <a:t>7p</a:t>
+            </a:r>
           </a:p>
           <a:p>
             <a:pPr marL="514350" indent="-514350">
@@ -6188,10 +7130,23 @@
               <a:buAutoNum type="arabicPeriod"/>
             </a:pPr>
             <a:r>
-              <a:rPr lang="ko-KR" altLang="en-US" b="1" dirty="0"/>
-              <a:t>개발환경</a:t>
-            </a:r>
-            <a:endParaRPr lang="en-US" altLang="ko-KR" b="1" dirty="0"/>
+              <a:rPr lang="ko-KR" altLang="en-US" b="1" dirty="0" smtClean="0"/>
+              <a:t>개발 미흡점</a:t>
+            </a:r>
+            <a:r>
+              <a:rPr lang="en-US" altLang="ko-KR" b="1" dirty="0" smtClean="0"/>
+              <a:t>									</a:t>
+            </a:r>
+            <a:r>
+              <a:rPr lang="en-US" altLang="ko-KR" sz="1300" b="1" i="1" dirty="0" smtClean="0">
+                <a:solidFill>
+                  <a:schemeClr val="bg2">
+                    <a:lumMod val="50000"/>
+                  </a:schemeClr>
+                </a:solidFill>
+              </a:rPr>
+              <a:t>9p</a:t>
+            </a:r>
           </a:p>
           <a:p>
             <a:pPr marL="514350" indent="-514350">
@@ -6199,10 +7154,124 @@
               <a:buAutoNum type="arabicPeriod"/>
             </a:pPr>
             <a:r>
-              <a:rPr lang="ko-KR" altLang="en-US" b="1" dirty="0"/>
+              <a:rPr lang="ko-KR" altLang="en-US" b="1" dirty="0" smtClean="0"/>
+              <a:t>추후 보완</a:t>
+            </a:r>
+            <a:r>
+              <a:rPr lang="en-US" altLang="ko-KR" b="1" dirty="0" smtClean="0"/>
+              <a:t>,</a:t>
+            </a:r>
+            <a:r>
+              <a:rPr lang="ko-KR" altLang="en-US" b="1" dirty="0" smtClean="0"/>
+              <a:t>추가 개발점</a:t>
+            </a:r>
+            <a:r>
+              <a:rPr lang="en-US" altLang="ko-KR" b="1" dirty="0" smtClean="0"/>
+              <a:t>							</a:t>
+            </a:r>
+            <a:r>
+              <a:rPr lang="en-US" altLang="ko-KR" sz="1300" b="1" i="1" dirty="0" smtClean="0">
+                <a:solidFill>
+                  <a:schemeClr val="bg2">
+                    <a:lumMod val="50000"/>
+                  </a:schemeClr>
+                </a:solidFill>
+              </a:rPr>
+              <a:t>10p</a:t>
+            </a:r>
+            <a:endParaRPr lang="en-US" altLang="ko-KR" sz="1300" b="1" i="1" dirty="0">
+              <a:solidFill>
+                <a:schemeClr val="bg2">
+                  <a:lumMod val="50000"/>
+                </a:schemeClr>
+              </a:solidFill>
+            </a:endParaRPr>
+          </a:p>
+          <a:p>
+            <a:pPr marL="514350" indent="-514350">
+              <a:buFont typeface="+mj-lt"/>
+              <a:buAutoNum type="arabicPeriod"/>
+            </a:pPr>
+            <a:r>
+              <a:rPr lang="ko-KR" altLang="en-US" b="1" dirty="0" smtClean="0"/>
+              <a:t>개발 환경</a:t>
+            </a:r>
+            <a:r>
+              <a:rPr lang="en-US" altLang="ko-KR" b="1" dirty="0" smtClean="0"/>
+              <a:t>									</a:t>
+            </a:r>
+            <a:r>
+              <a:rPr lang="en-US" altLang="ko-KR" sz="1300" b="1" i="1" dirty="0" smtClean="0">
+                <a:solidFill>
+                  <a:schemeClr val="bg2">
+                    <a:lumMod val="50000"/>
+                  </a:schemeClr>
+                </a:solidFill>
+              </a:rPr>
+              <a:t>11p</a:t>
+            </a:r>
+          </a:p>
+          <a:p>
+            <a:pPr marL="514350" indent="-514350">
+              <a:buFont typeface="+mj-lt"/>
+              <a:buAutoNum type="arabicPeriod"/>
+            </a:pPr>
+            <a:r>
+              <a:rPr lang="ko-KR" altLang="en-US" b="1" dirty="0" smtClean="0"/>
+              <a:t>개발 일정</a:t>
+            </a:r>
+            <a:r>
+              <a:rPr lang="en-US" altLang="ko-KR" b="1" dirty="0" smtClean="0"/>
+              <a:t>									</a:t>
+            </a:r>
+            <a:r>
+              <a:rPr lang="en-US" altLang="ko-KR" sz="1300" b="1" i="1" dirty="0" smtClean="0">
+                <a:solidFill>
+                  <a:schemeClr val="bg2">
+                    <a:lumMod val="50000"/>
+                  </a:schemeClr>
+                </a:solidFill>
+              </a:rPr>
+              <a:t>12p</a:t>
+            </a:r>
+            <a:endParaRPr lang="en-US" altLang="ko-KR" sz="1300" b="1" i="1" dirty="0">
+              <a:solidFill>
+                <a:schemeClr val="bg2">
+                  <a:lumMod val="50000"/>
+                </a:schemeClr>
+              </a:solidFill>
+            </a:endParaRPr>
+          </a:p>
+          <a:p>
+            <a:pPr marL="514350" indent="-514350">
+              <a:buFont typeface="+mj-lt"/>
+              <a:buAutoNum type="arabicPeriod"/>
+            </a:pPr>
+            <a:r>
+              <a:rPr lang="ko-KR" altLang="en-US" b="1" dirty="0" smtClean="0"/>
               <a:t>시연</a:t>
             </a:r>
-            <a:endParaRPr lang="en-US" altLang="ko-KR" b="1" dirty="0"/>
+            <a:r>
+              <a:rPr lang="en-US" altLang="ko-KR" b="1" dirty="0" smtClean="0"/>
+              <a:t>										</a:t>
+            </a:r>
+            <a:r>
+              <a:rPr lang="en-US" altLang="ko-KR" sz="1300" b="1" i="1" dirty="0" smtClean="0">
+                <a:solidFill>
+                  <a:schemeClr val="bg2">
+                    <a:lumMod val="50000"/>
+                  </a:schemeClr>
+                </a:solidFill>
+              </a:rPr>
+              <a:t>13p</a:t>
+            </a:r>
+            <a:endParaRPr lang="en-US" altLang="ko-KR" sz="1300" b="1" i="1" dirty="0">
+              <a:solidFill>
+                <a:schemeClr val="bg2">
+                  <a:lumMod val="50000"/>
+                </a:schemeClr>
+              </a:solidFill>
+            </a:endParaRPr>
           </a:p>
           <a:p>
             <a:pPr marL="514350" indent="-514350">
@@ -6256,7 +7325,7 @@
 </p:sld>
 </file>
 
-<file path=ppt/slides/slide3.xml><?xml version="1.0" encoding="utf-8"?>
+<file path=ppt/slides/slide20.xml><?xml version="1.0" encoding="utf-8"?>
 <p:sld xmlns:a="http://schemas.openxmlformats.org/drawingml/2006/main" xmlns:r="http://schemas.openxmlformats.org/officeDocument/2006/relationships" xmlns:p="http://schemas.openxmlformats.org/presentationml/2006/main">
   <p:cSld>
     <p:spTree>
@@ -6285,323 +7354,123 @@
         </p:nvSpPr>
         <p:spPr/>
         <p:txBody>
-          <a:bodyPr/>
+          <a:bodyPr>
+            <a:normAutofit fontScale="90000"/>
+          </a:bodyPr>
           <a:lstStyle/>
           <a:p>
             <a:r>
               <a:rPr lang="en-US" altLang="ko-KR" b="1" dirty="0"/>
-              <a:t>1. </a:t>
+              <a:t/>
+            </a:r>
+            <a:br>
+              <a:rPr lang="en-US" altLang="ko-KR" b="1" dirty="0"/>
+            </a:br>
+            <a:r>
+              <a:rPr lang="en-US" altLang="ko-KR" b="1" dirty="0"/>
+              <a:t>4-3. </a:t>
             </a:r>
             <a:r>
               <a:rPr lang="ko-KR" altLang="en-US" b="1" dirty="0"/>
-              <a:t>개요 </a:t>
-            </a:r>
-          </a:p>
-        </p:txBody>
-      </p:sp>
-      <p:pic>
-        <p:nvPicPr>
-          <p:cNvPr id="4" name="Content Placeholder 3"/>
-          <p:cNvPicPr>
-            <a:picLocks noGrp="1" noChangeAspect="1"/>
-          </p:cNvPicPr>
+              <a:t>차후 서버 개발 예정 </a:t>
+            </a:r>
+            <a:r>
+              <a:rPr lang="en-US" altLang="ko-KR" b="1" dirty="0"/>
+              <a:t>– </a:t>
+            </a:r>
+            <a:r>
+              <a:rPr lang="ko-KR" altLang="en-US" sz="3100" b="1" dirty="0"/>
+              <a:t>이진수</a:t>
+            </a:r>
+            <a:r>
+              <a:rPr lang="en-US" altLang="ko-KR" b="1" dirty="0"/>
+              <a:t/>
+            </a:r>
+            <a:br>
+              <a:rPr lang="en-US" altLang="ko-KR" b="1" dirty="0"/>
+            </a:br>
+            <a:endParaRPr lang="ko-KR" altLang="en-US" dirty="0"/>
+          </a:p>
+        </p:txBody>
+      </p:sp>
+      <p:sp>
+        <p:nvSpPr>
+          <p:cNvPr id="3" name="내용 개체 틀 2"/>
+          <p:cNvSpPr>
+            <a:spLocks noGrp="1"/>
+          </p:cNvSpPr>
           <p:nvPr>
             <p:ph idx="1"/>
           </p:nvPr>
-        </p:nvPicPr>
-        <p:blipFill>
-          <a:blip r:embed="rId2" cstate="print">
-            <a:extLst>
-              <a:ext uri="{28A0092B-C50C-407E-A947-70E740481C1C}">
-                <a14:useLocalDpi xmlns:a14="http://schemas.microsoft.com/office/drawing/2010/main" val="0"/>
-              </a:ext>
-            </a:extLst>
-          </a:blip>
-          <a:stretch>
-            <a:fillRect/>
-          </a:stretch>
-        </p:blipFill>
+        </p:nvSpPr>
         <p:spPr>
           <a:xfrm>
-            <a:off x="902440" y="1489743"/>
-            <a:ext cx="4143041" cy="2330461"/>
+            <a:off x="838200" y="1825624"/>
+            <a:ext cx="10366829" cy="4865462"/>
           </a:xfrm>
-          <a:prstGeom prst="rect">
-            <a:avLst/>
-          </a:prstGeom>
-          <a:solidFill>
-            <a:srgbClr val="FFFFFF">
-              <a:shade val="85000"/>
-            </a:srgbClr>
-          </a:solidFill>
-          <a:ln w="88900" cap="sq">
-            <a:solidFill>
-              <a:srgbClr val="FFFFFF"/>
-            </a:solidFill>
-            <a:miter lim="800000"/>
-          </a:ln>
-          <a:effectLst>
-            <a:outerShdw blurRad="55000" dist="18000" dir="5400000" algn="tl" rotWithShape="0">
-              <a:srgbClr val="000000">
-                <a:alpha val="40000"/>
-              </a:srgbClr>
-            </a:outerShdw>
-          </a:effectLst>
-          <a:scene3d>
-            <a:camera prst="orthographicFront"/>
-            <a:lightRig rig="twoPt" dir="t">
-              <a:rot lat="0" lon="0" rev="7200000"/>
-            </a:lightRig>
-          </a:scene3d>
-          <a:sp3d>
-            <a:bevelT w="25400" h="19050"/>
-            <a:contourClr>
-              <a:srgbClr val="FFFFFF"/>
-            </a:contourClr>
-          </a:sp3d>
         </p:spPr>
-      </p:pic>
-      <p:pic>
-        <p:nvPicPr>
-          <p:cNvPr id="5" name="Picture 4"/>
-          <p:cNvPicPr>
-            <a:picLocks noChangeAspect="1"/>
-          </p:cNvPicPr>
-          <p:nvPr/>
-        </p:nvPicPr>
-        <p:blipFill>
-          <a:blip r:embed="rId3" cstate="print">
-            <a:extLst>
-              <a:ext uri="{28A0092B-C50C-407E-A947-70E740481C1C}">
-                <a14:useLocalDpi xmlns:a14="http://schemas.microsoft.com/office/drawing/2010/main" val="0"/>
-              </a:ext>
-            </a:extLst>
-          </a:blip>
-          <a:stretch>
-            <a:fillRect/>
-          </a:stretch>
-        </p:blipFill>
-        <p:spPr>
-          <a:xfrm>
-            <a:off x="7304313" y="1606833"/>
-            <a:ext cx="3726719" cy="2096279"/>
-          </a:xfrm>
-          <a:prstGeom prst="rect">
-            <a:avLst/>
-          </a:prstGeom>
-          <a:solidFill>
-            <a:srgbClr val="FFFFFF">
-              <a:shade val="85000"/>
-            </a:srgbClr>
-          </a:solidFill>
-          <a:ln w="88900" cap="sq">
-            <a:solidFill>
-              <a:srgbClr val="FFFFFF"/>
-            </a:solidFill>
-            <a:miter lim="800000"/>
-          </a:ln>
-          <a:effectLst>
-            <a:outerShdw blurRad="55000" dist="18000" dir="5400000" algn="tl" rotWithShape="0">
-              <a:srgbClr val="000000">
-                <a:alpha val="40000"/>
-              </a:srgbClr>
-            </a:outerShdw>
-          </a:effectLst>
-          <a:scene3d>
-            <a:camera prst="orthographicFront"/>
-            <a:lightRig rig="twoPt" dir="t">
-              <a:rot lat="0" lon="0" rev="7200000"/>
-            </a:lightRig>
-          </a:scene3d>
-          <a:sp3d>
-            <a:bevelT w="25400" h="19050"/>
-            <a:contourClr>
-              <a:srgbClr val="FFFFFF"/>
-            </a:contourClr>
-          </a:sp3d>
-        </p:spPr>
-      </p:pic>
-      <p:sp>
-        <p:nvSpPr>
-          <p:cNvPr id="6" name="Cross 5"/>
-          <p:cNvSpPr/>
-          <p:nvPr/>
-        </p:nvSpPr>
-        <p:spPr>
-          <a:xfrm>
-            <a:off x="5640137" y="2120213"/>
-            <a:ext cx="1069521" cy="1069521"/>
-          </a:xfrm>
-          <a:prstGeom prst="plus">
-            <a:avLst>
-              <a:gd name="adj" fmla="val 37214"/>
-            </a:avLst>
-          </a:prstGeom>
-          <a:ln>
-            <a:noFill/>
-          </a:ln>
-        </p:spPr>
-        <p:style>
-          <a:lnRef idx="2">
-            <a:schemeClr val="dk1">
-              <a:shade val="50000"/>
-            </a:schemeClr>
-          </a:lnRef>
-          <a:fillRef idx="1">
-            <a:schemeClr val="dk1"/>
-          </a:fillRef>
-          <a:effectRef idx="0">
-            <a:schemeClr val="dk1"/>
-          </a:effectRef>
-          <a:fontRef idx="minor">
-            <a:schemeClr val="lt1"/>
-          </a:fontRef>
-        </p:style>
-        <p:txBody>
-          <a:bodyPr rtlCol="0" anchor="ctr"/>
-          <a:lstStyle/>
-          <a:p>
-            <a:pPr algn="ctr"/>
-            <a:endParaRPr lang="ko-KR" altLang="en-US" dirty="0"/>
-          </a:p>
-        </p:txBody>
-      </p:sp>
-      <p:sp>
-        <p:nvSpPr>
-          <p:cNvPr id="7" name="TextBox 6"/>
-          <p:cNvSpPr txBox="1"/>
-          <p:nvPr/>
-        </p:nvSpPr>
-        <p:spPr>
-          <a:xfrm>
-            <a:off x="1077686" y="4284937"/>
-            <a:ext cx="3804557" cy="1323439"/>
-          </a:xfrm>
-          <a:prstGeom prst="rect">
-            <a:avLst/>
-          </a:prstGeom>
-          <a:noFill/>
-        </p:spPr>
-        <p:txBody>
-          <a:bodyPr wrap="square" rtlCol="0">
-            <a:spAutoFit/>
+        <p:txBody>
+          <a:bodyPr>
+            <a:normAutofit/>
           </a:bodyPr>
           <a:lstStyle/>
           <a:p>
             <a:r>
-              <a:rPr lang="en-US" altLang="ko-KR" sz="2000" dirty="0"/>
-              <a:t>SRPG</a:t>
-            </a:r>
-          </a:p>
-          <a:p>
-            <a:pPr marL="285750" indent="-285750">
-              <a:buFont typeface="Arial" pitchFamily="34" charset="0"/>
-              <a:buChar char="•"/>
-            </a:pPr>
-            <a:r>
-              <a:rPr lang="ko-KR" altLang="en-US" sz="2000" dirty="0"/>
-              <a:t>타일 방식의 맵 구성</a:t>
-            </a:r>
-            <a:endParaRPr lang="en-US" altLang="ko-KR" sz="2000" dirty="0"/>
-          </a:p>
-          <a:p>
-            <a:pPr marL="285750" indent="-285750">
-              <a:buFont typeface="Arial" pitchFamily="34" charset="0"/>
-              <a:buChar char="•"/>
-            </a:pPr>
-            <a:r>
-              <a:rPr lang="ko-KR" altLang="en-US" sz="2000" dirty="0"/>
-              <a:t>동료 구성에 따른 전략</a:t>
-            </a:r>
-            <a:endParaRPr lang="en-US" altLang="ko-KR" sz="2000" dirty="0"/>
-          </a:p>
-          <a:p>
-            <a:pPr marL="285750" indent="-285750">
-              <a:buFont typeface="Arial" pitchFamily="34" charset="0"/>
-              <a:buChar char="•"/>
-            </a:pPr>
-            <a:r>
-              <a:rPr lang="ko-KR" altLang="en-US" sz="2000" dirty="0"/>
-              <a:t>캐릭터 육성에 따른 역할놀이</a:t>
-            </a:r>
-          </a:p>
-        </p:txBody>
-      </p:sp>
-      <p:sp>
-        <p:nvSpPr>
-          <p:cNvPr id="8" name="TextBox 7"/>
-          <p:cNvSpPr txBox="1"/>
-          <p:nvPr/>
-        </p:nvSpPr>
-        <p:spPr>
-          <a:xfrm>
-            <a:off x="7467600" y="4284937"/>
-            <a:ext cx="3804557" cy="1631216"/>
-          </a:xfrm>
-          <a:prstGeom prst="rect">
-            <a:avLst/>
-          </a:prstGeom>
-          <a:noFill/>
-        </p:spPr>
-        <p:txBody>
-          <a:bodyPr wrap="square" rtlCol="0">
-            <a:spAutoFit/>
-          </a:bodyPr>
-          <a:lstStyle/>
-          <a:p>
-            <a:r>
-              <a:rPr lang="en-US" altLang="ko-KR" sz="2000" dirty="0"/>
-              <a:t>TCG</a:t>
-            </a:r>
-          </a:p>
-          <a:p>
-            <a:pPr marL="285750" indent="-285750">
-              <a:buFont typeface="Arial" pitchFamily="34" charset="0"/>
-              <a:buChar char="•"/>
-            </a:pPr>
-            <a:r>
-              <a:rPr lang="ko-KR" altLang="en-US" sz="2000" dirty="0"/>
-              <a:t>코스트 기반의 제약적 전투</a:t>
-            </a:r>
-            <a:endParaRPr lang="en-US" altLang="ko-KR" sz="2000" dirty="0"/>
-          </a:p>
-          <a:p>
-            <a:pPr marL="285750" indent="-285750">
-              <a:buFont typeface="Arial" pitchFamily="34" charset="0"/>
-              <a:buChar char="•"/>
-            </a:pPr>
-            <a:r>
-              <a:rPr lang="ko-KR" altLang="en-US" sz="2000" dirty="0"/>
-              <a:t>전투 피드백에 따른 전략 </a:t>
-            </a:r>
-            <a:r>
-              <a:rPr lang="en-US" altLang="ko-KR" sz="2000" dirty="0"/>
-              <a:t/>
-            </a:r>
-            <a:br>
-              <a:rPr lang="en-US" altLang="ko-KR" sz="2000" dirty="0"/>
-            </a:br>
-            <a:r>
-              <a:rPr lang="ko-KR" altLang="en-US" sz="2000" dirty="0"/>
-              <a:t>변경</a:t>
-            </a:r>
-            <a:endParaRPr lang="en-US" altLang="ko-KR" sz="2000" dirty="0"/>
-          </a:p>
-          <a:p>
-            <a:pPr marL="285750" indent="-285750">
-              <a:buFont typeface="Arial" pitchFamily="34" charset="0"/>
-              <a:buChar char="•"/>
-            </a:pPr>
-            <a:r>
-              <a:rPr lang="ko-KR" altLang="en-US" sz="2000" dirty="0"/>
-              <a:t>다양한 카드 수집</a:t>
-            </a:r>
-          </a:p>
-        </p:txBody>
-      </p:sp>
-      <p:sp>
-        <p:nvSpPr>
-          <p:cNvPr id="9" name="Slide Number Placeholder 8"/>
+              <a:rPr lang="ko-KR" altLang="en-US" b="1" dirty="0"/>
+              <a:t>대전 시스템에 따른 </a:t>
+            </a:r>
+            <a:r>
+              <a:rPr lang="en-US" altLang="ko-KR" b="1" dirty="0"/>
+              <a:t>DB </a:t>
+            </a:r>
+            <a:r>
+              <a:rPr lang="ko-KR" altLang="en-US" b="1" dirty="0"/>
+              <a:t>수정</a:t>
+            </a:r>
+            <a:endParaRPr lang="en-US" altLang="ko-KR" b="1" dirty="0"/>
+          </a:p>
+          <a:p>
+            <a:r>
+              <a:rPr lang="ko-KR" altLang="en-US" b="1" dirty="0"/>
+              <a:t>유저 분석 </a:t>
+            </a:r>
+            <a:r>
+              <a:rPr lang="en-US" altLang="ko-KR" b="1" dirty="0"/>
+              <a:t>DB </a:t>
+            </a:r>
+            <a:r>
+              <a:rPr lang="ko-KR" altLang="en-US" b="1" dirty="0"/>
+              <a:t>제작</a:t>
+            </a:r>
+            <a:endParaRPr lang="en-US" altLang="ko-KR" dirty="0"/>
+          </a:p>
+          <a:p>
+            <a:r>
+              <a:rPr lang="ko-KR" altLang="en-US" b="1" dirty="0"/>
+              <a:t>서버 보안 예정</a:t>
+            </a:r>
+            <a:endParaRPr lang="en-US" altLang="ko-KR" b="1" dirty="0"/>
+          </a:p>
+          <a:p>
+            <a:r>
+              <a:rPr lang="ko-KR" altLang="en-US" b="1" dirty="0"/>
+              <a:t> 서버 데이터 </a:t>
+            </a:r>
+            <a:r>
+              <a:rPr lang="en-US" altLang="ko-KR" b="1" dirty="0"/>
+              <a:t>IBM </a:t>
+            </a:r>
+            <a:r>
+              <a:rPr lang="ko-KR" altLang="en-US" b="1" dirty="0"/>
+              <a:t>클라우드에 적용 </a:t>
+            </a:r>
+            <a:endParaRPr lang="en-US" altLang="ko-KR" b="1" dirty="0"/>
+          </a:p>
+        </p:txBody>
+      </p:sp>
+      <p:sp>
+        <p:nvSpPr>
+          <p:cNvPr id="5" name="Slide Number Placeholder 4"/>
           <p:cNvSpPr>
             <a:spLocks noGrp="1"/>
           </p:cNvSpPr>
@@ -6616,7 +7485,7 @@
           <a:p>
             <a:fld id="{FBFC020C-1606-4BED-91BA-A6230104B3B1}" type="slidenum">
               <a:rPr lang="ko-KR" altLang="en-US" smtClean="0"/>
-              <a:t>3</a:t>
+              <a:t>20</a:t>
             </a:fld>
             <a:endParaRPr lang="ko-KR" altLang="en-US"/>
           </a:p>
@@ -6625,7 +7494,7 @@
     </p:spTree>
     <p:extLst>
       <p:ext uri="{BB962C8B-B14F-4D97-AF65-F5344CB8AC3E}">
-        <p14:creationId xmlns:p14="http://schemas.microsoft.com/office/powerpoint/2010/main" val="2014686969"/>
+        <p14:creationId xmlns:p14="http://schemas.microsoft.com/office/powerpoint/2010/main" val="1406679189"/>
       </p:ext>
     </p:extLst>
   </p:cSld>
@@ -6642,1319 +7511,7 @@
 </p:sld>
 </file>
 
-<file path=ppt/slides/slide4.xml><?xml version="1.0" encoding="utf-8"?>
-<p:sld xmlns:a="http://schemas.openxmlformats.org/drawingml/2006/main" xmlns:r="http://schemas.openxmlformats.org/officeDocument/2006/relationships" xmlns:p="http://schemas.openxmlformats.org/presentationml/2006/main">
-  <p:cSld>
-    <p:spTree>
-      <p:nvGrpSpPr>
-        <p:cNvPr id="1" name=""/>
-        <p:cNvGrpSpPr/>
-        <p:nvPr/>
-      </p:nvGrpSpPr>
-      <p:grpSpPr>
-        <a:xfrm>
-          <a:off x="0" y="0"/>
-          <a:ext cx="0" cy="0"/>
-          <a:chOff x="0" y="0"/>
-          <a:chExt cx="0" cy="0"/>
-        </a:xfrm>
-      </p:grpSpPr>
-      <p:sp>
-        <p:nvSpPr>
-          <p:cNvPr id="2" name="제목 1"/>
-          <p:cNvSpPr>
-            <a:spLocks noGrp="1"/>
-          </p:cNvSpPr>
-          <p:nvPr>
-            <p:ph type="title"/>
-          </p:nvPr>
-        </p:nvSpPr>
-        <p:spPr/>
-        <p:txBody>
-          <a:bodyPr/>
-          <a:lstStyle/>
-          <a:p>
-            <a:r>
-              <a:rPr lang="en-US" altLang="ko-KR" b="1" dirty="0"/>
-              <a:t>1. </a:t>
-            </a:r>
-            <a:r>
-              <a:rPr lang="ko-KR" altLang="en-US" b="1" dirty="0"/>
-              <a:t>개요</a:t>
-            </a:r>
-          </a:p>
-        </p:txBody>
-      </p:sp>
-      <p:sp>
-        <p:nvSpPr>
-          <p:cNvPr id="13" name="Rectangle 12"/>
-          <p:cNvSpPr/>
-          <p:nvPr/>
-        </p:nvSpPr>
-        <p:spPr>
-          <a:xfrm>
-            <a:off x="693964" y="2555422"/>
-            <a:ext cx="3739243" cy="1191986"/>
-          </a:xfrm>
-          <a:prstGeom prst="rect">
-            <a:avLst/>
-          </a:prstGeom>
-        </p:spPr>
-        <p:style>
-          <a:lnRef idx="2">
-            <a:schemeClr val="dk1"/>
-          </a:lnRef>
-          <a:fillRef idx="1">
-            <a:schemeClr val="lt1"/>
-          </a:fillRef>
-          <a:effectRef idx="0">
-            <a:schemeClr val="dk1"/>
-          </a:effectRef>
-          <a:fontRef idx="minor">
-            <a:schemeClr val="dk1"/>
-          </a:fontRef>
-        </p:style>
-        <p:txBody>
-          <a:bodyPr rtlCol="0" anchor="ctr"/>
-          <a:lstStyle/>
-          <a:p>
-            <a:pPr algn="ctr"/>
-            <a:r>
-              <a:rPr lang="ko-KR" altLang="en-US" sz="1600" dirty="0"/>
-              <a:t>구성된 캐릭터 별로 각 턴마다 </a:t>
-            </a:r>
-            <a:endParaRPr lang="en-US" altLang="ko-KR" sz="1600" dirty="0"/>
-          </a:p>
-          <a:p>
-            <a:pPr algn="ctr"/>
-            <a:r>
-              <a:rPr lang="ko-KR" altLang="en-US" sz="1600" dirty="0"/>
-              <a:t>제약된 행동을 할 수 있음</a:t>
-            </a:r>
-          </a:p>
-        </p:txBody>
-      </p:sp>
-      <p:sp>
-        <p:nvSpPr>
-          <p:cNvPr id="14" name="Rectangle 13"/>
-          <p:cNvSpPr/>
-          <p:nvPr/>
-        </p:nvSpPr>
-        <p:spPr>
-          <a:xfrm>
-            <a:off x="7516586" y="2555422"/>
-            <a:ext cx="3739243" cy="1191986"/>
-          </a:xfrm>
-          <a:prstGeom prst="rect">
-            <a:avLst/>
-          </a:prstGeom>
-        </p:spPr>
-        <p:style>
-          <a:lnRef idx="2">
-            <a:schemeClr val="dk1"/>
-          </a:lnRef>
-          <a:fillRef idx="1">
-            <a:schemeClr val="lt1"/>
-          </a:fillRef>
-          <a:effectRef idx="0">
-            <a:schemeClr val="dk1"/>
-          </a:effectRef>
-          <a:fontRef idx="minor">
-            <a:schemeClr val="dk1"/>
-          </a:fontRef>
-        </p:style>
-        <p:txBody>
-          <a:bodyPr rtlCol="0" anchor="ctr"/>
-          <a:lstStyle/>
-          <a:p>
-            <a:pPr algn="ctr"/>
-            <a:r>
-              <a:rPr lang="ko-KR" altLang="en-US" sz="1600" dirty="0"/>
-              <a:t>모든 캐릭터의 행동을 하나의 코스트로 관리함으로써 턴마다 코스트 분배에 대한 전략적 요소를 만듬</a:t>
-            </a:r>
-          </a:p>
-        </p:txBody>
-      </p:sp>
-      <p:sp>
-        <p:nvSpPr>
-          <p:cNvPr id="16" name="Rectangle 15"/>
-          <p:cNvSpPr/>
-          <p:nvPr/>
-        </p:nvSpPr>
-        <p:spPr>
-          <a:xfrm>
-            <a:off x="693964" y="4242708"/>
-            <a:ext cx="3739243" cy="1191986"/>
-          </a:xfrm>
-          <a:prstGeom prst="rect">
-            <a:avLst/>
-          </a:prstGeom>
-        </p:spPr>
-        <p:style>
-          <a:lnRef idx="2">
-            <a:schemeClr val="dk1"/>
-          </a:lnRef>
-          <a:fillRef idx="1">
-            <a:schemeClr val="lt1"/>
-          </a:fillRef>
-          <a:effectRef idx="0">
-            <a:schemeClr val="dk1"/>
-          </a:effectRef>
-          <a:fontRef idx="minor">
-            <a:schemeClr val="dk1"/>
-          </a:fontRef>
-        </p:style>
-        <p:txBody>
-          <a:bodyPr rtlCol="0" anchor="ctr"/>
-          <a:lstStyle/>
-          <a:p>
-            <a:pPr algn="ctr"/>
-            <a:r>
-              <a:rPr lang="ko-KR" altLang="en-US" sz="1600" dirty="0"/>
-              <a:t>각 턴 마다 새로운 카드를 </a:t>
-            </a:r>
-            <a:endParaRPr lang="en-US" altLang="ko-KR" sz="1600" dirty="0"/>
-          </a:p>
-          <a:p>
-            <a:pPr algn="ctr"/>
-            <a:r>
-              <a:rPr lang="ko-KR" altLang="en-US" sz="1600" dirty="0"/>
-              <a:t>한장 드로우함</a:t>
-            </a:r>
-          </a:p>
-        </p:txBody>
-      </p:sp>
-      <p:sp>
-        <p:nvSpPr>
-          <p:cNvPr id="18" name="Rectangle 17"/>
-          <p:cNvSpPr/>
-          <p:nvPr/>
-        </p:nvSpPr>
-        <p:spPr>
-          <a:xfrm>
-            <a:off x="7516586" y="4242708"/>
-            <a:ext cx="3739243" cy="1191986"/>
-          </a:xfrm>
-          <a:prstGeom prst="rect">
-            <a:avLst/>
-          </a:prstGeom>
-        </p:spPr>
-        <p:style>
-          <a:lnRef idx="2">
-            <a:schemeClr val="dk1"/>
-          </a:lnRef>
-          <a:fillRef idx="1">
-            <a:schemeClr val="lt1"/>
-          </a:fillRef>
-          <a:effectRef idx="0">
-            <a:schemeClr val="dk1"/>
-          </a:effectRef>
-          <a:fontRef idx="minor">
-            <a:schemeClr val="dk1"/>
-          </a:fontRef>
-        </p:style>
-        <p:txBody>
-          <a:bodyPr rtlCol="0" anchor="ctr"/>
-          <a:lstStyle/>
-          <a:p>
-            <a:pPr algn="ctr"/>
-            <a:r>
-              <a:rPr lang="ko-KR" altLang="en-US" sz="1600" dirty="0"/>
-              <a:t>각 턴 마다 랜덤한 </a:t>
-            </a:r>
-            <a:r>
-              <a:rPr lang="en-US" altLang="ko-KR" sz="1600" dirty="0"/>
-              <a:t>4</a:t>
-            </a:r>
-            <a:r>
-              <a:rPr lang="ko-KR" altLang="en-US" sz="1600" dirty="0"/>
-              <a:t>장의 카드가 새롭게 드로우되며</a:t>
-            </a:r>
-            <a:r>
-              <a:rPr lang="en-US" altLang="ko-KR" sz="1600" dirty="0"/>
-              <a:t>,</a:t>
-            </a:r>
-            <a:r>
-              <a:rPr lang="ko-KR" altLang="en-US" sz="1600" dirty="0"/>
-              <a:t>해당 턴에서</a:t>
-            </a:r>
-            <a:r>
-              <a:rPr lang="en-US" altLang="ko-KR" sz="1600" dirty="0"/>
-              <a:t> </a:t>
-            </a:r>
-            <a:r>
-              <a:rPr lang="ko-KR" altLang="en-US" sz="1600" dirty="0"/>
-              <a:t>주어진카드로 가장 효율적인 행동을 요구함</a:t>
-            </a:r>
-          </a:p>
-        </p:txBody>
-      </p:sp>
-      <p:sp>
-        <p:nvSpPr>
-          <p:cNvPr id="20" name="Right Arrow 19"/>
-          <p:cNvSpPr/>
-          <p:nvPr/>
-        </p:nvSpPr>
-        <p:spPr>
-          <a:xfrm>
-            <a:off x="5146221" y="4434569"/>
-            <a:ext cx="1657350" cy="808264"/>
-          </a:xfrm>
-          <a:prstGeom prst="rightArrow">
-            <a:avLst/>
-          </a:prstGeom>
-        </p:spPr>
-        <p:style>
-          <a:lnRef idx="2">
-            <a:schemeClr val="dk1">
-              <a:shade val="50000"/>
-            </a:schemeClr>
-          </a:lnRef>
-          <a:fillRef idx="1">
-            <a:schemeClr val="dk1"/>
-          </a:fillRef>
-          <a:effectRef idx="0">
-            <a:schemeClr val="dk1"/>
-          </a:effectRef>
-          <a:fontRef idx="minor">
-            <a:schemeClr val="lt1"/>
-          </a:fontRef>
-        </p:style>
-        <p:txBody>
-          <a:bodyPr rtlCol="0" anchor="ctr"/>
-          <a:lstStyle/>
-          <a:p>
-            <a:pPr algn="ctr"/>
-            <a:r>
-              <a:rPr lang="ko-KR" altLang="en-US" sz="1400" dirty="0"/>
-              <a:t>드로우 시스템</a:t>
-            </a:r>
-          </a:p>
-        </p:txBody>
-      </p:sp>
-      <p:sp>
-        <p:nvSpPr>
-          <p:cNvPr id="21" name="TextBox 20"/>
-          <p:cNvSpPr txBox="1"/>
-          <p:nvPr/>
-        </p:nvSpPr>
-        <p:spPr>
-          <a:xfrm>
-            <a:off x="1498145" y="1808361"/>
-            <a:ext cx="2130879" cy="400110"/>
-          </a:xfrm>
-          <a:prstGeom prst="rect">
-            <a:avLst/>
-          </a:prstGeom>
-        </p:spPr>
-        <p:style>
-          <a:lnRef idx="2">
-            <a:schemeClr val="dk1">
-              <a:shade val="50000"/>
-            </a:schemeClr>
-          </a:lnRef>
-          <a:fillRef idx="1">
-            <a:schemeClr val="dk1"/>
-          </a:fillRef>
-          <a:effectRef idx="0">
-            <a:schemeClr val="dk1"/>
-          </a:effectRef>
-          <a:fontRef idx="minor">
-            <a:schemeClr val="lt1"/>
-          </a:fontRef>
-        </p:style>
-        <p:txBody>
-          <a:bodyPr wrap="square" rtlCol="0">
-            <a:spAutoFit/>
-          </a:bodyPr>
-          <a:lstStyle/>
-          <a:p>
-            <a:pPr algn="ctr"/>
-            <a:r>
-              <a:rPr lang="ko-KR" altLang="en-US" sz="2000" dirty="0">
-                <a:latin typeface="+mn-ea"/>
-              </a:rPr>
-              <a:t>기존 </a:t>
-            </a:r>
-            <a:r>
-              <a:rPr lang="en-US" altLang="ko-KR" sz="2000" dirty="0">
-                <a:latin typeface="+mn-ea"/>
-              </a:rPr>
-              <a:t>SRPG,TCG</a:t>
-            </a:r>
-            <a:endParaRPr lang="ko-KR" altLang="en-US" sz="2000" dirty="0">
-              <a:latin typeface="+mn-ea"/>
-            </a:endParaRPr>
-          </a:p>
-        </p:txBody>
-      </p:sp>
-      <p:sp>
-        <p:nvSpPr>
-          <p:cNvPr id="23" name="TextBox 22"/>
-          <p:cNvSpPr txBox="1"/>
-          <p:nvPr/>
-        </p:nvSpPr>
-        <p:spPr>
-          <a:xfrm>
-            <a:off x="8320767" y="1808360"/>
-            <a:ext cx="2130879" cy="400110"/>
-          </a:xfrm>
-          <a:prstGeom prst="rect">
-            <a:avLst/>
-          </a:prstGeom>
-        </p:spPr>
-        <p:style>
-          <a:lnRef idx="2">
-            <a:schemeClr val="dk1">
-              <a:shade val="50000"/>
-            </a:schemeClr>
-          </a:lnRef>
-          <a:fillRef idx="1">
-            <a:schemeClr val="dk1"/>
-          </a:fillRef>
-          <a:effectRef idx="0">
-            <a:schemeClr val="dk1"/>
-          </a:effectRef>
-          <a:fontRef idx="minor">
-            <a:schemeClr val="lt1"/>
-          </a:fontRef>
-        </p:style>
-        <p:txBody>
-          <a:bodyPr wrap="square" rtlCol="0">
-            <a:spAutoFit/>
-          </a:bodyPr>
-          <a:lstStyle/>
-          <a:p>
-            <a:pPr algn="ctr"/>
-            <a:r>
-              <a:rPr lang="en-US" altLang="ko-KR" sz="2000" dirty="0">
-                <a:latin typeface="+mn-ea"/>
-              </a:rPr>
-              <a:t>A.W.W.</a:t>
-            </a:r>
-            <a:endParaRPr lang="ko-KR" altLang="en-US" sz="2000" dirty="0">
-              <a:latin typeface="+mn-ea"/>
-            </a:endParaRPr>
-          </a:p>
-        </p:txBody>
-      </p:sp>
-      <p:pic>
-        <p:nvPicPr>
-          <p:cNvPr id="25" name="Picture 24"/>
-          <p:cNvPicPr>
-            <a:picLocks noChangeAspect="1"/>
-          </p:cNvPicPr>
-          <p:nvPr/>
-        </p:nvPicPr>
-        <p:blipFill>
-          <a:blip r:embed="rId2">
-            <a:extLst>
-              <a:ext uri="{28A0092B-C50C-407E-A947-70E740481C1C}">
-                <a14:useLocalDpi xmlns:a14="http://schemas.microsoft.com/office/drawing/2010/main" val="0"/>
-              </a:ext>
-            </a:extLst>
-          </a:blip>
-          <a:stretch>
-            <a:fillRect/>
-          </a:stretch>
-        </p:blipFill>
-        <p:spPr>
-          <a:xfrm>
-            <a:off x="4751069" y="4298701"/>
-            <a:ext cx="540000" cy="540000"/>
-          </a:xfrm>
-          <a:prstGeom prst="rect">
-            <a:avLst/>
-          </a:prstGeom>
-        </p:spPr>
-      </p:pic>
-      <p:sp>
-        <p:nvSpPr>
-          <p:cNvPr id="26" name="Right Arrow 25"/>
-          <p:cNvSpPr/>
-          <p:nvPr/>
-        </p:nvSpPr>
-        <p:spPr>
-          <a:xfrm>
-            <a:off x="5146221" y="2747283"/>
-            <a:ext cx="1657350" cy="808264"/>
-          </a:xfrm>
-          <a:prstGeom prst="rightArrow">
-            <a:avLst/>
-          </a:prstGeom>
-        </p:spPr>
-        <p:style>
-          <a:lnRef idx="2">
-            <a:schemeClr val="dk1">
-              <a:shade val="50000"/>
-            </a:schemeClr>
-          </a:lnRef>
-          <a:fillRef idx="1">
-            <a:schemeClr val="dk1"/>
-          </a:fillRef>
-          <a:effectRef idx="0">
-            <a:schemeClr val="dk1"/>
-          </a:effectRef>
-          <a:fontRef idx="minor">
-            <a:schemeClr val="lt1"/>
-          </a:fontRef>
-        </p:style>
-        <p:txBody>
-          <a:bodyPr rtlCol="0" anchor="ctr"/>
-          <a:lstStyle/>
-          <a:p>
-            <a:pPr algn="ctr"/>
-            <a:r>
-              <a:rPr lang="ko-KR" altLang="en-US" sz="1400" dirty="0" smtClean="0"/>
-              <a:t>코스트</a:t>
-            </a:r>
-            <a:endParaRPr lang="ko-KR" altLang="en-US" sz="1400" dirty="0"/>
-          </a:p>
-        </p:txBody>
-      </p:sp>
-      <p:pic>
-        <p:nvPicPr>
-          <p:cNvPr id="24" name="Picture 23"/>
-          <p:cNvPicPr>
-            <a:picLocks noChangeAspect="1"/>
-          </p:cNvPicPr>
-          <p:nvPr/>
-        </p:nvPicPr>
-        <p:blipFill>
-          <a:blip r:embed="rId3" cstate="print">
-            <a:extLst>
-              <a:ext uri="{28A0092B-C50C-407E-A947-70E740481C1C}">
-                <a14:useLocalDpi xmlns:a14="http://schemas.microsoft.com/office/drawing/2010/main" val="0"/>
-              </a:ext>
-            </a:extLst>
-          </a:blip>
-          <a:stretch>
-            <a:fillRect/>
-          </a:stretch>
-        </p:blipFill>
-        <p:spPr>
-          <a:xfrm>
-            <a:off x="4751069" y="2581002"/>
-            <a:ext cx="540000" cy="540000"/>
-          </a:xfrm>
-          <a:prstGeom prst="rect">
-            <a:avLst/>
-          </a:prstGeom>
-        </p:spPr>
-      </p:pic>
-      <p:sp>
-        <p:nvSpPr>
-          <p:cNvPr id="4" name="Slide Number Placeholder 3"/>
-          <p:cNvSpPr>
-            <a:spLocks noGrp="1"/>
-          </p:cNvSpPr>
-          <p:nvPr>
-            <p:ph type="sldNum" sz="quarter" idx="12"/>
-          </p:nvPr>
-        </p:nvSpPr>
-        <p:spPr/>
-        <p:txBody>
-          <a:bodyPr/>
-          <a:lstStyle/>
-          <a:p>
-            <a:fld id="{FBFC020C-1606-4BED-91BA-A6230104B3B1}" type="slidenum">
-              <a:rPr lang="ko-KR" altLang="en-US" smtClean="0"/>
-              <a:t>4</a:t>
-            </a:fld>
-            <a:endParaRPr lang="ko-KR" altLang="en-US"/>
-          </a:p>
-        </p:txBody>
-      </p:sp>
-    </p:spTree>
-    <p:extLst>
-      <p:ext uri="{BB962C8B-B14F-4D97-AF65-F5344CB8AC3E}">
-        <p14:creationId xmlns:p14="http://schemas.microsoft.com/office/powerpoint/2010/main" val="2649169576"/>
-      </p:ext>
-    </p:extLst>
-  </p:cSld>
-  <p:clrMapOvr>
-    <a:masterClrMapping/>
-  </p:clrMapOvr>
-  <p:timing>
-    <p:tnLst>
-      <p:par>
-        <p:cTn id="1" dur="indefinite" restart="never" nodeType="tmRoot"/>
-      </p:par>
-    </p:tnLst>
-  </p:timing>
-</p:sld>
-</file>
-
-<file path=ppt/slides/slide5.xml><?xml version="1.0" encoding="utf-8"?>
-<p:sld xmlns:a="http://schemas.openxmlformats.org/drawingml/2006/main" xmlns:r="http://schemas.openxmlformats.org/officeDocument/2006/relationships" xmlns:p="http://schemas.openxmlformats.org/presentationml/2006/main">
-  <p:cSld>
-    <p:spTree>
-      <p:nvGrpSpPr>
-        <p:cNvPr id="1" name=""/>
-        <p:cNvGrpSpPr/>
-        <p:nvPr/>
-      </p:nvGrpSpPr>
-      <p:grpSpPr>
-        <a:xfrm>
-          <a:off x="0" y="0"/>
-          <a:ext cx="0" cy="0"/>
-          <a:chOff x="0" y="0"/>
-          <a:chExt cx="0" cy="0"/>
-        </a:xfrm>
-      </p:grpSpPr>
-      <p:sp>
-        <p:nvSpPr>
-          <p:cNvPr id="20" name="Rounded Rectangle 19"/>
-          <p:cNvSpPr/>
-          <p:nvPr/>
-        </p:nvSpPr>
-        <p:spPr>
-          <a:xfrm>
-            <a:off x="9225417" y="1014542"/>
-            <a:ext cx="2966583" cy="2006828"/>
-          </a:xfrm>
-          <a:prstGeom prst="roundRect">
-            <a:avLst/>
-          </a:prstGeom>
-        </p:spPr>
-        <p:style>
-          <a:lnRef idx="1">
-            <a:schemeClr val="dk1"/>
-          </a:lnRef>
-          <a:fillRef idx="2">
-            <a:schemeClr val="dk1"/>
-          </a:fillRef>
-          <a:effectRef idx="1">
-            <a:schemeClr val="dk1"/>
-          </a:effectRef>
-          <a:fontRef idx="minor">
-            <a:schemeClr val="dk1"/>
-          </a:fontRef>
-        </p:style>
-        <p:txBody>
-          <a:bodyPr rtlCol="0" anchor="ctr"/>
-          <a:lstStyle/>
-          <a:p>
-            <a:pPr algn="ctr"/>
-            <a:endParaRPr lang="ko-KR" altLang="en-US"/>
-          </a:p>
-        </p:txBody>
-      </p:sp>
-      <p:sp>
-        <p:nvSpPr>
-          <p:cNvPr id="2" name="제목 1"/>
-          <p:cNvSpPr>
-            <a:spLocks noGrp="1"/>
-          </p:cNvSpPr>
-          <p:nvPr>
-            <p:ph type="title"/>
-          </p:nvPr>
-        </p:nvSpPr>
-        <p:spPr/>
-        <p:txBody>
-          <a:bodyPr/>
-          <a:lstStyle/>
-          <a:p>
-            <a:r>
-              <a:rPr lang="en-US" altLang="ko-KR" b="1" dirty="0"/>
-              <a:t>2. </a:t>
-            </a:r>
-            <a:r>
-              <a:rPr lang="ko-KR" altLang="en-US" b="1" dirty="0"/>
-              <a:t>게임목표</a:t>
-            </a:r>
-          </a:p>
-        </p:txBody>
-      </p:sp>
-      <p:sp>
-        <p:nvSpPr>
-          <p:cNvPr id="4" name="Oval 3"/>
-          <p:cNvSpPr/>
-          <p:nvPr/>
-        </p:nvSpPr>
-        <p:spPr>
-          <a:xfrm>
-            <a:off x="310243" y="5045529"/>
-            <a:ext cx="1404258" cy="1404258"/>
-          </a:xfrm>
-          <a:prstGeom prst="ellipse">
-            <a:avLst/>
-          </a:prstGeom>
-        </p:spPr>
-        <p:style>
-          <a:lnRef idx="2">
-            <a:schemeClr val="dk1">
-              <a:shade val="50000"/>
-            </a:schemeClr>
-          </a:lnRef>
-          <a:fillRef idx="1">
-            <a:schemeClr val="dk1"/>
-          </a:fillRef>
-          <a:effectRef idx="0">
-            <a:schemeClr val="dk1"/>
-          </a:effectRef>
-          <a:fontRef idx="minor">
-            <a:schemeClr val="lt1"/>
-          </a:fontRef>
-        </p:style>
-        <p:txBody>
-          <a:bodyPr rtlCol="0" anchor="ctr"/>
-          <a:lstStyle/>
-          <a:p>
-            <a:pPr algn="ctr"/>
-            <a:r>
-              <a:rPr lang="ko-KR" altLang="en-US" sz="1400" dirty="0"/>
-              <a:t>효율적</a:t>
-            </a:r>
-            <a:endParaRPr lang="en-US" altLang="ko-KR" sz="1400" dirty="0"/>
-          </a:p>
-          <a:p>
-            <a:pPr algn="ctr"/>
-            <a:r>
-              <a:rPr lang="ko-KR" altLang="en-US" sz="1400" dirty="0"/>
-              <a:t>코스트</a:t>
-            </a:r>
-            <a:endParaRPr lang="en-US" altLang="ko-KR" sz="1400" dirty="0"/>
-          </a:p>
-          <a:p>
-            <a:pPr algn="ctr"/>
-            <a:r>
-              <a:rPr lang="ko-KR" altLang="en-US" sz="1400" dirty="0"/>
-              <a:t>사용</a:t>
-            </a:r>
-          </a:p>
-        </p:txBody>
-      </p:sp>
-      <p:sp>
-        <p:nvSpPr>
-          <p:cNvPr id="5" name="Oval 4"/>
-          <p:cNvSpPr/>
-          <p:nvPr/>
-        </p:nvSpPr>
-        <p:spPr>
-          <a:xfrm>
-            <a:off x="2669551" y="4137253"/>
-            <a:ext cx="1404258" cy="1404258"/>
-          </a:xfrm>
-          <a:prstGeom prst="ellipse">
-            <a:avLst/>
-          </a:prstGeom>
-        </p:spPr>
-        <p:style>
-          <a:lnRef idx="2">
-            <a:schemeClr val="dk1">
-              <a:shade val="50000"/>
-            </a:schemeClr>
-          </a:lnRef>
-          <a:fillRef idx="1">
-            <a:schemeClr val="dk1"/>
-          </a:fillRef>
-          <a:effectRef idx="0">
-            <a:schemeClr val="dk1"/>
-          </a:effectRef>
-          <a:fontRef idx="minor">
-            <a:schemeClr val="lt1"/>
-          </a:fontRef>
-        </p:style>
-        <p:txBody>
-          <a:bodyPr rtlCol="0" anchor="ctr"/>
-          <a:lstStyle/>
-          <a:p>
-            <a:pPr algn="ctr"/>
-            <a:r>
-              <a:rPr lang="ko-KR" altLang="en-US" sz="1400" dirty="0"/>
-              <a:t>스테이지</a:t>
-            </a:r>
-            <a:endParaRPr lang="en-US" altLang="ko-KR" sz="1400" dirty="0"/>
-          </a:p>
-          <a:p>
-            <a:pPr algn="ctr"/>
-            <a:r>
-              <a:rPr lang="ko-KR" altLang="en-US" sz="1400" dirty="0"/>
-              <a:t>클리어</a:t>
-            </a:r>
-          </a:p>
-        </p:txBody>
-      </p:sp>
-      <p:sp>
-        <p:nvSpPr>
-          <p:cNvPr id="6" name="Oval 5"/>
-          <p:cNvSpPr/>
-          <p:nvPr/>
-        </p:nvSpPr>
-        <p:spPr>
-          <a:xfrm>
-            <a:off x="5028859" y="3228976"/>
-            <a:ext cx="1404258" cy="1404258"/>
-          </a:xfrm>
-          <a:prstGeom prst="ellipse">
-            <a:avLst/>
-          </a:prstGeom>
-        </p:spPr>
-        <p:style>
-          <a:lnRef idx="2">
-            <a:schemeClr val="dk1">
-              <a:shade val="50000"/>
-            </a:schemeClr>
-          </a:lnRef>
-          <a:fillRef idx="1">
-            <a:schemeClr val="dk1"/>
-          </a:fillRef>
-          <a:effectRef idx="0">
-            <a:schemeClr val="dk1"/>
-          </a:effectRef>
-          <a:fontRef idx="minor">
-            <a:schemeClr val="lt1"/>
-          </a:fontRef>
-        </p:style>
-        <p:txBody>
-          <a:bodyPr rtlCol="0" anchor="ctr"/>
-          <a:lstStyle/>
-          <a:p>
-            <a:pPr algn="ctr"/>
-            <a:r>
-              <a:rPr lang="ko-KR" altLang="en-US" sz="1400" dirty="0"/>
-              <a:t>스토리</a:t>
-            </a:r>
-            <a:endParaRPr lang="en-US" altLang="ko-KR" sz="1400" dirty="0"/>
-          </a:p>
-          <a:p>
-            <a:pPr algn="ctr"/>
-            <a:r>
-              <a:rPr lang="ko-KR" altLang="en-US" sz="1400" dirty="0"/>
-              <a:t>진행</a:t>
-            </a:r>
-          </a:p>
-        </p:txBody>
-      </p:sp>
-      <p:sp>
-        <p:nvSpPr>
-          <p:cNvPr id="7" name="Oval 6"/>
-          <p:cNvSpPr/>
-          <p:nvPr/>
-        </p:nvSpPr>
-        <p:spPr>
-          <a:xfrm>
-            <a:off x="7388167" y="2320699"/>
-            <a:ext cx="1404258" cy="1404258"/>
-          </a:xfrm>
-          <a:prstGeom prst="ellipse">
-            <a:avLst/>
-          </a:prstGeom>
-        </p:spPr>
-        <p:style>
-          <a:lnRef idx="2">
-            <a:schemeClr val="dk1">
-              <a:shade val="50000"/>
-            </a:schemeClr>
-          </a:lnRef>
-          <a:fillRef idx="1">
-            <a:schemeClr val="dk1"/>
-          </a:fillRef>
-          <a:effectRef idx="0">
-            <a:schemeClr val="dk1"/>
-          </a:effectRef>
-          <a:fontRef idx="minor">
-            <a:schemeClr val="lt1"/>
-          </a:fontRef>
-        </p:style>
-        <p:txBody>
-          <a:bodyPr rtlCol="0" anchor="ctr"/>
-          <a:lstStyle/>
-          <a:p>
-            <a:pPr algn="ctr"/>
-            <a:r>
-              <a:rPr lang="ko-KR" altLang="en-US" sz="1400" dirty="0"/>
-              <a:t>카드</a:t>
-            </a:r>
-            <a:endParaRPr lang="en-US" altLang="ko-KR" sz="1400" dirty="0"/>
-          </a:p>
-          <a:p>
-            <a:pPr algn="ctr"/>
-            <a:r>
-              <a:rPr lang="ko-KR" altLang="en-US" sz="1400" dirty="0"/>
-              <a:t>수집</a:t>
-            </a:r>
-          </a:p>
-        </p:txBody>
-      </p:sp>
-      <p:sp>
-        <p:nvSpPr>
-          <p:cNvPr id="8" name="Oval 7"/>
-          <p:cNvSpPr/>
-          <p:nvPr/>
-        </p:nvSpPr>
-        <p:spPr>
-          <a:xfrm>
-            <a:off x="9747476" y="1387808"/>
-            <a:ext cx="1404258" cy="1404258"/>
-          </a:xfrm>
-          <a:prstGeom prst="ellipse">
-            <a:avLst/>
-          </a:prstGeom>
-        </p:spPr>
-        <p:style>
-          <a:lnRef idx="2">
-            <a:schemeClr val="dk1"/>
-          </a:lnRef>
-          <a:fillRef idx="1">
-            <a:schemeClr val="lt1"/>
-          </a:fillRef>
-          <a:effectRef idx="0">
-            <a:schemeClr val="dk1"/>
-          </a:effectRef>
-          <a:fontRef idx="minor">
-            <a:schemeClr val="dk1"/>
-          </a:fontRef>
-        </p:style>
-        <p:txBody>
-          <a:bodyPr rtlCol="0" anchor="ctr"/>
-          <a:lstStyle/>
-          <a:p>
-            <a:pPr algn="ctr"/>
-            <a:r>
-              <a:rPr lang="en-US" altLang="ko-KR" sz="1400" dirty="0" err="1"/>
-              <a:t>PvP</a:t>
-            </a:r>
-            <a:endParaRPr lang="en-US" altLang="ko-KR" sz="1400" dirty="0"/>
-          </a:p>
-        </p:txBody>
-      </p:sp>
-      <p:sp>
-        <p:nvSpPr>
-          <p:cNvPr id="10" name="Curved Down Arrow 9"/>
-          <p:cNvSpPr/>
-          <p:nvPr/>
-        </p:nvSpPr>
-        <p:spPr>
-          <a:xfrm rot="20443668">
-            <a:off x="824760" y="3960121"/>
-            <a:ext cx="1779481" cy="759278"/>
-          </a:xfrm>
-          <a:prstGeom prst="curvedDownArrow">
-            <a:avLst/>
-          </a:prstGeom>
-        </p:spPr>
-        <p:style>
-          <a:lnRef idx="2">
-            <a:schemeClr val="dk1">
-              <a:shade val="50000"/>
-            </a:schemeClr>
-          </a:lnRef>
-          <a:fillRef idx="1">
-            <a:schemeClr val="dk1"/>
-          </a:fillRef>
-          <a:effectRef idx="0">
-            <a:schemeClr val="dk1"/>
-          </a:effectRef>
-          <a:fontRef idx="minor">
-            <a:schemeClr val="lt1"/>
-          </a:fontRef>
-        </p:style>
-        <p:txBody>
-          <a:bodyPr rtlCol="0" anchor="ctr"/>
-          <a:lstStyle/>
-          <a:p>
-            <a:pPr algn="ctr"/>
-            <a:endParaRPr lang="ko-KR" altLang="en-US">
-              <a:solidFill>
-                <a:schemeClr val="tx1"/>
-              </a:solidFill>
-            </a:endParaRPr>
-          </a:p>
-        </p:txBody>
-      </p:sp>
-      <p:sp>
-        <p:nvSpPr>
-          <p:cNvPr id="11" name="Curved Down Arrow 10"/>
-          <p:cNvSpPr/>
-          <p:nvPr/>
-        </p:nvSpPr>
-        <p:spPr>
-          <a:xfrm rot="20443668">
-            <a:off x="3243198" y="3025887"/>
-            <a:ext cx="1779481" cy="759278"/>
-          </a:xfrm>
-          <a:prstGeom prst="curvedDownArrow">
-            <a:avLst/>
-          </a:prstGeom>
-        </p:spPr>
-        <p:style>
-          <a:lnRef idx="2">
-            <a:schemeClr val="dk1">
-              <a:shade val="50000"/>
-            </a:schemeClr>
-          </a:lnRef>
-          <a:fillRef idx="1">
-            <a:schemeClr val="dk1"/>
-          </a:fillRef>
-          <a:effectRef idx="0">
-            <a:schemeClr val="dk1"/>
-          </a:effectRef>
-          <a:fontRef idx="minor">
-            <a:schemeClr val="lt1"/>
-          </a:fontRef>
-        </p:style>
-        <p:txBody>
-          <a:bodyPr rtlCol="0" anchor="ctr"/>
-          <a:lstStyle/>
-          <a:p>
-            <a:pPr algn="ctr"/>
-            <a:endParaRPr lang="ko-KR" altLang="en-US">
-              <a:solidFill>
-                <a:schemeClr val="tx1"/>
-              </a:solidFill>
-            </a:endParaRPr>
-          </a:p>
-        </p:txBody>
-      </p:sp>
-      <p:sp>
-        <p:nvSpPr>
-          <p:cNvPr id="12" name="Curved Down Arrow 11"/>
-          <p:cNvSpPr/>
-          <p:nvPr/>
-        </p:nvSpPr>
-        <p:spPr>
-          <a:xfrm rot="20443668">
-            <a:off x="5661636" y="2091652"/>
-            <a:ext cx="1779481" cy="759278"/>
-          </a:xfrm>
-          <a:prstGeom prst="curvedDownArrow">
-            <a:avLst/>
-          </a:prstGeom>
-        </p:spPr>
-        <p:style>
-          <a:lnRef idx="2">
-            <a:schemeClr val="dk1">
-              <a:shade val="50000"/>
-            </a:schemeClr>
-          </a:lnRef>
-          <a:fillRef idx="1">
-            <a:schemeClr val="dk1"/>
-          </a:fillRef>
-          <a:effectRef idx="0">
-            <a:schemeClr val="dk1"/>
-          </a:effectRef>
-          <a:fontRef idx="minor">
-            <a:schemeClr val="lt1"/>
-          </a:fontRef>
-        </p:style>
-        <p:txBody>
-          <a:bodyPr rtlCol="0" anchor="ctr"/>
-          <a:lstStyle/>
-          <a:p>
-            <a:pPr algn="ctr"/>
-            <a:endParaRPr lang="ko-KR" altLang="en-US">
-              <a:solidFill>
-                <a:schemeClr val="tx1"/>
-              </a:solidFill>
-            </a:endParaRPr>
-          </a:p>
-        </p:txBody>
-      </p:sp>
-      <p:sp>
-        <p:nvSpPr>
-          <p:cNvPr id="13" name="Curved Down Arrow 12"/>
-          <p:cNvSpPr/>
-          <p:nvPr/>
-        </p:nvSpPr>
-        <p:spPr>
-          <a:xfrm rot="20443668">
-            <a:off x="8080073" y="1157417"/>
-            <a:ext cx="1779481" cy="759278"/>
-          </a:xfrm>
-          <a:prstGeom prst="curvedDownArrow">
-            <a:avLst/>
-          </a:prstGeom>
-        </p:spPr>
-        <p:style>
-          <a:lnRef idx="2">
-            <a:schemeClr val="dk1">
-              <a:shade val="50000"/>
-            </a:schemeClr>
-          </a:lnRef>
-          <a:fillRef idx="1">
-            <a:schemeClr val="dk1"/>
-          </a:fillRef>
-          <a:effectRef idx="0">
-            <a:schemeClr val="dk1"/>
-          </a:effectRef>
-          <a:fontRef idx="minor">
-            <a:schemeClr val="lt1"/>
-          </a:fontRef>
-        </p:style>
-        <p:txBody>
-          <a:bodyPr rtlCol="0" anchor="ctr"/>
-          <a:lstStyle/>
-          <a:p>
-            <a:pPr algn="ctr"/>
-            <a:endParaRPr lang="ko-KR" altLang="en-US">
-              <a:solidFill>
-                <a:schemeClr val="tx1"/>
-              </a:solidFill>
-            </a:endParaRPr>
-          </a:p>
-        </p:txBody>
-      </p:sp>
-      <p:sp>
-        <p:nvSpPr>
-          <p:cNvPr id="14" name="TextBox 13"/>
-          <p:cNvSpPr txBox="1"/>
-          <p:nvPr/>
-        </p:nvSpPr>
-        <p:spPr>
-          <a:xfrm>
-            <a:off x="1714501" y="6101243"/>
-            <a:ext cx="1190625" cy="369332"/>
-          </a:xfrm>
-          <a:prstGeom prst="rect">
-            <a:avLst/>
-          </a:prstGeom>
-          <a:noFill/>
-        </p:spPr>
-        <p:txBody>
-          <a:bodyPr wrap="square" rtlCol="0">
-            <a:spAutoFit/>
-          </a:bodyPr>
-          <a:lstStyle/>
-          <a:p>
-            <a:r>
-              <a:rPr lang="ko-KR" altLang="en-US" dirty="0"/>
-              <a:t>제 </a:t>
-            </a:r>
-            <a:r>
-              <a:rPr lang="en-US" altLang="ko-KR" dirty="0"/>
-              <a:t>1 </a:t>
-            </a:r>
-            <a:r>
-              <a:rPr lang="ko-KR" altLang="en-US" dirty="0"/>
-              <a:t>목표</a:t>
-            </a:r>
-          </a:p>
-        </p:txBody>
-      </p:sp>
-      <p:sp>
-        <p:nvSpPr>
-          <p:cNvPr id="15" name="TextBox 14"/>
-          <p:cNvSpPr txBox="1"/>
-          <p:nvPr/>
-        </p:nvSpPr>
-        <p:spPr>
-          <a:xfrm>
-            <a:off x="4073809" y="5172179"/>
-            <a:ext cx="1190625" cy="369332"/>
-          </a:xfrm>
-          <a:prstGeom prst="rect">
-            <a:avLst/>
-          </a:prstGeom>
-          <a:noFill/>
-        </p:spPr>
-        <p:txBody>
-          <a:bodyPr wrap="square" rtlCol="0">
-            <a:spAutoFit/>
-          </a:bodyPr>
-          <a:lstStyle/>
-          <a:p>
-            <a:r>
-              <a:rPr lang="ko-KR" altLang="en-US" dirty="0"/>
-              <a:t>제 </a:t>
-            </a:r>
-            <a:r>
-              <a:rPr lang="en-US" altLang="ko-KR" dirty="0"/>
-              <a:t>2 </a:t>
-            </a:r>
-            <a:r>
-              <a:rPr lang="ko-KR" altLang="en-US" dirty="0"/>
-              <a:t>목표</a:t>
-            </a:r>
-          </a:p>
-        </p:txBody>
-      </p:sp>
-      <p:sp>
-        <p:nvSpPr>
-          <p:cNvPr id="16" name="TextBox 15"/>
-          <p:cNvSpPr txBox="1"/>
-          <p:nvPr/>
-        </p:nvSpPr>
-        <p:spPr>
-          <a:xfrm>
-            <a:off x="6433117" y="4283572"/>
-            <a:ext cx="1190625" cy="369332"/>
-          </a:xfrm>
-          <a:prstGeom prst="rect">
-            <a:avLst/>
-          </a:prstGeom>
-          <a:noFill/>
-        </p:spPr>
-        <p:txBody>
-          <a:bodyPr wrap="square" rtlCol="0">
-            <a:spAutoFit/>
-          </a:bodyPr>
-          <a:lstStyle/>
-          <a:p>
-            <a:r>
-              <a:rPr lang="ko-KR" altLang="en-US" dirty="0"/>
-              <a:t>제 </a:t>
-            </a:r>
-            <a:r>
-              <a:rPr lang="en-US" altLang="ko-KR" dirty="0"/>
-              <a:t>3 </a:t>
-            </a:r>
-            <a:r>
-              <a:rPr lang="ko-KR" altLang="en-US" dirty="0"/>
-              <a:t>목표</a:t>
-            </a:r>
-          </a:p>
-        </p:txBody>
-      </p:sp>
-      <p:sp>
-        <p:nvSpPr>
-          <p:cNvPr id="17" name="TextBox 16"/>
-          <p:cNvSpPr txBox="1"/>
-          <p:nvPr/>
-        </p:nvSpPr>
-        <p:spPr>
-          <a:xfrm>
-            <a:off x="8792425" y="3365153"/>
-            <a:ext cx="1190625" cy="369332"/>
-          </a:xfrm>
-          <a:prstGeom prst="rect">
-            <a:avLst/>
-          </a:prstGeom>
-          <a:noFill/>
-        </p:spPr>
-        <p:txBody>
-          <a:bodyPr wrap="square" rtlCol="0">
-            <a:spAutoFit/>
-          </a:bodyPr>
-          <a:lstStyle/>
-          <a:p>
-            <a:r>
-              <a:rPr lang="ko-KR" altLang="en-US" dirty="0"/>
-              <a:t>제 </a:t>
-            </a:r>
-            <a:r>
-              <a:rPr lang="en-US" altLang="ko-KR" dirty="0"/>
-              <a:t>4 </a:t>
-            </a:r>
-            <a:r>
-              <a:rPr lang="ko-KR" altLang="en-US" dirty="0"/>
-              <a:t>목표</a:t>
-            </a:r>
-          </a:p>
-        </p:txBody>
-      </p:sp>
-      <p:sp>
-        <p:nvSpPr>
-          <p:cNvPr id="18" name="TextBox 17"/>
-          <p:cNvSpPr txBox="1"/>
-          <p:nvPr/>
-        </p:nvSpPr>
-        <p:spPr>
-          <a:xfrm>
-            <a:off x="11036072" y="2422734"/>
-            <a:ext cx="1190625" cy="369332"/>
-          </a:xfrm>
-          <a:prstGeom prst="rect">
-            <a:avLst/>
-          </a:prstGeom>
-          <a:noFill/>
-        </p:spPr>
-        <p:txBody>
-          <a:bodyPr wrap="square" rtlCol="0">
-            <a:spAutoFit/>
-          </a:bodyPr>
-          <a:lstStyle/>
-          <a:p>
-            <a:r>
-              <a:rPr lang="ko-KR" altLang="en-US" dirty="0"/>
-              <a:t>최종</a:t>
-            </a:r>
-            <a:r>
-              <a:rPr lang="en-US" altLang="ko-KR" dirty="0"/>
-              <a:t> </a:t>
-            </a:r>
-            <a:r>
-              <a:rPr lang="ko-KR" altLang="en-US" dirty="0"/>
-              <a:t>목표</a:t>
-            </a:r>
-          </a:p>
-        </p:txBody>
-      </p:sp>
-      <p:sp>
-        <p:nvSpPr>
-          <p:cNvPr id="21" name="TextBox 20"/>
-          <p:cNvSpPr txBox="1"/>
-          <p:nvPr/>
-        </p:nvSpPr>
-        <p:spPr>
-          <a:xfrm>
-            <a:off x="9934997" y="1014542"/>
-            <a:ext cx="1807060" cy="373266"/>
-          </a:xfrm>
-          <a:prstGeom prst="rect">
-            <a:avLst/>
-          </a:prstGeom>
-          <a:noFill/>
-        </p:spPr>
-        <p:txBody>
-          <a:bodyPr wrap="square" rtlCol="0">
-            <a:spAutoFit/>
-          </a:bodyPr>
-          <a:lstStyle/>
-          <a:p>
-            <a:pPr algn="ctr"/>
-            <a:r>
-              <a:rPr lang="ko-KR" altLang="en-US" dirty="0"/>
-              <a:t>차후 추가 예정</a:t>
-            </a:r>
-          </a:p>
-        </p:txBody>
-      </p:sp>
-      <p:sp>
-        <p:nvSpPr>
-          <p:cNvPr id="9" name="Slide Number Placeholder 8"/>
-          <p:cNvSpPr>
-            <a:spLocks noGrp="1"/>
-          </p:cNvSpPr>
-          <p:nvPr>
-            <p:ph type="sldNum" sz="quarter" idx="12"/>
-          </p:nvPr>
-        </p:nvSpPr>
-        <p:spPr/>
-        <p:txBody>
-          <a:bodyPr/>
-          <a:lstStyle/>
-          <a:p>
-            <a:fld id="{FBFC020C-1606-4BED-91BA-A6230104B3B1}" type="slidenum">
-              <a:rPr lang="ko-KR" altLang="en-US" smtClean="0"/>
-              <a:t>5</a:t>
-            </a:fld>
-            <a:endParaRPr lang="ko-KR" altLang="en-US"/>
-          </a:p>
-        </p:txBody>
-      </p:sp>
-    </p:spTree>
-    <p:extLst>
-      <p:ext uri="{BB962C8B-B14F-4D97-AF65-F5344CB8AC3E}">
-        <p14:creationId xmlns:p14="http://schemas.microsoft.com/office/powerpoint/2010/main" val="2668060877"/>
-      </p:ext>
-    </p:extLst>
-  </p:cSld>
-  <p:clrMapOvr>
-    <a:masterClrMapping/>
-  </p:clrMapOvr>
-  <p:timing>
-    <p:tnLst>
-      <p:par>
-        <p:cTn id="1" dur="indefinite" restart="never" nodeType="tmRoot"/>
-      </p:par>
-    </p:tnLst>
-  </p:timing>
-</p:sld>
-</file>
-
-<file path=ppt/slides/slide6.xml><?xml version="1.0" encoding="utf-8"?>
+<file path=ppt/slides/slide21.xml><?xml version="1.0" encoding="utf-8"?>
 <p:sld xmlns:a="http://schemas.openxmlformats.org/drawingml/2006/main" xmlns:r="http://schemas.openxmlformats.org/officeDocument/2006/relationships" xmlns:p="http://schemas.openxmlformats.org/presentationml/2006/main">
   <p:cSld>
     <p:spTree>
@@ -8390,7 +7947,7 @@
           <a:p>
             <a:fld id="{FBFC020C-1606-4BED-91BA-A6230104B3B1}" type="slidenum">
               <a:rPr lang="ko-KR" altLang="en-US" smtClean="0"/>
-              <a:t>6</a:t>
+              <a:t>21</a:t>
             </a:fld>
             <a:endParaRPr lang="ko-KR" altLang="en-US"/>
           </a:p>
@@ -8399,7 +7956,7 @@
     </p:spTree>
     <p:extLst>
       <p:ext uri="{BB962C8B-B14F-4D97-AF65-F5344CB8AC3E}">
-        <p14:creationId xmlns:p14="http://schemas.microsoft.com/office/powerpoint/2010/main" val="2363847591"/>
+        <p14:creationId xmlns:p14="http://schemas.microsoft.com/office/powerpoint/2010/main" val="751557718"/>
       </p:ext>
     </p:extLst>
   </p:cSld>
@@ -8416,7 +7973,7 @@
 </p:sld>
 </file>
 
-<file path=ppt/slides/slide7.xml><?xml version="1.0" encoding="utf-8"?>
+<file path=ppt/slides/slide3.xml><?xml version="1.0" encoding="utf-8"?>
 <p:sld xmlns:a="http://schemas.openxmlformats.org/drawingml/2006/main" xmlns:r="http://schemas.openxmlformats.org/officeDocument/2006/relationships" xmlns:p="http://schemas.openxmlformats.org/presentationml/2006/main">
   <p:cSld>
     <p:spTree>
@@ -8445,6 +8002,1712 @@
         </p:nvSpPr>
         <p:spPr/>
         <p:txBody>
+          <a:bodyPr/>
+          <a:lstStyle/>
+          <a:p>
+            <a:r>
+              <a:rPr lang="en-US" altLang="ko-KR" b="1" dirty="0"/>
+              <a:t>1. </a:t>
+            </a:r>
+            <a:r>
+              <a:rPr lang="ko-KR" altLang="en-US" b="1" dirty="0"/>
+              <a:t>개요 </a:t>
+            </a:r>
+          </a:p>
+        </p:txBody>
+      </p:sp>
+      <p:pic>
+        <p:nvPicPr>
+          <p:cNvPr id="4" name="Content Placeholder 3"/>
+          <p:cNvPicPr>
+            <a:picLocks noGrp="1" noChangeAspect="1"/>
+          </p:cNvPicPr>
+          <p:nvPr>
+            <p:ph idx="1"/>
+          </p:nvPr>
+        </p:nvPicPr>
+        <p:blipFill>
+          <a:blip r:embed="rId2" cstate="print">
+            <a:extLst>
+              <a:ext uri="{28A0092B-C50C-407E-A947-70E740481C1C}">
+                <a14:useLocalDpi xmlns:a14="http://schemas.microsoft.com/office/drawing/2010/main" val="0"/>
+              </a:ext>
+            </a:extLst>
+          </a:blip>
+          <a:stretch>
+            <a:fillRect/>
+          </a:stretch>
+        </p:blipFill>
+        <p:spPr>
+          <a:xfrm>
+            <a:off x="902440" y="1489743"/>
+            <a:ext cx="4143041" cy="2330461"/>
+          </a:xfrm>
+          <a:prstGeom prst="rect">
+            <a:avLst/>
+          </a:prstGeom>
+          <a:solidFill>
+            <a:srgbClr val="FFFFFF">
+              <a:shade val="85000"/>
+            </a:srgbClr>
+          </a:solidFill>
+          <a:ln w="88900" cap="sq">
+            <a:solidFill>
+              <a:srgbClr val="FFFFFF"/>
+            </a:solidFill>
+            <a:miter lim="800000"/>
+          </a:ln>
+          <a:effectLst>
+            <a:outerShdw blurRad="55000" dist="18000" dir="5400000" algn="tl" rotWithShape="0">
+              <a:srgbClr val="000000">
+                <a:alpha val="40000"/>
+              </a:srgbClr>
+            </a:outerShdw>
+          </a:effectLst>
+          <a:scene3d>
+            <a:camera prst="orthographicFront"/>
+            <a:lightRig rig="twoPt" dir="t">
+              <a:rot lat="0" lon="0" rev="7200000"/>
+            </a:lightRig>
+          </a:scene3d>
+          <a:sp3d>
+            <a:bevelT w="25400" h="19050"/>
+            <a:contourClr>
+              <a:srgbClr val="FFFFFF"/>
+            </a:contourClr>
+          </a:sp3d>
+        </p:spPr>
+      </p:pic>
+      <p:pic>
+        <p:nvPicPr>
+          <p:cNvPr id="5" name="Picture 4"/>
+          <p:cNvPicPr>
+            <a:picLocks noChangeAspect="1"/>
+          </p:cNvPicPr>
+          <p:nvPr/>
+        </p:nvPicPr>
+        <p:blipFill>
+          <a:blip r:embed="rId3" cstate="print">
+            <a:extLst>
+              <a:ext uri="{28A0092B-C50C-407E-A947-70E740481C1C}">
+                <a14:useLocalDpi xmlns:a14="http://schemas.microsoft.com/office/drawing/2010/main" val="0"/>
+              </a:ext>
+            </a:extLst>
+          </a:blip>
+          <a:stretch>
+            <a:fillRect/>
+          </a:stretch>
+        </p:blipFill>
+        <p:spPr>
+          <a:xfrm>
+            <a:off x="7304313" y="1606833"/>
+            <a:ext cx="3726719" cy="2096279"/>
+          </a:xfrm>
+          <a:prstGeom prst="rect">
+            <a:avLst/>
+          </a:prstGeom>
+          <a:solidFill>
+            <a:srgbClr val="FFFFFF">
+              <a:shade val="85000"/>
+            </a:srgbClr>
+          </a:solidFill>
+          <a:ln w="88900" cap="sq">
+            <a:solidFill>
+              <a:srgbClr val="FFFFFF"/>
+            </a:solidFill>
+            <a:miter lim="800000"/>
+          </a:ln>
+          <a:effectLst>
+            <a:outerShdw blurRad="55000" dist="18000" dir="5400000" algn="tl" rotWithShape="0">
+              <a:srgbClr val="000000">
+                <a:alpha val="40000"/>
+              </a:srgbClr>
+            </a:outerShdw>
+          </a:effectLst>
+          <a:scene3d>
+            <a:camera prst="orthographicFront"/>
+            <a:lightRig rig="twoPt" dir="t">
+              <a:rot lat="0" lon="0" rev="7200000"/>
+            </a:lightRig>
+          </a:scene3d>
+          <a:sp3d>
+            <a:bevelT w="25400" h="19050"/>
+            <a:contourClr>
+              <a:srgbClr val="FFFFFF"/>
+            </a:contourClr>
+          </a:sp3d>
+        </p:spPr>
+      </p:pic>
+      <p:sp>
+        <p:nvSpPr>
+          <p:cNvPr id="6" name="Cross 5"/>
+          <p:cNvSpPr/>
+          <p:nvPr/>
+        </p:nvSpPr>
+        <p:spPr>
+          <a:xfrm>
+            <a:off x="5640137" y="2120213"/>
+            <a:ext cx="1069521" cy="1069521"/>
+          </a:xfrm>
+          <a:prstGeom prst="plus">
+            <a:avLst>
+              <a:gd name="adj" fmla="val 37214"/>
+            </a:avLst>
+          </a:prstGeom>
+          <a:ln>
+            <a:noFill/>
+          </a:ln>
+        </p:spPr>
+        <p:style>
+          <a:lnRef idx="2">
+            <a:schemeClr val="dk1">
+              <a:shade val="50000"/>
+            </a:schemeClr>
+          </a:lnRef>
+          <a:fillRef idx="1">
+            <a:schemeClr val="dk1"/>
+          </a:fillRef>
+          <a:effectRef idx="0">
+            <a:schemeClr val="dk1"/>
+          </a:effectRef>
+          <a:fontRef idx="minor">
+            <a:schemeClr val="lt1"/>
+          </a:fontRef>
+        </p:style>
+        <p:txBody>
+          <a:bodyPr rtlCol="0" anchor="ctr"/>
+          <a:lstStyle/>
+          <a:p>
+            <a:pPr algn="ctr"/>
+            <a:endParaRPr lang="ko-KR" altLang="en-US" dirty="0"/>
+          </a:p>
+        </p:txBody>
+      </p:sp>
+      <p:sp>
+        <p:nvSpPr>
+          <p:cNvPr id="7" name="TextBox 6"/>
+          <p:cNvSpPr txBox="1"/>
+          <p:nvPr/>
+        </p:nvSpPr>
+        <p:spPr>
+          <a:xfrm>
+            <a:off x="1077686" y="4284937"/>
+            <a:ext cx="3804557" cy="1323439"/>
+          </a:xfrm>
+          <a:prstGeom prst="rect">
+            <a:avLst/>
+          </a:prstGeom>
+          <a:noFill/>
+        </p:spPr>
+        <p:txBody>
+          <a:bodyPr wrap="square" rtlCol="0">
+            <a:spAutoFit/>
+          </a:bodyPr>
+          <a:lstStyle/>
+          <a:p>
+            <a:r>
+              <a:rPr lang="en-US" altLang="ko-KR" sz="2000" dirty="0"/>
+              <a:t>SRPG</a:t>
+            </a:r>
+          </a:p>
+          <a:p>
+            <a:pPr marL="285750" indent="-285750">
+              <a:buFont typeface="Arial" pitchFamily="34" charset="0"/>
+              <a:buChar char="•"/>
+            </a:pPr>
+            <a:r>
+              <a:rPr lang="ko-KR" altLang="en-US" sz="2000" dirty="0"/>
+              <a:t>타일 방식의 맵 구성</a:t>
+            </a:r>
+            <a:endParaRPr lang="en-US" altLang="ko-KR" sz="2000" dirty="0"/>
+          </a:p>
+          <a:p>
+            <a:pPr marL="285750" indent="-285750">
+              <a:buFont typeface="Arial" pitchFamily="34" charset="0"/>
+              <a:buChar char="•"/>
+            </a:pPr>
+            <a:r>
+              <a:rPr lang="ko-KR" altLang="en-US" sz="2000" dirty="0"/>
+              <a:t>동료 구성에 따른 전략</a:t>
+            </a:r>
+            <a:endParaRPr lang="en-US" altLang="ko-KR" sz="2000" dirty="0"/>
+          </a:p>
+          <a:p>
+            <a:pPr marL="285750" indent="-285750">
+              <a:buFont typeface="Arial" pitchFamily="34" charset="0"/>
+              <a:buChar char="•"/>
+            </a:pPr>
+            <a:r>
+              <a:rPr lang="ko-KR" altLang="en-US" sz="2000" dirty="0"/>
+              <a:t>캐릭터 육성에 따른 역할놀이</a:t>
+            </a:r>
+          </a:p>
+        </p:txBody>
+      </p:sp>
+      <p:sp>
+        <p:nvSpPr>
+          <p:cNvPr id="8" name="TextBox 7"/>
+          <p:cNvSpPr txBox="1"/>
+          <p:nvPr/>
+        </p:nvSpPr>
+        <p:spPr>
+          <a:xfrm>
+            <a:off x="7467600" y="4284937"/>
+            <a:ext cx="3804557" cy="1631216"/>
+          </a:xfrm>
+          <a:prstGeom prst="rect">
+            <a:avLst/>
+          </a:prstGeom>
+          <a:noFill/>
+        </p:spPr>
+        <p:txBody>
+          <a:bodyPr wrap="square" rtlCol="0">
+            <a:spAutoFit/>
+          </a:bodyPr>
+          <a:lstStyle/>
+          <a:p>
+            <a:r>
+              <a:rPr lang="en-US" altLang="ko-KR" sz="2000" dirty="0"/>
+              <a:t>TCG</a:t>
+            </a:r>
+          </a:p>
+          <a:p>
+            <a:pPr marL="285750" indent="-285750">
+              <a:buFont typeface="Arial" pitchFamily="34" charset="0"/>
+              <a:buChar char="•"/>
+            </a:pPr>
+            <a:r>
+              <a:rPr lang="ko-KR" altLang="en-US" sz="2000" dirty="0"/>
+              <a:t>코스트 기반의 제약적 전투</a:t>
+            </a:r>
+            <a:endParaRPr lang="en-US" altLang="ko-KR" sz="2000" dirty="0"/>
+          </a:p>
+          <a:p>
+            <a:pPr marL="285750" indent="-285750">
+              <a:buFont typeface="Arial" pitchFamily="34" charset="0"/>
+              <a:buChar char="•"/>
+            </a:pPr>
+            <a:r>
+              <a:rPr lang="ko-KR" altLang="en-US" sz="2000" dirty="0"/>
+              <a:t>전투 피드백에 따른 전략 </a:t>
+            </a:r>
+            <a:r>
+              <a:rPr lang="en-US" altLang="ko-KR" sz="2000" dirty="0"/>
+              <a:t/>
+            </a:r>
+            <a:br>
+              <a:rPr lang="en-US" altLang="ko-KR" sz="2000" dirty="0"/>
+            </a:br>
+            <a:r>
+              <a:rPr lang="ko-KR" altLang="en-US" sz="2000" dirty="0"/>
+              <a:t>변경</a:t>
+            </a:r>
+            <a:endParaRPr lang="en-US" altLang="ko-KR" sz="2000" dirty="0"/>
+          </a:p>
+          <a:p>
+            <a:pPr marL="285750" indent="-285750">
+              <a:buFont typeface="Arial" pitchFamily="34" charset="0"/>
+              <a:buChar char="•"/>
+            </a:pPr>
+            <a:r>
+              <a:rPr lang="ko-KR" altLang="en-US" sz="2000" dirty="0"/>
+              <a:t>다양한 카드 수집</a:t>
+            </a:r>
+          </a:p>
+        </p:txBody>
+      </p:sp>
+      <p:sp>
+        <p:nvSpPr>
+          <p:cNvPr id="9" name="Slide Number Placeholder 8"/>
+          <p:cNvSpPr>
+            <a:spLocks noGrp="1"/>
+          </p:cNvSpPr>
+          <p:nvPr>
+            <p:ph type="sldNum" sz="quarter" idx="12"/>
+          </p:nvPr>
+        </p:nvSpPr>
+        <p:spPr/>
+        <p:txBody>
+          <a:bodyPr/>
+          <a:lstStyle/>
+          <a:p>
+            <a:fld id="{FBFC020C-1606-4BED-91BA-A6230104B3B1}" type="slidenum">
+              <a:rPr lang="ko-KR" altLang="en-US" smtClean="0"/>
+              <a:t>3</a:t>
+            </a:fld>
+            <a:endParaRPr lang="ko-KR" altLang="en-US"/>
+          </a:p>
+        </p:txBody>
+      </p:sp>
+    </p:spTree>
+    <p:extLst>
+      <p:ext uri="{BB962C8B-B14F-4D97-AF65-F5344CB8AC3E}">
+        <p14:creationId xmlns:p14="http://schemas.microsoft.com/office/powerpoint/2010/main" val="2014686969"/>
+      </p:ext>
+    </p:extLst>
+  </p:cSld>
+  <p:clrMapOvr>
+    <a:masterClrMapping/>
+  </p:clrMapOvr>
+  <p:timing>
+    <p:tnLst>
+      <p:par>
+        <p:cTn id="1" dur="indefinite" restart="never" nodeType="tmRoot"/>
+      </p:par>
+    </p:tnLst>
+  </p:timing>
+</p:sld>
+</file>
+
+<file path=ppt/slides/slide4.xml><?xml version="1.0" encoding="utf-8"?>
+<p:sld xmlns:a="http://schemas.openxmlformats.org/drawingml/2006/main" xmlns:r="http://schemas.openxmlformats.org/officeDocument/2006/relationships" xmlns:p="http://schemas.openxmlformats.org/presentationml/2006/main">
+  <p:cSld>
+    <p:spTree>
+      <p:nvGrpSpPr>
+        <p:cNvPr id="1" name=""/>
+        <p:cNvGrpSpPr/>
+        <p:nvPr/>
+      </p:nvGrpSpPr>
+      <p:grpSpPr>
+        <a:xfrm>
+          <a:off x="0" y="0"/>
+          <a:ext cx="0" cy="0"/>
+          <a:chOff x="0" y="0"/>
+          <a:chExt cx="0" cy="0"/>
+        </a:xfrm>
+      </p:grpSpPr>
+      <p:sp>
+        <p:nvSpPr>
+          <p:cNvPr id="2" name="제목 1"/>
+          <p:cNvSpPr>
+            <a:spLocks noGrp="1"/>
+          </p:cNvSpPr>
+          <p:nvPr>
+            <p:ph type="title"/>
+          </p:nvPr>
+        </p:nvSpPr>
+        <p:spPr/>
+        <p:txBody>
+          <a:bodyPr/>
+          <a:lstStyle/>
+          <a:p>
+            <a:r>
+              <a:rPr lang="en-US" altLang="ko-KR" b="1" dirty="0"/>
+              <a:t>1. </a:t>
+            </a:r>
+            <a:r>
+              <a:rPr lang="ko-KR" altLang="en-US" b="1" dirty="0"/>
+              <a:t>개요</a:t>
+            </a:r>
+          </a:p>
+        </p:txBody>
+      </p:sp>
+      <p:sp>
+        <p:nvSpPr>
+          <p:cNvPr id="13" name="Rectangle 12"/>
+          <p:cNvSpPr/>
+          <p:nvPr/>
+        </p:nvSpPr>
+        <p:spPr>
+          <a:xfrm>
+            <a:off x="693964" y="2555422"/>
+            <a:ext cx="3739243" cy="1191986"/>
+          </a:xfrm>
+          <a:prstGeom prst="rect">
+            <a:avLst/>
+          </a:prstGeom>
+        </p:spPr>
+        <p:style>
+          <a:lnRef idx="2">
+            <a:schemeClr val="dk1"/>
+          </a:lnRef>
+          <a:fillRef idx="1">
+            <a:schemeClr val="lt1"/>
+          </a:fillRef>
+          <a:effectRef idx="0">
+            <a:schemeClr val="dk1"/>
+          </a:effectRef>
+          <a:fontRef idx="minor">
+            <a:schemeClr val="dk1"/>
+          </a:fontRef>
+        </p:style>
+        <p:txBody>
+          <a:bodyPr rtlCol="0" anchor="ctr"/>
+          <a:lstStyle/>
+          <a:p>
+            <a:pPr algn="ctr"/>
+            <a:r>
+              <a:rPr lang="ko-KR" altLang="en-US" sz="1600" dirty="0"/>
+              <a:t>구성된 캐릭터 별로 각 턴마다 </a:t>
+            </a:r>
+            <a:endParaRPr lang="en-US" altLang="ko-KR" sz="1600" dirty="0"/>
+          </a:p>
+          <a:p>
+            <a:pPr algn="ctr"/>
+            <a:r>
+              <a:rPr lang="ko-KR" altLang="en-US" sz="1600" dirty="0"/>
+              <a:t>제약된 행동을 할 수 있음</a:t>
+            </a:r>
+          </a:p>
+        </p:txBody>
+      </p:sp>
+      <p:sp>
+        <p:nvSpPr>
+          <p:cNvPr id="14" name="Rectangle 13"/>
+          <p:cNvSpPr/>
+          <p:nvPr/>
+        </p:nvSpPr>
+        <p:spPr>
+          <a:xfrm>
+            <a:off x="7516586" y="2555422"/>
+            <a:ext cx="3739243" cy="1191986"/>
+          </a:xfrm>
+          <a:prstGeom prst="rect">
+            <a:avLst/>
+          </a:prstGeom>
+        </p:spPr>
+        <p:style>
+          <a:lnRef idx="2">
+            <a:schemeClr val="dk1"/>
+          </a:lnRef>
+          <a:fillRef idx="1">
+            <a:schemeClr val="lt1"/>
+          </a:fillRef>
+          <a:effectRef idx="0">
+            <a:schemeClr val="dk1"/>
+          </a:effectRef>
+          <a:fontRef idx="minor">
+            <a:schemeClr val="dk1"/>
+          </a:fontRef>
+        </p:style>
+        <p:txBody>
+          <a:bodyPr rtlCol="0" anchor="ctr"/>
+          <a:lstStyle/>
+          <a:p>
+            <a:pPr algn="ctr"/>
+            <a:r>
+              <a:rPr lang="ko-KR" altLang="en-US" sz="1600" dirty="0"/>
+              <a:t>모든 캐릭터의 행동을 하나의 코스트로 관리함으로써 턴마다 코스트 분배에 대한 전략적 요소를 만듬</a:t>
+            </a:r>
+          </a:p>
+        </p:txBody>
+      </p:sp>
+      <p:sp>
+        <p:nvSpPr>
+          <p:cNvPr id="16" name="Rectangle 15"/>
+          <p:cNvSpPr/>
+          <p:nvPr/>
+        </p:nvSpPr>
+        <p:spPr>
+          <a:xfrm>
+            <a:off x="693964" y="4242708"/>
+            <a:ext cx="3739243" cy="1191986"/>
+          </a:xfrm>
+          <a:prstGeom prst="rect">
+            <a:avLst/>
+          </a:prstGeom>
+        </p:spPr>
+        <p:style>
+          <a:lnRef idx="2">
+            <a:schemeClr val="dk1"/>
+          </a:lnRef>
+          <a:fillRef idx="1">
+            <a:schemeClr val="lt1"/>
+          </a:fillRef>
+          <a:effectRef idx="0">
+            <a:schemeClr val="dk1"/>
+          </a:effectRef>
+          <a:fontRef idx="minor">
+            <a:schemeClr val="dk1"/>
+          </a:fontRef>
+        </p:style>
+        <p:txBody>
+          <a:bodyPr rtlCol="0" anchor="ctr"/>
+          <a:lstStyle/>
+          <a:p>
+            <a:pPr algn="ctr"/>
+            <a:r>
+              <a:rPr lang="ko-KR" altLang="en-US" sz="1600" dirty="0"/>
+              <a:t>각 턴 마다 새로운 카드를 </a:t>
+            </a:r>
+            <a:endParaRPr lang="en-US" altLang="ko-KR" sz="1600" dirty="0"/>
+          </a:p>
+          <a:p>
+            <a:pPr algn="ctr"/>
+            <a:r>
+              <a:rPr lang="ko-KR" altLang="en-US" sz="1600" dirty="0"/>
+              <a:t>한장 드로우함</a:t>
+            </a:r>
+          </a:p>
+        </p:txBody>
+      </p:sp>
+      <p:sp>
+        <p:nvSpPr>
+          <p:cNvPr id="18" name="Rectangle 17"/>
+          <p:cNvSpPr/>
+          <p:nvPr/>
+        </p:nvSpPr>
+        <p:spPr>
+          <a:xfrm>
+            <a:off x="7516586" y="4242708"/>
+            <a:ext cx="3739243" cy="1191986"/>
+          </a:xfrm>
+          <a:prstGeom prst="rect">
+            <a:avLst/>
+          </a:prstGeom>
+        </p:spPr>
+        <p:style>
+          <a:lnRef idx="2">
+            <a:schemeClr val="dk1"/>
+          </a:lnRef>
+          <a:fillRef idx="1">
+            <a:schemeClr val="lt1"/>
+          </a:fillRef>
+          <a:effectRef idx="0">
+            <a:schemeClr val="dk1"/>
+          </a:effectRef>
+          <a:fontRef idx="minor">
+            <a:schemeClr val="dk1"/>
+          </a:fontRef>
+        </p:style>
+        <p:txBody>
+          <a:bodyPr rtlCol="0" anchor="ctr"/>
+          <a:lstStyle/>
+          <a:p>
+            <a:pPr algn="ctr"/>
+            <a:r>
+              <a:rPr lang="ko-KR" altLang="en-US" sz="1600" dirty="0"/>
+              <a:t>각 턴 마다 랜덤한 </a:t>
+            </a:r>
+            <a:r>
+              <a:rPr lang="en-US" altLang="ko-KR" sz="1600" dirty="0"/>
+              <a:t>4</a:t>
+            </a:r>
+            <a:r>
+              <a:rPr lang="ko-KR" altLang="en-US" sz="1600" dirty="0"/>
+              <a:t>장의 카드가 새롭게 드로우되며</a:t>
+            </a:r>
+            <a:r>
+              <a:rPr lang="en-US" altLang="ko-KR" sz="1600" dirty="0"/>
+              <a:t>,</a:t>
+            </a:r>
+            <a:r>
+              <a:rPr lang="ko-KR" altLang="en-US" sz="1600" dirty="0"/>
+              <a:t>해당 턴에서</a:t>
+            </a:r>
+            <a:r>
+              <a:rPr lang="en-US" altLang="ko-KR" sz="1600" dirty="0"/>
+              <a:t> </a:t>
+            </a:r>
+            <a:r>
+              <a:rPr lang="ko-KR" altLang="en-US" sz="1600" dirty="0"/>
+              <a:t>주어진카드로 가장 효율적인 행동을 요구함</a:t>
+            </a:r>
+          </a:p>
+        </p:txBody>
+      </p:sp>
+      <p:sp>
+        <p:nvSpPr>
+          <p:cNvPr id="20" name="Right Arrow 19"/>
+          <p:cNvSpPr/>
+          <p:nvPr/>
+        </p:nvSpPr>
+        <p:spPr>
+          <a:xfrm>
+            <a:off x="5146221" y="4434569"/>
+            <a:ext cx="1657350" cy="808264"/>
+          </a:xfrm>
+          <a:prstGeom prst="rightArrow">
+            <a:avLst/>
+          </a:prstGeom>
+        </p:spPr>
+        <p:style>
+          <a:lnRef idx="2">
+            <a:schemeClr val="dk1">
+              <a:shade val="50000"/>
+            </a:schemeClr>
+          </a:lnRef>
+          <a:fillRef idx="1">
+            <a:schemeClr val="dk1"/>
+          </a:fillRef>
+          <a:effectRef idx="0">
+            <a:schemeClr val="dk1"/>
+          </a:effectRef>
+          <a:fontRef idx="minor">
+            <a:schemeClr val="lt1"/>
+          </a:fontRef>
+        </p:style>
+        <p:txBody>
+          <a:bodyPr rtlCol="0" anchor="ctr"/>
+          <a:lstStyle/>
+          <a:p>
+            <a:pPr algn="ctr"/>
+            <a:r>
+              <a:rPr lang="ko-KR" altLang="en-US" sz="1400" dirty="0"/>
+              <a:t>드로우 시스템</a:t>
+            </a:r>
+          </a:p>
+        </p:txBody>
+      </p:sp>
+      <p:sp>
+        <p:nvSpPr>
+          <p:cNvPr id="21" name="TextBox 20"/>
+          <p:cNvSpPr txBox="1"/>
+          <p:nvPr/>
+        </p:nvSpPr>
+        <p:spPr>
+          <a:xfrm>
+            <a:off x="1498145" y="1808361"/>
+            <a:ext cx="2130879" cy="400110"/>
+          </a:xfrm>
+          <a:prstGeom prst="rect">
+            <a:avLst/>
+          </a:prstGeom>
+        </p:spPr>
+        <p:style>
+          <a:lnRef idx="2">
+            <a:schemeClr val="dk1">
+              <a:shade val="50000"/>
+            </a:schemeClr>
+          </a:lnRef>
+          <a:fillRef idx="1">
+            <a:schemeClr val="dk1"/>
+          </a:fillRef>
+          <a:effectRef idx="0">
+            <a:schemeClr val="dk1"/>
+          </a:effectRef>
+          <a:fontRef idx="minor">
+            <a:schemeClr val="lt1"/>
+          </a:fontRef>
+        </p:style>
+        <p:txBody>
+          <a:bodyPr wrap="square" rtlCol="0">
+            <a:spAutoFit/>
+          </a:bodyPr>
+          <a:lstStyle/>
+          <a:p>
+            <a:pPr algn="ctr"/>
+            <a:r>
+              <a:rPr lang="ko-KR" altLang="en-US" sz="2000" dirty="0">
+                <a:latin typeface="+mn-ea"/>
+              </a:rPr>
+              <a:t>기존 </a:t>
+            </a:r>
+            <a:r>
+              <a:rPr lang="en-US" altLang="ko-KR" sz="2000" dirty="0">
+                <a:latin typeface="+mn-ea"/>
+              </a:rPr>
+              <a:t>SRPG,TCG</a:t>
+            </a:r>
+            <a:endParaRPr lang="ko-KR" altLang="en-US" sz="2000" dirty="0">
+              <a:latin typeface="+mn-ea"/>
+            </a:endParaRPr>
+          </a:p>
+        </p:txBody>
+      </p:sp>
+      <p:sp>
+        <p:nvSpPr>
+          <p:cNvPr id="23" name="TextBox 22"/>
+          <p:cNvSpPr txBox="1"/>
+          <p:nvPr/>
+        </p:nvSpPr>
+        <p:spPr>
+          <a:xfrm>
+            <a:off x="8320767" y="1808360"/>
+            <a:ext cx="2130879" cy="400110"/>
+          </a:xfrm>
+          <a:prstGeom prst="rect">
+            <a:avLst/>
+          </a:prstGeom>
+        </p:spPr>
+        <p:style>
+          <a:lnRef idx="2">
+            <a:schemeClr val="dk1">
+              <a:shade val="50000"/>
+            </a:schemeClr>
+          </a:lnRef>
+          <a:fillRef idx="1">
+            <a:schemeClr val="dk1"/>
+          </a:fillRef>
+          <a:effectRef idx="0">
+            <a:schemeClr val="dk1"/>
+          </a:effectRef>
+          <a:fontRef idx="minor">
+            <a:schemeClr val="lt1"/>
+          </a:fontRef>
+        </p:style>
+        <p:txBody>
+          <a:bodyPr wrap="square" rtlCol="0">
+            <a:spAutoFit/>
+          </a:bodyPr>
+          <a:lstStyle/>
+          <a:p>
+            <a:pPr algn="ctr"/>
+            <a:r>
+              <a:rPr lang="en-US" altLang="ko-KR" sz="2000" dirty="0">
+                <a:latin typeface="+mn-ea"/>
+              </a:rPr>
+              <a:t>A.W.W.</a:t>
+            </a:r>
+            <a:endParaRPr lang="ko-KR" altLang="en-US" sz="2000" dirty="0">
+              <a:latin typeface="+mn-ea"/>
+            </a:endParaRPr>
+          </a:p>
+        </p:txBody>
+      </p:sp>
+      <p:pic>
+        <p:nvPicPr>
+          <p:cNvPr id="25" name="Picture 24"/>
+          <p:cNvPicPr>
+            <a:picLocks noChangeAspect="1"/>
+          </p:cNvPicPr>
+          <p:nvPr/>
+        </p:nvPicPr>
+        <p:blipFill>
+          <a:blip r:embed="rId2">
+            <a:extLst>
+              <a:ext uri="{28A0092B-C50C-407E-A947-70E740481C1C}">
+                <a14:useLocalDpi xmlns:a14="http://schemas.microsoft.com/office/drawing/2010/main" val="0"/>
+              </a:ext>
+            </a:extLst>
+          </a:blip>
+          <a:stretch>
+            <a:fillRect/>
+          </a:stretch>
+        </p:blipFill>
+        <p:spPr>
+          <a:xfrm>
+            <a:off x="4751069" y="4298701"/>
+            <a:ext cx="540000" cy="540000"/>
+          </a:xfrm>
+          <a:prstGeom prst="rect">
+            <a:avLst/>
+          </a:prstGeom>
+        </p:spPr>
+      </p:pic>
+      <p:sp>
+        <p:nvSpPr>
+          <p:cNvPr id="26" name="Right Arrow 25"/>
+          <p:cNvSpPr/>
+          <p:nvPr/>
+        </p:nvSpPr>
+        <p:spPr>
+          <a:xfrm>
+            <a:off x="5146221" y="2747283"/>
+            <a:ext cx="1657350" cy="808264"/>
+          </a:xfrm>
+          <a:prstGeom prst="rightArrow">
+            <a:avLst/>
+          </a:prstGeom>
+        </p:spPr>
+        <p:style>
+          <a:lnRef idx="2">
+            <a:schemeClr val="dk1">
+              <a:shade val="50000"/>
+            </a:schemeClr>
+          </a:lnRef>
+          <a:fillRef idx="1">
+            <a:schemeClr val="dk1"/>
+          </a:fillRef>
+          <a:effectRef idx="0">
+            <a:schemeClr val="dk1"/>
+          </a:effectRef>
+          <a:fontRef idx="minor">
+            <a:schemeClr val="lt1"/>
+          </a:fontRef>
+        </p:style>
+        <p:txBody>
+          <a:bodyPr rtlCol="0" anchor="ctr"/>
+          <a:lstStyle/>
+          <a:p>
+            <a:pPr algn="ctr"/>
+            <a:r>
+              <a:rPr lang="ko-KR" altLang="en-US" sz="1400" dirty="0" smtClean="0"/>
+              <a:t>코스트</a:t>
+            </a:r>
+            <a:endParaRPr lang="ko-KR" altLang="en-US" sz="1400" dirty="0"/>
+          </a:p>
+        </p:txBody>
+      </p:sp>
+      <p:pic>
+        <p:nvPicPr>
+          <p:cNvPr id="24" name="Picture 23"/>
+          <p:cNvPicPr>
+            <a:picLocks noChangeAspect="1"/>
+          </p:cNvPicPr>
+          <p:nvPr/>
+        </p:nvPicPr>
+        <p:blipFill>
+          <a:blip r:embed="rId3" cstate="print">
+            <a:extLst>
+              <a:ext uri="{28A0092B-C50C-407E-A947-70E740481C1C}">
+                <a14:useLocalDpi xmlns:a14="http://schemas.microsoft.com/office/drawing/2010/main" val="0"/>
+              </a:ext>
+            </a:extLst>
+          </a:blip>
+          <a:stretch>
+            <a:fillRect/>
+          </a:stretch>
+        </p:blipFill>
+        <p:spPr>
+          <a:xfrm>
+            <a:off x="4751069" y="2581002"/>
+            <a:ext cx="540000" cy="540000"/>
+          </a:xfrm>
+          <a:prstGeom prst="rect">
+            <a:avLst/>
+          </a:prstGeom>
+        </p:spPr>
+      </p:pic>
+      <p:sp>
+        <p:nvSpPr>
+          <p:cNvPr id="4" name="Slide Number Placeholder 3"/>
+          <p:cNvSpPr>
+            <a:spLocks noGrp="1"/>
+          </p:cNvSpPr>
+          <p:nvPr>
+            <p:ph type="sldNum" sz="quarter" idx="12"/>
+          </p:nvPr>
+        </p:nvSpPr>
+        <p:spPr/>
+        <p:txBody>
+          <a:bodyPr/>
+          <a:lstStyle/>
+          <a:p>
+            <a:fld id="{FBFC020C-1606-4BED-91BA-A6230104B3B1}" type="slidenum">
+              <a:rPr lang="ko-KR" altLang="en-US" smtClean="0"/>
+              <a:t>4</a:t>
+            </a:fld>
+            <a:endParaRPr lang="ko-KR" altLang="en-US"/>
+          </a:p>
+        </p:txBody>
+      </p:sp>
+    </p:spTree>
+    <p:extLst>
+      <p:ext uri="{BB962C8B-B14F-4D97-AF65-F5344CB8AC3E}">
+        <p14:creationId xmlns:p14="http://schemas.microsoft.com/office/powerpoint/2010/main" val="2649169576"/>
+      </p:ext>
+    </p:extLst>
+  </p:cSld>
+  <p:clrMapOvr>
+    <a:masterClrMapping/>
+  </p:clrMapOvr>
+  <p:timing>
+    <p:tnLst>
+      <p:par>
+        <p:cTn id="1" dur="indefinite" restart="never" nodeType="tmRoot"/>
+      </p:par>
+    </p:tnLst>
+  </p:timing>
+</p:sld>
+</file>
+
+<file path=ppt/slides/slide5.xml><?xml version="1.0" encoding="utf-8"?>
+<p:sld xmlns:a="http://schemas.openxmlformats.org/drawingml/2006/main" xmlns:r="http://schemas.openxmlformats.org/officeDocument/2006/relationships" xmlns:p="http://schemas.openxmlformats.org/presentationml/2006/main">
+  <p:cSld>
+    <p:spTree>
+      <p:nvGrpSpPr>
+        <p:cNvPr id="1" name=""/>
+        <p:cNvGrpSpPr/>
+        <p:nvPr/>
+      </p:nvGrpSpPr>
+      <p:grpSpPr>
+        <a:xfrm>
+          <a:off x="0" y="0"/>
+          <a:ext cx="0" cy="0"/>
+          <a:chOff x="0" y="0"/>
+          <a:chExt cx="0" cy="0"/>
+        </a:xfrm>
+      </p:grpSpPr>
+      <p:sp>
+        <p:nvSpPr>
+          <p:cNvPr id="20" name="Rounded Rectangle 19"/>
+          <p:cNvSpPr/>
+          <p:nvPr/>
+        </p:nvSpPr>
+        <p:spPr>
+          <a:xfrm>
+            <a:off x="9225417" y="1014542"/>
+            <a:ext cx="2966583" cy="2006828"/>
+          </a:xfrm>
+          <a:prstGeom prst="roundRect">
+            <a:avLst/>
+          </a:prstGeom>
+        </p:spPr>
+        <p:style>
+          <a:lnRef idx="1">
+            <a:schemeClr val="dk1"/>
+          </a:lnRef>
+          <a:fillRef idx="2">
+            <a:schemeClr val="dk1"/>
+          </a:fillRef>
+          <a:effectRef idx="1">
+            <a:schemeClr val="dk1"/>
+          </a:effectRef>
+          <a:fontRef idx="minor">
+            <a:schemeClr val="dk1"/>
+          </a:fontRef>
+        </p:style>
+        <p:txBody>
+          <a:bodyPr rtlCol="0" anchor="ctr"/>
+          <a:lstStyle/>
+          <a:p>
+            <a:pPr algn="ctr"/>
+            <a:endParaRPr lang="ko-KR" altLang="en-US"/>
+          </a:p>
+        </p:txBody>
+      </p:sp>
+      <p:sp>
+        <p:nvSpPr>
+          <p:cNvPr id="2" name="제목 1"/>
+          <p:cNvSpPr>
+            <a:spLocks noGrp="1"/>
+          </p:cNvSpPr>
+          <p:nvPr>
+            <p:ph type="title"/>
+          </p:nvPr>
+        </p:nvSpPr>
+        <p:spPr/>
+        <p:txBody>
+          <a:bodyPr/>
+          <a:lstStyle/>
+          <a:p>
+            <a:r>
+              <a:rPr lang="en-US" altLang="ko-KR" b="1" dirty="0"/>
+              <a:t>2. </a:t>
+            </a:r>
+            <a:r>
+              <a:rPr lang="ko-KR" altLang="en-US" b="1" dirty="0"/>
+              <a:t>게임목표</a:t>
+            </a:r>
+          </a:p>
+        </p:txBody>
+      </p:sp>
+      <p:sp>
+        <p:nvSpPr>
+          <p:cNvPr id="4" name="Oval 3"/>
+          <p:cNvSpPr/>
+          <p:nvPr/>
+        </p:nvSpPr>
+        <p:spPr>
+          <a:xfrm>
+            <a:off x="310243" y="5045529"/>
+            <a:ext cx="1404258" cy="1404258"/>
+          </a:xfrm>
+          <a:prstGeom prst="ellipse">
+            <a:avLst/>
+          </a:prstGeom>
+        </p:spPr>
+        <p:style>
+          <a:lnRef idx="2">
+            <a:schemeClr val="dk1">
+              <a:shade val="50000"/>
+            </a:schemeClr>
+          </a:lnRef>
+          <a:fillRef idx="1">
+            <a:schemeClr val="dk1"/>
+          </a:fillRef>
+          <a:effectRef idx="0">
+            <a:schemeClr val="dk1"/>
+          </a:effectRef>
+          <a:fontRef idx="minor">
+            <a:schemeClr val="lt1"/>
+          </a:fontRef>
+        </p:style>
+        <p:txBody>
+          <a:bodyPr rtlCol="0" anchor="ctr"/>
+          <a:lstStyle/>
+          <a:p>
+            <a:pPr algn="ctr"/>
+            <a:r>
+              <a:rPr lang="ko-KR" altLang="en-US" sz="1400" dirty="0"/>
+              <a:t>효율적</a:t>
+            </a:r>
+            <a:endParaRPr lang="en-US" altLang="ko-KR" sz="1400" dirty="0"/>
+          </a:p>
+          <a:p>
+            <a:pPr algn="ctr"/>
+            <a:r>
+              <a:rPr lang="ko-KR" altLang="en-US" sz="1400" dirty="0"/>
+              <a:t>코스트</a:t>
+            </a:r>
+            <a:endParaRPr lang="en-US" altLang="ko-KR" sz="1400" dirty="0"/>
+          </a:p>
+          <a:p>
+            <a:pPr algn="ctr"/>
+            <a:r>
+              <a:rPr lang="ko-KR" altLang="en-US" sz="1400" dirty="0"/>
+              <a:t>사용</a:t>
+            </a:r>
+          </a:p>
+        </p:txBody>
+      </p:sp>
+      <p:sp>
+        <p:nvSpPr>
+          <p:cNvPr id="5" name="Oval 4"/>
+          <p:cNvSpPr/>
+          <p:nvPr/>
+        </p:nvSpPr>
+        <p:spPr>
+          <a:xfrm>
+            <a:off x="2669551" y="4137253"/>
+            <a:ext cx="1404258" cy="1404258"/>
+          </a:xfrm>
+          <a:prstGeom prst="ellipse">
+            <a:avLst/>
+          </a:prstGeom>
+        </p:spPr>
+        <p:style>
+          <a:lnRef idx="2">
+            <a:schemeClr val="dk1">
+              <a:shade val="50000"/>
+            </a:schemeClr>
+          </a:lnRef>
+          <a:fillRef idx="1">
+            <a:schemeClr val="dk1"/>
+          </a:fillRef>
+          <a:effectRef idx="0">
+            <a:schemeClr val="dk1"/>
+          </a:effectRef>
+          <a:fontRef idx="minor">
+            <a:schemeClr val="lt1"/>
+          </a:fontRef>
+        </p:style>
+        <p:txBody>
+          <a:bodyPr rtlCol="0" anchor="ctr"/>
+          <a:lstStyle/>
+          <a:p>
+            <a:pPr algn="ctr"/>
+            <a:r>
+              <a:rPr lang="ko-KR" altLang="en-US" sz="1400" dirty="0"/>
+              <a:t>스테이지</a:t>
+            </a:r>
+            <a:endParaRPr lang="en-US" altLang="ko-KR" sz="1400" dirty="0"/>
+          </a:p>
+          <a:p>
+            <a:pPr algn="ctr"/>
+            <a:r>
+              <a:rPr lang="ko-KR" altLang="en-US" sz="1400" dirty="0"/>
+              <a:t>클리어</a:t>
+            </a:r>
+          </a:p>
+        </p:txBody>
+      </p:sp>
+      <p:sp>
+        <p:nvSpPr>
+          <p:cNvPr id="6" name="Oval 5"/>
+          <p:cNvSpPr/>
+          <p:nvPr/>
+        </p:nvSpPr>
+        <p:spPr>
+          <a:xfrm>
+            <a:off x="7387486" y="2421192"/>
+            <a:ext cx="1404258" cy="1404258"/>
+          </a:xfrm>
+          <a:prstGeom prst="ellipse">
+            <a:avLst/>
+          </a:prstGeom>
+        </p:spPr>
+        <p:style>
+          <a:lnRef idx="2">
+            <a:schemeClr val="dk1">
+              <a:shade val="50000"/>
+            </a:schemeClr>
+          </a:lnRef>
+          <a:fillRef idx="1">
+            <a:schemeClr val="dk1"/>
+          </a:fillRef>
+          <a:effectRef idx="0">
+            <a:schemeClr val="dk1"/>
+          </a:effectRef>
+          <a:fontRef idx="minor">
+            <a:schemeClr val="lt1"/>
+          </a:fontRef>
+        </p:style>
+        <p:txBody>
+          <a:bodyPr rtlCol="0" anchor="ctr"/>
+          <a:lstStyle/>
+          <a:p>
+            <a:pPr algn="ctr"/>
+            <a:r>
+              <a:rPr lang="ko-KR" altLang="en-US" sz="1400" dirty="0"/>
+              <a:t>스토리</a:t>
+            </a:r>
+            <a:endParaRPr lang="en-US" altLang="ko-KR" sz="1400" dirty="0"/>
+          </a:p>
+          <a:p>
+            <a:pPr algn="ctr"/>
+            <a:r>
+              <a:rPr lang="ko-KR" altLang="en-US" sz="1400" dirty="0"/>
+              <a:t>진행</a:t>
+            </a:r>
+          </a:p>
+        </p:txBody>
+      </p:sp>
+      <p:sp>
+        <p:nvSpPr>
+          <p:cNvPr id="7" name="Oval 6"/>
+          <p:cNvSpPr/>
+          <p:nvPr/>
+        </p:nvSpPr>
+        <p:spPr>
+          <a:xfrm>
+            <a:off x="5028859" y="3248646"/>
+            <a:ext cx="1404258" cy="1404258"/>
+          </a:xfrm>
+          <a:prstGeom prst="ellipse">
+            <a:avLst/>
+          </a:prstGeom>
+        </p:spPr>
+        <p:style>
+          <a:lnRef idx="2">
+            <a:schemeClr val="dk1">
+              <a:shade val="50000"/>
+            </a:schemeClr>
+          </a:lnRef>
+          <a:fillRef idx="1">
+            <a:schemeClr val="dk1"/>
+          </a:fillRef>
+          <a:effectRef idx="0">
+            <a:schemeClr val="dk1"/>
+          </a:effectRef>
+          <a:fontRef idx="minor">
+            <a:schemeClr val="lt1"/>
+          </a:fontRef>
+        </p:style>
+        <p:txBody>
+          <a:bodyPr rtlCol="0" anchor="ctr"/>
+          <a:lstStyle/>
+          <a:p>
+            <a:pPr algn="ctr"/>
+            <a:r>
+              <a:rPr lang="ko-KR" altLang="en-US" sz="1400" dirty="0"/>
+              <a:t>카드</a:t>
+            </a:r>
+            <a:endParaRPr lang="en-US" altLang="ko-KR" sz="1400" dirty="0"/>
+          </a:p>
+          <a:p>
+            <a:pPr algn="ctr"/>
+            <a:r>
+              <a:rPr lang="ko-KR" altLang="en-US" sz="1400" dirty="0"/>
+              <a:t>수집</a:t>
+            </a:r>
+          </a:p>
+        </p:txBody>
+      </p:sp>
+      <p:sp>
+        <p:nvSpPr>
+          <p:cNvPr id="8" name="Oval 7"/>
+          <p:cNvSpPr/>
+          <p:nvPr/>
+        </p:nvSpPr>
+        <p:spPr>
+          <a:xfrm>
+            <a:off x="9747476" y="1387808"/>
+            <a:ext cx="1404258" cy="1404258"/>
+          </a:xfrm>
+          <a:prstGeom prst="ellipse">
+            <a:avLst/>
+          </a:prstGeom>
+        </p:spPr>
+        <p:style>
+          <a:lnRef idx="2">
+            <a:schemeClr val="dk1"/>
+          </a:lnRef>
+          <a:fillRef idx="1">
+            <a:schemeClr val="lt1"/>
+          </a:fillRef>
+          <a:effectRef idx="0">
+            <a:schemeClr val="dk1"/>
+          </a:effectRef>
+          <a:fontRef idx="minor">
+            <a:schemeClr val="dk1"/>
+          </a:fontRef>
+        </p:style>
+        <p:txBody>
+          <a:bodyPr rtlCol="0" anchor="ctr"/>
+          <a:lstStyle/>
+          <a:p>
+            <a:pPr algn="ctr"/>
+            <a:r>
+              <a:rPr lang="en-US" altLang="ko-KR" sz="1400" dirty="0" err="1"/>
+              <a:t>PvP</a:t>
+            </a:r>
+            <a:endParaRPr lang="en-US" altLang="ko-KR" sz="1400" dirty="0"/>
+          </a:p>
+        </p:txBody>
+      </p:sp>
+      <p:sp>
+        <p:nvSpPr>
+          <p:cNvPr id="10" name="Curved Down Arrow 9"/>
+          <p:cNvSpPr/>
+          <p:nvPr/>
+        </p:nvSpPr>
+        <p:spPr>
+          <a:xfrm rot="20443668">
+            <a:off x="824760" y="3960121"/>
+            <a:ext cx="1779481" cy="759278"/>
+          </a:xfrm>
+          <a:prstGeom prst="curvedDownArrow">
+            <a:avLst/>
+          </a:prstGeom>
+        </p:spPr>
+        <p:style>
+          <a:lnRef idx="2">
+            <a:schemeClr val="dk1">
+              <a:shade val="50000"/>
+            </a:schemeClr>
+          </a:lnRef>
+          <a:fillRef idx="1">
+            <a:schemeClr val="dk1"/>
+          </a:fillRef>
+          <a:effectRef idx="0">
+            <a:schemeClr val="dk1"/>
+          </a:effectRef>
+          <a:fontRef idx="minor">
+            <a:schemeClr val="lt1"/>
+          </a:fontRef>
+        </p:style>
+        <p:txBody>
+          <a:bodyPr rtlCol="0" anchor="ctr"/>
+          <a:lstStyle/>
+          <a:p>
+            <a:pPr algn="ctr"/>
+            <a:endParaRPr lang="ko-KR" altLang="en-US">
+              <a:solidFill>
+                <a:schemeClr val="tx1"/>
+              </a:solidFill>
+            </a:endParaRPr>
+          </a:p>
+        </p:txBody>
+      </p:sp>
+      <p:sp>
+        <p:nvSpPr>
+          <p:cNvPr id="11" name="Curved Down Arrow 10"/>
+          <p:cNvSpPr/>
+          <p:nvPr/>
+        </p:nvSpPr>
+        <p:spPr>
+          <a:xfrm rot="20443668">
+            <a:off x="3243198" y="3025887"/>
+            <a:ext cx="1779481" cy="759278"/>
+          </a:xfrm>
+          <a:prstGeom prst="curvedDownArrow">
+            <a:avLst/>
+          </a:prstGeom>
+        </p:spPr>
+        <p:style>
+          <a:lnRef idx="2">
+            <a:schemeClr val="dk1">
+              <a:shade val="50000"/>
+            </a:schemeClr>
+          </a:lnRef>
+          <a:fillRef idx="1">
+            <a:schemeClr val="dk1"/>
+          </a:fillRef>
+          <a:effectRef idx="0">
+            <a:schemeClr val="dk1"/>
+          </a:effectRef>
+          <a:fontRef idx="minor">
+            <a:schemeClr val="lt1"/>
+          </a:fontRef>
+        </p:style>
+        <p:txBody>
+          <a:bodyPr rtlCol="0" anchor="ctr"/>
+          <a:lstStyle/>
+          <a:p>
+            <a:pPr algn="ctr"/>
+            <a:endParaRPr lang="ko-KR" altLang="en-US">
+              <a:solidFill>
+                <a:schemeClr val="tx1"/>
+              </a:solidFill>
+            </a:endParaRPr>
+          </a:p>
+        </p:txBody>
+      </p:sp>
+      <p:sp>
+        <p:nvSpPr>
+          <p:cNvPr id="12" name="Curved Down Arrow 11"/>
+          <p:cNvSpPr/>
+          <p:nvPr/>
+        </p:nvSpPr>
+        <p:spPr>
+          <a:xfrm rot="20443668">
+            <a:off x="5661636" y="2091652"/>
+            <a:ext cx="1779481" cy="759278"/>
+          </a:xfrm>
+          <a:prstGeom prst="curvedDownArrow">
+            <a:avLst/>
+          </a:prstGeom>
+        </p:spPr>
+        <p:style>
+          <a:lnRef idx="2">
+            <a:schemeClr val="dk1">
+              <a:shade val="50000"/>
+            </a:schemeClr>
+          </a:lnRef>
+          <a:fillRef idx="1">
+            <a:schemeClr val="dk1"/>
+          </a:fillRef>
+          <a:effectRef idx="0">
+            <a:schemeClr val="dk1"/>
+          </a:effectRef>
+          <a:fontRef idx="minor">
+            <a:schemeClr val="lt1"/>
+          </a:fontRef>
+        </p:style>
+        <p:txBody>
+          <a:bodyPr rtlCol="0" anchor="ctr"/>
+          <a:lstStyle/>
+          <a:p>
+            <a:pPr algn="ctr"/>
+            <a:endParaRPr lang="ko-KR" altLang="en-US">
+              <a:solidFill>
+                <a:schemeClr val="tx1"/>
+              </a:solidFill>
+            </a:endParaRPr>
+          </a:p>
+        </p:txBody>
+      </p:sp>
+      <p:sp>
+        <p:nvSpPr>
+          <p:cNvPr id="13" name="Curved Down Arrow 12"/>
+          <p:cNvSpPr/>
+          <p:nvPr/>
+        </p:nvSpPr>
+        <p:spPr>
+          <a:xfrm rot="20443668">
+            <a:off x="8080073" y="1157417"/>
+            <a:ext cx="1779481" cy="759278"/>
+          </a:xfrm>
+          <a:prstGeom prst="curvedDownArrow">
+            <a:avLst/>
+          </a:prstGeom>
+        </p:spPr>
+        <p:style>
+          <a:lnRef idx="2">
+            <a:schemeClr val="dk1">
+              <a:shade val="50000"/>
+            </a:schemeClr>
+          </a:lnRef>
+          <a:fillRef idx="1">
+            <a:schemeClr val="dk1"/>
+          </a:fillRef>
+          <a:effectRef idx="0">
+            <a:schemeClr val="dk1"/>
+          </a:effectRef>
+          <a:fontRef idx="minor">
+            <a:schemeClr val="lt1"/>
+          </a:fontRef>
+        </p:style>
+        <p:txBody>
+          <a:bodyPr rtlCol="0" anchor="ctr"/>
+          <a:lstStyle/>
+          <a:p>
+            <a:pPr algn="ctr"/>
+            <a:endParaRPr lang="ko-KR" altLang="en-US">
+              <a:solidFill>
+                <a:schemeClr val="tx1"/>
+              </a:solidFill>
+            </a:endParaRPr>
+          </a:p>
+        </p:txBody>
+      </p:sp>
+      <p:sp>
+        <p:nvSpPr>
+          <p:cNvPr id="14" name="TextBox 13"/>
+          <p:cNvSpPr txBox="1"/>
+          <p:nvPr/>
+        </p:nvSpPr>
+        <p:spPr>
+          <a:xfrm>
+            <a:off x="1714501" y="6101243"/>
+            <a:ext cx="1190625" cy="369332"/>
+          </a:xfrm>
+          <a:prstGeom prst="rect">
+            <a:avLst/>
+          </a:prstGeom>
+          <a:noFill/>
+        </p:spPr>
+        <p:txBody>
+          <a:bodyPr wrap="square" rtlCol="0">
+            <a:spAutoFit/>
+          </a:bodyPr>
+          <a:lstStyle/>
+          <a:p>
+            <a:r>
+              <a:rPr lang="ko-KR" altLang="en-US" dirty="0"/>
+              <a:t>제 </a:t>
+            </a:r>
+            <a:r>
+              <a:rPr lang="en-US" altLang="ko-KR" dirty="0"/>
+              <a:t>1 </a:t>
+            </a:r>
+            <a:r>
+              <a:rPr lang="ko-KR" altLang="en-US" dirty="0"/>
+              <a:t>목표</a:t>
+            </a:r>
+          </a:p>
+        </p:txBody>
+      </p:sp>
+      <p:sp>
+        <p:nvSpPr>
+          <p:cNvPr id="15" name="TextBox 14"/>
+          <p:cNvSpPr txBox="1"/>
+          <p:nvPr/>
+        </p:nvSpPr>
+        <p:spPr>
+          <a:xfrm>
+            <a:off x="4073809" y="5172179"/>
+            <a:ext cx="1190625" cy="369332"/>
+          </a:xfrm>
+          <a:prstGeom prst="rect">
+            <a:avLst/>
+          </a:prstGeom>
+          <a:noFill/>
+        </p:spPr>
+        <p:txBody>
+          <a:bodyPr wrap="square" rtlCol="0">
+            <a:spAutoFit/>
+          </a:bodyPr>
+          <a:lstStyle/>
+          <a:p>
+            <a:r>
+              <a:rPr lang="ko-KR" altLang="en-US" dirty="0"/>
+              <a:t>제 </a:t>
+            </a:r>
+            <a:r>
+              <a:rPr lang="en-US" altLang="ko-KR" dirty="0"/>
+              <a:t>2 </a:t>
+            </a:r>
+            <a:r>
+              <a:rPr lang="ko-KR" altLang="en-US" dirty="0"/>
+              <a:t>목표</a:t>
+            </a:r>
+          </a:p>
+        </p:txBody>
+      </p:sp>
+      <p:sp>
+        <p:nvSpPr>
+          <p:cNvPr id="16" name="TextBox 15"/>
+          <p:cNvSpPr txBox="1"/>
+          <p:nvPr/>
+        </p:nvSpPr>
+        <p:spPr>
+          <a:xfrm>
+            <a:off x="6433117" y="4283572"/>
+            <a:ext cx="1190625" cy="369332"/>
+          </a:xfrm>
+          <a:prstGeom prst="rect">
+            <a:avLst/>
+          </a:prstGeom>
+          <a:noFill/>
+        </p:spPr>
+        <p:txBody>
+          <a:bodyPr wrap="square" rtlCol="0">
+            <a:spAutoFit/>
+          </a:bodyPr>
+          <a:lstStyle/>
+          <a:p>
+            <a:r>
+              <a:rPr lang="ko-KR" altLang="en-US" dirty="0"/>
+              <a:t>제 </a:t>
+            </a:r>
+            <a:r>
+              <a:rPr lang="en-US" altLang="ko-KR" dirty="0"/>
+              <a:t>3 </a:t>
+            </a:r>
+            <a:r>
+              <a:rPr lang="ko-KR" altLang="en-US" dirty="0"/>
+              <a:t>목표</a:t>
+            </a:r>
+          </a:p>
+        </p:txBody>
+      </p:sp>
+      <p:sp>
+        <p:nvSpPr>
+          <p:cNvPr id="17" name="TextBox 16"/>
+          <p:cNvSpPr txBox="1"/>
+          <p:nvPr/>
+        </p:nvSpPr>
+        <p:spPr>
+          <a:xfrm>
+            <a:off x="8792425" y="3365153"/>
+            <a:ext cx="1190625" cy="369332"/>
+          </a:xfrm>
+          <a:prstGeom prst="rect">
+            <a:avLst/>
+          </a:prstGeom>
+          <a:noFill/>
+        </p:spPr>
+        <p:txBody>
+          <a:bodyPr wrap="square" rtlCol="0">
+            <a:spAutoFit/>
+          </a:bodyPr>
+          <a:lstStyle/>
+          <a:p>
+            <a:r>
+              <a:rPr lang="ko-KR" altLang="en-US" dirty="0"/>
+              <a:t>제 </a:t>
+            </a:r>
+            <a:r>
+              <a:rPr lang="en-US" altLang="ko-KR" dirty="0"/>
+              <a:t>4 </a:t>
+            </a:r>
+            <a:r>
+              <a:rPr lang="ko-KR" altLang="en-US" dirty="0"/>
+              <a:t>목표</a:t>
+            </a:r>
+          </a:p>
+        </p:txBody>
+      </p:sp>
+      <p:sp>
+        <p:nvSpPr>
+          <p:cNvPr id="18" name="TextBox 17"/>
+          <p:cNvSpPr txBox="1"/>
+          <p:nvPr/>
+        </p:nvSpPr>
+        <p:spPr>
+          <a:xfrm>
+            <a:off x="11036072" y="2422734"/>
+            <a:ext cx="1190625" cy="369332"/>
+          </a:xfrm>
+          <a:prstGeom prst="rect">
+            <a:avLst/>
+          </a:prstGeom>
+          <a:noFill/>
+        </p:spPr>
+        <p:txBody>
+          <a:bodyPr wrap="square" rtlCol="0">
+            <a:spAutoFit/>
+          </a:bodyPr>
+          <a:lstStyle/>
+          <a:p>
+            <a:r>
+              <a:rPr lang="ko-KR" altLang="en-US" dirty="0"/>
+              <a:t>최종</a:t>
+            </a:r>
+            <a:r>
+              <a:rPr lang="en-US" altLang="ko-KR" dirty="0"/>
+              <a:t> </a:t>
+            </a:r>
+            <a:r>
+              <a:rPr lang="ko-KR" altLang="en-US" dirty="0"/>
+              <a:t>목표</a:t>
+            </a:r>
+          </a:p>
+        </p:txBody>
+      </p:sp>
+      <p:sp>
+        <p:nvSpPr>
+          <p:cNvPr id="21" name="TextBox 20"/>
+          <p:cNvSpPr txBox="1"/>
+          <p:nvPr/>
+        </p:nvSpPr>
+        <p:spPr>
+          <a:xfrm>
+            <a:off x="9934997" y="1014542"/>
+            <a:ext cx="1807060" cy="373266"/>
+          </a:xfrm>
+          <a:prstGeom prst="rect">
+            <a:avLst/>
+          </a:prstGeom>
+          <a:noFill/>
+        </p:spPr>
+        <p:txBody>
+          <a:bodyPr wrap="square" rtlCol="0">
+            <a:spAutoFit/>
+          </a:bodyPr>
+          <a:lstStyle/>
+          <a:p>
+            <a:pPr algn="ctr"/>
+            <a:r>
+              <a:rPr lang="ko-KR" altLang="en-US" dirty="0"/>
+              <a:t>추</a:t>
+            </a:r>
+            <a:r>
+              <a:rPr lang="ko-KR" altLang="en-US" dirty="0" smtClean="0"/>
+              <a:t>후 </a:t>
+            </a:r>
+            <a:r>
+              <a:rPr lang="ko-KR" altLang="en-US" dirty="0"/>
+              <a:t>추가 예정</a:t>
+            </a:r>
+          </a:p>
+        </p:txBody>
+      </p:sp>
+      <p:sp>
+        <p:nvSpPr>
+          <p:cNvPr id="9" name="Slide Number Placeholder 8"/>
+          <p:cNvSpPr>
+            <a:spLocks noGrp="1"/>
+          </p:cNvSpPr>
+          <p:nvPr>
+            <p:ph type="sldNum" sz="quarter" idx="12"/>
+          </p:nvPr>
+        </p:nvSpPr>
+        <p:spPr/>
+        <p:txBody>
+          <a:bodyPr/>
+          <a:lstStyle/>
+          <a:p>
+            <a:fld id="{FBFC020C-1606-4BED-91BA-A6230104B3B1}" type="slidenum">
+              <a:rPr lang="ko-KR" altLang="en-US" smtClean="0"/>
+              <a:t>5</a:t>
+            </a:fld>
+            <a:endParaRPr lang="ko-KR" altLang="en-US"/>
+          </a:p>
+        </p:txBody>
+      </p:sp>
+    </p:spTree>
+    <p:extLst>
+      <p:ext uri="{BB962C8B-B14F-4D97-AF65-F5344CB8AC3E}">
+        <p14:creationId xmlns:p14="http://schemas.microsoft.com/office/powerpoint/2010/main" val="2668060877"/>
+      </p:ext>
+    </p:extLst>
+  </p:cSld>
+  <p:clrMapOvr>
+    <a:masterClrMapping/>
+  </p:clrMapOvr>
+  <p:timing>
+    <p:tnLst>
+      <p:par>
+        <p:cTn id="1" dur="indefinite" restart="never" nodeType="tmRoot"/>
+      </p:par>
+    </p:tnLst>
+  </p:timing>
+</p:sld>
+</file>
+
+<file path=ppt/slides/slide6.xml><?xml version="1.0" encoding="utf-8"?>
+<p:sld xmlns:a="http://schemas.openxmlformats.org/drawingml/2006/main" xmlns:r="http://schemas.openxmlformats.org/officeDocument/2006/relationships" xmlns:p="http://schemas.openxmlformats.org/presentationml/2006/main">
+  <p:cSld>
+    <p:spTree>
+      <p:nvGrpSpPr>
+        <p:cNvPr id="1" name=""/>
+        <p:cNvGrpSpPr/>
+        <p:nvPr/>
+      </p:nvGrpSpPr>
+      <p:grpSpPr>
+        <a:xfrm>
+          <a:off x="0" y="0"/>
+          <a:ext cx="0" cy="0"/>
+          <a:chOff x="0" y="0"/>
+          <a:chExt cx="0" cy="0"/>
+        </a:xfrm>
+      </p:grpSpPr>
+      <p:sp>
+        <p:nvSpPr>
+          <p:cNvPr id="2" name="제목 1"/>
+          <p:cNvSpPr>
+            <a:spLocks noGrp="1"/>
+          </p:cNvSpPr>
+          <p:nvPr>
+            <p:ph type="title"/>
+          </p:nvPr>
+        </p:nvSpPr>
+        <p:spPr/>
+        <p:txBody>
           <a:bodyPr>
             <a:normAutofit fontScale="90000"/>
           </a:bodyPr>
@@ -8459,15 +9722,11 @@
             </a:br>
             <a:r>
               <a:rPr lang="en-US" altLang="ko-KR" b="1" dirty="0" smtClean="0"/>
-              <a:t>4. </a:t>
+              <a:t>3. </a:t>
             </a:r>
             <a:r>
               <a:rPr lang="ko-KR" altLang="en-US" b="1" dirty="0" smtClean="0"/>
-              <a:t>개발 상황</a:t>
-            </a:r>
-            <a:r>
-              <a:rPr lang="en-US" altLang="ko-KR" sz="3100" b="1" dirty="0" smtClean="0"/>
-              <a:t> </a:t>
+              <a:t>중점 연구 사항</a:t>
             </a:r>
             <a:r>
               <a:rPr lang="en-US" altLang="ko-KR" b="1" dirty="0"/>
@@ -8497,7 +9756,7 @@
           <a:p>
             <a:fld id="{FBFC020C-1606-4BED-91BA-A6230104B3B1}" type="slidenum">
               <a:rPr lang="ko-KR" altLang="en-US" smtClean="0"/>
-              <a:t>7</a:t>
+              <a:t>6</a:t>
             </a:fld>
             <a:endParaRPr lang="ko-KR" altLang="en-US"/>
           </a:p>
@@ -8556,18 +9815,10 @@
                 <a:buChar char="•"/>
               </a:pPr>
               <a:r>
-                <a:rPr lang="ko-KR" altLang="en-US" b="1" dirty="0" smtClean="0">
-                  <a:solidFill>
-                    <a:schemeClr val="tx1"/>
-                  </a:solidFill>
-                </a:rPr>
-                <a:t>메인 시스템 기획</a:t>
-              </a:r>
-              <a:endParaRPr lang="en-US" altLang="ko-KR" b="1" dirty="0" smtClean="0">
-                <a:solidFill>
-                  <a:schemeClr val="tx1"/>
-                </a:solidFill>
-              </a:endParaRPr>
+                <a:rPr lang="ko-KR" altLang="en-US" b="1" dirty="0" smtClean="0"/>
+                <a:t>문서 작성</a:t>
+              </a:r>
+              <a:endParaRPr lang="en-US" altLang="ko-KR" b="1" dirty="0" smtClean="0"/>
             </a:p>
             <a:p>
               <a:pPr marL="285750" indent="-285750">
@@ -8575,34 +9826,9 @@
                 <a:buChar char="•"/>
               </a:pPr>
               <a:r>
-                <a:rPr lang="ko-KR" altLang="en-US" b="1" dirty="0" smtClean="0">
-                  <a:solidFill>
-                    <a:schemeClr val="tx1"/>
-                  </a:solidFill>
-                </a:rPr>
-                <a:t>캐릭터</a:t>
-              </a:r>
-              <a:r>
-                <a:rPr lang="en-US" altLang="ko-KR" b="1" dirty="0" smtClean="0">
-                  <a:solidFill>
-                    <a:schemeClr val="tx1"/>
-                  </a:solidFill>
-                </a:rPr>
-                <a:t>/</a:t>
-              </a:r>
-              <a:r>
-                <a:rPr lang="ko-KR" altLang="en-US" b="1" dirty="0" smtClean="0">
-                  <a:solidFill>
-                    <a:schemeClr val="tx1"/>
-                  </a:solidFill>
-                </a:rPr>
-                <a:t>스킬 기획</a:t>
-              </a:r>
-              <a:endParaRPr lang="en-US" altLang="ko-KR" b="1" dirty="0" smtClean="0">
-                <a:solidFill>
-                  <a:schemeClr val="tx1"/>
-                </a:solidFill>
-              </a:endParaRPr>
+                <a:rPr lang="en-US" altLang="ko-KR" b="1" dirty="0" smtClean="0"/>
+                <a:t>UX/UI</a:t>
+              </a:r>
             </a:p>
             <a:p>
               <a:pPr marL="285750" indent="-285750">
@@ -8610,18 +9836,10 @@
                 <a:buChar char="•"/>
               </a:pPr>
               <a:r>
-                <a:rPr lang="ko-KR" altLang="en-US" b="1" dirty="0" smtClean="0">
-                  <a:solidFill>
-                    <a:schemeClr val="tx1"/>
-                  </a:solidFill>
-                </a:rPr>
-                <a:t>스토리 기획</a:t>
-              </a:r>
-              <a:endParaRPr lang="en-US" altLang="ko-KR" b="1" dirty="0" smtClean="0">
-                <a:solidFill>
-                  <a:schemeClr val="tx1"/>
-                </a:solidFill>
-              </a:endParaRPr>
+                <a:rPr lang="ko-KR" altLang="en-US" b="1" dirty="0" smtClean="0"/>
+                <a:t>레벨 디자인</a:t>
+              </a:r>
+              <a:endParaRPr lang="en-US" altLang="ko-KR" b="1" dirty="0" smtClean="0"/>
             </a:p>
             <a:p>
               <a:pPr marL="285750" indent="-285750">
@@ -8629,61 +9847,10 @@
                 <a:buChar char="•"/>
               </a:pPr>
               <a:r>
-                <a:rPr lang="ko-KR" altLang="en-US" b="1" dirty="0" smtClean="0">
-                  <a:solidFill>
-                    <a:schemeClr val="tx1"/>
-                  </a:solidFill>
-                </a:rPr>
-                <a:t>챕터</a:t>
-              </a:r>
-              <a:r>
-                <a:rPr lang="en-US" altLang="ko-KR" b="1" dirty="0" smtClean="0">
-                  <a:solidFill>
-                    <a:schemeClr val="tx1"/>
-                  </a:solidFill>
-                </a:rPr>
-                <a:t>/</a:t>
-              </a:r>
-              <a:r>
-                <a:rPr lang="ko-KR" altLang="en-US" b="1" dirty="0" smtClean="0">
-                  <a:solidFill>
-                    <a:schemeClr val="tx1"/>
-                  </a:solidFill>
-                </a:rPr>
-                <a:t>스테이지 기획</a:t>
-              </a:r>
-              <a:endParaRPr lang="en-US" altLang="ko-KR" b="1" dirty="0" smtClean="0">
-                <a:solidFill>
-                  <a:schemeClr val="tx1"/>
-                </a:solidFill>
-              </a:endParaRPr>
-            </a:p>
-            <a:p>
-              <a:pPr marL="285750" indent="-285750">
-                <a:buFont typeface="Arial" pitchFamily="34" charset="0"/>
-                <a:buChar char="•"/>
-              </a:pPr>
-              <a:r>
-                <a:rPr lang="en-US" altLang="ko-KR" b="1" dirty="0" smtClean="0">
-                  <a:solidFill>
-                    <a:schemeClr val="tx1"/>
-                  </a:solidFill>
-                </a:rPr>
-                <a:t>UX / UI </a:t>
-              </a:r>
-              <a:r>
-                <a:rPr lang="ko-KR" altLang="en-US" b="1" dirty="0" smtClean="0">
-                  <a:solidFill>
-                    <a:schemeClr val="tx1"/>
-                  </a:solidFill>
-                </a:rPr>
-                <a:t>기획</a:t>
-              </a:r>
-              <a:endParaRPr lang="en-US" altLang="ko-KR" b="1" dirty="0" smtClean="0">
-                <a:solidFill>
-                  <a:schemeClr val="tx1"/>
-                </a:solidFill>
-              </a:endParaRPr>
+                <a:rPr lang="ko-KR" altLang="en-US" b="1" dirty="0" smtClean="0"/>
+                <a:t>밸런싱</a:t>
+              </a:r>
+              <a:endParaRPr lang="en-US" altLang="ko-KR" b="1" dirty="0" smtClean="0"/>
             </a:p>
             <a:p>
               <a:pPr marL="285750" indent="-285750">
@@ -8848,12 +10015,12 @@
                 <a:buChar char="•"/>
               </a:pPr>
               <a:r>
-                <a:rPr lang="ko-KR" altLang="en-US" b="1" dirty="0">
+                <a:rPr lang="en-US" altLang="ko-KR" b="1" dirty="0" smtClean="0">
                   <a:solidFill>
                     <a:schemeClr val="tx1"/>
                   </a:solidFill>
                 </a:rPr>
-                <a:t>캐릭터 </a:t>
+                <a:t>3D voxel </a:t>
               </a:r>
               <a:r>
                 <a:rPr lang="ko-KR" altLang="en-US" b="1" dirty="0" smtClean="0">
@@ -8875,66 +10042,12 @@
                 <a:buChar char="•"/>
               </a:pPr>
               <a:r>
-                <a:rPr lang="ko-KR" altLang="en-US" b="1" dirty="0">
-                  <a:solidFill>
-                    <a:schemeClr val="tx1"/>
-                  </a:solidFill>
-                </a:rPr>
-                <a:t>타일 </a:t>
-              </a:r>
-              <a:r>
                 <a:rPr lang="ko-KR" altLang="en-US" b="1" dirty="0" smtClean="0">
                   <a:solidFill>
                     <a:schemeClr val="tx1"/>
                   </a:solidFill>
                 </a:rPr>
-                <a:t>모델링</a:t>
-              </a:r>
-              <a:endParaRPr lang="en-US" altLang="ko-KR" b="1" dirty="0">
-                <a:solidFill>
-                  <a:schemeClr val="tx1"/>
-                </a:solidFill>
-              </a:endParaRPr>
-            </a:p>
-            <a:p>
-              <a:pPr marL="285750" indent="-285750">
-                <a:buFont typeface="Arial" pitchFamily="34" charset="0"/>
-                <a:buChar char="•"/>
-              </a:pPr>
-              <a:r>
-                <a:rPr lang="ko-KR" altLang="en-US" b="1" dirty="0" smtClean="0">
-                  <a:solidFill>
-                    <a:schemeClr val="tx1"/>
-                  </a:solidFill>
-                </a:rPr>
-                <a:t>조경물 모델링</a:t>
-              </a:r>
-              <a:endParaRPr lang="en-US" altLang="ko-KR" b="1" dirty="0" smtClean="0">
-                <a:solidFill>
-                  <a:schemeClr val="tx1"/>
-                </a:solidFill>
-              </a:endParaRPr>
-            </a:p>
-            <a:p>
-              <a:pPr marL="285750" indent="-285750">
-                <a:buFont typeface="Arial" pitchFamily="34" charset="0"/>
-                <a:buChar char="•"/>
-              </a:pPr>
-              <a:r>
-                <a:rPr lang="en-US" altLang="ko-KR" b="1" dirty="0" smtClean="0">
-                  <a:solidFill>
-                    <a:schemeClr val="tx1"/>
-                  </a:solidFill>
-                </a:rPr>
-                <a:t>UI </a:t>
-              </a:r>
-              <a:r>
-                <a:rPr lang="ko-KR" altLang="en-US" b="1" dirty="0" smtClean="0">
-                  <a:solidFill>
-                    <a:schemeClr val="tx1"/>
-                  </a:solidFill>
-                </a:rPr>
-                <a:t>제작</a:t>
+                <a:t>그래픽저작도구 사용</a:t>
               </a:r>
               <a:endParaRPr lang="en-US" altLang="ko-KR" b="1" dirty="0">
                 <a:solidFill>
@@ -9057,9 +10170,7 @@
               <a:avLst/>
             </a:prstGeom>
             <a:solidFill>
-              <a:schemeClr val="bg2">
-                <a:lumMod val="90000"/>
-              </a:schemeClr>
+              <a:schemeClr val="bg1"/>
             </a:solidFill>
             <a:ln>
               <a:solidFill>
@@ -9091,7 +10202,100 @@
                 <a:buFont typeface="Arial" pitchFamily="34" charset="0"/>
                 <a:buChar char="•"/>
               </a:pPr>
-              <a:endParaRPr lang="ko-KR" altLang="en-US" dirty="0"/>
+              <a:r>
+                <a:rPr lang="ko-KR" altLang="en-US" b="1" dirty="0" smtClean="0">
+                  <a:solidFill>
+                    <a:schemeClr val="tx1"/>
+                  </a:solidFill>
+                </a:rPr>
+                <a:t>모바일 최적화 작업</a:t>
+              </a:r>
+              <a:endParaRPr lang="en-US" altLang="ko-KR" b="1" dirty="0">
+                <a:solidFill>
+                  <a:schemeClr val="tx1"/>
+                </a:solidFill>
+              </a:endParaRPr>
+            </a:p>
+            <a:p>
+              <a:pPr marL="285750" indent="-285750">
+                <a:buFont typeface="Arial" pitchFamily="34" charset="0"/>
+                <a:buChar char="•"/>
+              </a:pPr>
+              <a:r>
+                <a:rPr lang="ko-KR" altLang="en-US" b="1" dirty="0" smtClean="0">
+                  <a:solidFill>
+                    <a:schemeClr val="tx1"/>
+                  </a:solidFill>
+                </a:rPr>
+                <a:t>색깔 메테리얼의 메테리얼 복사현상 해결</a:t>
+              </a:r>
+              <a:endParaRPr lang="en-US" altLang="ko-KR" b="1" dirty="0" smtClean="0">
+                <a:solidFill>
+                  <a:schemeClr val="tx1"/>
+                </a:solidFill>
+              </a:endParaRPr>
+            </a:p>
+            <a:p>
+              <a:pPr marL="285750" indent="-285750">
+                <a:buFont typeface="Arial" pitchFamily="34" charset="0"/>
+                <a:buChar char="•"/>
+              </a:pPr>
+              <a:r>
+                <a:rPr lang="en-US" altLang="ko-KR" b="1" dirty="0" smtClean="0">
+                  <a:solidFill>
+                    <a:schemeClr val="tx1"/>
+                  </a:solidFill>
+                </a:rPr>
+                <a:t>UI depth</a:t>
+              </a:r>
+              <a:r>
+                <a:rPr lang="ko-KR" altLang="en-US" b="1" dirty="0" smtClean="0">
+                  <a:solidFill>
+                    <a:schemeClr val="tx1"/>
+                  </a:solidFill>
+                </a:rPr>
+                <a:t>에 따른 드로우콜 증가 해결</a:t>
+              </a:r>
+              <a:endParaRPr lang="en-US" altLang="ko-KR" b="1" dirty="0" smtClean="0">
+                <a:solidFill>
+                  <a:schemeClr val="tx1"/>
+                </a:solidFill>
+              </a:endParaRPr>
+            </a:p>
+            <a:p>
+              <a:pPr marL="285750" indent="-285750">
+                <a:buFont typeface="Arial" pitchFamily="34" charset="0"/>
+                <a:buChar char="•"/>
+              </a:pPr>
+              <a:r>
+                <a:rPr lang="ko-KR" altLang="en-US" b="1" dirty="0" smtClean="0">
+                  <a:solidFill>
+                    <a:schemeClr val="tx1"/>
+                  </a:solidFill>
+                </a:rPr>
+                <a:t>쉐이더</a:t>
+              </a:r>
+              <a:r>
+                <a:rPr lang="en-US" altLang="ko-KR" b="1" dirty="0" smtClean="0">
+                  <a:solidFill>
+                    <a:schemeClr val="tx1"/>
+                  </a:solidFill>
+                </a:rPr>
+                <a:t>,</a:t>
+              </a:r>
+              <a:r>
+                <a:rPr lang="ko-KR" altLang="en-US" b="1" dirty="0" smtClean="0">
+                  <a:solidFill>
+                    <a:schemeClr val="tx1"/>
+                  </a:solidFill>
+                </a:rPr>
+                <a:t>파티클 적용</a:t>
+              </a:r>
+              <a:endParaRPr lang="ko-KR" altLang="en-US" b="1" dirty="0">
+                <a:solidFill>
+                  <a:schemeClr val="tx1"/>
+                </a:solidFill>
+              </a:endParaRPr>
             </a:p>
           </p:txBody>
         </p:sp>
@@ -9234,39 +10438,12 @@
                 <a:buChar char="•"/>
               </a:pPr>
               <a:r>
-                <a:rPr lang="en-US" altLang="ko-KR" b="1" dirty="0">
-                  <a:solidFill>
-                    <a:schemeClr val="tx1"/>
-                  </a:solidFill>
-                </a:rPr>
-                <a:t>DB </a:t>
-              </a:r>
-              <a:r>
-                <a:rPr lang="ko-KR" altLang="en-US" b="1" dirty="0">
-                  <a:solidFill>
-                    <a:schemeClr val="tx1"/>
-                  </a:solidFill>
-                </a:rPr>
-                <a:t>설계 및 구현 </a:t>
-              </a:r>
-              <a:endParaRPr lang="en-US" altLang="ko-KR" b="1" dirty="0">
-                <a:solidFill>
-                  <a:schemeClr val="tx1"/>
-                </a:solidFill>
-              </a:endParaRPr>
-            </a:p>
-            <a:p>
-              <a:pPr marL="285750" indent="-285750">
-                <a:buFont typeface="Arial" pitchFamily="34" charset="0"/>
-                <a:buChar char="•"/>
-              </a:pPr>
-              <a:r>
                 <a:rPr lang="ko-KR" altLang="en-US" b="1" dirty="0" smtClean="0">
                   <a:solidFill>
                     <a:schemeClr val="tx1"/>
                   </a:solidFill>
                 </a:rPr>
-                <a:t>웹서버 구현</a:t>
+                <a:t>상용 모바일 게임 웹서버 구현</a:t>
               </a:r>
               <a:endParaRPr lang="ko-KR" altLang="en-US" b="1" dirty="0">
                 <a:solidFill>
@@ -9373,6 +10550,1161 @@
 </p:sld>
 </file>
 
+<file path=ppt/slides/slide7.xml><?xml version="1.0" encoding="utf-8"?>
+<p:sld xmlns:a="http://schemas.openxmlformats.org/drawingml/2006/main" xmlns:r="http://schemas.openxmlformats.org/officeDocument/2006/relationships" xmlns:p="http://schemas.openxmlformats.org/presentationml/2006/main">
+  <p:cSld>
+    <p:spTree>
+      <p:nvGrpSpPr>
+        <p:cNvPr id="1" name=""/>
+        <p:cNvGrpSpPr/>
+        <p:nvPr/>
+      </p:nvGrpSpPr>
+      <p:grpSpPr>
+        <a:xfrm>
+          <a:off x="0" y="0"/>
+          <a:ext cx="0" cy="0"/>
+          <a:chOff x="0" y="0"/>
+          <a:chExt cx="0" cy="0"/>
+        </a:xfrm>
+      </p:grpSpPr>
+      <p:sp>
+        <p:nvSpPr>
+          <p:cNvPr id="2" name="제목 1"/>
+          <p:cNvSpPr>
+            <a:spLocks noGrp="1"/>
+          </p:cNvSpPr>
+          <p:nvPr>
+            <p:ph type="title"/>
+          </p:nvPr>
+        </p:nvSpPr>
+        <p:spPr/>
+        <p:txBody>
+          <a:bodyPr>
+            <a:normAutofit fontScale="90000"/>
+          </a:bodyPr>
+          <a:lstStyle/>
+          <a:p>
+            <a:r>
+              <a:rPr lang="en-US" altLang="ko-KR" b="1" dirty="0"/>
+              <a:t/>
+            </a:r>
+            <a:br>
+              <a:rPr lang="en-US" altLang="ko-KR" b="1" dirty="0"/>
+            </a:br>
+            <a:r>
+              <a:rPr lang="en-US" altLang="ko-KR" b="1" dirty="0" smtClean="0"/>
+              <a:t>4. </a:t>
+            </a:r>
+            <a:r>
+              <a:rPr lang="ko-KR" altLang="en-US" b="1" dirty="0" smtClean="0"/>
+              <a:t>개발 상황</a:t>
+            </a:r>
+            <a:r>
+              <a:rPr lang="en-US" altLang="ko-KR" sz="3100" b="1" dirty="0" smtClean="0"/>
+              <a:t> </a:t>
+            </a:r>
+            <a:r>
+              <a:rPr lang="en-US" altLang="ko-KR" b="1" dirty="0"/>
+              <a:t/>
+            </a:r>
+            <a:br>
+              <a:rPr lang="en-US" altLang="ko-KR" b="1" dirty="0"/>
+            </a:br>
+            <a:endParaRPr lang="ko-KR" altLang="en-US" dirty="0"/>
+          </a:p>
+        </p:txBody>
+      </p:sp>
+      <p:sp>
+        <p:nvSpPr>
+          <p:cNvPr id="5" name="Slide Number Placeholder 4"/>
+          <p:cNvSpPr>
+            <a:spLocks noGrp="1"/>
+          </p:cNvSpPr>
+          <p:nvPr>
+            <p:ph type="sldNum" sz="quarter" idx="12"/>
+          </p:nvPr>
+        </p:nvSpPr>
+        <p:spPr/>
+        <p:txBody>
+          <a:bodyPr/>
+          <a:lstStyle/>
+          <a:p>
+            <a:fld id="{FBFC020C-1606-4BED-91BA-A6230104B3B1}" type="slidenum">
+              <a:rPr lang="ko-KR" altLang="en-US" smtClean="0"/>
+              <a:t>7</a:t>
+            </a:fld>
+            <a:endParaRPr lang="ko-KR" altLang="en-US"/>
+          </a:p>
+        </p:txBody>
+      </p:sp>
+      <p:grpSp>
+        <p:nvGrpSpPr>
+          <p:cNvPr id="12" name="Group 11"/>
+          <p:cNvGrpSpPr/>
+          <p:nvPr/>
+        </p:nvGrpSpPr>
+        <p:grpSpPr>
+          <a:xfrm>
+            <a:off x="380996" y="1834385"/>
+            <a:ext cx="2743201" cy="3994914"/>
+            <a:chOff x="865413" y="1951264"/>
+            <a:chExt cx="2743201" cy="3994914"/>
+          </a:xfrm>
+        </p:grpSpPr>
+        <p:sp>
+          <p:nvSpPr>
+            <p:cNvPr id="6" name="Rectangle 5"/>
+            <p:cNvSpPr/>
+            <p:nvPr/>
+          </p:nvSpPr>
+          <p:spPr>
+            <a:xfrm>
+              <a:off x="865413" y="2354891"/>
+              <a:ext cx="2743201" cy="3591287"/>
+            </a:xfrm>
+            <a:prstGeom prst="rect">
+              <a:avLst/>
+            </a:prstGeom>
+            <a:ln/>
+          </p:spPr>
+          <p:style>
+            <a:lnRef idx="2">
+              <a:schemeClr val="dk1"/>
+            </a:lnRef>
+            <a:fillRef idx="1">
+              <a:schemeClr val="lt1"/>
+            </a:fillRef>
+            <a:effectRef idx="0">
+              <a:schemeClr val="dk1"/>
+            </a:effectRef>
+            <a:fontRef idx="minor">
+              <a:schemeClr val="dk1"/>
+            </a:fontRef>
+          </p:style>
+          <p:txBody>
+            <a:bodyPr rtlCol="0" anchor="ctr"/>
+            <a:lstStyle/>
+            <a:p>
+              <a:pPr marL="285750" indent="-285750">
+                <a:buFont typeface="Arial" pitchFamily="34" charset="0"/>
+                <a:buChar char="•"/>
+              </a:pPr>
+              <a:r>
+                <a:rPr lang="ko-KR" altLang="en-US" b="1" dirty="0" smtClean="0">
+                  <a:solidFill>
+                    <a:schemeClr val="tx1"/>
+                  </a:solidFill>
+                </a:rPr>
+                <a:t>메인 시스템 기획</a:t>
+              </a:r>
+              <a:endParaRPr lang="en-US" altLang="ko-KR" b="1" dirty="0" smtClean="0">
+                <a:solidFill>
+                  <a:schemeClr val="tx1"/>
+                </a:solidFill>
+              </a:endParaRPr>
+            </a:p>
+            <a:p>
+              <a:pPr marL="285750" indent="-285750">
+                <a:buFont typeface="Arial" pitchFamily="34" charset="0"/>
+                <a:buChar char="•"/>
+              </a:pPr>
+              <a:r>
+                <a:rPr lang="ko-KR" altLang="en-US" b="1" dirty="0" smtClean="0">
+                  <a:solidFill>
+                    <a:schemeClr val="tx1"/>
+                  </a:solidFill>
+                </a:rPr>
+                <a:t>캐릭터</a:t>
+              </a:r>
+              <a:r>
+                <a:rPr lang="en-US" altLang="ko-KR" b="1" dirty="0" smtClean="0">
+                  <a:solidFill>
+                    <a:schemeClr val="tx1"/>
+                  </a:solidFill>
+                </a:rPr>
+                <a:t>/</a:t>
+              </a:r>
+              <a:r>
+                <a:rPr lang="ko-KR" altLang="en-US" b="1" dirty="0" smtClean="0">
+                  <a:solidFill>
+                    <a:schemeClr val="tx1"/>
+                  </a:solidFill>
+                </a:rPr>
+                <a:t>스킬 기획</a:t>
+              </a:r>
+              <a:endParaRPr lang="en-US" altLang="ko-KR" b="1" dirty="0" smtClean="0">
+                <a:solidFill>
+                  <a:schemeClr val="tx1"/>
+                </a:solidFill>
+              </a:endParaRPr>
+            </a:p>
+            <a:p>
+              <a:pPr marL="285750" indent="-285750">
+                <a:buFont typeface="Arial" pitchFamily="34" charset="0"/>
+                <a:buChar char="•"/>
+              </a:pPr>
+              <a:r>
+                <a:rPr lang="ko-KR" altLang="en-US" b="1" dirty="0" smtClean="0">
+                  <a:solidFill>
+                    <a:schemeClr val="tx1"/>
+                  </a:solidFill>
+                </a:rPr>
+                <a:t>스토리 기획</a:t>
+              </a:r>
+              <a:endParaRPr lang="en-US" altLang="ko-KR" b="1" dirty="0" smtClean="0">
+                <a:solidFill>
+                  <a:schemeClr val="tx1"/>
+                </a:solidFill>
+              </a:endParaRPr>
+            </a:p>
+            <a:p>
+              <a:pPr marL="285750" indent="-285750">
+                <a:buFont typeface="Arial" pitchFamily="34" charset="0"/>
+                <a:buChar char="•"/>
+              </a:pPr>
+              <a:r>
+                <a:rPr lang="ko-KR" altLang="en-US" b="1" dirty="0" smtClean="0">
+                  <a:solidFill>
+                    <a:schemeClr val="tx1"/>
+                  </a:solidFill>
+                </a:rPr>
+                <a:t>챕터</a:t>
+              </a:r>
+              <a:r>
+                <a:rPr lang="en-US" altLang="ko-KR" b="1" dirty="0" smtClean="0">
+                  <a:solidFill>
+                    <a:schemeClr val="tx1"/>
+                  </a:solidFill>
+                </a:rPr>
+                <a:t>/</a:t>
+              </a:r>
+              <a:r>
+                <a:rPr lang="ko-KR" altLang="en-US" b="1" dirty="0" smtClean="0">
+                  <a:solidFill>
+                    <a:schemeClr val="tx1"/>
+                  </a:solidFill>
+                </a:rPr>
+                <a:t>스테이지 기획</a:t>
+              </a:r>
+              <a:endParaRPr lang="en-US" altLang="ko-KR" b="1" dirty="0" smtClean="0">
+                <a:solidFill>
+                  <a:schemeClr val="tx1"/>
+                </a:solidFill>
+              </a:endParaRPr>
+            </a:p>
+            <a:p>
+              <a:pPr marL="285750" indent="-285750">
+                <a:buFont typeface="Arial" pitchFamily="34" charset="0"/>
+                <a:buChar char="•"/>
+              </a:pPr>
+              <a:r>
+                <a:rPr lang="en-US" altLang="ko-KR" b="1" dirty="0" smtClean="0">
+                  <a:solidFill>
+                    <a:schemeClr val="tx1"/>
+                  </a:solidFill>
+                </a:rPr>
+                <a:t>UX / UI </a:t>
+              </a:r>
+              <a:r>
+                <a:rPr lang="ko-KR" altLang="en-US" b="1" dirty="0" smtClean="0">
+                  <a:solidFill>
+                    <a:schemeClr val="tx1"/>
+                  </a:solidFill>
+                </a:rPr>
+                <a:t>기획</a:t>
+              </a:r>
+              <a:endParaRPr lang="en-US" altLang="ko-KR" b="1" dirty="0" smtClean="0">
+                <a:solidFill>
+                  <a:schemeClr val="tx1"/>
+                </a:solidFill>
+              </a:endParaRPr>
+            </a:p>
+            <a:p>
+              <a:pPr marL="285750" indent="-285750">
+                <a:buFont typeface="Arial" pitchFamily="34" charset="0"/>
+                <a:buChar char="•"/>
+              </a:pPr>
+              <a:endParaRPr lang="en-US" altLang="ko-KR" dirty="0" smtClean="0"/>
+            </a:p>
+            <a:p>
+              <a:pPr marL="285750" indent="-285750">
+                <a:buFont typeface="Arial" pitchFamily="34" charset="0"/>
+                <a:buChar char="•"/>
+              </a:pPr>
+              <a:endParaRPr lang="ko-KR" altLang="en-US" dirty="0"/>
+            </a:p>
+          </p:txBody>
+        </p:sp>
+        <p:sp>
+          <p:nvSpPr>
+            <p:cNvPr id="11" name="Rounded Rectangle 10"/>
+            <p:cNvSpPr/>
+            <p:nvPr/>
+          </p:nvSpPr>
+          <p:spPr>
+            <a:xfrm>
+              <a:off x="865413" y="1951264"/>
+              <a:ext cx="2743201" cy="403628"/>
+            </a:xfrm>
+            <a:prstGeom prst="roundRect">
+              <a:avLst/>
+            </a:prstGeom>
+            <a:solidFill>
+              <a:schemeClr val="accent1"/>
+            </a:solidFill>
+            <a:ln>
+              <a:solidFill>
+                <a:schemeClr val="tx1"/>
+              </a:solidFill>
+            </a:ln>
+          </p:spPr>
+          <p:style>
+            <a:lnRef idx="2">
+              <a:schemeClr val="accent1">
+                <a:shade val="50000"/>
+              </a:schemeClr>
+            </a:lnRef>
+            <a:fillRef idx="1">
+              <a:schemeClr val="accent1"/>
+            </a:fillRef>
+            <a:effectRef idx="0">
+              <a:schemeClr val="accent1"/>
+            </a:effectRef>
+            <a:fontRef idx="minor">
+              <a:schemeClr val="lt1"/>
+            </a:fontRef>
+          </p:style>
+          <p:txBody>
+            <a:bodyPr rtlCol="0" anchor="ctr"/>
+            <a:lstStyle/>
+            <a:p>
+              <a:pPr algn="ctr"/>
+              <a:r>
+                <a:rPr lang="ko-KR" altLang="en-US" dirty="0" smtClean="0">
+                  <a:solidFill>
+                    <a:schemeClr val="tx1"/>
+                  </a:solidFill>
+                </a:rPr>
+                <a:t>기획</a:t>
+              </a:r>
+              <a:r>
+                <a:rPr lang="en-US" altLang="ko-KR" dirty="0">
+                  <a:solidFill>
+                    <a:schemeClr val="tx1"/>
+                  </a:solidFill>
+                </a:rPr>
+                <a:t> </a:t>
+              </a:r>
+              <a:r>
+                <a:rPr lang="en-US" altLang="ko-KR" dirty="0" smtClean="0">
+                  <a:solidFill>
+                    <a:schemeClr val="tx1"/>
+                  </a:solidFill>
+                </a:rPr>
+                <a:t>- </a:t>
+              </a:r>
+              <a:r>
+                <a:rPr lang="ko-KR" altLang="en-US" dirty="0" smtClean="0">
+                  <a:solidFill>
+                    <a:schemeClr val="tx1"/>
+                  </a:solidFill>
+                </a:rPr>
+                <a:t>최영민</a:t>
+              </a:r>
+              <a:endParaRPr lang="ko-KR" altLang="en-US" dirty="0">
+                <a:solidFill>
+                  <a:schemeClr val="tx1"/>
+                </a:solidFill>
+              </a:endParaRPr>
+            </a:p>
+          </p:txBody>
+        </p:sp>
+      </p:grpSp>
+      <p:grpSp>
+        <p:nvGrpSpPr>
+          <p:cNvPr id="25" name="Group 24"/>
+          <p:cNvGrpSpPr/>
+          <p:nvPr/>
+        </p:nvGrpSpPr>
+        <p:grpSpPr>
+          <a:xfrm>
+            <a:off x="3294740" y="1834385"/>
+            <a:ext cx="2743201" cy="3994914"/>
+            <a:chOff x="865413" y="1951264"/>
+            <a:chExt cx="2743201" cy="3994914"/>
+          </a:xfrm>
+        </p:grpSpPr>
+        <p:sp>
+          <p:nvSpPr>
+            <p:cNvPr id="26" name="Rectangle 25"/>
+            <p:cNvSpPr/>
+            <p:nvPr/>
+          </p:nvSpPr>
+          <p:spPr>
+            <a:xfrm>
+              <a:off x="865413" y="2354891"/>
+              <a:ext cx="2743201" cy="3591287"/>
+            </a:xfrm>
+            <a:prstGeom prst="rect">
+              <a:avLst/>
+            </a:prstGeom>
+            <a:solidFill>
+              <a:schemeClr val="bg1"/>
+            </a:solidFill>
+            <a:ln>
+              <a:solidFill>
+                <a:schemeClr val="tx1"/>
+              </a:solidFill>
+            </a:ln>
+          </p:spPr>
+          <p:style>
+            <a:lnRef idx="2">
+              <a:schemeClr val="accent1">
+                <a:shade val="50000"/>
+              </a:schemeClr>
+            </a:lnRef>
+            <a:fillRef idx="1">
+              <a:schemeClr val="accent1"/>
+            </a:fillRef>
+            <a:effectRef idx="0">
+              <a:schemeClr val="accent1"/>
+            </a:effectRef>
+            <a:fontRef idx="minor">
+              <a:schemeClr val="lt1"/>
+            </a:fontRef>
+          </p:style>
+          <p:txBody>
+            <a:bodyPr rtlCol="0" anchor="ctr"/>
+            <a:lstStyle/>
+            <a:p>
+              <a:pPr marL="285750" indent="-285750">
+                <a:buFont typeface="Arial" pitchFamily="34" charset="0"/>
+                <a:buChar char="•"/>
+              </a:pPr>
+              <a:r>
+                <a:rPr lang="ko-KR" altLang="en-US" b="1" dirty="0">
+                  <a:solidFill>
+                    <a:schemeClr val="tx1"/>
+                  </a:solidFill>
+                </a:rPr>
+                <a:t>캐릭터 </a:t>
+              </a:r>
+              <a:r>
+                <a:rPr lang="ko-KR" altLang="en-US" b="1" dirty="0" smtClean="0">
+                  <a:solidFill>
+                    <a:schemeClr val="tx1"/>
+                  </a:solidFill>
+                </a:rPr>
+                <a:t>모델링</a:t>
+              </a:r>
+              <a:endParaRPr lang="en-US" altLang="ko-KR" b="1" dirty="0">
+                <a:solidFill>
+                  <a:schemeClr val="tx1"/>
+                </a:solidFill>
+              </a:endParaRPr>
+            </a:p>
+            <a:p>
+              <a:pPr marL="285750" indent="-285750">
+                <a:buFont typeface="Arial" pitchFamily="34" charset="0"/>
+                <a:buChar char="•"/>
+              </a:pPr>
+              <a:r>
+                <a:rPr lang="ko-KR" altLang="en-US" b="1" dirty="0">
+                  <a:solidFill>
+                    <a:schemeClr val="tx1"/>
+                  </a:solidFill>
+                </a:rPr>
+                <a:t>타일 </a:t>
+              </a:r>
+              <a:r>
+                <a:rPr lang="ko-KR" altLang="en-US" b="1" dirty="0" smtClean="0">
+                  <a:solidFill>
+                    <a:schemeClr val="tx1"/>
+                  </a:solidFill>
+                </a:rPr>
+                <a:t>모델링</a:t>
+              </a:r>
+              <a:endParaRPr lang="en-US" altLang="ko-KR" b="1" dirty="0">
+                <a:solidFill>
+                  <a:schemeClr val="tx1"/>
+                </a:solidFill>
+              </a:endParaRPr>
+            </a:p>
+            <a:p>
+              <a:pPr marL="285750" indent="-285750">
+                <a:buFont typeface="Arial" pitchFamily="34" charset="0"/>
+                <a:buChar char="•"/>
+              </a:pPr>
+              <a:r>
+                <a:rPr lang="ko-KR" altLang="en-US" b="1" dirty="0" smtClean="0">
+                  <a:solidFill>
+                    <a:schemeClr val="tx1"/>
+                  </a:solidFill>
+                </a:rPr>
+                <a:t>조경물 모델링</a:t>
+              </a:r>
+              <a:endParaRPr lang="en-US" altLang="ko-KR" b="1" dirty="0" smtClean="0">
+                <a:solidFill>
+                  <a:schemeClr val="tx1"/>
+                </a:solidFill>
+              </a:endParaRPr>
+            </a:p>
+            <a:p>
+              <a:pPr marL="285750" indent="-285750">
+                <a:buFont typeface="Arial" pitchFamily="34" charset="0"/>
+                <a:buChar char="•"/>
+              </a:pPr>
+              <a:r>
+                <a:rPr lang="en-US" altLang="ko-KR" b="1" dirty="0" smtClean="0">
+                  <a:solidFill>
+                    <a:schemeClr val="tx1"/>
+                  </a:solidFill>
+                </a:rPr>
+                <a:t>UI </a:t>
+              </a:r>
+              <a:r>
+                <a:rPr lang="ko-KR" altLang="en-US" b="1" dirty="0" smtClean="0">
+                  <a:solidFill>
+                    <a:schemeClr val="tx1"/>
+                  </a:solidFill>
+                </a:rPr>
+                <a:t>제작</a:t>
+              </a:r>
+              <a:endParaRPr lang="en-US" altLang="ko-KR" b="1" dirty="0">
+                <a:solidFill>
+                  <a:schemeClr val="tx1"/>
+                </a:solidFill>
+              </a:endParaRPr>
+            </a:p>
+            <a:p>
+              <a:pPr marL="285750" indent="-285750">
+                <a:buFont typeface="Arial" pitchFamily="34" charset="0"/>
+                <a:buChar char="•"/>
+              </a:pPr>
+              <a:endParaRPr lang="ko-KR" altLang="en-US" dirty="0"/>
+            </a:p>
+          </p:txBody>
+        </p:sp>
+        <p:sp>
+          <p:nvSpPr>
+            <p:cNvPr id="27" name="Rounded Rectangle 26"/>
+            <p:cNvSpPr/>
+            <p:nvPr/>
+          </p:nvSpPr>
+          <p:spPr>
+            <a:xfrm>
+              <a:off x="865413" y="1951264"/>
+              <a:ext cx="2743201" cy="403628"/>
+            </a:xfrm>
+            <a:prstGeom prst="roundRect">
+              <a:avLst/>
+            </a:prstGeom>
+            <a:solidFill>
+              <a:schemeClr val="accent2"/>
+            </a:solidFill>
+            <a:ln>
+              <a:solidFill>
+                <a:schemeClr val="tx1"/>
+              </a:solidFill>
+            </a:ln>
+          </p:spPr>
+          <p:style>
+            <a:lnRef idx="2">
+              <a:schemeClr val="accent1">
+                <a:shade val="50000"/>
+              </a:schemeClr>
+            </a:lnRef>
+            <a:fillRef idx="1">
+              <a:schemeClr val="accent1"/>
+            </a:fillRef>
+            <a:effectRef idx="0">
+              <a:schemeClr val="accent1"/>
+            </a:effectRef>
+            <a:fontRef idx="minor">
+              <a:schemeClr val="lt1"/>
+            </a:fontRef>
+          </p:style>
+          <p:txBody>
+            <a:bodyPr rtlCol="0" anchor="ctr"/>
+            <a:lstStyle/>
+            <a:p>
+              <a:pPr algn="ctr"/>
+              <a:r>
+                <a:rPr lang="ko-KR" altLang="en-US" dirty="0" smtClean="0">
+                  <a:solidFill>
+                    <a:schemeClr val="tx1"/>
+                  </a:solidFill>
+                </a:rPr>
+                <a:t>그래픽 </a:t>
+              </a:r>
+              <a:r>
+                <a:rPr lang="en-US" altLang="ko-KR" dirty="0" smtClean="0">
+                  <a:solidFill>
+                    <a:schemeClr val="tx1"/>
+                  </a:solidFill>
+                </a:rPr>
+                <a:t>- </a:t>
+              </a:r>
+              <a:r>
+                <a:rPr lang="ko-KR" altLang="en-US" dirty="0" smtClean="0">
+                  <a:solidFill>
+                    <a:schemeClr val="tx1"/>
+                  </a:solidFill>
+                </a:rPr>
+                <a:t>최영민</a:t>
+              </a:r>
+              <a:endParaRPr lang="ko-KR" altLang="en-US" dirty="0">
+                <a:solidFill>
+                  <a:schemeClr val="tx1"/>
+                </a:solidFill>
+              </a:endParaRPr>
+            </a:p>
+          </p:txBody>
+        </p:sp>
+      </p:grpSp>
+      <p:grpSp>
+        <p:nvGrpSpPr>
+          <p:cNvPr id="28" name="Group 27"/>
+          <p:cNvGrpSpPr/>
+          <p:nvPr/>
+        </p:nvGrpSpPr>
+        <p:grpSpPr>
+          <a:xfrm>
+            <a:off x="6208484" y="1834385"/>
+            <a:ext cx="2743201" cy="3994914"/>
+            <a:chOff x="865413" y="1951264"/>
+            <a:chExt cx="2743201" cy="3994914"/>
+          </a:xfrm>
+        </p:grpSpPr>
+        <p:sp>
+          <p:nvSpPr>
+            <p:cNvPr id="29" name="Rectangle 28"/>
+            <p:cNvSpPr/>
+            <p:nvPr/>
+          </p:nvSpPr>
+          <p:spPr>
+            <a:xfrm>
+              <a:off x="865413" y="2354891"/>
+              <a:ext cx="2743201" cy="3591287"/>
+            </a:xfrm>
+            <a:prstGeom prst="rect">
+              <a:avLst/>
+            </a:prstGeom>
+            <a:solidFill>
+              <a:schemeClr val="bg1"/>
+            </a:solidFill>
+            <a:ln>
+              <a:solidFill>
+                <a:schemeClr val="tx1"/>
+              </a:solidFill>
+            </a:ln>
+          </p:spPr>
+          <p:style>
+            <a:lnRef idx="2">
+              <a:schemeClr val="accent1">
+                <a:shade val="50000"/>
+              </a:schemeClr>
+            </a:lnRef>
+            <a:fillRef idx="1">
+              <a:schemeClr val="accent1"/>
+            </a:fillRef>
+            <a:effectRef idx="0">
+              <a:schemeClr val="accent1"/>
+            </a:effectRef>
+            <a:fontRef idx="minor">
+              <a:schemeClr val="lt1"/>
+            </a:fontRef>
+          </p:style>
+          <p:txBody>
+            <a:bodyPr rtlCol="0" anchor="ctr"/>
+            <a:lstStyle/>
+            <a:p>
+              <a:pPr marL="285750" indent="-285750">
+                <a:buFont typeface="Arial" pitchFamily="34" charset="0"/>
+                <a:buChar char="•"/>
+              </a:pPr>
+              <a:r>
+                <a:rPr lang="en-US" altLang="ko-KR" b="1" dirty="0">
+                  <a:solidFill>
+                    <a:schemeClr val="tx1"/>
+                  </a:solidFill>
+                </a:rPr>
+                <a:t>A* </a:t>
+              </a:r>
+              <a:r>
+                <a:rPr lang="ko-KR" altLang="en-US" b="1" dirty="0">
+                  <a:solidFill>
+                    <a:schemeClr val="tx1"/>
+                  </a:solidFill>
+                </a:rPr>
+                <a:t>길찾기 구현</a:t>
+              </a:r>
+              <a:r>
+                <a:rPr lang="en-US" altLang="ko-KR" b="1" dirty="0">
+                  <a:solidFill>
+                    <a:schemeClr val="tx1"/>
+                  </a:solidFill>
+                </a:rPr>
+                <a:t>.</a:t>
+              </a:r>
+            </a:p>
+            <a:p>
+              <a:pPr marL="285750" indent="-285750">
+                <a:buFont typeface="Arial" pitchFamily="34" charset="0"/>
+                <a:buChar char="•"/>
+              </a:pPr>
+              <a:r>
+                <a:rPr lang="en-US" altLang="ko-KR" b="1" dirty="0">
+                  <a:solidFill>
+                    <a:schemeClr val="tx1"/>
+                  </a:solidFill>
+                </a:rPr>
+                <a:t>AI </a:t>
+              </a:r>
+              <a:r>
+                <a:rPr lang="ko-KR" altLang="en-US" b="1" dirty="0" smtClean="0">
+                  <a:solidFill>
+                    <a:schemeClr val="tx1"/>
+                  </a:solidFill>
+                </a:rPr>
+                <a:t>구현</a:t>
+              </a:r>
+              <a:endParaRPr lang="en-US" altLang="ko-KR" b="1" dirty="0" smtClean="0">
+                <a:solidFill>
+                  <a:schemeClr val="tx1"/>
+                </a:solidFill>
+              </a:endParaRPr>
+            </a:p>
+            <a:p>
+              <a:pPr marL="285750" indent="-285750">
+                <a:buFont typeface="Arial" pitchFamily="34" charset="0"/>
+                <a:buChar char="•"/>
+              </a:pPr>
+              <a:r>
+                <a:rPr lang="ko-KR" altLang="en-US" b="1" dirty="0" smtClean="0">
+                  <a:solidFill>
+                    <a:schemeClr val="tx1"/>
+                  </a:solidFill>
+                </a:rPr>
+                <a:t>폰트시스템 구현</a:t>
+              </a:r>
+              <a:endParaRPr lang="en-US" altLang="ko-KR" b="1" dirty="0">
+                <a:solidFill>
+                  <a:schemeClr val="tx1"/>
+                </a:solidFill>
+              </a:endParaRPr>
+            </a:p>
+            <a:p>
+              <a:pPr marL="285750" indent="-285750">
+                <a:buFont typeface="Arial" pitchFamily="34" charset="0"/>
+                <a:buChar char="•"/>
+              </a:pPr>
+              <a:r>
+                <a:rPr lang="ko-KR" altLang="en-US" b="1" dirty="0" smtClean="0">
+                  <a:solidFill>
+                    <a:schemeClr val="tx1"/>
+                  </a:solidFill>
+                </a:rPr>
+                <a:t>이펙트 </a:t>
+              </a:r>
+              <a:r>
+                <a:rPr lang="en-US" altLang="ko-KR" b="1" dirty="0" smtClean="0">
+                  <a:solidFill>
+                    <a:schemeClr val="tx1"/>
+                  </a:solidFill>
+                </a:rPr>
+                <a:t>, </a:t>
+              </a:r>
+              <a:r>
+                <a:rPr lang="ko-KR" altLang="en-US" b="1" dirty="0" smtClean="0">
+                  <a:solidFill>
+                    <a:schemeClr val="tx1"/>
+                  </a:solidFill>
+                </a:rPr>
+                <a:t>사운드 </a:t>
+              </a:r>
+              <a:r>
+                <a:rPr lang="ko-KR" altLang="en-US" b="1" dirty="0">
+                  <a:solidFill>
+                    <a:schemeClr val="tx1"/>
+                  </a:solidFill>
+                </a:rPr>
+                <a:t>구현</a:t>
+              </a:r>
+              <a:endParaRPr lang="en-US" altLang="ko-KR" b="1" dirty="0">
+                <a:solidFill>
+                  <a:schemeClr val="tx1"/>
+                </a:solidFill>
+              </a:endParaRPr>
+            </a:p>
+            <a:p>
+              <a:pPr marL="285750" indent="-285750">
+                <a:buFont typeface="Arial" pitchFamily="34" charset="0"/>
+                <a:buChar char="•"/>
+              </a:pPr>
+              <a:r>
+                <a:rPr lang="en-US" altLang="ko-KR" b="1" dirty="0" smtClean="0">
+                  <a:solidFill>
+                    <a:schemeClr val="tx1"/>
+                  </a:solidFill>
+                </a:rPr>
+                <a:t>XML</a:t>
+              </a:r>
+              <a:r>
+                <a:rPr lang="ko-KR" altLang="en-US" b="1" dirty="0" smtClean="0">
+                  <a:solidFill>
+                    <a:schemeClr val="tx1"/>
+                  </a:solidFill>
+                </a:rPr>
+                <a:t> </a:t>
+              </a:r>
+              <a:r>
+                <a:rPr lang="ko-KR" altLang="en-US" b="1" dirty="0">
+                  <a:solidFill>
+                    <a:schemeClr val="tx1"/>
+                  </a:solidFill>
+                </a:rPr>
+                <a:t>파일입출력 구현</a:t>
+              </a:r>
+              <a:endParaRPr lang="en-US" altLang="ko-KR" b="1" dirty="0">
+                <a:solidFill>
+                  <a:schemeClr val="tx1"/>
+                </a:solidFill>
+              </a:endParaRPr>
+            </a:p>
+            <a:p>
+              <a:pPr marL="285750" indent="-285750">
+                <a:buFont typeface="Arial" pitchFamily="34" charset="0"/>
+                <a:buChar char="•"/>
+              </a:pPr>
+              <a:r>
+                <a:rPr lang="ko-KR" altLang="en-US" b="1" dirty="0" smtClean="0">
+                  <a:solidFill>
+                    <a:schemeClr val="tx1"/>
+                  </a:solidFill>
+                </a:rPr>
+                <a:t>기획된 게임로직 구현</a:t>
+              </a:r>
+              <a:endParaRPr lang="en-US" altLang="ko-KR" b="1" dirty="0" smtClean="0">
+                <a:solidFill>
+                  <a:schemeClr val="tx1"/>
+                </a:solidFill>
+              </a:endParaRPr>
+            </a:p>
+            <a:p>
+              <a:pPr marL="285750" indent="-285750">
+                <a:buFont typeface="Arial" pitchFamily="34" charset="0"/>
+                <a:buChar char="•"/>
+              </a:pPr>
+              <a:r>
+                <a:rPr lang="ko-KR" altLang="en-US" b="1" dirty="0" smtClean="0">
+                  <a:solidFill>
+                    <a:schemeClr val="tx1"/>
+                  </a:solidFill>
+                </a:rPr>
+                <a:t>맵툴 </a:t>
+              </a:r>
+              <a:r>
+                <a:rPr lang="ko-KR" altLang="en-US" b="1" dirty="0">
+                  <a:solidFill>
+                    <a:schemeClr val="tx1"/>
+                  </a:solidFill>
+                </a:rPr>
+                <a:t>구현 </a:t>
+              </a:r>
+              <a:endParaRPr lang="en-US" altLang="ko-KR" b="1" dirty="0">
+                <a:solidFill>
+                  <a:schemeClr val="tx1"/>
+                </a:solidFill>
+              </a:endParaRPr>
+            </a:p>
+            <a:p>
+              <a:pPr marL="285750" indent="-285750">
+                <a:buFont typeface="Arial" pitchFamily="34" charset="0"/>
+                <a:buChar char="•"/>
+              </a:pPr>
+              <a:endParaRPr lang="ko-KR" altLang="en-US" dirty="0"/>
+            </a:p>
+          </p:txBody>
+        </p:sp>
+        <p:sp>
+          <p:nvSpPr>
+            <p:cNvPr id="30" name="Rounded Rectangle 29"/>
+            <p:cNvSpPr/>
+            <p:nvPr/>
+          </p:nvSpPr>
+          <p:spPr>
+            <a:xfrm>
+              <a:off x="865413" y="1951264"/>
+              <a:ext cx="2743201" cy="403628"/>
+            </a:xfrm>
+            <a:prstGeom prst="roundRect">
+              <a:avLst/>
+            </a:prstGeom>
+            <a:solidFill>
+              <a:schemeClr val="accent4"/>
+            </a:solidFill>
+            <a:ln>
+              <a:solidFill>
+                <a:schemeClr val="tx1"/>
+              </a:solidFill>
+            </a:ln>
+          </p:spPr>
+          <p:style>
+            <a:lnRef idx="2">
+              <a:schemeClr val="accent1">
+                <a:shade val="50000"/>
+              </a:schemeClr>
+            </a:lnRef>
+            <a:fillRef idx="1">
+              <a:schemeClr val="accent1"/>
+            </a:fillRef>
+            <a:effectRef idx="0">
+              <a:schemeClr val="accent1"/>
+            </a:effectRef>
+            <a:fontRef idx="minor">
+              <a:schemeClr val="lt1"/>
+            </a:fontRef>
+          </p:style>
+          <p:txBody>
+            <a:bodyPr rtlCol="0" anchor="ctr"/>
+            <a:lstStyle/>
+            <a:p>
+              <a:pPr algn="ctr"/>
+              <a:r>
+                <a:rPr lang="ko-KR" altLang="en-US" dirty="0" smtClean="0">
+                  <a:solidFill>
+                    <a:schemeClr val="tx1"/>
+                  </a:solidFill>
+                </a:rPr>
+                <a:t>클라이언트 </a:t>
+              </a:r>
+              <a:r>
+                <a:rPr lang="en-US" altLang="ko-KR" dirty="0" smtClean="0">
+                  <a:solidFill>
+                    <a:schemeClr val="tx1"/>
+                  </a:solidFill>
+                </a:rPr>
+                <a:t>- </a:t>
+              </a:r>
+              <a:r>
+                <a:rPr lang="ko-KR" altLang="en-US" dirty="0" smtClean="0">
+                  <a:solidFill>
+                    <a:schemeClr val="tx1"/>
+                  </a:solidFill>
+                </a:rPr>
+                <a:t>조지훈</a:t>
+              </a:r>
+              <a:endParaRPr lang="ko-KR" altLang="en-US" dirty="0">
+                <a:solidFill>
+                  <a:schemeClr val="tx1"/>
+                </a:solidFill>
+              </a:endParaRPr>
+            </a:p>
+          </p:txBody>
+        </p:sp>
+      </p:grpSp>
+      <p:grpSp>
+        <p:nvGrpSpPr>
+          <p:cNvPr id="31" name="Group 30"/>
+          <p:cNvGrpSpPr/>
+          <p:nvPr/>
+        </p:nvGrpSpPr>
+        <p:grpSpPr>
+          <a:xfrm>
+            <a:off x="9122227" y="1834385"/>
+            <a:ext cx="2743201" cy="3994914"/>
+            <a:chOff x="865413" y="1951264"/>
+            <a:chExt cx="2743201" cy="3994914"/>
+          </a:xfrm>
+        </p:grpSpPr>
+        <p:sp>
+          <p:nvSpPr>
+            <p:cNvPr id="32" name="Rectangle 31"/>
+            <p:cNvSpPr/>
+            <p:nvPr/>
+          </p:nvSpPr>
+          <p:spPr>
+            <a:xfrm>
+              <a:off x="865413" y="2354891"/>
+              <a:ext cx="2743201" cy="3591287"/>
+            </a:xfrm>
+            <a:prstGeom prst="rect">
+              <a:avLst/>
+            </a:prstGeom>
+            <a:solidFill>
+              <a:schemeClr val="bg1"/>
+            </a:solidFill>
+            <a:ln>
+              <a:solidFill>
+                <a:schemeClr val="tx1"/>
+              </a:solidFill>
+            </a:ln>
+          </p:spPr>
+          <p:style>
+            <a:lnRef idx="2">
+              <a:schemeClr val="accent1">
+                <a:shade val="50000"/>
+              </a:schemeClr>
+            </a:lnRef>
+            <a:fillRef idx="1">
+              <a:schemeClr val="accent1"/>
+            </a:fillRef>
+            <a:effectRef idx="0">
+              <a:schemeClr val="accent1"/>
+            </a:effectRef>
+            <a:fontRef idx="minor">
+              <a:schemeClr val="lt1"/>
+            </a:fontRef>
+          </p:style>
+          <p:txBody>
+            <a:bodyPr rtlCol="0" anchor="ctr"/>
+            <a:lstStyle/>
+            <a:p>
+              <a:pPr marL="285750" indent="-285750">
+                <a:buFont typeface="Arial" pitchFamily="34" charset="0"/>
+                <a:buChar char="•"/>
+              </a:pPr>
+              <a:r>
+                <a:rPr lang="en-US" altLang="ko-KR" b="1" dirty="0">
+                  <a:solidFill>
+                    <a:schemeClr val="tx1"/>
+                  </a:solidFill>
+                </a:rPr>
+                <a:t>DB </a:t>
+              </a:r>
+              <a:r>
+                <a:rPr lang="ko-KR" altLang="en-US" b="1" dirty="0">
+                  <a:solidFill>
+                    <a:schemeClr val="tx1"/>
+                  </a:solidFill>
+                </a:rPr>
+                <a:t>설계 및 구현 </a:t>
+              </a:r>
+              <a:endParaRPr lang="en-US" altLang="ko-KR" b="1" dirty="0">
+                <a:solidFill>
+                  <a:schemeClr val="tx1"/>
+                </a:solidFill>
+              </a:endParaRPr>
+            </a:p>
+            <a:p>
+              <a:pPr marL="285750" indent="-285750">
+                <a:buFont typeface="Arial" pitchFamily="34" charset="0"/>
+                <a:buChar char="•"/>
+              </a:pPr>
+              <a:r>
+                <a:rPr lang="ko-KR" altLang="en-US" b="1" dirty="0" smtClean="0">
+                  <a:solidFill>
+                    <a:schemeClr val="tx1"/>
+                  </a:solidFill>
+                </a:rPr>
+                <a:t>웹서버 구현</a:t>
+              </a:r>
+              <a:endParaRPr lang="ko-KR" altLang="en-US" b="1" dirty="0">
+                <a:solidFill>
+                  <a:schemeClr val="tx1"/>
+                </a:solidFill>
+              </a:endParaRPr>
+            </a:p>
+          </p:txBody>
+        </p:sp>
+        <p:sp>
+          <p:nvSpPr>
+            <p:cNvPr id="33" name="Rounded Rectangle 32"/>
+            <p:cNvSpPr/>
+            <p:nvPr/>
+          </p:nvSpPr>
+          <p:spPr>
+            <a:xfrm>
+              <a:off x="865413" y="1951264"/>
+              <a:ext cx="2743201" cy="403628"/>
+            </a:xfrm>
+            <a:prstGeom prst="roundRect">
+              <a:avLst/>
+            </a:prstGeom>
+            <a:solidFill>
+              <a:schemeClr val="accent6"/>
+            </a:solidFill>
+            <a:ln>
+              <a:solidFill>
+                <a:schemeClr val="tx1"/>
+              </a:solidFill>
+            </a:ln>
+          </p:spPr>
+          <p:style>
+            <a:lnRef idx="2">
+              <a:schemeClr val="accent1">
+                <a:shade val="50000"/>
+              </a:schemeClr>
+            </a:lnRef>
+            <a:fillRef idx="1">
+              <a:schemeClr val="accent1"/>
+            </a:fillRef>
+            <a:effectRef idx="0">
+              <a:schemeClr val="accent1"/>
+            </a:effectRef>
+            <a:fontRef idx="minor">
+              <a:schemeClr val="lt1"/>
+            </a:fontRef>
+          </p:style>
+          <p:txBody>
+            <a:bodyPr rtlCol="0" anchor="ctr"/>
+            <a:lstStyle/>
+            <a:p>
+              <a:pPr algn="ctr"/>
+              <a:r>
+                <a:rPr lang="ko-KR" altLang="en-US" dirty="0" smtClean="0">
+                  <a:solidFill>
+                    <a:schemeClr val="tx1"/>
+                  </a:solidFill>
+                </a:rPr>
+                <a:t>서버 </a:t>
+              </a:r>
+              <a:r>
+                <a:rPr lang="en-US" altLang="ko-KR" dirty="0" smtClean="0">
+                  <a:solidFill>
+                    <a:schemeClr val="tx1"/>
+                  </a:solidFill>
+                </a:rPr>
+                <a:t>- </a:t>
+              </a:r>
+              <a:r>
+                <a:rPr lang="ko-KR" altLang="en-US" dirty="0" smtClean="0">
+                  <a:solidFill>
+                    <a:schemeClr val="tx1"/>
+                  </a:solidFill>
+                </a:rPr>
+                <a:t>이진수</a:t>
+              </a:r>
+              <a:endParaRPr lang="ko-KR" altLang="en-US" dirty="0">
+                <a:solidFill>
+                  <a:schemeClr val="tx1"/>
+                </a:solidFill>
+              </a:endParaRPr>
+            </a:p>
+          </p:txBody>
+        </p:sp>
+      </p:grpSp>
+    </p:spTree>
+    <p:extLst>
+      <p:ext uri="{BB962C8B-B14F-4D97-AF65-F5344CB8AC3E}">
+        <p14:creationId xmlns:p14="http://schemas.microsoft.com/office/powerpoint/2010/main" val="1568796424"/>
+      </p:ext>
+    </p:extLst>
+  </p:cSld>
+  <p:clrMapOvr>
+    <a:masterClrMapping/>
+  </p:clrMapOvr>
+  <p:timing>
+    <p:tnLst>
+      <p:par>
+        <p:cTn id="1" dur="indefinite" restart="never" nodeType="tmRoot"/>
+      </p:par>
+    </p:tnLst>
+  </p:timing>
+</p:sld>
+</file>
+
 <file path=ppt/slides/slide8.xml><?xml version="1.0" encoding="utf-8"?>
 <p:sld xmlns:a="http://schemas.openxmlformats.org/drawingml/2006/main" xmlns:r="http://schemas.openxmlformats.org/officeDocument/2006/relationships" xmlns:p="http://schemas.openxmlformats.org/presentationml/2006/main">
   <p:cSld>
@@ -9392,6 +11724,126 @@
       </p:grpSpPr>
       <p:sp>
         <p:nvSpPr>
+          <p:cNvPr id="5" name="Slide Number Placeholder 4"/>
+          <p:cNvSpPr>
+            <a:spLocks noGrp="1"/>
+          </p:cNvSpPr>
+          <p:nvPr>
+            <p:ph type="sldNum" sz="quarter" idx="12"/>
+          </p:nvPr>
+        </p:nvSpPr>
+        <p:spPr/>
+        <p:txBody>
+          <a:bodyPr/>
+          <a:lstStyle/>
+          <a:p>
+            <a:fld id="{FBFC020C-1606-4BED-91BA-A6230104B3B1}" type="slidenum">
+              <a:rPr lang="ko-KR" altLang="en-US" smtClean="0"/>
+              <a:t>8</a:t>
+            </a:fld>
+            <a:endParaRPr lang="ko-KR" altLang="en-US"/>
+          </a:p>
+        </p:txBody>
+      </p:sp>
+      <p:sp>
+        <p:nvSpPr>
+          <p:cNvPr id="3" name="Title 2"/>
+          <p:cNvSpPr>
+            <a:spLocks noGrp="1"/>
+          </p:cNvSpPr>
+          <p:nvPr>
+            <p:ph type="title"/>
+          </p:nvPr>
+        </p:nvSpPr>
+        <p:spPr/>
+        <p:txBody>
+          <a:bodyPr/>
+          <a:lstStyle/>
+          <a:p>
+            <a:endParaRPr lang="ko-KR" altLang="en-US"/>
+          </a:p>
+        </p:txBody>
+      </p:sp>
+      <p:pic>
+        <p:nvPicPr>
+          <p:cNvPr id="17" name="Picture 2" descr="C:\Users\pc1\Desktop\1azz.png"/>
+          <p:cNvPicPr>
+            <a:picLocks noChangeAspect="1" noChangeArrowheads="1"/>
+          </p:cNvPicPr>
+          <p:nvPr/>
+        </p:nvPicPr>
+        <p:blipFill>
+          <a:blip r:embed="rId2">
+            <a:extLst>
+              <a:ext uri="{28A0092B-C50C-407E-A947-70E740481C1C}">
+                <a14:useLocalDpi xmlns:a14="http://schemas.microsoft.com/office/drawing/2010/main" val="0"/>
+              </a:ext>
+            </a:extLst>
+          </a:blip>
+          <a:srcRect/>
+          <a:stretch>
+            <a:fillRect/>
+          </a:stretch>
+        </p:blipFill>
+        <p:spPr bwMode="auto">
+          <a:xfrm>
+            <a:off x="131990" y="219260"/>
+            <a:ext cx="11928021" cy="6419481"/>
+          </a:xfrm>
+          <a:prstGeom prst="rect">
+            <a:avLst/>
+          </a:prstGeom>
+          <a:noFill/>
+          <a:extLst>
+            <a:ext uri="{909E8E84-426E-40DD-AFC4-6F175D3DCCD1}">
+              <a14:hiddenFill xmlns:a14="http://schemas.microsoft.com/office/drawing/2010/main">
+                <a:solidFill>
+                  <a:srgbClr val="FFFFFF"/>
+                </a:solidFill>
+              </a14:hiddenFill>
+            </a:ext>
+          </a:extLst>
+        </p:spPr>
+      </p:pic>
+    </p:spTree>
+    <p:extLst>
+      <p:ext uri="{BB962C8B-B14F-4D97-AF65-F5344CB8AC3E}">
+        <p14:creationId xmlns:p14="http://schemas.microsoft.com/office/powerpoint/2010/main" val="3070272668"/>
+      </p:ext>
+    </p:extLst>
+  </p:cSld>
+  <p:clrMapOvr>
+    <a:masterClrMapping/>
+  </p:clrMapOvr>
+  <p:timing>
+    <p:tnLst>
+      <p:par>
+        <p:cTn id="1" dur="indefinite" restart="never" nodeType="tmRoot"/>
+      </p:par>
+    </p:tnLst>
+  </p:timing>
+</p:sld>
+</file>
+
+<file path=ppt/slides/slide9.xml><?xml version="1.0" encoding="utf-8"?>
+<p:sld xmlns:a="http://schemas.openxmlformats.org/drawingml/2006/main" xmlns:r="http://schemas.openxmlformats.org/officeDocument/2006/relationships" xmlns:p="http://schemas.openxmlformats.org/presentationml/2006/main">
+  <p:cSld>
+    <p:spTree>
+      <p:nvGrpSpPr>
+        <p:cNvPr id="1" name=""/>
+        <p:cNvGrpSpPr/>
+        <p:nvPr/>
+      </p:nvGrpSpPr>
+      <p:grpSpPr>
+        <a:xfrm>
+          <a:off x="0" y="0"/>
+          <a:ext cx="0" cy="0"/>
+          <a:chOff x="0" y="0"/>
+          <a:chExt cx="0" cy="0"/>
+        </a:xfrm>
+      </p:grpSpPr>
+      <p:sp>
+        <p:nvSpPr>
           <p:cNvPr id="2" name="제목 1"/>
           <p:cNvSpPr>
             <a:spLocks noGrp="1"/>
@@ -9416,7 +11868,7 @@
             </a:br>
             <a:r>
               <a:rPr lang="en-US" altLang="ko-KR" b="1" dirty="0" smtClean="0"/>
-              <a:t>4. </a:t>
+              <a:t>5. </a:t>
             </a:r>
             <a:r>
               <a:rPr lang="ko-KR" altLang="en-US" b="1" dirty="0" smtClean="0"/>
@@ -9450,7 +11902,7 @@
           <a:p>
             <a:fld id="{FBFC020C-1606-4BED-91BA-A6230104B3B1}" type="slidenum">
               <a:rPr lang="ko-KR" altLang="en-US" smtClean="0"/>
-              <a:t>8</a:t>
+              <a:t>9</a:t>
             </a:fld>
             <a:endParaRPr lang="ko-KR" altLang="en-US"/>
           </a:p>
@@ -9892,9 +12344,7 @@
               <a:avLst/>
             </a:prstGeom>
             <a:solidFill>
-              <a:schemeClr val="bg2">
-                <a:lumMod val="90000"/>
-              </a:schemeClr>
+              <a:schemeClr val="bg1"/>
             </a:solidFill>
             <a:ln>
               <a:solidFill>
@@ -10175,967 +12625,6 @@
                   </a:solidFill>
                 </a:rPr>
                 <a:t>사용</a:t>
-              </a:r>
-              <a:endParaRPr lang="en-US" altLang="ko-KR" b="1" dirty="0">
-                <a:solidFill>
-                  <a:schemeClr val="tx1"/>
-                </a:solidFill>
-              </a:endParaRPr>
-            </a:p>
-          </p:txBody>
-        </p:sp>
-        <p:sp>
-          <p:nvSpPr>
-            <p:cNvPr id="29" name="Rounded Rectangle 28"/>
-            <p:cNvSpPr/>
-            <p:nvPr/>
-          </p:nvSpPr>
-          <p:spPr>
-            <a:xfrm>
-              <a:off x="865413" y="1951264"/>
-              <a:ext cx="2743201" cy="403628"/>
-            </a:xfrm>
-            <a:prstGeom prst="roundRect">
-              <a:avLst/>
-            </a:prstGeom>
-            <a:solidFill>
-              <a:schemeClr val="accent6"/>
-            </a:solidFill>
-            <a:ln>
-              <a:solidFill>
-                <a:schemeClr val="tx1"/>
-              </a:solidFill>
-            </a:ln>
-          </p:spPr>
-          <p:style>
-            <a:lnRef idx="2">
-              <a:schemeClr val="accent1">
-                <a:shade val="50000"/>
-              </a:schemeClr>
-            </a:lnRef>
-            <a:fillRef idx="1">
-              <a:schemeClr val="accent1"/>
-            </a:fillRef>
-            <a:effectRef idx="0">
-              <a:schemeClr val="accent1"/>
-            </a:effectRef>
-            <a:fontRef idx="minor">
-              <a:schemeClr val="lt1"/>
-            </a:fontRef>
-          </p:style>
-          <p:txBody>
-            <a:bodyPr rtlCol="0" anchor="ctr"/>
-            <a:lstStyle/>
-            <a:p>
-              <a:pPr algn="ctr"/>
-              <a:r>
-                <a:rPr lang="ko-KR" altLang="en-US" dirty="0" smtClean="0">
-                  <a:solidFill>
-                    <a:schemeClr val="tx1"/>
-                  </a:solidFill>
-                </a:rPr>
-                <a:t>서버 </a:t>
-              </a:r>
-              <a:r>
-                <a:rPr lang="en-US" altLang="ko-KR" dirty="0" smtClean="0">
-                  <a:solidFill>
-                    <a:schemeClr val="tx1"/>
-                  </a:solidFill>
-                </a:rPr>
-                <a:t>- </a:t>
-              </a:r>
-              <a:r>
-                <a:rPr lang="ko-KR" altLang="en-US" dirty="0" smtClean="0">
-                  <a:solidFill>
-                    <a:schemeClr val="tx1"/>
-                  </a:solidFill>
-                </a:rPr>
-                <a:t>이진수</a:t>
-              </a:r>
-              <a:endParaRPr lang="ko-KR" altLang="en-US" dirty="0">
-                <a:solidFill>
-                  <a:schemeClr val="tx1"/>
-                </a:solidFill>
-              </a:endParaRPr>
-            </a:p>
-          </p:txBody>
-        </p:sp>
-      </p:grpSp>
-    </p:spTree>
-    <p:extLst>
-      <p:ext uri="{BB962C8B-B14F-4D97-AF65-F5344CB8AC3E}">
-        <p14:creationId xmlns:p14="http://schemas.microsoft.com/office/powerpoint/2010/main" val="3870136359"/>
-      </p:ext>
-    </p:extLst>
-  </p:cSld>
-  <p:clrMapOvr>
-    <a:masterClrMapping/>
-  </p:clrMapOvr>
-  <p:timing>
-    <p:tnLst>
-      <p:par>
-        <p:cTn id="1" dur="indefinite" restart="never" nodeType="tmRoot"/>
-      </p:par>
-    </p:tnLst>
-  </p:timing>
-</p:sld>
-</file>
-
-<file path=ppt/slides/slide9.xml><?xml version="1.0" encoding="utf-8"?>
-<p:sld xmlns:a="http://schemas.openxmlformats.org/drawingml/2006/main" xmlns:r="http://schemas.openxmlformats.org/officeDocument/2006/relationships" xmlns:p="http://schemas.openxmlformats.org/presentationml/2006/main">
-  <p:cSld>
-    <p:spTree>
-      <p:nvGrpSpPr>
-        <p:cNvPr id="1" name=""/>
-        <p:cNvGrpSpPr/>
-        <p:nvPr/>
-      </p:nvGrpSpPr>
-      <p:grpSpPr>
-        <a:xfrm>
-          <a:off x="0" y="0"/>
-          <a:ext cx="0" cy="0"/>
-          <a:chOff x="0" y="0"/>
-          <a:chExt cx="0" cy="0"/>
-        </a:xfrm>
-      </p:grpSpPr>
-      <p:sp>
-        <p:nvSpPr>
-          <p:cNvPr id="2" name="제목 1"/>
-          <p:cNvSpPr>
-            <a:spLocks noGrp="1"/>
-          </p:cNvSpPr>
-          <p:nvPr>
-            <p:ph type="title"/>
-          </p:nvPr>
-        </p:nvSpPr>
-        <p:spPr/>
-        <p:txBody>
-          <a:bodyPr>
-            <a:normAutofit fontScale="90000"/>
-          </a:bodyPr>
-          <a:lstStyle/>
-          <a:p>
-            <a:r>
-              <a:rPr lang="en-US" altLang="ko-KR" b="1" dirty="0"/>
-              <a:t/>
-            </a:r>
-            <a:br>
-              <a:rPr lang="en-US" altLang="ko-KR" b="1" dirty="0"/>
-            </a:br>
-            <a:r>
-              <a:rPr lang="en-US" altLang="ko-KR" b="1" dirty="0" smtClean="0"/>
-              <a:t>4. </a:t>
-            </a:r>
-            <a:r>
-              <a:rPr lang="ko-KR" altLang="en-US" b="1" dirty="0" smtClean="0"/>
-              <a:t>추후 보완</a:t>
-            </a:r>
-            <a:r>
-              <a:rPr lang="en-US" altLang="ko-KR" b="1" dirty="0" smtClean="0"/>
-              <a:t>,</a:t>
-            </a:r>
-            <a:r>
-              <a:rPr lang="ko-KR" altLang="en-US" b="1" dirty="0" smtClean="0"/>
-              <a:t>추가 개발점</a:t>
-            </a:r>
-            <a:r>
-              <a:rPr lang="en-US" altLang="ko-KR" b="1" dirty="0"/>
-              <a:t/>
-            </a:r>
-            <a:br>
-              <a:rPr lang="en-US" altLang="ko-KR" b="1" dirty="0"/>
-            </a:br>
-            <a:endParaRPr lang="ko-KR" altLang="en-US" dirty="0"/>
-          </a:p>
-        </p:txBody>
-      </p:sp>
-      <p:sp>
-        <p:nvSpPr>
-          <p:cNvPr id="5" name="Slide Number Placeholder 4"/>
-          <p:cNvSpPr>
-            <a:spLocks noGrp="1"/>
-          </p:cNvSpPr>
-          <p:nvPr>
-            <p:ph type="sldNum" sz="quarter" idx="12"/>
-          </p:nvPr>
-        </p:nvSpPr>
-        <p:spPr/>
-        <p:txBody>
-          <a:bodyPr/>
-          <a:lstStyle/>
-          <a:p>
-            <a:fld id="{FBFC020C-1606-4BED-91BA-A6230104B3B1}" type="slidenum">
-              <a:rPr lang="ko-KR" altLang="en-US" smtClean="0"/>
-              <a:t>9</a:t>
-            </a:fld>
-            <a:endParaRPr lang="ko-KR" altLang="en-US"/>
-          </a:p>
-        </p:txBody>
-      </p:sp>
-      <p:grpSp>
-        <p:nvGrpSpPr>
-          <p:cNvPr id="18" name="Group 17"/>
-          <p:cNvGrpSpPr/>
-          <p:nvPr/>
-        </p:nvGrpSpPr>
-        <p:grpSpPr>
-          <a:xfrm>
-            <a:off x="380996" y="1834385"/>
-            <a:ext cx="2743201" cy="3994914"/>
-            <a:chOff x="865413" y="1951264"/>
-            <a:chExt cx="2743201" cy="3994914"/>
-          </a:xfrm>
-        </p:grpSpPr>
-        <p:sp>
-          <p:nvSpPr>
-            <p:cNvPr id="19" name="Rectangle 18"/>
-            <p:cNvSpPr/>
-            <p:nvPr/>
-          </p:nvSpPr>
-          <p:spPr>
-            <a:xfrm>
-              <a:off x="865413" y="2354891"/>
-              <a:ext cx="2743201" cy="3591287"/>
-            </a:xfrm>
-            <a:prstGeom prst="rect">
-              <a:avLst/>
-            </a:prstGeom>
-            <a:ln/>
-          </p:spPr>
-          <p:style>
-            <a:lnRef idx="2">
-              <a:schemeClr val="dk1"/>
-            </a:lnRef>
-            <a:fillRef idx="1">
-              <a:schemeClr val="lt1"/>
-            </a:fillRef>
-            <a:effectRef idx="0">
-              <a:schemeClr val="dk1"/>
-            </a:effectRef>
-            <a:fontRef idx="minor">
-              <a:schemeClr val="dk1"/>
-            </a:fontRef>
-          </p:style>
-          <p:txBody>
-            <a:bodyPr rtlCol="0" anchor="ctr"/>
-            <a:lstStyle/>
-            <a:p>
-              <a:pPr marL="285750" indent="-285750">
-                <a:buFont typeface="Arial" pitchFamily="34" charset="0"/>
-                <a:buChar char="•"/>
-              </a:pPr>
-              <a:r>
-                <a:rPr lang="ko-KR" altLang="en-US" b="1" dirty="0" smtClean="0"/>
-                <a:t>시스템 개별 기획서</a:t>
-              </a:r>
-              <a:endParaRPr lang="en-US" altLang="ko-KR" b="1" dirty="0" smtClean="0"/>
-            </a:p>
-            <a:p>
-              <a:pPr marL="285750" indent="-285750">
-                <a:buFont typeface="Arial" pitchFamily="34" charset="0"/>
-                <a:buChar char="•"/>
-              </a:pPr>
-              <a:r>
-                <a:rPr lang="en-US" altLang="ko-KR" b="1" dirty="0" smtClean="0"/>
-                <a:t>UX/UI </a:t>
-              </a:r>
-              <a:r>
-                <a:rPr lang="ko-KR" altLang="en-US" b="1" dirty="0"/>
-                <a:t>기획서 작성</a:t>
-              </a:r>
-              <a:endParaRPr lang="en-US" altLang="ko-KR" b="1" dirty="0"/>
-            </a:p>
-            <a:p>
-              <a:pPr marL="285750" indent="-285750">
-                <a:buFont typeface="Arial" pitchFamily="34" charset="0"/>
-                <a:buChar char="•"/>
-              </a:pPr>
-              <a:r>
-                <a:rPr lang="ko-KR" altLang="en-US" b="1" dirty="0"/>
-                <a:t>사운드</a:t>
-              </a:r>
-              <a:r>
-                <a:rPr lang="en-US" altLang="ko-KR" b="1" dirty="0"/>
-                <a:t>,</a:t>
-              </a:r>
-              <a:r>
-                <a:rPr lang="ko-KR" altLang="en-US" b="1" dirty="0"/>
-                <a:t>이펙트</a:t>
-              </a:r>
-              <a:r>
-                <a:rPr lang="en-US" altLang="ko-KR" b="1" dirty="0"/>
-                <a:t>,</a:t>
-              </a:r>
-              <a:r>
-                <a:rPr lang="ko-KR" altLang="en-US" b="1" dirty="0"/>
-                <a:t>애니메이션 </a:t>
-              </a:r>
-              <a:r>
-                <a:rPr lang="ko-KR" altLang="en-US" b="1" dirty="0" smtClean="0"/>
-                <a:t>기획</a:t>
-              </a:r>
-              <a:endParaRPr lang="en-US" altLang="ko-KR" b="1" dirty="0" smtClean="0"/>
-            </a:p>
-            <a:p>
-              <a:pPr marL="285750" indent="-285750">
-                <a:buFont typeface="Arial" pitchFamily="34" charset="0"/>
-                <a:buChar char="•"/>
-              </a:pPr>
-              <a:r>
-                <a:rPr lang="ko-KR" altLang="en-US" b="1" dirty="0" smtClean="0"/>
-                <a:t>레벨 디자인</a:t>
-              </a:r>
-              <a:r>
-                <a:rPr lang="en-US" altLang="ko-KR" b="1" dirty="0" smtClean="0"/>
-                <a:t> </a:t>
-              </a:r>
-            </a:p>
-            <a:p>
-              <a:pPr marL="285750" indent="-285750">
-                <a:buFont typeface="Arial" pitchFamily="34" charset="0"/>
-                <a:buChar char="•"/>
-              </a:pPr>
-              <a:r>
-                <a:rPr lang="ko-KR" altLang="en-US" b="1" dirty="0" smtClean="0"/>
-                <a:t>수치 디자인</a:t>
-              </a:r>
-              <a:endParaRPr lang="en-US" altLang="ko-KR" b="1" dirty="0" smtClean="0"/>
-            </a:p>
-            <a:p>
-              <a:pPr marL="285750" indent="-285750">
-                <a:buFont typeface="Arial" pitchFamily="34" charset="0"/>
-                <a:buChar char="•"/>
-              </a:pPr>
-              <a:r>
-                <a:rPr lang="en-US" altLang="ko-KR" b="1" dirty="0" smtClean="0"/>
-                <a:t>BM</a:t>
-              </a:r>
-              <a:r>
-                <a:rPr lang="ko-KR" altLang="en-US" b="1" dirty="0" smtClean="0"/>
-                <a:t> 재설계</a:t>
-              </a:r>
-              <a:endParaRPr lang="en-US" altLang="ko-KR" b="1" dirty="0"/>
-            </a:p>
-          </p:txBody>
-        </p:sp>
-        <p:sp>
-          <p:nvSpPr>
-            <p:cNvPr id="20" name="Rounded Rectangle 19"/>
-            <p:cNvSpPr/>
-            <p:nvPr/>
-          </p:nvSpPr>
-          <p:spPr>
-            <a:xfrm>
-              <a:off x="865413" y="1951264"/>
-              <a:ext cx="2743201" cy="403628"/>
-            </a:xfrm>
-            <a:prstGeom prst="roundRect">
-              <a:avLst/>
-            </a:prstGeom>
-            <a:solidFill>
-              <a:schemeClr val="accent1"/>
-            </a:solidFill>
-            <a:ln>
-              <a:solidFill>
-                <a:schemeClr val="tx1"/>
-              </a:solidFill>
-            </a:ln>
-          </p:spPr>
-          <p:style>
-            <a:lnRef idx="2">
-              <a:schemeClr val="accent1">
-                <a:shade val="50000"/>
-              </a:schemeClr>
-            </a:lnRef>
-            <a:fillRef idx="1">
-              <a:schemeClr val="accent1"/>
-            </a:fillRef>
-            <a:effectRef idx="0">
-              <a:schemeClr val="accent1"/>
-            </a:effectRef>
-            <a:fontRef idx="minor">
-              <a:schemeClr val="lt1"/>
-            </a:fontRef>
-          </p:style>
-          <p:txBody>
-            <a:bodyPr rtlCol="0" anchor="ctr"/>
-            <a:lstStyle/>
-            <a:p>
-              <a:pPr algn="ctr"/>
-              <a:r>
-                <a:rPr lang="ko-KR" altLang="en-US" dirty="0" smtClean="0">
-                  <a:solidFill>
-                    <a:schemeClr val="tx1"/>
-                  </a:solidFill>
-                </a:rPr>
-                <a:t>기획</a:t>
-              </a:r>
-              <a:r>
-                <a:rPr lang="en-US" altLang="ko-KR" dirty="0">
-                  <a:solidFill>
-                    <a:schemeClr val="tx1"/>
-                  </a:solidFill>
-                </a:rPr>
-                <a:t> </a:t>
-              </a:r>
-              <a:r>
-                <a:rPr lang="en-US" altLang="ko-KR" dirty="0" smtClean="0">
-                  <a:solidFill>
-                    <a:schemeClr val="tx1"/>
-                  </a:solidFill>
-                </a:rPr>
-                <a:t>- </a:t>
-              </a:r>
-              <a:r>
-                <a:rPr lang="ko-KR" altLang="en-US" dirty="0" smtClean="0">
-                  <a:solidFill>
-                    <a:schemeClr val="tx1"/>
-                  </a:solidFill>
-                </a:rPr>
-                <a:t>최영민</a:t>
-              </a:r>
-              <a:endParaRPr lang="ko-KR" altLang="en-US" dirty="0">
-                <a:solidFill>
-                  <a:schemeClr val="tx1"/>
-                </a:solidFill>
-              </a:endParaRPr>
-            </a:p>
-          </p:txBody>
-        </p:sp>
-      </p:grpSp>
-      <p:grpSp>
-        <p:nvGrpSpPr>
-          <p:cNvPr id="21" name="Group 20"/>
-          <p:cNvGrpSpPr/>
-          <p:nvPr/>
-        </p:nvGrpSpPr>
-        <p:grpSpPr>
-          <a:xfrm>
-            <a:off x="3294740" y="1834385"/>
-            <a:ext cx="2743201" cy="3994914"/>
-            <a:chOff x="865413" y="1951264"/>
-            <a:chExt cx="2743201" cy="3994914"/>
-          </a:xfrm>
-        </p:grpSpPr>
-        <p:sp>
-          <p:nvSpPr>
-            <p:cNvPr id="22" name="Rectangle 21"/>
-            <p:cNvSpPr/>
-            <p:nvPr/>
-          </p:nvSpPr>
-          <p:spPr>
-            <a:xfrm>
-              <a:off x="865413" y="2354891"/>
-              <a:ext cx="2743201" cy="3591287"/>
-            </a:xfrm>
-            <a:prstGeom prst="rect">
-              <a:avLst/>
-            </a:prstGeom>
-            <a:solidFill>
-              <a:schemeClr val="bg1"/>
-            </a:solidFill>
-            <a:ln>
-              <a:solidFill>
-                <a:schemeClr val="tx1"/>
-              </a:solidFill>
-            </a:ln>
-          </p:spPr>
-          <p:style>
-            <a:lnRef idx="2">
-              <a:schemeClr val="accent1">
-                <a:shade val="50000"/>
-              </a:schemeClr>
-            </a:lnRef>
-            <a:fillRef idx="1">
-              <a:schemeClr val="accent1"/>
-            </a:fillRef>
-            <a:effectRef idx="0">
-              <a:schemeClr val="accent1"/>
-            </a:effectRef>
-            <a:fontRef idx="minor">
-              <a:schemeClr val="lt1"/>
-            </a:fontRef>
-          </p:style>
-          <p:txBody>
-            <a:bodyPr rtlCol="0" anchor="ctr"/>
-            <a:lstStyle/>
-            <a:p>
-              <a:pPr marL="285750" indent="-285750">
-                <a:buFont typeface="Arial" pitchFamily="34" charset="0"/>
-                <a:buChar char="•"/>
-              </a:pPr>
-              <a:r>
-                <a:rPr lang="ko-KR" altLang="en-US" b="1" dirty="0" smtClean="0">
-                  <a:solidFill>
-                    <a:schemeClr val="tx1"/>
-                  </a:solidFill>
-                </a:rPr>
-                <a:t>애니메이션</a:t>
-              </a:r>
-              <a:endParaRPr lang="en-US" altLang="ko-KR" b="1" dirty="0" smtClean="0">
-                <a:solidFill>
-                  <a:schemeClr val="tx1"/>
-                </a:solidFill>
-              </a:endParaRPr>
-            </a:p>
-            <a:p>
-              <a:pPr marL="285750" indent="-285750">
-                <a:buFont typeface="Arial" pitchFamily="34" charset="0"/>
-                <a:buChar char="•"/>
-              </a:pPr>
-              <a:r>
-                <a:rPr lang="en-US" altLang="ko-KR" b="1" dirty="0" smtClean="0">
-                  <a:solidFill>
-                    <a:schemeClr val="tx1"/>
-                  </a:solidFill>
-                </a:rPr>
-                <a:t>UI </a:t>
-              </a:r>
-              <a:r>
-                <a:rPr lang="ko-KR" altLang="en-US" b="1" dirty="0" smtClean="0">
-                  <a:solidFill>
-                    <a:schemeClr val="tx1"/>
-                  </a:solidFill>
-                </a:rPr>
-                <a:t>디자인</a:t>
-              </a:r>
-              <a:endParaRPr lang="en-US" altLang="ko-KR" b="1" dirty="0">
-                <a:solidFill>
-                  <a:schemeClr val="tx1"/>
-                </a:solidFill>
-              </a:endParaRPr>
-            </a:p>
-            <a:p>
-              <a:pPr marL="285750" indent="-285750">
-                <a:buFont typeface="Arial" pitchFamily="34" charset="0"/>
-                <a:buChar char="•"/>
-              </a:pPr>
-              <a:r>
-                <a:rPr lang="ko-KR" altLang="en-US" b="1" dirty="0" smtClean="0">
-                  <a:solidFill>
-                    <a:schemeClr val="tx1"/>
-                  </a:solidFill>
-                </a:rPr>
-                <a:t>추가 조경물</a:t>
-              </a:r>
-              <a:endParaRPr lang="en-US" altLang="ko-KR" b="1" dirty="0" smtClean="0">
-                <a:solidFill>
-                  <a:schemeClr val="tx1"/>
-                </a:solidFill>
-              </a:endParaRPr>
-            </a:p>
-          </p:txBody>
-        </p:sp>
-        <p:sp>
-          <p:nvSpPr>
-            <p:cNvPr id="23" name="Rounded Rectangle 22"/>
-            <p:cNvSpPr/>
-            <p:nvPr/>
-          </p:nvSpPr>
-          <p:spPr>
-            <a:xfrm>
-              <a:off x="865413" y="1951264"/>
-              <a:ext cx="2743201" cy="403628"/>
-            </a:xfrm>
-            <a:prstGeom prst="roundRect">
-              <a:avLst/>
-            </a:prstGeom>
-            <a:solidFill>
-              <a:schemeClr val="accent2"/>
-            </a:solidFill>
-            <a:ln>
-              <a:solidFill>
-                <a:schemeClr val="tx1"/>
-              </a:solidFill>
-            </a:ln>
-          </p:spPr>
-          <p:style>
-            <a:lnRef idx="2">
-              <a:schemeClr val="accent1">
-                <a:shade val="50000"/>
-              </a:schemeClr>
-            </a:lnRef>
-            <a:fillRef idx="1">
-              <a:schemeClr val="accent1"/>
-            </a:fillRef>
-            <a:effectRef idx="0">
-              <a:schemeClr val="accent1"/>
-            </a:effectRef>
-            <a:fontRef idx="minor">
-              <a:schemeClr val="lt1"/>
-            </a:fontRef>
-          </p:style>
-          <p:txBody>
-            <a:bodyPr rtlCol="0" anchor="ctr"/>
-            <a:lstStyle/>
-            <a:p>
-              <a:pPr algn="ctr"/>
-              <a:r>
-                <a:rPr lang="ko-KR" altLang="en-US" dirty="0" smtClean="0">
-                  <a:solidFill>
-                    <a:schemeClr val="tx1"/>
-                  </a:solidFill>
-                </a:rPr>
-                <a:t>그래픽 </a:t>
-              </a:r>
-              <a:r>
-                <a:rPr lang="en-US" altLang="ko-KR" dirty="0" smtClean="0">
-                  <a:solidFill>
-                    <a:schemeClr val="tx1"/>
-                  </a:solidFill>
-                </a:rPr>
-                <a:t>- </a:t>
-              </a:r>
-              <a:r>
-                <a:rPr lang="ko-KR" altLang="en-US" dirty="0" smtClean="0">
-                  <a:solidFill>
-                    <a:schemeClr val="tx1"/>
-                  </a:solidFill>
-                </a:rPr>
-                <a:t>최영민</a:t>
-              </a:r>
-              <a:endParaRPr lang="ko-KR" altLang="en-US" dirty="0">
-                <a:solidFill>
-                  <a:schemeClr val="tx1"/>
-                </a:solidFill>
-              </a:endParaRPr>
-            </a:p>
-          </p:txBody>
-        </p:sp>
-      </p:grpSp>
-      <p:grpSp>
-        <p:nvGrpSpPr>
-          <p:cNvPr id="24" name="Group 23"/>
-          <p:cNvGrpSpPr/>
-          <p:nvPr/>
-        </p:nvGrpSpPr>
-        <p:grpSpPr>
-          <a:xfrm>
-            <a:off x="6208484" y="1834385"/>
-            <a:ext cx="2743201" cy="3994914"/>
-            <a:chOff x="865413" y="1951264"/>
-            <a:chExt cx="2743201" cy="3994914"/>
-          </a:xfrm>
-        </p:grpSpPr>
-        <p:sp>
-          <p:nvSpPr>
-            <p:cNvPr id="25" name="Rectangle 24"/>
-            <p:cNvSpPr/>
-            <p:nvPr/>
-          </p:nvSpPr>
-          <p:spPr>
-            <a:xfrm>
-              <a:off x="865413" y="2354891"/>
-              <a:ext cx="2743201" cy="3591287"/>
-            </a:xfrm>
-            <a:prstGeom prst="rect">
-              <a:avLst/>
-            </a:prstGeom>
-            <a:solidFill>
-              <a:schemeClr val="bg2">
-                <a:lumMod val="90000"/>
-              </a:schemeClr>
-            </a:solidFill>
-            <a:ln>
-              <a:solidFill>
-                <a:schemeClr val="tx1"/>
-              </a:solidFill>
-            </a:ln>
-          </p:spPr>
-          <p:style>
-            <a:lnRef idx="2">
-              <a:schemeClr val="accent1">
-                <a:shade val="50000"/>
-              </a:schemeClr>
-            </a:lnRef>
-            <a:fillRef idx="1">
-              <a:schemeClr val="accent1"/>
-            </a:fillRef>
-            <a:effectRef idx="0">
-              <a:schemeClr val="accent1"/>
-            </a:effectRef>
-            <a:fontRef idx="minor">
-              <a:schemeClr val="lt1"/>
-            </a:fontRef>
-          </p:style>
-          <p:txBody>
-            <a:bodyPr rtlCol="0" anchor="ctr"/>
-            <a:lstStyle/>
-            <a:p>
-              <a:pPr marL="285750" indent="-285750">
-                <a:buFont typeface="Arial" pitchFamily="34" charset="0"/>
-                <a:buChar char="•"/>
-              </a:pPr>
-              <a:endParaRPr lang="ko-KR" altLang="en-US" dirty="0"/>
-            </a:p>
-          </p:txBody>
-        </p:sp>
-        <p:sp>
-          <p:nvSpPr>
-            <p:cNvPr id="26" name="Rounded Rectangle 25"/>
-            <p:cNvSpPr/>
-            <p:nvPr/>
-          </p:nvSpPr>
-          <p:spPr>
-            <a:xfrm>
-              <a:off x="865413" y="1951264"/>
-              <a:ext cx="2743201" cy="403628"/>
-            </a:xfrm>
-            <a:prstGeom prst="roundRect">
-              <a:avLst/>
-            </a:prstGeom>
-            <a:solidFill>
-              <a:schemeClr val="accent4"/>
-            </a:solidFill>
-            <a:ln>
-              <a:solidFill>
-                <a:schemeClr val="tx1"/>
-              </a:solidFill>
-            </a:ln>
-          </p:spPr>
-          <p:style>
-            <a:lnRef idx="2">
-              <a:schemeClr val="accent1">
-                <a:shade val="50000"/>
-              </a:schemeClr>
-            </a:lnRef>
-            <a:fillRef idx="1">
-              <a:schemeClr val="accent1"/>
-            </a:fillRef>
-            <a:effectRef idx="0">
-              <a:schemeClr val="accent1"/>
-            </a:effectRef>
-            <a:fontRef idx="minor">
-              <a:schemeClr val="lt1"/>
-            </a:fontRef>
-          </p:style>
-          <p:txBody>
-            <a:bodyPr rtlCol="0" anchor="ctr"/>
-            <a:lstStyle/>
-            <a:p>
-              <a:pPr algn="ctr"/>
-              <a:r>
-                <a:rPr lang="ko-KR" altLang="en-US" dirty="0" smtClean="0">
-                  <a:solidFill>
-                    <a:schemeClr val="tx1"/>
-                  </a:solidFill>
-                </a:rPr>
-                <a:t>클라이언트 </a:t>
-              </a:r>
-              <a:r>
-                <a:rPr lang="en-US" altLang="ko-KR" dirty="0" smtClean="0">
-                  <a:solidFill>
-                    <a:schemeClr val="tx1"/>
-                  </a:solidFill>
-                </a:rPr>
-                <a:t>- </a:t>
-              </a:r>
-              <a:r>
-                <a:rPr lang="ko-KR" altLang="en-US" dirty="0" smtClean="0">
-                  <a:solidFill>
-                    <a:schemeClr val="tx1"/>
-                  </a:solidFill>
-                </a:rPr>
-                <a:t>조지훈</a:t>
-              </a:r>
-              <a:endParaRPr lang="ko-KR" altLang="en-US" dirty="0">
-                <a:solidFill>
-                  <a:schemeClr val="tx1"/>
-                </a:solidFill>
-              </a:endParaRPr>
-            </a:p>
-          </p:txBody>
-        </p:sp>
-      </p:grpSp>
-      <p:grpSp>
-        <p:nvGrpSpPr>
-          <p:cNvPr id="27" name="Group 26"/>
-          <p:cNvGrpSpPr/>
-          <p:nvPr/>
-        </p:nvGrpSpPr>
-        <p:grpSpPr>
-          <a:xfrm>
-            <a:off x="9122227" y="1834385"/>
-            <a:ext cx="2743201" cy="3994914"/>
-            <a:chOff x="865413" y="1951264"/>
-            <a:chExt cx="2743201" cy="3994914"/>
-          </a:xfrm>
-        </p:grpSpPr>
-        <p:sp>
-          <p:nvSpPr>
-            <p:cNvPr id="28" name="Rectangle 27"/>
-            <p:cNvSpPr/>
-            <p:nvPr/>
-          </p:nvSpPr>
-          <p:spPr>
-            <a:xfrm>
-              <a:off x="865413" y="2354891"/>
-              <a:ext cx="2743201" cy="3591287"/>
-            </a:xfrm>
-            <a:prstGeom prst="rect">
-              <a:avLst/>
-            </a:prstGeom>
-            <a:solidFill>
-              <a:schemeClr val="bg1"/>
-            </a:solidFill>
-            <a:ln>
-              <a:solidFill>
-                <a:schemeClr val="tx1"/>
-              </a:solidFill>
-            </a:ln>
-          </p:spPr>
-          <p:style>
-            <a:lnRef idx="2">
-              <a:schemeClr val="accent1">
-                <a:shade val="50000"/>
-              </a:schemeClr>
-            </a:lnRef>
-            <a:fillRef idx="1">
-              <a:schemeClr val="accent1"/>
-            </a:fillRef>
-            <a:effectRef idx="0">
-              <a:schemeClr val="accent1"/>
-            </a:effectRef>
-            <a:fontRef idx="minor">
-              <a:schemeClr val="lt1"/>
-            </a:fontRef>
-          </p:style>
-          <p:txBody>
-            <a:bodyPr rtlCol="0" anchor="ctr"/>
-            <a:lstStyle/>
-            <a:p>
-              <a:pPr marL="285750" indent="-285750">
-                <a:buFont typeface="Arial" pitchFamily="34" charset="0"/>
-                <a:buChar char="•"/>
-              </a:pPr>
-              <a:r>
-                <a:rPr lang="ko-KR" altLang="en-US" b="1" dirty="0" smtClean="0">
-                  <a:solidFill>
-                    <a:schemeClr val="tx1"/>
-                  </a:solidFill>
-                </a:rPr>
-                <a:t>대전시스템 </a:t>
-              </a:r>
-              <a:r>
-                <a:rPr lang="en-US" altLang="ko-KR" b="1" dirty="0" smtClean="0">
-                  <a:solidFill>
-                    <a:schemeClr val="tx1"/>
-                  </a:solidFill>
-                </a:rPr>
-                <a:t>DB </a:t>
-              </a:r>
-              <a:r>
-                <a:rPr lang="ko-KR" altLang="en-US" b="1" dirty="0" smtClean="0">
-                  <a:solidFill>
-                    <a:schemeClr val="tx1"/>
-                  </a:solidFill>
-                </a:rPr>
-                <a:t>설</a:t>
-              </a:r>
-              <a:r>
-                <a:rPr lang="ko-KR" altLang="en-US" b="1" dirty="0">
-                  <a:solidFill>
-                    <a:schemeClr val="tx1"/>
-                  </a:solidFill>
-                </a:rPr>
-                <a:t>계</a:t>
-              </a:r>
-              <a:endParaRPr lang="en-US" altLang="ko-KR" b="1" dirty="0" smtClean="0">
-                <a:solidFill>
-                  <a:schemeClr val="tx1"/>
-                </a:solidFill>
-              </a:endParaRPr>
-            </a:p>
-            <a:p>
-              <a:pPr marL="285750" indent="-285750">
-                <a:buFont typeface="Arial" pitchFamily="34" charset="0"/>
-                <a:buChar char="•"/>
-              </a:pPr>
-              <a:r>
-                <a:rPr lang="ko-KR" altLang="en-US" b="1" dirty="0" smtClean="0">
-                  <a:solidFill>
-                    <a:schemeClr val="tx1"/>
-                  </a:solidFill>
-                </a:rPr>
-                <a:t>유저 </a:t>
-              </a:r>
-              <a:r>
-                <a:rPr lang="ko-KR" altLang="en-US" b="1" dirty="0">
-                  <a:solidFill>
-                    <a:schemeClr val="tx1"/>
-                  </a:solidFill>
-                </a:rPr>
-                <a:t>분석 </a:t>
-              </a:r>
-              <a:r>
-                <a:rPr lang="en-US" altLang="ko-KR" b="1" dirty="0">
-                  <a:solidFill>
-                    <a:schemeClr val="tx1"/>
-                  </a:solidFill>
-                </a:rPr>
-                <a:t>DB </a:t>
-              </a:r>
-              <a:r>
-                <a:rPr lang="ko-KR" altLang="en-US" b="1" dirty="0" smtClean="0">
-                  <a:solidFill>
-                    <a:schemeClr val="tx1"/>
-                  </a:solidFill>
-                </a:rPr>
-                <a:t>설</a:t>
-              </a:r>
-              <a:r>
-                <a:rPr lang="ko-KR" altLang="en-US" b="1" dirty="0">
-                  <a:solidFill>
-                    <a:schemeClr val="tx1"/>
-                  </a:solidFill>
-                </a:rPr>
-                <a:t>계</a:t>
-              </a:r>
-              <a:endParaRPr lang="en-US" altLang="ko-KR" b="1" dirty="0">
-                <a:solidFill>
-                  <a:schemeClr val="tx1"/>
-                </a:solidFill>
-              </a:endParaRPr>
-            </a:p>
-            <a:p>
-              <a:pPr marL="285750" indent="-285750">
-                <a:buFont typeface="Arial" pitchFamily="34" charset="0"/>
-                <a:buChar char="•"/>
-              </a:pPr>
-              <a:r>
-                <a:rPr lang="ko-KR" altLang="en-US" b="1" dirty="0" smtClean="0">
-                  <a:solidFill>
-                    <a:schemeClr val="tx1"/>
-                  </a:solidFill>
-                </a:rPr>
-                <a:t>서버 보안</a:t>
-              </a:r>
-              <a:endParaRPr lang="en-US" altLang="ko-KR" b="1" dirty="0">
-                <a:solidFill>
-                  <a:schemeClr val="tx1"/>
-                </a:solidFill>
-              </a:endParaRPr>
-            </a:p>
-            <a:p>
-              <a:pPr marL="285750" indent="-285750">
-                <a:buFont typeface="Arial" pitchFamily="34" charset="0"/>
-                <a:buChar char="•"/>
-              </a:pPr>
-              <a:r>
-                <a:rPr lang="en-US" altLang="ko-KR" b="1" dirty="0" smtClean="0">
-                  <a:solidFill>
-                    <a:schemeClr val="tx1"/>
-                  </a:solidFill>
-                </a:rPr>
-                <a:t>IBM </a:t>
-              </a:r>
-              <a:r>
-                <a:rPr lang="ko-KR" altLang="en-US" b="1" dirty="0" smtClean="0">
-                  <a:solidFill>
-                    <a:schemeClr val="tx1"/>
-                  </a:solidFill>
-                </a:rPr>
-                <a:t>클라우드 서버  연계</a:t>
               </a:r>
               <a:endParaRPr lang="en-US" altLang="ko-KR" b="1" dirty="0">
                 <a:solidFill>

--- a/기획문서/중간발표/Aww_중간발표.pptx
+++ b/기획문서/중간발표/Aww_중간발표.pptx
@@ -132,7 +132,7 @@
   </p:defaultTextStyle>
   <p:extLst>
     <p:ext uri="{EFAFB233-063F-42B5-8137-9DF3F51BA10A}">
-      <p15:sldGuideLst xmlns:p15="http://schemas.microsoft.com/office/powerpoint/2012/main" xmlns="">
+      <p15:sldGuideLst xmlns:p15="http://schemas.microsoft.com/office/powerpoint/2012/main">
         <p15:guide id="1" orient="horz" pos="2160">
           <p15:clr>
             <a:srgbClr val="A4A3A4"/>
@@ -461,35 +461,35 @@
           <a:p>
             <a:pPr lvl="0"/>
             <a:r>
-              <a:rPr lang="en-US" altLang="ko-KR" smtClean="0"/>
+              <a:rPr lang="en-US" altLang="ko-KR"/>
               <a:t>Click to edit Master text styles</a:t>
             </a:r>
           </a:p>
           <a:p>
             <a:pPr lvl="1"/>
             <a:r>
-              <a:rPr lang="en-US" altLang="ko-KR" smtClean="0"/>
+              <a:rPr lang="en-US" altLang="ko-KR"/>
               <a:t>Second level</a:t>
             </a:r>
           </a:p>
           <a:p>
             <a:pPr lvl="2"/>
             <a:r>
-              <a:rPr lang="en-US" altLang="ko-KR" smtClean="0"/>
+              <a:rPr lang="en-US" altLang="ko-KR"/>
               <a:t>Third level</a:t>
             </a:r>
           </a:p>
           <a:p>
             <a:pPr lvl="3"/>
             <a:r>
-              <a:rPr lang="en-US" altLang="ko-KR" smtClean="0"/>
+              <a:rPr lang="en-US" altLang="ko-KR"/>
               <a:t>Fourth level</a:t>
             </a:r>
           </a:p>
           <a:p>
             <a:pPr lvl="4"/>
             <a:r>
-              <a:rPr lang="en-US" altLang="ko-KR" smtClean="0"/>
+              <a:rPr lang="en-US" altLang="ko-KR"/>
               <a:t>Fifth level</a:t>
             </a:r>
             <a:endParaRPr lang="ko-KR" altLang="en-US"/>
@@ -3635,20 +3635,12 @@
           <a:p>
             <a:pPr algn="l"/>
             <a:r>
-              <a:rPr lang="ko-KR" altLang="en-US" dirty="0" smtClean="0">
-                <a:solidFill>
-                  <a:schemeClr val="tx1"/>
-                </a:solidFill>
-              </a:rPr>
-              <a:t>졸업연구 </a:t>
-            </a:r>
-            <a:r>
               <a:rPr lang="ko-KR" altLang="en-US" dirty="0">
                 <a:solidFill>
                   <a:schemeClr val="tx1"/>
                 </a:solidFill>
               </a:rPr>
-              <a:t>중간발표</a:t>
+              <a:t>졸업연구 중간발표</a:t>
             </a:r>
             <a:endParaRPr lang="en-US" altLang="ko-KR" dirty="0">
               <a:solidFill>
@@ -3659,7 +3651,7 @@
           <a:p>
             <a:pPr algn="l"/>
             <a:r>
-              <a:rPr lang="ko-KR" altLang="en-US" b="1" i="1" dirty="0" smtClean="0">
+              <a:rPr lang="ko-KR" altLang="en-US" b="1" i="1" dirty="0">
                 <a:solidFill>
                   <a:schemeClr val="tx1"/>
                 </a:solidFill>
@@ -3667,7 +3659,7 @@
               <a:t>      </a:t>
             </a:r>
             <a:r>
-              <a:rPr lang="ko-KR" altLang="en-US" b="1" i="1" u="sng" dirty="0" smtClean="0">
+              <a:rPr lang="ko-KR" altLang="en-US" b="1" i="1" u="sng" dirty="0">
                 <a:solidFill>
                   <a:schemeClr val="tx1"/>
                 </a:solidFill>
@@ -3675,7 +3667,7 @@
               <a:t>김경철</a:t>
             </a:r>
             <a:r>
-              <a:rPr lang="ko-KR" altLang="en-US" b="1" i="1" u="sng" dirty="0" smtClean="0"/>
+              <a:rPr lang="ko-KR" altLang="en-US" b="1" i="1" u="sng" dirty="0"/>
               <a:t>교수님</a:t>
             </a:r>
             <a:endParaRPr lang="en-US" altLang="ko-KR" b="1" i="1" u="sng" dirty="0">
@@ -3687,7 +3679,7 @@
           <a:p>
             <a:pPr algn="r"/>
             <a:r>
-              <a:rPr lang="en-US" altLang="ko-KR" b="1" dirty="0" smtClean="0">
+              <a:rPr lang="en-US" altLang="ko-KR" b="1" dirty="0">
                 <a:solidFill>
                   <a:schemeClr val="tx1"/>
                 </a:solidFill>
@@ -3695,7 +3687,7 @@
               <a:t>2011182045 </a:t>
             </a:r>
             <a:r>
-              <a:rPr lang="ko-KR" altLang="en-US" b="1" dirty="0" smtClean="0">
+              <a:rPr lang="ko-KR" altLang="en-US" b="1" dirty="0">
                 <a:solidFill>
                   <a:schemeClr val="tx1"/>
                 </a:solidFill>
@@ -3711,11 +3703,11 @@
           <a:p>
             <a:pPr algn="r"/>
             <a:r>
-              <a:rPr lang="en-US" altLang="ko-KR" b="1" dirty="0" smtClean="0"/>
+              <a:rPr lang="en-US" altLang="ko-KR" b="1" dirty="0"/>
               <a:t>2011182035 </a:t>
             </a:r>
             <a:r>
-              <a:rPr lang="ko-KR" altLang="en-US" b="1" dirty="0" smtClean="0">
+              <a:rPr lang="ko-KR" altLang="en-US" b="1" dirty="0">
                 <a:solidFill>
                   <a:schemeClr val="tx1"/>
                 </a:solidFill>
@@ -3731,7 +3723,7 @@
           <a:p>
             <a:pPr algn="r"/>
             <a:r>
-              <a:rPr lang="en-US" altLang="ko-KR" b="1" dirty="0" smtClean="0">
+              <a:rPr lang="en-US" altLang="ko-KR" b="1" dirty="0">
                 <a:solidFill>
                   <a:schemeClr val="tx1"/>
                 </a:solidFill>
@@ -3739,18 +3731,13 @@
               <a:t>2011182048 </a:t>
             </a:r>
             <a:r>
-              <a:rPr lang="ko-KR" altLang="en-US" b="1" dirty="0" smtClean="0">
+              <a:rPr lang="ko-KR" altLang="en-US" b="1" dirty="0">
                 <a:solidFill>
                   <a:schemeClr val="tx1"/>
                 </a:solidFill>
               </a:rPr>
               <a:t>조지훈</a:t>
             </a:r>
-            <a:endParaRPr lang="ko-KR" altLang="en-US" b="1" dirty="0">
-              <a:solidFill>
-                <a:schemeClr val="tx1"/>
-              </a:solidFill>
-            </a:endParaRPr>
           </a:p>
         </p:txBody>
       </p:sp>
@@ -3830,13 +3817,6 @@
   <p:clrMapOvr>
     <a:masterClrMapping/>
   </p:clrMapOvr>
-  <p:timing>
-    <p:tnLst>
-      <p:par>
-        <p:cTn id="1" dur="indefinite" restart="never" nodeType="tmRoot"/>
-      </p:par>
-    </p:tnLst>
-  </p:timing>
 </p:sld>
 </file>
 
@@ -3874,32 +3854,24 @@
           </a:bodyPr>
           <a:lstStyle/>
           <a:p>
-            <a:r>
-              <a:rPr lang="en-US" altLang="ko-KR" b="1" dirty="0"/>
-              <a:t/>
-            </a:r>
             <a:br>
               <a:rPr lang="en-US" altLang="ko-KR" b="1" dirty="0"/>
             </a:br>
             <a:r>
-              <a:rPr lang="en-US" altLang="ko-KR" b="1" dirty="0" smtClean="0"/>
+              <a:rPr lang="en-US" altLang="ko-KR" b="1" dirty="0"/>
               <a:t>6. </a:t>
             </a:r>
             <a:r>
-              <a:rPr lang="ko-KR" altLang="en-US" b="1" dirty="0" smtClean="0"/>
+              <a:rPr lang="ko-KR" altLang="en-US" b="1" dirty="0"/>
               <a:t>추후 보완</a:t>
             </a:r>
             <a:r>
-              <a:rPr lang="en-US" altLang="ko-KR" b="1" dirty="0" smtClean="0"/>
+              <a:rPr lang="en-US" altLang="ko-KR" b="1" dirty="0"/>
               <a:t>,</a:t>
             </a:r>
             <a:r>
-              <a:rPr lang="ko-KR" altLang="en-US" b="1" dirty="0" smtClean="0"/>
+              <a:rPr lang="ko-KR" altLang="en-US" b="1" dirty="0"/>
               <a:t>추가 개발점</a:t>
-            </a:r>
-            <a:r>
-              <a:rPr lang="en-US" altLang="ko-KR" b="1" dirty="0"/>
-              <a:t/>
             </a:r>
             <a:br>
               <a:rPr lang="en-US" altLang="ko-KR" b="1" dirty="0"/>
@@ -3979,29 +3951,6 @@
             <a:bodyPr rtlCol="0" anchor="ctr"/>
             <a:lstStyle/>
             <a:p>
-              <a:pPr marL="285750" indent="-285750">
-                <a:buFont typeface="Arial" pitchFamily="34" charset="0"/>
-                <a:buChar char="•"/>
-              </a:pPr>
-              <a:r>
-                <a:rPr lang="ko-KR" altLang="en-US" b="1" dirty="0" smtClean="0"/>
-                <a:t>시스템 개별 기획서</a:t>
-              </a:r>
-              <a:endParaRPr lang="en-US" altLang="ko-KR" b="1" dirty="0" smtClean="0"/>
-            </a:p>
-            <a:p>
-              <a:pPr marL="285750" indent="-285750">
-                <a:buFont typeface="Arial" pitchFamily="34" charset="0"/>
-                <a:buChar char="•"/>
-              </a:pPr>
-              <a:r>
-                <a:rPr lang="en-US" altLang="ko-KR" b="1" dirty="0" smtClean="0"/>
-                <a:t>UX/UI </a:t>
-              </a:r>
-              <a:r>
-                <a:rPr lang="ko-KR" altLang="en-US" b="1" dirty="0"/>
-                <a:t>기획서 작성</a:t>
-              </a:r>
               <a:endParaRPr lang="en-US" altLang="ko-KR" b="1" dirty="0"/>
             </a:p>
             <a:p>
@@ -4010,30 +3959,14 @@
                 <a:buChar char="•"/>
               </a:pPr>
               <a:r>
+                <a:rPr lang="en-US" altLang="ko-KR" b="1" dirty="0"/>
+                <a:t>UX/UI </a:t>
+              </a:r>
+              <a:r>
                 <a:rPr lang="ko-KR" altLang="en-US" b="1" dirty="0"/>
-                <a:t>사운드</a:t>
-              </a:r>
-              <a:r>
-                <a:rPr lang="en-US" altLang="ko-KR" b="1" dirty="0"/>
-                <a:t>,</a:t>
-              </a:r>
-              <a:r>
-                <a:rPr lang="ko-KR" altLang="en-US" b="1" dirty="0"/>
-                <a:t>이펙트</a:t>
-              </a:r>
-              <a:r>
-                <a:rPr lang="en-US" altLang="ko-KR" b="1" dirty="0"/>
-                <a:t>,</a:t>
-              </a:r>
-              <a:r>
-                <a:rPr lang="ko-KR" altLang="en-US" b="1" dirty="0"/>
-                <a:t>애니메이션 </a:t>
-              </a:r>
-              <a:r>
-                <a:rPr lang="ko-KR" altLang="en-US" b="1" dirty="0" smtClean="0"/>
-                <a:t>기획</a:t>
-              </a:r>
-              <a:endParaRPr lang="en-US" altLang="ko-KR" b="1" dirty="0" smtClean="0"/>
+                <a:t>기획서 작성</a:t>
+              </a:r>
+              <a:endParaRPr lang="en-US" altLang="ko-KR" b="1" dirty="0"/>
             </a:p>
             <a:p>
               <a:pPr marL="285750" indent="-285750">
@@ -4041,13 +3974,26 @@
                 <a:buChar char="•"/>
               </a:pPr>
               <a:r>
-                <a:rPr lang="ko-KR" altLang="en-US" b="1" dirty="0" smtClean="0"/>
-                <a:t>레벨 디자인</a:t>
-              </a:r>
-              <a:r>
-                <a:rPr lang="en-US" altLang="ko-KR" b="1" dirty="0" smtClean="0"/>
-                <a:t> </a:t>
-              </a:r>
+                <a:rPr lang="ko-KR" altLang="en-US" b="1" dirty="0"/>
+                <a:t>사운드</a:t>
+              </a:r>
+              <a:r>
+                <a:rPr lang="en-US" altLang="ko-KR" b="1" dirty="0"/>
+                <a:t>,</a:t>
+              </a:r>
+              <a:r>
+                <a:rPr lang="ko-KR" altLang="en-US" b="1" dirty="0"/>
+                <a:t>이펙트</a:t>
+              </a:r>
+              <a:r>
+                <a:rPr lang="en-US" altLang="ko-KR" b="1" dirty="0"/>
+                <a:t>,</a:t>
+              </a:r>
+              <a:r>
+                <a:rPr lang="ko-KR" altLang="en-US" b="1" dirty="0"/>
+                <a:t>애니메이션 기획</a:t>
+              </a:r>
+              <a:endParaRPr lang="en-US" altLang="ko-KR" b="1" dirty="0"/>
             </a:p>
             <a:p>
               <a:pPr marL="285750" indent="-285750">
@@ -4055,10 +4001,13 @@
                 <a:buChar char="•"/>
               </a:pPr>
               <a:r>
-                <a:rPr lang="ko-KR" altLang="en-US" b="1" dirty="0" smtClean="0"/>
-                <a:t>수치 디자인</a:t>
-              </a:r>
-              <a:endParaRPr lang="en-US" altLang="ko-KR" b="1" dirty="0" smtClean="0"/>
+                <a:rPr lang="ko-KR" altLang="en-US" b="1" dirty="0"/>
+                <a:t>레벨 디자인</a:t>
+              </a:r>
+              <a:r>
+                <a:rPr lang="en-US" altLang="ko-KR" b="1" dirty="0"/>
+                <a:t> </a:t>
+              </a:r>
             </a:p>
             <a:p>
               <a:pPr marL="285750" indent="-285750">
@@ -4066,11 +4015,11 @@
                 <a:buChar char="•"/>
               </a:pPr>
               <a:r>
-                <a:rPr lang="en-US" altLang="ko-KR" b="1" dirty="0" smtClean="0"/>
+                <a:rPr lang="en-US" altLang="ko-KR" b="1" dirty="0"/>
                 <a:t>BM</a:t>
               </a:r>
               <a:r>
-                <a:rPr lang="ko-KR" altLang="en-US" b="1" dirty="0" smtClean="0"/>
+                <a:rPr lang="ko-KR" altLang="en-US" b="1" dirty="0"/>
                 <a:t> 재설계</a:t>
               </a:r>
               <a:endParaRPr lang="en-US" altLang="ko-KR" b="1" dirty="0"/>
@@ -4122,7 +4071,7 @@
             <a:p>
               <a:pPr algn="ctr"/>
               <a:r>
-                <a:rPr lang="ko-KR" altLang="en-US" dirty="0" smtClean="0">
+                <a:rPr lang="ko-KR" altLang="en-US" dirty="0">
                   <a:solidFill>
                     <a:schemeClr val="tx1"/>
                   </a:solidFill>
@@ -4135,29 +4084,16 @@
                     <a:schemeClr val="tx1"/>
                   </a:solidFill>
                 </a:rPr>
-                <a:t> </a:t>
-              </a:r>
-              <a:r>
-                <a:rPr lang="en-US" altLang="ko-KR" dirty="0" smtClean="0">
-                  <a:solidFill>
-                    <a:schemeClr val="tx1"/>
-                  </a:solidFill>
-                </a:rPr>
-                <a:t>- </a:t>
-              </a:r>
-              <a:r>
-                <a:rPr lang="ko-KR" altLang="en-US" dirty="0" smtClean="0">
+                <a:t> - </a:t>
+              </a:r>
+              <a:r>
+                <a:rPr lang="ko-KR" altLang="en-US" dirty="0">
                   <a:solidFill>
                     <a:schemeClr val="tx1"/>
                   </a:solidFill>
                 </a:rPr>
                 <a:t>최영민</a:t>
               </a:r>
-              <a:endParaRPr lang="ko-KR" altLang="en-US" dirty="0">
-                <a:solidFill>
-                  <a:schemeClr val="tx1"/>
-                </a:solidFill>
-              </a:endParaRPr>
             </a:p>
           </p:txBody>
         </p:sp>
@@ -4224,39 +4160,12 @@
                 <a:buChar char="•"/>
               </a:pPr>
               <a:r>
-                <a:rPr lang="ko-KR" altLang="en-US" b="1" dirty="0" smtClean="0">
+                <a:rPr lang="ko-KR" altLang="en-US" b="1" dirty="0">
                   <a:solidFill>
                     <a:schemeClr val="tx1"/>
                   </a:solidFill>
                 </a:rPr>
                 <a:t>애니메이션</a:t>
-              </a:r>
-              <a:endParaRPr lang="en-US" altLang="ko-KR" b="1" dirty="0" smtClean="0">
-                <a:solidFill>
-                  <a:schemeClr val="tx1"/>
-                </a:solidFill>
-              </a:endParaRPr>
-            </a:p>
-            <a:p>
-              <a:pPr marL="285750" indent="-285750">
-                <a:buFont typeface="Arial" pitchFamily="34" charset="0"/>
-                <a:buChar char="•"/>
-              </a:pPr>
-              <a:r>
-                <a:rPr lang="en-US" altLang="ko-KR" b="1" dirty="0" smtClean="0">
-                  <a:solidFill>
-                    <a:schemeClr val="tx1"/>
-                  </a:solidFill>
-                </a:rPr>
-                <a:t>UI </a:t>
-              </a:r>
-              <a:r>
-                <a:rPr lang="ko-KR" altLang="en-US" b="1" dirty="0" smtClean="0">
-                  <a:solidFill>
-                    <a:schemeClr val="tx1"/>
-                  </a:solidFill>
-                </a:rPr>
-                <a:t>디자인</a:t>
               </a:r>
               <a:endParaRPr lang="en-US" altLang="ko-KR" b="1" dirty="0">
                 <a:solidFill>
@@ -4270,14 +4179,41 @@
                 <a:buChar char="•"/>
               </a:pPr>
               <a:r>
-                <a:rPr lang="ko-KR" altLang="en-US" b="1" dirty="0" smtClean="0">
+                <a:rPr lang="en-US" altLang="ko-KR" b="1" dirty="0">
+                  <a:solidFill>
+                    <a:schemeClr val="tx1"/>
+                  </a:solidFill>
+                </a:rPr>
+                <a:t>UI </a:t>
+              </a:r>
+              <a:r>
+                <a:rPr lang="ko-KR" altLang="en-US" b="1" dirty="0">
+                  <a:solidFill>
+                    <a:schemeClr val="tx1"/>
+                  </a:solidFill>
+                </a:rPr>
+                <a:t>디자인</a:t>
+              </a:r>
+              <a:endParaRPr lang="en-US" altLang="ko-KR" b="1" dirty="0">
+                <a:solidFill>
+                  <a:schemeClr val="tx1"/>
+                </a:solidFill>
+              </a:endParaRPr>
+            </a:p>
+            <a:p>
+              <a:pPr marL="285750" indent="-285750">
+                <a:buFont typeface="Arial" pitchFamily="34" charset="0"/>
+                <a:buChar char="•"/>
+              </a:pPr>
+              <a:r>
+                <a:rPr lang="ko-KR" altLang="en-US" b="1" dirty="0">
                   <a:solidFill>
                     <a:schemeClr val="tx1"/>
                   </a:solidFill>
                 </a:rPr>
                 <a:t>추가 조경물</a:t>
               </a:r>
-              <a:endParaRPr lang="en-US" altLang="ko-KR" b="1" dirty="0" smtClean="0">
+              <a:endParaRPr lang="en-US" altLang="ko-KR" b="1" dirty="0">
                 <a:solidFill>
                   <a:schemeClr val="tx1"/>
                 </a:solidFill>
@@ -4330,7 +4266,7 @@
             <a:p>
               <a:pPr algn="ctr"/>
               <a:r>
-                <a:rPr lang="ko-KR" altLang="en-US" dirty="0" smtClean="0">
+                <a:rPr lang="ko-KR" altLang="en-US" dirty="0">
                   <a:solidFill>
                     <a:schemeClr val="tx1"/>
                   </a:solidFill>
@@ -4338,7 +4274,7 @@
                 <a:t>그래픽 </a:t>
               </a:r>
               <a:r>
-                <a:rPr lang="en-US" altLang="ko-KR" dirty="0" smtClean="0">
+                <a:rPr lang="en-US" altLang="ko-KR" dirty="0">
                   <a:solidFill>
                     <a:schemeClr val="tx1"/>
                   </a:solidFill>
@@ -4346,18 +4282,13 @@
                 <a:t>- </a:t>
               </a:r>
               <a:r>
-                <a:rPr lang="ko-KR" altLang="en-US" dirty="0" smtClean="0">
+                <a:rPr lang="ko-KR" altLang="en-US" dirty="0">
                   <a:solidFill>
                     <a:schemeClr val="tx1"/>
                   </a:solidFill>
                 </a:rPr>
                 <a:t>최영민</a:t>
               </a:r>
-              <a:endParaRPr lang="ko-KR" altLang="en-US" dirty="0">
-                <a:solidFill>
-                  <a:schemeClr val="tx1"/>
-                </a:solidFill>
-              </a:endParaRPr>
             </a:p>
           </p:txBody>
         </p:sp>
@@ -4424,47 +4355,12 @@
                 <a:buChar char="•"/>
               </a:pPr>
               <a:r>
-                <a:rPr lang="ko-KR" altLang="en-US" b="1" dirty="0" smtClean="0">
+                <a:rPr lang="ko-KR" altLang="en-US" b="1" dirty="0">
                   <a:solidFill>
                     <a:schemeClr val="tx1"/>
                   </a:solidFill>
                 </a:rPr>
                 <a:t>스킬 로직 구현</a:t>
-              </a:r>
-              <a:endParaRPr lang="en-US" altLang="ko-KR" b="1" dirty="0" smtClean="0">
-                <a:solidFill>
-                  <a:schemeClr val="tx1"/>
-                </a:solidFill>
-              </a:endParaRPr>
-            </a:p>
-            <a:p>
-              <a:pPr marL="285750" indent="-285750">
-                <a:buFont typeface="Arial" pitchFamily="34" charset="0"/>
-                <a:buChar char="•"/>
-              </a:pPr>
-              <a:r>
-                <a:rPr lang="ko-KR" altLang="en-US" b="1" dirty="0" smtClean="0">
-                  <a:solidFill>
-                    <a:schemeClr val="tx1"/>
-                  </a:solidFill>
-                </a:rPr>
-                <a:t>보스 </a:t>
-              </a:r>
-              <a:r>
-                <a:rPr lang="en-US" altLang="ko-KR" b="1" dirty="0" smtClean="0">
-                  <a:solidFill>
-                    <a:schemeClr val="tx1"/>
-                  </a:solidFill>
-                </a:rPr>
-                <a:t>AI </a:t>
-              </a:r>
-              <a:r>
-                <a:rPr lang="ko-KR" altLang="en-US" b="1" dirty="0" smtClean="0">
-                  <a:solidFill>
-                    <a:schemeClr val="tx1"/>
-                  </a:solidFill>
-                </a:rPr>
-                <a:t>구현</a:t>
               </a:r>
               <a:endParaRPr lang="en-US" altLang="ko-KR" b="1" dirty="0">
                 <a:solidFill>
@@ -4478,14 +4374,30 @@
                 <a:buChar char="•"/>
               </a:pPr>
               <a:r>
-                <a:rPr lang="ko-KR" altLang="en-US" b="1" dirty="0" smtClean="0">
+                <a:rPr lang="ko-KR" altLang="en-US" b="1" dirty="0">
                   <a:solidFill>
                     <a:schemeClr val="tx1"/>
                   </a:solidFill>
                 </a:rPr>
-                <a:t>드로우콜 저하</a:t>
-              </a:r>
-              <a:endParaRPr lang="en-US" altLang="ko-KR" b="1" dirty="0" smtClean="0">
+                <a:t>보스 </a:t>
+              </a:r>
+              <a:r>
+                <a:rPr lang="en-US" altLang="ko-KR" b="1" dirty="0">
+                  <a:solidFill>
+                    <a:schemeClr val="tx1"/>
+                  </a:solidFill>
+                </a:rPr>
+                <a:t>AI </a:t>
+              </a:r>
+              <a:r>
+                <a:rPr lang="ko-KR" altLang="en-US" b="1" dirty="0">
+                  <a:solidFill>
+                    <a:schemeClr val="tx1"/>
+                  </a:solidFill>
+                </a:rPr>
+                <a:t>구현</a:t>
+              </a:r>
+              <a:endParaRPr lang="en-US" altLang="ko-KR" b="1" dirty="0">
                 <a:solidFill>
                   <a:schemeClr val="tx1"/>
                 </a:solidFill>
@@ -4497,7 +4409,26 @@
                 <a:buChar char="•"/>
               </a:pPr>
               <a:r>
-                <a:rPr lang="ko-KR" altLang="en-US" b="1" dirty="0" smtClean="0">
+                <a:rPr lang="ko-KR" altLang="en-US" b="1" dirty="0">
+                  <a:solidFill>
+                    <a:schemeClr val="tx1"/>
+                  </a:solidFill>
+                </a:rPr>
+                <a:t>드로우콜 저하</a:t>
+              </a:r>
+              <a:endParaRPr lang="en-US" altLang="ko-KR" b="1" dirty="0">
+                <a:solidFill>
+                  <a:schemeClr val="tx1"/>
+                </a:solidFill>
+              </a:endParaRPr>
+            </a:p>
+            <a:p>
+              <a:pPr marL="285750" indent="-285750">
+                <a:buFont typeface="Arial" pitchFamily="34" charset="0"/>
+                <a:buChar char="•"/>
+              </a:pPr>
+              <a:r>
+                <a:rPr lang="ko-KR" altLang="en-US" b="1" dirty="0">
                   <a:solidFill>
                     <a:schemeClr val="tx1"/>
                   </a:solidFill>
@@ -4564,7 +4495,7 @@
             <a:p>
               <a:pPr algn="ctr"/>
               <a:r>
-                <a:rPr lang="ko-KR" altLang="en-US" dirty="0" smtClean="0">
+                <a:rPr lang="ko-KR" altLang="en-US" dirty="0">
                   <a:solidFill>
                     <a:schemeClr val="tx1"/>
                   </a:solidFill>
@@ -4572,7 +4503,7 @@
                 <a:t>클라이언트 </a:t>
               </a:r>
               <a:r>
-                <a:rPr lang="en-US" altLang="ko-KR" dirty="0" smtClean="0">
+                <a:rPr lang="en-US" altLang="ko-KR" dirty="0">
                   <a:solidFill>
                     <a:schemeClr val="tx1"/>
                   </a:solidFill>
@@ -4580,18 +4511,13 @@
                 <a:t>- </a:t>
               </a:r>
               <a:r>
-                <a:rPr lang="ko-KR" altLang="en-US" dirty="0" smtClean="0">
+                <a:rPr lang="ko-KR" altLang="en-US" dirty="0">
                   <a:solidFill>
                     <a:schemeClr val="tx1"/>
                   </a:solidFill>
                 </a:rPr>
                 <a:t>조지훈</a:t>
               </a:r>
-              <a:endParaRPr lang="ko-KR" altLang="en-US" dirty="0">
-                <a:solidFill>
-                  <a:schemeClr val="tx1"/>
-                </a:solidFill>
-              </a:endParaRPr>
             </a:p>
           </p:txBody>
         </p:sp>
@@ -4658,63 +4584,12 @@
                 <a:buChar char="•"/>
               </a:pPr>
               <a:r>
-                <a:rPr lang="ko-KR" altLang="en-US" b="1" dirty="0" smtClean="0">
+                <a:rPr lang="ko-KR" altLang="en-US" b="1" dirty="0">
                   <a:solidFill>
                     <a:schemeClr val="tx1"/>
                   </a:solidFill>
                 </a:rPr>
                 <a:t>대전시스템 </a:t>
-              </a:r>
-              <a:r>
-                <a:rPr lang="en-US" altLang="ko-KR" b="1" dirty="0" smtClean="0">
-                  <a:solidFill>
-                    <a:schemeClr val="tx1"/>
-                  </a:solidFill>
-                </a:rPr>
-                <a:t>DB </a:t>
-              </a:r>
-              <a:r>
-                <a:rPr lang="ko-KR" altLang="en-US" b="1" dirty="0" smtClean="0">
-                  <a:solidFill>
-                    <a:schemeClr val="tx1"/>
-                  </a:solidFill>
-                </a:rPr>
-                <a:t>설</a:t>
-              </a:r>
-              <a:r>
-                <a:rPr lang="ko-KR" altLang="en-US" b="1" dirty="0">
-                  <a:solidFill>
-                    <a:schemeClr val="tx1"/>
-                  </a:solidFill>
-                </a:rPr>
-                <a:t>계</a:t>
-              </a:r>
-              <a:endParaRPr lang="en-US" altLang="ko-KR" b="1" dirty="0" smtClean="0">
-                <a:solidFill>
-                  <a:schemeClr val="tx1"/>
-                </a:solidFill>
-              </a:endParaRPr>
-            </a:p>
-            <a:p>
-              <a:pPr marL="285750" indent="-285750">
-                <a:buFont typeface="Arial" pitchFamily="34" charset="0"/>
-                <a:buChar char="•"/>
-              </a:pPr>
-              <a:r>
-                <a:rPr lang="ko-KR" altLang="en-US" b="1" dirty="0" smtClean="0">
-                  <a:solidFill>
-                    <a:schemeClr val="tx1"/>
-                  </a:solidFill>
-                </a:rPr>
-                <a:t>유저 </a:t>
-              </a:r>
-              <a:r>
-                <a:rPr lang="ko-KR" altLang="en-US" b="1" dirty="0">
-                  <a:solidFill>
-                    <a:schemeClr val="tx1"/>
-                  </a:solidFill>
-                </a:rPr>
-                <a:t>분석 </a:t>
               </a:r>
               <a:r>
                 <a:rPr lang="en-US" altLang="ko-KR" b="1" dirty="0">
@@ -4725,20 +4600,12 @@
                 <a:t>DB </a:t>
               </a:r>
               <a:r>
-                <a:rPr lang="ko-KR" altLang="en-US" b="1" dirty="0" smtClean="0">
-                  <a:solidFill>
-                    <a:schemeClr val="tx1"/>
-                  </a:solidFill>
-                </a:rPr>
-                <a:t>설</a:t>
-              </a:r>
-              <a:r>
                 <a:rPr lang="ko-KR" altLang="en-US" b="1" dirty="0">
                   <a:solidFill>
                     <a:schemeClr val="tx1"/>
                   </a:solidFill>
                 </a:rPr>
-                <a:t>계</a:t>
+                <a:t>설계</a:t>
               </a:r>
               <a:endParaRPr lang="en-US" altLang="ko-KR" b="1" dirty="0">
                 <a:solidFill>
@@ -4752,12 +4619,28 @@
                 <a:buChar char="•"/>
               </a:pPr>
               <a:r>
-                <a:rPr lang="ko-KR" altLang="en-US" b="1" dirty="0" smtClean="0">
+                <a:rPr lang="ko-KR" altLang="en-US" b="1" dirty="0">
                   <a:solidFill>
                     <a:schemeClr val="tx1"/>
                   </a:solidFill>
                 </a:rPr>
-                <a:t>서버 보안</a:t>
+                <a:t>유저 분석 </a:t>
+              </a:r>
+              <a:r>
+                <a:rPr lang="en-US" altLang="ko-KR" b="1" dirty="0">
+                  <a:solidFill>
+                    <a:schemeClr val="tx1"/>
+                  </a:solidFill>
+                </a:rPr>
+                <a:t>DB </a:t>
+              </a:r>
+              <a:r>
+                <a:rPr lang="ko-KR" altLang="en-US" b="1" dirty="0">
+                  <a:solidFill>
+                    <a:schemeClr val="tx1"/>
+                  </a:solidFill>
+                </a:rPr>
+                <a:t>설계</a:t>
               </a:r>
               <a:endParaRPr lang="en-US" altLang="ko-KR" b="1" dirty="0">
                 <a:solidFill>
@@ -4771,7 +4654,26 @@
                 <a:buChar char="•"/>
               </a:pPr>
               <a:r>
-                <a:rPr lang="en-US" altLang="ko-KR" b="1" dirty="0" smtClean="0">
+                <a:rPr lang="ko-KR" altLang="en-US" b="1" dirty="0">
+                  <a:solidFill>
+                    <a:schemeClr val="tx1"/>
+                  </a:solidFill>
+                </a:rPr>
+                <a:t>서버 보안</a:t>
+              </a:r>
+              <a:endParaRPr lang="en-US" altLang="ko-KR" b="1" dirty="0">
+                <a:solidFill>
+                  <a:schemeClr val="tx1"/>
+                </a:solidFill>
+              </a:endParaRPr>
+            </a:p>
+            <a:p>
+              <a:pPr marL="285750" indent="-285750">
+                <a:buFont typeface="Arial" pitchFamily="34" charset="0"/>
+                <a:buChar char="•"/>
+              </a:pPr>
+              <a:r>
+                <a:rPr lang="en-US" altLang="ko-KR" b="1" dirty="0">
                   <a:solidFill>
                     <a:schemeClr val="tx1"/>
                   </a:solidFill>
@@ -4779,7 +4681,7 @@
                 <a:t>IBM </a:t>
               </a:r>
               <a:r>
-                <a:rPr lang="ko-KR" altLang="en-US" b="1" dirty="0" smtClean="0">
+                <a:rPr lang="ko-KR" altLang="en-US" b="1" dirty="0">
                   <a:solidFill>
                     <a:schemeClr val="tx1"/>
                   </a:solidFill>
@@ -4839,7 +4741,7 @@
             <a:p>
               <a:pPr algn="ctr"/>
               <a:r>
-                <a:rPr lang="ko-KR" altLang="en-US" dirty="0" smtClean="0">
+                <a:rPr lang="ko-KR" altLang="en-US" dirty="0">
                   <a:solidFill>
                     <a:schemeClr val="tx1"/>
                   </a:solidFill>
@@ -4847,7 +4749,7 @@
                 <a:t>서버 </a:t>
               </a:r>
               <a:r>
-                <a:rPr lang="en-US" altLang="ko-KR" dirty="0" smtClean="0">
+                <a:rPr lang="en-US" altLang="ko-KR" dirty="0">
                   <a:solidFill>
                     <a:schemeClr val="tx1"/>
                   </a:solidFill>
@@ -4855,18 +4757,13 @@
                 <a:t>- </a:t>
               </a:r>
               <a:r>
-                <a:rPr lang="ko-KR" altLang="en-US" dirty="0" smtClean="0">
+                <a:rPr lang="ko-KR" altLang="en-US" dirty="0">
                   <a:solidFill>
                     <a:schemeClr val="tx1"/>
                   </a:solidFill>
                 </a:rPr>
                 <a:t>이진수</a:t>
               </a:r>
-              <a:endParaRPr lang="ko-KR" altLang="en-US" dirty="0">
-                <a:solidFill>
-                  <a:schemeClr val="tx1"/>
-                </a:solidFill>
-              </a:endParaRPr>
             </a:p>
           </p:txBody>
         </p:sp>
@@ -4881,13 +4778,6 @@
   <p:clrMapOvr>
     <a:masterClrMapping/>
   </p:clrMapOvr>
-  <p:timing>
-    <p:tnLst>
-      <p:par>
-        <p:cTn id="1" dur="indefinite" restart="never" nodeType="tmRoot"/>
-      </p:par>
-    </p:tnLst>
-  </p:timing>
 </p:sld>
 </file>
 
@@ -4925,24 +4815,16 @@
           </a:bodyPr>
           <a:lstStyle/>
           <a:p>
-            <a:r>
-              <a:rPr lang="en-US" altLang="ko-KR" b="1" dirty="0"/>
-              <a:t/>
-            </a:r>
             <a:br>
               <a:rPr lang="en-US" altLang="ko-KR" b="1" dirty="0"/>
             </a:br>
             <a:r>
-              <a:rPr lang="en-US" altLang="ko-KR" b="1" dirty="0" smtClean="0"/>
+              <a:rPr lang="en-US" altLang="ko-KR" b="1" dirty="0"/>
               <a:t>7. </a:t>
             </a:r>
             <a:r>
               <a:rPr lang="ko-KR" altLang="en-US" b="1" dirty="0"/>
               <a:t>개발 환경</a:t>
-            </a:r>
-            <a:r>
-              <a:rPr lang="en-US" altLang="ko-KR" b="1" dirty="0"/>
-              <a:t/>
             </a:r>
             <a:br>
               <a:rPr lang="en-US" altLang="ko-KR" b="1" dirty="0"/>
@@ -5515,13 +5397,6 @@
   <p:clrMapOvr>
     <a:masterClrMapping/>
   </p:clrMapOvr>
-  <p:timing>
-    <p:tnLst>
-      <p:par>
-        <p:cTn id="1" dur="indefinite" restart="never" nodeType="tmRoot"/>
-      </p:par>
-    </p:tnLst>
-  </p:timing>
 </p:sld>
 </file>
 
@@ -5559,24 +5434,16 @@
           </a:bodyPr>
           <a:lstStyle/>
           <a:p>
-            <a:r>
-              <a:rPr lang="en-US" altLang="ko-KR" b="1" dirty="0"/>
-              <a:t/>
-            </a:r>
             <a:br>
               <a:rPr lang="en-US" altLang="ko-KR" b="1" dirty="0"/>
             </a:br>
             <a:r>
-              <a:rPr lang="en-US" altLang="ko-KR" b="1" dirty="0" smtClean="0"/>
+              <a:rPr lang="en-US" altLang="ko-KR" b="1" dirty="0"/>
               <a:t>8. </a:t>
             </a:r>
             <a:r>
               <a:rPr lang="ko-KR" altLang="en-US" b="1" dirty="0"/>
               <a:t>개발 일정</a:t>
-            </a:r>
-            <a:r>
-              <a:rPr lang="en-US" altLang="ko-KR" b="1" dirty="0"/>
-              <a:t/>
             </a:r>
             <a:br>
               <a:rPr lang="en-US" altLang="ko-KR" b="1" dirty="0"/>
@@ -5646,13 +5513,6 @@
   <p:clrMapOvr>
     <a:masterClrMapping/>
   </p:clrMapOvr>
-  <p:timing>
-    <p:tnLst>
-      <p:par>
-        <p:cTn id="1" dur="indefinite" restart="never" nodeType="tmRoot"/>
-      </p:par>
-    </p:tnLst>
-  </p:timing>
 </p:sld>
 </file>
 
@@ -5690,15 +5550,11 @@
           </a:bodyPr>
           <a:lstStyle/>
           <a:p>
-            <a:r>
-              <a:rPr lang="en-US" altLang="ko-KR" dirty="0"/>
-              <a:t/>
-            </a:r>
             <a:br>
               <a:rPr lang="en-US" altLang="ko-KR" dirty="0"/>
             </a:br>
             <a:r>
-              <a:rPr lang="en-US" altLang="ko-KR" b="1" dirty="0" smtClean="0"/>
+              <a:rPr lang="en-US" altLang="ko-KR" b="1" dirty="0"/>
               <a:t>9. </a:t>
             </a:r>
             <a:r>
@@ -5749,13 +5605,6 @@
   <p:clrMapOvr>
     <a:masterClrMapping/>
   </p:clrMapOvr>
-  <p:timing>
-    <p:tnLst>
-      <p:par>
-        <p:cTn id="1" dur="indefinite" restart="never" nodeType="tmRoot"/>
-      </p:par>
-    </p:tnLst>
-  </p:timing>
 </p:sld>
 </file>
 
@@ -5853,13 +5702,6 @@
   <p:clrMapOvr>
     <a:masterClrMapping/>
   </p:clrMapOvr>
-  <p:timing>
-    <p:tnLst>
-      <p:par>
-        <p:cTn id="1" dur="indefinite" restart="never" nodeType="tmRoot"/>
-      </p:par>
-    </p:tnLst>
-  </p:timing>
 </p:sld>
 </file>
 
@@ -5897,10 +5739,6 @@
           </a:bodyPr>
           <a:lstStyle/>
           <a:p>
-            <a:r>
-              <a:rPr lang="en-US" altLang="ko-KR" b="1" dirty="0"/>
-              <a:t/>
-            </a:r>
             <a:br>
               <a:rPr lang="en-US" altLang="ko-KR" b="1" dirty="0"/>
             </a:br>
@@ -5927,10 +5765,6 @@
             <a:r>
               <a:rPr lang="ko-KR" altLang="en-US" sz="3100" b="1" dirty="0"/>
               <a:t>최영민</a:t>
-            </a:r>
-            <a:r>
-              <a:rPr lang="en-US" altLang="ko-KR" b="1" dirty="0"/>
-              <a:t/>
             </a:r>
             <a:br>
               <a:rPr lang="en-US" altLang="ko-KR" b="1" dirty="0"/>
@@ -5970,25 +5804,21 @@
           <a:p>
             <a:r>
               <a:rPr lang="ko-KR" altLang="en-US" b="1" dirty="0"/>
-              <a:t>스토리라인 </a:t>
-            </a:r>
-            <a:r>
-              <a:rPr lang="ko-KR" altLang="en-US" b="1" dirty="0" smtClean="0"/>
-              <a:t>기획</a:t>
-            </a:r>
-            <a:endParaRPr lang="en-US" altLang="ko-KR" b="1" dirty="0" smtClean="0"/>
-          </a:p>
-          <a:p>
-            <a:r>
-              <a:rPr lang="ko-KR" altLang="en-US" b="1" dirty="0" smtClean="0"/>
+              <a:t>스토리라인 기획</a:t>
+            </a:r>
+            <a:endParaRPr lang="en-US" altLang="ko-KR" b="1" dirty="0"/>
+          </a:p>
+          <a:p>
+            <a:r>
+              <a:rPr lang="ko-KR" altLang="en-US" b="1" dirty="0"/>
               <a:t>캐릭터</a:t>
             </a:r>
             <a:r>
-              <a:rPr lang="en-US" altLang="ko-KR" b="1" dirty="0" smtClean="0"/>
+              <a:rPr lang="en-US" altLang="ko-KR" b="1" dirty="0"/>
               <a:t>/</a:t>
             </a:r>
             <a:r>
-              <a:rPr lang="ko-KR" altLang="en-US" b="1" dirty="0" smtClean="0"/>
+              <a:rPr lang="ko-KR" altLang="en-US" b="1" dirty="0"/>
               <a:t>스킬 기획</a:t>
             </a:r>
             <a:endParaRPr lang="en-US" altLang="ko-KR" b="1" dirty="0"/>
@@ -6004,11 +5834,7 @@
             </a:r>
             <a:r>
               <a:rPr lang="ko-KR" altLang="en-US" b="1" dirty="0"/>
-              <a:t>스테이지 </a:t>
-            </a:r>
-            <a:r>
-              <a:rPr lang="ko-KR" altLang="en-US" b="1" dirty="0" smtClean="0"/>
-              <a:t>기획</a:t>
+              <a:t>스테이지 기획</a:t>
             </a:r>
             <a:endParaRPr lang="en-US" altLang="ko-KR" b="1" dirty="0"/>
           </a:p>
@@ -6018,28 +5844,24 @@
               <a:t>UX/UI </a:t>
             </a:r>
             <a:r>
-              <a:rPr lang="ko-KR" altLang="en-US" b="1" dirty="0" smtClean="0"/>
+              <a:rPr lang="ko-KR" altLang="en-US" b="1" dirty="0"/>
               <a:t>기획후 피드백을 받아 개선중</a:t>
             </a:r>
-            <a:endParaRPr lang="en-US" altLang="ko-KR" b="1" dirty="0" smtClean="0"/>
+            <a:endParaRPr lang="en-US" altLang="ko-KR" b="1" dirty="0"/>
           </a:p>
           <a:p>
             <a:pPr marL="0" indent="0">
               <a:buNone/>
             </a:pPr>
             <a:r>
-              <a:rPr lang="en-US" altLang="ko-KR" b="1" dirty="0" smtClean="0"/>
+              <a:rPr lang="en-US" altLang="ko-KR" b="1" dirty="0"/>
               <a:t>------------------------------------------------------</a:t>
             </a:r>
           </a:p>
           <a:p>
             <a:r>
-              <a:rPr lang="ko-KR" altLang="en-US" b="1" dirty="0" smtClean="0"/>
-              <a:t>캐릭터 </a:t>
-            </a:r>
-            <a:r>
               <a:rPr lang="ko-KR" altLang="en-US" b="1" dirty="0"/>
-              <a:t>모델링완료</a:t>
+              <a:t>캐릭터 모델링완료</a:t>
             </a:r>
             <a:endParaRPr lang="en-US" altLang="ko-KR" b="1" dirty="0"/>
           </a:p>
@@ -6120,13 +5942,6 @@
   <p:clrMapOvr>
     <a:masterClrMapping/>
   </p:clrMapOvr>
-  <p:timing>
-    <p:tnLst>
-      <p:par>
-        <p:cTn id="1" dur="indefinite" restart="never" nodeType="tmRoot"/>
-      </p:par>
-    </p:tnLst>
-  </p:timing>
 </p:sld>
 </file>
 
@@ -6164,10 +5979,6 @@
           </a:bodyPr>
           <a:lstStyle/>
           <a:p>
-            <a:r>
-              <a:rPr lang="en-US" altLang="ko-KR" b="1" dirty="0"/>
-              <a:t/>
-            </a:r>
             <a:br>
               <a:rPr lang="en-US" altLang="ko-KR" b="1" dirty="0"/>
             </a:br>
@@ -6194,10 +6005,6 @@
             <a:r>
               <a:rPr lang="ko-KR" altLang="en-US" sz="3100" b="1" dirty="0"/>
               <a:t>최영민</a:t>
-            </a:r>
-            <a:r>
-              <a:rPr lang="en-US" altLang="ko-KR" b="1" dirty="0"/>
-              <a:t/>
             </a:r>
             <a:br>
               <a:rPr lang="en-US" altLang="ko-KR" b="1" dirty="0"/>
@@ -6247,28 +6054,24 @@
           </a:p>
           <a:p>
             <a:r>
-              <a:rPr lang="ko-KR" altLang="en-US" b="1" dirty="0" smtClean="0"/>
+              <a:rPr lang="ko-KR" altLang="en-US" b="1" dirty="0"/>
               <a:t>사운드</a:t>
             </a:r>
             <a:r>
-              <a:rPr lang="en-US" altLang="ko-KR" b="1" dirty="0" smtClean="0"/>
+              <a:rPr lang="en-US" altLang="ko-KR" b="1" dirty="0"/>
               <a:t>,</a:t>
             </a:r>
             <a:r>
-              <a:rPr lang="ko-KR" altLang="en-US" b="1" dirty="0" smtClean="0"/>
+              <a:rPr lang="ko-KR" altLang="en-US" b="1" dirty="0"/>
               <a:t>이펙트</a:t>
             </a:r>
             <a:r>
-              <a:rPr lang="en-US" altLang="ko-KR" b="1" dirty="0" smtClean="0"/>
+              <a:rPr lang="en-US" altLang="ko-KR" b="1" dirty="0"/>
               <a:t>,</a:t>
             </a:r>
             <a:r>
-              <a:rPr lang="ko-KR" altLang="en-US" b="1" dirty="0" smtClean="0"/>
-              <a:t>애니메이션에 </a:t>
-            </a:r>
-            <a:r>
               <a:rPr lang="ko-KR" altLang="en-US" b="1" dirty="0"/>
-              <a:t>대한 기획 미흡</a:t>
+              <a:t>애니메이션에 대한 기획 미흡</a:t>
             </a:r>
             <a:endParaRPr lang="en-US" altLang="ko-KR" b="1" dirty="0"/>
           </a:p>
@@ -6351,13 +6154,6 @@
   <p:clrMapOvr>
     <a:masterClrMapping/>
   </p:clrMapOvr>
-  <p:timing>
-    <p:tnLst>
-      <p:par>
-        <p:cTn id="1" dur="indefinite" restart="never" nodeType="tmRoot"/>
-      </p:par>
-    </p:tnLst>
-  </p:timing>
 </p:sld>
 </file>
 
@@ -6395,10 +6191,6 @@
           </a:bodyPr>
           <a:lstStyle/>
           <a:p>
-            <a:r>
-              <a:rPr lang="en-US" altLang="ko-KR" b="1" dirty="0"/>
-              <a:t/>
-            </a:r>
             <a:br>
               <a:rPr lang="en-US" altLang="ko-KR" b="1" dirty="0"/>
             </a:br>
@@ -6425,10 +6217,6 @@
             <a:r>
               <a:rPr lang="ko-KR" altLang="en-US" sz="3100" b="1" dirty="0"/>
               <a:t>최영민</a:t>
-            </a:r>
-            <a:r>
-              <a:rPr lang="en-US" altLang="ko-KR" b="1" dirty="0"/>
-              <a:t/>
             </a:r>
             <a:br>
               <a:rPr lang="en-US" altLang="ko-KR" b="1" dirty="0"/>
@@ -6486,34 +6274,30 @@
           </a:p>
           <a:p>
             <a:r>
-              <a:rPr lang="ko-KR" altLang="en-US" b="1" dirty="0" smtClean="0"/>
+              <a:rPr lang="ko-KR" altLang="en-US" b="1" dirty="0"/>
               <a:t>사운드</a:t>
             </a:r>
             <a:r>
-              <a:rPr lang="en-US" altLang="ko-KR" b="1" dirty="0" smtClean="0"/>
+              <a:rPr lang="en-US" altLang="ko-KR" b="1" dirty="0"/>
               <a:t>,</a:t>
             </a:r>
             <a:r>
-              <a:rPr lang="ko-KR" altLang="en-US" b="1" dirty="0" smtClean="0"/>
+              <a:rPr lang="ko-KR" altLang="en-US" b="1" dirty="0"/>
               <a:t>이펙트</a:t>
             </a:r>
             <a:r>
-              <a:rPr lang="en-US" altLang="ko-KR" b="1" dirty="0" smtClean="0"/>
+              <a:rPr lang="en-US" altLang="ko-KR" b="1" dirty="0"/>
               <a:t>,</a:t>
             </a:r>
             <a:r>
-              <a:rPr lang="ko-KR" altLang="en-US" b="1" dirty="0" smtClean="0"/>
-              <a:t>애니메이션 작업을 </a:t>
-            </a:r>
-            <a:r>
               <a:rPr lang="ko-KR" altLang="en-US" b="1" dirty="0"/>
-              <a:t>위한 기획서 작성</a:t>
+              <a:t>애니메이션 작업을 위한 기획서 작성</a:t>
             </a:r>
             <a:endParaRPr lang="en-US" altLang="ko-KR" b="1" dirty="0"/>
           </a:p>
           <a:p>
             <a:r>
-              <a:rPr lang="ko-KR" altLang="en-US" b="1" dirty="0" smtClean="0"/>
+              <a:rPr lang="ko-KR" altLang="en-US" b="1" dirty="0"/>
               <a:t>레벨디자인 </a:t>
             </a:r>
             <a:r>
@@ -6555,12 +6339,8 @@
           </a:p>
           <a:p>
             <a:r>
-              <a:rPr lang="ko-KR" altLang="en-US" b="1" dirty="0" smtClean="0"/>
-              <a:t>조경물 </a:t>
-            </a:r>
-            <a:r>
               <a:rPr lang="ko-KR" altLang="en-US" b="1" dirty="0"/>
-              <a:t>제작</a:t>
+              <a:t>조경물 제작</a:t>
             </a:r>
           </a:p>
         </p:txBody>
@@ -6598,13 +6378,6 @@
   <p:clrMapOvr>
     <a:masterClrMapping/>
   </p:clrMapOvr>
-  <p:timing>
-    <p:tnLst>
-      <p:par>
-        <p:cTn id="1" dur="indefinite" restart="never" nodeType="tmRoot"/>
-      </p:par>
-    </p:tnLst>
-  </p:timing>
 </p:sld>
 </file>
 
@@ -6642,10 +6415,6 @@
           </a:bodyPr>
           <a:lstStyle/>
           <a:p>
-            <a:r>
-              <a:rPr lang="en-US" altLang="ko-KR" b="1" dirty="0"/>
-              <a:t/>
-            </a:r>
             <a:br>
               <a:rPr lang="en-US" altLang="ko-KR" b="1" dirty="0"/>
             </a:br>
@@ -6668,10 +6437,6 @@
             <a:r>
               <a:rPr lang="en-US" altLang="ko-KR" sz="3100" b="1" dirty="0"/>
               <a:t> </a:t>
-            </a:r>
-            <a:r>
-              <a:rPr lang="en-US" altLang="ko-KR" b="1" dirty="0"/>
-              <a:t/>
             </a:r>
             <a:br>
               <a:rPr lang="en-US" altLang="ko-KR" b="1" dirty="0"/>
@@ -6754,13 +6519,6 @@
   <p:clrMapOvr>
     <a:masterClrMapping/>
   </p:clrMapOvr>
-  <p:timing>
-    <p:tnLst>
-      <p:par>
-        <p:cTn id="1" dur="indefinite" restart="never" nodeType="tmRoot"/>
-      </p:par>
-    </p:tnLst>
-  </p:timing>
 </p:sld>
 </file>
 
@@ -6798,10 +6556,6 @@
           </a:bodyPr>
           <a:lstStyle/>
           <a:p>
-            <a:r>
-              <a:rPr lang="en-US" altLang="ko-KR" b="1" dirty="0"/>
-              <a:t/>
-            </a:r>
             <a:br>
               <a:rPr lang="en-US" altLang="ko-KR" b="1" dirty="0"/>
             </a:br>
@@ -6820,10 +6574,6 @@
             <a:r>
               <a:rPr lang="ko-KR" altLang="en-US" sz="3100" b="1" dirty="0"/>
               <a:t>이진수</a:t>
-            </a:r>
-            <a:r>
-              <a:rPr lang="en-US" altLang="ko-KR" b="1" dirty="0"/>
-              <a:t/>
             </a:r>
             <a:br>
               <a:rPr lang="en-US" altLang="ko-KR" b="1" dirty="0"/>
@@ -6878,15 +6628,7 @@
           <a:p>
             <a:r>
               <a:rPr lang="ko-KR" altLang="en-US" b="1" dirty="0"/>
-              <a:t>구글 로그인 연동을 </a:t>
-            </a:r>
-            <a:r>
-              <a:rPr lang="ko-KR" altLang="en-US" b="1" dirty="0" smtClean="0"/>
-              <a:t>미구</a:t>
-            </a:r>
-            <a:r>
-              <a:rPr lang="ko-KR" altLang="en-US" b="1" dirty="0"/>
-              <a:t>현</a:t>
+              <a:t>구글 로그인 연동을 미구현</a:t>
             </a:r>
             <a:endParaRPr lang="en-US" altLang="ko-KR" b="1" dirty="0"/>
           </a:p>
@@ -6949,13 +6691,6 @@
   <p:clrMapOvr>
     <a:masterClrMapping/>
   </p:clrMapOvr>
-  <p:timing>
-    <p:tnLst>
-      <p:par>
-        <p:cTn id="1" dur="indefinite" restart="never" nodeType="tmRoot"/>
-      </p:par>
-    </p:tnLst>
-  </p:timing>
 </p:sld>
 </file>
 
@@ -7020,15 +6755,15 @@
               <a:buAutoNum type="arabicPeriod"/>
             </a:pPr>
             <a:r>
-              <a:rPr lang="ko-KR" altLang="en-US" b="1" dirty="0" smtClean="0"/>
+              <a:rPr lang="ko-KR" altLang="en-US" b="1" dirty="0"/>
               <a:t>개요</a:t>
             </a:r>
             <a:r>
-              <a:rPr lang="en-US" altLang="ko-KR" b="1" dirty="0" smtClean="0"/>
+              <a:rPr lang="en-US" altLang="ko-KR" b="1" dirty="0"/>
               <a:t>									        </a:t>
             </a:r>
             <a:r>
-              <a:rPr lang="en-US" altLang="ko-KR" sz="1300" b="1" i="1" dirty="0" smtClean="0">
+              <a:rPr lang="en-US" altLang="ko-KR" sz="1300" b="1" i="1" dirty="0">
                 <a:solidFill>
                   <a:schemeClr val="bg2">
                     <a:lumMod val="50000"/>
@@ -7037,13 +6772,6 @@
               </a:rPr>
               <a:t>3p</a:t>
             </a:r>
-            <a:endParaRPr lang="en-US" altLang="ko-KR" sz="1300" b="1" i="1" dirty="0">
-              <a:solidFill>
-                <a:schemeClr val="bg2">
-                  <a:lumMod val="50000"/>
-                </a:schemeClr>
-              </a:solidFill>
-            </a:endParaRPr>
           </a:p>
           <a:p>
             <a:pPr marL="514350" indent="-514350">
@@ -7051,15 +6779,15 @@
               <a:buAutoNum type="arabicPeriod"/>
             </a:pPr>
             <a:r>
-              <a:rPr lang="ko-KR" altLang="en-US" b="1" dirty="0" smtClean="0"/>
+              <a:rPr lang="ko-KR" altLang="en-US" b="1" dirty="0"/>
               <a:t>게임 목표</a:t>
             </a:r>
             <a:r>
-              <a:rPr lang="en-US" altLang="ko-KR" b="1" dirty="0" smtClean="0"/>
+              <a:rPr lang="en-US" altLang="ko-KR" b="1" dirty="0"/>
               <a:t>									</a:t>
             </a:r>
             <a:r>
-              <a:rPr lang="en-US" altLang="ko-KR" sz="1300" b="1" i="1" dirty="0" smtClean="0">
+              <a:rPr lang="en-US" altLang="ko-KR" sz="1300" b="1" i="1" dirty="0">
                 <a:solidFill>
                   <a:schemeClr val="bg2">
                     <a:lumMod val="50000"/>
@@ -7068,13 +6796,6 @@
               </a:rPr>
               <a:t>5p</a:t>
             </a:r>
-            <a:endParaRPr lang="en-US" altLang="ko-KR" sz="1300" b="1" i="1" dirty="0">
-              <a:solidFill>
-                <a:schemeClr val="bg2">
-                  <a:lumMod val="50000"/>
-                </a:schemeClr>
-              </a:solidFill>
-            </a:endParaRPr>
           </a:p>
           <a:p>
             <a:pPr marL="514350" indent="-514350">
@@ -7082,15 +6803,15 @@
               <a:buAutoNum type="arabicPeriod"/>
             </a:pPr>
             <a:r>
-              <a:rPr lang="ko-KR" altLang="en-US" b="1" dirty="0" smtClean="0"/>
+              <a:rPr lang="ko-KR" altLang="en-US" b="1" dirty="0"/>
               <a:t>중점 연구사항</a:t>
             </a:r>
             <a:r>
-              <a:rPr lang="en-US" altLang="ko-KR" b="1" dirty="0" smtClean="0"/>
+              <a:rPr lang="en-US" altLang="ko-KR" b="1" dirty="0"/>
               <a:t>									</a:t>
             </a:r>
             <a:r>
-              <a:rPr lang="en-US" altLang="ko-KR" sz="1300" b="1" i="1" dirty="0" smtClean="0">
+              <a:rPr lang="en-US" altLang="ko-KR" sz="1300" b="1" i="1" dirty="0">
                 <a:solidFill>
                   <a:schemeClr val="bg2">
                     <a:lumMod val="50000"/>
@@ -7106,15 +6827,15 @@
               <a:buAutoNum type="arabicPeriod"/>
             </a:pPr>
             <a:r>
-              <a:rPr lang="ko-KR" altLang="en-US" b="1" dirty="0" smtClean="0"/>
+              <a:rPr lang="ko-KR" altLang="en-US" b="1" dirty="0"/>
               <a:t>개발 상황</a:t>
             </a:r>
             <a:r>
-              <a:rPr lang="en-US" altLang="ko-KR" b="1" dirty="0" smtClean="0"/>
+              <a:rPr lang="en-US" altLang="ko-KR" b="1" dirty="0"/>
               <a:t>									</a:t>
             </a:r>
             <a:r>
-              <a:rPr lang="en-US" altLang="ko-KR" sz="1300" b="1" i="1" dirty="0" smtClean="0">
+              <a:rPr lang="en-US" altLang="ko-KR" sz="1300" b="1" i="1" dirty="0">
                 <a:solidFill>
                   <a:schemeClr val="bg2">
                     <a:lumMod val="50000"/>
@@ -7130,15 +6851,15 @@
               <a:buAutoNum type="arabicPeriod"/>
             </a:pPr>
             <a:r>
-              <a:rPr lang="ko-KR" altLang="en-US" b="1" dirty="0" smtClean="0"/>
+              <a:rPr lang="ko-KR" altLang="en-US" b="1" dirty="0"/>
               <a:t>개발 미흡점</a:t>
             </a:r>
             <a:r>
-              <a:rPr lang="en-US" altLang="ko-KR" b="1" dirty="0" smtClean="0"/>
+              <a:rPr lang="en-US" altLang="ko-KR" b="1" dirty="0"/>
               <a:t>									</a:t>
             </a:r>
             <a:r>
-              <a:rPr lang="en-US" altLang="ko-KR" sz="1300" b="1" i="1" dirty="0" smtClean="0">
+              <a:rPr lang="en-US" altLang="ko-KR" sz="1300" b="1" i="1" dirty="0">
                 <a:solidFill>
                   <a:schemeClr val="bg2">
                     <a:lumMod val="50000"/>
@@ -7154,23 +6875,23 @@
               <a:buAutoNum type="arabicPeriod"/>
             </a:pPr>
             <a:r>
-              <a:rPr lang="ko-KR" altLang="en-US" b="1" dirty="0" smtClean="0"/>
+              <a:rPr lang="ko-KR" altLang="en-US" b="1" dirty="0"/>
               <a:t>추후 보완</a:t>
             </a:r>
             <a:r>
-              <a:rPr lang="en-US" altLang="ko-KR" b="1" dirty="0" smtClean="0"/>
+              <a:rPr lang="en-US" altLang="ko-KR" b="1" dirty="0"/>
               <a:t>,</a:t>
             </a:r>
             <a:r>
-              <a:rPr lang="ko-KR" altLang="en-US" b="1" dirty="0" smtClean="0"/>
+              <a:rPr lang="ko-KR" altLang="en-US" b="1" dirty="0"/>
               <a:t>추가 개발점</a:t>
             </a:r>
             <a:r>
-              <a:rPr lang="en-US" altLang="ko-KR" b="1" dirty="0" smtClean="0"/>
+              <a:rPr lang="en-US" altLang="ko-KR" b="1" dirty="0"/>
               <a:t>							</a:t>
             </a:r>
             <a:r>
-              <a:rPr lang="en-US" altLang="ko-KR" sz="1300" b="1" i="1" dirty="0" smtClean="0">
+              <a:rPr lang="en-US" altLang="ko-KR" sz="1300" b="1" i="1" dirty="0">
                 <a:solidFill>
                   <a:schemeClr val="bg2">
                     <a:lumMod val="50000"/>
@@ -7179,13 +6900,6 @@
               </a:rPr>
               <a:t>10p</a:t>
             </a:r>
-            <a:endParaRPr lang="en-US" altLang="ko-KR" sz="1300" b="1" i="1" dirty="0">
-              <a:solidFill>
-                <a:schemeClr val="bg2">
-                  <a:lumMod val="50000"/>
-                </a:schemeClr>
-              </a:solidFill>
-            </a:endParaRPr>
           </a:p>
           <a:p>
             <a:pPr marL="514350" indent="-514350">
@@ -7193,15 +6907,15 @@
               <a:buAutoNum type="arabicPeriod"/>
             </a:pPr>
             <a:r>
-              <a:rPr lang="ko-KR" altLang="en-US" b="1" dirty="0" smtClean="0"/>
+              <a:rPr lang="ko-KR" altLang="en-US" b="1" dirty="0"/>
               <a:t>개발 환경</a:t>
             </a:r>
             <a:r>
-              <a:rPr lang="en-US" altLang="ko-KR" b="1" dirty="0" smtClean="0"/>
+              <a:rPr lang="en-US" altLang="ko-KR" b="1" dirty="0"/>
               <a:t>									</a:t>
             </a:r>
             <a:r>
-              <a:rPr lang="en-US" altLang="ko-KR" sz="1300" b="1" i="1" dirty="0" smtClean="0">
+              <a:rPr lang="en-US" altLang="ko-KR" sz="1300" b="1" i="1" dirty="0">
                 <a:solidFill>
                   <a:schemeClr val="bg2">
                     <a:lumMod val="50000"/>
@@ -7217,15 +6931,15 @@
               <a:buAutoNum type="arabicPeriod"/>
             </a:pPr>
             <a:r>
-              <a:rPr lang="ko-KR" altLang="en-US" b="1" dirty="0" smtClean="0"/>
+              <a:rPr lang="ko-KR" altLang="en-US" b="1" dirty="0"/>
               <a:t>개발 일정</a:t>
             </a:r>
             <a:r>
-              <a:rPr lang="en-US" altLang="ko-KR" b="1" dirty="0" smtClean="0"/>
+              <a:rPr lang="en-US" altLang="ko-KR" b="1" dirty="0"/>
               <a:t>									</a:t>
             </a:r>
             <a:r>
-              <a:rPr lang="en-US" altLang="ko-KR" sz="1300" b="1" i="1" dirty="0" smtClean="0">
+              <a:rPr lang="en-US" altLang="ko-KR" sz="1300" b="1" i="1" dirty="0">
                 <a:solidFill>
                   <a:schemeClr val="bg2">
                     <a:lumMod val="50000"/>
@@ -7234,13 +6948,6 @@
               </a:rPr>
               <a:t>12p</a:t>
             </a:r>
-            <a:endParaRPr lang="en-US" altLang="ko-KR" sz="1300" b="1" i="1" dirty="0">
-              <a:solidFill>
-                <a:schemeClr val="bg2">
-                  <a:lumMod val="50000"/>
-                </a:schemeClr>
-              </a:solidFill>
-            </a:endParaRPr>
           </a:p>
           <a:p>
             <a:pPr marL="514350" indent="-514350">
@@ -7248,15 +6955,15 @@
               <a:buAutoNum type="arabicPeriod"/>
             </a:pPr>
             <a:r>
-              <a:rPr lang="ko-KR" altLang="en-US" b="1" dirty="0" smtClean="0"/>
+              <a:rPr lang="ko-KR" altLang="en-US" b="1" dirty="0"/>
               <a:t>시연</a:t>
             </a:r>
             <a:r>
-              <a:rPr lang="en-US" altLang="ko-KR" b="1" dirty="0" smtClean="0"/>
+              <a:rPr lang="en-US" altLang="ko-KR" b="1" dirty="0"/>
               <a:t>										</a:t>
             </a:r>
             <a:r>
-              <a:rPr lang="en-US" altLang="ko-KR" sz="1300" b="1" i="1" dirty="0" smtClean="0">
+              <a:rPr lang="en-US" altLang="ko-KR" sz="1300" b="1" i="1" dirty="0">
                 <a:solidFill>
                   <a:schemeClr val="bg2">
                     <a:lumMod val="50000"/>
@@ -7265,13 +6972,6 @@
               </a:rPr>
               <a:t>13p</a:t>
             </a:r>
-            <a:endParaRPr lang="en-US" altLang="ko-KR" sz="1300" b="1" i="1" dirty="0">
-              <a:solidFill>
-                <a:schemeClr val="bg2">
-                  <a:lumMod val="50000"/>
-                </a:schemeClr>
-              </a:solidFill>
-            </a:endParaRPr>
           </a:p>
           <a:p>
             <a:pPr marL="514350" indent="-514350">
@@ -7315,13 +7015,6 @@
   <p:clrMapOvr>
     <a:masterClrMapping/>
   </p:clrMapOvr>
-  <p:timing>
-    <p:tnLst>
-      <p:par>
-        <p:cTn id="1" dur="indefinite" restart="never" nodeType="tmRoot"/>
-      </p:par>
-    </p:tnLst>
-  </p:timing>
 </p:sld>
 </file>
 
@@ -7359,10 +7052,6 @@
           </a:bodyPr>
           <a:lstStyle/>
           <a:p>
-            <a:r>
-              <a:rPr lang="en-US" altLang="ko-KR" b="1" dirty="0"/>
-              <a:t/>
-            </a:r>
             <a:br>
               <a:rPr lang="en-US" altLang="ko-KR" b="1" dirty="0"/>
             </a:br>
@@ -7381,10 +7070,6 @@
             <a:r>
               <a:rPr lang="ko-KR" altLang="en-US" sz="3100" b="1" dirty="0"/>
               <a:t>이진수</a:t>
-            </a:r>
-            <a:r>
-              <a:rPr lang="en-US" altLang="ko-KR" b="1" dirty="0"/>
-              <a:t/>
             </a:r>
             <a:br>
               <a:rPr lang="en-US" altLang="ko-KR" b="1" dirty="0"/>
@@ -7501,13 +7186,6 @@
   <p:clrMapOvr>
     <a:masterClrMapping/>
   </p:clrMapOvr>
-  <p:timing>
-    <p:tnLst>
-      <p:par>
-        <p:cTn id="1" dur="indefinite" restart="never" nodeType="tmRoot"/>
-      </p:par>
-    </p:tnLst>
-  </p:timing>
 </p:sld>
 </file>
 
@@ -7912,10 +7590,6 @@
               <a:rPr lang="ko-KR" altLang="en-US" dirty="0"/>
               <a:t>화면 드래그</a:t>
             </a:r>
-            <a:r>
-              <a:rPr lang="en-US" altLang="ko-KR" dirty="0"/>
-              <a:t/>
-            </a:r>
             <a:br>
               <a:rPr lang="en-US" altLang="ko-KR" dirty="0"/>
             </a:br>
@@ -7963,13 +7637,6 @@
   <p:clrMapOvr>
     <a:masterClrMapping/>
   </p:clrMapOvr>
-  <p:timing>
-    <p:tnLst>
-      <p:par>
-        <p:cTn id="1" dur="indefinite" restart="never" nodeType="tmRoot"/>
-      </p:par>
-    </p:tnLst>
-  </p:timing>
 </p:sld>
 </file>
 
@@ -8291,10 +7958,6 @@
               <a:rPr lang="ko-KR" altLang="en-US" sz="2000" dirty="0"/>
               <a:t>전투 피드백에 따른 전략 </a:t>
             </a:r>
-            <a:r>
-              <a:rPr lang="en-US" altLang="ko-KR" sz="2000" dirty="0"/>
-              <a:t/>
-            </a:r>
             <a:br>
               <a:rPr lang="en-US" altLang="ko-KR" sz="2000" dirty="0"/>
             </a:br>
@@ -8349,13 +8012,6 @@
   <p:clrMapOvr>
     <a:masterClrMapping/>
   </p:clrMapOvr>
-  <p:timing>
-    <p:tnLst>
-      <p:par>
-        <p:cTn id="1" dur="indefinite" restart="never" nodeType="tmRoot"/>
-      </p:par>
-    </p:tnLst>
-  </p:timing>
 </p:sld>
 </file>
 
@@ -8822,10 +8478,9 @@
           <a:p>
             <a:pPr algn="ctr"/>
             <a:r>
-              <a:rPr lang="ko-KR" altLang="en-US" sz="1400" dirty="0" smtClean="0"/>
+              <a:rPr lang="ko-KR" altLang="en-US" sz="1400" dirty="0"/>
               <a:t>코스트</a:t>
             </a:r>
-            <a:endParaRPr lang="ko-KR" altLang="en-US" sz="1400" dirty="0"/>
           </a:p>
         </p:txBody>
       </p:sp>
@@ -8892,13 +8547,6 @@
   <p:clrMapOvr>
     <a:masterClrMapping/>
   </p:clrMapOvr>
-  <p:timing>
-    <p:tnLst>
-      <p:par>
-        <p:cTn id="1" dur="indefinite" restart="never" nodeType="tmRoot"/>
-      </p:par>
-    </p:tnLst>
-  </p:timing>
 </p:sld>
 </file>
 
@@ -9623,15 +9271,7 @@
             <a:pPr algn="ctr"/>
             <a:r>
               <a:rPr lang="ko-KR" altLang="en-US" dirty="0"/>
-              <a:t>추</a:t>
-            </a:r>
-            <a:r>
-              <a:rPr lang="ko-KR" altLang="en-US" dirty="0" smtClean="0"/>
-              <a:t>후 </a:t>
-            </a:r>
-            <a:r>
-              <a:rPr lang="ko-KR" altLang="en-US" dirty="0"/>
-              <a:t>추가 예정</a:t>
+              <a:t>추후 추가 예정</a:t>
             </a:r>
           </a:p>
         </p:txBody>
@@ -9669,13 +9309,6 @@
   <p:clrMapOvr>
     <a:masterClrMapping/>
   </p:clrMapOvr>
-  <p:timing>
-    <p:tnLst>
-      <p:par>
-        <p:cTn id="1" dur="indefinite" restart="never" nodeType="tmRoot"/>
-      </p:par>
-    </p:tnLst>
-  </p:timing>
 </p:sld>
 </file>
 
@@ -9713,24 +9346,16 @@
           </a:bodyPr>
           <a:lstStyle/>
           <a:p>
-            <a:r>
-              <a:rPr lang="en-US" altLang="ko-KR" b="1" dirty="0"/>
-              <a:t/>
-            </a:r>
             <a:br>
               <a:rPr lang="en-US" altLang="ko-KR" b="1" dirty="0"/>
             </a:br>
             <a:r>
-              <a:rPr lang="en-US" altLang="ko-KR" b="1" dirty="0" smtClean="0"/>
+              <a:rPr lang="en-US" altLang="ko-KR" b="1" dirty="0"/>
               <a:t>3. </a:t>
             </a:r>
             <a:r>
-              <a:rPr lang="ko-KR" altLang="en-US" b="1" dirty="0" smtClean="0"/>
+              <a:rPr lang="ko-KR" altLang="en-US" b="1" dirty="0"/>
               <a:t>중점 연구 사항</a:t>
-            </a:r>
-            <a:r>
-              <a:rPr lang="en-US" altLang="ko-KR" b="1" dirty="0"/>
-              <a:t/>
             </a:r>
             <a:br>
               <a:rPr lang="en-US" altLang="ko-KR" b="1" dirty="0"/>
@@ -9815,10 +9440,10 @@
                 <a:buChar char="•"/>
               </a:pPr>
               <a:r>
-                <a:rPr lang="ko-KR" altLang="en-US" b="1" dirty="0" smtClean="0"/>
+                <a:rPr lang="ko-KR" altLang="en-US" b="1" dirty="0"/>
                 <a:t>문서 작성</a:t>
               </a:r>
-              <a:endParaRPr lang="en-US" altLang="ko-KR" b="1" dirty="0" smtClean="0"/>
+              <a:endParaRPr lang="en-US" altLang="ko-KR" b="1" dirty="0"/>
             </a:p>
             <a:p>
               <a:pPr marL="285750" indent="-285750">
@@ -9826,7 +9451,7 @@
                 <a:buChar char="•"/>
               </a:pPr>
               <a:r>
-                <a:rPr lang="en-US" altLang="ko-KR" b="1" dirty="0" smtClean="0"/>
+                <a:rPr lang="en-US" altLang="ko-KR" b="1" dirty="0"/>
                 <a:t>UX/UI</a:t>
               </a:r>
             </a:p>
@@ -9836,10 +9461,10 @@
                 <a:buChar char="•"/>
               </a:pPr>
               <a:r>
-                <a:rPr lang="ko-KR" altLang="en-US" b="1" dirty="0" smtClean="0"/>
+                <a:rPr lang="ko-KR" altLang="en-US" b="1" dirty="0"/>
                 <a:t>레벨 디자인</a:t>
               </a:r>
-              <a:endParaRPr lang="en-US" altLang="ko-KR" b="1" dirty="0" smtClean="0"/>
+              <a:endParaRPr lang="en-US" altLang="ko-KR" b="1" dirty="0"/>
             </a:p>
             <a:p>
               <a:pPr marL="285750" indent="-285750">
@@ -9847,17 +9472,17 @@
                 <a:buChar char="•"/>
               </a:pPr>
               <a:r>
-                <a:rPr lang="ko-KR" altLang="en-US" b="1" dirty="0" smtClean="0"/>
+                <a:rPr lang="ko-KR" altLang="en-US" b="1" dirty="0"/>
                 <a:t>밸런싱</a:t>
               </a:r>
-              <a:endParaRPr lang="en-US" altLang="ko-KR" b="1" dirty="0" smtClean="0"/>
+              <a:endParaRPr lang="en-US" altLang="ko-KR" b="1" dirty="0"/>
             </a:p>
             <a:p>
               <a:pPr marL="285750" indent="-285750">
                 <a:buFont typeface="Arial" pitchFamily="34" charset="0"/>
                 <a:buChar char="•"/>
               </a:pPr>
-              <a:endParaRPr lang="en-US" altLang="ko-KR" dirty="0" smtClean="0"/>
+              <a:endParaRPr lang="en-US" altLang="ko-KR" dirty="0"/>
             </a:p>
             <a:p>
               <a:pPr marL="285750" indent="-285750">
@@ -9913,7 +9538,7 @@
             <a:p>
               <a:pPr algn="ctr"/>
               <a:r>
-                <a:rPr lang="ko-KR" altLang="en-US" dirty="0" smtClean="0">
+                <a:rPr lang="ko-KR" altLang="en-US" dirty="0">
                   <a:solidFill>
                     <a:schemeClr val="tx1"/>
                   </a:solidFill>
@@ -9926,29 +9551,16 @@
                     <a:schemeClr val="tx1"/>
                   </a:solidFill>
                 </a:rPr>
-                <a:t> </a:t>
-              </a:r>
-              <a:r>
-                <a:rPr lang="en-US" altLang="ko-KR" dirty="0" smtClean="0">
-                  <a:solidFill>
-                    <a:schemeClr val="tx1"/>
-                  </a:solidFill>
-                </a:rPr>
-                <a:t>- </a:t>
-              </a:r>
-              <a:r>
-                <a:rPr lang="ko-KR" altLang="en-US" dirty="0" smtClean="0">
+                <a:t> - </a:t>
+              </a:r>
+              <a:r>
+                <a:rPr lang="ko-KR" altLang="en-US" dirty="0">
                   <a:solidFill>
                     <a:schemeClr val="tx1"/>
                   </a:solidFill>
                 </a:rPr>
                 <a:t>최영민</a:t>
               </a:r>
-              <a:endParaRPr lang="ko-KR" altLang="en-US" dirty="0">
-                <a:solidFill>
-                  <a:schemeClr val="tx1"/>
-                </a:solidFill>
-              </a:endParaRPr>
             </a:p>
           </p:txBody>
         </p:sp>
@@ -10015,7 +9627,7 @@
                 <a:buChar char="•"/>
               </a:pPr>
               <a:r>
-                <a:rPr lang="en-US" altLang="ko-KR" b="1" dirty="0" smtClean="0">
+                <a:rPr lang="en-US" altLang="ko-KR" b="1" dirty="0">
                   <a:solidFill>
                     <a:schemeClr val="tx1"/>
                   </a:solidFill>
@@ -10023,7 +9635,7 @@
                 <a:t>3D voxel </a:t>
               </a:r>
               <a:r>
-                <a:rPr lang="ko-KR" altLang="en-US" b="1" dirty="0" smtClean="0">
+                <a:rPr lang="ko-KR" altLang="en-US" b="1" dirty="0">
                   <a:solidFill>
                     <a:schemeClr val="tx1"/>
                   </a:solidFill>
@@ -10042,7 +9654,7 @@
                 <a:buChar char="•"/>
               </a:pPr>
               <a:r>
-                <a:rPr lang="ko-KR" altLang="en-US" b="1" dirty="0" smtClean="0">
+                <a:rPr lang="ko-KR" altLang="en-US" b="1" dirty="0">
                   <a:solidFill>
                     <a:schemeClr val="tx1"/>
                   </a:solidFill>
@@ -10109,7 +9721,7 @@
             <a:p>
               <a:pPr algn="ctr"/>
               <a:r>
-                <a:rPr lang="ko-KR" altLang="en-US" dirty="0" smtClean="0">
+                <a:rPr lang="ko-KR" altLang="en-US" dirty="0">
                   <a:solidFill>
                     <a:schemeClr val="tx1"/>
                   </a:solidFill>
@@ -10117,7 +9729,7 @@
                 <a:t>그래픽 </a:t>
               </a:r>
               <a:r>
-                <a:rPr lang="en-US" altLang="ko-KR" dirty="0" smtClean="0">
+                <a:rPr lang="en-US" altLang="ko-KR" dirty="0">
                   <a:solidFill>
                     <a:schemeClr val="tx1"/>
                   </a:solidFill>
@@ -10125,18 +9737,13 @@
                 <a:t>- </a:t>
               </a:r>
               <a:r>
-                <a:rPr lang="ko-KR" altLang="en-US" dirty="0" smtClean="0">
+                <a:rPr lang="ko-KR" altLang="en-US" dirty="0">
                   <a:solidFill>
                     <a:schemeClr val="tx1"/>
                   </a:solidFill>
                 </a:rPr>
                 <a:t>최영민</a:t>
               </a:r>
-              <a:endParaRPr lang="ko-KR" altLang="en-US" dirty="0">
-                <a:solidFill>
-                  <a:schemeClr val="tx1"/>
-                </a:solidFill>
-              </a:endParaRPr>
             </a:p>
           </p:txBody>
         </p:sp>
@@ -10203,7 +9810,7 @@
                 <a:buChar char="•"/>
               </a:pPr>
               <a:r>
-                <a:rPr lang="ko-KR" altLang="en-US" b="1" dirty="0" smtClean="0">
+                <a:rPr lang="ko-KR" altLang="en-US" b="1" dirty="0">
                   <a:solidFill>
                     <a:schemeClr val="tx1"/>
                   </a:solidFill>
@@ -10222,14 +9829,14 @@
                 <a:buChar char="•"/>
               </a:pPr>
               <a:r>
-                <a:rPr lang="ko-KR" altLang="en-US" b="1" dirty="0" smtClean="0">
+                <a:rPr lang="ko-KR" altLang="en-US" b="1" dirty="0">
                   <a:solidFill>
                     <a:schemeClr val="tx1"/>
                   </a:solidFill>
                 </a:rPr>
                 <a:t>색깔 메테리얼의 메테리얼 복사현상 해결</a:t>
               </a:r>
-              <a:endParaRPr lang="en-US" altLang="ko-KR" b="1" dirty="0" smtClean="0">
+              <a:endParaRPr lang="en-US" altLang="ko-KR" b="1" dirty="0">
                 <a:solidFill>
                   <a:schemeClr val="tx1"/>
                 </a:solidFill>
@@ -10241,7 +9848,7 @@
                 <a:buChar char="•"/>
               </a:pPr>
               <a:r>
-                <a:rPr lang="en-US" altLang="ko-KR" b="1" dirty="0" smtClean="0">
+                <a:rPr lang="en-US" altLang="ko-KR" b="1" dirty="0">
                   <a:solidFill>
                     <a:schemeClr val="tx1"/>
                   </a:solidFill>
@@ -10249,14 +9856,14 @@
                 <a:t>UI depth</a:t>
               </a:r>
               <a:r>
-                <a:rPr lang="ko-KR" altLang="en-US" b="1" dirty="0" smtClean="0">
+                <a:rPr lang="ko-KR" altLang="en-US" b="1" dirty="0">
                   <a:solidFill>
                     <a:schemeClr val="tx1"/>
                   </a:solidFill>
                 </a:rPr>
                 <a:t>에 따른 드로우콜 증가 해결</a:t>
               </a:r>
-              <a:endParaRPr lang="en-US" altLang="ko-KR" b="1" dirty="0" smtClean="0">
+              <a:endParaRPr lang="en-US" altLang="ko-KR" b="1" dirty="0">
                 <a:solidFill>
                   <a:schemeClr val="tx1"/>
                 </a:solidFill>
@@ -10268,7 +9875,7 @@
                 <a:buChar char="•"/>
               </a:pPr>
               <a:r>
-                <a:rPr lang="ko-KR" altLang="en-US" b="1" dirty="0" smtClean="0">
+                <a:rPr lang="ko-KR" altLang="en-US" b="1" dirty="0">
                   <a:solidFill>
                     <a:schemeClr val="tx1"/>
                   </a:solidFill>
@@ -10276,7 +9883,7 @@
                 <a:t>쉐이더</a:t>
               </a:r>
               <a:r>
-                <a:rPr lang="en-US" altLang="ko-KR" b="1" dirty="0" smtClean="0">
+                <a:rPr lang="en-US" altLang="ko-KR" b="1" dirty="0">
                   <a:solidFill>
                     <a:schemeClr val="tx1"/>
                   </a:solidFill>
@@ -10284,18 +9891,13 @@
                 <a:t>,</a:t>
               </a:r>
               <a:r>
-                <a:rPr lang="ko-KR" altLang="en-US" b="1" dirty="0" smtClean="0">
+                <a:rPr lang="ko-KR" altLang="en-US" b="1" dirty="0">
                   <a:solidFill>
                     <a:schemeClr val="tx1"/>
                   </a:solidFill>
                 </a:rPr>
                 <a:t>파티클 적용</a:t>
               </a:r>
-              <a:endParaRPr lang="ko-KR" altLang="en-US" b="1" dirty="0">
-                <a:solidFill>
-                  <a:schemeClr val="tx1"/>
-                </a:solidFill>
-              </a:endParaRPr>
             </a:p>
           </p:txBody>
         </p:sp>
@@ -10344,7 +9946,7 @@
             <a:p>
               <a:pPr algn="ctr"/>
               <a:r>
-                <a:rPr lang="ko-KR" altLang="en-US" dirty="0" smtClean="0">
+                <a:rPr lang="ko-KR" altLang="en-US" dirty="0">
                   <a:solidFill>
                     <a:schemeClr val="tx1"/>
                   </a:solidFill>
@@ -10352,7 +9954,7 @@
                 <a:t>클라이언트 </a:t>
               </a:r>
               <a:r>
-                <a:rPr lang="en-US" altLang="ko-KR" dirty="0" smtClean="0">
+                <a:rPr lang="en-US" altLang="ko-KR" dirty="0">
                   <a:solidFill>
                     <a:schemeClr val="tx1"/>
                   </a:solidFill>
@@ -10360,18 +9962,13 @@
                 <a:t>- </a:t>
               </a:r>
               <a:r>
-                <a:rPr lang="ko-KR" altLang="en-US" dirty="0" smtClean="0">
+                <a:rPr lang="ko-KR" altLang="en-US" dirty="0">
                   <a:solidFill>
                     <a:schemeClr val="tx1"/>
                   </a:solidFill>
                 </a:rPr>
                 <a:t>조지훈</a:t>
               </a:r>
-              <a:endParaRPr lang="ko-KR" altLang="en-US" dirty="0">
-                <a:solidFill>
-                  <a:schemeClr val="tx1"/>
-                </a:solidFill>
-              </a:endParaRPr>
             </a:p>
           </p:txBody>
         </p:sp>
@@ -10438,18 +10035,13 @@
                 <a:buChar char="•"/>
               </a:pPr>
               <a:r>
-                <a:rPr lang="ko-KR" altLang="en-US" b="1" dirty="0" smtClean="0">
+                <a:rPr lang="ko-KR" altLang="en-US" b="1" dirty="0">
                   <a:solidFill>
                     <a:schemeClr val="tx1"/>
                   </a:solidFill>
                 </a:rPr>
                 <a:t>상용 모바일 게임 웹서버 구현</a:t>
               </a:r>
-              <a:endParaRPr lang="ko-KR" altLang="en-US" b="1" dirty="0">
-                <a:solidFill>
-                  <a:schemeClr val="tx1"/>
-                </a:solidFill>
-              </a:endParaRPr>
             </a:p>
           </p:txBody>
         </p:sp>
@@ -10498,7 +10090,7 @@
             <a:p>
               <a:pPr algn="ctr"/>
               <a:r>
-                <a:rPr lang="ko-KR" altLang="en-US" dirty="0" smtClean="0">
+                <a:rPr lang="ko-KR" altLang="en-US" dirty="0">
                   <a:solidFill>
                     <a:schemeClr val="tx1"/>
                   </a:solidFill>
@@ -10506,7 +10098,7 @@
                 <a:t>서버 </a:t>
               </a:r>
               <a:r>
-                <a:rPr lang="en-US" altLang="ko-KR" dirty="0" smtClean="0">
+                <a:rPr lang="en-US" altLang="ko-KR" dirty="0">
                   <a:solidFill>
                     <a:schemeClr val="tx1"/>
                   </a:solidFill>
@@ -10514,18 +10106,13 @@
                 <a:t>- </a:t>
               </a:r>
               <a:r>
-                <a:rPr lang="ko-KR" altLang="en-US" dirty="0" smtClean="0">
+                <a:rPr lang="ko-KR" altLang="en-US" dirty="0">
                   <a:solidFill>
                     <a:schemeClr val="tx1"/>
                   </a:solidFill>
                 </a:rPr>
                 <a:t>이진수</a:t>
               </a:r>
-              <a:endParaRPr lang="ko-KR" altLang="en-US" dirty="0">
-                <a:solidFill>
-                  <a:schemeClr val="tx1"/>
-                </a:solidFill>
-              </a:endParaRPr>
             </a:p>
           </p:txBody>
         </p:sp>
@@ -10540,13 +10127,6 @@
   <p:clrMapOvr>
     <a:masterClrMapping/>
   </p:clrMapOvr>
-  <p:timing>
-    <p:tnLst>
-      <p:par>
-        <p:cTn id="1" dur="indefinite" restart="never" nodeType="tmRoot"/>
-      </p:par>
-    </p:tnLst>
-  </p:timing>
 </p:sld>
 </file>
 
@@ -10584,28 +10164,20 @@
           </a:bodyPr>
           <a:lstStyle/>
           <a:p>
-            <a:r>
-              <a:rPr lang="en-US" altLang="ko-KR" b="1" dirty="0"/>
-              <a:t/>
-            </a:r>
             <a:br>
               <a:rPr lang="en-US" altLang="ko-KR" b="1" dirty="0"/>
             </a:br>
             <a:r>
-              <a:rPr lang="en-US" altLang="ko-KR" b="1" dirty="0" smtClean="0"/>
+              <a:rPr lang="en-US" altLang="ko-KR" b="1" dirty="0"/>
               <a:t>4. </a:t>
             </a:r>
             <a:r>
-              <a:rPr lang="ko-KR" altLang="en-US" b="1" dirty="0" smtClean="0"/>
+              <a:rPr lang="ko-KR" altLang="en-US" b="1" dirty="0"/>
               <a:t>개발 상황</a:t>
             </a:r>
             <a:r>
-              <a:rPr lang="en-US" altLang="ko-KR" sz="3100" b="1" dirty="0" smtClean="0"/>
+              <a:rPr lang="en-US" altLang="ko-KR" sz="3100" b="1" dirty="0"/>
               <a:t> </a:t>
-            </a:r>
-            <a:r>
-              <a:rPr lang="en-US" altLang="ko-KR" b="1" dirty="0"/>
-              <a:t/>
             </a:r>
             <a:br>
               <a:rPr lang="en-US" altLang="ko-KR" b="1" dirty="0"/>
@@ -10690,14 +10262,14 @@
                 <a:buChar char="•"/>
               </a:pPr>
               <a:r>
-                <a:rPr lang="ko-KR" altLang="en-US" b="1" dirty="0" smtClean="0">
+                <a:rPr lang="ko-KR" altLang="en-US" b="1" dirty="0">
                   <a:solidFill>
                     <a:schemeClr val="tx1"/>
                   </a:solidFill>
                 </a:rPr>
                 <a:t>메인 시스템 기획</a:t>
               </a:r>
-              <a:endParaRPr lang="en-US" altLang="ko-KR" b="1" dirty="0" smtClean="0">
+              <a:endParaRPr lang="en-US" altLang="ko-KR" b="1" dirty="0">
                 <a:solidFill>
                   <a:schemeClr val="tx1"/>
                 </a:solidFill>
@@ -10709,7 +10281,7 @@
                 <a:buChar char="•"/>
               </a:pPr>
               <a:r>
-                <a:rPr lang="ko-KR" altLang="en-US" b="1" dirty="0" smtClean="0">
+                <a:rPr lang="ko-KR" altLang="en-US" b="1" dirty="0">
                   <a:solidFill>
                     <a:schemeClr val="tx1"/>
                   </a:solidFill>
@@ -10717,7 +10289,7 @@
                 <a:t>캐릭터</a:t>
               </a:r>
               <a:r>
-                <a:rPr lang="en-US" altLang="ko-KR" b="1" dirty="0" smtClean="0">
+                <a:rPr lang="en-US" altLang="ko-KR" b="1" dirty="0">
                   <a:solidFill>
                     <a:schemeClr val="tx1"/>
                   </a:solidFill>
@@ -10725,14 +10297,14 @@
                 <a:t>/</a:t>
               </a:r>
               <a:r>
-                <a:rPr lang="ko-KR" altLang="en-US" b="1" dirty="0" smtClean="0">
+                <a:rPr lang="ko-KR" altLang="en-US" b="1" dirty="0">
                   <a:solidFill>
                     <a:schemeClr val="tx1"/>
                   </a:solidFill>
                 </a:rPr>
                 <a:t>스킬 기획</a:t>
               </a:r>
-              <a:endParaRPr lang="en-US" altLang="ko-KR" b="1" dirty="0" smtClean="0">
+              <a:endParaRPr lang="en-US" altLang="ko-KR" b="1" dirty="0">
                 <a:solidFill>
                   <a:schemeClr val="tx1"/>
                 </a:solidFill>
@@ -10744,14 +10316,14 @@
                 <a:buChar char="•"/>
               </a:pPr>
               <a:r>
-                <a:rPr lang="ko-KR" altLang="en-US" b="1" dirty="0" smtClean="0">
+                <a:rPr lang="ko-KR" altLang="en-US" b="1" dirty="0">
                   <a:solidFill>
                     <a:schemeClr val="tx1"/>
                   </a:solidFill>
                 </a:rPr>
                 <a:t>스토리 기획</a:t>
               </a:r>
-              <a:endParaRPr lang="en-US" altLang="ko-KR" b="1" dirty="0" smtClean="0">
+              <a:endParaRPr lang="en-US" altLang="ko-KR" b="1" dirty="0">
                 <a:solidFill>
                   <a:schemeClr val="tx1"/>
                 </a:solidFill>
@@ -10763,7 +10335,7 @@
                 <a:buChar char="•"/>
               </a:pPr>
               <a:r>
-                <a:rPr lang="ko-KR" altLang="en-US" b="1" dirty="0" smtClean="0">
+                <a:rPr lang="ko-KR" altLang="en-US" b="1" dirty="0">
                   <a:solidFill>
                     <a:schemeClr val="tx1"/>
                   </a:solidFill>
@@ -10771,7 +10343,7 @@
                 <a:t>챕터</a:t>
               </a:r>
               <a:r>
-                <a:rPr lang="en-US" altLang="ko-KR" b="1" dirty="0" smtClean="0">
+                <a:rPr lang="en-US" altLang="ko-KR" b="1" dirty="0">
                   <a:solidFill>
                     <a:schemeClr val="tx1"/>
                   </a:solidFill>
@@ -10779,14 +10351,14 @@
                 <a:t>/</a:t>
               </a:r>
               <a:r>
-                <a:rPr lang="ko-KR" altLang="en-US" b="1" dirty="0" smtClean="0">
+                <a:rPr lang="ko-KR" altLang="en-US" b="1" dirty="0">
                   <a:solidFill>
                     <a:schemeClr val="tx1"/>
                   </a:solidFill>
                 </a:rPr>
                 <a:t>스테이지 기획</a:t>
               </a:r>
-              <a:endParaRPr lang="en-US" altLang="ko-KR" b="1" dirty="0" smtClean="0">
+              <a:endParaRPr lang="en-US" altLang="ko-KR" b="1" dirty="0">
                 <a:solidFill>
                   <a:schemeClr val="tx1"/>
                 </a:solidFill>
@@ -10798,7 +10370,7 @@
                 <a:buChar char="•"/>
               </a:pPr>
               <a:r>
-                <a:rPr lang="en-US" altLang="ko-KR" b="1" dirty="0" smtClean="0">
+                <a:rPr lang="en-US" altLang="ko-KR" b="1" dirty="0">
                   <a:solidFill>
                     <a:schemeClr val="tx1"/>
                   </a:solidFill>
@@ -10806,14 +10378,14 @@
                 <a:t>UX / UI </a:t>
               </a:r>
               <a:r>
-                <a:rPr lang="ko-KR" altLang="en-US" b="1" dirty="0" smtClean="0">
+                <a:rPr lang="ko-KR" altLang="en-US" b="1" dirty="0">
                   <a:solidFill>
                     <a:schemeClr val="tx1"/>
                   </a:solidFill>
                 </a:rPr>
                 <a:t>기획</a:t>
               </a:r>
-              <a:endParaRPr lang="en-US" altLang="ko-KR" b="1" dirty="0" smtClean="0">
+              <a:endParaRPr lang="en-US" altLang="ko-KR" b="1" dirty="0">
                 <a:solidFill>
                   <a:schemeClr val="tx1"/>
                 </a:solidFill>
@@ -10824,7 +10396,7 @@
                 <a:buFont typeface="Arial" pitchFamily="34" charset="0"/>
                 <a:buChar char="•"/>
               </a:pPr>
-              <a:endParaRPr lang="en-US" altLang="ko-KR" dirty="0" smtClean="0"/>
+              <a:endParaRPr lang="en-US" altLang="ko-KR" dirty="0"/>
             </a:p>
             <a:p>
               <a:pPr marL="285750" indent="-285750">
@@ -10880,7 +10452,7 @@
             <a:p>
               <a:pPr algn="ctr"/>
               <a:r>
-                <a:rPr lang="ko-KR" altLang="en-US" dirty="0" smtClean="0">
+                <a:rPr lang="ko-KR" altLang="en-US" dirty="0">
                   <a:solidFill>
                     <a:schemeClr val="tx1"/>
                   </a:solidFill>
@@ -10893,29 +10465,16 @@
                     <a:schemeClr val="tx1"/>
                   </a:solidFill>
                 </a:rPr>
-                <a:t> </a:t>
-              </a:r>
-              <a:r>
-                <a:rPr lang="en-US" altLang="ko-KR" dirty="0" smtClean="0">
-                  <a:solidFill>
-                    <a:schemeClr val="tx1"/>
-                  </a:solidFill>
-                </a:rPr>
-                <a:t>- </a:t>
-              </a:r>
-              <a:r>
-                <a:rPr lang="ko-KR" altLang="en-US" dirty="0" smtClean="0">
+                <a:t> - </a:t>
+              </a:r>
+              <a:r>
+                <a:rPr lang="ko-KR" altLang="en-US" dirty="0">
                   <a:solidFill>
                     <a:schemeClr val="tx1"/>
                   </a:solidFill>
                 </a:rPr>
                 <a:t>최영민</a:t>
               </a:r>
-              <a:endParaRPr lang="ko-KR" altLang="en-US" dirty="0">
-                <a:solidFill>
-                  <a:schemeClr val="tx1"/>
-                </a:solidFill>
-              </a:endParaRPr>
             </a:p>
           </p:txBody>
         </p:sp>
@@ -10987,15 +10546,7 @@
                     <a:schemeClr val="tx1"/>
                   </a:solidFill>
                 </a:rPr>
-                <a:t>캐릭터 </a:t>
-              </a:r>
-              <a:r>
-                <a:rPr lang="ko-KR" altLang="en-US" b="1" dirty="0" smtClean="0">
-                  <a:solidFill>
-                    <a:schemeClr val="tx1"/>
-                  </a:solidFill>
-                </a:rPr>
-                <a:t>모델링</a:t>
+                <a:t>캐릭터 모델링</a:t>
               </a:r>
               <a:endParaRPr lang="en-US" altLang="ko-KR" b="1" dirty="0">
                 <a:solidFill>
@@ -11014,15 +10565,7 @@
                     <a:schemeClr val="tx1"/>
                   </a:solidFill>
                 </a:rPr>
-                <a:t>타일 </a:t>
-              </a:r>
-              <a:r>
-                <a:rPr lang="ko-KR" altLang="en-US" b="1" dirty="0" smtClean="0">
-                  <a:solidFill>
-                    <a:schemeClr val="tx1"/>
-                  </a:solidFill>
-                </a:rPr>
-                <a:t>모델링</a:t>
+                <a:t>타일 모델링</a:t>
               </a:r>
               <a:endParaRPr lang="en-US" altLang="ko-KR" b="1" dirty="0">
                 <a:solidFill>
@@ -11036,14 +10579,14 @@
                 <a:buChar char="•"/>
               </a:pPr>
               <a:r>
-                <a:rPr lang="ko-KR" altLang="en-US" b="1" dirty="0" smtClean="0">
+                <a:rPr lang="ko-KR" altLang="en-US" b="1" dirty="0">
                   <a:solidFill>
                     <a:schemeClr val="tx1"/>
                   </a:solidFill>
                 </a:rPr>
                 <a:t>조경물 모델링</a:t>
               </a:r>
-              <a:endParaRPr lang="en-US" altLang="ko-KR" b="1" dirty="0" smtClean="0">
+              <a:endParaRPr lang="en-US" altLang="ko-KR" b="1" dirty="0">
                 <a:solidFill>
                   <a:schemeClr val="tx1"/>
                 </a:solidFill>
@@ -11055,7 +10598,7 @@
                 <a:buChar char="•"/>
               </a:pPr>
               <a:r>
-                <a:rPr lang="en-US" altLang="ko-KR" b="1" dirty="0" smtClean="0">
+                <a:rPr lang="en-US" altLang="ko-KR" b="1" dirty="0">
                   <a:solidFill>
                     <a:schemeClr val="tx1"/>
                   </a:solidFill>
@@ -11063,7 +10606,7 @@
                 <a:t>UI </a:t>
               </a:r>
               <a:r>
-                <a:rPr lang="ko-KR" altLang="en-US" b="1" dirty="0" smtClean="0">
+                <a:rPr lang="ko-KR" altLang="en-US" b="1" dirty="0">
                   <a:solidFill>
                     <a:schemeClr val="tx1"/>
                   </a:solidFill>
@@ -11130,7 +10673,7 @@
             <a:p>
               <a:pPr algn="ctr"/>
               <a:r>
-                <a:rPr lang="ko-KR" altLang="en-US" dirty="0" smtClean="0">
+                <a:rPr lang="ko-KR" altLang="en-US" dirty="0">
                   <a:solidFill>
                     <a:schemeClr val="tx1"/>
                   </a:solidFill>
@@ -11138,7 +10681,7 @@
                 <a:t>그래픽 </a:t>
               </a:r>
               <a:r>
-                <a:rPr lang="en-US" altLang="ko-KR" dirty="0" smtClean="0">
+                <a:rPr lang="en-US" altLang="ko-KR" dirty="0">
                   <a:solidFill>
                     <a:schemeClr val="tx1"/>
                   </a:solidFill>
@@ -11146,18 +10689,13 @@
                 <a:t>- </a:t>
               </a:r>
               <a:r>
-                <a:rPr lang="ko-KR" altLang="en-US" dirty="0" smtClean="0">
+                <a:rPr lang="ko-KR" altLang="en-US" dirty="0">
                   <a:solidFill>
                     <a:schemeClr val="tx1"/>
                   </a:solidFill>
                 </a:rPr>
                 <a:t>최영민</a:t>
               </a:r>
-              <a:endParaRPr lang="ko-KR" altLang="en-US" dirty="0">
-                <a:solidFill>
-                  <a:schemeClr val="tx1"/>
-                </a:solidFill>
-              </a:endParaRPr>
             </a:p>
           </p:txBody>
         </p:sp>
@@ -11262,31 +10800,12 @@
                 <a:t>AI </a:t>
               </a:r>
               <a:r>
-                <a:rPr lang="ko-KR" altLang="en-US" b="1" dirty="0" smtClean="0">
+                <a:rPr lang="ko-KR" altLang="en-US" b="1" dirty="0">
                   <a:solidFill>
                     <a:schemeClr val="tx1"/>
                   </a:solidFill>
                 </a:rPr>
                 <a:t>구현</a:t>
-              </a:r>
-              <a:endParaRPr lang="en-US" altLang="ko-KR" b="1" dirty="0" smtClean="0">
-                <a:solidFill>
-                  <a:schemeClr val="tx1"/>
-                </a:solidFill>
-              </a:endParaRPr>
-            </a:p>
-            <a:p>
-              <a:pPr marL="285750" indent="-285750">
-                <a:buFont typeface="Arial" pitchFamily="34" charset="0"/>
-                <a:buChar char="•"/>
-              </a:pPr>
-              <a:r>
-                <a:rPr lang="ko-KR" altLang="en-US" b="1" dirty="0" smtClean="0">
-                  <a:solidFill>
-                    <a:schemeClr val="tx1"/>
-                  </a:solidFill>
-                </a:rPr>
-                <a:t>폰트시스템 구현</a:t>
               </a:r>
               <a:endParaRPr lang="en-US" altLang="ko-KR" b="1" dirty="0">
                 <a:solidFill>
@@ -11300,36 +10819,12 @@
                 <a:buChar char="•"/>
               </a:pPr>
               <a:r>
-                <a:rPr lang="ko-KR" altLang="en-US" b="1" dirty="0" smtClean="0">
-                  <a:solidFill>
-                    <a:schemeClr val="tx1"/>
-                  </a:solidFill>
-                </a:rPr>
-                <a:t>이펙트 </a:t>
-              </a:r>
-              <a:r>
-                <a:rPr lang="en-US" altLang="ko-KR" b="1" dirty="0" smtClean="0">
-                  <a:solidFill>
-                    <a:schemeClr val="tx1"/>
-                  </a:solidFill>
-                </a:rPr>
-                <a:t>, </a:t>
-              </a:r>
-              <a:r>
-                <a:rPr lang="ko-KR" altLang="en-US" b="1" dirty="0" smtClean="0">
-                  <a:solidFill>
-                    <a:schemeClr val="tx1"/>
-                  </a:solidFill>
-                </a:rPr>
-                <a:t>사운드 </a:t>
-              </a:r>
-              <a:r>
                 <a:rPr lang="ko-KR" altLang="en-US" b="1" dirty="0">
                   <a:solidFill>
                     <a:schemeClr val="tx1"/>
                   </a:solidFill>
                 </a:rPr>
-                <a:t>구현</a:t>
+                <a:t>폰트시스템 구현</a:t>
               </a:r>
               <a:endParaRPr lang="en-US" altLang="ko-KR" b="1" dirty="0">
                 <a:solidFill>
@@ -11343,28 +10838,28 @@
                 <a:buChar char="•"/>
               </a:pPr>
               <a:r>
-                <a:rPr lang="en-US" altLang="ko-KR" b="1" dirty="0" smtClean="0">
-                  <a:solidFill>
-                    <a:schemeClr val="tx1"/>
-                  </a:solidFill>
-                </a:rPr>
-                <a:t>XML</a:t>
-              </a:r>
-              <a:r>
-                <a:rPr lang="ko-KR" altLang="en-US" b="1" dirty="0" smtClean="0">
-                  <a:solidFill>
-                    <a:schemeClr val="tx1"/>
-                  </a:solidFill>
-                </a:rPr>
-                <a:t> </a:t>
-              </a:r>
-              <a:r>
                 <a:rPr lang="ko-KR" altLang="en-US" b="1" dirty="0">
                   <a:solidFill>
                     <a:schemeClr val="tx1"/>
                   </a:solidFill>
                 </a:rPr>
-                <a:t>파일입출력 구현</a:t>
+                <a:t>이펙트 </a:t>
+              </a:r>
+              <a:r>
+                <a:rPr lang="en-US" altLang="ko-KR" b="1" dirty="0">
+                  <a:solidFill>
+                    <a:schemeClr val="tx1"/>
+                  </a:solidFill>
+                </a:rPr>
+                <a:t>, </a:t>
+              </a:r>
+              <a:r>
+                <a:rPr lang="ko-KR" altLang="en-US" b="1" dirty="0">
+                  <a:solidFill>
+                    <a:schemeClr val="tx1"/>
+                  </a:solidFill>
+                </a:rPr>
+                <a:t>사운드 구현</a:t>
               </a:r>
               <a:endParaRPr lang="en-US" altLang="ko-KR" b="1" dirty="0">
                 <a:solidFill>
@@ -11378,14 +10873,22 @@
                 <a:buChar char="•"/>
               </a:pPr>
               <a:r>
-                <a:rPr lang="ko-KR" altLang="en-US" b="1" dirty="0" smtClean="0">
+                <a:rPr lang="en-US" altLang="ko-KR" b="1" dirty="0">
                   <a:solidFill>
                     <a:schemeClr val="tx1"/>
                   </a:solidFill>
                 </a:rPr>
-                <a:t>기획된 게임로직 구현</a:t>
-              </a:r>
-              <a:endParaRPr lang="en-US" altLang="ko-KR" b="1" dirty="0" smtClean="0">
+                <a:t>XML</a:t>
+              </a:r>
+              <a:r>
+                <a:rPr lang="ko-KR" altLang="en-US" b="1" dirty="0">
+                  <a:solidFill>
+                    <a:schemeClr val="tx1"/>
+                  </a:solidFill>
+                </a:rPr>
+                <a:t> 파일입출력 구현</a:t>
+              </a:r>
+              <a:endParaRPr lang="en-US" altLang="ko-KR" b="1" dirty="0">
                 <a:solidFill>
                   <a:schemeClr val="tx1"/>
                 </a:solidFill>
@@ -11397,20 +10900,31 @@
                 <a:buChar char="•"/>
               </a:pPr>
               <a:r>
-                <a:rPr lang="ko-KR" altLang="en-US" b="1" dirty="0" smtClean="0">
-                  <a:solidFill>
-                    <a:schemeClr val="tx1"/>
-                  </a:solidFill>
-                </a:rPr>
-                <a:t>맵툴 </a:t>
-              </a:r>
-              <a:r>
                 <a:rPr lang="ko-KR" altLang="en-US" b="1" dirty="0">
                   <a:solidFill>
                     <a:schemeClr val="tx1"/>
                   </a:solidFill>
                 </a:rPr>
-                <a:t>구현 </a:t>
+                <a:t>기획된 게임로직 구현</a:t>
+              </a:r>
+              <a:endParaRPr lang="en-US" altLang="ko-KR" b="1" dirty="0">
+                <a:solidFill>
+                  <a:schemeClr val="tx1"/>
+                </a:solidFill>
+              </a:endParaRPr>
+            </a:p>
+            <a:p>
+              <a:pPr marL="285750" indent="-285750">
+                <a:buFont typeface="Arial" pitchFamily="34" charset="0"/>
+                <a:buChar char="•"/>
+              </a:pPr>
+              <a:r>
+                <a:rPr lang="ko-KR" altLang="en-US" b="1" dirty="0">
+                  <a:solidFill>
+                    <a:schemeClr val="tx1"/>
+                  </a:solidFill>
+                </a:rPr>
+                <a:t>맵툴 구현 </a:t>
               </a:r>
               <a:endParaRPr lang="en-US" altLang="ko-KR" b="1" dirty="0">
                 <a:solidFill>
@@ -11472,7 +10986,7 @@
             <a:p>
               <a:pPr algn="ctr"/>
               <a:r>
-                <a:rPr lang="ko-KR" altLang="en-US" dirty="0" smtClean="0">
+                <a:rPr lang="ko-KR" altLang="en-US" dirty="0">
                   <a:solidFill>
                     <a:schemeClr val="tx1"/>
                   </a:solidFill>
@@ -11480,7 +10994,7 @@
                 <a:t>클라이언트 </a:t>
               </a:r>
               <a:r>
-                <a:rPr lang="en-US" altLang="ko-KR" dirty="0" smtClean="0">
+                <a:rPr lang="en-US" altLang="ko-KR" dirty="0">
                   <a:solidFill>
                     <a:schemeClr val="tx1"/>
                   </a:solidFill>
@@ -11488,18 +11002,13 @@
                 <a:t>- </a:t>
               </a:r>
               <a:r>
-                <a:rPr lang="ko-KR" altLang="en-US" dirty="0" smtClean="0">
+                <a:rPr lang="ko-KR" altLang="en-US" dirty="0">
                   <a:solidFill>
                     <a:schemeClr val="tx1"/>
                   </a:solidFill>
                 </a:rPr>
                 <a:t>조지훈</a:t>
               </a:r>
-              <a:endParaRPr lang="ko-KR" altLang="en-US" dirty="0">
-                <a:solidFill>
-                  <a:schemeClr val="tx1"/>
-                </a:solidFill>
-              </a:endParaRPr>
             </a:p>
           </p:txBody>
         </p:sp>
@@ -11593,18 +11102,13 @@
                 <a:buChar char="•"/>
               </a:pPr>
               <a:r>
-                <a:rPr lang="ko-KR" altLang="en-US" b="1" dirty="0" smtClean="0">
+                <a:rPr lang="ko-KR" altLang="en-US" b="1" dirty="0">
                   <a:solidFill>
                     <a:schemeClr val="tx1"/>
                   </a:solidFill>
                 </a:rPr>
                 <a:t>웹서버 구현</a:t>
               </a:r>
-              <a:endParaRPr lang="ko-KR" altLang="en-US" b="1" dirty="0">
-                <a:solidFill>
-                  <a:schemeClr val="tx1"/>
-                </a:solidFill>
-              </a:endParaRPr>
             </a:p>
           </p:txBody>
         </p:sp>
@@ -11653,7 +11157,7 @@
             <a:p>
               <a:pPr algn="ctr"/>
               <a:r>
-                <a:rPr lang="ko-KR" altLang="en-US" dirty="0" smtClean="0">
+                <a:rPr lang="ko-KR" altLang="en-US" dirty="0">
                   <a:solidFill>
                     <a:schemeClr val="tx1"/>
                   </a:solidFill>
@@ -11661,7 +11165,7 @@
                 <a:t>서버 </a:t>
               </a:r>
               <a:r>
-                <a:rPr lang="en-US" altLang="ko-KR" dirty="0" smtClean="0">
+                <a:rPr lang="en-US" altLang="ko-KR" dirty="0">
                   <a:solidFill>
                     <a:schemeClr val="tx1"/>
                   </a:solidFill>
@@ -11669,18 +11173,13 @@
                 <a:t>- </a:t>
               </a:r>
               <a:r>
-                <a:rPr lang="ko-KR" altLang="en-US" dirty="0" smtClean="0">
+                <a:rPr lang="ko-KR" altLang="en-US" dirty="0">
                   <a:solidFill>
                     <a:schemeClr val="tx1"/>
                   </a:solidFill>
                 </a:rPr>
                 <a:t>이진수</a:t>
               </a:r>
-              <a:endParaRPr lang="ko-KR" altLang="en-US" dirty="0">
-                <a:solidFill>
-                  <a:schemeClr val="tx1"/>
-                </a:solidFill>
-              </a:endParaRPr>
             </a:p>
           </p:txBody>
         </p:sp>
@@ -11695,13 +11194,6 @@
   <p:clrMapOvr>
     <a:masterClrMapping/>
   </p:clrMapOvr>
-  <p:timing>
-    <p:tnLst>
-      <p:par>
-        <p:cTn id="1" dur="indefinite" restart="never" nodeType="tmRoot"/>
-      </p:par>
-    </p:tnLst>
-  </p:timing>
 </p:sld>
 </file>
 
@@ -11815,13 +11307,6 @@
   <p:clrMapOvr>
     <a:masterClrMapping/>
   </p:clrMapOvr>
-  <p:timing>
-    <p:tnLst>
-      <p:par>
-        <p:cTn id="1" dur="indefinite" restart="never" nodeType="tmRoot"/>
-      </p:par>
-    </p:tnLst>
-  </p:timing>
 </p:sld>
 </file>
 
@@ -11859,24 +11344,16 @@
           </a:bodyPr>
           <a:lstStyle/>
           <a:p>
-            <a:r>
-              <a:rPr lang="en-US" altLang="ko-KR" b="1" dirty="0"/>
-              <a:t/>
-            </a:r>
             <a:br>
               <a:rPr lang="en-US" altLang="ko-KR" b="1" dirty="0"/>
             </a:br>
             <a:r>
-              <a:rPr lang="en-US" altLang="ko-KR" b="1" dirty="0" smtClean="0"/>
+              <a:rPr lang="en-US" altLang="ko-KR" b="1" dirty="0"/>
               <a:t>5. </a:t>
             </a:r>
             <a:r>
-              <a:rPr lang="ko-KR" altLang="en-US" b="1" dirty="0" smtClean="0"/>
+              <a:rPr lang="ko-KR" altLang="en-US" b="1" dirty="0"/>
               <a:t>개발 미흡점</a:t>
-            </a:r>
-            <a:r>
-              <a:rPr lang="en-US" altLang="ko-KR" b="1" dirty="0"/>
-              <a:t/>
             </a:r>
             <a:br>
               <a:rPr lang="en-US" altLang="ko-KR" b="1" dirty="0"/>
@@ -11961,10 +11438,10 @@
                 <a:buChar char="•"/>
               </a:pPr>
               <a:r>
-                <a:rPr lang="ko-KR" altLang="en-US" b="1" dirty="0" smtClean="0"/>
+                <a:rPr lang="ko-KR" altLang="en-US" b="1" dirty="0"/>
                 <a:t>개별 시스템 기획</a:t>
               </a:r>
-              <a:endParaRPr lang="en-US" altLang="ko-KR" b="1" dirty="0" smtClean="0"/>
+              <a:endParaRPr lang="en-US" altLang="ko-KR" b="1" dirty="0"/>
             </a:p>
             <a:p>
               <a:pPr marL="285750" indent="-285750">
@@ -11972,10 +11449,10 @@
                 <a:buChar char="•"/>
               </a:pPr>
               <a:r>
-                <a:rPr lang="ko-KR" altLang="en-US" b="1" dirty="0" smtClean="0"/>
+                <a:rPr lang="ko-KR" altLang="en-US" b="1" dirty="0"/>
                 <a:t>문서의 가독성</a:t>
               </a:r>
-              <a:endParaRPr lang="en-US" altLang="ko-KR" b="1" dirty="0" smtClean="0"/>
+              <a:endParaRPr lang="en-US" altLang="ko-KR" b="1" dirty="0"/>
             </a:p>
             <a:p>
               <a:pPr marL="285750" indent="-285750">
@@ -11983,14 +11460,14 @@
                 <a:buChar char="•"/>
               </a:pPr>
               <a:r>
-                <a:rPr lang="en-US" altLang="ko-KR" b="1" dirty="0" smtClean="0"/>
+                <a:rPr lang="en-US" altLang="ko-KR" b="1" dirty="0"/>
                 <a:t>UX/UI </a:t>
               </a:r>
               <a:r>
-                <a:rPr lang="ko-KR" altLang="en-US" b="1" dirty="0" smtClean="0"/>
+                <a:rPr lang="ko-KR" altLang="en-US" b="1" dirty="0"/>
                 <a:t>기획</a:t>
               </a:r>
-              <a:endParaRPr lang="en-US" altLang="ko-KR" b="1" dirty="0" smtClean="0"/>
+              <a:endParaRPr lang="en-US" altLang="ko-KR" b="1" dirty="0"/>
             </a:p>
             <a:p>
               <a:pPr marL="285750" indent="-285750">
@@ -11998,23 +11475,23 @@
                 <a:buChar char="•"/>
               </a:pPr>
               <a:r>
-                <a:rPr lang="ko-KR" altLang="en-US" b="1" dirty="0" smtClean="0"/>
+                <a:rPr lang="ko-KR" altLang="en-US" b="1" dirty="0"/>
                 <a:t>사운드</a:t>
               </a:r>
               <a:r>
-                <a:rPr lang="en-US" altLang="ko-KR" b="1" dirty="0" smtClean="0"/>
+                <a:rPr lang="en-US" altLang="ko-KR" b="1" dirty="0"/>
                 <a:t>,</a:t>
               </a:r>
               <a:r>
-                <a:rPr lang="ko-KR" altLang="en-US" b="1" dirty="0" smtClean="0"/>
+                <a:rPr lang="ko-KR" altLang="en-US" b="1" dirty="0"/>
                 <a:t>이펙트</a:t>
               </a:r>
               <a:r>
-                <a:rPr lang="en-US" altLang="ko-KR" b="1" dirty="0" smtClean="0"/>
+                <a:rPr lang="en-US" altLang="ko-KR" b="1" dirty="0"/>
                 <a:t>,</a:t>
               </a:r>
               <a:r>
-                <a:rPr lang="ko-KR" altLang="en-US" b="1" dirty="0" smtClean="0"/>
+                <a:rPr lang="ko-KR" altLang="en-US" b="1" dirty="0"/>
                 <a:t>애니메이션등 디테일 기획</a:t>
               </a:r>
               <a:endParaRPr lang="en-US" altLang="ko-KR" b="1" dirty="0"/>
@@ -12073,7 +11550,7 @@
             <a:p>
               <a:pPr algn="ctr"/>
               <a:r>
-                <a:rPr lang="ko-KR" altLang="en-US" dirty="0" smtClean="0">
+                <a:rPr lang="ko-KR" altLang="en-US" dirty="0">
                   <a:solidFill>
                     <a:schemeClr val="tx1"/>
                   </a:solidFill>
@@ -12086,29 +11563,16 @@
                     <a:schemeClr val="tx1"/>
                   </a:solidFill>
                 </a:rPr>
-                <a:t> </a:t>
-              </a:r>
-              <a:r>
-                <a:rPr lang="en-US" altLang="ko-KR" dirty="0" smtClean="0">
-                  <a:solidFill>
-                    <a:schemeClr val="tx1"/>
-                  </a:solidFill>
-                </a:rPr>
-                <a:t>- </a:t>
-              </a:r>
-              <a:r>
-                <a:rPr lang="ko-KR" altLang="en-US" dirty="0" smtClean="0">
+                <a:t> - </a:t>
+              </a:r>
+              <a:r>
+                <a:rPr lang="ko-KR" altLang="en-US" dirty="0">
                   <a:solidFill>
                     <a:schemeClr val="tx1"/>
                   </a:solidFill>
                 </a:rPr>
                 <a:t>최영민</a:t>
               </a:r>
-              <a:endParaRPr lang="ko-KR" altLang="en-US" dirty="0">
-                <a:solidFill>
-                  <a:schemeClr val="tx1"/>
-                </a:solidFill>
-              </a:endParaRPr>
             </a:p>
           </p:txBody>
         </p:sp>
@@ -12175,14 +11639,14 @@
                 <a:buChar char="•"/>
               </a:pPr>
               <a:r>
-                <a:rPr lang="ko-KR" altLang="en-US" b="1" dirty="0" smtClean="0">
+                <a:rPr lang="ko-KR" altLang="en-US" b="1" dirty="0">
                   <a:solidFill>
                     <a:schemeClr val="tx1"/>
                   </a:solidFill>
                 </a:rPr>
                 <a:t>그래픽 저작툴 사용</a:t>
               </a:r>
-              <a:endParaRPr lang="en-US" altLang="ko-KR" b="1" dirty="0" smtClean="0">
+              <a:endParaRPr lang="en-US" altLang="ko-KR" b="1" dirty="0">
                 <a:solidFill>
                   <a:schemeClr val="tx1"/>
                 </a:solidFill>
@@ -12194,7 +11658,7 @@
                 <a:buChar char="•"/>
               </a:pPr>
               <a:r>
-                <a:rPr lang="ko-KR" altLang="en-US" b="1" dirty="0" smtClean="0">
+                <a:rPr lang="ko-KR" altLang="en-US" b="1" dirty="0">
                   <a:solidFill>
                     <a:schemeClr val="tx1"/>
                   </a:solidFill>
@@ -12202,7 +11666,7 @@
                 <a:t>저퀄리티 </a:t>
               </a:r>
               <a:r>
-                <a:rPr lang="en-US" altLang="ko-KR" b="1" dirty="0" smtClean="0">
+                <a:rPr lang="en-US" altLang="ko-KR" b="1" dirty="0">
                   <a:solidFill>
                     <a:schemeClr val="tx1"/>
                   </a:solidFill>
@@ -12216,7 +11680,7 @@
                 <a:buChar char="•"/>
               </a:pPr>
               <a:r>
-                <a:rPr lang="ko-KR" altLang="en-US" b="1" dirty="0" smtClean="0">
+                <a:rPr lang="ko-KR" altLang="en-US" b="1" dirty="0">
                   <a:solidFill>
                     <a:schemeClr val="tx1"/>
                   </a:solidFill>
@@ -12283,7 +11747,7 @@
             <a:p>
               <a:pPr algn="ctr"/>
               <a:r>
-                <a:rPr lang="ko-KR" altLang="en-US" dirty="0" smtClean="0">
+                <a:rPr lang="ko-KR" altLang="en-US" dirty="0">
                   <a:solidFill>
                     <a:schemeClr val="tx1"/>
                   </a:solidFill>
@@ -12291,7 +11755,7 @@
                 <a:t>그래픽 </a:t>
               </a:r>
               <a:r>
-                <a:rPr lang="en-US" altLang="ko-KR" dirty="0" smtClean="0">
+                <a:rPr lang="en-US" altLang="ko-KR" dirty="0">
                   <a:solidFill>
                     <a:schemeClr val="tx1"/>
                   </a:solidFill>
@@ -12299,18 +11763,13 @@
                 <a:t>- </a:t>
               </a:r>
               <a:r>
-                <a:rPr lang="ko-KR" altLang="en-US" dirty="0" smtClean="0">
+                <a:rPr lang="ko-KR" altLang="en-US" dirty="0">
                   <a:solidFill>
                     <a:schemeClr val="tx1"/>
                   </a:solidFill>
                 </a:rPr>
                 <a:t>최영민</a:t>
               </a:r>
-              <a:endParaRPr lang="ko-KR" altLang="en-US" dirty="0">
-                <a:solidFill>
-                  <a:schemeClr val="tx1"/>
-                </a:solidFill>
-              </a:endParaRPr>
             </a:p>
           </p:txBody>
         </p:sp>
@@ -12425,7 +11884,7 @@
             <a:p>
               <a:pPr algn="ctr"/>
               <a:r>
-                <a:rPr lang="ko-KR" altLang="en-US" dirty="0" smtClean="0">
+                <a:rPr lang="ko-KR" altLang="en-US" dirty="0">
                   <a:solidFill>
                     <a:schemeClr val="tx1"/>
                   </a:solidFill>
@@ -12433,7 +11892,7 @@
                 <a:t>클라이언트 </a:t>
               </a:r>
               <a:r>
-                <a:rPr lang="en-US" altLang="ko-KR" dirty="0" smtClean="0">
+                <a:rPr lang="en-US" altLang="ko-KR" dirty="0">
                   <a:solidFill>
                     <a:schemeClr val="tx1"/>
                   </a:solidFill>
@@ -12441,18 +11900,13 @@
                 <a:t>- </a:t>
               </a:r>
               <a:r>
-                <a:rPr lang="ko-KR" altLang="en-US" dirty="0" smtClean="0">
+                <a:rPr lang="ko-KR" altLang="en-US" dirty="0">
                   <a:solidFill>
                     <a:schemeClr val="tx1"/>
                   </a:solidFill>
                 </a:rPr>
                 <a:t>조지훈</a:t>
               </a:r>
-              <a:endParaRPr lang="ko-KR" altLang="en-US" dirty="0">
-                <a:solidFill>
-                  <a:schemeClr val="tx1"/>
-                </a:solidFill>
-              </a:endParaRPr>
             </a:p>
           </p:txBody>
         </p:sp>
@@ -12519,20 +11973,12 @@
                 <a:buChar char="•"/>
               </a:pPr>
               <a:r>
-                <a:rPr lang="ko-KR" altLang="en-US" b="1" dirty="0" smtClean="0">
-                  <a:solidFill>
-                    <a:schemeClr val="tx1"/>
-                  </a:solidFill>
-                </a:rPr>
-                <a:t>보안 이</a:t>
-              </a:r>
-              <a:r>
                 <a:rPr lang="ko-KR" altLang="en-US" b="1" dirty="0">
                   <a:solidFill>
                     <a:schemeClr val="tx1"/>
                   </a:solidFill>
                 </a:rPr>
-                <a:t>슈</a:t>
+                <a:t>보안 이슈</a:t>
               </a:r>
               <a:endParaRPr lang="en-US" altLang="ko-KR" b="1" dirty="0">
                 <a:solidFill>
@@ -12546,7 +11992,7 @@
                 <a:buChar char="•"/>
               </a:pPr>
               <a:r>
-                <a:rPr lang="ko-KR" altLang="en-US" b="1" dirty="0" smtClean="0">
+                <a:rPr lang="ko-KR" altLang="en-US" b="1" dirty="0">
                   <a:solidFill>
                     <a:schemeClr val="tx1"/>
                   </a:solidFill>
@@ -12554,7 +12000,7 @@
                 <a:t>유저분석 연계된 </a:t>
               </a:r>
               <a:r>
-                <a:rPr lang="en-US" altLang="ko-KR" b="1" dirty="0" smtClean="0">
+                <a:rPr lang="en-US" altLang="ko-KR" b="1" dirty="0">
                   <a:solidFill>
                     <a:schemeClr val="tx1"/>
                   </a:solidFill>
@@ -12568,30 +12014,14 @@
                 <a:buChar char="•"/>
               </a:pPr>
               <a:r>
-                <a:rPr lang="ko-KR" altLang="en-US" b="1" dirty="0" smtClean="0">
-                  <a:solidFill>
-                    <a:schemeClr val="tx1"/>
-                  </a:solidFill>
-                </a:rPr>
-                <a:t>구글 </a:t>
-              </a:r>
-              <a:r>
                 <a:rPr lang="ko-KR" altLang="en-US" b="1" dirty="0">
                   <a:solidFill>
                     <a:schemeClr val="tx1"/>
                   </a:solidFill>
                 </a:rPr>
-                <a:t>로그인 </a:t>
-              </a:r>
-              <a:r>
-                <a:rPr lang="ko-KR" altLang="en-US" b="1" dirty="0" smtClean="0">
-                  <a:solidFill>
-                    <a:schemeClr val="tx1"/>
-                  </a:solidFill>
-                </a:rPr>
-                <a:t>연동</a:t>
-              </a:r>
-              <a:endParaRPr lang="en-US" altLang="ko-KR" b="1" dirty="0" smtClean="0">
+                <a:t>구글 로그인 연동</a:t>
+              </a:r>
+              <a:endParaRPr lang="en-US" altLang="ko-KR" b="1" dirty="0">
                 <a:solidFill>
                   <a:schemeClr val="tx1"/>
                 </a:solidFill>
@@ -12603,7 +12033,7 @@
                 <a:buChar char="•"/>
               </a:pPr>
               <a:r>
-                <a:rPr lang="ko-KR" altLang="en-US" b="1" dirty="0" smtClean="0">
+                <a:rPr lang="ko-KR" altLang="en-US" b="1" dirty="0">
                   <a:solidFill>
                     <a:schemeClr val="tx1"/>
                   </a:solidFill>
@@ -12611,7 +12041,7 @@
                 <a:t>콘솔 </a:t>
               </a:r>
               <a:r>
-                <a:rPr lang="en-US" altLang="ko-KR" b="1" dirty="0" smtClean="0">
+                <a:rPr lang="en-US" altLang="ko-KR" b="1" dirty="0">
                   <a:solidFill>
                     <a:schemeClr val="tx1"/>
                   </a:solidFill>
@@ -12619,7 +12049,7 @@
                 <a:t>GIT </a:t>
               </a:r>
               <a:r>
-                <a:rPr lang="ko-KR" altLang="en-US" b="1" dirty="0" smtClean="0">
+                <a:rPr lang="ko-KR" altLang="en-US" b="1" dirty="0">
                   <a:solidFill>
                     <a:schemeClr val="tx1"/>
                   </a:solidFill>
@@ -12679,7 +12109,7 @@
             <a:p>
               <a:pPr algn="ctr"/>
               <a:r>
-                <a:rPr lang="ko-KR" altLang="en-US" dirty="0" smtClean="0">
+                <a:rPr lang="ko-KR" altLang="en-US" dirty="0">
                   <a:solidFill>
                     <a:schemeClr val="tx1"/>
                   </a:solidFill>
@@ -12687,7 +12117,7 @@
                 <a:t>서버 </a:t>
               </a:r>
               <a:r>
-                <a:rPr lang="en-US" altLang="ko-KR" dirty="0" smtClean="0">
+                <a:rPr lang="en-US" altLang="ko-KR" dirty="0">
                   <a:solidFill>
                     <a:schemeClr val="tx1"/>
                   </a:solidFill>
@@ -12695,18 +12125,13 @@
                 <a:t>- </a:t>
               </a:r>
               <a:r>
-                <a:rPr lang="ko-KR" altLang="en-US" dirty="0" smtClean="0">
+                <a:rPr lang="ko-KR" altLang="en-US" dirty="0">
                   <a:solidFill>
                     <a:schemeClr val="tx1"/>
                   </a:solidFill>
                 </a:rPr>
                 <a:t>이진수</a:t>
               </a:r>
-              <a:endParaRPr lang="ko-KR" altLang="en-US" dirty="0">
-                <a:solidFill>
-                  <a:schemeClr val="tx1"/>
-                </a:solidFill>
-              </a:endParaRPr>
             </a:p>
           </p:txBody>
         </p:sp>
@@ -12721,13 +12146,6 @@
   <p:clrMapOvr>
     <a:masterClrMapping/>
   </p:clrMapOvr>
-  <p:timing>
-    <p:tnLst>
-      <p:par>
-        <p:cTn id="1" dur="indefinite" restart="never" nodeType="tmRoot"/>
-      </p:par>
-    </p:tnLst>
-  </p:timing>
 </p:sld>
 </file>
 
@@ -13020,7 +12438,7 @@
   <a:extraClrSchemeLst/>
   <a:extLst>
     <a:ext uri="{05A4C25C-085E-4340-85A3-A5531E510DB2}">
-      <thm15:themeFamily xmlns:thm15="http://schemas.microsoft.com/office/thememl/2012/main" xmlns="" name="Office Theme" id="{62F939B6-93AF-4DB8-9C6B-D6C7DFDC589F}" vid="{4A3C46E8-61CC-4603-A589-7422A47A8E4A}"/>
+      <thm15:themeFamily xmlns:thm15="http://schemas.microsoft.com/office/thememl/2012/main" name="Office Theme" id="{62F939B6-93AF-4DB8-9C6B-D6C7DFDC589F}" vid="{4A3C46E8-61CC-4603-A589-7422A47A8E4A}"/>
     </a:ext>
   </a:extLst>
 </a:theme>

--- a/기획문서/중간발표/Aww_중간발표.pptx
+++ b/기획문서/중간발표/Aww_중간발표.pptx
@@ -132,7 +132,7 @@
   </p:defaultTextStyle>
   <p:extLst>
     <p:ext uri="{EFAFB233-063F-42B5-8137-9DF3F51BA10A}">
-      <p15:sldGuideLst xmlns:p15="http://schemas.microsoft.com/office/powerpoint/2012/main" xmlns="">
+      <p15:sldGuideLst xmlns="" xmlns:p15="http://schemas.microsoft.com/office/powerpoint/2012/main">
         <p15:guide id="1" orient="horz" pos="2160">
           <p15:clr>
             <a:srgbClr val="A4A3A4"/>
@@ -3984,8 +3984,43 @@
                 <a:buChar char="•"/>
               </a:pPr>
               <a:r>
+                <a:rPr lang="en-US" altLang="ko-KR" b="1" dirty="0" smtClean="0"/>
+                <a:t>UX/UI </a:t>
+              </a:r>
+              <a:r>
+                <a:rPr lang="ko-KR" altLang="en-US" b="1" dirty="0"/>
+                <a:t>기획서 작성</a:t>
+              </a:r>
+              <a:endParaRPr lang="en-US" altLang="ko-KR" b="1" dirty="0"/>
+            </a:p>
+            <a:p>
+              <a:pPr marL="285750" indent="-285750">
+                <a:buFont typeface="Arial" pitchFamily="34" charset="0"/>
+                <a:buChar char="•"/>
+              </a:pPr>
+              <a:r>
+                <a:rPr lang="ko-KR" altLang="en-US" b="1" dirty="0"/>
+                <a:t>사운드</a:t>
+              </a:r>
+              <a:r>
+                <a:rPr lang="en-US" altLang="ko-KR" b="1" dirty="0"/>
+                <a:t>,</a:t>
+              </a:r>
+              <a:r>
+                <a:rPr lang="ko-KR" altLang="en-US" b="1" dirty="0"/>
+                <a:t>이펙트</a:t>
+              </a:r>
+              <a:r>
+                <a:rPr lang="en-US" altLang="ko-KR" b="1" dirty="0"/>
+                <a:t>,</a:t>
+              </a:r>
+              <a:r>
+                <a:rPr lang="ko-KR" altLang="en-US" b="1" dirty="0"/>
+                <a:t>애니메이션 </a:t>
+              </a:r>
+              <a:r>
                 <a:rPr lang="ko-KR" altLang="en-US" b="1" dirty="0" smtClean="0"/>
-                <a:t>시스템 개별 기획서</a:t>
+                <a:t>기획</a:t>
               </a:r>
               <a:endParaRPr lang="en-US" altLang="ko-KR" b="1" dirty="0" smtClean="0"/>
             </a:p>
@@ -3995,14 +4030,13 @@
                 <a:buChar char="•"/>
               </a:pPr>
               <a:r>
+                <a:rPr lang="ko-KR" altLang="en-US" b="1" dirty="0" smtClean="0"/>
+                <a:t>레벨 디자인</a:t>
+              </a:r>
+              <a:r>
                 <a:rPr lang="en-US" altLang="ko-KR" b="1" dirty="0" smtClean="0"/>
-                <a:t>UX/UI </a:t>
-              </a:r>
-              <a:r>
-                <a:rPr lang="ko-KR" altLang="en-US" b="1" dirty="0"/>
-                <a:t>기획서 작성</a:t>
-              </a:r>
-              <a:endParaRPr lang="en-US" altLang="ko-KR" b="1" dirty="0"/>
+                <a:t> </a:t>
+              </a:r>
             </a:p>
             <a:p>
               <a:pPr marL="285750" indent="-285750">
@@ -4010,68 +4044,16 @@
                 <a:buChar char="•"/>
               </a:pPr>
               <a:r>
-                <a:rPr lang="ko-KR" altLang="en-US" b="1" dirty="0"/>
-                <a:t>사운드</a:t>
-              </a:r>
-              <a:r>
-                <a:rPr lang="en-US" altLang="ko-KR" b="1" dirty="0"/>
-                <a:t>,</a:t>
-              </a:r>
-              <a:r>
-                <a:rPr lang="ko-KR" altLang="en-US" b="1" dirty="0"/>
-                <a:t>이펙트</a:t>
-              </a:r>
-              <a:r>
-                <a:rPr lang="en-US" altLang="ko-KR" b="1" dirty="0"/>
-                <a:t>,</a:t>
-              </a:r>
-              <a:r>
-                <a:rPr lang="ko-KR" altLang="en-US" b="1" dirty="0"/>
-                <a:t>애니메이션 </a:t>
-              </a:r>
-              <a:r>
-                <a:rPr lang="ko-KR" altLang="en-US" b="1" dirty="0" smtClean="0"/>
-                <a:t>기획</a:t>
-              </a:r>
-              <a:endParaRPr lang="en-US" altLang="ko-KR" b="1" dirty="0" smtClean="0"/>
-            </a:p>
-            <a:p>
-              <a:pPr marL="285750" indent="-285750">
-                <a:buFont typeface="Arial" pitchFamily="34" charset="0"/>
-                <a:buChar char="•"/>
-              </a:pPr>
-              <a:r>
-                <a:rPr lang="ko-KR" altLang="en-US" b="1" dirty="0" smtClean="0"/>
-                <a:t>레벨 디자인</a:t>
-              </a:r>
-              <a:r>
-                <a:rPr lang="en-US" altLang="ko-KR" b="1" dirty="0" smtClean="0"/>
-                <a:t> </a:t>
-              </a:r>
-            </a:p>
-            <a:p>
-              <a:pPr marL="285750" indent="-285750">
-                <a:buFont typeface="Arial" pitchFamily="34" charset="0"/>
-                <a:buChar char="•"/>
-              </a:pPr>
-              <a:r>
-                <a:rPr lang="ko-KR" altLang="en-US" b="1" dirty="0" smtClean="0"/>
-                <a:t>수치 디자인</a:t>
-              </a:r>
-              <a:endParaRPr lang="en-US" altLang="ko-KR" b="1" dirty="0" smtClean="0"/>
-            </a:p>
-            <a:p>
-              <a:pPr marL="285750" indent="-285750">
-                <a:buFont typeface="Arial" pitchFamily="34" charset="0"/>
-                <a:buChar char="•"/>
-              </a:pPr>
-              <a:r>
                 <a:rPr lang="en-US" altLang="ko-KR" b="1" dirty="0" smtClean="0"/>
                 <a:t>BM</a:t>
               </a:r>
               <a:r>
                 <a:rPr lang="ko-KR" altLang="en-US" b="1" dirty="0" smtClean="0"/>
-                <a:t> 재설계</a:t>
+                <a:t> </a:t>
+              </a:r>
+              <a:r>
+                <a:rPr lang="ko-KR" altLang="en-US" b="1" dirty="0" smtClean="0"/>
+                <a:t>재설계</a:t>
               </a:r>
               <a:endParaRPr lang="en-US" altLang="ko-KR" b="1" dirty="0"/>
             </a:p>
@@ -13020,7 +13002,7 @@
   <a:extraClrSchemeLst/>
   <a:extLst>
     <a:ext uri="{05A4C25C-085E-4340-85A3-A5531E510DB2}">
-      <thm15:themeFamily xmlns:thm15="http://schemas.microsoft.com/office/thememl/2012/main" xmlns="" name="Office Theme" id="{62F939B6-93AF-4DB8-9C6B-D6C7DFDC589F}" vid="{4A3C46E8-61CC-4603-A589-7422A47A8E4A}"/>
+      <thm15:themeFamily xmlns="" xmlns:thm15="http://schemas.microsoft.com/office/thememl/2012/main" name="Office Theme" id="{62F939B6-93AF-4DB8-9C6B-D6C7DFDC589F}" vid="{4A3C46E8-61CC-4603-A589-7422A47A8E4A}"/>
     </a:ext>
   </a:extLst>
 </a:theme>

--- a/기획문서/중간발표/Aww_중간발표.pptx
+++ b/기획문서/중간발표/Aww_중간발표.pptx
@@ -5,10 +5,10 @@
     <p:sldMasterId id="2147483648" r:id="rId1"/>
   </p:sldMasterIdLst>
   <p:notesMasterIdLst>
-    <p:notesMasterId r:id="rId23"/>
+    <p:notesMasterId r:id="rId16"/>
   </p:notesMasterIdLst>
   <p:handoutMasterIdLst>
-    <p:handoutMasterId r:id="rId24"/>
+    <p:handoutMasterId r:id="rId17"/>
   </p:handoutMasterIdLst>
   <p:sldIdLst>
     <p:sldId id="256" r:id="rId2"/>
@@ -25,13 +25,6 @@
     <p:sldId id="279" r:id="rId13"/>
     <p:sldId id="265" r:id="rId14"/>
     <p:sldId id="280" r:id="rId15"/>
-    <p:sldId id="273" r:id="rId16"/>
-    <p:sldId id="274" r:id="rId17"/>
-    <p:sldId id="275" r:id="rId18"/>
-    <p:sldId id="276" r:id="rId19"/>
-    <p:sldId id="277" r:id="rId20"/>
-    <p:sldId id="278" r:id="rId21"/>
-    <p:sldId id="281" r:id="rId22"/>
   </p:sldIdLst>
   <p:sldSz cx="12192000" cy="6858000"/>
   <p:notesSz cx="6858000" cy="9144000"/>
@@ -132,7 +125,7 @@
   </p:defaultTextStyle>
   <p:extLst>
     <p:ext uri="{EFAFB233-063F-42B5-8137-9DF3F51BA10A}">
-      <p15:sldGuideLst xmlns="" xmlns:p15="http://schemas.microsoft.com/office/powerpoint/2012/main">
+      <p15:sldGuideLst xmlns:p15="http://schemas.microsoft.com/office/powerpoint/2012/main" xmlns="">
         <p15:guide id="1" orient="horz" pos="2160">
           <p15:clr>
             <a:srgbClr val="A4A3A4"/>
@@ -231,7 +224,7 @@
           <a:p>
             <a:fld id="{C01DA57C-525A-483D-BB95-B3AA2178D15B}" type="datetimeFigureOut">
               <a:rPr lang="ko-KR" altLang="en-US" smtClean="0"/>
-              <a:t>2016-05-10</a:t>
+              <a:t>2016-05-11</a:t>
             </a:fld>
             <a:endParaRPr lang="ko-KR" altLang="en-US"/>
           </a:p>
@@ -397,7 +390,7 @@
           <a:p>
             <a:fld id="{6C359908-2688-4626-9703-D941A7507AB5}" type="datetimeFigureOut">
               <a:rPr lang="ko-KR" altLang="en-US" smtClean="0"/>
-              <a:t>2016-05-10</a:t>
+              <a:t>2016-05-11</a:t>
             </a:fld>
             <a:endParaRPr lang="ko-KR" altLang="en-US"/>
           </a:p>
@@ -879,7 +872,7 @@
           <a:p>
             <a:fld id="{CA8DE845-1C5F-416F-8617-C1B7363F8B26}" type="datetime1">
               <a:rPr lang="ko-KR" altLang="en-US" smtClean="0"/>
-              <a:t>2016-05-10</a:t>
+              <a:t>2016-05-11</a:t>
             </a:fld>
             <a:endParaRPr lang="ko-KR" altLang="en-US"/>
           </a:p>
@@ -1047,7 +1040,7 @@
           <a:p>
             <a:fld id="{14E1F7A5-A2D4-4285-8C4D-AE53052C11C4}" type="datetime1">
               <a:rPr lang="ko-KR" altLang="en-US" smtClean="0"/>
-              <a:t>2016-05-10</a:t>
+              <a:t>2016-05-11</a:t>
             </a:fld>
             <a:endParaRPr lang="ko-KR" altLang="en-US"/>
           </a:p>
@@ -1225,7 +1218,7 @@
           <a:p>
             <a:fld id="{9A883F9D-8B82-4233-9BC2-42F15A67E5D6}" type="datetime1">
               <a:rPr lang="ko-KR" altLang="en-US" smtClean="0"/>
-              <a:t>2016-05-10</a:t>
+              <a:t>2016-05-11</a:t>
             </a:fld>
             <a:endParaRPr lang="ko-KR" altLang="en-US"/>
           </a:p>
@@ -1393,7 +1386,7 @@
           <a:p>
             <a:fld id="{C35F1DFC-B93C-4C57-9324-B134FB45B096}" type="datetime1">
               <a:rPr lang="ko-KR" altLang="en-US" smtClean="0"/>
-              <a:t>2016-05-10</a:t>
+              <a:t>2016-05-11</a:t>
             </a:fld>
             <a:endParaRPr lang="ko-KR" altLang="en-US"/>
           </a:p>
@@ -1638,7 +1631,7 @@
           <a:p>
             <a:fld id="{71097BF1-679B-4D2F-BFD1-99FEF4C1D1C4}" type="datetime1">
               <a:rPr lang="ko-KR" altLang="en-US" smtClean="0"/>
-              <a:t>2016-05-10</a:t>
+              <a:t>2016-05-11</a:t>
             </a:fld>
             <a:endParaRPr lang="ko-KR" altLang="en-US"/>
           </a:p>
@@ -1867,7 +1860,7 @@
           <a:p>
             <a:fld id="{72E2C973-E4AD-4205-9865-908439E67FC9}" type="datetime1">
               <a:rPr lang="ko-KR" altLang="en-US" smtClean="0"/>
-              <a:t>2016-05-10</a:t>
+              <a:t>2016-05-11</a:t>
             </a:fld>
             <a:endParaRPr lang="ko-KR" altLang="en-US"/>
           </a:p>
@@ -2231,7 +2224,7 @@
           <a:p>
             <a:fld id="{F1630B2A-53DD-4733-A408-785D91974C35}" type="datetime1">
               <a:rPr lang="ko-KR" altLang="en-US" smtClean="0"/>
-              <a:t>2016-05-10</a:t>
+              <a:t>2016-05-11</a:t>
             </a:fld>
             <a:endParaRPr lang="ko-KR" altLang="en-US"/>
           </a:p>
@@ -2348,7 +2341,7 @@
           <a:p>
             <a:fld id="{8846F695-B098-42F1-BACD-30E47BB2D026}" type="datetime1">
               <a:rPr lang="ko-KR" altLang="en-US" smtClean="0"/>
-              <a:t>2016-05-10</a:t>
+              <a:t>2016-05-11</a:t>
             </a:fld>
             <a:endParaRPr lang="ko-KR" altLang="en-US"/>
           </a:p>
@@ -2443,7 +2436,7 @@
           <a:p>
             <a:fld id="{F9CFE27F-5504-4361-9D82-76FE96C876B0}" type="datetime1">
               <a:rPr lang="ko-KR" altLang="en-US" smtClean="0"/>
-              <a:t>2016-05-10</a:t>
+              <a:t>2016-05-11</a:t>
             </a:fld>
             <a:endParaRPr lang="ko-KR" altLang="en-US"/>
           </a:p>
@@ -2718,7 +2711,7 @@
           <a:p>
             <a:fld id="{3CB31587-26D7-45EA-BAD0-DC6A80ED7590}" type="datetime1">
               <a:rPr lang="ko-KR" altLang="en-US" smtClean="0"/>
-              <a:t>2016-05-10</a:t>
+              <a:t>2016-05-11</a:t>
             </a:fld>
             <a:endParaRPr lang="ko-KR" altLang="en-US"/>
           </a:p>
@@ -2970,7 +2963,7 @@
           <a:p>
             <a:fld id="{EA06E6AC-7C5B-4CDC-926B-2F658D6B625C}" type="datetime1">
               <a:rPr lang="ko-KR" altLang="en-US" smtClean="0"/>
-              <a:t>2016-05-10</a:t>
+              <a:t>2016-05-11</a:t>
             </a:fld>
             <a:endParaRPr lang="ko-KR" altLang="en-US"/>
           </a:p>
@@ -3191,7 +3184,7 @@
           <a:p>
             <a:fld id="{84CA5D6B-1B3B-401D-8CC9-327BB51EC254}" type="datetime1">
               <a:rPr lang="ko-KR" altLang="en-US" smtClean="0"/>
-              <a:t>2016-05-10</a:t>
+              <a:t>2016-05-11</a:t>
             </a:fld>
             <a:endParaRPr lang="ko-KR" altLang="en-US"/>
           </a:p>
@@ -3786,7 +3779,7 @@
         <p:spPr>
           <a:xfrm>
             <a:off x="1216479" y="5314949"/>
-            <a:ext cx="2090057" cy="767444"/>
+            <a:ext cx="2090057" cy="938894"/>
           </a:xfrm>
           <a:prstGeom prst="rect">
             <a:avLst/>
@@ -4049,11 +4042,7 @@
               </a:r>
               <a:r>
                 <a:rPr lang="ko-KR" altLang="en-US" b="1" dirty="0" smtClean="0"/>
-                <a:t> </a:t>
-              </a:r>
-              <a:r>
-                <a:rPr lang="ko-KR" altLang="en-US" b="1" dirty="0" smtClean="0"/>
-                <a:t>재설계</a:t>
+                <a:t> 재설계</a:t>
               </a:r>
               <a:endParaRPr lang="en-US" altLang="ko-KR" b="1" dirty="0"/>
             </a:p>
@@ -5618,6 +5607,36 @@
           </a:p>
         </p:txBody>
       </p:sp>
+      <p:pic>
+        <p:nvPicPr>
+          <p:cNvPr id="7" name="Picture 6"/>
+          <p:cNvPicPr>
+            <a:picLocks noChangeAspect="1"/>
+          </p:cNvPicPr>
+          <p:nvPr/>
+        </p:nvPicPr>
+        <p:blipFill>
+          <a:blip r:embed="rId2">
+            <a:extLst>
+              <a:ext uri="{28A0092B-C50C-407E-A947-70E740481C1C}">
+                <a14:useLocalDpi xmlns:a14="http://schemas.microsoft.com/office/drawing/2010/main" val="0"/>
+              </a:ext>
+            </a:extLst>
+          </a:blip>
+          <a:stretch>
+            <a:fillRect/>
+          </a:stretch>
+        </p:blipFill>
+        <p:spPr>
+          <a:xfrm>
+            <a:off x="1022637" y="1510393"/>
+            <a:ext cx="10146726" cy="4743450"/>
+          </a:xfrm>
+          <a:prstGeom prst="rect">
+            <a:avLst/>
+          </a:prstGeom>
+        </p:spPr>
+      </p:pic>
     </p:spTree>
     <p:extLst>
       <p:ext uri="{BB962C8B-B14F-4D97-AF65-F5344CB8AC3E}">
@@ -5845,1102 +5864,6 @@
 </p:sld>
 </file>
 
-<file path=ppt/slides/slide15.xml><?xml version="1.0" encoding="utf-8"?>
-<p:sld xmlns:a="http://schemas.openxmlformats.org/drawingml/2006/main" xmlns:r="http://schemas.openxmlformats.org/officeDocument/2006/relationships" xmlns:p="http://schemas.openxmlformats.org/presentationml/2006/main">
-  <p:cSld>
-    <p:spTree>
-      <p:nvGrpSpPr>
-        <p:cNvPr id="1" name=""/>
-        <p:cNvGrpSpPr/>
-        <p:nvPr/>
-      </p:nvGrpSpPr>
-      <p:grpSpPr>
-        <a:xfrm>
-          <a:off x="0" y="0"/>
-          <a:ext cx="0" cy="0"/>
-          <a:chOff x="0" y="0"/>
-          <a:chExt cx="0" cy="0"/>
-        </a:xfrm>
-      </p:grpSpPr>
-      <p:sp>
-        <p:nvSpPr>
-          <p:cNvPr id="2" name="제목 1"/>
-          <p:cNvSpPr>
-            <a:spLocks noGrp="1"/>
-          </p:cNvSpPr>
-          <p:nvPr>
-            <p:ph type="title"/>
-          </p:nvPr>
-        </p:nvSpPr>
-        <p:spPr/>
-        <p:txBody>
-          <a:bodyPr>
-            <a:normAutofit fontScale="90000"/>
-          </a:bodyPr>
-          <a:lstStyle/>
-          <a:p>
-            <a:r>
-              <a:rPr lang="en-US" altLang="ko-KR" b="1" dirty="0"/>
-              <a:t/>
-            </a:r>
-            <a:br>
-              <a:rPr lang="en-US" altLang="ko-KR" b="1" dirty="0"/>
-            </a:br>
-            <a:r>
-              <a:rPr lang="en-US" altLang="ko-KR" b="1" dirty="0"/>
-              <a:t>4-2. </a:t>
-            </a:r>
-            <a:r>
-              <a:rPr lang="ko-KR" altLang="en-US" b="1" dirty="0"/>
-              <a:t>기획</a:t>
-            </a:r>
-            <a:r>
-              <a:rPr lang="en-US" altLang="ko-KR" b="1" dirty="0"/>
-              <a:t>,</a:t>
-            </a:r>
-            <a:r>
-              <a:rPr lang="ko-KR" altLang="en-US" b="1" dirty="0"/>
-              <a:t>그래픽 개발 상황 </a:t>
-            </a:r>
-            <a:r>
-              <a:rPr lang="en-US" altLang="ko-KR" b="1" dirty="0"/>
-              <a:t>– </a:t>
-            </a:r>
-            <a:r>
-              <a:rPr lang="ko-KR" altLang="en-US" sz="3100" b="1" dirty="0"/>
-              <a:t>최영민</a:t>
-            </a:r>
-            <a:r>
-              <a:rPr lang="en-US" altLang="ko-KR" b="1" dirty="0"/>
-              <a:t/>
-            </a:r>
-            <a:br>
-              <a:rPr lang="en-US" altLang="ko-KR" b="1" dirty="0"/>
-            </a:br>
-            <a:endParaRPr lang="ko-KR" altLang="en-US" dirty="0"/>
-          </a:p>
-        </p:txBody>
-      </p:sp>
-      <p:sp>
-        <p:nvSpPr>
-          <p:cNvPr id="3" name="내용 개체 틀 2"/>
-          <p:cNvSpPr>
-            <a:spLocks noGrp="1"/>
-          </p:cNvSpPr>
-          <p:nvPr>
-            <p:ph idx="1"/>
-          </p:nvPr>
-        </p:nvSpPr>
-        <p:spPr>
-          <a:xfrm>
-            <a:off x="838200" y="1825624"/>
-            <a:ext cx="10366829" cy="4865462"/>
-          </a:xfrm>
-        </p:spPr>
-        <p:txBody>
-          <a:bodyPr>
-            <a:normAutofit lnSpcReduction="10000"/>
-          </a:bodyPr>
-          <a:lstStyle/>
-          <a:p>
-            <a:r>
-              <a:rPr lang="ko-KR" altLang="en-US" b="1" dirty="0"/>
-              <a:t>메인 시스템 기획</a:t>
-            </a:r>
-            <a:endParaRPr lang="en-US" altLang="ko-KR" b="1" dirty="0"/>
-          </a:p>
-          <a:p>
-            <a:r>
-              <a:rPr lang="ko-KR" altLang="en-US" b="1" dirty="0"/>
-              <a:t>스토리라인 </a:t>
-            </a:r>
-            <a:r>
-              <a:rPr lang="ko-KR" altLang="en-US" b="1" dirty="0" smtClean="0"/>
-              <a:t>기획</a:t>
-            </a:r>
-            <a:endParaRPr lang="en-US" altLang="ko-KR" b="1" dirty="0" smtClean="0"/>
-          </a:p>
-          <a:p>
-            <a:r>
-              <a:rPr lang="ko-KR" altLang="en-US" b="1" dirty="0" smtClean="0"/>
-              <a:t>캐릭터</a:t>
-            </a:r>
-            <a:r>
-              <a:rPr lang="en-US" altLang="ko-KR" b="1" dirty="0" smtClean="0"/>
-              <a:t>/</a:t>
-            </a:r>
-            <a:r>
-              <a:rPr lang="ko-KR" altLang="en-US" b="1" dirty="0" smtClean="0"/>
-              <a:t>스킬 기획</a:t>
-            </a:r>
-            <a:endParaRPr lang="en-US" altLang="ko-KR" b="1" dirty="0"/>
-          </a:p>
-          <a:p>
-            <a:r>
-              <a:rPr lang="ko-KR" altLang="en-US" b="1" dirty="0"/>
-              <a:t>챕터</a:t>
-            </a:r>
-            <a:r>
-              <a:rPr lang="en-US" altLang="ko-KR" b="1" dirty="0"/>
-              <a:t>/</a:t>
-            </a:r>
-            <a:r>
-              <a:rPr lang="ko-KR" altLang="en-US" b="1" dirty="0"/>
-              <a:t>스테이지 </a:t>
-            </a:r>
-            <a:r>
-              <a:rPr lang="ko-KR" altLang="en-US" b="1" dirty="0" smtClean="0"/>
-              <a:t>기획</a:t>
-            </a:r>
-            <a:endParaRPr lang="en-US" altLang="ko-KR" b="1" dirty="0"/>
-          </a:p>
-          <a:p>
-            <a:r>
-              <a:rPr lang="en-US" altLang="ko-KR" b="1" dirty="0"/>
-              <a:t>UX/UI </a:t>
-            </a:r>
-            <a:r>
-              <a:rPr lang="ko-KR" altLang="en-US" b="1" dirty="0" smtClean="0"/>
-              <a:t>기획후 피드백을 받아 개선중</a:t>
-            </a:r>
-            <a:endParaRPr lang="en-US" altLang="ko-KR" b="1" dirty="0" smtClean="0"/>
-          </a:p>
-          <a:p>
-            <a:pPr marL="0" indent="0">
-              <a:buNone/>
-            </a:pPr>
-            <a:r>
-              <a:rPr lang="en-US" altLang="ko-KR" b="1" dirty="0" smtClean="0"/>
-              <a:t>------------------------------------------------------</a:t>
-            </a:r>
-          </a:p>
-          <a:p>
-            <a:r>
-              <a:rPr lang="ko-KR" altLang="en-US" b="1" dirty="0" smtClean="0"/>
-              <a:t>캐릭터 </a:t>
-            </a:r>
-            <a:r>
-              <a:rPr lang="ko-KR" altLang="en-US" b="1" dirty="0"/>
-              <a:t>모델링완료</a:t>
-            </a:r>
-            <a:endParaRPr lang="en-US" altLang="ko-KR" b="1" dirty="0"/>
-          </a:p>
-          <a:p>
-            <a:r>
-              <a:rPr lang="ko-KR" altLang="en-US" b="1" dirty="0"/>
-              <a:t>타일 모델링완료</a:t>
-            </a:r>
-            <a:endParaRPr lang="en-US" altLang="ko-KR" b="1" dirty="0"/>
-          </a:p>
-          <a:p>
-            <a:r>
-              <a:rPr lang="ko-KR" altLang="en-US" b="1" dirty="0"/>
-              <a:t>조경오브젝트 </a:t>
-            </a:r>
-            <a:r>
-              <a:rPr lang="en-US" altLang="ko-KR" b="1" dirty="0"/>
-              <a:t>80%</a:t>
-            </a:r>
-            <a:r>
-              <a:rPr lang="ko-KR" altLang="en-US" b="1" dirty="0"/>
-              <a:t>이상 제작</a:t>
-            </a:r>
-            <a:endParaRPr lang="en-US" altLang="ko-KR" b="1" dirty="0"/>
-          </a:p>
-          <a:p>
-            <a:r>
-              <a:rPr lang="en-US" altLang="ko-KR" b="1" dirty="0"/>
-              <a:t>UI </a:t>
-            </a:r>
-            <a:r>
-              <a:rPr lang="ko-KR" altLang="en-US" b="1" dirty="0"/>
-              <a:t>제작중</a:t>
-            </a:r>
-            <a:endParaRPr lang="en-US" altLang="ko-KR" b="1" dirty="0"/>
-          </a:p>
-          <a:p>
-            <a:endParaRPr lang="en-US" altLang="ko-KR" dirty="0"/>
-          </a:p>
-          <a:p>
-            <a:pPr marL="0" indent="0">
-              <a:buNone/>
-            </a:pPr>
-            <a:endParaRPr lang="ko-KR" altLang="en-US" dirty="0"/>
-          </a:p>
-        </p:txBody>
-      </p:sp>
-      <p:sp>
-        <p:nvSpPr>
-          <p:cNvPr id="5" name="Slide Number Placeholder 4"/>
-          <p:cNvSpPr>
-            <a:spLocks noGrp="1"/>
-          </p:cNvSpPr>
-          <p:nvPr>
-            <p:ph type="sldNum" sz="quarter" idx="12"/>
-          </p:nvPr>
-        </p:nvSpPr>
-        <p:spPr/>
-        <p:txBody>
-          <a:bodyPr/>
-          <a:lstStyle/>
-          <a:p>
-            <a:fld id="{FBFC020C-1606-4BED-91BA-A6230104B3B1}" type="slidenum">
-              <a:rPr lang="ko-KR" altLang="en-US" smtClean="0"/>
-              <a:t>15</a:t>
-            </a:fld>
-            <a:endParaRPr lang="ko-KR" altLang="en-US"/>
-          </a:p>
-        </p:txBody>
-      </p:sp>
-    </p:spTree>
-    <p:extLst>
-      <p:ext uri="{BB962C8B-B14F-4D97-AF65-F5344CB8AC3E}">
-        <p14:creationId xmlns:p14="http://schemas.microsoft.com/office/powerpoint/2010/main" val="3773845397"/>
-      </p:ext>
-    </p:extLst>
-  </p:cSld>
-  <p:clrMapOvr>
-    <a:masterClrMapping/>
-  </p:clrMapOvr>
-  <p:timing>
-    <p:tnLst>
-      <p:par>
-        <p:cTn id="1" dur="indefinite" restart="never" nodeType="tmRoot"/>
-      </p:par>
-    </p:tnLst>
-  </p:timing>
-</p:sld>
-</file>
-
-<file path=ppt/slides/slide16.xml><?xml version="1.0" encoding="utf-8"?>
-<p:sld xmlns:a="http://schemas.openxmlformats.org/drawingml/2006/main" xmlns:r="http://schemas.openxmlformats.org/officeDocument/2006/relationships" xmlns:p="http://schemas.openxmlformats.org/presentationml/2006/main">
-  <p:cSld>
-    <p:spTree>
-      <p:nvGrpSpPr>
-        <p:cNvPr id="1" name=""/>
-        <p:cNvGrpSpPr/>
-        <p:nvPr/>
-      </p:nvGrpSpPr>
-      <p:grpSpPr>
-        <a:xfrm>
-          <a:off x="0" y="0"/>
-          <a:ext cx="0" cy="0"/>
-          <a:chOff x="0" y="0"/>
-          <a:chExt cx="0" cy="0"/>
-        </a:xfrm>
-      </p:grpSpPr>
-      <p:sp>
-        <p:nvSpPr>
-          <p:cNvPr id="2" name="제목 1"/>
-          <p:cNvSpPr>
-            <a:spLocks noGrp="1"/>
-          </p:cNvSpPr>
-          <p:nvPr>
-            <p:ph type="title"/>
-          </p:nvPr>
-        </p:nvSpPr>
-        <p:spPr/>
-        <p:txBody>
-          <a:bodyPr>
-            <a:normAutofit fontScale="90000"/>
-          </a:bodyPr>
-          <a:lstStyle/>
-          <a:p>
-            <a:r>
-              <a:rPr lang="en-US" altLang="ko-KR" b="1" dirty="0"/>
-              <a:t/>
-            </a:r>
-            <a:br>
-              <a:rPr lang="en-US" altLang="ko-KR" b="1" dirty="0"/>
-            </a:br>
-            <a:r>
-              <a:rPr lang="en-US" altLang="ko-KR" b="1" dirty="0"/>
-              <a:t>4-2.</a:t>
-            </a:r>
-            <a:r>
-              <a:rPr lang="ko-KR" altLang="en-US" b="1" dirty="0"/>
-              <a:t> 기획</a:t>
-            </a:r>
-            <a:r>
-              <a:rPr lang="en-US" altLang="ko-KR" b="1" dirty="0"/>
-              <a:t>,</a:t>
-            </a:r>
-            <a:r>
-              <a:rPr lang="ko-KR" altLang="en-US" b="1" dirty="0"/>
-              <a:t>그래픽 개발 미흡점 </a:t>
-            </a:r>
-            <a:r>
-              <a:rPr lang="en-US" altLang="ko-KR" b="1" dirty="0"/>
-              <a:t>– </a:t>
-            </a:r>
-            <a:r>
-              <a:rPr lang="ko-KR" altLang="en-US" sz="3100" b="1" dirty="0"/>
-              <a:t>최영민</a:t>
-            </a:r>
-            <a:r>
-              <a:rPr lang="en-US" altLang="ko-KR" b="1" dirty="0"/>
-              <a:t/>
-            </a:r>
-            <a:br>
-              <a:rPr lang="en-US" altLang="ko-KR" b="1" dirty="0"/>
-            </a:br>
-            <a:endParaRPr lang="ko-KR" altLang="en-US" dirty="0"/>
-          </a:p>
-        </p:txBody>
-      </p:sp>
-      <p:sp>
-        <p:nvSpPr>
-          <p:cNvPr id="3" name="내용 개체 틀 2"/>
-          <p:cNvSpPr>
-            <a:spLocks noGrp="1"/>
-          </p:cNvSpPr>
-          <p:nvPr>
-            <p:ph idx="1"/>
-          </p:nvPr>
-        </p:nvSpPr>
-        <p:spPr>
-          <a:xfrm>
-            <a:off x="838200" y="1825624"/>
-            <a:ext cx="10366829" cy="4865462"/>
-          </a:xfrm>
-        </p:spPr>
-        <p:txBody>
-          <a:bodyPr>
-            <a:normAutofit/>
-          </a:bodyPr>
-          <a:lstStyle/>
-          <a:p>
-            <a:r>
-              <a:rPr lang="ko-KR" altLang="en-US" b="1" dirty="0"/>
-              <a:t>개별 시스템 문서 작성 미흡</a:t>
-            </a:r>
-            <a:endParaRPr lang="en-US" altLang="ko-KR" b="1" dirty="0"/>
-          </a:p>
-          <a:p>
-            <a:r>
-              <a:rPr lang="en-US" altLang="ko-KR" b="1" dirty="0"/>
-              <a:t>UX/UI </a:t>
-            </a:r>
-            <a:r>
-              <a:rPr lang="ko-KR" altLang="en-US" b="1" dirty="0"/>
-              <a:t>기획 미흡</a:t>
-            </a:r>
-            <a:endParaRPr lang="en-US" altLang="ko-KR" b="1" dirty="0"/>
-          </a:p>
-          <a:p>
-            <a:r>
-              <a:rPr lang="ko-KR" altLang="en-US" b="1" dirty="0" smtClean="0"/>
-              <a:t>사운드</a:t>
-            </a:r>
-            <a:r>
-              <a:rPr lang="en-US" altLang="ko-KR" b="1" dirty="0" smtClean="0"/>
-              <a:t>,</a:t>
-            </a:r>
-            <a:r>
-              <a:rPr lang="ko-KR" altLang="en-US" b="1" dirty="0" smtClean="0"/>
-              <a:t>이펙트</a:t>
-            </a:r>
-            <a:r>
-              <a:rPr lang="en-US" altLang="ko-KR" b="1" dirty="0" smtClean="0"/>
-              <a:t>,</a:t>
-            </a:r>
-            <a:r>
-              <a:rPr lang="ko-KR" altLang="en-US" b="1" dirty="0" smtClean="0"/>
-              <a:t>애니메이션에 </a:t>
-            </a:r>
-            <a:r>
-              <a:rPr lang="ko-KR" altLang="en-US" b="1" dirty="0"/>
-              <a:t>대한 기획 미흡</a:t>
-            </a:r>
-            <a:endParaRPr lang="en-US" altLang="ko-KR" b="1" dirty="0"/>
-          </a:p>
-          <a:p>
-            <a:pPr marL="0" indent="0">
-              <a:buNone/>
-            </a:pPr>
-            <a:r>
-              <a:rPr lang="en-US" altLang="ko-KR" b="1" dirty="0"/>
-              <a:t>-----------------------------------------------------</a:t>
-            </a:r>
-          </a:p>
-          <a:p>
-            <a:r>
-              <a:rPr lang="ko-KR" altLang="en-US" b="1" dirty="0"/>
-              <a:t>애니메이션의 부재</a:t>
-            </a:r>
-            <a:endParaRPr lang="en-US" altLang="ko-KR" b="1" dirty="0"/>
-          </a:p>
-          <a:p>
-            <a:r>
-              <a:rPr lang="ko-KR" altLang="en-US" b="1" dirty="0"/>
-              <a:t>그래픽 툴 사용 미흡으로 인한 낮은 퀄리티의 </a:t>
-            </a:r>
-            <a:r>
-              <a:rPr lang="en-US" altLang="ko-KR" b="1" dirty="0"/>
-              <a:t>UI </a:t>
-            </a:r>
-            <a:r>
-              <a:rPr lang="ko-KR" altLang="en-US" b="1" dirty="0"/>
-              <a:t>제작</a:t>
-            </a:r>
-            <a:endParaRPr lang="en-US" altLang="ko-KR" b="1" dirty="0"/>
-          </a:p>
-          <a:p>
-            <a:r>
-              <a:rPr lang="ko-KR" altLang="en-US" b="1" dirty="0"/>
-              <a:t>이펙트 제작 미흡</a:t>
-            </a:r>
-            <a:endParaRPr lang="en-US" altLang="ko-KR" b="1" dirty="0"/>
-          </a:p>
-          <a:p>
-            <a:endParaRPr lang="en-US" altLang="ko-KR" dirty="0"/>
-          </a:p>
-          <a:p>
-            <a:endParaRPr lang="ko-KR" altLang="en-US" dirty="0"/>
-          </a:p>
-        </p:txBody>
-      </p:sp>
-      <p:sp>
-        <p:nvSpPr>
-          <p:cNvPr id="5" name="Slide Number Placeholder 4"/>
-          <p:cNvSpPr>
-            <a:spLocks noGrp="1"/>
-          </p:cNvSpPr>
-          <p:nvPr>
-            <p:ph type="sldNum" sz="quarter" idx="12"/>
-          </p:nvPr>
-        </p:nvSpPr>
-        <p:spPr/>
-        <p:txBody>
-          <a:bodyPr/>
-          <a:lstStyle/>
-          <a:p>
-            <a:fld id="{FBFC020C-1606-4BED-91BA-A6230104B3B1}" type="slidenum">
-              <a:rPr lang="ko-KR" altLang="en-US" smtClean="0"/>
-              <a:t>16</a:t>
-            </a:fld>
-            <a:endParaRPr lang="ko-KR" altLang="en-US"/>
-          </a:p>
-        </p:txBody>
-      </p:sp>
-    </p:spTree>
-    <p:extLst>
-      <p:ext uri="{BB962C8B-B14F-4D97-AF65-F5344CB8AC3E}">
-        <p14:creationId xmlns:p14="http://schemas.microsoft.com/office/powerpoint/2010/main" val="980689935"/>
-      </p:ext>
-    </p:extLst>
-  </p:cSld>
-  <p:clrMapOvr>
-    <a:masterClrMapping/>
-  </p:clrMapOvr>
-  <p:timing>
-    <p:tnLst>
-      <p:par>
-        <p:cTn id="1" dur="indefinite" restart="never" nodeType="tmRoot"/>
-      </p:par>
-    </p:tnLst>
-  </p:timing>
-</p:sld>
-</file>
-
-<file path=ppt/slides/slide17.xml><?xml version="1.0" encoding="utf-8"?>
-<p:sld xmlns:a="http://schemas.openxmlformats.org/drawingml/2006/main" xmlns:r="http://schemas.openxmlformats.org/officeDocument/2006/relationships" xmlns:p="http://schemas.openxmlformats.org/presentationml/2006/main">
-  <p:cSld>
-    <p:spTree>
-      <p:nvGrpSpPr>
-        <p:cNvPr id="1" name=""/>
-        <p:cNvGrpSpPr/>
-        <p:nvPr/>
-      </p:nvGrpSpPr>
-      <p:grpSpPr>
-        <a:xfrm>
-          <a:off x="0" y="0"/>
-          <a:ext cx="0" cy="0"/>
-          <a:chOff x="0" y="0"/>
-          <a:chExt cx="0" cy="0"/>
-        </a:xfrm>
-      </p:grpSpPr>
-      <p:sp>
-        <p:nvSpPr>
-          <p:cNvPr id="2" name="제목 1"/>
-          <p:cNvSpPr>
-            <a:spLocks noGrp="1"/>
-          </p:cNvSpPr>
-          <p:nvPr>
-            <p:ph type="title"/>
-          </p:nvPr>
-        </p:nvSpPr>
-        <p:spPr/>
-        <p:txBody>
-          <a:bodyPr>
-            <a:normAutofit fontScale="90000"/>
-          </a:bodyPr>
-          <a:lstStyle/>
-          <a:p>
-            <a:r>
-              <a:rPr lang="en-US" altLang="ko-KR" b="1" dirty="0"/>
-              <a:t/>
-            </a:r>
-            <a:br>
-              <a:rPr lang="en-US" altLang="ko-KR" b="1" dirty="0"/>
-            </a:br>
-            <a:r>
-              <a:rPr lang="en-US" altLang="ko-KR" b="1" dirty="0"/>
-              <a:t>4-2. </a:t>
-            </a:r>
-            <a:r>
-              <a:rPr lang="ko-KR" altLang="en-US" b="1" dirty="0"/>
-              <a:t>차후 기획</a:t>
-            </a:r>
-            <a:r>
-              <a:rPr lang="en-US" altLang="ko-KR" b="1" dirty="0"/>
-              <a:t>,</a:t>
-            </a:r>
-            <a:r>
-              <a:rPr lang="ko-KR" altLang="en-US" b="1" dirty="0"/>
-              <a:t>그래픽 개발 예정</a:t>
-            </a:r>
-            <a:r>
-              <a:rPr lang="en-US" altLang="ko-KR" b="1" dirty="0"/>
-              <a:t>– </a:t>
-            </a:r>
-            <a:r>
-              <a:rPr lang="ko-KR" altLang="en-US" sz="3100" b="1" dirty="0"/>
-              <a:t>최영민</a:t>
-            </a:r>
-            <a:r>
-              <a:rPr lang="en-US" altLang="ko-KR" b="1" dirty="0"/>
-              <a:t/>
-            </a:r>
-            <a:br>
-              <a:rPr lang="en-US" altLang="ko-KR" b="1" dirty="0"/>
-            </a:br>
-            <a:endParaRPr lang="ko-KR" altLang="en-US" dirty="0"/>
-          </a:p>
-        </p:txBody>
-      </p:sp>
-      <p:sp>
-        <p:nvSpPr>
-          <p:cNvPr id="3" name="내용 개체 틀 2"/>
-          <p:cNvSpPr>
-            <a:spLocks noGrp="1"/>
-          </p:cNvSpPr>
-          <p:nvPr>
-            <p:ph idx="1"/>
-          </p:nvPr>
-        </p:nvSpPr>
-        <p:spPr>
-          <a:xfrm>
-            <a:off x="838200" y="1825624"/>
-            <a:ext cx="10366829" cy="4865462"/>
-          </a:xfrm>
-        </p:spPr>
-        <p:txBody>
-          <a:bodyPr>
-            <a:normAutofit/>
-          </a:bodyPr>
-          <a:lstStyle/>
-          <a:p>
-            <a:r>
-              <a:rPr lang="ko-KR" altLang="en-US" b="1" dirty="0"/>
-              <a:t>시스템별 개별 기획서 작성</a:t>
-            </a:r>
-            <a:endParaRPr lang="en-US" altLang="ko-KR" b="1" dirty="0"/>
-          </a:p>
-          <a:p>
-            <a:r>
-              <a:rPr lang="en-US" altLang="ko-KR" b="1" dirty="0"/>
-              <a:t>UX </a:t>
-            </a:r>
-            <a:r>
-              <a:rPr lang="ko-KR" altLang="en-US" b="1" dirty="0"/>
-              <a:t>개선을 위한 </a:t>
-            </a:r>
-            <a:r>
-              <a:rPr lang="en-US" altLang="ko-KR" b="1" dirty="0"/>
-              <a:t>UI </a:t>
-            </a:r>
-            <a:r>
-              <a:rPr lang="ko-KR" altLang="en-US" b="1" dirty="0"/>
-              <a:t>기획서 작성</a:t>
-            </a:r>
-            <a:endParaRPr lang="en-US" altLang="ko-KR" b="1" dirty="0"/>
-          </a:p>
-          <a:p>
-            <a:r>
-              <a:rPr lang="ko-KR" altLang="en-US" b="1" dirty="0" smtClean="0"/>
-              <a:t>사운드</a:t>
-            </a:r>
-            <a:r>
-              <a:rPr lang="en-US" altLang="ko-KR" b="1" dirty="0" smtClean="0"/>
-              <a:t>,</a:t>
-            </a:r>
-            <a:r>
-              <a:rPr lang="ko-KR" altLang="en-US" b="1" dirty="0" smtClean="0"/>
-              <a:t>이펙트</a:t>
-            </a:r>
-            <a:r>
-              <a:rPr lang="en-US" altLang="ko-KR" b="1" dirty="0" smtClean="0"/>
-              <a:t>,</a:t>
-            </a:r>
-            <a:r>
-              <a:rPr lang="ko-KR" altLang="en-US" b="1" dirty="0" smtClean="0"/>
-              <a:t>애니메이션 작업을 </a:t>
-            </a:r>
-            <a:r>
-              <a:rPr lang="ko-KR" altLang="en-US" b="1" dirty="0"/>
-              <a:t>위한 기획서 작성</a:t>
-            </a:r>
-            <a:endParaRPr lang="en-US" altLang="ko-KR" b="1" dirty="0"/>
-          </a:p>
-          <a:p>
-            <a:r>
-              <a:rPr lang="ko-KR" altLang="en-US" b="1" dirty="0" smtClean="0"/>
-              <a:t>레벨디자인 </a:t>
-            </a:r>
-            <a:r>
-              <a:rPr lang="en-US" altLang="ko-KR" b="1" dirty="0"/>
-              <a:t>, </a:t>
-            </a:r>
-            <a:r>
-              <a:rPr lang="ko-KR" altLang="en-US" b="1" dirty="0"/>
-              <a:t>밸런싱 작업</a:t>
-            </a:r>
-            <a:endParaRPr lang="en-US" altLang="ko-KR" b="1" dirty="0"/>
-          </a:p>
-          <a:p>
-            <a:pPr marL="0" indent="0">
-              <a:buNone/>
-            </a:pPr>
-            <a:r>
-              <a:rPr lang="en-US" altLang="ko-KR" b="1" dirty="0"/>
-              <a:t>-----------------------------------------------------</a:t>
-            </a:r>
-          </a:p>
-          <a:p>
-            <a:r>
-              <a:rPr lang="ko-KR" altLang="en-US" b="1" dirty="0"/>
-              <a:t>단순한 캐릭터의 특징을 살린 애니메이션 추가</a:t>
-            </a:r>
-            <a:endParaRPr lang="en-US" altLang="ko-KR" b="1" dirty="0"/>
-          </a:p>
-          <a:p>
-            <a:r>
-              <a:rPr lang="en-US" altLang="ko-KR" b="1" dirty="0"/>
-              <a:t>UI </a:t>
-            </a:r>
-            <a:r>
-              <a:rPr lang="ko-KR" altLang="en-US" b="1" dirty="0"/>
-              <a:t>디자인 변경</a:t>
-            </a:r>
-            <a:endParaRPr lang="en-US" altLang="ko-KR" b="1" dirty="0"/>
-          </a:p>
-          <a:p>
-            <a:r>
-              <a:rPr lang="ko-KR" altLang="en-US" b="1" dirty="0" smtClean="0"/>
-              <a:t>조경물 </a:t>
-            </a:r>
-            <a:r>
-              <a:rPr lang="ko-KR" altLang="en-US" b="1" dirty="0"/>
-              <a:t>제작</a:t>
-            </a:r>
-          </a:p>
-        </p:txBody>
-      </p:sp>
-      <p:sp>
-        <p:nvSpPr>
-          <p:cNvPr id="5" name="Slide Number Placeholder 4"/>
-          <p:cNvSpPr>
-            <a:spLocks noGrp="1"/>
-          </p:cNvSpPr>
-          <p:nvPr>
-            <p:ph type="sldNum" sz="quarter" idx="12"/>
-          </p:nvPr>
-        </p:nvSpPr>
-        <p:spPr/>
-        <p:txBody>
-          <a:bodyPr/>
-          <a:lstStyle/>
-          <a:p>
-            <a:fld id="{FBFC020C-1606-4BED-91BA-A6230104B3B1}" type="slidenum">
-              <a:rPr lang="ko-KR" altLang="en-US" smtClean="0"/>
-              <a:t>17</a:t>
-            </a:fld>
-            <a:endParaRPr lang="ko-KR" altLang="en-US"/>
-          </a:p>
-        </p:txBody>
-      </p:sp>
-    </p:spTree>
-    <p:extLst>
-      <p:ext uri="{BB962C8B-B14F-4D97-AF65-F5344CB8AC3E}">
-        <p14:creationId xmlns:p14="http://schemas.microsoft.com/office/powerpoint/2010/main" val="1406679189"/>
-      </p:ext>
-    </p:extLst>
-  </p:cSld>
-  <p:clrMapOvr>
-    <a:masterClrMapping/>
-  </p:clrMapOvr>
-  <p:timing>
-    <p:tnLst>
-      <p:par>
-        <p:cTn id="1" dur="indefinite" restart="never" nodeType="tmRoot"/>
-      </p:par>
-    </p:tnLst>
-  </p:timing>
-</p:sld>
-</file>
-
-<file path=ppt/slides/slide18.xml><?xml version="1.0" encoding="utf-8"?>
-<p:sld xmlns:a="http://schemas.openxmlformats.org/drawingml/2006/main" xmlns:r="http://schemas.openxmlformats.org/officeDocument/2006/relationships" xmlns:p="http://schemas.openxmlformats.org/presentationml/2006/main">
-  <p:cSld>
-    <p:spTree>
-      <p:nvGrpSpPr>
-        <p:cNvPr id="1" name=""/>
-        <p:cNvGrpSpPr/>
-        <p:nvPr/>
-      </p:nvGrpSpPr>
-      <p:grpSpPr>
-        <a:xfrm>
-          <a:off x="0" y="0"/>
-          <a:ext cx="0" cy="0"/>
-          <a:chOff x="0" y="0"/>
-          <a:chExt cx="0" cy="0"/>
-        </a:xfrm>
-      </p:grpSpPr>
-      <p:sp>
-        <p:nvSpPr>
-          <p:cNvPr id="2" name="제목 1"/>
-          <p:cNvSpPr>
-            <a:spLocks noGrp="1"/>
-          </p:cNvSpPr>
-          <p:nvPr>
-            <p:ph type="title"/>
-          </p:nvPr>
-        </p:nvSpPr>
-        <p:spPr/>
-        <p:txBody>
-          <a:bodyPr>
-            <a:normAutofit fontScale="90000"/>
-          </a:bodyPr>
-          <a:lstStyle/>
-          <a:p>
-            <a:r>
-              <a:rPr lang="en-US" altLang="ko-KR" b="1" dirty="0"/>
-              <a:t/>
-            </a:r>
-            <a:br>
-              <a:rPr lang="en-US" altLang="ko-KR" b="1" dirty="0"/>
-            </a:br>
-            <a:r>
-              <a:rPr lang="en-US" altLang="ko-KR" b="1" dirty="0"/>
-              <a:t>4-3. </a:t>
-            </a:r>
-            <a:r>
-              <a:rPr lang="ko-KR" altLang="en-US" b="1" dirty="0"/>
-              <a:t>서버 개발 상황 </a:t>
-            </a:r>
-            <a:r>
-              <a:rPr lang="en-US" altLang="ko-KR" b="1" dirty="0"/>
-              <a:t>– </a:t>
-            </a:r>
-            <a:r>
-              <a:rPr lang="ko-KR" altLang="en-US" sz="3100" b="1" dirty="0"/>
-              <a:t>이진수</a:t>
-            </a:r>
-            <a:r>
-              <a:rPr lang="en-US" altLang="ko-KR" sz="3100" b="1" dirty="0"/>
-              <a:t> </a:t>
-            </a:r>
-            <a:r>
-              <a:rPr lang="en-US" altLang="ko-KR" b="1" dirty="0"/>
-              <a:t/>
-            </a:r>
-            <a:br>
-              <a:rPr lang="en-US" altLang="ko-KR" b="1" dirty="0"/>
-            </a:br>
-            <a:endParaRPr lang="ko-KR" altLang="en-US" dirty="0"/>
-          </a:p>
-        </p:txBody>
-      </p:sp>
-      <p:sp>
-        <p:nvSpPr>
-          <p:cNvPr id="3" name="내용 개체 틀 2"/>
-          <p:cNvSpPr>
-            <a:spLocks noGrp="1"/>
-          </p:cNvSpPr>
-          <p:nvPr>
-            <p:ph idx="1"/>
-          </p:nvPr>
-        </p:nvSpPr>
-        <p:spPr>
-          <a:xfrm>
-            <a:off x="838200" y="1825624"/>
-            <a:ext cx="10366829" cy="4865462"/>
-          </a:xfrm>
-        </p:spPr>
-        <p:txBody>
-          <a:bodyPr>
-            <a:normAutofit/>
-          </a:bodyPr>
-          <a:lstStyle/>
-          <a:p>
-            <a:r>
-              <a:rPr lang="en-US" altLang="ko-KR" b="1" dirty="0"/>
-              <a:t>DB </a:t>
-            </a:r>
-            <a:r>
-              <a:rPr lang="ko-KR" altLang="en-US" b="1" dirty="0"/>
-              <a:t>설계 및 구현 </a:t>
-            </a:r>
-            <a:endParaRPr lang="en-US" altLang="ko-KR" b="1" dirty="0"/>
-          </a:p>
-          <a:p>
-            <a:r>
-              <a:rPr lang="ko-KR" altLang="en-US" b="1" dirty="0"/>
-              <a:t>웹서버를 통한 클라이언트와 통신</a:t>
-            </a:r>
-            <a:endParaRPr lang="en-US" altLang="ko-KR" dirty="0"/>
-          </a:p>
-        </p:txBody>
-      </p:sp>
-      <p:sp>
-        <p:nvSpPr>
-          <p:cNvPr id="5" name="Slide Number Placeholder 4"/>
-          <p:cNvSpPr>
-            <a:spLocks noGrp="1"/>
-          </p:cNvSpPr>
-          <p:nvPr>
-            <p:ph type="sldNum" sz="quarter" idx="12"/>
-          </p:nvPr>
-        </p:nvSpPr>
-        <p:spPr/>
-        <p:txBody>
-          <a:bodyPr/>
-          <a:lstStyle/>
-          <a:p>
-            <a:fld id="{FBFC020C-1606-4BED-91BA-A6230104B3B1}" type="slidenum">
-              <a:rPr lang="ko-KR" altLang="en-US" smtClean="0"/>
-              <a:t>18</a:t>
-            </a:fld>
-            <a:endParaRPr lang="ko-KR" altLang="en-US"/>
-          </a:p>
-        </p:txBody>
-      </p:sp>
-    </p:spTree>
-    <p:extLst>
-      <p:ext uri="{BB962C8B-B14F-4D97-AF65-F5344CB8AC3E}">
-        <p14:creationId xmlns:p14="http://schemas.microsoft.com/office/powerpoint/2010/main" val="3773845397"/>
-      </p:ext>
-    </p:extLst>
-  </p:cSld>
-  <p:clrMapOvr>
-    <a:masterClrMapping/>
-  </p:clrMapOvr>
-  <p:timing>
-    <p:tnLst>
-      <p:par>
-        <p:cTn id="1" dur="indefinite" restart="never" nodeType="tmRoot"/>
-      </p:par>
-    </p:tnLst>
-  </p:timing>
-</p:sld>
-</file>
-
-<file path=ppt/slides/slide19.xml><?xml version="1.0" encoding="utf-8"?>
-<p:sld xmlns:a="http://schemas.openxmlformats.org/drawingml/2006/main" xmlns:r="http://schemas.openxmlformats.org/officeDocument/2006/relationships" xmlns:p="http://schemas.openxmlformats.org/presentationml/2006/main">
-  <p:cSld>
-    <p:spTree>
-      <p:nvGrpSpPr>
-        <p:cNvPr id="1" name=""/>
-        <p:cNvGrpSpPr/>
-        <p:nvPr/>
-      </p:nvGrpSpPr>
-      <p:grpSpPr>
-        <a:xfrm>
-          <a:off x="0" y="0"/>
-          <a:ext cx="0" cy="0"/>
-          <a:chOff x="0" y="0"/>
-          <a:chExt cx="0" cy="0"/>
-        </a:xfrm>
-      </p:grpSpPr>
-      <p:sp>
-        <p:nvSpPr>
-          <p:cNvPr id="2" name="제목 1"/>
-          <p:cNvSpPr>
-            <a:spLocks noGrp="1"/>
-          </p:cNvSpPr>
-          <p:nvPr>
-            <p:ph type="title"/>
-          </p:nvPr>
-        </p:nvSpPr>
-        <p:spPr/>
-        <p:txBody>
-          <a:bodyPr>
-            <a:normAutofit fontScale="90000"/>
-          </a:bodyPr>
-          <a:lstStyle/>
-          <a:p>
-            <a:r>
-              <a:rPr lang="en-US" altLang="ko-KR" b="1" dirty="0"/>
-              <a:t/>
-            </a:r>
-            <a:br>
-              <a:rPr lang="en-US" altLang="ko-KR" b="1" dirty="0"/>
-            </a:br>
-            <a:r>
-              <a:rPr lang="en-US" altLang="ko-KR" b="1" dirty="0"/>
-              <a:t>4-3. </a:t>
-            </a:r>
-            <a:r>
-              <a:rPr lang="ko-KR" altLang="en-US" b="1" dirty="0"/>
-              <a:t>서버 개발 미흡점 </a:t>
-            </a:r>
-            <a:r>
-              <a:rPr lang="en-US" altLang="ko-KR" b="1" dirty="0"/>
-              <a:t>– </a:t>
-            </a:r>
-            <a:r>
-              <a:rPr lang="ko-KR" altLang="en-US" sz="3100" b="1" dirty="0"/>
-              <a:t>이진수</a:t>
-            </a:r>
-            <a:r>
-              <a:rPr lang="en-US" altLang="ko-KR" b="1" dirty="0"/>
-              <a:t/>
-            </a:r>
-            <a:br>
-              <a:rPr lang="en-US" altLang="ko-KR" b="1" dirty="0"/>
-            </a:br>
-            <a:endParaRPr lang="ko-KR" altLang="en-US" dirty="0"/>
-          </a:p>
-        </p:txBody>
-      </p:sp>
-      <p:sp>
-        <p:nvSpPr>
-          <p:cNvPr id="3" name="내용 개체 틀 2"/>
-          <p:cNvSpPr>
-            <a:spLocks noGrp="1"/>
-          </p:cNvSpPr>
-          <p:nvPr>
-            <p:ph idx="1"/>
-          </p:nvPr>
-        </p:nvSpPr>
-        <p:spPr>
-          <a:xfrm>
-            <a:off x="838200" y="1825624"/>
-            <a:ext cx="10366829" cy="4865462"/>
-          </a:xfrm>
-        </p:spPr>
-        <p:txBody>
-          <a:bodyPr>
-            <a:normAutofit/>
-          </a:bodyPr>
-          <a:lstStyle/>
-          <a:p>
-            <a:r>
-              <a:rPr lang="ko-KR" altLang="en-US" b="1" dirty="0"/>
-              <a:t>보안 관련 지식 미숙</a:t>
-            </a:r>
-            <a:endParaRPr lang="en-US" altLang="ko-KR" b="1" dirty="0"/>
-          </a:p>
-          <a:p>
-            <a:r>
-              <a:rPr lang="ko-KR" altLang="en-US" b="1" dirty="0"/>
-              <a:t>유저 분석 관련 </a:t>
-            </a:r>
-            <a:r>
-              <a:rPr lang="en-US" altLang="ko-KR" b="1" dirty="0"/>
-              <a:t>DB </a:t>
-            </a:r>
-            <a:r>
-              <a:rPr lang="ko-KR" altLang="en-US" b="1" dirty="0"/>
-              <a:t>설계 미흡</a:t>
-            </a:r>
-            <a:endParaRPr lang="en-US" altLang="ko-KR" b="1" dirty="0"/>
-          </a:p>
-          <a:p>
-            <a:r>
-              <a:rPr lang="ko-KR" altLang="en-US" b="1" dirty="0"/>
-              <a:t>구글 로그인 연동을 </a:t>
-            </a:r>
-            <a:r>
-              <a:rPr lang="ko-KR" altLang="en-US" b="1" dirty="0" smtClean="0"/>
-              <a:t>미구</a:t>
-            </a:r>
-            <a:r>
-              <a:rPr lang="ko-KR" altLang="en-US" b="1" dirty="0"/>
-              <a:t>현</a:t>
-            </a:r>
-            <a:endParaRPr lang="en-US" altLang="ko-KR" b="1" dirty="0"/>
-          </a:p>
-          <a:p>
-            <a:r>
-              <a:rPr lang="ko-KR" altLang="en-US" b="1" dirty="0"/>
-              <a:t>리눅스를 통한 콘솔 </a:t>
-            </a:r>
-            <a:r>
-              <a:rPr lang="en-US" altLang="ko-KR" b="1" dirty="0"/>
-              <a:t>GIT </a:t>
-            </a:r>
-            <a:r>
-              <a:rPr lang="ko-KR" altLang="en-US" b="1" dirty="0"/>
-              <a:t>사용이 미숙하여 윈도우를 사용</a:t>
-            </a:r>
-            <a:endParaRPr lang="en-US" altLang="ko-KR" b="1" dirty="0"/>
-          </a:p>
-          <a:p>
-            <a:endParaRPr lang="en-US" altLang="ko-KR" b="1" dirty="0"/>
-          </a:p>
-          <a:p>
-            <a:endParaRPr lang="en-US" altLang="ko-KR" b="1" dirty="0"/>
-          </a:p>
-          <a:p>
-            <a:endParaRPr lang="en-US" altLang="ko-KR" b="1" dirty="0"/>
-          </a:p>
-        </p:txBody>
-      </p:sp>
-      <p:sp>
-        <p:nvSpPr>
-          <p:cNvPr id="5" name="Slide Number Placeholder 4"/>
-          <p:cNvSpPr>
-            <a:spLocks noGrp="1"/>
-          </p:cNvSpPr>
-          <p:nvPr>
-            <p:ph type="sldNum" sz="quarter" idx="12"/>
-          </p:nvPr>
-        </p:nvSpPr>
-        <p:spPr/>
-        <p:txBody>
-          <a:bodyPr/>
-          <a:lstStyle/>
-          <a:p>
-            <a:fld id="{FBFC020C-1606-4BED-91BA-A6230104B3B1}" type="slidenum">
-              <a:rPr lang="ko-KR" altLang="en-US" smtClean="0"/>
-              <a:t>19</a:t>
-            </a:fld>
-            <a:endParaRPr lang="ko-KR" altLang="en-US"/>
-          </a:p>
-        </p:txBody>
-      </p:sp>
-    </p:spTree>
-    <p:extLst>
-      <p:ext uri="{BB962C8B-B14F-4D97-AF65-F5344CB8AC3E}">
-        <p14:creationId xmlns:p14="http://schemas.microsoft.com/office/powerpoint/2010/main" val="980689935"/>
-      </p:ext>
-    </p:extLst>
-  </p:cSld>
-  <p:clrMapOvr>
-    <a:masterClrMapping/>
-  </p:clrMapOvr>
-  <p:timing>
-    <p:tnLst>
-      <p:par>
-        <p:cTn id="1" dur="indefinite" restart="never" nodeType="tmRoot"/>
-      </p:par>
-    </p:tnLst>
-  </p:timing>
-</p:sld>
-</file>
-
 <file path=ppt/slides/slide2.xml><?xml version="1.0" encoding="utf-8"?>
 <p:sld xmlns:a="http://schemas.openxmlformats.org/drawingml/2006/main" xmlns:r="http://schemas.openxmlformats.org/officeDocument/2006/relationships" xmlns:p="http://schemas.openxmlformats.org/presentationml/2006/main">
   <p:cSld>
@@ -7291,654 +6214,6 @@
     <p:extLst>
       <p:ext uri="{BB962C8B-B14F-4D97-AF65-F5344CB8AC3E}">
         <p14:creationId xmlns:p14="http://schemas.microsoft.com/office/powerpoint/2010/main" val="1506790528"/>
-      </p:ext>
-    </p:extLst>
-  </p:cSld>
-  <p:clrMapOvr>
-    <a:masterClrMapping/>
-  </p:clrMapOvr>
-  <p:timing>
-    <p:tnLst>
-      <p:par>
-        <p:cTn id="1" dur="indefinite" restart="never" nodeType="tmRoot"/>
-      </p:par>
-    </p:tnLst>
-  </p:timing>
-</p:sld>
-</file>
-
-<file path=ppt/slides/slide20.xml><?xml version="1.0" encoding="utf-8"?>
-<p:sld xmlns:a="http://schemas.openxmlformats.org/drawingml/2006/main" xmlns:r="http://schemas.openxmlformats.org/officeDocument/2006/relationships" xmlns:p="http://schemas.openxmlformats.org/presentationml/2006/main">
-  <p:cSld>
-    <p:spTree>
-      <p:nvGrpSpPr>
-        <p:cNvPr id="1" name=""/>
-        <p:cNvGrpSpPr/>
-        <p:nvPr/>
-      </p:nvGrpSpPr>
-      <p:grpSpPr>
-        <a:xfrm>
-          <a:off x="0" y="0"/>
-          <a:ext cx="0" cy="0"/>
-          <a:chOff x="0" y="0"/>
-          <a:chExt cx="0" cy="0"/>
-        </a:xfrm>
-      </p:grpSpPr>
-      <p:sp>
-        <p:nvSpPr>
-          <p:cNvPr id="2" name="제목 1"/>
-          <p:cNvSpPr>
-            <a:spLocks noGrp="1"/>
-          </p:cNvSpPr>
-          <p:nvPr>
-            <p:ph type="title"/>
-          </p:nvPr>
-        </p:nvSpPr>
-        <p:spPr/>
-        <p:txBody>
-          <a:bodyPr>
-            <a:normAutofit fontScale="90000"/>
-          </a:bodyPr>
-          <a:lstStyle/>
-          <a:p>
-            <a:r>
-              <a:rPr lang="en-US" altLang="ko-KR" b="1" dirty="0"/>
-              <a:t/>
-            </a:r>
-            <a:br>
-              <a:rPr lang="en-US" altLang="ko-KR" b="1" dirty="0"/>
-            </a:br>
-            <a:r>
-              <a:rPr lang="en-US" altLang="ko-KR" b="1" dirty="0"/>
-              <a:t>4-3. </a:t>
-            </a:r>
-            <a:r>
-              <a:rPr lang="ko-KR" altLang="en-US" b="1" dirty="0"/>
-              <a:t>차후 서버 개발 예정 </a:t>
-            </a:r>
-            <a:r>
-              <a:rPr lang="en-US" altLang="ko-KR" b="1" dirty="0"/>
-              <a:t>– </a:t>
-            </a:r>
-            <a:r>
-              <a:rPr lang="ko-KR" altLang="en-US" sz="3100" b="1" dirty="0"/>
-              <a:t>이진수</a:t>
-            </a:r>
-            <a:r>
-              <a:rPr lang="en-US" altLang="ko-KR" b="1" dirty="0"/>
-              <a:t/>
-            </a:r>
-            <a:br>
-              <a:rPr lang="en-US" altLang="ko-KR" b="1" dirty="0"/>
-            </a:br>
-            <a:endParaRPr lang="ko-KR" altLang="en-US" dirty="0"/>
-          </a:p>
-        </p:txBody>
-      </p:sp>
-      <p:sp>
-        <p:nvSpPr>
-          <p:cNvPr id="3" name="내용 개체 틀 2"/>
-          <p:cNvSpPr>
-            <a:spLocks noGrp="1"/>
-          </p:cNvSpPr>
-          <p:nvPr>
-            <p:ph idx="1"/>
-          </p:nvPr>
-        </p:nvSpPr>
-        <p:spPr>
-          <a:xfrm>
-            <a:off x="838200" y="1825624"/>
-            <a:ext cx="10366829" cy="4865462"/>
-          </a:xfrm>
-        </p:spPr>
-        <p:txBody>
-          <a:bodyPr>
-            <a:normAutofit/>
-          </a:bodyPr>
-          <a:lstStyle/>
-          <a:p>
-            <a:r>
-              <a:rPr lang="ko-KR" altLang="en-US" b="1" dirty="0"/>
-              <a:t>대전 시스템에 따른 </a:t>
-            </a:r>
-            <a:r>
-              <a:rPr lang="en-US" altLang="ko-KR" b="1" dirty="0"/>
-              <a:t>DB </a:t>
-            </a:r>
-            <a:r>
-              <a:rPr lang="ko-KR" altLang="en-US" b="1" dirty="0"/>
-              <a:t>수정</a:t>
-            </a:r>
-            <a:endParaRPr lang="en-US" altLang="ko-KR" b="1" dirty="0"/>
-          </a:p>
-          <a:p>
-            <a:r>
-              <a:rPr lang="ko-KR" altLang="en-US" b="1" dirty="0"/>
-              <a:t>유저 분석 </a:t>
-            </a:r>
-            <a:r>
-              <a:rPr lang="en-US" altLang="ko-KR" b="1" dirty="0"/>
-              <a:t>DB </a:t>
-            </a:r>
-            <a:r>
-              <a:rPr lang="ko-KR" altLang="en-US" b="1" dirty="0"/>
-              <a:t>제작</a:t>
-            </a:r>
-            <a:endParaRPr lang="en-US" altLang="ko-KR" dirty="0"/>
-          </a:p>
-          <a:p>
-            <a:r>
-              <a:rPr lang="ko-KR" altLang="en-US" b="1" dirty="0"/>
-              <a:t>서버 보안 예정</a:t>
-            </a:r>
-            <a:endParaRPr lang="en-US" altLang="ko-KR" b="1" dirty="0"/>
-          </a:p>
-          <a:p>
-            <a:r>
-              <a:rPr lang="ko-KR" altLang="en-US" b="1" dirty="0"/>
-              <a:t> 서버 데이터 </a:t>
-            </a:r>
-            <a:r>
-              <a:rPr lang="en-US" altLang="ko-KR" b="1" dirty="0"/>
-              <a:t>IBM </a:t>
-            </a:r>
-            <a:r>
-              <a:rPr lang="ko-KR" altLang="en-US" b="1" dirty="0"/>
-              <a:t>클라우드에 적용 </a:t>
-            </a:r>
-            <a:endParaRPr lang="en-US" altLang="ko-KR" b="1" dirty="0"/>
-          </a:p>
-        </p:txBody>
-      </p:sp>
-      <p:sp>
-        <p:nvSpPr>
-          <p:cNvPr id="5" name="Slide Number Placeholder 4"/>
-          <p:cNvSpPr>
-            <a:spLocks noGrp="1"/>
-          </p:cNvSpPr>
-          <p:nvPr>
-            <p:ph type="sldNum" sz="quarter" idx="12"/>
-          </p:nvPr>
-        </p:nvSpPr>
-        <p:spPr/>
-        <p:txBody>
-          <a:bodyPr/>
-          <a:lstStyle/>
-          <a:p>
-            <a:fld id="{FBFC020C-1606-4BED-91BA-A6230104B3B1}" type="slidenum">
-              <a:rPr lang="ko-KR" altLang="en-US" smtClean="0"/>
-              <a:t>20</a:t>
-            </a:fld>
-            <a:endParaRPr lang="ko-KR" altLang="en-US"/>
-          </a:p>
-        </p:txBody>
-      </p:sp>
-    </p:spTree>
-    <p:extLst>
-      <p:ext uri="{BB962C8B-B14F-4D97-AF65-F5344CB8AC3E}">
-        <p14:creationId xmlns:p14="http://schemas.microsoft.com/office/powerpoint/2010/main" val="1406679189"/>
-      </p:ext>
-    </p:extLst>
-  </p:cSld>
-  <p:clrMapOvr>
-    <a:masterClrMapping/>
-  </p:clrMapOvr>
-  <p:timing>
-    <p:tnLst>
-      <p:par>
-        <p:cTn id="1" dur="indefinite" restart="never" nodeType="tmRoot"/>
-      </p:par>
-    </p:tnLst>
-  </p:timing>
-</p:sld>
-</file>
-
-<file path=ppt/slides/slide21.xml><?xml version="1.0" encoding="utf-8"?>
-<p:sld xmlns:a="http://schemas.openxmlformats.org/drawingml/2006/main" xmlns:r="http://schemas.openxmlformats.org/officeDocument/2006/relationships" xmlns:p="http://schemas.openxmlformats.org/presentationml/2006/main">
-  <p:cSld>
-    <p:spTree>
-      <p:nvGrpSpPr>
-        <p:cNvPr id="1" name=""/>
-        <p:cNvGrpSpPr/>
-        <p:nvPr/>
-      </p:nvGrpSpPr>
-      <p:grpSpPr>
-        <a:xfrm>
-          <a:off x="0" y="0"/>
-          <a:ext cx="0" cy="0"/>
-          <a:chOff x="0" y="0"/>
-          <a:chExt cx="0" cy="0"/>
-        </a:xfrm>
-      </p:grpSpPr>
-      <p:sp>
-        <p:nvSpPr>
-          <p:cNvPr id="2" name="제목 1"/>
-          <p:cNvSpPr>
-            <a:spLocks noGrp="1"/>
-          </p:cNvSpPr>
-          <p:nvPr>
-            <p:ph type="title"/>
-          </p:nvPr>
-        </p:nvSpPr>
-        <p:spPr/>
-        <p:txBody>
-          <a:bodyPr/>
-          <a:lstStyle/>
-          <a:p>
-            <a:r>
-              <a:rPr lang="en-US" altLang="ko-KR" b="1" dirty="0"/>
-              <a:t>3. </a:t>
-            </a:r>
-            <a:r>
-              <a:rPr lang="ko-KR" altLang="en-US" b="1" dirty="0" err="1"/>
-              <a:t>게임조작</a:t>
-            </a:r>
-            <a:endParaRPr lang="ko-KR" altLang="en-US" b="1" dirty="0"/>
-          </a:p>
-        </p:txBody>
-      </p:sp>
-      <p:grpSp>
-        <p:nvGrpSpPr>
-          <p:cNvPr id="7" name="Group 6"/>
-          <p:cNvGrpSpPr/>
-          <p:nvPr/>
-        </p:nvGrpSpPr>
-        <p:grpSpPr>
-          <a:xfrm>
-            <a:off x="502028" y="2060840"/>
-            <a:ext cx="5129025" cy="2736315"/>
-            <a:chOff x="-2" y="2060842"/>
-            <a:chExt cx="5129025" cy="2736315"/>
-          </a:xfrm>
-        </p:grpSpPr>
-        <p:pic>
-          <p:nvPicPr>
-            <p:cNvPr id="6" name="Picture 5"/>
-            <p:cNvPicPr>
-              <a:picLocks noChangeAspect="1"/>
-            </p:cNvPicPr>
-            <p:nvPr/>
-          </p:nvPicPr>
-          <p:blipFill>
-            <a:blip r:embed="rId2" cstate="print">
-              <a:extLst>
-                <a:ext uri="{28A0092B-C50C-407E-A947-70E740481C1C}">
-                  <a14:useLocalDpi xmlns:a14="http://schemas.microsoft.com/office/drawing/2010/main" val="0"/>
-                </a:ext>
-              </a:extLst>
-            </a:blip>
-            <a:stretch>
-              <a:fillRect/>
-            </a:stretch>
-          </p:blipFill>
-          <p:spPr>
-            <a:xfrm>
-              <a:off x="502028" y="2268853"/>
-              <a:ext cx="4124964" cy="2320292"/>
-            </a:xfrm>
-            <a:prstGeom prst="rect">
-              <a:avLst/>
-            </a:prstGeom>
-          </p:spPr>
-        </p:pic>
-        <p:pic>
-          <p:nvPicPr>
-            <p:cNvPr id="5" name="Picture 4"/>
-            <p:cNvPicPr>
-              <a:picLocks noChangeAspect="1"/>
-            </p:cNvPicPr>
-            <p:nvPr/>
-          </p:nvPicPr>
-          <p:blipFill>
-            <a:blip r:embed="rId3">
-              <a:extLst>
-                <a:ext uri="{28A0092B-C50C-407E-A947-70E740481C1C}">
-                  <a14:useLocalDpi xmlns:a14="http://schemas.microsoft.com/office/drawing/2010/main" val="0"/>
-                </a:ext>
-              </a:extLst>
-            </a:blip>
-            <a:stretch>
-              <a:fillRect/>
-            </a:stretch>
-          </p:blipFill>
-          <p:spPr>
-            <a:xfrm>
-              <a:off x="-2" y="2060842"/>
-              <a:ext cx="5129025" cy="2736315"/>
-            </a:xfrm>
-            <a:prstGeom prst="rect">
-              <a:avLst/>
-            </a:prstGeom>
-          </p:spPr>
-        </p:pic>
-      </p:grpSp>
-      <p:pic>
-        <p:nvPicPr>
-          <p:cNvPr id="8" name="Picture 7"/>
-          <p:cNvPicPr>
-            <a:picLocks noChangeAspect="1"/>
-          </p:cNvPicPr>
-          <p:nvPr/>
-        </p:nvPicPr>
-        <p:blipFill>
-          <a:blip r:embed="rId4">
-            <a:extLst>
-              <a:ext uri="{28A0092B-C50C-407E-A947-70E740481C1C}">
-                <a14:useLocalDpi xmlns:a14="http://schemas.microsoft.com/office/drawing/2010/main" val="0"/>
-              </a:ext>
-            </a:extLst>
-          </a:blip>
-          <a:stretch>
-            <a:fillRect/>
-          </a:stretch>
-        </p:blipFill>
-        <p:spPr>
-          <a:xfrm>
-            <a:off x="1944916" y="4212771"/>
-            <a:ext cx="1404258" cy="1404258"/>
-          </a:xfrm>
-          <a:prstGeom prst="rect">
-            <a:avLst/>
-          </a:prstGeom>
-        </p:spPr>
-      </p:pic>
-      <p:sp>
-        <p:nvSpPr>
-          <p:cNvPr id="9" name="TextBox 8"/>
-          <p:cNvSpPr txBox="1"/>
-          <p:nvPr/>
-        </p:nvSpPr>
-        <p:spPr>
-          <a:xfrm>
-            <a:off x="729740" y="5776683"/>
-            <a:ext cx="4673600" cy="646331"/>
-          </a:xfrm>
-          <a:prstGeom prst="rect">
-            <a:avLst/>
-          </a:prstGeom>
-          <a:noFill/>
-        </p:spPr>
-        <p:txBody>
-          <a:bodyPr wrap="square" rtlCol="0">
-            <a:spAutoFit/>
-          </a:bodyPr>
-          <a:lstStyle/>
-          <a:p>
-            <a:pPr algn="ctr"/>
-            <a:r>
-              <a:rPr lang="ko-KR" altLang="en-US" dirty="0"/>
-              <a:t>화면 탭하기 </a:t>
-            </a:r>
-            <a:endParaRPr lang="en-US" altLang="ko-KR" dirty="0"/>
-          </a:p>
-          <a:p>
-            <a:pPr marL="285750" indent="-285750" algn="ctr">
-              <a:buFontTx/>
-              <a:buChar char="-"/>
-            </a:pPr>
-            <a:r>
-              <a:rPr lang="ko-KR" altLang="en-US" dirty="0"/>
-              <a:t>선택</a:t>
-            </a:r>
-            <a:r>
-              <a:rPr lang="en-US" altLang="ko-KR" dirty="0"/>
-              <a:t>, </a:t>
-            </a:r>
-            <a:r>
-              <a:rPr lang="ko-KR" altLang="en-US" dirty="0"/>
-              <a:t>지정</a:t>
-            </a:r>
-          </a:p>
-        </p:txBody>
-      </p:sp>
-      <p:grpSp>
-        <p:nvGrpSpPr>
-          <p:cNvPr id="10" name="Group 9"/>
-          <p:cNvGrpSpPr/>
-          <p:nvPr/>
-        </p:nvGrpSpPr>
-        <p:grpSpPr>
-          <a:xfrm>
-            <a:off x="6770913" y="2060841"/>
-            <a:ext cx="5129025" cy="2736315"/>
-            <a:chOff x="-2" y="2060842"/>
-            <a:chExt cx="5129025" cy="2736315"/>
-          </a:xfrm>
-        </p:grpSpPr>
-        <p:pic>
-          <p:nvPicPr>
-            <p:cNvPr id="11" name="Picture 10"/>
-            <p:cNvPicPr>
-              <a:picLocks noChangeAspect="1"/>
-            </p:cNvPicPr>
-            <p:nvPr/>
-          </p:nvPicPr>
-          <p:blipFill>
-            <a:blip r:embed="rId2" cstate="print">
-              <a:extLst>
-                <a:ext uri="{28A0092B-C50C-407E-A947-70E740481C1C}">
-                  <a14:useLocalDpi xmlns:a14="http://schemas.microsoft.com/office/drawing/2010/main" val="0"/>
-                </a:ext>
-              </a:extLst>
-            </a:blip>
-            <a:stretch>
-              <a:fillRect/>
-            </a:stretch>
-          </p:blipFill>
-          <p:spPr>
-            <a:xfrm>
-              <a:off x="502028" y="2268853"/>
-              <a:ext cx="4124964" cy="2320292"/>
-            </a:xfrm>
-            <a:prstGeom prst="rect">
-              <a:avLst/>
-            </a:prstGeom>
-          </p:spPr>
-        </p:pic>
-        <p:pic>
-          <p:nvPicPr>
-            <p:cNvPr id="12" name="Picture 11"/>
-            <p:cNvPicPr>
-              <a:picLocks noChangeAspect="1"/>
-            </p:cNvPicPr>
-            <p:nvPr/>
-          </p:nvPicPr>
-          <p:blipFill>
-            <a:blip r:embed="rId3">
-              <a:extLst>
-                <a:ext uri="{28A0092B-C50C-407E-A947-70E740481C1C}">
-                  <a14:useLocalDpi xmlns:a14="http://schemas.microsoft.com/office/drawing/2010/main" val="0"/>
-                </a:ext>
-              </a:extLst>
-            </a:blip>
-            <a:stretch>
-              <a:fillRect/>
-            </a:stretch>
-          </p:blipFill>
-          <p:spPr>
-            <a:xfrm>
-              <a:off x="-2" y="2060842"/>
-              <a:ext cx="5129025" cy="2736315"/>
-            </a:xfrm>
-            <a:prstGeom prst="rect">
-              <a:avLst/>
-            </a:prstGeom>
-          </p:spPr>
-        </p:pic>
-      </p:grpSp>
-      <p:pic>
-        <p:nvPicPr>
-          <p:cNvPr id="14" name="Picture 13"/>
-          <p:cNvPicPr>
-            <a:picLocks noChangeAspect="1"/>
-          </p:cNvPicPr>
-          <p:nvPr/>
-        </p:nvPicPr>
-        <p:blipFill>
-          <a:blip r:embed="rId4">
-            <a:extLst>
-              <a:ext uri="{28A0092B-C50C-407E-A947-70E740481C1C}">
-                <a14:useLocalDpi xmlns:a14="http://schemas.microsoft.com/office/drawing/2010/main" val="0"/>
-              </a:ext>
-            </a:extLst>
-          </a:blip>
-          <a:stretch>
-            <a:fillRect/>
-          </a:stretch>
-        </p:blipFill>
-        <p:spPr>
-          <a:xfrm>
-            <a:off x="7511145" y="3663042"/>
-            <a:ext cx="1404258" cy="1404258"/>
-          </a:xfrm>
-          <a:prstGeom prst="rect">
-            <a:avLst/>
-          </a:prstGeom>
-        </p:spPr>
-      </p:pic>
-      <p:pic>
-        <p:nvPicPr>
-          <p:cNvPr id="15" name="Picture 14"/>
-          <p:cNvPicPr>
-            <a:picLocks noChangeAspect="1"/>
-          </p:cNvPicPr>
-          <p:nvPr/>
-        </p:nvPicPr>
-        <p:blipFill>
-          <a:blip r:embed="rId4">
-            <a:extLst>
-              <a:ext uri="{28A0092B-C50C-407E-A947-70E740481C1C}">
-                <a14:useLocalDpi xmlns:a14="http://schemas.microsoft.com/office/drawing/2010/main" val="0"/>
-              </a:ext>
-            </a:extLst>
-          </a:blip>
-          <a:stretch>
-            <a:fillRect/>
-          </a:stretch>
-        </p:blipFill>
-        <p:spPr>
-          <a:xfrm>
-            <a:off x="9652002" y="2841170"/>
-            <a:ext cx="1404258" cy="1404258"/>
-          </a:xfrm>
-          <a:prstGeom prst="rect">
-            <a:avLst/>
-          </a:prstGeom>
-        </p:spPr>
-      </p:pic>
-      <p:sp>
-        <p:nvSpPr>
-          <p:cNvPr id="16" name="Striped Right Arrow 15"/>
-          <p:cNvSpPr/>
-          <p:nvPr/>
-        </p:nvSpPr>
-        <p:spPr>
-          <a:xfrm rot="20244813">
-            <a:off x="8427290" y="3120396"/>
-            <a:ext cx="1525986" cy="617207"/>
-          </a:xfrm>
-          <a:prstGeom prst="stripedRightArrow">
-            <a:avLst>
-              <a:gd name="adj1" fmla="val 49448"/>
-              <a:gd name="adj2" fmla="val 50000"/>
-            </a:avLst>
-          </a:prstGeom>
-        </p:spPr>
-        <p:style>
-          <a:lnRef idx="2">
-            <a:schemeClr val="dk1"/>
-          </a:lnRef>
-          <a:fillRef idx="1">
-            <a:schemeClr val="lt1"/>
-          </a:fillRef>
-          <a:effectRef idx="0">
-            <a:schemeClr val="dk1"/>
-          </a:effectRef>
-          <a:fontRef idx="minor">
-            <a:schemeClr val="dk1"/>
-          </a:fontRef>
-        </p:style>
-        <p:txBody>
-          <a:bodyPr rtlCol="0" anchor="ctr"/>
-          <a:lstStyle/>
-          <a:p>
-            <a:pPr algn="ctr"/>
-            <a:endParaRPr lang="ko-KR" altLang="en-US" dirty="0"/>
-          </a:p>
-        </p:txBody>
-      </p:sp>
-      <p:sp>
-        <p:nvSpPr>
-          <p:cNvPr id="17" name="TextBox 16"/>
-          <p:cNvSpPr txBox="1"/>
-          <p:nvPr/>
-        </p:nvSpPr>
-        <p:spPr>
-          <a:xfrm>
-            <a:off x="6998625" y="5798454"/>
-            <a:ext cx="4673600" cy="646331"/>
-          </a:xfrm>
-          <a:prstGeom prst="rect">
-            <a:avLst/>
-          </a:prstGeom>
-          <a:noFill/>
-        </p:spPr>
-        <p:txBody>
-          <a:bodyPr wrap="square" rtlCol="0">
-            <a:spAutoFit/>
-          </a:bodyPr>
-          <a:lstStyle/>
-          <a:p>
-            <a:pPr algn="ctr"/>
-            <a:r>
-              <a:rPr lang="ko-KR" altLang="en-US" dirty="0"/>
-              <a:t>화면 드래그</a:t>
-            </a:r>
-            <a:r>
-              <a:rPr lang="en-US" altLang="ko-KR" dirty="0"/>
-              <a:t/>
-            </a:r>
-            <a:br>
-              <a:rPr lang="en-US" altLang="ko-KR" dirty="0"/>
-            </a:br>
-            <a:r>
-              <a:rPr lang="en-US" altLang="ko-KR" dirty="0"/>
-              <a:t>- </a:t>
-            </a:r>
-            <a:r>
-              <a:rPr lang="ko-KR" altLang="en-US" dirty="0"/>
-              <a:t>카메라 이동</a:t>
-            </a:r>
-          </a:p>
-        </p:txBody>
-      </p:sp>
-      <p:sp>
-        <p:nvSpPr>
-          <p:cNvPr id="4" name="Slide Number Placeholder 3"/>
-          <p:cNvSpPr>
-            <a:spLocks noGrp="1"/>
-          </p:cNvSpPr>
-          <p:nvPr>
-            <p:ph type="sldNum" sz="quarter" idx="12"/>
-          </p:nvPr>
-        </p:nvSpPr>
-        <p:spPr/>
-        <p:txBody>
-          <a:bodyPr/>
-          <a:lstStyle/>
-          <a:p>
-            <a:fld id="{FBFC020C-1606-4BED-91BA-A6230104B3B1}" type="slidenum">
-              <a:rPr lang="ko-KR" altLang="en-US" smtClean="0"/>
-              <a:t>21</a:t>
-            </a:fld>
-            <a:endParaRPr lang="ko-KR" altLang="en-US"/>
-          </a:p>
-        </p:txBody>
-      </p:sp>
-    </p:spTree>
-    <p:extLst>
-      <p:ext uri="{BB962C8B-B14F-4D97-AF65-F5344CB8AC3E}">
-        <p14:creationId xmlns:p14="http://schemas.microsoft.com/office/powerpoint/2010/main" val="751557718"/>
       </p:ext>
     </p:extLst>
   </p:cSld>
@@ -8136,9 +6411,7 @@
               <a:gd name="adj" fmla="val 37214"/>
             </a:avLst>
           </a:prstGeom>
-          <a:ln>
-            <a:noFill/>
-          </a:ln>
+          <a:ln/>
         </p:spPr>
         <p:style>
           <a:lnRef idx="2">
@@ -8174,7 +6447,7 @@
         <p:spPr>
           <a:xfrm>
             <a:off x="1077686" y="4284937"/>
-            <a:ext cx="3804557" cy="1323439"/>
+            <a:ext cx="3804557" cy="1384995"/>
           </a:xfrm>
           <a:prstGeom prst="rect">
             <a:avLst/>
@@ -8188,7 +6461,7 @@
           <a:lstStyle/>
           <a:p>
             <a:r>
-              <a:rPr lang="en-US" altLang="ko-KR" sz="2000" dirty="0"/>
+              <a:rPr lang="en-US" altLang="ko-KR" sz="2400" b="1" dirty="0"/>
               <a:t>SRPG</a:t>
             </a:r>
           </a:p>
@@ -8235,7 +6508,7 @@
         <p:spPr>
           <a:xfrm>
             <a:off x="7467600" y="4284937"/>
-            <a:ext cx="3804557" cy="1631216"/>
+            <a:ext cx="3804557" cy="1692771"/>
           </a:xfrm>
           <a:prstGeom prst="rect">
             <a:avLst/>
@@ -8249,7 +6522,7 @@
           <a:lstStyle/>
           <a:p>
             <a:r>
-              <a:rPr lang="en-US" altLang="ko-KR" sz="2000" dirty="0"/>
+              <a:rPr lang="en-US" altLang="ko-KR" sz="2400" b="1" dirty="0"/>
               <a:t>TCG</a:t>
             </a:r>
           </a:p>
@@ -9120,9 +7393,14 @@
           <a:p>
             <a:pPr algn="ctr"/>
             <a:r>
+              <a:rPr lang="ko-KR" altLang="en-US" sz="1400" dirty="0" smtClean="0"/>
+              <a:t>클리</a:t>
+            </a:r>
+            <a:r>
               <a:rPr lang="ko-KR" altLang="en-US" sz="1400" dirty="0"/>
-              <a:t>진행</a:t>
-            </a:r>
+              <a:t>어</a:t>
+            </a:r>
+            <a:endParaRPr lang="ko-KR" altLang="en-US" sz="1400" dirty="0"/>
           </a:p>
         </p:txBody>
       </p:sp>
@@ -13002,7 +11280,7 @@
   <a:extraClrSchemeLst/>
   <a:extLst>
     <a:ext uri="{05A4C25C-085E-4340-85A3-A5531E510DB2}">
-      <thm15:themeFamily xmlns="" xmlns:thm15="http://schemas.microsoft.com/office/thememl/2012/main" name="Office Theme" id="{62F939B6-93AF-4DB8-9C6B-D6C7DFDC589F}" vid="{4A3C46E8-61CC-4603-A589-7422A47A8E4A}"/>
+      <thm15:themeFamily xmlns:thm15="http://schemas.microsoft.com/office/thememl/2012/main" xmlns="" name="Office Theme" id="{62F939B6-93AF-4DB8-9C6B-D6C7DFDC589F}" vid="{4A3C46E8-61CC-4603-A589-7422A47A8E4A}"/>
     </a:ext>
   </a:extLst>
 </a:theme>
